--- a/InFusion2016 - Getting It Done - Jason Wood.pptx
+++ b/InFusion2016 - Getting It Done - Jason Wood.pptx
@@ -5,7 +5,7 @@
     <p:sldMasterId id="2147483810" r:id="rId1"/>
   </p:sldMasterIdLst>
   <p:notesMasterIdLst>
-    <p:notesMasterId r:id="rId27"/>
+    <p:notesMasterId r:id="rId29"/>
   </p:notesMasterIdLst>
   <p:sldIdLst>
     <p:sldId id="256" r:id="rId2"/>
@@ -15,24 +15,26 @@
     <p:sldId id="259" r:id="rId6"/>
     <p:sldId id="261" r:id="rId7"/>
     <p:sldId id="265" r:id="rId8"/>
-    <p:sldId id="263" r:id="rId9"/>
-    <p:sldId id="264" r:id="rId10"/>
-    <p:sldId id="282" r:id="rId11"/>
-    <p:sldId id="271" r:id="rId12"/>
-    <p:sldId id="268" r:id="rId13"/>
-    <p:sldId id="269" r:id="rId14"/>
-    <p:sldId id="270" r:id="rId15"/>
-    <p:sldId id="272" r:id="rId16"/>
-    <p:sldId id="273" r:id="rId17"/>
-    <p:sldId id="274" r:id="rId18"/>
-    <p:sldId id="278" r:id="rId19"/>
-    <p:sldId id="279" r:id="rId20"/>
-    <p:sldId id="275" r:id="rId21"/>
-    <p:sldId id="277" r:id="rId22"/>
-    <p:sldId id="267" r:id="rId23"/>
-    <p:sldId id="281" r:id="rId24"/>
-    <p:sldId id="266" r:id="rId25"/>
-    <p:sldId id="280" r:id="rId26"/>
+    <p:sldId id="283" r:id="rId9"/>
+    <p:sldId id="284" r:id="rId10"/>
+    <p:sldId id="264" r:id="rId11"/>
+    <p:sldId id="282" r:id="rId12"/>
+    <p:sldId id="271" r:id="rId13"/>
+    <p:sldId id="268" r:id="rId14"/>
+    <p:sldId id="269" r:id="rId15"/>
+    <p:sldId id="286" r:id="rId16"/>
+    <p:sldId id="287" r:id="rId17"/>
+    <p:sldId id="270" r:id="rId18"/>
+    <p:sldId id="272" r:id="rId19"/>
+    <p:sldId id="273" r:id="rId20"/>
+    <p:sldId id="274" r:id="rId21"/>
+    <p:sldId id="278" r:id="rId22"/>
+    <p:sldId id="279" r:id="rId23"/>
+    <p:sldId id="275" r:id="rId24"/>
+    <p:sldId id="267" r:id="rId25"/>
+    <p:sldId id="281" r:id="rId26"/>
+    <p:sldId id="266" r:id="rId27"/>
+    <p:sldId id="280" r:id="rId28"/>
   </p:sldIdLst>
   <p:sldSz cx="12192000" cy="6858000"/>
   <p:notesSz cx="6858000" cy="9144000"/>
@@ -143,12 +145,15 @@
             <p14:sldId id="259"/>
             <p14:sldId id="261"/>
             <p14:sldId id="265"/>
-            <p14:sldId id="263"/>
+            <p14:sldId id="283"/>
+            <p14:sldId id="284"/>
             <p14:sldId id="264"/>
             <p14:sldId id="282"/>
             <p14:sldId id="271"/>
             <p14:sldId id="268"/>
             <p14:sldId id="269"/>
+            <p14:sldId id="286"/>
+            <p14:sldId id="287"/>
             <p14:sldId id="270"/>
             <p14:sldId id="272"/>
             <p14:sldId id="273"/>
@@ -156,7 +161,6 @@
             <p14:sldId id="278"/>
             <p14:sldId id="279"/>
             <p14:sldId id="275"/>
-            <p14:sldId id="277"/>
           </p14:sldIdLst>
         </p14:section>
         <p14:section name="NOTES ONLY" id="{D8E3845F-4455-4707-8030-93D3A18148DC}">
@@ -269,7 +273,7 @@
           <a:p>
             <a:fld id="{8C8CC7AE-852D-4FFE-8405-9F9F6B4441FD}" type="datetimeFigureOut">
               <a:rPr lang="en-US" smtClean="0"/>
-              <a:t>10/29/2016</a:t>
+              <a:t>11/1/2016</a:t>
             </a:fld>
             <a:endParaRPr lang="en-US"/>
           </a:p>
@@ -364,7 +368,6 @@
               <a:rPr lang="en-US"/>
               <a:t>Fifth level</a:t>
             </a:r>
-            <a:endParaRPr lang="en-US"/>
           </a:p>
         </p:txBody>
       </p:sp>
@@ -673,40 +676,6 @@
           <a:bodyPr/>
           <a:lstStyle/>
           <a:p>
-            <a:r>
-              <a:rPr lang="en-US" dirty="0"/>
-              <a:t>And that’s it.  For the</a:t>
-            </a:r>
-            <a:r>
-              <a:rPr lang="en-US" baseline="0" dirty="0"/>
-              <a:t> discussion today, </a:t>
-            </a:r>
-            <a:r>
-              <a:rPr lang="en-US" dirty="0"/>
-              <a:t>let’s leave</a:t>
-            </a:r>
-            <a:r>
-              <a:rPr lang="en-US" baseline="0" dirty="0"/>
-              <a:t> behind the more complicated team structure – titles, functions, who reports to who, who is senior to who, etc.</a:t>
-            </a:r>
-          </a:p>
-          <a:p>
-            <a:endParaRPr lang="en-US" baseline="0" dirty="0"/>
-          </a:p>
-          <a:p>
-            <a:r>
-              <a:rPr lang="en-US" baseline="0" dirty="0"/>
-              <a:t>We are a group of smart, caring people who want to solve hard problems and improve ourselves along the way.</a:t>
-            </a:r>
-          </a:p>
-          <a:p>
-            <a:endParaRPr lang="en-US" baseline="0" dirty="0"/>
-          </a:p>
-          <a:p>
-            <a:r>
-              <a:rPr lang="en-US" baseline="0" dirty="0"/>
-              <a:t>This is important because it lets us focus on what’s core to being a team, and the parts that matter most to us.  The rest is just decoration.</a:t>
-            </a:r>
             <a:endParaRPr lang="en-US" dirty="0"/>
           </a:p>
         </p:txBody>
@@ -728,7 +697,7 @@
           <a:p>
             <a:fld id="{54165CF5-22A4-4BB9-BE26-FDB96183FE65}" type="slidenum">
               <a:rPr lang="en-US" smtClean="0"/>
-              <a:t>7</a:t>
+              <a:t>4</a:t>
             </a:fld>
             <a:endParaRPr lang="en-US"/>
           </a:p>
@@ -737,7 +706,7 @@
     </p:spTree>
     <p:extLst>
       <p:ext uri="{BB962C8B-B14F-4D97-AF65-F5344CB8AC3E}">
-        <p14:creationId xmlns:p14="http://schemas.microsoft.com/office/powerpoint/2010/main" val="867797007"/>
+        <p14:creationId xmlns:p14="http://schemas.microsoft.com/office/powerpoint/2010/main" val="3501346304"/>
       </p:ext>
     </p:extLst>
   </p:cSld>
@@ -791,29 +760,40 @@
           <a:bodyPr/>
           <a:lstStyle/>
           <a:p>
-            <a:pPr marL="0" marR="0" lvl="0" indent="0" algn="l" defTabSz="914400" rtl="0" eaLnBrk="1" fontAlgn="auto" latinLnBrk="0" hangingPunct="1">
-              <a:lnSpc>
-                <a:spcPct val="100000"/>
-              </a:lnSpc>
-              <a:spcBef>
-                <a:spcPts val="0"/>
-              </a:spcBef>
-              <a:spcAft>
-                <a:spcPts val="0"/>
-              </a:spcAft>
-              <a:buClrTx/>
-              <a:buSzTx/>
-              <a:buFontTx/>
-              <a:buNone/>
-              <a:tabLst/>
-              <a:defRPr/>
-            </a:pPr>
-            <a:r>
-              <a:rPr lang="en-US" dirty="0"/>
-              <a:t>Software development is early on in the continuum of Art &gt;&gt; Science &gt;&gt; Engineering Practice</a:t>
-            </a:r>
-          </a:p>
-          <a:p>
+            <a:r>
+              <a:rPr lang="en-US" dirty="0"/>
+              <a:t>And that’s it.  For the</a:t>
+            </a:r>
+            <a:r>
+              <a:rPr lang="en-US" baseline="0" dirty="0"/>
+              <a:t> discussion today, </a:t>
+            </a:r>
+            <a:r>
+              <a:rPr lang="en-US" dirty="0"/>
+              <a:t>let’s leave</a:t>
+            </a:r>
+            <a:r>
+              <a:rPr lang="en-US" baseline="0" dirty="0"/>
+              <a:t> behind the more complicated team structure – titles, functions, who reports to who, who is senior to who, etc.</a:t>
+            </a:r>
+          </a:p>
+          <a:p>
+            <a:endParaRPr lang="en-US" baseline="0" dirty="0"/>
+          </a:p>
+          <a:p>
+            <a:r>
+              <a:rPr lang="en-US" baseline="0" dirty="0"/>
+              <a:t>We are a group of smart, caring people who want to solve hard problems and improve ourselves along the way.</a:t>
+            </a:r>
+          </a:p>
+          <a:p>
+            <a:endParaRPr lang="en-US" baseline="0" dirty="0"/>
+          </a:p>
+          <a:p>
+            <a:r>
+              <a:rPr lang="en-US" baseline="0" dirty="0"/>
+              <a:t>So – the approaches and tools we’re going to talk about can apply beyond just your formal team.</a:t>
+            </a:r>
             <a:endParaRPr lang="en-US" dirty="0"/>
           </a:p>
         </p:txBody>
@@ -835,7 +815,7 @@
           <a:p>
             <a:fld id="{54165CF5-22A4-4BB9-BE26-FDB96183FE65}" type="slidenum">
               <a:rPr lang="en-US" smtClean="0"/>
-              <a:t>9</a:t>
+              <a:t>7</a:t>
             </a:fld>
             <a:endParaRPr lang="en-US"/>
           </a:p>
@@ -844,7 +824,7 @@
     </p:spTree>
     <p:extLst>
       <p:ext uri="{BB962C8B-B14F-4D97-AF65-F5344CB8AC3E}">
-        <p14:creationId xmlns:p14="http://schemas.microsoft.com/office/powerpoint/2010/main" val="1099954860"/>
+        <p14:creationId xmlns:p14="http://schemas.microsoft.com/office/powerpoint/2010/main" val="867797007"/>
       </p:ext>
     </p:extLst>
   </p:cSld>
@@ -898,7 +878,52 @@
           <a:bodyPr/>
           <a:lstStyle/>
           <a:p>
-            <a:endParaRPr lang="en-US"/>
+            <a:pPr marL="0" marR="0" lvl="0" indent="0" algn="l" defTabSz="914400" rtl="0" eaLnBrk="1" fontAlgn="auto" latinLnBrk="0" hangingPunct="1">
+              <a:lnSpc>
+                <a:spcPct val="100000"/>
+              </a:lnSpc>
+              <a:spcBef>
+                <a:spcPts val="0"/>
+              </a:spcBef>
+              <a:spcAft>
+                <a:spcPts val="0"/>
+              </a:spcAft>
+              <a:buClrTx/>
+              <a:buSzTx/>
+              <a:buFontTx/>
+              <a:buNone/>
+              <a:tabLst/>
+              <a:defRPr/>
+            </a:pPr>
+            <a:r>
+              <a:rPr lang="en-US" dirty="0"/>
+              <a:t>- For anything you’re doing, or might do, understand very clearly why it matters</a:t>
+            </a:r>
+          </a:p>
+          <a:p>
+            <a:r>
+              <a:rPr lang="en-US" dirty="0"/>
+              <a:t>- Not just these four classes – the point is to understand all of the reasons that doing what you’re doing might</a:t>
+            </a:r>
+            <a:r>
+              <a:rPr lang="en-US" baseline="0" dirty="0"/>
+              <a:t> be important.</a:t>
+            </a:r>
+            <a:endParaRPr lang="en-US" dirty="0"/>
+          </a:p>
+          <a:p>
+            <a:endParaRPr lang="en-US" dirty="0"/>
+          </a:p>
+          <a:p>
+            <a:r>
+              <a:rPr lang="en-US" dirty="0"/>
+              <a:t>Example: Why I’m</a:t>
+            </a:r>
+            <a:r>
+              <a:rPr lang="en-US" baseline="0" dirty="0"/>
+              <a:t> giving the talk today:</a:t>
+            </a:r>
+            <a:endParaRPr lang="en-US" dirty="0"/>
           </a:p>
         </p:txBody>
       </p:sp>
@@ -919,7 +944,299 @@
           <a:p>
             <a:fld id="{54165CF5-22A4-4BB9-BE26-FDB96183FE65}" type="slidenum">
               <a:rPr lang="en-US" smtClean="0"/>
-              <a:t>18</a:t>
+              <a:t>8</a:t>
+            </a:fld>
+            <a:endParaRPr lang="en-US"/>
+          </a:p>
+        </p:txBody>
+      </p:sp>
+    </p:spTree>
+    <p:extLst>
+      <p:ext uri="{BB962C8B-B14F-4D97-AF65-F5344CB8AC3E}">
+        <p14:creationId xmlns:p14="http://schemas.microsoft.com/office/powerpoint/2010/main" val="3106676218"/>
+      </p:ext>
+    </p:extLst>
+  </p:cSld>
+  <p:clrMapOvr>
+    <a:masterClrMapping/>
+  </p:clrMapOvr>
+</p:notes>
+</file>
+
+<file path=ppt/notesSlides/notesSlide5.xml><?xml version="1.0" encoding="utf-8"?>
+<p:notes xmlns:a="http://schemas.openxmlformats.org/drawingml/2006/main" xmlns:r="http://schemas.openxmlformats.org/officeDocument/2006/relationships" xmlns:p="http://schemas.openxmlformats.org/presentationml/2006/main">
+  <p:cSld>
+    <p:spTree>
+      <p:nvGrpSpPr>
+        <p:cNvPr id="1" name=""/>
+        <p:cNvGrpSpPr/>
+        <p:nvPr/>
+      </p:nvGrpSpPr>
+      <p:grpSpPr>
+        <a:xfrm>
+          <a:off x="0" y="0"/>
+          <a:ext cx="0" cy="0"/>
+          <a:chOff x="0" y="0"/>
+          <a:chExt cx="0" cy="0"/>
+        </a:xfrm>
+      </p:grpSpPr>
+      <p:sp>
+        <p:nvSpPr>
+          <p:cNvPr id="2" name="Slide Image Placeholder 1"/>
+          <p:cNvSpPr>
+            <a:spLocks noGrp="1" noRot="1" noChangeAspect="1"/>
+          </p:cNvSpPr>
+          <p:nvPr>
+            <p:ph type="sldImg"/>
+          </p:nvPr>
+        </p:nvSpPr>
+        <p:spPr/>
+      </p:sp>
+      <p:sp>
+        <p:nvSpPr>
+          <p:cNvPr id="3" name="Notes Placeholder 2"/>
+          <p:cNvSpPr>
+            <a:spLocks noGrp="1"/>
+          </p:cNvSpPr>
+          <p:nvPr>
+            <p:ph type="body" idx="1"/>
+          </p:nvPr>
+        </p:nvSpPr>
+        <p:spPr/>
+        <p:txBody>
+          <a:bodyPr/>
+          <a:lstStyle/>
+          <a:p>
+            <a:r>
+              <a:rPr lang="en-US" dirty="0"/>
+              <a:t>Informed by WHY…</a:t>
+            </a:r>
+          </a:p>
+          <a:p>
+            <a:endParaRPr lang="en-US" dirty="0"/>
+          </a:p>
+          <a:p>
+            <a:r>
+              <a:rPr lang="en-US" dirty="0"/>
+              <a:t>NOT meant to be a discussion of product strategy or product</a:t>
+            </a:r>
+            <a:r>
+              <a:rPr lang="en-US" baseline="0" dirty="0"/>
+              <a:t> management – meant to be more general, though hopefully still actionable.</a:t>
+            </a:r>
+            <a:endParaRPr lang="en-US" dirty="0"/>
+          </a:p>
+        </p:txBody>
+      </p:sp>
+      <p:sp>
+        <p:nvSpPr>
+          <p:cNvPr id="4" name="Slide Number Placeholder 3"/>
+          <p:cNvSpPr>
+            <a:spLocks noGrp="1"/>
+          </p:cNvSpPr>
+          <p:nvPr>
+            <p:ph type="sldNum" sz="quarter" idx="10"/>
+          </p:nvPr>
+        </p:nvSpPr>
+        <p:spPr/>
+        <p:txBody>
+          <a:bodyPr/>
+          <a:lstStyle/>
+          <a:p>
+            <a:fld id="{54165CF5-22A4-4BB9-BE26-FDB96183FE65}" type="slidenum">
+              <a:rPr lang="en-US" smtClean="0"/>
+              <a:t>9</a:t>
+            </a:fld>
+            <a:endParaRPr lang="en-US"/>
+          </a:p>
+        </p:txBody>
+      </p:sp>
+    </p:spTree>
+    <p:extLst>
+      <p:ext uri="{BB962C8B-B14F-4D97-AF65-F5344CB8AC3E}">
+        <p14:creationId xmlns:p14="http://schemas.microsoft.com/office/powerpoint/2010/main" val="1230998854"/>
+      </p:ext>
+    </p:extLst>
+  </p:cSld>
+  <p:clrMapOvr>
+    <a:masterClrMapping/>
+  </p:clrMapOvr>
+</p:notes>
+</file>
+
+<file path=ppt/notesSlides/notesSlide6.xml><?xml version="1.0" encoding="utf-8"?>
+<p:notes xmlns:a="http://schemas.openxmlformats.org/drawingml/2006/main" xmlns:r="http://schemas.openxmlformats.org/officeDocument/2006/relationships" xmlns:p="http://schemas.openxmlformats.org/presentationml/2006/main">
+  <p:cSld>
+    <p:spTree>
+      <p:nvGrpSpPr>
+        <p:cNvPr id="1" name=""/>
+        <p:cNvGrpSpPr/>
+        <p:nvPr/>
+      </p:nvGrpSpPr>
+      <p:grpSpPr>
+        <a:xfrm>
+          <a:off x="0" y="0"/>
+          <a:ext cx="0" cy="0"/>
+          <a:chOff x="0" y="0"/>
+          <a:chExt cx="0" cy="0"/>
+        </a:xfrm>
+      </p:grpSpPr>
+      <p:sp>
+        <p:nvSpPr>
+          <p:cNvPr id="2" name="Slide Image Placeholder 1"/>
+          <p:cNvSpPr>
+            <a:spLocks noGrp="1" noRot="1" noChangeAspect="1"/>
+          </p:cNvSpPr>
+          <p:nvPr>
+            <p:ph type="sldImg"/>
+          </p:nvPr>
+        </p:nvSpPr>
+        <p:spPr/>
+      </p:sp>
+      <p:sp>
+        <p:nvSpPr>
+          <p:cNvPr id="3" name="Notes Placeholder 2"/>
+          <p:cNvSpPr>
+            <a:spLocks noGrp="1"/>
+          </p:cNvSpPr>
+          <p:nvPr>
+            <p:ph type="body" idx="1"/>
+          </p:nvPr>
+        </p:nvSpPr>
+        <p:spPr/>
+        <p:txBody>
+          <a:bodyPr/>
+          <a:lstStyle/>
+          <a:p>
+            <a:pPr marL="0" marR="0" lvl="0" indent="0" algn="l" defTabSz="914400" rtl="0" eaLnBrk="1" fontAlgn="auto" latinLnBrk="0" hangingPunct="1">
+              <a:lnSpc>
+                <a:spcPct val="100000"/>
+              </a:lnSpc>
+              <a:spcBef>
+                <a:spcPts val="0"/>
+              </a:spcBef>
+              <a:spcAft>
+                <a:spcPts val="0"/>
+              </a:spcAft>
+              <a:buClrTx/>
+              <a:buSzTx/>
+              <a:buFontTx/>
+              <a:buNone/>
+              <a:tabLst/>
+              <a:defRPr/>
+            </a:pPr>
+            <a:r>
+              <a:rPr lang="en-US" dirty="0"/>
+              <a:t>Software development is early on in the continuum of Art &gt;&gt; Science &gt;&gt; Engineering Practice</a:t>
+            </a:r>
+          </a:p>
+          <a:p>
+            <a:endParaRPr lang="en-US" dirty="0"/>
+          </a:p>
+        </p:txBody>
+      </p:sp>
+      <p:sp>
+        <p:nvSpPr>
+          <p:cNvPr id="4" name="Slide Number Placeholder 3"/>
+          <p:cNvSpPr>
+            <a:spLocks noGrp="1"/>
+          </p:cNvSpPr>
+          <p:nvPr>
+            <p:ph type="sldNum" sz="quarter" idx="10"/>
+          </p:nvPr>
+        </p:nvSpPr>
+        <p:spPr/>
+        <p:txBody>
+          <a:bodyPr/>
+          <a:lstStyle/>
+          <a:p>
+            <a:fld id="{54165CF5-22A4-4BB9-BE26-FDB96183FE65}" type="slidenum">
+              <a:rPr lang="en-US" smtClean="0"/>
+              <a:t>10</a:t>
+            </a:fld>
+            <a:endParaRPr lang="en-US"/>
+          </a:p>
+        </p:txBody>
+      </p:sp>
+    </p:spTree>
+    <p:extLst>
+      <p:ext uri="{BB962C8B-B14F-4D97-AF65-F5344CB8AC3E}">
+        <p14:creationId xmlns:p14="http://schemas.microsoft.com/office/powerpoint/2010/main" val="1099954860"/>
+      </p:ext>
+    </p:extLst>
+  </p:cSld>
+  <p:clrMapOvr>
+    <a:masterClrMapping/>
+  </p:clrMapOvr>
+</p:notes>
+</file>
+
+<file path=ppt/notesSlides/notesSlide7.xml><?xml version="1.0" encoding="utf-8"?>
+<p:notes xmlns:a="http://schemas.openxmlformats.org/drawingml/2006/main" xmlns:r="http://schemas.openxmlformats.org/officeDocument/2006/relationships" xmlns:p="http://schemas.openxmlformats.org/presentationml/2006/main">
+  <p:cSld>
+    <p:spTree>
+      <p:nvGrpSpPr>
+        <p:cNvPr id="1" name=""/>
+        <p:cNvGrpSpPr/>
+        <p:nvPr/>
+      </p:nvGrpSpPr>
+      <p:grpSpPr>
+        <a:xfrm>
+          <a:off x="0" y="0"/>
+          <a:ext cx="0" cy="0"/>
+          <a:chOff x="0" y="0"/>
+          <a:chExt cx="0" cy="0"/>
+        </a:xfrm>
+      </p:grpSpPr>
+      <p:sp>
+        <p:nvSpPr>
+          <p:cNvPr id="2" name="Slide Image Placeholder 1"/>
+          <p:cNvSpPr>
+            <a:spLocks noGrp="1" noRot="1" noChangeAspect="1"/>
+          </p:cNvSpPr>
+          <p:nvPr>
+            <p:ph type="sldImg"/>
+          </p:nvPr>
+        </p:nvSpPr>
+        <p:spPr/>
+      </p:sp>
+      <p:sp>
+        <p:nvSpPr>
+          <p:cNvPr id="3" name="Notes Placeholder 2"/>
+          <p:cNvSpPr>
+            <a:spLocks noGrp="1"/>
+          </p:cNvSpPr>
+          <p:nvPr>
+            <p:ph type="body" idx="1"/>
+          </p:nvPr>
+        </p:nvSpPr>
+        <p:spPr/>
+        <p:txBody>
+          <a:bodyPr/>
+          <a:lstStyle/>
+          <a:p>
+            <a:endParaRPr lang="en-US"/>
+          </a:p>
+        </p:txBody>
+      </p:sp>
+      <p:sp>
+        <p:nvSpPr>
+          <p:cNvPr id="4" name="Slide Number Placeholder 3"/>
+          <p:cNvSpPr>
+            <a:spLocks noGrp="1"/>
+          </p:cNvSpPr>
+          <p:nvPr>
+            <p:ph type="sldNum" sz="quarter" idx="10"/>
+          </p:nvPr>
+        </p:nvSpPr>
+        <p:spPr/>
+        <p:txBody>
+          <a:bodyPr/>
+          <a:lstStyle/>
+          <a:p>
+            <a:fld id="{54165CF5-22A4-4BB9-BE26-FDB96183FE65}" type="slidenum">
+              <a:rPr lang="en-US" smtClean="0"/>
+              <a:t>21</a:t>
             </a:fld>
             <a:endParaRPr lang="en-US"/>
           </a:p>
@@ -1839,15 +2156,21 @@
             </a:pPr>
             <a:r>
               <a:rPr lang="en-US" dirty="0"/>
-              <a:t>MAYBE BREAK THIS INTO A SERIES OF SLIDES, building in the couple of slides that follow – up to “Running Effective Meetings”</a:t>
-            </a:r>
+              <a:t>Measure, change, measure, done?</a:t>
+            </a:r>
+          </a:p>
+          <a:p>
+            <a:endParaRPr lang="en-US" dirty="0"/>
           </a:p>
           <a:p>
             <a:pPr marL="342900" indent="-342900">
               <a:buFontTx/>
               <a:buChar char="-"/>
             </a:pPr>
-            <a:endParaRPr lang="en-US" sz="1800" dirty="0"/>
+            <a:r>
+              <a:rPr lang="en-US" dirty="0"/>
+              <a:t>We need to identify metrics that are exactly aligned with the business goals we want to accomplish</a:t>
+            </a:r>
           </a:p>
           <a:p>
             <a:pPr marL="342900" indent="-342900">
@@ -1855,8 +2178,8 @@
               <a:buChar char="-"/>
             </a:pPr>
             <a:r>
-              <a:rPr lang="en-US" sz="1800" dirty="0"/>
-              <a:t>Discovery phase</a:t>
+              <a:rPr lang="en-US" dirty="0"/>
+              <a:t>Easy to pick bad metrics that don’t directly represent our goal</a:t>
             </a:r>
           </a:p>
           <a:p>
@@ -1865,8 +2188,8 @@
               <a:buChar char="-"/>
             </a:pPr>
             <a:r>
-              <a:rPr lang="en-US" sz="1800" dirty="0"/>
-              <a:t>&gt;&gt;Prioritize learning</a:t>
+              <a:rPr lang="en-US" dirty="0"/>
+              <a:t>&gt;&gt;Measuring the wrong thing leading to motivate undesired action</a:t>
             </a:r>
           </a:p>
           <a:p>
@@ -1875,22 +2198,16 @@
               <a:buChar char="-"/>
             </a:pPr>
             <a:r>
-              <a:rPr lang="en-US" sz="1800" dirty="0"/>
-              <a:t>&gt;&gt;Verify assumptions</a:t>
-            </a:r>
-          </a:p>
-          <a:p>
-            <a:endParaRPr lang="en-US" sz="1800" dirty="0"/>
+              <a:rPr lang="en-US" dirty="0"/>
+              <a:t>&gt;&gt;Measuring the work, not the outcome (BDP Onboarding, as an example.)</a:t>
+            </a:r>
           </a:p>
           <a:p>
             <a:pPr marL="342900" indent="-342900">
               <a:buFontTx/>
               <a:buChar char="-"/>
             </a:pPr>
-            <a:r>
-              <a:rPr lang="en-US" sz="1800" dirty="0"/>
-              <a:t>Building Phase</a:t>
-            </a:r>
+            <a:endParaRPr lang="en-US" dirty="0"/>
           </a:p>
           <a:p>
             <a:pPr marL="342900" indent="-342900">
@@ -1898,9 +2215,16 @@
               <a:buChar char="-"/>
             </a:pPr>
             <a:r>
-              <a:rPr lang="en-US" sz="1800" dirty="0"/>
-              <a:t>&gt;&gt;Operate effectively, with an eye on metrics</a:t>
-            </a:r>
+              <a:rPr lang="en-US" dirty="0">
+                <a:solidFill>
+                  <a:srgbClr val="FF0000"/>
+                </a:solidFill>
+              </a:rPr>
+              <a:t>Need examples</a:t>
+            </a:r>
+          </a:p>
+          <a:p>
+            <a:endParaRPr lang="en-US" dirty="0"/>
           </a:p>
           <a:p>
             <a:pPr marL="342900" indent="-342900">
@@ -1908,8 +2232,8 @@
               <a:buChar char="-"/>
             </a:pPr>
             <a:r>
-              <a:rPr lang="en-US" sz="1800" dirty="0"/>
-              <a:t>&gt;&gt;Continue checking assumptions for changes</a:t>
+              <a:rPr lang="en-US" dirty="0"/>
+              <a:t>Build telemetry and dashboards early – give yourself data to help make decisions (Thank you to Owen and others for having set up the telemetry service and carrying more than their share of maintenance.)</a:t>
             </a:r>
           </a:p>
           <a:p>
@@ -1917,47 +2241,7 @@
               <a:buFontTx/>
               <a:buChar char="-"/>
             </a:pPr>
-            <a:r>
-              <a:rPr lang="en-US" sz="1800" dirty="0"/>
-              <a:t>&gt;&gt;De-risk</a:t>
-            </a:r>
-          </a:p>
-          <a:p>
-            <a:pPr marL="342900" indent="-342900">
-              <a:buFontTx/>
-              <a:buChar char="-"/>
-            </a:pPr>
-            <a:endParaRPr lang="en-US" sz="1800" dirty="0"/>
-          </a:p>
-          <a:p>
-            <a:pPr marL="342900" indent="-342900">
-              <a:buFontTx/>
-              <a:buChar char="-"/>
-            </a:pPr>
-            <a:r>
-              <a:rPr lang="en-US" sz="1800" dirty="0"/>
-              <a:t>Closing Phase</a:t>
-            </a:r>
-          </a:p>
-          <a:p>
-            <a:pPr marL="342900" indent="-342900">
-              <a:buFontTx/>
-              <a:buChar char="-"/>
-            </a:pPr>
-            <a:r>
-              <a:rPr lang="en-US" sz="1800" dirty="0"/>
-              <a:t>&gt;&gt;Get all the way done – maximize value from what you’ve built, minimize cost of operating it.</a:t>
-            </a:r>
-          </a:p>
-          <a:p>
-            <a:pPr marL="342900" indent="-342900">
-              <a:buFontTx/>
-              <a:buChar char="-"/>
-            </a:pPr>
-            <a:r>
-              <a:rPr lang="en-US" sz="1800" dirty="0"/>
-              <a:t>&gt;&gt;…but stop as soon as you can – it’s tempting to go on forever</a:t>
-            </a:r>
+            <a:endParaRPr lang="en-US" dirty="0"/>
           </a:p>
         </p:txBody>
       </p:sp>
@@ -1978,14 +2262,7 @@
           <a:p>
             <a:r>
               <a:rPr lang="en-US" dirty="0"/>
-              <a:t>Phases of a project</a:t>
-            </a:r>
-            <a:br>
-              <a:rPr lang="en-US" dirty="0"/>
-            </a:br>
-            <a:r>
-              <a:rPr lang="en-US" dirty="0"/>
-              <a:t>**CAREFUL** Get peer review</a:t>
+              <a:t>Metrics</a:t>
             </a:r>
           </a:p>
         </p:txBody>
@@ -1993,7 +2270,7 @@
     </p:spTree>
     <p:extLst>
       <p:ext uri="{BB962C8B-B14F-4D97-AF65-F5344CB8AC3E}">
-        <p14:creationId xmlns:p14="http://schemas.microsoft.com/office/powerpoint/2010/main" val="1543095956"/>
+        <p14:creationId xmlns:p14="http://schemas.microsoft.com/office/powerpoint/2010/main" val="2499460739"/>
       </p:ext>
     </p:extLst>
   </p:cSld>
@@ -2035,22 +2312,13 @@
           <a:bodyPr/>
           <a:lstStyle/>
           <a:p>
-            <a:r>
-              <a:rPr lang="en-US" dirty="0"/>
-              <a:t>No, really.</a:t>
-            </a:r>
-          </a:p>
-          <a:p>
-            <a:endParaRPr lang="en-US" dirty="0"/>
-          </a:p>
-          <a:p>
             <a:pPr marL="342900" indent="-342900">
               <a:buFontTx/>
               <a:buChar char="-"/>
             </a:pPr>
             <a:r>
               <a:rPr lang="en-US" dirty="0"/>
-              <a:t>Learning Product is another kind of Work Product</a:t>
+              <a:t>MAYBE BREAK THIS INTO A SERIES OF SLIDES, building in the couple of slides that follow – up to “Running Effective Meetings”</a:t>
             </a:r>
           </a:p>
           <a:p>
@@ -2058,10 +2326,7 @@
               <a:buFontTx/>
               <a:buChar char="-"/>
             </a:pPr>
-            <a:r>
-              <a:rPr lang="en-US" dirty="0"/>
-              <a:t>Andrew’s Celebration Grid / success diagonal</a:t>
-            </a:r>
+            <a:endParaRPr lang="en-US" sz="1800" dirty="0"/>
           </a:p>
           <a:p>
             <a:pPr marL="342900" indent="-342900">
@@ -2069,8 +2334,108 @@
               <a:buChar char="-"/>
             </a:pPr>
             <a:r>
-              <a:rPr lang="en-US" dirty="0"/>
-              <a:t>Learning as a tool to de-risk</a:t>
+              <a:rPr lang="en-US" sz="1800" dirty="0"/>
+              <a:t>Discovery phase</a:t>
+            </a:r>
+          </a:p>
+          <a:p>
+            <a:pPr marL="342900" indent="-342900">
+              <a:buFontTx/>
+              <a:buChar char="-"/>
+            </a:pPr>
+            <a:r>
+              <a:rPr lang="en-US" sz="1800" dirty="0"/>
+              <a:t>&gt;&gt;Prioritize learning</a:t>
+            </a:r>
+          </a:p>
+          <a:p>
+            <a:pPr marL="342900" indent="-342900">
+              <a:buFontTx/>
+              <a:buChar char="-"/>
+            </a:pPr>
+            <a:r>
+              <a:rPr lang="en-US" sz="1800" dirty="0"/>
+              <a:t>&gt;&gt;Verify assumptions</a:t>
+            </a:r>
+          </a:p>
+          <a:p>
+            <a:endParaRPr lang="en-US" sz="1800" dirty="0"/>
+          </a:p>
+          <a:p>
+            <a:pPr marL="342900" indent="-342900">
+              <a:buFontTx/>
+              <a:buChar char="-"/>
+            </a:pPr>
+            <a:r>
+              <a:rPr lang="en-US" sz="1800" dirty="0"/>
+              <a:t>Building Phase</a:t>
+            </a:r>
+          </a:p>
+          <a:p>
+            <a:pPr marL="342900" indent="-342900">
+              <a:buFontTx/>
+              <a:buChar char="-"/>
+            </a:pPr>
+            <a:r>
+              <a:rPr lang="en-US" sz="1800" dirty="0"/>
+              <a:t>&gt;&gt;Operate effectively, with an eye on metrics</a:t>
+            </a:r>
+          </a:p>
+          <a:p>
+            <a:pPr marL="342900" indent="-342900">
+              <a:buFontTx/>
+              <a:buChar char="-"/>
+            </a:pPr>
+            <a:r>
+              <a:rPr lang="en-US" sz="1800" dirty="0"/>
+              <a:t>&gt;&gt;Continue checking assumptions for changes</a:t>
+            </a:r>
+          </a:p>
+          <a:p>
+            <a:pPr marL="342900" indent="-342900">
+              <a:buFontTx/>
+              <a:buChar char="-"/>
+            </a:pPr>
+            <a:r>
+              <a:rPr lang="en-US" sz="1800" dirty="0"/>
+              <a:t>&gt;&gt;De-risk</a:t>
+            </a:r>
+          </a:p>
+          <a:p>
+            <a:pPr marL="342900" indent="-342900">
+              <a:buFontTx/>
+              <a:buChar char="-"/>
+            </a:pPr>
+            <a:endParaRPr lang="en-US" sz="1800" dirty="0"/>
+          </a:p>
+          <a:p>
+            <a:pPr marL="342900" indent="-342900">
+              <a:buFontTx/>
+              <a:buChar char="-"/>
+            </a:pPr>
+            <a:r>
+              <a:rPr lang="en-US" sz="1800" dirty="0"/>
+              <a:t>Closing Phase</a:t>
+            </a:r>
+          </a:p>
+          <a:p>
+            <a:pPr marL="342900" indent="-342900">
+              <a:buFontTx/>
+              <a:buChar char="-"/>
+            </a:pPr>
+            <a:r>
+              <a:rPr lang="en-US" sz="1800" dirty="0"/>
+              <a:t>&gt;&gt;Get all the way done – maximize value from what you’ve built, minimize cost of operating it.</a:t>
+            </a:r>
+          </a:p>
+          <a:p>
+            <a:pPr marL="342900" indent="-342900">
+              <a:buFontTx/>
+              <a:buChar char="-"/>
+            </a:pPr>
+            <a:r>
+              <a:rPr lang="en-US" sz="1800" dirty="0"/>
+              <a:t>&gt;&gt;…but stop as soon as you can – it’s tempting to go on forever</a:t>
             </a:r>
           </a:p>
         </p:txBody>
@@ -2092,7 +2457,14 @@
           <a:p>
             <a:r>
               <a:rPr lang="en-US" dirty="0"/>
-              <a:t>Value failure and prioritize learning</a:t>
+              <a:t>Phases of a project</a:t>
+            </a:r>
+            <a:br>
+              <a:rPr lang="en-US" dirty="0"/>
+            </a:br>
+            <a:r>
+              <a:rPr lang="en-US" dirty="0"/>
+              <a:t>**CAREFUL** Get peer review</a:t>
             </a:r>
           </a:p>
         </p:txBody>
@@ -2100,7 +2472,7 @@
     </p:spTree>
     <p:extLst>
       <p:ext uri="{BB962C8B-B14F-4D97-AF65-F5344CB8AC3E}">
-        <p14:creationId xmlns:p14="http://schemas.microsoft.com/office/powerpoint/2010/main" val="2739072490"/>
+        <p14:creationId xmlns:p14="http://schemas.microsoft.com/office/powerpoint/2010/main" val="1543095956"/>
       </p:ext>
     </p:extLst>
   </p:cSld>
@@ -2142,111 +2514,43 @@
           <a:bodyPr/>
           <a:lstStyle/>
           <a:p>
-            <a:pPr marL="342900" indent="-342900">
-              <a:buFont typeface="Arial" panose="020B0604020202020204" pitchFamily="34" charset="0"/>
-              <a:buChar char="•"/>
-            </a:pPr>
-            <a:r>
-              <a:rPr lang="en-US" dirty="0"/>
-              <a:t>Something goes to prod *every* month</a:t>
-            </a:r>
-          </a:p>
-          <a:p>
-            <a:pPr marL="342900" indent="-342900">
-              <a:buFont typeface="Arial" panose="020B0604020202020204" pitchFamily="34" charset="0"/>
-              <a:buChar char="•"/>
-            </a:pPr>
-            <a:r>
-              <a:rPr lang="en-US" dirty="0"/>
-              <a:t>^^Be worried if this isn’t happening</a:t>
-            </a:r>
-          </a:p>
-          <a:p>
-            <a:pPr marL="342900" indent="-342900">
-              <a:buFont typeface="Arial" panose="020B0604020202020204" pitchFamily="34" charset="0"/>
-              <a:buChar char="•"/>
-            </a:pPr>
-            <a:r>
-              <a:rPr lang="en-US" dirty="0"/>
-              <a:t>^^Be worried if the whole thing that’s going to prod is flagged off.</a:t>
-            </a:r>
-          </a:p>
-          <a:p>
-            <a:pPr marL="342900" indent="-342900">
-              <a:buFont typeface="Arial" panose="020B0604020202020204" pitchFamily="34" charset="0"/>
-              <a:buChar char="•"/>
-            </a:pPr>
-            <a:r>
-              <a:rPr lang="en-US" dirty="0"/>
-              <a:t>Everything that we build that isn’t on in prod adds risk **is there a good metaphor here?*  (Packing the back of a mini van?)</a:t>
-            </a:r>
-          </a:p>
-          <a:p>
-            <a:pPr marL="342900" indent="-342900">
-              <a:buFont typeface="Arial" panose="020B0604020202020204" pitchFamily="34" charset="0"/>
-              <a:buChar char="•"/>
-            </a:pPr>
-            <a:r>
-              <a:rPr lang="en-US" dirty="0"/>
-              <a:t>But how do we do that?</a:t>
-            </a:r>
-          </a:p>
-          <a:p>
-            <a:pPr marL="342900" indent="-342900">
-              <a:buFont typeface="Arial" panose="020B0604020202020204" pitchFamily="34" charset="0"/>
-              <a:buChar char="•"/>
-            </a:pPr>
-            <a:r>
-              <a:rPr lang="en-US" dirty="0"/>
-              <a:t>&gt;&gt;Ask: How can we do less?</a:t>
-            </a:r>
-          </a:p>
-          <a:p>
-            <a:pPr marL="342900" indent="-342900">
-              <a:buFont typeface="Arial" panose="020B0604020202020204" pitchFamily="34" charset="0"/>
-              <a:buChar char="•"/>
-            </a:pPr>
-            <a:r>
-              <a:rPr lang="en-US" dirty="0"/>
-              <a:t>&gt;&gt;Plan for a MUCH smaller commitment, with an understanding of how to deliver the next step</a:t>
-            </a:r>
-          </a:p>
-          <a:p>
-            <a:pPr marL="342900" indent="-342900">
-              <a:buFont typeface="Arial" panose="020B0604020202020204" pitchFamily="34" charset="0"/>
-              <a:buChar char="•"/>
-            </a:pPr>
-            <a:r>
-              <a:rPr lang="en-US" dirty="0"/>
-              <a:t>Be okay with slack (maybe more on slack later)</a:t>
-            </a:r>
-          </a:p>
-          <a:p>
-            <a:pPr marL="342900" indent="-342900">
-              <a:buFont typeface="Arial" panose="020B0604020202020204" pitchFamily="34" charset="0"/>
-              <a:buChar char="•"/>
-            </a:pPr>
-            <a:r>
-              <a:rPr lang="en-US" dirty="0"/>
-              <a:t>Early in the project particularly, de-risk – tackle in order that prioritizes learning which is a lot like saying tackle the riskiest items first</a:t>
-            </a:r>
-          </a:p>
-          <a:p>
-            <a:pPr marL="342900" indent="-342900">
-              <a:buFont typeface="Arial" panose="020B0604020202020204" pitchFamily="34" charset="0"/>
-              <a:buChar char="•"/>
-            </a:pPr>
-            <a:r>
-              <a:rPr lang="en-US" dirty="0"/>
-              <a:t>Be really careful not to slice too thin – easy to say you’ll “add on A11y” later…</a:t>
-            </a:r>
-          </a:p>
-          <a:p>
-            <a:pPr marL="342900" indent="-342900">
-              <a:buFont typeface="Arial" panose="020B0604020202020204" pitchFamily="34" charset="0"/>
-              <a:buChar char="•"/>
-            </a:pPr>
-            <a:endParaRPr lang="en-US" dirty="0"/>
+            <a:r>
+              <a:rPr lang="en-US" dirty="0"/>
+              <a:t>No, really.</a:t>
+            </a:r>
+          </a:p>
+          <a:p>
+            <a:endParaRPr lang="en-US" dirty="0"/>
+          </a:p>
+          <a:p>
+            <a:pPr marL="342900" indent="-342900">
+              <a:buFontTx/>
+              <a:buChar char="-"/>
+            </a:pPr>
+            <a:r>
+              <a:rPr lang="en-US" dirty="0"/>
+              <a:t>Learning Product is another kind of Work Product</a:t>
+            </a:r>
+          </a:p>
+          <a:p>
+            <a:pPr marL="342900" indent="-342900">
+              <a:buFontTx/>
+              <a:buChar char="-"/>
+            </a:pPr>
+            <a:r>
+              <a:rPr lang="en-US" dirty="0"/>
+              <a:t>Andrew’s Celebration Grid / success diagonal</a:t>
+            </a:r>
+          </a:p>
+          <a:p>
+            <a:pPr marL="342900" indent="-342900">
+              <a:buFontTx/>
+              <a:buChar char="-"/>
+            </a:pPr>
+            <a:r>
+              <a:rPr lang="en-US" dirty="0"/>
+              <a:t>Learning as a tool to de-risk</a:t>
+            </a:r>
           </a:p>
         </p:txBody>
       </p:sp>
@@ -2267,7 +2571,7 @@
           <a:p>
             <a:r>
               <a:rPr lang="en-US" dirty="0"/>
-              <a:t>Steadily deliver value aka thin slice</a:t>
+              <a:t>Value failure and prioritize learning</a:t>
             </a:r>
           </a:p>
         </p:txBody>
@@ -2275,7 +2579,7 @@
     </p:spTree>
     <p:extLst>
       <p:ext uri="{BB962C8B-B14F-4D97-AF65-F5344CB8AC3E}">
-        <p14:creationId xmlns:p14="http://schemas.microsoft.com/office/powerpoint/2010/main" val="1633579186"/>
+        <p14:creationId xmlns:p14="http://schemas.microsoft.com/office/powerpoint/2010/main" val="2739072490"/>
       </p:ext>
     </p:extLst>
   </p:cSld>
@@ -2317,7 +2621,111 @@
           <a:bodyPr/>
           <a:lstStyle/>
           <a:p>
-            <a:endParaRPr lang="en-US"/>
+            <a:pPr marL="342900" indent="-342900">
+              <a:buFont typeface="Arial" panose="020B0604020202020204" pitchFamily="34" charset="0"/>
+              <a:buChar char="•"/>
+            </a:pPr>
+            <a:r>
+              <a:rPr lang="en-US" dirty="0"/>
+              <a:t>Something goes to prod *every* month</a:t>
+            </a:r>
+          </a:p>
+          <a:p>
+            <a:pPr marL="342900" indent="-342900">
+              <a:buFont typeface="Arial" panose="020B0604020202020204" pitchFamily="34" charset="0"/>
+              <a:buChar char="•"/>
+            </a:pPr>
+            <a:r>
+              <a:rPr lang="en-US" dirty="0"/>
+              <a:t>^^Be worried if this isn’t happening</a:t>
+            </a:r>
+          </a:p>
+          <a:p>
+            <a:pPr marL="342900" indent="-342900">
+              <a:buFont typeface="Arial" panose="020B0604020202020204" pitchFamily="34" charset="0"/>
+              <a:buChar char="•"/>
+            </a:pPr>
+            <a:r>
+              <a:rPr lang="en-US" dirty="0"/>
+              <a:t>^^Be worried if the whole thing that’s going to prod is flagged off.</a:t>
+            </a:r>
+          </a:p>
+          <a:p>
+            <a:pPr marL="342900" indent="-342900">
+              <a:buFont typeface="Arial" panose="020B0604020202020204" pitchFamily="34" charset="0"/>
+              <a:buChar char="•"/>
+            </a:pPr>
+            <a:r>
+              <a:rPr lang="en-US" dirty="0"/>
+              <a:t>Everything that we build that isn’t on in prod adds risk **is there a good metaphor here?*  (Packing the back of a mini van?)</a:t>
+            </a:r>
+          </a:p>
+          <a:p>
+            <a:pPr marL="342900" indent="-342900">
+              <a:buFont typeface="Arial" panose="020B0604020202020204" pitchFamily="34" charset="0"/>
+              <a:buChar char="•"/>
+            </a:pPr>
+            <a:r>
+              <a:rPr lang="en-US" dirty="0"/>
+              <a:t>But how do we do that?</a:t>
+            </a:r>
+          </a:p>
+          <a:p>
+            <a:pPr marL="342900" indent="-342900">
+              <a:buFont typeface="Arial" panose="020B0604020202020204" pitchFamily="34" charset="0"/>
+              <a:buChar char="•"/>
+            </a:pPr>
+            <a:r>
+              <a:rPr lang="en-US" dirty="0"/>
+              <a:t>&gt;&gt;Ask: How can we do less?</a:t>
+            </a:r>
+          </a:p>
+          <a:p>
+            <a:pPr marL="342900" indent="-342900">
+              <a:buFont typeface="Arial" panose="020B0604020202020204" pitchFamily="34" charset="0"/>
+              <a:buChar char="•"/>
+            </a:pPr>
+            <a:r>
+              <a:rPr lang="en-US" dirty="0"/>
+              <a:t>&gt;&gt;Plan for a MUCH smaller commitment, with an understanding of how to deliver the next step</a:t>
+            </a:r>
+          </a:p>
+          <a:p>
+            <a:pPr marL="342900" indent="-342900">
+              <a:buFont typeface="Arial" panose="020B0604020202020204" pitchFamily="34" charset="0"/>
+              <a:buChar char="•"/>
+            </a:pPr>
+            <a:r>
+              <a:rPr lang="en-US" dirty="0"/>
+              <a:t>Be okay with slack (maybe more on slack later)</a:t>
+            </a:r>
+          </a:p>
+          <a:p>
+            <a:pPr marL="342900" indent="-342900">
+              <a:buFont typeface="Arial" panose="020B0604020202020204" pitchFamily="34" charset="0"/>
+              <a:buChar char="•"/>
+            </a:pPr>
+            <a:r>
+              <a:rPr lang="en-US" dirty="0"/>
+              <a:t>Early in the project particularly, de-risk – tackle in order that prioritizes learning which is a lot like saying tackle the riskiest items first</a:t>
+            </a:r>
+          </a:p>
+          <a:p>
+            <a:pPr marL="342900" indent="-342900">
+              <a:buFont typeface="Arial" panose="020B0604020202020204" pitchFamily="34" charset="0"/>
+              <a:buChar char="•"/>
+            </a:pPr>
+            <a:r>
+              <a:rPr lang="en-US" dirty="0"/>
+              <a:t>Be really careful not to slice too thin – easy to say you’ll “add on A11y” later…</a:t>
+            </a:r>
+          </a:p>
+          <a:p>
+            <a:pPr marL="342900" indent="-342900">
+              <a:buFont typeface="Arial" panose="020B0604020202020204" pitchFamily="34" charset="0"/>
+              <a:buChar char="•"/>
+            </a:pPr>
+            <a:endParaRPr lang="en-US" dirty="0"/>
           </a:p>
         </p:txBody>
       </p:sp>
@@ -2338,7 +2746,7 @@
           <a:p>
             <a:r>
               <a:rPr lang="en-US" dirty="0"/>
-              <a:t>Tool: Running effective meetings</a:t>
+              <a:t>Steadily deliver value aka thin slice</a:t>
             </a:r>
           </a:p>
         </p:txBody>
@@ -2346,7 +2754,7 @@
     </p:spTree>
     <p:extLst>
       <p:ext uri="{BB962C8B-B14F-4D97-AF65-F5344CB8AC3E}">
-        <p14:creationId xmlns:p14="http://schemas.microsoft.com/office/powerpoint/2010/main" val="3064350162"/>
+        <p14:creationId xmlns:p14="http://schemas.microsoft.com/office/powerpoint/2010/main" val="1633579186"/>
       </p:ext>
     </p:extLst>
   </p:cSld>
@@ -2388,28 +2796,139 @@
           <a:bodyPr/>
           <a:lstStyle/>
           <a:p>
-            <a:r>
-              <a:rPr lang="en-US" dirty="0"/>
-              <a:t>In all that we spend our time on, we will learn.  We will never just blindly do.  Even if we accomplish our original goal, we’ve made poor use of our time, and we will be in this swamp again.</a:t>
-            </a:r>
-          </a:p>
-          <a:p>
-            <a:endParaRPr lang="en-US" dirty="0"/>
-          </a:p>
-          <a:p>
-            <a:pPr marL="342900" indent="-342900">
-              <a:buFontTx/>
-              <a:buChar char="-"/>
-            </a:pPr>
-            <a:r>
-              <a:rPr lang="en-US" dirty="0"/>
-              <a:t>Prioritize activities that help us learn</a:t>
-            </a:r>
-          </a:p>
-          <a:p>
-            <a:pPr marL="342900" indent="-342900">
-              <a:buFontTx/>
-              <a:buChar char="-"/>
+            <a:pPr marL="342900" indent="-342900">
+              <a:buFont typeface="Arial" panose="020B0604020202020204" pitchFamily="34" charset="0"/>
+              <a:buChar char="•"/>
+            </a:pPr>
+            <a:r>
+              <a:rPr lang="en-US" dirty="0"/>
+              <a:t>Meeting = getting work done</a:t>
+            </a:r>
+          </a:p>
+          <a:p>
+            <a:pPr marL="342900" indent="-342900">
+              <a:buFont typeface="Arial" panose="020B0604020202020204" pitchFamily="34" charset="0"/>
+              <a:buChar char="•"/>
+            </a:pPr>
+            <a:r>
+              <a:rPr lang="en-US" dirty="0"/>
+              <a:t>(Audience poll = how true is this statement?)</a:t>
+            </a:r>
+          </a:p>
+          <a:p>
+            <a:pPr marL="342900" indent="-342900">
+              <a:buFont typeface="Arial" panose="020B0604020202020204" pitchFamily="34" charset="0"/>
+              <a:buChar char="•"/>
+            </a:pPr>
+            <a:r>
+              <a:rPr lang="en-US" dirty="0"/>
+              <a:t>(Audience) What’s wrong with the meetings you’re in?  </a:t>
+            </a:r>
+          </a:p>
+          <a:p>
+            <a:endParaRPr lang="en-US" dirty="0"/>
+          </a:p>
+          <a:p>
+            <a:pPr marL="342900" indent="-342900">
+              <a:buFont typeface="Arial" panose="020B0604020202020204" pitchFamily="34" charset="0"/>
+              <a:buChar char="•"/>
+            </a:pPr>
+            <a:r>
+              <a:rPr lang="en-US" dirty="0"/>
+              <a:t>Why are you meeting?  (What do you want to be unstuck afterward?)</a:t>
+            </a:r>
+          </a:p>
+          <a:p>
+            <a:pPr marL="342900" indent="-342900">
+              <a:buFont typeface="Arial" panose="020B0604020202020204" pitchFamily="34" charset="0"/>
+              <a:buChar char="•"/>
+            </a:pPr>
+            <a:r>
+              <a:rPr lang="en-US" dirty="0"/>
+              <a:t>&gt;&gt;Define acceptance criteria – you’ll be working toward these throughout</a:t>
+            </a:r>
+          </a:p>
+          <a:p>
+            <a:pPr marL="342900" indent="-342900">
+              <a:buFont typeface="Arial" panose="020B0604020202020204" pitchFamily="34" charset="0"/>
+              <a:buChar char="•"/>
+            </a:pPr>
+            <a:r>
+              <a:rPr lang="en-US" dirty="0"/>
+              <a:t>How will you accomplish the AC for the meeting?  (What steps/activities/topics are needed?)</a:t>
+            </a:r>
+          </a:p>
+          <a:p>
+            <a:pPr marL="342900" indent="-342900">
+              <a:buFont typeface="Arial" panose="020B0604020202020204" pitchFamily="34" charset="0"/>
+              <a:buChar char="•"/>
+            </a:pPr>
+            <a:r>
+              <a:rPr lang="en-US" dirty="0"/>
+              <a:t>&gt;&gt; Divide complex conversations into: “Problem appreciation” and, later, “Solution / Plan discussion”</a:t>
+            </a:r>
+          </a:p>
+          <a:p>
+            <a:pPr marL="342900" indent="-342900">
+              <a:buFont typeface="Arial" panose="020B0604020202020204" pitchFamily="34" charset="0"/>
+              <a:buChar char="•"/>
+            </a:pPr>
+            <a:r>
+              <a:rPr lang="en-US" dirty="0"/>
+              <a:t>Who do you need?  Really, do you need all of those people you just thought of?</a:t>
+            </a:r>
+          </a:p>
+          <a:p>
+            <a:pPr marL="342900" indent="-342900">
+              <a:buFont typeface="Arial" panose="020B0604020202020204" pitchFamily="34" charset="0"/>
+              <a:buChar char="•"/>
+            </a:pPr>
+            <a:r>
+              <a:rPr lang="en-US" dirty="0"/>
+              <a:t>&gt;&gt;Orcavengers norm of inviting everyone as optional, and those needed as mandatory</a:t>
+            </a:r>
+          </a:p>
+          <a:p>
+            <a:pPr marL="342900" indent="-342900">
+              <a:buFont typeface="Arial" panose="020B0604020202020204" pitchFamily="34" charset="0"/>
+              <a:buChar char="•"/>
+            </a:pPr>
+            <a:r>
+              <a:rPr lang="en-US" dirty="0"/>
+              <a:t>How long do you need to accomplish the goal?  Really?  That long?  How about 30 minutes less?</a:t>
+            </a:r>
+          </a:p>
+          <a:p>
+            <a:pPr marL="342900" indent="-342900">
+              <a:buFont typeface="Arial" panose="020B0604020202020204" pitchFamily="34" charset="0"/>
+              <a:buChar char="•"/>
+            </a:pPr>
+            <a:endParaRPr lang="en-US" dirty="0"/>
+          </a:p>
+          <a:p>
+            <a:pPr marL="342900" indent="-342900">
+              <a:buFont typeface="Arial" panose="020B0604020202020204" pitchFamily="34" charset="0"/>
+              <a:buChar char="•"/>
+            </a:pPr>
+            <a:r>
+              <a:rPr lang="en-US" dirty="0"/>
+              <a:t>During meeting: Make sure you’re going to get the AC done.  Call tangents.  Remind the group of the AC.  End as quickly as possible.  </a:t>
+            </a:r>
+          </a:p>
+          <a:p>
+            <a:pPr marL="342900" indent="-342900">
+              <a:buFont typeface="Arial" panose="020B0604020202020204" pitchFamily="34" charset="0"/>
+              <a:buChar char="•"/>
+            </a:pPr>
+            <a:r>
+              <a:rPr lang="en-US" dirty="0"/>
+              <a:t>Psych safety – if a high % of people contribute during a meeting, that is a sign that your team has high psych safety (and is collecting good diversity of ideas)</a:t>
+            </a:r>
+          </a:p>
+          <a:p>
+            <a:pPr marL="342900" indent="-342900">
+              <a:buFont typeface="Arial" panose="020B0604020202020204" pitchFamily="34" charset="0"/>
+              <a:buChar char="•"/>
             </a:pPr>
             <a:endParaRPr lang="en-US" dirty="0"/>
           </a:p>
@@ -2432,7 +2951,7 @@
           <a:p>
             <a:r>
               <a:rPr lang="en-US" dirty="0"/>
-              <a:t>We learn</a:t>
+              <a:t>Executing: Running effective meetings</a:t>
             </a:r>
           </a:p>
         </p:txBody>
@@ -2440,7 +2959,7 @@
     </p:spTree>
     <p:extLst>
       <p:ext uri="{BB962C8B-B14F-4D97-AF65-F5344CB8AC3E}">
-        <p14:creationId xmlns:p14="http://schemas.microsoft.com/office/powerpoint/2010/main" val="1116692367"/>
+        <p14:creationId xmlns:p14="http://schemas.microsoft.com/office/powerpoint/2010/main" val="3064350162"/>
       </p:ext>
     </p:extLst>
   </p:cSld>
@@ -2469,7 +2988,116 @@
       </p:grpSpPr>
       <p:sp>
         <p:nvSpPr>
-          <p:cNvPr id="4" name="Title 3"/>
+          <p:cNvPr id="2" name="Text Placeholder 1"/>
+          <p:cNvSpPr>
+            <a:spLocks noGrp="1"/>
+          </p:cNvSpPr>
+          <p:nvPr>
+            <p:ph type="body" sz="quarter" idx="10"/>
+          </p:nvPr>
+        </p:nvSpPr>
+        <p:spPr/>
+        <p:txBody>
+          <a:bodyPr/>
+          <a:lstStyle/>
+          <a:p>
+            <a:pPr marL="342900" indent="-342900">
+              <a:buFontTx/>
+              <a:buChar char="-"/>
+            </a:pPr>
+            <a:r>
+              <a:rPr lang="en-US" dirty="0"/>
+              <a:t>Queuing theory tells us that systems operate at max throughput when at &lt; 100% capacity</a:t>
+            </a:r>
+          </a:p>
+          <a:p>
+            <a:pPr marL="342900" indent="-342900">
+              <a:buFontTx/>
+              <a:buChar char="-"/>
+            </a:pPr>
+            <a:r>
+              <a:rPr lang="en-US" dirty="0"/>
+              <a:t>What do you do when a car in front of you on the 401 swerves or slams on brakes?  If you’re 20m away?  200m?</a:t>
+            </a:r>
+          </a:p>
+          <a:p>
+            <a:pPr marL="342900" indent="-342900">
+              <a:buFontTx/>
+              <a:buChar char="-"/>
+            </a:pPr>
+            <a:r>
+              <a:rPr lang="en-US" dirty="0"/>
+              <a:t>In engineering, slack lets us:</a:t>
+            </a:r>
+          </a:p>
+          <a:p>
+            <a:pPr marL="342900" indent="-342900">
+              <a:buFontTx/>
+              <a:buChar char="-"/>
+            </a:pPr>
+            <a:r>
+              <a:rPr lang="en-US" dirty="0"/>
+              <a:t>&gt;&gt; Avoid abrupt overreaction to change </a:t>
+            </a:r>
+          </a:p>
+          <a:p>
+            <a:pPr marL="342900" indent="-342900">
+              <a:buFontTx/>
+              <a:buChar char="-"/>
+            </a:pPr>
+            <a:r>
+              <a:rPr lang="en-US" dirty="0"/>
+              <a:t>&gt;&gt; Avoid quality compromises that cost more in the long run</a:t>
+            </a:r>
+          </a:p>
+          <a:p>
+            <a:pPr marL="342900" indent="-342900">
+              <a:buFontTx/>
+              <a:buChar char="-"/>
+            </a:pPr>
+            <a:r>
+              <a:rPr lang="en-US" dirty="0"/>
+              <a:t>&gt;&gt; Be fundamentally more calm while working</a:t>
+            </a:r>
+          </a:p>
+          <a:p>
+            <a:pPr marL="342900" indent="-342900">
+              <a:buFontTx/>
+              <a:buChar char="-"/>
+            </a:pPr>
+            <a:r>
+              <a:rPr lang="en-US" dirty="0"/>
+              <a:t>&gt;&gt; Spend time on getting better at what we do so that next time we’ll be faster</a:t>
+            </a:r>
+          </a:p>
+          <a:p>
+            <a:pPr marL="342900" indent="-342900">
+              <a:buFontTx/>
+              <a:buChar char="-"/>
+            </a:pPr>
+            <a:r>
+              <a:rPr lang="en-US" dirty="0"/>
+              <a:t>&gt;&gt; Enables learning</a:t>
+            </a:r>
+          </a:p>
+          <a:p>
+            <a:endParaRPr lang="en-US" dirty="0"/>
+          </a:p>
+          <a:p>
+            <a:pPr marL="342900" indent="-342900">
+              <a:buFontTx/>
+              <a:buChar char="-"/>
+            </a:pPr>
+            <a:r>
+              <a:rPr lang="en-US" dirty="0"/>
+              <a:t>Sprints for very short periods to complete a clearly understood goal can be okay, but if they’re sustained or frequent, we’re not making the right long term choices. </a:t>
+            </a:r>
+          </a:p>
+        </p:txBody>
+      </p:sp>
+      <p:sp>
+        <p:nvSpPr>
+          <p:cNvPr id="3" name="Title 2"/>
           <p:cNvSpPr>
             <a:spLocks noGrp="1"/>
           </p:cNvSpPr>
@@ -2477,23 +3105,14 @@
             <p:ph type="title"/>
           </p:nvPr>
         </p:nvSpPr>
-        <p:spPr>
-          <a:xfrm>
-            <a:off x="422547" y="2640763"/>
-            <a:ext cx="9717291" cy="1325147"/>
-          </a:xfrm>
-        </p:spPr>
-        <p:txBody>
-          <a:bodyPr/>
-          <a:lstStyle/>
-          <a:p>
-            <a:r>
-              <a:rPr lang="en-US" dirty="0"/>
-              <a:t>Being an effective </a:t>
-            </a:r>
-            <a:r>
-              <a:rPr lang="en-US" u="sng" dirty="0"/>
-              <a:t>individual</a:t>
+        <p:spPr/>
+        <p:txBody>
+          <a:bodyPr/>
+          <a:lstStyle/>
+          <a:p>
+            <a:r>
+              <a:rPr lang="en-US" dirty="0"/>
+              <a:t>Executing: Maintain Slack</a:t>
             </a:r>
           </a:p>
         </p:txBody>
@@ -2501,7 +3120,7 @@
     </p:spTree>
     <p:extLst>
       <p:ext uri="{BB962C8B-B14F-4D97-AF65-F5344CB8AC3E}">
-        <p14:creationId xmlns:p14="http://schemas.microsoft.com/office/powerpoint/2010/main" val="2285835418"/>
+        <p14:creationId xmlns:p14="http://schemas.microsoft.com/office/powerpoint/2010/main" val="699903430"/>
       </p:ext>
     </p:extLst>
   </p:cSld>
@@ -2530,7 +3149,7 @@
       </p:grpSpPr>
       <p:sp>
         <p:nvSpPr>
-          <p:cNvPr id="5" name="Text Placeholder 4"/>
+          <p:cNvPr id="2" name="Text Placeholder 1"/>
           <p:cNvSpPr>
             <a:spLocks noGrp="1"/>
           </p:cNvSpPr>
@@ -2544,175 +3163,46 @@
           <a:lstStyle/>
           <a:p>
             <a:pPr marL="342900" indent="-342900">
-              <a:buFont typeface="Arial" panose="020B0604020202020204" pitchFamily="34" charset="0"/>
-              <a:buChar char="•"/>
-            </a:pPr>
-            <a:r>
-              <a:rPr lang="en-US" dirty="0"/>
-              <a:t>Why?</a:t>
-            </a:r>
-          </a:p>
-          <a:p>
-            <a:pPr marL="342900" indent="-342900">
-              <a:buFont typeface="Arial" panose="020B0604020202020204" pitchFamily="34" charset="0"/>
-              <a:buChar char="•"/>
-            </a:pPr>
-            <a:r>
-              <a:rPr lang="en-US" dirty="0"/>
-              <a:t>&gt;&gt; More capable</a:t>
-            </a:r>
-          </a:p>
-          <a:p>
-            <a:pPr marL="342900" indent="-342900">
-              <a:buFont typeface="Arial" panose="020B0604020202020204" pitchFamily="34" charset="0"/>
-              <a:buChar char="•"/>
-            </a:pPr>
-            <a:r>
-              <a:rPr lang="en-US" dirty="0"/>
-              <a:t>&gt;&gt; Less likely to make the same mistakes twice - more likely to see a repeated pattern</a:t>
-            </a:r>
-          </a:p>
-          <a:p>
-            <a:pPr marL="342900" indent="-342900">
-              <a:buFont typeface="Arial" panose="020B0604020202020204" pitchFamily="34" charset="0"/>
-              <a:buChar char="•"/>
-            </a:pPr>
-            <a:r>
-              <a:rPr lang="en-US" dirty="0"/>
-              <a:t>&gt;&gt; Happier and more fulfilled</a:t>
-            </a:r>
-          </a:p>
-          <a:p>
-            <a:pPr marL="342900" indent="-342900">
-              <a:buFont typeface="Arial" panose="020B0604020202020204" pitchFamily="34" charset="0"/>
-              <a:buChar char="•"/>
-            </a:pPr>
-            <a:endParaRPr lang="en-US" dirty="0"/>
-          </a:p>
-          <a:p>
-            <a:pPr marL="342900" indent="-342900">
-              <a:buFont typeface="Arial" panose="020B0604020202020204" pitchFamily="34" charset="0"/>
-              <a:buChar char="•"/>
-            </a:pPr>
-            <a:r>
-              <a:rPr lang="en-US" dirty="0"/>
-              <a:t>How?</a:t>
-            </a:r>
-          </a:p>
-          <a:p>
-            <a:pPr marL="342900" indent="-342900">
-              <a:buFont typeface="Arial" panose="020B0604020202020204" pitchFamily="34" charset="0"/>
-              <a:buChar char="•"/>
-            </a:pPr>
-            <a:r>
-              <a:rPr lang="en-US" dirty="0"/>
-              <a:t>&gt;&gt; Learn in every opportunity</a:t>
-            </a:r>
-          </a:p>
-          <a:p>
-            <a:pPr marL="342900" indent="-342900">
-              <a:buFont typeface="Arial" panose="020B0604020202020204" pitchFamily="34" charset="0"/>
-              <a:buChar char="•"/>
-            </a:pPr>
-            <a:r>
-              <a:rPr lang="en-US" dirty="0"/>
-              <a:t>&gt;&gt; Have a goals and work toward them.</a:t>
-            </a:r>
-          </a:p>
-          <a:p>
-            <a:pPr marL="342900" indent="-342900">
-              <a:buFont typeface="Arial" panose="020B0604020202020204" pitchFamily="34" charset="0"/>
-              <a:buChar char="•"/>
-            </a:pPr>
-            <a:endParaRPr lang="en-US" dirty="0"/>
-          </a:p>
-          <a:p>
-            <a:pPr marL="342900" indent="-342900">
-              <a:buFont typeface="Arial" panose="020B0604020202020204" pitchFamily="34" charset="0"/>
-              <a:buChar char="•"/>
-            </a:pPr>
-            <a:r>
-              <a:rPr lang="en-US" dirty="0"/>
-              <a:t>How have you grown </a:t>
-            </a:r>
-            <a:r>
-              <a:rPr lang="en-US" u="sng" dirty="0"/>
-              <a:t>meaningfully</a:t>
-            </a:r>
-            <a:r>
-              <a:rPr lang="en-US" dirty="0"/>
-              <a:t> in the last month?</a:t>
-            </a:r>
-          </a:p>
-          <a:p>
-            <a:pPr marL="342900" indent="-342900">
-              <a:buFont typeface="Arial" panose="020B0604020202020204" pitchFamily="34" charset="0"/>
-              <a:buChar char="•"/>
-            </a:pPr>
-            <a:r>
-              <a:rPr lang="en-US" dirty="0"/>
-              <a:t>&gt;&gt;Abhor stagnation – crave healthy change.  You can be stagnating, even when you’re working hard.  </a:t>
-            </a:r>
-          </a:p>
-          <a:p>
-            <a:pPr marL="342900" indent="-342900">
-              <a:buFont typeface="Arial" panose="020B0604020202020204" pitchFamily="34" charset="0"/>
-              <a:buChar char="•"/>
-            </a:pPr>
-            <a:r>
-              <a:rPr lang="en-US" dirty="0"/>
-              <a:t>&gt;&gt;Change is an opportunity to learn and grow</a:t>
-            </a:r>
-          </a:p>
-          <a:p>
-            <a:pPr marL="342900" indent="-342900">
-              <a:buFont typeface="Arial" panose="020B0604020202020204" pitchFamily="34" charset="0"/>
-              <a:buChar char="•"/>
-            </a:pPr>
-            <a:r>
-              <a:rPr lang="en-US" dirty="0"/>
-              <a:t>Professional Journal (including feelings)</a:t>
-            </a:r>
-          </a:p>
-          <a:p>
-            <a:pPr marL="342900" indent="-342900">
-              <a:buFont typeface="Arial" panose="020B0604020202020204" pitchFamily="34" charset="0"/>
-              <a:buChar char="•"/>
-            </a:pPr>
-            <a:r>
-              <a:rPr lang="en-US" dirty="0"/>
-              <a:t>Goal journal</a:t>
-            </a:r>
-          </a:p>
-          <a:p>
-            <a:pPr marL="342900" indent="-342900">
-              <a:buFont typeface="Arial" panose="020B0604020202020204" pitchFamily="34" charset="0"/>
-              <a:buChar char="•"/>
-            </a:pPr>
-            <a:r>
-              <a:rPr lang="en-US" dirty="0"/>
-              <a:t>Share with manager openly</a:t>
-            </a:r>
-          </a:p>
-          <a:p>
-            <a:pPr marL="342900" indent="-342900">
-              <a:buFont typeface="Arial" panose="020B0604020202020204" pitchFamily="34" charset="0"/>
-              <a:buChar char="•"/>
-            </a:pPr>
-            <a:endParaRPr lang="en-US" dirty="0"/>
-          </a:p>
-          <a:p>
-            <a:pPr marL="342900" indent="-342900">
-              <a:buFont typeface="Arial" panose="020B0604020202020204" pitchFamily="34" charset="0"/>
-              <a:buChar char="•"/>
-            </a:pPr>
-            <a:endParaRPr lang="en-US" dirty="0"/>
-          </a:p>
-        </p:txBody>
-      </p:sp>
-      <p:sp>
-        <p:nvSpPr>
-          <p:cNvPr id="4" name="Title 3"/>
+              <a:buFontTx/>
+              <a:buChar char="-"/>
+            </a:pPr>
+            <a:r>
+              <a:rPr lang="en-US" dirty="0"/>
+              <a:t>Principles are the fundamental, abstract rules that we agree are important to us</a:t>
+            </a:r>
+          </a:p>
+          <a:p>
+            <a:pPr marL="342900" indent="-342900">
+              <a:buFontTx/>
+              <a:buChar char="-"/>
+            </a:pPr>
+            <a:r>
+              <a:rPr lang="en-US" dirty="0"/>
+              <a:t>EXAMPLES</a:t>
+            </a:r>
+          </a:p>
+          <a:p>
+            <a:pPr marL="342900" indent="-342900">
+              <a:buFontTx/>
+              <a:buChar char="-"/>
+            </a:pPr>
+            <a:r>
+              <a:rPr lang="en-US" dirty="0"/>
+              <a:t>Understand the principles driving our choices – what principle drove us to choose X over Y?</a:t>
+            </a:r>
+          </a:p>
+          <a:p>
+            <a:pPr marL="342900" indent="-342900">
+              <a:buFontTx/>
+              <a:buChar char="-"/>
+            </a:pPr>
+            <a:endParaRPr lang="en-US" dirty="0"/>
+          </a:p>
+        </p:txBody>
+      </p:sp>
+      <p:sp>
+        <p:nvSpPr>
+          <p:cNvPr id="3" name="Title 2"/>
           <p:cNvSpPr>
             <a:spLocks noGrp="1"/>
           </p:cNvSpPr>
@@ -2727,7 +3217,7 @@
           <a:p>
             <a:r>
               <a:rPr lang="en-US" dirty="0"/>
-              <a:t>I learn</a:t>
+              <a:t>Principle and Process</a:t>
             </a:r>
           </a:p>
         </p:txBody>
@@ -2735,7 +3225,7 @@
     </p:spTree>
     <p:extLst>
       <p:ext uri="{BB962C8B-B14F-4D97-AF65-F5344CB8AC3E}">
-        <p14:creationId xmlns:p14="http://schemas.microsoft.com/office/powerpoint/2010/main" val="3405633137"/>
+        <p14:creationId xmlns:p14="http://schemas.microsoft.com/office/powerpoint/2010/main" val="892443849"/>
       </p:ext>
     </p:extLst>
   </p:cSld>
@@ -2779,26 +3269,14 @@
           <a:p>
             <a:r>
               <a:rPr lang="en-US" dirty="0"/>
-              <a:t>Pomodoro</a:t>
-            </a:r>
-          </a:p>
-          <a:p>
-            <a:r>
-              <a:rPr lang="en-US" dirty="0"/>
-              <a:t>Dedicated time (Sync’d dedicated time)</a:t>
-            </a:r>
-          </a:p>
-          <a:p>
-            <a:r>
-              <a:rPr lang="en-US" dirty="0"/>
-              <a:t>Top 5</a:t>
-            </a:r>
-          </a:p>
-          <a:p>
-            <a:r>
-              <a:rPr lang="en-US" dirty="0"/>
-              <a:t>Look at calendar first</a:t>
-            </a:r>
+              <a:t>In all that we spend our time on, we will learn.  We will never just blindly do.  Even if we accomplish our original goal, we’ve made poor use of our time, and we will be in this swamp again.</a:t>
+            </a:r>
+          </a:p>
+          <a:p>
+            <a:endParaRPr lang="en-US" dirty="0"/>
+          </a:p>
+          <a:p>
+            <a:endParaRPr lang="en-US" dirty="0"/>
           </a:p>
         </p:txBody>
       </p:sp>
@@ -2819,7 +3297,7 @@
           <a:p>
             <a:r>
               <a:rPr lang="en-US" dirty="0"/>
-              <a:t>Focus and working on the most important thing</a:t>
+              <a:t>We learn</a:t>
             </a:r>
           </a:p>
         </p:txBody>
@@ -2827,7 +3305,7 @@
     </p:spTree>
     <p:extLst>
       <p:ext uri="{BB962C8B-B14F-4D97-AF65-F5344CB8AC3E}">
-        <p14:creationId xmlns:p14="http://schemas.microsoft.com/office/powerpoint/2010/main" val="2604704215"/>
+        <p14:creationId xmlns:p14="http://schemas.microsoft.com/office/powerpoint/2010/main" val="1116692367"/>
       </p:ext>
     </p:extLst>
   </p:cSld>
@@ -2856,179 +3334,7 @@
       </p:grpSpPr>
       <p:sp>
         <p:nvSpPr>
-          <p:cNvPr id="2" name="Text Placeholder 1"/>
-          <p:cNvSpPr>
-            <a:spLocks noGrp="1"/>
-          </p:cNvSpPr>
-          <p:nvPr>
-            <p:ph type="body" sz="quarter" idx="10"/>
-          </p:nvPr>
-        </p:nvSpPr>
-        <p:spPr/>
-        <p:txBody>
-          <a:bodyPr/>
-          <a:lstStyle/>
-          <a:p>
-            <a:r>
-              <a:rPr lang="en-US" dirty="0"/>
-              <a:t>An introvert’s perspective – Andrew’s advice – questions are your best friend</a:t>
-            </a:r>
-          </a:p>
-          <a:p>
-            <a:r>
-              <a:rPr lang="en-US" dirty="0"/>
-              <a:t>Why this is particularly important at D2L</a:t>
-            </a:r>
-          </a:p>
-          <a:p>
-            <a:r>
-              <a:rPr lang="en-US" dirty="0"/>
-              <a:t>Connect back to learning and growing</a:t>
-            </a:r>
-          </a:p>
-          <a:p>
-            <a:pPr marL="342900" indent="-342900">
-              <a:buFontTx/>
-              <a:buChar char="-"/>
-            </a:pPr>
-            <a:r>
-              <a:rPr lang="en-US" dirty="0"/>
-              <a:t>Walkabout</a:t>
-            </a:r>
-          </a:p>
-          <a:p>
-            <a:pPr marL="342900" indent="-342900">
-              <a:buFontTx/>
-              <a:buChar char="-"/>
-            </a:pPr>
-            <a:r>
-              <a:rPr lang="en-US" dirty="0"/>
-              <a:t>Sit in a public spot</a:t>
-            </a:r>
-          </a:p>
-          <a:p>
-            <a:pPr marL="342900" indent="-342900">
-              <a:buFontTx/>
-              <a:buChar char="-"/>
-            </a:pPr>
-            <a:r>
-              <a:rPr lang="en-US" dirty="0"/>
-              <a:t>Chat at the coffee machine – one person per week you wouldn’t otherwise.</a:t>
-            </a:r>
-          </a:p>
-          <a:p>
-            <a:pPr marL="342900" indent="-342900">
-              <a:buFontTx/>
-              <a:buChar char="-"/>
-            </a:pPr>
-            <a:r>
-              <a:rPr lang="en-US" dirty="0"/>
-              <a:t>Ask people for their advice – we sometimes talk about having a mentor, but Craig helped me appreciate the value of a network of informal mentors – people you can talk over problems in particular areas </a:t>
-            </a:r>
-          </a:p>
-          <a:p>
-            <a:pPr marL="342900" indent="-342900">
-              <a:buFontTx/>
-              <a:buChar char="-"/>
-            </a:pPr>
-            <a:r>
-              <a:rPr lang="en-US" dirty="0"/>
-              <a:t>Meet up with people to compare what you’ve learned</a:t>
-            </a:r>
-          </a:p>
-          <a:p>
-            <a:pPr marL="342900" indent="-342900">
-              <a:buFontTx/>
-              <a:buChar char="-"/>
-            </a:pPr>
-            <a:r>
-              <a:rPr lang="en-US" dirty="0"/>
-              <a:t>Be generous, particularly when it comes to sharing knowledge</a:t>
-            </a:r>
-          </a:p>
-          <a:p>
-            <a:pPr marL="342900" indent="-342900">
-              <a:buFontTx/>
-              <a:buChar char="-"/>
-            </a:pPr>
-            <a:r>
-              <a:rPr lang="en-US" dirty="0"/>
-              <a:t>3</a:t>
-            </a:r>
-            <a:r>
-              <a:rPr lang="en-US" baseline="30000" dirty="0"/>
-              <a:t>rd</a:t>
-            </a:r>
-            <a:r>
-              <a:rPr lang="en-US" dirty="0"/>
-              <a:t> level tribe – we’re awesome, but they’re not.</a:t>
-            </a:r>
-          </a:p>
-          <a:p>
-            <a:pPr marL="342900" indent="-342900">
-              <a:buFontTx/>
-              <a:buChar char="-"/>
-            </a:pPr>
-            <a:r>
-              <a:rPr lang="en-US" dirty="0"/>
-              <a:t>4</a:t>
-            </a:r>
-            <a:r>
-              <a:rPr lang="en-US" baseline="30000" dirty="0"/>
-              <a:t>th</a:t>
-            </a:r>
-            <a:r>
-              <a:rPr lang="en-US" dirty="0"/>
-              <a:t> level tribe – we’re all awesome</a:t>
-            </a:r>
-          </a:p>
-          <a:p>
-            <a:pPr marL="342900" indent="-342900">
-              <a:buFontTx/>
-              <a:buChar char="-"/>
-            </a:pPr>
-            <a:r>
-              <a:rPr lang="en-US" dirty="0"/>
-              <a:t>5</a:t>
-            </a:r>
-            <a:r>
-              <a:rPr lang="en-US" baseline="30000" dirty="0"/>
-              <a:t>th</a:t>
-            </a:r>
-            <a:r>
-              <a:rPr lang="en-US" dirty="0"/>
-              <a:t> level tribe – hey my two friends who don’t know each other, you’d probably be awesome together – why not connect?</a:t>
-            </a:r>
-          </a:p>
-          <a:p>
-            <a:pPr marL="342900" indent="-342900">
-              <a:buFontTx/>
-              <a:buChar char="-"/>
-            </a:pPr>
-            <a:r>
-              <a:rPr lang="en-US" dirty="0"/>
-              <a:t>[cite tribal leadership]</a:t>
-            </a:r>
-          </a:p>
-          <a:p>
-            <a:pPr marL="342900" indent="-342900">
-              <a:buFontTx/>
-              <a:buChar char="-"/>
-            </a:pPr>
-            <a:endParaRPr lang="en-US" dirty="0"/>
-          </a:p>
-          <a:p>
-            <a:pPr marL="342900" indent="-342900">
-              <a:buFontTx/>
-              <a:buChar char="-"/>
-            </a:pPr>
-            <a:endParaRPr lang="en-US" dirty="0"/>
-          </a:p>
-        </p:txBody>
-      </p:sp>
-      <p:sp>
-        <p:nvSpPr>
-          <p:cNvPr id="3" name="Title 2"/>
+          <p:cNvPr id="4" name="Title 3"/>
           <p:cNvSpPr>
             <a:spLocks noGrp="1"/>
           </p:cNvSpPr>
@@ -3036,14 +3342,23 @@
             <p:ph type="title"/>
           </p:nvPr>
         </p:nvSpPr>
-        <p:spPr/>
-        <p:txBody>
-          <a:bodyPr/>
-          <a:lstStyle/>
-          <a:p>
-            <a:r>
-              <a:rPr lang="en-US" dirty="0"/>
-              <a:t>Building a professional network</a:t>
+        <p:spPr>
+          <a:xfrm>
+            <a:off x="422547" y="2640763"/>
+            <a:ext cx="9717291" cy="1325147"/>
+          </a:xfrm>
+        </p:spPr>
+        <p:txBody>
+          <a:bodyPr/>
+          <a:lstStyle/>
+          <a:p>
+            <a:r>
+              <a:rPr lang="en-US" dirty="0"/>
+              <a:t>Being an effective </a:t>
+            </a:r>
+            <a:r>
+              <a:rPr lang="en-US" u="sng" dirty="0"/>
+              <a:t>individual</a:t>
             </a:r>
           </a:p>
         </p:txBody>
@@ -3051,7 +3366,7 @@
     </p:spTree>
     <p:extLst>
       <p:ext uri="{BB962C8B-B14F-4D97-AF65-F5344CB8AC3E}">
-        <p14:creationId xmlns:p14="http://schemas.microsoft.com/office/powerpoint/2010/main" val="1677484805"/>
+        <p14:creationId xmlns:p14="http://schemas.microsoft.com/office/powerpoint/2010/main" val="2285835418"/>
       </p:ext>
     </p:extLst>
   </p:cSld>
@@ -3080,7 +3395,7 @@
       </p:grpSpPr>
       <p:sp>
         <p:nvSpPr>
-          <p:cNvPr id="2" name="Text Placeholder 1"/>
+          <p:cNvPr id="5" name="Text Placeholder 4"/>
           <p:cNvSpPr>
             <a:spLocks noGrp="1"/>
           </p:cNvSpPr>
@@ -3099,91 +3414,170 @@
             </a:pPr>
             <a:r>
               <a:rPr lang="en-US" dirty="0"/>
-              <a:t>Imagine if the people we spend the most time with every day shared their perspective and advice about how we each could improve?  And imagine if they did this in small, low stress, frequent chunks that helps us course-correct or get stronger continuously.  We could grow faster, and we could make more of a difference in the lives of people around us.</a:t>
-            </a:r>
-          </a:p>
-          <a:p>
-            <a:pPr marL="342900" indent="-342900">
-              <a:buFont typeface="Arial" panose="020B0604020202020204" pitchFamily="34" charset="0"/>
-              <a:buChar char="•"/>
-            </a:pPr>
-            <a:r>
-              <a:rPr lang="en-US" dirty="0"/>
-              <a:t>Scary right?</a:t>
-            </a:r>
-          </a:p>
-          <a:p>
-            <a:pPr marL="342900" indent="-342900">
-              <a:buFont typeface="Arial" panose="020B0604020202020204" pitchFamily="34" charset="0"/>
-              <a:buChar char="•"/>
-            </a:pPr>
-            <a:r>
-              <a:rPr lang="en-US" dirty="0"/>
-              <a:t>Steps to get there:</a:t>
-            </a:r>
-          </a:p>
-          <a:p>
-            <a:pPr marL="342900" indent="-342900">
-              <a:buFont typeface="Arial" panose="020B0604020202020204" pitchFamily="34" charset="0"/>
-              <a:buChar char="•"/>
-            </a:pPr>
-            <a:r>
-              <a:rPr lang="en-US" dirty="0"/>
-              <a:t>&gt;&gt; Share positive feedback, every day, in small but honest ways.  (Some authors talk about needing to build trust by sharing the positive at as much as a 9:1 ratio.)</a:t>
-            </a:r>
-          </a:p>
-          <a:p>
-            <a:pPr marL="342900" indent="-342900">
-              <a:buFont typeface="Arial" panose="020B0604020202020204" pitchFamily="34" charset="0"/>
-              <a:buChar char="•"/>
-            </a:pPr>
-            <a:r>
-              <a:rPr lang="en-US" dirty="0"/>
-              <a:t>&gt;&gt; Do so especially when someone has done something new for them that is a growth step: “It was really cool that you spoke up back there – I think that helped get us on track…”</a:t>
-            </a:r>
-          </a:p>
-          <a:p>
-            <a:pPr marL="342900" indent="-342900">
-              <a:buFont typeface="Arial" panose="020B0604020202020204" pitchFamily="34" charset="0"/>
-              <a:buChar char="•"/>
-            </a:pPr>
-            <a:r>
-              <a:rPr lang="en-US" dirty="0"/>
-              <a:t>&gt;&gt; Make it easy for people to share feedback with you – and try not to just fish for the good – make it easy for people to share ideas about how you can get stronger.</a:t>
-            </a:r>
-          </a:p>
-          <a:p>
-            <a:pPr marL="342900" indent="-342900">
-              <a:buFont typeface="Arial" panose="020B0604020202020204" pitchFamily="34" charset="0"/>
-              <a:buChar char="•"/>
-            </a:pPr>
-            <a:r>
-              <a:rPr lang="en-US" dirty="0"/>
-              <a:t>Receiving feedback: Be interested.  Be engaged.  Don’t argue.  (Asking for clarification or example is ok.)  Say thank you, and mean it.</a:t>
-            </a:r>
-          </a:p>
-          <a:p>
-            <a:pPr marL="342900" indent="-342900">
-              <a:buFont typeface="Arial" panose="020B0604020202020204" pitchFamily="34" charset="0"/>
-              <a:buChar char="•"/>
-            </a:pPr>
-            <a:r>
-              <a:rPr lang="en-US" dirty="0"/>
-              <a:t>Tell people that you got good feedback and that it helped you (if it was, and if it did.)  That reinforces the idea that this is valued behavior, and it’s a form of real-time public feedback for the person who took time to help you out.</a:t>
-            </a:r>
-          </a:p>
-          <a:p>
-            <a:pPr marL="342900" indent="-342900">
-              <a:buFont typeface="Arial" panose="020B0604020202020204" pitchFamily="34" charset="0"/>
-              <a:buChar char="•"/>
-            </a:pPr>
-            <a:endParaRPr lang="en-US" dirty="0"/>
-          </a:p>
-        </p:txBody>
-      </p:sp>
-      <p:sp>
-        <p:nvSpPr>
-          <p:cNvPr id="3" name="Title 2"/>
+              <a:t>Why?</a:t>
+            </a:r>
+          </a:p>
+          <a:p>
+            <a:pPr marL="342900" indent="-342900">
+              <a:buFont typeface="Arial" panose="020B0604020202020204" pitchFamily="34" charset="0"/>
+              <a:buChar char="•"/>
+            </a:pPr>
+            <a:r>
+              <a:rPr lang="en-US" dirty="0"/>
+              <a:t>&gt;&gt; More capable</a:t>
+            </a:r>
+          </a:p>
+          <a:p>
+            <a:pPr marL="342900" indent="-342900">
+              <a:buFont typeface="Arial" panose="020B0604020202020204" pitchFamily="34" charset="0"/>
+              <a:buChar char="•"/>
+            </a:pPr>
+            <a:r>
+              <a:rPr lang="en-US" dirty="0"/>
+              <a:t>&gt;&gt; Less likely to make the same mistakes twice - more likely to see a repeated pattern</a:t>
+            </a:r>
+          </a:p>
+          <a:p>
+            <a:pPr marL="342900" indent="-342900">
+              <a:buFont typeface="Arial" panose="020B0604020202020204" pitchFamily="34" charset="0"/>
+              <a:buChar char="•"/>
+            </a:pPr>
+            <a:r>
+              <a:rPr lang="en-US" dirty="0"/>
+              <a:t>&gt;&gt; Happier and more fulfilled</a:t>
+            </a:r>
+          </a:p>
+          <a:p>
+            <a:pPr marL="342900" indent="-342900">
+              <a:buFont typeface="Arial" panose="020B0604020202020204" pitchFamily="34" charset="0"/>
+              <a:buChar char="•"/>
+            </a:pPr>
+            <a:endParaRPr lang="en-US" dirty="0"/>
+          </a:p>
+          <a:p>
+            <a:pPr marL="342900" indent="-342900">
+              <a:buFont typeface="Arial" panose="020B0604020202020204" pitchFamily="34" charset="0"/>
+              <a:buChar char="•"/>
+            </a:pPr>
+            <a:r>
+              <a:rPr lang="en-US" dirty="0"/>
+              <a:t>How?</a:t>
+            </a:r>
+          </a:p>
+          <a:p>
+            <a:pPr marL="342900" indent="-342900">
+              <a:buFont typeface="Arial" panose="020B0604020202020204" pitchFamily="34" charset="0"/>
+              <a:buChar char="•"/>
+            </a:pPr>
+            <a:r>
+              <a:rPr lang="en-US" dirty="0"/>
+              <a:t>&gt;&gt; Learn in every opportunity</a:t>
+            </a:r>
+          </a:p>
+          <a:p>
+            <a:pPr marL="342900" indent="-342900">
+              <a:buFont typeface="Arial" panose="020B0604020202020204" pitchFamily="34" charset="0"/>
+              <a:buChar char="•"/>
+            </a:pPr>
+            <a:r>
+              <a:rPr lang="en-US" dirty="0"/>
+              <a:t>&gt;&gt; Have a goals and work toward them.</a:t>
+            </a:r>
+          </a:p>
+          <a:p>
+            <a:pPr marL="342900" indent="-342900">
+              <a:buFont typeface="Arial" panose="020B0604020202020204" pitchFamily="34" charset="0"/>
+              <a:buChar char="•"/>
+            </a:pPr>
+            <a:endParaRPr lang="en-US" dirty="0"/>
+          </a:p>
+          <a:p>
+            <a:pPr marL="342900" indent="-342900">
+              <a:buFont typeface="Arial" panose="020B0604020202020204" pitchFamily="34" charset="0"/>
+              <a:buChar char="•"/>
+            </a:pPr>
+            <a:r>
+              <a:rPr lang="en-US" dirty="0"/>
+              <a:t>How have you grown </a:t>
+            </a:r>
+            <a:r>
+              <a:rPr lang="en-US" u="sng" dirty="0"/>
+              <a:t>meaningfully</a:t>
+            </a:r>
+            <a:r>
+              <a:rPr lang="en-US" dirty="0"/>
+              <a:t> in the last month?</a:t>
+            </a:r>
+          </a:p>
+          <a:p>
+            <a:pPr marL="342900" indent="-342900">
+              <a:buFont typeface="Arial" panose="020B0604020202020204" pitchFamily="34" charset="0"/>
+              <a:buChar char="•"/>
+            </a:pPr>
+            <a:r>
+              <a:rPr lang="en-US" dirty="0"/>
+              <a:t>&gt;&gt;Abhor stagnation – crave healthy change.  You can be stagnating, even when you’re working hard.  </a:t>
+            </a:r>
+          </a:p>
+          <a:p>
+            <a:pPr marL="342900" indent="-342900">
+              <a:buFont typeface="Arial" panose="020B0604020202020204" pitchFamily="34" charset="0"/>
+              <a:buChar char="•"/>
+            </a:pPr>
+            <a:r>
+              <a:rPr lang="en-US" dirty="0"/>
+              <a:t>&gt;&gt;Change is an opportunity to learn and grow</a:t>
+            </a:r>
+          </a:p>
+          <a:p>
+            <a:pPr marL="342900" indent="-342900">
+              <a:buFont typeface="Arial" panose="020B0604020202020204" pitchFamily="34" charset="0"/>
+              <a:buChar char="•"/>
+            </a:pPr>
+            <a:r>
+              <a:rPr lang="en-US" dirty="0"/>
+              <a:t>Professional Journal (including feelings)</a:t>
+            </a:r>
+          </a:p>
+          <a:p>
+            <a:pPr marL="342900" indent="-342900">
+              <a:buFont typeface="Arial" panose="020B0604020202020204" pitchFamily="34" charset="0"/>
+              <a:buChar char="•"/>
+            </a:pPr>
+            <a:r>
+              <a:rPr lang="en-US" dirty="0"/>
+              <a:t>Goal journal</a:t>
+            </a:r>
+          </a:p>
+          <a:p>
+            <a:pPr marL="342900" indent="-342900">
+              <a:buFont typeface="Arial" panose="020B0604020202020204" pitchFamily="34" charset="0"/>
+              <a:buChar char="•"/>
+            </a:pPr>
+            <a:r>
+              <a:rPr lang="en-US" dirty="0"/>
+              <a:t>Share with manager openly</a:t>
+            </a:r>
+          </a:p>
+          <a:p>
+            <a:pPr marL="342900" indent="-342900">
+              <a:buFont typeface="Arial" panose="020B0604020202020204" pitchFamily="34" charset="0"/>
+              <a:buChar char="•"/>
+            </a:pPr>
+            <a:endParaRPr lang="en-US" dirty="0"/>
+          </a:p>
+          <a:p>
+            <a:pPr marL="342900" indent="-342900">
+              <a:buFont typeface="Arial" panose="020B0604020202020204" pitchFamily="34" charset="0"/>
+              <a:buChar char="•"/>
+            </a:pPr>
+            <a:endParaRPr lang="en-US" dirty="0"/>
+          </a:p>
+        </p:txBody>
+      </p:sp>
+      <p:sp>
+        <p:nvSpPr>
+          <p:cNvPr id="4" name="Title 3"/>
           <p:cNvSpPr>
             <a:spLocks noGrp="1"/>
           </p:cNvSpPr>
@@ -3198,7 +3592,7 @@
           <a:p>
             <a:r>
               <a:rPr lang="en-US" dirty="0"/>
-              <a:t>Mutual Coaching</a:t>
+              <a:t>I learn</a:t>
             </a:r>
           </a:p>
         </p:txBody>
@@ -3206,7 +3600,7 @@
     </p:spTree>
     <p:extLst>
       <p:ext uri="{BB962C8B-B14F-4D97-AF65-F5344CB8AC3E}">
-        <p14:creationId xmlns:p14="http://schemas.microsoft.com/office/powerpoint/2010/main" val="2528233129"/>
+        <p14:creationId xmlns:p14="http://schemas.microsoft.com/office/powerpoint/2010/main" val="3405633137"/>
       </p:ext>
     </p:extLst>
   </p:cSld>
@@ -3337,61 +3731,28 @@
           <a:bodyPr/>
           <a:lstStyle/>
           <a:p>
-            <a:pPr marL="342900" indent="-342900">
-              <a:buFont typeface="Arial" panose="020B0604020202020204" pitchFamily="34" charset="0"/>
-              <a:buChar char="•"/>
-            </a:pPr>
-            <a:r>
-              <a:rPr lang="en-US" dirty="0"/>
-              <a:t>I want to work at a place where we, as a group, help to make things better</a:t>
-            </a:r>
-          </a:p>
-          <a:p>
-            <a:pPr marL="342900" indent="-342900">
-              <a:buFont typeface="Arial" panose="020B0604020202020204" pitchFamily="34" charset="0"/>
-              <a:buChar char="•"/>
-            </a:pPr>
-            <a:r>
-              <a:rPr lang="en-US" dirty="0"/>
-              <a:t>Pick a thing that should be better.  Helps if it’s something that bothers you – something you have a personal stake in.  Ask what would be necessary to tackle it.  Just say you’ll make a plan – if you find yourself interested, you’ll be more likely to make good progress</a:t>
-            </a:r>
-          </a:p>
-          <a:p>
-            <a:pPr marL="342900" indent="-342900">
-              <a:buFont typeface="Arial" panose="020B0604020202020204" pitchFamily="34" charset="0"/>
-              <a:buChar char="•"/>
-            </a:pPr>
-            <a:r>
-              <a:rPr lang="en-US" dirty="0"/>
-              <a:t>Think about what that would look like</a:t>
-            </a:r>
-          </a:p>
-          <a:p>
-            <a:pPr marL="342900" indent="-342900">
-              <a:buFont typeface="Arial" panose="020B0604020202020204" pitchFamily="34" charset="0"/>
-              <a:buChar char="•"/>
-            </a:pPr>
-            <a:r>
-              <a:rPr lang="en-US" dirty="0"/>
-              <a:t>Take steps</a:t>
-            </a:r>
-          </a:p>
-          <a:p>
-            <a:pPr marL="342900" indent="-342900">
-              <a:buFont typeface="Arial" panose="020B0604020202020204" pitchFamily="34" charset="0"/>
-              <a:buChar char="•"/>
-            </a:pPr>
-            <a:r>
-              <a:rPr lang="en-US" dirty="0"/>
-              <a:t>Start small (small problems, small slices)</a:t>
-            </a:r>
-          </a:p>
-          <a:p>
-            <a:pPr marL="342900" indent="-342900">
-              <a:buFont typeface="Arial" panose="020B0604020202020204" pitchFamily="34" charset="0"/>
-              <a:buChar char="•"/>
-            </a:pPr>
-            <a:endParaRPr lang="en-US" dirty="0"/>
+            <a:r>
+              <a:rPr lang="en-US" dirty="0"/>
+              <a:t>Pomodoro</a:t>
+            </a:r>
+          </a:p>
+          <a:p>
+            <a:r>
+              <a:rPr lang="en-US" dirty="0"/>
+              <a:t>Dedicated time (Sync’d dedicated time across team or even company)</a:t>
+            </a:r>
+          </a:p>
+          <a:p>
+            <a:r>
+              <a:rPr lang="en-US" dirty="0"/>
+              <a:t>Top 5 (or Top 1)</a:t>
+            </a:r>
+          </a:p>
+          <a:p>
+            <a:r>
+              <a:rPr lang="en-US" dirty="0"/>
+              <a:t>Look at calendar first</a:t>
+            </a:r>
           </a:p>
         </p:txBody>
       </p:sp>
@@ -3412,7 +3773,7 @@
           <a:p>
             <a:r>
               <a:rPr lang="en-US" dirty="0"/>
-              <a:t>LAST TOPIC: Be the change (Jason: Pick better title)</a:t>
+              <a:t>Focus and working on the most important thing</a:t>
             </a:r>
           </a:p>
         </p:txBody>
@@ -3420,7 +3781,7 @@
     </p:spTree>
     <p:extLst>
       <p:ext uri="{BB962C8B-B14F-4D97-AF65-F5344CB8AC3E}">
-        <p14:creationId xmlns:p14="http://schemas.microsoft.com/office/powerpoint/2010/main" val="1213391016"/>
+        <p14:creationId xmlns:p14="http://schemas.microsoft.com/office/powerpoint/2010/main" val="2604704215"/>
       </p:ext>
     </p:extLst>
   </p:cSld>
@@ -3464,8 +3825,158 @@
           <a:p>
             <a:r>
               <a:rPr lang="en-US" dirty="0"/>
-              <a:t>??? Useful ???</a:t>
-            </a:r>
+              <a:t>An introvert’s perspective – Andrew’s advice – questions are your best friend</a:t>
+            </a:r>
+          </a:p>
+          <a:p>
+            <a:r>
+              <a:rPr lang="en-US" dirty="0"/>
+              <a:t>Why this is particularly important at D2L</a:t>
+            </a:r>
+          </a:p>
+          <a:p>
+            <a:r>
+              <a:rPr lang="en-US" dirty="0"/>
+              <a:t>Connect back to learning and growing</a:t>
+            </a:r>
+          </a:p>
+          <a:p>
+            <a:pPr marL="342900" indent="-342900">
+              <a:buFontTx/>
+              <a:buChar char="-"/>
+            </a:pPr>
+            <a:r>
+              <a:rPr lang="en-US" dirty="0"/>
+              <a:t>Walkabout</a:t>
+            </a:r>
+          </a:p>
+          <a:p>
+            <a:pPr marL="342900" indent="-342900">
+              <a:buFontTx/>
+              <a:buChar char="-"/>
+            </a:pPr>
+            <a:r>
+              <a:rPr lang="en-US" dirty="0"/>
+              <a:t>Sit in a public spot</a:t>
+            </a:r>
+          </a:p>
+          <a:p>
+            <a:pPr marL="342900" indent="-342900">
+              <a:buFontTx/>
+              <a:buChar char="-"/>
+            </a:pPr>
+            <a:r>
+              <a:rPr lang="en-US" dirty="0"/>
+              <a:t>Chat at the coffee machine – one person per week you wouldn’t otherwise.</a:t>
+            </a:r>
+          </a:p>
+          <a:p>
+            <a:pPr marL="342900" indent="-342900">
+              <a:buFontTx/>
+              <a:buChar char="-"/>
+            </a:pPr>
+            <a:r>
+              <a:rPr lang="en-US" dirty="0"/>
+              <a:t>Ask people for their advice – we sometimes talk about having a mentor, but Craig helped me appreciate the value of a network of informal mentors – people you can talk over problems in particular areas </a:t>
+            </a:r>
+          </a:p>
+          <a:p>
+            <a:pPr marL="342900" indent="-342900">
+              <a:buFontTx/>
+              <a:buChar char="-"/>
+            </a:pPr>
+            <a:r>
+              <a:rPr lang="en-US" dirty="0"/>
+              <a:t>Meet up with people to compare what you’ve learned</a:t>
+            </a:r>
+          </a:p>
+          <a:p>
+            <a:pPr marL="342900" indent="-342900">
+              <a:buFontTx/>
+              <a:buChar char="-"/>
+            </a:pPr>
+            <a:r>
+              <a:rPr lang="en-US" dirty="0"/>
+              <a:t>Be generous, particularly when it comes to sharing knowledge</a:t>
+            </a:r>
+          </a:p>
+          <a:p>
+            <a:pPr marL="342900" indent="-342900">
+              <a:buFontTx/>
+              <a:buChar char="-"/>
+            </a:pPr>
+            <a:r>
+              <a:rPr lang="en-US" dirty="0"/>
+              <a:t>3</a:t>
+            </a:r>
+            <a:r>
+              <a:rPr lang="en-US" baseline="30000" dirty="0"/>
+              <a:t>rd</a:t>
+            </a:r>
+            <a:r>
+              <a:rPr lang="en-US" dirty="0"/>
+              <a:t> level tribe – we’re awesome, but they’re not.</a:t>
+            </a:r>
+          </a:p>
+          <a:p>
+            <a:pPr marL="342900" indent="-342900">
+              <a:buFontTx/>
+              <a:buChar char="-"/>
+            </a:pPr>
+            <a:r>
+              <a:rPr lang="en-US" dirty="0"/>
+              <a:t>4</a:t>
+            </a:r>
+            <a:r>
+              <a:rPr lang="en-US" baseline="30000" dirty="0"/>
+              <a:t>th</a:t>
+            </a:r>
+            <a:r>
+              <a:rPr lang="en-US" dirty="0"/>
+              <a:t> level tribe – we’re all awesome</a:t>
+            </a:r>
+          </a:p>
+          <a:p>
+            <a:pPr marL="342900" indent="-342900">
+              <a:buFontTx/>
+              <a:buChar char="-"/>
+            </a:pPr>
+            <a:r>
+              <a:rPr lang="en-US" dirty="0"/>
+              <a:t>5</a:t>
+            </a:r>
+            <a:r>
+              <a:rPr lang="en-US" baseline="30000" dirty="0"/>
+              <a:t>th</a:t>
+            </a:r>
+            <a:r>
+              <a:rPr lang="en-US" dirty="0"/>
+              <a:t> level tribe – hey my two friends who don’t know each other, you’d probably be awesome together – why not connect?</a:t>
+            </a:r>
+          </a:p>
+          <a:p>
+            <a:pPr marL="342900" indent="-342900">
+              <a:buFontTx/>
+              <a:buChar char="-"/>
+            </a:pPr>
+            <a:r>
+              <a:rPr lang="en-US" dirty="0"/>
+              <a:t>[cite tribal leadership]</a:t>
+            </a:r>
+          </a:p>
+          <a:p>
+            <a:pPr marL="342900" indent="-342900">
+              <a:buFontTx/>
+              <a:buChar char="-"/>
+            </a:pPr>
+            <a:endParaRPr lang="en-US" dirty="0"/>
+          </a:p>
+          <a:p>
+            <a:pPr marL="342900" indent="-342900">
+              <a:buFontTx/>
+              <a:buChar char="-"/>
+            </a:pPr>
+            <a:endParaRPr lang="en-US" dirty="0"/>
           </a:p>
         </p:txBody>
       </p:sp>
@@ -3486,7 +3997,7 @@
           <a:p>
             <a:r>
               <a:rPr lang="en-US" dirty="0"/>
-              <a:t>Connect your work with why it matters to you</a:t>
+              <a:t>Building a professional network</a:t>
             </a:r>
           </a:p>
         </p:txBody>
@@ -3494,7 +4005,7 @@
     </p:spTree>
     <p:extLst>
       <p:ext uri="{BB962C8B-B14F-4D97-AF65-F5344CB8AC3E}">
-        <p14:creationId xmlns:p14="http://schemas.microsoft.com/office/powerpoint/2010/main" val="2433345597"/>
+        <p14:creationId xmlns:p14="http://schemas.microsoft.com/office/powerpoint/2010/main" val="1677484805"/>
       </p:ext>
     </p:extLst>
   </p:cSld>
@@ -3531,37 +4042,95 @@
             <p:ph type="body" sz="quarter" idx="10"/>
           </p:nvPr>
         </p:nvSpPr>
-        <p:spPr>
-          <a:xfrm>
-            <a:off x="351526" y="2017718"/>
-            <a:ext cx="11301371" cy="4264025"/>
-          </a:xfrm>
-        </p:spPr>
-        <p:txBody>
-          <a:bodyPr/>
-          <a:lstStyle/>
-          <a:p>
-            <a:r>
-              <a:rPr lang="en-US" dirty="0"/>
-              <a:t>Values, Beliefs, Principals (maybe just principals)</a:t>
-            </a:r>
-          </a:p>
-          <a:p>
-            <a:r>
-              <a:rPr lang="en-US" dirty="0"/>
-              <a:t>Prioritize things that help us learn</a:t>
-            </a:r>
-          </a:p>
-          <a:p>
-            <a:r>
-              <a:rPr lang="en-US" dirty="0"/>
-              <a:t>Defending slack</a:t>
-            </a:r>
-          </a:p>
-          <a:p>
-            <a:endParaRPr lang="en-US" dirty="0"/>
-          </a:p>
-          <a:p>
+        <p:spPr/>
+        <p:txBody>
+          <a:bodyPr/>
+          <a:lstStyle/>
+          <a:p>
+            <a:pPr marL="342900" indent="-342900">
+              <a:buFont typeface="Arial" panose="020B0604020202020204" pitchFamily="34" charset="0"/>
+              <a:buChar char="•"/>
+            </a:pPr>
+            <a:r>
+              <a:rPr lang="en-US" dirty="0"/>
+              <a:t>Imagine if the people we spend the most time with every day shared their perspective and advice about how we each could improve?  And imagine if they did this in small, low stress, frequent chunks that helps us course-correct or get stronger continuously.  We could grow faster, and we could make more of a difference in the lives of people around us.</a:t>
+            </a:r>
+          </a:p>
+          <a:p>
+            <a:pPr marL="342900" indent="-342900">
+              <a:buFont typeface="Arial" panose="020B0604020202020204" pitchFamily="34" charset="0"/>
+              <a:buChar char="•"/>
+            </a:pPr>
+            <a:r>
+              <a:rPr lang="en-US" dirty="0"/>
+              <a:t>Scary right?</a:t>
+            </a:r>
+          </a:p>
+          <a:p>
+            <a:pPr marL="342900" indent="-342900">
+              <a:buFont typeface="Arial" panose="020B0604020202020204" pitchFamily="34" charset="0"/>
+              <a:buChar char="•"/>
+            </a:pPr>
+            <a:r>
+              <a:rPr lang="en-US" dirty="0"/>
+              <a:t>Steps to get there:</a:t>
+            </a:r>
+          </a:p>
+          <a:p>
+            <a:pPr marL="342900" indent="-342900">
+              <a:buFont typeface="Arial" panose="020B0604020202020204" pitchFamily="34" charset="0"/>
+              <a:buChar char="•"/>
+            </a:pPr>
+            <a:r>
+              <a:rPr lang="en-US" dirty="0"/>
+              <a:t>&gt;&gt; Share positive feedback, every day, in small but honest ways.  (Some authors talk about needing to build trust by sharing the positive at as much as a 9:1 ratio.)</a:t>
+            </a:r>
+          </a:p>
+          <a:p>
+            <a:pPr marL="342900" indent="-342900">
+              <a:buFont typeface="Arial" panose="020B0604020202020204" pitchFamily="34" charset="0"/>
+              <a:buChar char="•"/>
+            </a:pPr>
+            <a:r>
+              <a:rPr lang="en-US" dirty="0"/>
+              <a:t>&gt;&gt; Do so especially when someone has done something new for them that is a growth step: “It was really cool that you spoke up back there – I think that helped get us on track…”</a:t>
+            </a:r>
+          </a:p>
+          <a:p>
+            <a:pPr marL="342900" indent="-342900">
+              <a:buFont typeface="Arial" panose="020B0604020202020204" pitchFamily="34" charset="0"/>
+              <a:buChar char="•"/>
+            </a:pPr>
+            <a:r>
+              <a:rPr lang="en-US" dirty="0"/>
+              <a:t>&gt;&gt; Make it easy for people to share feedback with you – and try not to just fish for the good – make it easy for people to share ideas about how you can get stronger.</a:t>
+            </a:r>
+          </a:p>
+          <a:p>
+            <a:pPr marL="342900" indent="-342900">
+              <a:buFont typeface="Arial" panose="020B0604020202020204" pitchFamily="34" charset="0"/>
+              <a:buChar char="•"/>
+            </a:pPr>
+            <a:r>
+              <a:rPr lang="en-US" dirty="0"/>
+              <a:t>Receiving feedback: Be interested.  Be engaged.  Don’t argue.  (Asking for clarification or example is ok.)  Say thank you, and mean it.</a:t>
+            </a:r>
+          </a:p>
+          <a:p>
+            <a:pPr marL="342900" indent="-342900">
+              <a:buFont typeface="Arial" panose="020B0604020202020204" pitchFamily="34" charset="0"/>
+              <a:buChar char="•"/>
+            </a:pPr>
+            <a:r>
+              <a:rPr lang="en-US" dirty="0"/>
+              <a:t>Tell people that you got good feedback and that it helped you (if it was, and if it did.)  That reinforces the idea that this is valued behavior, and it’s a form of real-time public feedback for the person who took time to help you out.</a:t>
+            </a:r>
+          </a:p>
+          <a:p>
+            <a:pPr marL="342900" indent="-342900">
+              <a:buFont typeface="Arial" panose="020B0604020202020204" pitchFamily="34" charset="0"/>
+              <a:buChar char="•"/>
+            </a:pPr>
             <a:endParaRPr lang="en-US" dirty="0"/>
           </a:p>
         </p:txBody>
@@ -3583,7 +4152,7 @@
           <a:p>
             <a:r>
               <a:rPr lang="en-US" dirty="0"/>
-              <a:t>Jason – Content To Add	</a:t>
+              <a:t>Mutual Coaching</a:t>
             </a:r>
           </a:p>
         </p:txBody>
@@ -3591,7 +4160,7 @@
     </p:spTree>
     <p:extLst>
       <p:ext uri="{BB962C8B-B14F-4D97-AF65-F5344CB8AC3E}">
-        <p14:creationId xmlns:p14="http://schemas.microsoft.com/office/powerpoint/2010/main" val="568191010"/>
+        <p14:creationId xmlns:p14="http://schemas.microsoft.com/office/powerpoint/2010/main" val="2528233129"/>
       </p:ext>
     </p:extLst>
   </p:cSld>
@@ -3633,30 +4202,60 @@
           <a:bodyPr/>
           <a:lstStyle/>
           <a:p>
-            <a:r>
-              <a:rPr lang="en-US" dirty="0"/>
-              <a:t>Highlight tools / techniques in memorable sound bites</a:t>
-            </a:r>
-          </a:p>
-          <a:p>
-            <a:endParaRPr lang="en-US" dirty="0"/>
-          </a:p>
-          <a:p>
-            <a:r>
-              <a:rPr lang="en-US" dirty="0"/>
-              <a:t>Identify spots for audience participation – What do you do to achieve this goal?</a:t>
-            </a:r>
-          </a:p>
-          <a:p>
-            <a:endParaRPr lang="en-US" dirty="0"/>
-          </a:p>
-          <a:p>
-            <a:r>
-              <a:rPr lang="en-US" dirty="0"/>
-              <a:t>Progress bar or some other indicator of where we are in the presentation</a:t>
-            </a:r>
-          </a:p>
-          <a:p>
+            <a:pPr marL="342900" indent="-342900">
+              <a:buFont typeface="Arial" panose="020B0604020202020204" pitchFamily="34" charset="0"/>
+              <a:buChar char="•"/>
+            </a:pPr>
+            <a:r>
+              <a:rPr lang="en-US" dirty="0"/>
+              <a:t>I want to work at a place where we, as a group, help to make things better</a:t>
+            </a:r>
+          </a:p>
+          <a:p>
+            <a:pPr marL="342900" indent="-342900">
+              <a:buFont typeface="Arial" panose="020B0604020202020204" pitchFamily="34" charset="0"/>
+              <a:buChar char="•"/>
+            </a:pPr>
+            <a:r>
+              <a:rPr lang="en-US" dirty="0"/>
+              <a:t>Pick a thing that should be better.  Helps if it’s something that bothers you – something you have a personal stake in.  Ask what would be necessary to tackle it.  Just say you’ll make a plan – if you find yourself interested, you’ll be more likely to make good progress</a:t>
+            </a:r>
+          </a:p>
+          <a:p>
+            <a:pPr marL="342900" indent="-342900">
+              <a:buFont typeface="Arial" panose="020B0604020202020204" pitchFamily="34" charset="0"/>
+              <a:buChar char="•"/>
+            </a:pPr>
+            <a:r>
+              <a:rPr lang="en-US" dirty="0"/>
+              <a:t>Think about what that would look like</a:t>
+            </a:r>
+          </a:p>
+          <a:p>
+            <a:pPr marL="342900" indent="-342900">
+              <a:buFont typeface="Arial" panose="020B0604020202020204" pitchFamily="34" charset="0"/>
+              <a:buChar char="•"/>
+            </a:pPr>
+            <a:r>
+              <a:rPr lang="en-US" dirty="0"/>
+              <a:t>Take steps</a:t>
+            </a:r>
+          </a:p>
+          <a:p>
+            <a:pPr marL="342900" indent="-342900">
+              <a:buFont typeface="Arial" panose="020B0604020202020204" pitchFamily="34" charset="0"/>
+              <a:buChar char="•"/>
+            </a:pPr>
+            <a:r>
+              <a:rPr lang="en-US" dirty="0"/>
+              <a:t>Start small (small problems, small slices)</a:t>
+            </a:r>
+          </a:p>
+          <a:p>
+            <a:pPr marL="342900" indent="-342900">
+              <a:buFont typeface="Arial" panose="020B0604020202020204" pitchFamily="34" charset="0"/>
+              <a:buChar char="•"/>
+            </a:pPr>
             <a:endParaRPr lang="en-US" dirty="0"/>
           </a:p>
         </p:txBody>
@@ -3678,7 +4277,7 @@
           <a:p>
             <a:r>
               <a:rPr lang="en-US" dirty="0"/>
-              <a:t>Jason – Presentation candy to add</a:t>
+              <a:t>LAST TOPIC: Be the change (Jason: Pick better title)</a:t>
             </a:r>
           </a:p>
         </p:txBody>
@@ -3686,7 +4285,7 @@
     </p:spTree>
     <p:extLst>
       <p:ext uri="{BB962C8B-B14F-4D97-AF65-F5344CB8AC3E}">
-        <p14:creationId xmlns:p14="http://schemas.microsoft.com/office/powerpoint/2010/main" val="3812715019"/>
+        <p14:creationId xmlns:p14="http://schemas.microsoft.com/office/powerpoint/2010/main" val="1213391016"/>
       </p:ext>
     </p:extLst>
   </p:cSld>
@@ -3723,6 +4322,186 @@
             <p:ph type="body" sz="quarter" idx="10"/>
           </p:nvPr>
         </p:nvSpPr>
+        <p:spPr>
+          <a:xfrm>
+            <a:off x="351526" y="2017718"/>
+            <a:ext cx="11301371" cy="4264025"/>
+          </a:xfrm>
+        </p:spPr>
+        <p:txBody>
+          <a:bodyPr/>
+          <a:lstStyle/>
+          <a:p>
+            <a:r>
+              <a:rPr lang="en-US" dirty="0"/>
+              <a:t>Values, Beliefs, Principles (maybe just principles)</a:t>
+            </a:r>
+          </a:p>
+          <a:p>
+            <a:endParaRPr lang="en-US" dirty="0"/>
+          </a:p>
+          <a:p>
+            <a:endParaRPr lang="en-US" dirty="0"/>
+          </a:p>
+        </p:txBody>
+      </p:sp>
+      <p:sp>
+        <p:nvSpPr>
+          <p:cNvPr id="3" name="Title 2"/>
+          <p:cNvSpPr>
+            <a:spLocks noGrp="1"/>
+          </p:cNvSpPr>
+          <p:nvPr>
+            <p:ph type="title"/>
+          </p:nvPr>
+        </p:nvSpPr>
+        <p:spPr/>
+        <p:txBody>
+          <a:bodyPr/>
+          <a:lstStyle/>
+          <a:p>
+            <a:r>
+              <a:rPr lang="en-US" dirty="0"/>
+              <a:t>Jason – Content To Add	</a:t>
+            </a:r>
+          </a:p>
+        </p:txBody>
+      </p:sp>
+    </p:spTree>
+    <p:extLst>
+      <p:ext uri="{BB962C8B-B14F-4D97-AF65-F5344CB8AC3E}">
+        <p14:creationId xmlns:p14="http://schemas.microsoft.com/office/powerpoint/2010/main" val="568191010"/>
+      </p:ext>
+    </p:extLst>
+  </p:cSld>
+  <p:clrMapOvr>
+    <a:masterClrMapping/>
+  </p:clrMapOvr>
+</p:sld>
+</file>
+
+<file path=ppt/slides/slide25.xml><?xml version="1.0" encoding="utf-8"?>
+<p:sld xmlns:a="http://schemas.openxmlformats.org/drawingml/2006/main" xmlns:r="http://schemas.openxmlformats.org/officeDocument/2006/relationships" xmlns:p="http://schemas.openxmlformats.org/presentationml/2006/main">
+  <p:cSld>
+    <p:spTree>
+      <p:nvGrpSpPr>
+        <p:cNvPr id="1" name=""/>
+        <p:cNvGrpSpPr/>
+        <p:nvPr/>
+      </p:nvGrpSpPr>
+      <p:grpSpPr>
+        <a:xfrm>
+          <a:off x="0" y="0"/>
+          <a:ext cx="0" cy="0"/>
+          <a:chOff x="0" y="0"/>
+          <a:chExt cx="0" cy="0"/>
+        </a:xfrm>
+      </p:grpSpPr>
+      <p:sp>
+        <p:nvSpPr>
+          <p:cNvPr id="2" name="Text Placeholder 1"/>
+          <p:cNvSpPr>
+            <a:spLocks noGrp="1"/>
+          </p:cNvSpPr>
+          <p:nvPr>
+            <p:ph type="body" sz="quarter" idx="10"/>
+          </p:nvPr>
+        </p:nvSpPr>
+        <p:spPr/>
+        <p:txBody>
+          <a:bodyPr/>
+          <a:lstStyle/>
+          <a:p>
+            <a:r>
+              <a:rPr lang="en-US" dirty="0"/>
+              <a:t>Highlight tools / techniques in memorable sound bites</a:t>
+            </a:r>
+          </a:p>
+          <a:p>
+            <a:endParaRPr lang="en-US" dirty="0"/>
+          </a:p>
+          <a:p>
+            <a:r>
+              <a:rPr lang="en-US" dirty="0"/>
+              <a:t>Identify spots for audience participation – What do you do to achieve this goal?</a:t>
+            </a:r>
+          </a:p>
+          <a:p>
+            <a:endParaRPr lang="en-US" dirty="0"/>
+          </a:p>
+          <a:p>
+            <a:r>
+              <a:rPr lang="en-US" dirty="0"/>
+              <a:t>Progress bar or some other indicator of where we are in the presentation</a:t>
+            </a:r>
+          </a:p>
+          <a:p>
+            <a:endParaRPr lang="en-US" dirty="0"/>
+          </a:p>
+        </p:txBody>
+      </p:sp>
+      <p:sp>
+        <p:nvSpPr>
+          <p:cNvPr id="3" name="Title 2"/>
+          <p:cNvSpPr>
+            <a:spLocks noGrp="1"/>
+          </p:cNvSpPr>
+          <p:nvPr>
+            <p:ph type="title"/>
+          </p:nvPr>
+        </p:nvSpPr>
+        <p:spPr/>
+        <p:txBody>
+          <a:bodyPr/>
+          <a:lstStyle/>
+          <a:p>
+            <a:r>
+              <a:rPr lang="en-US" dirty="0"/>
+              <a:t>Jason – Presentation candy to add</a:t>
+            </a:r>
+          </a:p>
+        </p:txBody>
+      </p:sp>
+    </p:spTree>
+    <p:extLst>
+      <p:ext uri="{BB962C8B-B14F-4D97-AF65-F5344CB8AC3E}">
+        <p14:creationId xmlns:p14="http://schemas.microsoft.com/office/powerpoint/2010/main" val="3812715019"/>
+      </p:ext>
+    </p:extLst>
+  </p:cSld>
+  <p:clrMapOvr>
+    <a:masterClrMapping/>
+  </p:clrMapOvr>
+</p:sld>
+</file>
+
+<file path=ppt/slides/slide26.xml><?xml version="1.0" encoding="utf-8"?>
+<p:sld xmlns:a="http://schemas.openxmlformats.org/drawingml/2006/main" xmlns:r="http://schemas.openxmlformats.org/officeDocument/2006/relationships" xmlns:p="http://schemas.openxmlformats.org/presentationml/2006/main">
+  <p:cSld>
+    <p:spTree>
+      <p:nvGrpSpPr>
+        <p:cNvPr id="1" name=""/>
+        <p:cNvGrpSpPr/>
+        <p:nvPr/>
+      </p:nvGrpSpPr>
+      <p:grpSpPr>
+        <a:xfrm>
+          <a:off x="0" y="0"/>
+          <a:ext cx="0" cy="0"/>
+          <a:chOff x="0" y="0"/>
+          <a:chExt cx="0" cy="0"/>
+        </a:xfrm>
+      </p:grpSpPr>
+      <p:sp>
+        <p:nvSpPr>
+          <p:cNvPr id="2" name="Text Placeholder 1"/>
+          <p:cNvSpPr>
+            <a:spLocks noGrp="1"/>
+          </p:cNvSpPr>
+          <p:nvPr>
+            <p:ph type="body" sz="quarter" idx="10"/>
+          </p:nvPr>
+        </p:nvSpPr>
         <p:spPr/>
         <p:txBody>
           <a:bodyPr/>
@@ -3804,7 +4583,7 @@
 </p:sld>
 </file>
 
-<file path=ppt/slides/slide25.xml><?xml version="1.0" encoding="utf-8"?>
+<file path=ppt/slides/slide27.xml><?xml version="1.0" encoding="utf-8"?>
 <p:sld xmlns:a="http://schemas.openxmlformats.org/drawingml/2006/main" xmlns:r="http://schemas.openxmlformats.org/officeDocument/2006/relationships" xmlns:p="http://schemas.openxmlformats.org/presentationml/2006/main">
   <p:cSld>
     <p:spTree>
@@ -4150,6 +4929,19 @@
               <a:t>You have feedback for me on the material or the presentation</a:t>
             </a:r>
           </a:p>
+          <a:p>
+            <a:pPr marL="342900" indent="-342900">
+              <a:buFontTx/>
+              <a:buChar char="-"/>
+            </a:pPr>
+            <a:endParaRPr lang="en-US" dirty="0"/>
+          </a:p>
+          <a:p>
+            <a:r>
+              <a:rPr lang="en-US" dirty="0"/>
+              <a:t>I’ve been influenced by lots of people and sources, at D2L and elsewhere – I’ve tried to cite them, but for those I’ve missed, apologies.</a:t>
+            </a:r>
+          </a:p>
         </p:txBody>
       </p:sp>
       <p:sp>
@@ -4449,7 +5241,7 @@
       </p:grpSpPr>
       <p:sp>
         <p:nvSpPr>
-          <p:cNvPr id="5" name="Text Placeholder 4"/>
+          <p:cNvPr id="2" name="Text Placeholder 1"/>
           <p:cNvSpPr>
             <a:spLocks noGrp="1"/>
           </p:cNvSpPr>
@@ -4463,114 +5255,93 @@
           <a:lstStyle/>
           <a:p>
             <a:pPr marL="342900" indent="-342900">
-              <a:buFontTx/>
-              <a:buChar char="-"/>
-            </a:pPr>
-            <a:r>
-              <a:rPr lang="en-US" dirty="0"/>
-              <a:t>How do we choose the right goals?</a:t>
-            </a:r>
-          </a:p>
-          <a:p>
-            <a:pPr marL="342900" indent="-342900">
-              <a:buFontTx/>
-              <a:buChar char="-"/>
-            </a:pPr>
-            <a:r>
-              <a:rPr lang="en-US" dirty="0"/>
-              <a:t>How do we break them up?</a:t>
-            </a:r>
-          </a:p>
-          <a:p>
-            <a:pPr marL="342900" indent="-342900">
-              <a:buFontTx/>
-              <a:buChar char="-"/>
-            </a:pPr>
-            <a:r>
-              <a:rPr lang="en-US" dirty="0"/>
-              <a:t>Persist – there is likely a better way</a:t>
-            </a:r>
-          </a:p>
-          <a:p>
-            <a:pPr marL="342900" indent="-342900">
-              <a:buFontTx/>
-              <a:buChar char="-"/>
-            </a:pPr>
-            <a:r>
-              <a:rPr lang="en-US" dirty="0"/>
-              <a:t>What are the rules or assumptions you can break?</a:t>
-            </a:r>
-          </a:p>
-          <a:p>
-            <a:pPr marL="342900" indent="-342900">
-              <a:buFontTx/>
-              <a:buChar char="-"/>
-            </a:pPr>
+              <a:buFont typeface="Arial" panose="020B0604020202020204" pitchFamily="34" charset="0"/>
+              <a:buChar char="•"/>
+            </a:pPr>
+            <a:r>
+              <a:rPr lang="en-US" dirty="0"/>
+              <a:t>WHY does it matter?</a:t>
+            </a:r>
+          </a:p>
+          <a:p>
+            <a:pPr marL="342900" indent="-342900">
+              <a:buFont typeface="Arial" panose="020B0604020202020204" pitchFamily="34" charset="0"/>
+              <a:buChar char="•"/>
+            </a:pPr>
+            <a:r>
+              <a:rPr lang="en-US" dirty="0"/>
+              <a:t>&gt;&gt;To the world</a:t>
+            </a:r>
+          </a:p>
+          <a:p>
+            <a:pPr marL="342900" indent="-342900">
+              <a:buFont typeface="Arial" panose="020B0604020202020204" pitchFamily="34" charset="0"/>
+              <a:buChar char="•"/>
+            </a:pPr>
+            <a:r>
+              <a:rPr lang="en-US" dirty="0"/>
+              <a:t>&gt;&gt;To the customers</a:t>
+            </a:r>
+          </a:p>
+          <a:p>
+            <a:pPr marL="342900" indent="-342900">
+              <a:buFont typeface="Arial" panose="020B0604020202020204" pitchFamily="34" charset="0"/>
+              <a:buChar char="•"/>
+            </a:pPr>
+            <a:r>
+              <a:rPr lang="en-US" dirty="0"/>
+              <a:t>&gt;&gt;To the company</a:t>
+            </a:r>
+          </a:p>
+          <a:p>
+            <a:pPr marL="342900" indent="-342900">
+              <a:buFont typeface="Arial" panose="020B0604020202020204" pitchFamily="34" charset="0"/>
+              <a:buChar char="•"/>
+            </a:pPr>
+            <a:r>
+              <a:rPr lang="en-US" dirty="0"/>
+              <a:t>&gt;&gt;</a:t>
+            </a:r>
             <a:r>
               <a:rPr lang="en-US" b="1" dirty="0"/>
-              <a:t>Start with why – maybe a slide on its own, preceding this one?</a:t>
-            </a:r>
-          </a:p>
-          <a:p>
-            <a:pPr marL="342900" indent="-342900">
-              <a:buFontTx/>
-              <a:buChar char="-"/>
-            </a:pPr>
-            <a:r>
-              <a:rPr lang="en-US" dirty="0"/>
-              <a:t>Write the press release</a:t>
-            </a:r>
-          </a:p>
-          <a:p>
-            <a:pPr marL="342900" indent="-342900">
-              <a:buFontTx/>
-              <a:buChar char="-"/>
-            </a:pPr>
-            <a:r>
-              <a:rPr lang="en-US" dirty="0"/>
-              <a:t>How will we know when we’re done?</a:t>
-            </a:r>
-          </a:p>
-          <a:p>
-            <a:pPr marL="342900" indent="-342900">
-              <a:buFontTx/>
-              <a:buChar char="-"/>
-            </a:pPr>
-            <a:endParaRPr lang="en-US" dirty="0"/>
-          </a:p>
-          <a:p>
-            <a:pPr marL="342900" indent="-342900">
-              <a:buFontTx/>
-              <a:buChar char="-"/>
-            </a:pPr>
-            <a:r>
-              <a:rPr lang="en-US" dirty="0">
-                <a:solidFill>
-                  <a:srgbClr val="FF0000"/>
-                </a:solidFill>
-              </a:rPr>
-              <a:t>Case study?</a:t>
-            </a:r>
-          </a:p>
-          <a:p>
-            <a:pPr marL="342900" indent="-342900">
-              <a:buFontTx/>
-              <a:buChar char="-"/>
-            </a:pPr>
-            <a:r>
-              <a:rPr lang="en-US" dirty="0">
-                <a:solidFill>
-                  <a:srgbClr val="FF0000"/>
-                </a:solidFill>
-              </a:rPr>
-              <a:t>Put more depth here – this is why a pile of people will have come</a:t>
-            </a:r>
-          </a:p>
-        </p:txBody>
-      </p:sp>
-      <p:sp>
-        <p:nvSpPr>
-          <p:cNvPr id="4" name="Title 3"/>
+              <a:t>To you</a:t>
+            </a:r>
+          </a:p>
+          <a:p>
+            <a:endParaRPr lang="en-US" dirty="0"/>
+          </a:p>
+          <a:p>
+            <a:pPr marL="342900" indent="-342900">
+              <a:buFont typeface="Arial" panose="020B0604020202020204" pitchFamily="34" charset="0"/>
+              <a:buChar char="•"/>
+            </a:pPr>
+            <a:r>
+              <a:rPr lang="en-US" dirty="0"/>
+              <a:t>You’ll make better decisions about WHAT to do …</a:t>
+            </a:r>
+          </a:p>
+          <a:p>
+            <a:pPr marL="342900" indent="-342900">
+              <a:buFont typeface="Arial" panose="020B0604020202020204" pitchFamily="34" charset="0"/>
+              <a:buChar char="•"/>
+            </a:pPr>
+            <a:r>
+              <a:rPr lang="en-US" dirty="0"/>
+              <a:t>and HOW to do it.</a:t>
+            </a:r>
+          </a:p>
+          <a:p>
+            <a:pPr marL="342900" indent="-342900">
+              <a:buFont typeface="Arial" panose="020B0604020202020204" pitchFamily="34" charset="0"/>
+              <a:buChar char="•"/>
+            </a:pPr>
+            <a:endParaRPr lang="en-US" dirty="0"/>
+          </a:p>
+        </p:txBody>
+      </p:sp>
+      <p:sp>
+        <p:nvSpPr>
+          <p:cNvPr id="3" name="Title 2"/>
           <p:cNvSpPr>
             <a:spLocks noGrp="1"/>
           </p:cNvSpPr>
@@ -4585,7 +5356,7 @@
           <a:p>
             <a:r>
               <a:rPr lang="en-US" dirty="0"/>
-              <a:t>Goals</a:t>
+              <a:t>Why?</a:t>
             </a:r>
           </a:p>
         </p:txBody>
@@ -4593,7 +5364,7 @@
     </p:spTree>
     <p:extLst>
       <p:ext uri="{BB962C8B-B14F-4D97-AF65-F5344CB8AC3E}">
-        <p14:creationId xmlns:p14="http://schemas.microsoft.com/office/powerpoint/2010/main" val="3529581884"/>
+        <p14:creationId xmlns:p14="http://schemas.microsoft.com/office/powerpoint/2010/main" val="3794098430"/>
       </p:ext>
     </p:extLst>
   </p:cSld>
@@ -4635,71 +5406,130 @@
           <a:bodyPr/>
           <a:lstStyle/>
           <a:p>
-            <a:pPr marL="342900" indent="-342900">
-              <a:buFontTx/>
-              <a:buChar char="-"/>
-            </a:pPr>
-            <a:r>
-              <a:rPr lang="en-US" dirty="0"/>
-              <a:t>Measure, change, measure, done?</a:t>
-            </a:r>
-          </a:p>
-          <a:p>
-            <a:pPr marL="342900" indent="-342900">
-              <a:buFontTx/>
-              <a:buChar char="-"/>
-            </a:pPr>
-            <a:r>
-              <a:rPr lang="en-US" dirty="0"/>
-              <a:t>We need to identify metrics that are exactly aligned with the business goal we want to accomplish</a:t>
-            </a:r>
-          </a:p>
-          <a:p>
-            <a:pPr marL="342900" indent="-342900">
-              <a:buFontTx/>
-              <a:buChar char="-"/>
-            </a:pPr>
-            <a:r>
-              <a:rPr lang="en-US" dirty="0"/>
-              <a:t>**TODO: Survey teams for example metrics used **</a:t>
-            </a:r>
-          </a:p>
-          <a:p>
-            <a:pPr marL="342900" indent="-342900">
-              <a:buFontTx/>
-              <a:buChar char="-"/>
-            </a:pPr>
-            <a:r>
-              <a:rPr lang="en-US" dirty="0"/>
-              <a:t>Easy to pick bad metrics that don’t directly represent our goal</a:t>
-            </a:r>
-          </a:p>
-          <a:p>
-            <a:pPr marL="342900" indent="-342900">
-              <a:buFontTx/>
-              <a:buChar char="-"/>
-            </a:pPr>
-            <a:r>
-              <a:rPr lang="en-US" dirty="0"/>
-              <a:t>“Vanity metric” – Customers on BDP</a:t>
-            </a:r>
-          </a:p>
-          <a:p>
-            <a:pPr marL="342900" indent="-342900">
-              <a:buFontTx/>
-              <a:buChar char="-"/>
-            </a:pPr>
-            <a:r>
-              <a:rPr lang="en-US" dirty="0"/>
-              <a:t>Build telemetry early – give yourself data to help make decisions (Thank you to Owen and others for having set up the telemetry service and carrying more than their share of maintenance.)</a:t>
-            </a:r>
-          </a:p>
-          <a:p>
-            <a:pPr marL="342900" indent="-342900">
-              <a:buFontTx/>
-              <a:buChar char="-"/>
-            </a:pPr>
-            <a:endParaRPr lang="en-US" dirty="0"/>
+            <a:r>
+              <a:rPr lang="en-US" dirty="0"/>
+              <a:t>Inspired by our WHY, we identify WHAT we want to accomplish.</a:t>
+            </a:r>
+          </a:p>
+          <a:p>
+            <a:endParaRPr lang="en-US" dirty="0"/>
+          </a:p>
+          <a:p>
+            <a:pPr marL="342900" indent="-342900">
+              <a:buFont typeface="Arial" panose="020B0604020202020204" pitchFamily="34" charset="0"/>
+              <a:buChar char="•"/>
+            </a:pPr>
+            <a:r>
+              <a:rPr lang="en-US" dirty="0"/>
+              <a:t>Don’t fall in love with the first goals or plan – </a:t>
+            </a:r>
+            <a:r>
+              <a:rPr lang="en-US" u="sng" dirty="0"/>
+              <a:t>persist</a:t>
+            </a:r>
+          </a:p>
+          <a:p>
+            <a:pPr marL="342900" indent="-342900">
+              <a:buFont typeface="Arial" panose="020B0604020202020204" pitchFamily="34" charset="0"/>
+              <a:buChar char="•"/>
+            </a:pPr>
+            <a:r>
+              <a:rPr lang="en-US" dirty="0"/>
+              <a:t>&gt;&gt;Value changes that improve the plan</a:t>
+            </a:r>
+          </a:p>
+          <a:p>
+            <a:pPr marL="342900" indent="-342900">
+              <a:buFont typeface="Arial" panose="020B0604020202020204" pitchFamily="34" charset="0"/>
+              <a:buChar char="•"/>
+            </a:pPr>
+            <a:r>
+              <a:rPr lang="en-US" dirty="0"/>
+              <a:t>What are the rules or assumptions you can break?  (Kobayashi </a:t>
+            </a:r>
+            <a:r>
+              <a:rPr lang="en-US" dirty="0" err="1"/>
+              <a:t>Maru</a:t>
+            </a:r>
+            <a:r>
+              <a:rPr lang="en-US" dirty="0"/>
+              <a:t> </a:t>
+            </a:r>
+            <a:r>
+              <a:rPr lang="en-US" dirty="0">
+                <a:sym typeface="Wingdings" panose="05000000000000000000" pitchFamily="2" charset="2"/>
+              </a:rPr>
+              <a:t>)</a:t>
+            </a:r>
+          </a:p>
+          <a:p>
+            <a:pPr marL="342900" indent="-342900">
+              <a:buFont typeface="Arial" panose="020B0604020202020204" pitchFamily="34" charset="0"/>
+              <a:buChar char="•"/>
+            </a:pPr>
+            <a:r>
+              <a:rPr lang="en-US" dirty="0">
+                <a:sym typeface="Wingdings" panose="05000000000000000000" pitchFamily="2" charset="2"/>
+              </a:rPr>
+              <a:t>What other wins are there?</a:t>
+            </a:r>
+          </a:p>
+          <a:p>
+            <a:pPr marL="342900" indent="-342900">
+              <a:buFont typeface="Arial" panose="020B0604020202020204" pitchFamily="34" charset="0"/>
+              <a:buChar char="•"/>
+            </a:pPr>
+            <a:r>
+              <a:rPr lang="en-US" dirty="0">
+                <a:sym typeface="Wingdings" panose="05000000000000000000" pitchFamily="2" charset="2"/>
+              </a:rPr>
+              <a:t>Be conscious of your own bias</a:t>
+            </a:r>
+            <a:endParaRPr lang="en-US" dirty="0"/>
+          </a:p>
+          <a:p>
+            <a:endParaRPr lang="en-US" dirty="0"/>
+          </a:p>
+          <a:p>
+            <a:pPr marL="342900" indent="-342900">
+              <a:buFont typeface="Arial" panose="020B0604020202020204" pitchFamily="34" charset="0"/>
+              <a:buChar char="•"/>
+            </a:pPr>
+            <a:r>
+              <a:rPr lang="en-US" dirty="0"/>
+              <a:t>Tool: Write the press release</a:t>
+            </a:r>
+          </a:p>
+          <a:p>
+            <a:pPr marL="342900" indent="-342900">
+              <a:buFont typeface="Arial" panose="020B0604020202020204" pitchFamily="34" charset="0"/>
+              <a:buChar char="•"/>
+            </a:pPr>
+            <a:r>
+              <a:rPr lang="en-US" dirty="0"/>
+              <a:t>Tool: Do a pre-mortem</a:t>
+            </a:r>
+          </a:p>
+          <a:p>
+            <a:pPr marL="342900" indent="-342900">
+              <a:buFont typeface="Arial" panose="020B0604020202020204" pitchFamily="34" charset="0"/>
+              <a:buChar char="•"/>
+            </a:pPr>
+            <a:endParaRPr lang="en-US" dirty="0"/>
+          </a:p>
+          <a:p>
+            <a:pPr marL="342900" indent="-342900">
+              <a:buFont typeface="Arial" panose="020B0604020202020204" pitchFamily="34" charset="0"/>
+              <a:buChar char="•"/>
+            </a:pPr>
+            <a:r>
+              <a:rPr lang="en-US" dirty="0">
+                <a:solidFill>
+                  <a:srgbClr val="FF0000"/>
+                </a:solidFill>
+              </a:rPr>
+              <a:t>JASON – MORE HERE</a:t>
+            </a:r>
           </a:p>
         </p:txBody>
       </p:sp>
@@ -4720,7 +5550,7 @@
           <a:p>
             <a:r>
               <a:rPr lang="en-US" dirty="0"/>
-              <a:t>Metrics</a:t>
+              <a:t>What? (Goals)</a:t>
             </a:r>
           </a:p>
         </p:txBody>
@@ -4728,7 +5558,7 @@
     </p:spTree>
     <p:extLst>
       <p:ext uri="{BB962C8B-B14F-4D97-AF65-F5344CB8AC3E}">
-        <p14:creationId xmlns:p14="http://schemas.microsoft.com/office/powerpoint/2010/main" val="2499460739"/>
+        <p14:creationId xmlns:p14="http://schemas.microsoft.com/office/powerpoint/2010/main" val="3244198818"/>
       </p:ext>
     </p:extLst>
   </p:cSld>

--- a/InFusion2016 - Getting It Done - Jason Wood.pptx
+++ b/InFusion2016 - Getting It Done - Jason Wood.pptx
@@ -5,7 +5,7 @@
     <p:sldMasterId id="2147483810" r:id="rId1"/>
   </p:sldMasterIdLst>
   <p:notesMasterIdLst>
-    <p:notesMasterId r:id="rId29"/>
+    <p:notesMasterId r:id="rId30"/>
   </p:notesMasterIdLst>
   <p:sldIdLst>
     <p:sldId id="256" r:id="rId2"/>
@@ -14,27 +14,28 @@
     <p:sldId id="276" r:id="rId5"/>
     <p:sldId id="259" r:id="rId6"/>
     <p:sldId id="261" r:id="rId7"/>
-    <p:sldId id="265" r:id="rId8"/>
-    <p:sldId id="283" r:id="rId9"/>
-    <p:sldId id="284" r:id="rId10"/>
+    <p:sldId id="283" r:id="rId8"/>
+    <p:sldId id="284" r:id="rId9"/>
+    <p:sldId id="292" r:id="rId10"/>
     <p:sldId id="264" r:id="rId11"/>
-    <p:sldId id="282" r:id="rId12"/>
+    <p:sldId id="287" r:id="rId12"/>
     <p:sldId id="271" r:id="rId13"/>
-    <p:sldId id="268" r:id="rId14"/>
+    <p:sldId id="289" r:id="rId14"/>
     <p:sldId id="269" r:id="rId15"/>
-    <p:sldId id="286" r:id="rId16"/>
-    <p:sldId id="287" r:id="rId17"/>
-    <p:sldId id="270" r:id="rId18"/>
-    <p:sldId id="272" r:id="rId19"/>
-    <p:sldId id="273" r:id="rId20"/>
-    <p:sldId id="274" r:id="rId21"/>
-    <p:sldId id="278" r:id="rId22"/>
-    <p:sldId id="279" r:id="rId23"/>
-    <p:sldId id="275" r:id="rId24"/>
-    <p:sldId id="267" r:id="rId25"/>
-    <p:sldId id="281" r:id="rId26"/>
-    <p:sldId id="266" r:id="rId27"/>
-    <p:sldId id="280" r:id="rId28"/>
+    <p:sldId id="268" r:id="rId16"/>
+    <p:sldId id="286" r:id="rId17"/>
+    <p:sldId id="291" r:id="rId18"/>
+    <p:sldId id="290" r:id="rId19"/>
+    <p:sldId id="270" r:id="rId20"/>
+    <p:sldId id="272" r:id="rId21"/>
+    <p:sldId id="273" r:id="rId22"/>
+    <p:sldId id="274" r:id="rId23"/>
+    <p:sldId id="278" r:id="rId24"/>
+    <p:sldId id="279" r:id="rId25"/>
+    <p:sldId id="275" r:id="rId26"/>
+    <p:sldId id="281" r:id="rId27"/>
+    <p:sldId id="266" r:id="rId28"/>
+    <p:sldId id="280" r:id="rId29"/>
   </p:sldIdLst>
   <p:sldSz cx="12192000" cy="6858000"/>
   <p:notesSz cx="6858000" cy="9144000"/>
@@ -144,16 +145,18 @@
             <p14:sldId id="276"/>
             <p14:sldId id="259"/>
             <p14:sldId id="261"/>
-            <p14:sldId id="265"/>
             <p14:sldId id="283"/>
             <p14:sldId id="284"/>
+            <p14:sldId id="292"/>
             <p14:sldId id="264"/>
-            <p14:sldId id="282"/>
+            <p14:sldId id="287"/>
             <p14:sldId id="271"/>
+            <p14:sldId id="289"/>
+            <p14:sldId id="269"/>
             <p14:sldId id="268"/>
-            <p14:sldId id="269"/>
             <p14:sldId id="286"/>
-            <p14:sldId id="287"/>
+            <p14:sldId id="291"/>
+            <p14:sldId id="290"/>
             <p14:sldId id="270"/>
             <p14:sldId id="272"/>
             <p14:sldId id="273"/>
@@ -165,7 +168,6 @@
         </p14:section>
         <p14:section name="NOTES ONLY" id="{D8E3845F-4455-4707-8030-93D3A18148DC}">
           <p14:sldIdLst>
-            <p14:sldId id="267"/>
             <p14:sldId id="281"/>
             <p14:sldId id="266"/>
             <p14:sldId id="280"/>
@@ -760,6 +762,49 @@
           <a:bodyPr/>
           <a:lstStyle/>
           <a:p>
+            <a:pPr marL="0" marR="0" lvl="0" indent="0" algn="l" defTabSz="914400" rtl="0" eaLnBrk="1" fontAlgn="auto" latinLnBrk="0" hangingPunct="1">
+              <a:lnSpc>
+                <a:spcPct val="100000"/>
+              </a:lnSpc>
+              <a:spcBef>
+                <a:spcPts val="0"/>
+              </a:spcBef>
+              <a:spcAft>
+                <a:spcPts val="0"/>
+              </a:spcAft>
+              <a:buClrTx/>
+              <a:buSzTx/>
+              <a:buFontTx/>
+              <a:buNone/>
+              <a:tabLst/>
+              <a:defRPr/>
+            </a:pPr>
+            <a:r>
+              <a:rPr lang="en-US" dirty="0"/>
+              <a:t>What is a team? A group of smart, caring humans who come together to solve a problem while growing as individuals.</a:t>
+            </a:r>
+          </a:p>
+          <a:p>
+            <a:pPr marL="0" marR="0" lvl="0" indent="0" algn="l" defTabSz="914400" rtl="0" eaLnBrk="1" fontAlgn="auto" latinLnBrk="0" hangingPunct="1">
+              <a:lnSpc>
+                <a:spcPct val="100000"/>
+              </a:lnSpc>
+              <a:spcBef>
+                <a:spcPts val="0"/>
+              </a:spcBef>
+              <a:spcAft>
+                <a:spcPts val="0"/>
+              </a:spcAft>
+              <a:buClrTx/>
+              <a:buSzTx/>
+              <a:buFontTx/>
+              <a:buNone/>
+              <a:tabLst/>
+              <a:defRPr/>
+            </a:pPr>
+            <a:endParaRPr lang="en-US" dirty="0"/>
+          </a:p>
+          <a:p>
             <a:r>
               <a:rPr lang="en-US" dirty="0"/>
               <a:t>And that’s it.  For the</a:t>
@@ -796,6 +841,29 @@
             </a:r>
             <a:endParaRPr lang="en-US" dirty="0"/>
           </a:p>
+          <a:p>
+            <a:pPr marL="0" marR="0" lvl="0" indent="0" algn="l" defTabSz="914400" rtl="0" eaLnBrk="1" fontAlgn="auto" latinLnBrk="0" hangingPunct="1">
+              <a:lnSpc>
+                <a:spcPct val="100000"/>
+              </a:lnSpc>
+              <a:spcBef>
+                <a:spcPts val="0"/>
+              </a:spcBef>
+              <a:spcAft>
+                <a:spcPts val="0"/>
+              </a:spcAft>
+              <a:buClrTx/>
+              <a:buSzTx/>
+              <a:buFontTx/>
+              <a:buNone/>
+              <a:tabLst/>
+              <a:defRPr/>
+            </a:pPr>
+            <a:endParaRPr lang="en-US" dirty="0"/>
+          </a:p>
+          <a:p>
+            <a:endParaRPr lang="en-US" dirty="0"/>
+          </a:p>
         </p:txBody>
       </p:sp>
       <p:sp>
@@ -815,7 +883,7 @@
           <a:p>
             <a:fld id="{54165CF5-22A4-4BB9-BE26-FDB96183FE65}" type="slidenum">
               <a:rPr lang="en-US" smtClean="0"/>
-              <a:t>7</a:t>
+              <a:t>6</a:t>
             </a:fld>
             <a:endParaRPr lang="en-US"/>
           </a:p>
@@ -824,7 +892,7 @@
     </p:spTree>
     <p:extLst>
       <p:ext uri="{BB962C8B-B14F-4D97-AF65-F5344CB8AC3E}">
-        <p14:creationId xmlns:p14="http://schemas.microsoft.com/office/powerpoint/2010/main" val="867797007"/>
+        <p14:creationId xmlns:p14="http://schemas.microsoft.com/office/powerpoint/2010/main" val="2822242321"/>
       </p:ext>
     </p:extLst>
   </p:cSld>
@@ -944,7 +1012,7 @@
           <a:p>
             <a:fld id="{54165CF5-22A4-4BB9-BE26-FDB96183FE65}" type="slidenum">
               <a:rPr lang="en-US" smtClean="0"/>
-              <a:t>8</a:t>
+              <a:t>7</a:t>
             </a:fld>
             <a:endParaRPr lang="en-US"/>
           </a:p>
@@ -1024,6 +1092,45 @@
               <a:rPr lang="en-US" baseline="0" dirty="0"/>
               <a:t> management – meant to be more general, though hopefully still actionable.</a:t>
             </a:r>
+          </a:p>
+          <a:p>
+            <a:endParaRPr lang="en-US" baseline="0" dirty="0"/>
+          </a:p>
+          <a:p>
+            <a:r>
+              <a:rPr lang="en-US" baseline="0" dirty="0"/>
+              <a:t>Bias:</a:t>
+            </a:r>
+          </a:p>
+          <a:p>
+            <a:pPr marL="171450" indent="-171450">
+              <a:buFontTx/>
+              <a:buChar char="-"/>
+            </a:pPr>
+            <a:r>
+              <a:rPr lang="en-US" baseline="0" dirty="0"/>
+              <a:t>You may have a pet project you’ve always wanted to get done, but it just doesn’t make a good objective investment</a:t>
+            </a:r>
+          </a:p>
+          <a:p>
+            <a:pPr marL="171450" indent="-171450">
+              <a:buFontTx/>
+              <a:buChar char="-"/>
+            </a:pPr>
+            <a:r>
+              <a:rPr lang="en-US" baseline="0" dirty="0"/>
+              <a:t>You may have been bugged by something recently</a:t>
+            </a:r>
+          </a:p>
+          <a:p>
+            <a:pPr marL="171450" indent="-171450">
+              <a:buFontTx/>
+              <a:buChar char="-"/>
+            </a:pPr>
+            <a:r>
+              <a:rPr lang="en-US" baseline="0" dirty="0"/>
+              <a:t>You may want to play with a certain technology, but it’s not *really* the right fit for the job</a:t>
+            </a:r>
             <a:endParaRPr lang="en-US" dirty="0"/>
           </a:p>
         </p:txBody>
@@ -1045,7 +1152,7 @@
           <a:p>
             <a:fld id="{54165CF5-22A4-4BB9-BE26-FDB96183FE65}" type="slidenum">
               <a:rPr lang="en-US" smtClean="0"/>
-              <a:t>9</a:t>
+              <a:t>8</a:t>
             </a:fld>
             <a:endParaRPr lang="en-US"/>
           </a:p>
@@ -1236,7 +1343,7 @@
           <a:p>
             <a:fld id="{54165CF5-22A4-4BB9-BE26-FDB96183FE65}" type="slidenum">
               <a:rPr lang="en-US" smtClean="0"/>
-              <a:t>21</a:t>
+              <a:t>23</a:t>
             </a:fld>
             <a:endParaRPr lang="en-US"/>
           </a:p>
@@ -2199,7 +2306,7 @@
             </a:pPr>
             <a:r>
               <a:rPr lang="en-US" dirty="0"/>
-              <a:t>&gt;&gt;Measuring the work, not the outcome (BDP Onboarding, as an example.)</a:t>
+              <a:t>&gt;&gt;Measuring the work, not the outcome (BDP Onboarding, as an example.)… reinforces the plan, not the outcome</a:t>
             </a:r>
           </a:p>
           <a:p>
@@ -2318,7 +2425,7 @@
             </a:pPr>
             <a:r>
               <a:rPr lang="en-US" dirty="0"/>
-              <a:t>MAYBE BREAK THIS INTO A SERIES OF SLIDES, building in the couple of slides that follow – up to “Running Effective Meetings”</a:t>
+              <a:t>Principles are the fundamental, abstract rules that we agree are important to us</a:t>
             </a:r>
           </a:p>
           <a:p>
@@ -2326,7 +2433,10 @@
               <a:buFontTx/>
               <a:buChar char="-"/>
             </a:pPr>
-            <a:endParaRPr lang="en-US" sz="1800" dirty="0"/>
+            <a:r>
+              <a:rPr lang="en-US" dirty="0"/>
+              <a:t>&gt;&gt;They don’t tell us specifically what to do.  </a:t>
+            </a:r>
           </a:p>
           <a:p>
             <a:pPr marL="342900" indent="-342900">
@@ -2334,8 +2444,8 @@
               <a:buChar char="-"/>
             </a:pPr>
             <a:r>
-              <a:rPr lang="en-US" sz="1800" dirty="0"/>
-              <a:t>Discovery phase</a:t>
+              <a:rPr lang="en-US" dirty="0"/>
+              <a:t>&gt;&gt; They help us evaluate the goodness of a path we’re considering </a:t>
             </a:r>
           </a:p>
           <a:p>
@@ -2344,8 +2454,8 @@
               <a:buChar char="-"/>
             </a:pPr>
             <a:r>
-              <a:rPr lang="en-US" sz="1800" dirty="0"/>
-              <a:t>&gt;&gt;Prioritize learning</a:t>
+              <a:rPr lang="en-US" dirty="0"/>
+              <a:t>In much of our work, we’re in the “complex” – we don’t know the route to take through a problem when we start, and we have a large number of choices to make</a:t>
             </a:r>
           </a:p>
           <a:p>
@@ -2354,12 +2464,9 @@
               <a:buChar char="-"/>
             </a:pPr>
             <a:r>
-              <a:rPr lang="en-US" sz="1800" dirty="0"/>
-              <a:t>&gt;&gt;Verify assumptions</a:t>
-            </a:r>
-          </a:p>
-          <a:p>
-            <a:endParaRPr lang="en-US" sz="1800" dirty="0"/>
+              <a:rPr lang="en-US" dirty="0"/>
+              <a:t>Making choices that adhere to principles we value can help us navigate</a:t>
+            </a:r>
           </a:p>
           <a:p>
             <a:pPr marL="342900" indent="-342900">
@@ -2367,8 +2474,8 @@
               <a:buChar char="-"/>
             </a:pPr>
             <a:r>
-              <a:rPr lang="en-US" sz="1800" dirty="0"/>
-              <a:t>Building Phase</a:t>
+              <a:rPr lang="en-US" dirty="0"/>
+              <a:t>It’s worth understanding and saying out loud the principles driving our choices – what principle drove us to choose X over Y?  </a:t>
             </a:r>
           </a:p>
           <a:p>
@@ -2377,8 +2484,8 @@
               <a:buChar char="-"/>
             </a:pPr>
             <a:r>
-              <a:rPr lang="en-US" sz="1800" dirty="0"/>
-              <a:t>&gt;&gt;Operate effectively, with an eye on metrics</a:t>
+              <a:rPr lang="en-US" dirty="0"/>
+              <a:t>EXAMPLES</a:t>
             </a:r>
           </a:p>
           <a:p>
@@ -2387,8 +2494,8 @@
               <a:buChar char="-"/>
             </a:pPr>
             <a:r>
-              <a:rPr lang="en-US" sz="1800" dirty="0"/>
-              <a:t>&gt;&gt;Continue checking assumptions for changes</a:t>
+              <a:rPr lang="en-US" dirty="0"/>
+              <a:t>Solicit audience input </a:t>
             </a:r>
           </a:p>
           <a:p>
@@ -2397,45 +2504,8 @@
               <a:buChar char="-"/>
             </a:pPr>
             <a:r>
-              <a:rPr lang="en-US" sz="1800" dirty="0"/>
-              <a:t>&gt;&gt;De-risk</a:t>
-            </a:r>
-          </a:p>
-          <a:p>
-            <a:pPr marL="342900" indent="-342900">
-              <a:buFontTx/>
-              <a:buChar char="-"/>
-            </a:pPr>
-            <a:endParaRPr lang="en-US" sz="1800" dirty="0"/>
-          </a:p>
-          <a:p>
-            <a:pPr marL="342900" indent="-342900">
-              <a:buFontTx/>
-              <a:buChar char="-"/>
-            </a:pPr>
-            <a:r>
-              <a:rPr lang="en-US" sz="1800" dirty="0"/>
-              <a:t>Closing Phase</a:t>
-            </a:r>
-          </a:p>
-          <a:p>
-            <a:pPr marL="342900" indent="-342900">
-              <a:buFontTx/>
-              <a:buChar char="-"/>
-            </a:pPr>
-            <a:r>
-              <a:rPr lang="en-US" sz="1800" dirty="0"/>
-              <a:t>&gt;&gt;Get all the way done – maximize value from what you’ve built, minimize cost of operating it.</a:t>
-            </a:r>
-          </a:p>
-          <a:p>
-            <a:pPr marL="342900" indent="-342900">
-              <a:buFontTx/>
-              <a:buChar char="-"/>
-            </a:pPr>
-            <a:r>
-              <a:rPr lang="en-US" sz="1800" dirty="0"/>
-              <a:t>&gt;&gt;…but stop as soon as you can – it’s tempting to go on forever</a:t>
+              <a:rPr lang="en-US" b="1" dirty="0"/>
+              <a:t>Cite Gil’s reference?</a:t>
             </a:r>
           </a:p>
         </p:txBody>
@@ -2457,14 +2527,7 @@
           <a:p>
             <a:r>
               <a:rPr lang="en-US" dirty="0"/>
-              <a:t>Phases of a project</a:t>
-            </a:r>
-            <a:br>
-              <a:rPr lang="en-US" dirty="0"/>
-            </a:br>
-            <a:r>
-              <a:rPr lang="en-US" dirty="0"/>
-              <a:t>**CAREFUL** Get peer review</a:t>
+              <a:t>Principle and Process</a:t>
             </a:r>
           </a:p>
         </p:txBody>
@@ -2472,7 +2535,7 @@
     </p:spTree>
     <p:extLst>
       <p:ext uri="{BB962C8B-B14F-4D97-AF65-F5344CB8AC3E}">
-        <p14:creationId xmlns:p14="http://schemas.microsoft.com/office/powerpoint/2010/main" val="1543095956"/>
+        <p14:creationId xmlns:p14="http://schemas.microsoft.com/office/powerpoint/2010/main" val="892443849"/>
       </p:ext>
     </p:extLst>
   </p:cSld>
@@ -2514,22 +2577,13 @@
           <a:bodyPr/>
           <a:lstStyle/>
           <a:p>
-            <a:r>
-              <a:rPr lang="en-US" dirty="0"/>
-              <a:t>No, really.</a:t>
-            </a:r>
-          </a:p>
-          <a:p>
-            <a:endParaRPr lang="en-US" dirty="0"/>
-          </a:p>
-          <a:p>
             <a:pPr marL="342900" indent="-342900">
               <a:buFontTx/>
               <a:buChar char="-"/>
             </a:pPr>
             <a:r>
               <a:rPr lang="en-US" dirty="0"/>
-              <a:t>Learning Product is another kind of Work Product</a:t>
+              <a:t>Specifically, prioritize work that helps us make better choices in our project.</a:t>
             </a:r>
           </a:p>
           <a:p>
@@ -2539,7 +2593,7 @@
             </a:pPr>
             <a:r>
               <a:rPr lang="en-US" dirty="0"/>
-              <a:t>Andrew’s Celebration Grid / success diagonal</a:t>
+              <a:t>As we learn, we reduce risk – so learn about the scariest things first.</a:t>
             </a:r>
           </a:p>
           <a:p>
@@ -2549,8 +2603,25 @@
             </a:pPr>
             <a:r>
               <a:rPr lang="en-US" dirty="0"/>
-              <a:t>Learning as a tool to de-risk</a:t>
-            </a:r>
+              <a:t>Learning Product is another kind of Work Product</a:t>
+            </a:r>
+          </a:p>
+          <a:p>
+            <a:pPr marL="342900" indent="-342900">
+              <a:buFontTx/>
+              <a:buChar char="-"/>
+            </a:pPr>
+            <a:r>
+              <a:rPr lang="en-US" dirty="0"/>
+              <a:t>State and check assumptions</a:t>
+            </a:r>
+          </a:p>
+          <a:p>
+            <a:pPr marL="342900" indent="-342900">
+              <a:buFontTx/>
+              <a:buChar char="-"/>
+            </a:pPr>
+            <a:endParaRPr lang="en-US" dirty="0"/>
           </a:p>
         </p:txBody>
       </p:sp>
@@ -2571,7 +2642,7 @@
           <a:p>
             <a:r>
               <a:rPr lang="en-US" dirty="0"/>
-              <a:t>Value failure and prioritize learning</a:t>
+              <a:t>Prioritize Learning</a:t>
             </a:r>
           </a:p>
         </p:txBody>
@@ -2627,104 +2698,44 @@
             </a:pPr>
             <a:r>
               <a:rPr lang="en-US" dirty="0"/>
-              <a:t>Something goes to prod *every* month</a:t>
-            </a:r>
-          </a:p>
-          <a:p>
-            <a:pPr marL="342900" indent="-342900">
-              <a:buFont typeface="Arial" panose="020B0604020202020204" pitchFamily="34" charset="0"/>
-              <a:buChar char="•"/>
-            </a:pPr>
-            <a:r>
-              <a:rPr lang="en-US" dirty="0"/>
-              <a:t>^^Be worried if this isn’t happening</a:t>
-            </a:r>
-          </a:p>
-          <a:p>
-            <a:pPr marL="342900" indent="-342900">
-              <a:buFont typeface="Arial" panose="020B0604020202020204" pitchFamily="34" charset="0"/>
-              <a:buChar char="•"/>
-            </a:pPr>
-            <a:r>
-              <a:rPr lang="en-US" dirty="0"/>
-              <a:t>^^Be worried if the whole thing that’s going to prod is flagged off.</a:t>
-            </a:r>
-          </a:p>
-          <a:p>
-            <a:pPr marL="342900" indent="-342900">
-              <a:buFont typeface="Arial" panose="020B0604020202020204" pitchFamily="34" charset="0"/>
-              <a:buChar char="•"/>
-            </a:pPr>
-            <a:r>
-              <a:rPr lang="en-US" dirty="0"/>
-              <a:t>Everything that we build that isn’t on in prod adds risk **is there a good metaphor here?*  (Packing the back of a mini van?)</a:t>
-            </a:r>
-          </a:p>
-          <a:p>
-            <a:pPr marL="342900" indent="-342900">
-              <a:buFont typeface="Arial" panose="020B0604020202020204" pitchFamily="34" charset="0"/>
-              <a:buChar char="•"/>
-            </a:pPr>
-            <a:r>
-              <a:rPr lang="en-US" dirty="0"/>
-              <a:t>But how do we do that?</a:t>
-            </a:r>
-          </a:p>
-          <a:p>
-            <a:pPr marL="342900" indent="-342900">
-              <a:buFont typeface="Arial" panose="020B0604020202020204" pitchFamily="34" charset="0"/>
-              <a:buChar char="•"/>
-            </a:pPr>
-            <a:r>
-              <a:rPr lang="en-US" dirty="0"/>
-              <a:t>&gt;&gt;Ask: How can we do less?</a:t>
-            </a:r>
-          </a:p>
-          <a:p>
-            <a:pPr marL="342900" indent="-342900">
-              <a:buFont typeface="Arial" panose="020B0604020202020204" pitchFamily="34" charset="0"/>
-              <a:buChar char="•"/>
-            </a:pPr>
-            <a:r>
-              <a:rPr lang="en-US" dirty="0"/>
-              <a:t>&gt;&gt;Plan for a MUCH smaller commitment, with an understanding of how to deliver the next step</a:t>
-            </a:r>
-          </a:p>
-          <a:p>
-            <a:pPr marL="342900" indent="-342900">
-              <a:buFont typeface="Arial" panose="020B0604020202020204" pitchFamily="34" charset="0"/>
-              <a:buChar char="•"/>
-            </a:pPr>
-            <a:r>
-              <a:rPr lang="en-US" dirty="0"/>
-              <a:t>Be okay with slack (maybe more on slack later)</a:t>
-            </a:r>
-          </a:p>
-          <a:p>
-            <a:pPr marL="342900" indent="-342900">
-              <a:buFont typeface="Arial" panose="020B0604020202020204" pitchFamily="34" charset="0"/>
-              <a:buChar char="•"/>
-            </a:pPr>
-            <a:r>
-              <a:rPr lang="en-US" dirty="0"/>
-              <a:t>Early in the project particularly, de-risk – tackle in order that prioritizes learning which is a lot like saying tackle the riskiest items first</a:t>
-            </a:r>
-          </a:p>
-          <a:p>
-            <a:pPr marL="342900" indent="-342900">
-              <a:buFont typeface="Arial" panose="020B0604020202020204" pitchFamily="34" charset="0"/>
-              <a:buChar char="•"/>
-            </a:pPr>
-            <a:r>
-              <a:rPr lang="en-US" dirty="0"/>
-              <a:t>Be really careful not to slice too thin – easy to say you’ll “add on A11y” later…</a:t>
-            </a:r>
-          </a:p>
-          <a:p>
-            <a:pPr marL="342900" indent="-342900">
-              <a:buFont typeface="Arial" panose="020B0604020202020204" pitchFamily="34" charset="0"/>
-              <a:buChar char="•"/>
-            </a:pPr>
+              <a:t>Andrew’s Celebration Grid / success diagonal</a:t>
+            </a:r>
+          </a:p>
+          <a:p>
+            <a:pPr marL="342900" indent="-342900">
+              <a:buFont typeface="Arial" panose="020B0604020202020204" pitchFamily="34" charset="0"/>
+              <a:buChar char="•"/>
+            </a:pPr>
+            <a:r>
+              <a:rPr lang="en-US" dirty="0"/>
+              <a:t>So – if doing things with 50/50 odds of being successful maximize our learning, and we value learning, isn’t that an investment we’d choose, especially early in a project when being off course can be a massive problem for the success of the overall project?</a:t>
+            </a:r>
+          </a:p>
+          <a:p>
+            <a:pPr marL="342900" indent="-342900">
+              <a:buFont typeface="Arial" panose="020B0604020202020204" pitchFamily="34" charset="0"/>
+              <a:buChar char="•"/>
+            </a:pPr>
+            <a:r>
+              <a:rPr lang="en-US" dirty="0"/>
+              <a:t>Problem for the audience:  How do we truly show that we value the most efficient learning-through-doing opportunity we have?</a:t>
+            </a:r>
+          </a:p>
+          <a:p>
+            <a:pPr marL="342900" indent="-342900">
+              <a:buFont typeface="Arial" panose="020B0604020202020204" pitchFamily="34" charset="0"/>
+              <a:buChar char="•"/>
+            </a:pPr>
+            <a:endParaRPr lang="en-US" dirty="0"/>
+          </a:p>
+          <a:p>
+            <a:pPr marL="342900" indent="-342900">
+              <a:buFont typeface="Arial" panose="020B0604020202020204" pitchFamily="34" charset="0"/>
+              <a:buChar char="•"/>
+            </a:pPr>
+            <a:endParaRPr lang="en-US" dirty="0"/>
+          </a:p>
+          <a:p>
             <a:endParaRPr lang="en-US" dirty="0"/>
           </a:p>
         </p:txBody>
@@ -2739,14 +2750,27 @@
             <p:ph type="title"/>
           </p:nvPr>
         </p:nvSpPr>
-        <p:spPr/>
-        <p:txBody>
-          <a:bodyPr/>
-          <a:lstStyle/>
-          <a:p>
-            <a:r>
-              <a:rPr lang="en-US" dirty="0"/>
-              <a:t>Steadily deliver value aka thin slice</a:t>
+        <p:spPr>
+          <a:xfrm>
+            <a:off x="351525" y="314814"/>
+            <a:ext cx="10260547" cy="1325147"/>
+          </a:xfrm>
+        </p:spPr>
+        <p:txBody>
+          <a:bodyPr/>
+          <a:lstStyle/>
+          <a:p>
+            <a:r>
+              <a:rPr lang="en-US" dirty="0"/>
+              <a:t>Value </a:t>
+            </a:r>
+            <a:r>
+              <a:rPr lang="en-US" strike="sngStrike" dirty="0"/>
+              <a:t>failure</a:t>
+            </a:r>
+            <a:r>
+              <a:rPr lang="en-US" dirty="0"/>
+              <a:t> Learning</a:t>
             </a:r>
           </a:p>
         </p:txBody>
@@ -2754,7 +2778,7 @@
     </p:spTree>
     <p:extLst>
       <p:ext uri="{BB962C8B-B14F-4D97-AF65-F5344CB8AC3E}">
-        <p14:creationId xmlns:p14="http://schemas.microsoft.com/office/powerpoint/2010/main" val="1633579186"/>
+        <p14:creationId xmlns:p14="http://schemas.microsoft.com/office/powerpoint/2010/main" val="3059652846"/>
       </p:ext>
     </p:extLst>
   </p:cSld>
@@ -2951,7 +2975,7 @@
           <a:p>
             <a:r>
               <a:rPr lang="en-US" dirty="0"/>
-              <a:t>Executing: Running effective meetings</a:t>
+              <a:t>Running effective meetings</a:t>
             </a:r>
           </a:p>
         </p:txBody>
@@ -3002,96 +3026,110 @@
           <a:lstStyle/>
           <a:p>
             <a:pPr marL="342900" indent="-342900">
-              <a:buFontTx/>
-              <a:buChar char="-"/>
-            </a:pPr>
-            <a:r>
-              <a:rPr lang="en-US" dirty="0"/>
-              <a:t>Queuing theory tells us that systems operate at max throughput when at &lt; 100% capacity</a:t>
-            </a:r>
-          </a:p>
-          <a:p>
-            <a:pPr marL="342900" indent="-342900">
-              <a:buFontTx/>
-              <a:buChar char="-"/>
-            </a:pPr>
-            <a:r>
-              <a:rPr lang="en-US" dirty="0"/>
-              <a:t>What do you do when a car in front of you on the 401 swerves or slams on brakes?  If you’re 20m away?  200m?</a:t>
-            </a:r>
-          </a:p>
-          <a:p>
-            <a:pPr marL="342900" indent="-342900">
-              <a:buFontTx/>
-              <a:buChar char="-"/>
-            </a:pPr>
-            <a:r>
-              <a:rPr lang="en-US" dirty="0"/>
-              <a:t>In engineering, slack lets us:</a:t>
-            </a:r>
-          </a:p>
-          <a:p>
-            <a:pPr marL="342900" indent="-342900">
-              <a:buFontTx/>
-              <a:buChar char="-"/>
-            </a:pPr>
-            <a:r>
-              <a:rPr lang="en-US" dirty="0"/>
-              <a:t>&gt;&gt; Avoid abrupt overreaction to change </a:t>
-            </a:r>
-          </a:p>
-          <a:p>
-            <a:pPr marL="342900" indent="-342900">
-              <a:buFontTx/>
-              <a:buChar char="-"/>
-            </a:pPr>
-            <a:r>
-              <a:rPr lang="en-US" dirty="0"/>
-              <a:t>&gt;&gt; Avoid quality compromises that cost more in the long run</a:t>
-            </a:r>
-          </a:p>
-          <a:p>
-            <a:pPr marL="342900" indent="-342900">
-              <a:buFontTx/>
-              <a:buChar char="-"/>
-            </a:pPr>
-            <a:r>
-              <a:rPr lang="en-US" dirty="0"/>
-              <a:t>&gt;&gt; Be fundamentally more calm while working</a:t>
-            </a:r>
-          </a:p>
-          <a:p>
-            <a:pPr marL="342900" indent="-342900">
-              <a:buFontTx/>
-              <a:buChar char="-"/>
-            </a:pPr>
-            <a:r>
-              <a:rPr lang="en-US" dirty="0"/>
-              <a:t>&gt;&gt; Spend time on getting better at what we do so that next time we’ll be faster</a:t>
-            </a:r>
-          </a:p>
-          <a:p>
-            <a:pPr marL="342900" indent="-342900">
-              <a:buFontTx/>
-              <a:buChar char="-"/>
-            </a:pPr>
-            <a:r>
-              <a:rPr lang="en-US" dirty="0"/>
-              <a:t>&gt;&gt; Enables learning</a:t>
-            </a:r>
-          </a:p>
-          <a:p>
-            <a:endParaRPr lang="en-US" dirty="0"/>
-          </a:p>
-          <a:p>
-            <a:pPr marL="342900" indent="-342900">
-              <a:buFontTx/>
-              <a:buChar char="-"/>
-            </a:pPr>
-            <a:r>
-              <a:rPr lang="en-US" dirty="0"/>
-              <a:t>Sprints for very short periods to complete a clearly understood goal can be okay, but if they’re sustained or frequent, we’re not making the right long term choices. </a:t>
-            </a:r>
+              <a:buFont typeface="Arial" panose="020B0604020202020204" pitchFamily="34" charset="0"/>
+              <a:buChar char="•"/>
+            </a:pPr>
+            <a:r>
+              <a:rPr lang="en-US" dirty="0"/>
+              <a:t>Something goes to prod *every* month</a:t>
+            </a:r>
+          </a:p>
+          <a:p>
+            <a:pPr marL="342900" indent="-342900">
+              <a:buFont typeface="Arial" panose="020B0604020202020204" pitchFamily="34" charset="0"/>
+              <a:buChar char="•"/>
+            </a:pPr>
+            <a:r>
+              <a:rPr lang="en-US" dirty="0"/>
+              <a:t>^^Be worried if this isn’t happening</a:t>
+            </a:r>
+          </a:p>
+          <a:p>
+            <a:pPr marL="342900" indent="-342900">
+              <a:buFont typeface="Arial" panose="020B0604020202020204" pitchFamily="34" charset="0"/>
+              <a:buChar char="•"/>
+            </a:pPr>
+            <a:r>
+              <a:rPr lang="en-US" dirty="0"/>
+              <a:t>^^Be worried if the whole thing that’s going to prod is flagged off.</a:t>
+            </a:r>
+          </a:p>
+          <a:p>
+            <a:pPr marL="342900" indent="-342900">
+              <a:buFont typeface="Arial" panose="020B0604020202020204" pitchFamily="34" charset="0"/>
+              <a:buChar char="•"/>
+            </a:pPr>
+            <a:r>
+              <a:rPr lang="en-US" dirty="0"/>
+              <a:t>Everything that we build that isn’t on in prod adds risk **is there a good metaphor here?*  (Packing the back of a mini van?)</a:t>
+            </a:r>
+          </a:p>
+          <a:p>
+            <a:pPr marL="342900" indent="-342900">
+              <a:buFont typeface="Arial" panose="020B0604020202020204" pitchFamily="34" charset="0"/>
+              <a:buChar char="•"/>
+            </a:pPr>
+            <a:r>
+              <a:rPr lang="en-US" dirty="0"/>
+              <a:t>But how do we do that?</a:t>
+            </a:r>
+          </a:p>
+          <a:p>
+            <a:pPr marL="342900" indent="-342900">
+              <a:buFont typeface="Arial" panose="020B0604020202020204" pitchFamily="34" charset="0"/>
+              <a:buChar char="•"/>
+            </a:pPr>
+            <a:r>
+              <a:rPr lang="en-US" dirty="0"/>
+              <a:t>&gt;&gt;Ask: How can we do less?</a:t>
+            </a:r>
+          </a:p>
+          <a:p>
+            <a:pPr marL="342900" indent="-342900">
+              <a:buFont typeface="Arial" panose="020B0604020202020204" pitchFamily="34" charset="0"/>
+              <a:buChar char="•"/>
+            </a:pPr>
+            <a:r>
+              <a:rPr lang="en-US" dirty="0"/>
+              <a:t>&gt;&gt;Plan for a MUCH smaller commitment, with an understanding of how to deliver the next step</a:t>
+            </a:r>
+          </a:p>
+          <a:p>
+            <a:pPr marL="342900" indent="-342900">
+              <a:buFont typeface="Arial" panose="020B0604020202020204" pitchFamily="34" charset="0"/>
+              <a:buChar char="•"/>
+            </a:pPr>
+            <a:r>
+              <a:rPr lang="en-US" dirty="0"/>
+              <a:t>Be okay with slack (maybe more on slack later)</a:t>
+            </a:r>
+          </a:p>
+          <a:p>
+            <a:pPr marL="342900" indent="-342900">
+              <a:buFont typeface="Arial" panose="020B0604020202020204" pitchFamily="34" charset="0"/>
+              <a:buChar char="•"/>
+            </a:pPr>
+            <a:r>
+              <a:rPr lang="en-US" dirty="0"/>
+              <a:t>Early in the project particularly, de-risk – tackle in order that prioritizes learning which is a lot like saying tackle the riskiest items first</a:t>
+            </a:r>
+          </a:p>
+          <a:p>
+            <a:pPr marL="342900" indent="-342900">
+              <a:buFont typeface="Arial" panose="020B0604020202020204" pitchFamily="34" charset="0"/>
+              <a:buChar char="•"/>
+            </a:pPr>
+            <a:r>
+              <a:rPr lang="en-US" dirty="0"/>
+              <a:t>Be really careful not to slice too thin – easy to say you’ll “add on A11y” later…</a:t>
+            </a:r>
+          </a:p>
+          <a:p>
+            <a:pPr marL="342900" indent="-342900">
+              <a:buFont typeface="Arial" panose="020B0604020202020204" pitchFamily="34" charset="0"/>
+              <a:buChar char="•"/>
+            </a:pPr>
+            <a:endParaRPr lang="en-US" dirty="0"/>
           </a:p>
         </p:txBody>
       </p:sp>
@@ -3112,7 +3150,7 @@
           <a:p>
             <a:r>
               <a:rPr lang="en-US" dirty="0"/>
-              <a:t>Executing: Maintain Slack</a:t>
+              <a:t>Relentlessly thin slice</a:t>
             </a:r>
           </a:p>
         </p:txBody>
@@ -3120,7 +3158,7 @@
     </p:spTree>
     <p:extLst>
       <p:ext uri="{BB962C8B-B14F-4D97-AF65-F5344CB8AC3E}">
-        <p14:creationId xmlns:p14="http://schemas.microsoft.com/office/powerpoint/2010/main" val="699903430"/>
+        <p14:creationId xmlns:p14="http://schemas.microsoft.com/office/powerpoint/2010/main" val="1633579186"/>
       </p:ext>
     </p:extLst>
   </p:cSld>
@@ -3168,7 +3206,7 @@
             </a:pPr>
             <a:r>
               <a:rPr lang="en-US" dirty="0"/>
-              <a:t>Principles are the fundamental, abstract rules that we agree are important to us</a:t>
+              <a:t>Queuing theory tells us that systems operate at max throughput when at &lt; 100% capacity</a:t>
             </a:r>
           </a:p>
           <a:p>
@@ -3178,7 +3216,7 @@
             </a:pPr>
             <a:r>
               <a:rPr lang="en-US" dirty="0"/>
-              <a:t>EXAMPLES</a:t>
+              <a:t>What do you do when a car in front of you on the 401 swerves or slams on brakes?  If you’re 20m away?  200m?</a:t>
             </a:r>
           </a:p>
           <a:p>
@@ -3188,7 +3226,7 @@
             </a:pPr>
             <a:r>
               <a:rPr lang="en-US" dirty="0"/>
-              <a:t>Understand the principles driving our choices – what principle drove us to choose X over Y?</a:t>
+              <a:t>In engineering, slack lets us:</a:t>
             </a:r>
           </a:p>
           <a:p>
@@ -3196,7 +3234,73 @@
               <a:buFontTx/>
               <a:buChar char="-"/>
             </a:pPr>
-            <a:endParaRPr lang="en-US" dirty="0"/>
+            <a:r>
+              <a:rPr lang="en-US" dirty="0"/>
+              <a:t>&gt;&gt; Avoid abrupt overreaction to change </a:t>
+            </a:r>
+          </a:p>
+          <a:p>
+            <a:pPr marL="342900" indent="-342900">
+              <a:buFontTx/>
+              <a:buChar char="-"/>
+            </a:pPr>
+            <a:r>
+              <a:rPr lang="en-US" dirty="0"/>
+              <a:t>&gt;&gt; Avoid quality compromises that cost more in the long run</a:t>
+            </a:r>
+          </a:p>
+          <a:p>
+            <a:pPr marL="342900" indent="-342900">
+              <a:buFontTx/>
+              <a:buChar char="-"/>
+            </a:pPr>
+            <a:r>
+              <a:rPr lang="en-US" dirty="0"/>
+              <a:t>&gt;&gt; Be fundamentally more calm while working</a:t>
+            </a:r>
+          </a:p>
+          <a:p>
+            <a:pPr marL="342900" indent="-342900">
+              <a:buFontTx/>
+              <a:buChar char="-"/>
+            </a:pPr>
+            <a:r>
+              <a:rPr lang="en-US" dirty="0"/>
+              <a:t>&gt;&gt; Spend time on getting better at what we do so that next time we’ll be faster</a:t>
+            </a:r>
+          </a:p>
+          <a:p>
+            <a:pPr marL="342900" indent="-342900">
+              <a:buFontTx/>
+              <a:buChar char="-"/>
+            </a:pPr>
+            <a:r>
+              <a:rPr lang="en-US" dirty="0"/>
+              <a:t>&gt;&gt; Enables learning</a:t>
+            </a:r>
+          </a:p>
+          <a:p>
+            <a:endParaRPr lang="en-US" dirty="0"/>
+          </a:p>
+          <a:p>
+            <a:pPr marL="342900" indent="-342900">
+              <a:buFontTx/>
+              <a:buChar char="-"/>
+            </a:pPr>
+            <a:r>
+              <a:rPr lang="en-US" dirty="0"/>
+              <a:t>Sprints for very short periods to complete a clearly understood goal can be okay, but if they’re sustained or frequent, we’re not making the right long term choices. </a:t>
+            </a:r>
+          </a:p>
+          <a:p>
+            <a:pPr marL="342900" indent="-342900">
+              <a:buFontTx/>
+              <a:buChar char="-"/>
+            </a:pPr>
+            <a:r>
+              <a:rPr lang="en-US" dirty="0"/>
+              <a:t>In my experience, the team is its own worst enemy for this</a:t>
+            </a:r>
           </a:p>
         </p:txBody>
       </p:sp>
@@ -3217,7 +3321,7 @@
           <a:p>
             <a:r>
               <a:rPr lang="en-US" dirty="0"/>
-              <a:t>Principle and Process</a:t>
+              <a:t>Maintain Slack</a:t>
             </a:r>
           </a:p>
         </p:txBody>
@@ -3225,7 +3329,7 @@
     </p:spTree>
     <p:extLst>
       <p:ext uri="{BB962C8B-B14F-4D97-AF65-F5344CB8AC3E}">
-        <p14:creationId xmlns:p14="http://schemas.microsoft.com/office/powerpoint/2010/main" val="892443849"/>
+        <p14:creationId xmlns:p14="http://schemas.microsoft.com/office/powerpoint/2010/main" val="699903430"/>
       </p:ext>
     </p:extLst>
   </p:cSld>
@@ -3267,16 +3371,54 @@
           <a:bodyPr/>
           <a:lstStyle/>
           <a:p>
-            <a:r>
-              <a:rPr lang="en-US" dirty="0"/>
-              <a:t>In all that we spend our time on, we will learn.  We will never just blindly do.  Even if we accomplish our original goal, we’ve made poor use of our time, and we will be in this swamp again.</a:t>
-            </a:r>
-          </a:p>
-          <a:p>
-            <a:endParaRPr lang="en-US" dirty="0"/>
-          </a:p>
-          <a:p>
-            <a:endParaRPr lang="en-US" dirty="0"/>
+            <a:pPr marL="342900" indent="-342900">
+              <a:buFont typeface="Arial" panose="020B0604020202020204" pitchFamily="34" charset="0"/>
+              <a:buChar char="•"/>
+            </a:pPr>
+            <a:r>
+              <a:rPr lang="en-US" dirty="0"/>
+              <a:t>Maximize the value in what you’ve built</a:t>
+            </a:r>
+          </a:p>
+          <a:p>
+            <a:pPr marL="342900" indent="-342900">
+              <a:buFont typeface="Arial" panose="020B0604020202020204" pitchFamily="34" charset="0"/>
+              <a:buChar char="•"/>
+            </a:pPr>
+            <a:r>
+              <a:rPr lang="en-US" dirty="0"/>
+              <a:t>&gt;&gt;Can others use it?</a:t>
+            </a:r>
+          </a:p>
+          <a:p>
+            <a:pPr marL="342900" indent="-342900">
+              <a:buFont typeface="Arial" panose="020B0604020202020204" pitchFamily="34" charset="0"/>
+              <a:buChar char="•"/>
+            </a:pPr>
+            <a:r>
+              <a:rPr lang="en-US" dirty="0"/>
+              <a:t>&gt;&gt;Can others learn from your mistakes?</a:t>
+            </a:r>
+          </a:p>
+          <a:p>
+            <a:pPr marL="342900" indent="-342900">
+              <a:buFont typeface="Arial" panose="020B0604020202020204" pitchFamily="34" charset="0"/>
+              <a:buChar char="•"/>
+            </a:pPr>
+            <a:r>
+              <a:rPr lang="en-US" dirty="0"/>
+              <a:t>&gt;&gt;Are there adjacent problems it can solve?</a:t>
+            </a:r>
+          </a:p>
+          <a:p>
+            <a:pPr marL="342900" indent="-342900">
+              <a:buFont typeface="Arial" panose="020B0604020202020204" pitchFamily="34" charset="0"/>
+              <a:buChar char="•"/>
+            </a:pPr>
+            <a:r>
+              <a:rPr lang="en-US" dirty="0"/>
+              <a:t>&gt;&gt;Should other people know about it?</a:t>
+            </a:r>
           </a:p>
         </p:txBody>
       </p:sp>
@@ -3297,7 +3439,7 @@
           <a:p>
             <a:r>
               <a:rPr lang="en-US" dirty="0"/>
-              <a:t>We learn</a:t>
+              <a:t>Find the value</a:t>
             </a:r>
           </a:p>
         </p:txBody>
@@ -3305,7 +3447,7 @@
     </p:spTree>
     <p:extLst>
       <p:ext uri="{BB962C8B-B14F-4D97-AF65-F5344CB8AC3E}">
-        <p14:creationId xmlns:p14="http://schemas.microsoft.com/office/powerpoint/2010/main" val="1116692367"/>
+        <p14:creationId xmlns:p14="http://schemas.microsoft.com/office/powerpoint/2010/main" val="3577699935"/>
       </p:ext>
     </p:extLst>
   </p:cSld>
@@ -3334,7 +3476,90 @@
       </p:grpSpPr>
       <p:sp>
         <p:nvSpPr>
-          <p:cNvPr id="4" name="Title 3"/>
+          <p:cNvPr id="2" name="Text Placeholder 1"/>
+          <p:cNvSpPr>
+            <a:spLocks noGrp="1"/>
+          </p:cNvSpPr>
+          <p:nvPr>
+            <p:ph type="body" sz="quarter" idx="10"/>
+          </p:nvPr>
+        </p:nvSpPr>
+        <p:spPr/>
+        <p:txBody>
+          <a:bodyPr/>
+          <a:lstStyle/>
+          <a:p>
+            <a:pPr marL="342900" indent="-342900">
+              <a:buFont typeface="Arial" panose="020B0604020202020204" pitchFamily="34" charset="0"/>
+              <a:buChar char="•"/>
+            </a:pPr>
+            <a:r>
+              <a:rPr lang="en-US" dirty="0"/>
+              <a:t>It’s tempting to build forever</a:t>
+            </a:r>
+          </a:p>
+          <a:p>
+            <a:pPr marL="342900" indent="-342900">
+              <a:buFont typeface="Arial" panose="020B0604020202020204" pitchFamily="34" charset="0"/>
+              <a:buChar char="•"/>
+            </a:pPr>
+            <a:r>
+              <a:rPr lang="en-US" dirty="0"/>
+              <a:t>We want to get to done, but not everything on the list will be finished</a:t>
+            </a:r>
+          </a:p>
+          <a:p>
+            <a:pPr marL="342900" indent="-342900">
+              <a:buFont typeface="Arial" panose="020B0604020202020204" pitchFamily="34" charset="0"/>
+              <a:buChar char="•"/>
+            </a:pPr>
+            <a:r>
+              <a:rPr lang="en-US" dirty="0"/>
+              <a:t>How to decide?</a:t>
+            </a:r>
+          </a:p>
+          <a:p>
+            <a:pPr marL="342900" indent="-342900">
+              <a:buFont typeface="Arial" panose="020B0604020202020204" pitchFamily="34" charset="0"/>
+              <a:buChar char="•"/>
+            </a:pPr>
+            <a:r>
+              <a:rPr lang="en-US" dirty="0"/>
+              <a:t>&gt;&gt; Will we naturally discover this work in the future with low pain?</a:t>
+            </a:r>
+          </a:p>
+          <a:p>
+            <a:pPr marL="342900" indent="-342900">
+              <a:buFont typeface="Arial" panose="020B0604020202020204" pitchFamily="34" charset="0"/>
+              <a:buChar char="•"/>
+            </a:pPr>
+            <a:r>
+              <a:rPr lang="en-US" dirty="0"/>
+              <a:t>&gt;&gt; Does this work align better with another project?</a:t>
+            </a:r>
+          </a:p>
+          <a:p>
+            <a:pPr marL="342900" indent="-342900">
+              <a:buFont typeface="Arial" panose="020B0604020202020204" pitchFamily="34" charset="0"/>
+              <a:buChar char="•"/>
+            </a:pPr>
+            <a:r>
+              <a:rPr lang="en-US" dirty="0"/>
+              <a:t>&gt;&gt; Will the work really make a difference to our metrics (the what/why)?</a:t>
+            </a:r>
+          </a:p>
+          <a:p>
+            <a:pPr marL="342900" indent="-342900">
+              <a:buFont typeface="Arial" panose="020B0604020202020204" pitchFamily="34" charset="0"/>
+              <a:buChar char="•"/>
+            </a:pPr>
+            <a:endParaRPr lang="en-US" dirty="0"/>
+          </a:p>
+        </p:txBody>
+      </p:sp>
+      <p:sp>
+        <p:nvSpPr>
+          <p:cNvPr id="3" name="Title 2"/>
           <p:cNvSpPr>
             <a:spLocks noGrp="1"/>
           </p:cNvSpPr>
@@ -3342,23 +3567,14 @@
             <p:ph type="title"/>
           </p:nvPr>
         </p:nvSpPr>
-        <p:spPr>
-          <a:xfrm>
-            <a:off x="422547" y="2640763"/>
-            <a:ext cx="9717291" cy="1325147"/>
-          </a:xfrm>
-        </p:spPr>
-        <p:txBody>
-          <a:bodyPr/>
-          <a:lstStyle/>
-          <a:p>
-            <a:r>
-              <a:rPr lang="en-US" dirty="0"/>
-              <a:t>Being an effective </a:t>
-            </a:r>
-            <a:r>
-              <a:rPr lang="en-US" u="sng" dirty="0"/>
-              <a:t>individual</a:t>
+        <p:spPr/>
+        <p:txBody>
+          <a:bodyPr/>
+          <a:lstStyle/>
+          <a:p>
+            <a:r>
+              <a:rPr lang="en-US" dirty="0"/>
+              <a:t>Find the exit</a:t>
             </a:r>
           </a:p>
         </p:txBody>
@@ -3366,7 +3582,7 @@
     </p:spTree>
     <p:extLst>
       <p:ext uri="{BB962C8B-B14F-4D97-AF65-F5344CB8AC3E}">
-        <p14:creationId xmlns:p14="http://schemas.microsoft.com/office/powerpoint/2010/main" val="2285835418"/>
+        <p14:creationId xmlns:p14="http://schemas.microsoft.com/office/powerpoint/2010/main" val="2816568057"/>
       </p:ext>
     </p:extLst>
   </p:cSld>
@@ -3395,7 +3611,7 @@
       </p:grpSpPr>
       <p:sp>
         <p:nvSpPr>
-          <p:cNvPr id="5" name="Text Placeholder 4"/>
+          <p:cNvPr id="2" name="Text Placeholder 1"/>
           <p:cNvSpPr>
             <a:spLocks noGrp="1"/>
           </p:cNvSpPr>
@@ -3408,176 +3624,22 @@
           <a:bodyPr/>
           <a:lstStyle/>
           <a:p>
-            <a:pPr marL="342900" indent="-342900">
-              <a:buFont typeface="Arial" panose="020B0604020202020204" pitchFamily="34" charset="0"/>
-              <a:buChar char="•"/>
-            </a:pPr>
-            <a:r>
-              <a:rPr lang="en-US" dirty="0"/>
-              <a:t>Why?</a:t>
-            </a:r>
-          </a:p>
-          <a:p>
-            <a:pPr marL="342900" indent="-342900">
-              <a:buFont typeface="Arial" panose="020B0604020202020204" pitchFamily="34" charset="0"/>
-              <a:buChar char="•"/>
-            </a:pPr>
-            <a:r>
-              <a:rPr lang="en-US" dirty="0"/>
-              <a:t>&gt;&gt; More capable</a:t>
-            </a:r>
-          </a:p>
-          <a:p>
-            <a:pPr marL="342900" indent="-342900">
-              <a:buFont typeface="Arial" panose="020B0604020202020204" pitchFamily="34" charset="0"/>
-              <a:buChar char="•"/>
-            </a:pPr>
-            <a:r>
-              <a:rPr lang="en-US" dirty="0"/>
-              <a:t>&gt;&gt; Less likely to make the same mistakes twice - more likely to see a repeated pattern</a:t>
-            </a:r>
-          </a:p>
-          <a:p>
-            <a:pPr marL="342900" indent="-342900">
-              <a:buFont typeface="Arial" panose="020B0604020202020204" pitchFamily="34" charset="0"/>
-              <a:buChar char="•"/>
-            </a:pPr>
-            <a:r>
-              <a:rPr lang="en-US" dirty="0"/>
-              <a:t>&gt;&gt; Happier and more fulfilled</a:t>
-            </a:r>
-          </a:p>
-          <a:p>
-            <a:pPr marL="342900" indent="-342900">
-              <a:buFont typeface="Arial" panose="020B0604020202020204" pitchFamily="34" charset="0"/>
-              <a:buChar char="•"/>
-            </a:pPr>
-            <a:endParaRPr lang="en-US" dirty="0"/>
-          </a:p>
-          <a:p>
-            <a:pPr marL="342900" indent="-342900">
-              <a:buFont typeface="Arial" panose="020B0604020202020204" pitchFamily="34" charset="0"/>
-              <a:buChar char="•"/>
-            </a:pPr>
-            <a:r>
-              <a:rPr lang="en-US" dirty="0"/>
-              <a:t>How?</a:t>
-            </a:r>
-          </a:p>
-          <a:p>
-            <a:pPr marL="342900" indent="-342900">
-              <a:buFont typeface="Arial" panose="020B0604020202020204" pitchFamily="34" charset="0"/>
-              <a:buChar char="•"/>
-            </a:pPr>
-            <a:r>
-              <a:rPr lang="en-US" dirty="0"/>
-              <a:t>&gt;&gt; Learn in every opportunity</a:t>
-            </a:r>
-          </a:p>
-          <a:p>
-            <a:pPr marL="342900" indent="-342900">
-              <a:buFont typeface="Arial" panose="020B0604020202020204" pitchFamily="34" charset="0"/>
-              <a:buChar char="•"/>
-            </a:pPr>
-            <a:r>
-              <a:rPr lang="en-US" dirty="0"/>
-              <a:t>&gt;&gt; Have a goals and work toward them.</a:t>
-            </a:r>
-          </a:p>
-          <a:p>
-            <a:pPr marL="342900" indent="-342900">
-              <a:buFont typeface="Arial" panose="020B0604020202020204" pitchFamily="34" charset="0"/>
-              <a:buChar char="•"/>
-            </a:pPr>
-            <a:endParaRPr lang="en-US" dirty="0"/>
-          </a:p>
-          <a:p>
-            <a:pPr marL="342900" indent="-342900">
-              <a:buFont typeface="Arial" panose="020B0604020202020204" pitchFamily="34" charset="0"/>
-              <a:buChar char="•"/>
-            </a:pPr>
-            <a:r>
-              <a:rPr lang="en-US" dirty="0"/>
-              <a:t>How have you grown </a:t>
-            </a:r>
-            <a:r>
-              <a:rPr lang="en-US" u="sng" dirty="0"/>
-              <a:t>meaningfully</a:t>
-            </a:r>
-            <a:r>
-              <a:rPr lang="en-US" dirty="0"/>
-              <a:t> in the last month?</a:t>
-            </a:r>
-          </a:p>
-          <a:p>
-            <a:pPr marL="342900" indent="-342900">
-              <a:buFont typeface="Arial" panose="020B0604020202020204" pitchFamily="34" charset="0"/>
-              <a:buChar char="•"/>
-            </a:pPr>
-            <a:r>
-              <a:rPr lang="en-US" dirty="0"/>
-              <a:t>&gt;&gt;Abhor stagnation – crave healthy change.  You can be stagnating, even when you’re working hard.  </a:t>
-            </a:r>
-          </a:p>
-          <a:p>
-            <a:pPr marL="342900" indent="-342900">
-              <a:buFont typeface="Arial" panose="020B0604020202020204" pitchFamily="34" charset="0"/>
-              <a:buChar char="•"/>
-            </a:pPr>
-            <a:r>
-              <a:rPr lang="en-US" dirty="0"/>
-              <a:t>&gt;&gt;Change is an opportunity to learn and grow</a:t>
-            </a:r>
-          </a:p>
-          <a:p>
-            <a:pPr marL="342900" indent="-342900">
-              <a:buFont typeface="Arial" panose="020B0604020202020204" pitchFamily="34" charset="0"/>
-              <a:buChar char="•"/>
-            </a:pPr>
-            <a:r>
-              <a:rPr lang="en-US" dirty="0"/>
-              <a:t>Professional Journal (including feelings)</a:t>
-            </a:r>
-          </a:p>
-          <a:p>
-            <a:pPr marL="342900" indent="-342900">
-              <a:buFont typeface="Arial" panose="020B0604020202020204" pitchFamily="34" charset="0"/>
-              <a:buChar char="•"/>
-            </a:pPr>
-            <a:r>
-              <a:rPr lang="en-US" dirty="0"/>
-              <a:t>Goal journal</a:t>
-            </a:r>
-          </a:p>
-          <a:p>
-            <a:pPr marL="342900" indent="-342900">
-              <a:buFont typeface="Arial" panose="020B0604020202020204" pitchFamily="34" charset="0"/>
-              <a:buChar char="•"/>
-            </a:pPr>
-            <a:r>
-              <a:rPr lang="en-US" dirty="0"/>
-              <a:t>Share with manager openly</a:t>
-            </a:r>
-          </a:p>
-          <a:p>
-            <a:pPr marL="342900" indent="-342900">
-              <a:buFont typeface="Arial" panose="020B0604020202020204" pitchFamily="34" charset="0"/>
-              <a:buChar char="•"/>
-            </a:pPr>
-            <a:endParaRPr lang="en-US" dirty="0"/>
-          </a:p>
-          <a:p>
-            <a:pPr marL="342900" indent="-342900">
-              <a:buFont typeface="Arial" panose="020B0604020202020204" pitchFamily="34" charset="0"/>
-              <a:buChar char="•"/>
-            </a:pPr>
-            <a:endParaRPr lang="en-US" dirty="0"/>
-          </a:p>
-        </p:txBody>
-      </p:sp>
-      <p:sp>
-        <p:nvSpPr>
-          <p:cNvPr id="4" name="Title 3"/>
+            <a:r>
+              <a:rPr lang="en-US" dirty="0"/>
+              <a:t>In all that we spend our time on, we will learn.  We will never just blindly do.  Even if we accomplish our original goal, we’ve made poor use of our time, and we will be in this swamp again.</a:t>
+            </a:r>
+          </a:p>
+          <a:p>
+            <a:endParaRPr lang="en-US" dirty="0"/>
+          </a:p>
+          <a:p>
+            <a:endParaRPr lang="en-US" dirty="0"/>
+          </a:p>
+        </p:txBody>
+      </p:sp>
+      <p:sp>
+        <p:nvSpPr>
+          <p:cNvPr id="3" name="Title 2"/>
           <p:cNvSpPr>
             <a:spLocks noGrp="1"/>
           </p:cNvSpPr>
@@ -3592,7 +3654,7 @@
           <a:p>
             <a:r>
               <a:rPr lang="en-US" dirty="0"/>
-              <a:t>I learn</a:t>
+              <a:t>We learn</a:t>
             </a:r>
           </a:p>
         </p:txBody>
@@ -3600,7 +3662,7 @@
     </p:spTree>
     <p:extLst>
       <p:ext uri="{BB962C8B-B14F-4D97-AF65-F5344CB8AC3E}">
-        <p14:creationId xmlns:p14="http://schemas.microsoft.com/office/powerpoint/2010/main" val="3405633137"/>
+        <p14:creationId xmlns:p14="http://schemas.microsoft.com/office/powerpoint/2010/main" val="1116692367"/>
       </p:ext>
     </p:extLst>
   </p:cSld>
@@ -3644,8 +3706,11 @@
           <a:p>
             <a:r>
               <a:rPr lang="en-US" dirty="0"/>
-              <a:t>BIG IDEA: We can choose to spend our time on an infinite number of things.  </a:t>
-            </a:r>
+              <a:t>We can choose to spend our time on an infinite number of things.  </a:t>
+            </a:r>
+          </a:p>
+          <a:p>
+            <a:endParaRPr lang="en-US" dirty="0"/>
           </a:p>
           <a:p>
             <a:r>
@@ -3718,47 +3783,7 @@
       </p:grpSpPr>
       <p:sp>
         <p:nvSpPr>
-          <p:cNvPr id="2" name="Text Placeholder 1"/>
-          <p:cNvSpPr>
-            <a:spLocks noGrp="1"/>
-          </p:cNvSpPr>
-          <p:nvPr>
-            <p:ph type="body" sz="quarter" idx="10"/>
-          </p:nvPr>
-        </p:nvSpPr>
-        <p:spPr/>
-        <p:txBody>
-          <a:bodyPr/>
-          <a:lstStyle/>
-          <a:p>
-            <a:r>
-              <a:rPr lang="en-US" dirty="0"/>
-              <a:t>Pomodoro</a:t>
-            </a:r>
-          </a:p>
-          <a:p>
-            <a:r>
-              <a:rPr lang="en-US" dirty="0"/>
-              <a:t>Dedicated time (Sync’d dedicated time across team or even company)</a:t>
-            </a:r>
-          </a:p>
-          <a:p>
-            <a:r>
-              <a:rPr lang="en-US" dirty="0"/>
-              <a:t>Top 5 (or Top 1)</a:t>
-            </a:r>
-          </a:p>
-          <a:p>
-            <a:r>
-              <a:rPr lang="en-US" dirty="0"/>
-              <a:t>Look at calendar first</a:t>
-            </a:r>
-          </a:p>
-        </p:txBody>
-      </p:sp>
-      <p:sp>
-        <p:nvSpPr>
-          <p:cNvPr id="3" name="Title 2"/>
+          <p:cNvPr id="4" name="Title 3"/>
           <p:cNvSpPr>
             <a:spLocks noGrp="1"/>
           </p:cNvSpPr>
@@ -3766,14 +3791,23 @@
             <p:ph type="title"/>
           </p:nvPr>
         </p:nvSpPr>
-        <p:spPr/>
-        <p:txBody>
-          <a:bodyPr/>
-          <a:lstStyle/>
-          <a:p>
-            <a:r>
-              <a:rPr lang="en-US" dirty="0"/>
-              <a:t>Focus and working on the most important thing</a:t>
+        <p:spPr>
+          <a:xfrm>
+            <a:off x="422547" y="2640763"/>
+            <a:ext cx="9717291" cy="1325147"/>
+          </a:xfrm>
+        </p:spPr>
+        <p:txBody>
+          <a:bodyPr/>
+          <a:lstStyle/>
+          <a:p>
+            <a:r>
+              <a:rPr lang="en-US" dirty="0"/>
+              <a:t>Being an effective </a:t>
+            </a:r>
+            <a:r>
+              <a:rPr lang="en-US" u="sng" dirty="0"/>
+              <a:t>individual</a:t>
             </a:r>
           </a:p>
         </p:txBody>
@@ -3781,7 +3815,7 @@
     </p:spTree>
     <p:extLst>
       <p:ext uri="{BB962C8B-B14F-4D97-AF65-F5344CB8AC3E}">
-        <p14:creationId xmlns:p14="http://schemas.microsoft.com/office/powerpoint/2010/main" val="2604704215"/>
+        <p14:creationId xmlns:p14="http://schemas.microsoft.com/office/powerpoint/2010/main" val="2285835418"/>
       </p:ext>
     </p:extLst>
   </p:cSld>
@@ -3810,7 +3844,7 @@
       </p:grpSpPr>
       <p:sp>
         <p:nvSpPr>
-          <p:cNvPr id="2" name="Text Placeholder 1"/>
+          <p:cNvPr id="5" name="Text Placeholder 4"/>
           <p:cNvSpPr>
             <a:spLocks noGrp="1"/>
           </p:cNvSpPr>
@@ -3823,166 +3857,176 @@
           <a:bodyPr/>
           <a:lstStyle/>
           <a:p>
-            <a:r>
-              <a:rPr lang="en-US" dirty="0"/>
-              <a:t>An introvert’s perspective – Andrew’s advice – questions are your best friend</a:t>
-            </a:r>
-          </a:p>
-          <a:p>
-            <a:r>
-              <a:rPr lang="en-US" dirty="0"/>
-              <a:t>Why this is particularly important at D2L</a:t>
-            </a:r>
-          </a:p>
-          <a:p>
-            <a:r>
-              <a:rPr lang="en-US" dirty="0"/>
-              <a:t>Connect back to learning and growing</a:t>
-            </a:r>
-          </a:p>
-          <a:p>
-            <a:pPr marL="342900" indent="-342900">
-              <a:buFontTx/>
-              <a:buChar char="-"/>
-            </a:pPr>
-            <a:r>
-              <a:rPr lang="en-US" dirty="0"/>
-              <a:t>Walkabout</a:t>
-            </a:r>
-          </a:p>
-          <a:p>
-            <a:pPr marL="342900" indent="-342900">
-              <a:buFontTx/>
-              <a:buChar char="-"/>
-            </a:pPr>
-            <a:r>
-              <a:rPr lang="en-US" dirty="0"/>
-              <a:t>Sit in a public spot</a:t>
-            </a:r>
-          </a:p>
-          <a:p>
-            <a:pPr marL="342900" indent="-342900">
-              <a:buFontTx/>
-              <a:buChar char="-"/>
-            </a:pPr>
-            <a:r>
-              <a:rPr lang="en-US" dirty="0"/>
-              <a:t>Chat at the coffee machine – one person per week you wouldn’t otherwise.</a:t>
-            </a:r>
-          </a:p>
-          <a:p>
-            <a:pPr marL="342900" indent="-342900">
-              <a:buFontTx/>
-              <a:buChar char="-"/>
-            </a:pPr>
-            <a:r>
-              <a:rPr lang="en-US" dirty="0"/>
-              <a:t>Ask people for their advice – we sometimes talk about having a mentor, but Craig helped me appreciate the value of a network of informal mentors – people you can talk over problems in particular areas </a:t>
-            </a:r>
-          </a:p>
-          <a:p>
-            <a:pPr marL="342900" indent="-342900">
-              <a:buFontTx/>
-              <a:buChar char="-"/>
-            </a:pPr>
-            <a:r>
-              <a:rPr lang="en-US" dirty="0"/>
-              <a:t>Meet up with people to compare what you’ve learned</a:t>
-            </a:r>
-          </a:p>
-          <a:p>
-            <a:pPr marL="342900" indent="-342900">
-              <a:buFontTx/>
-              <a:buChar char="-"/>
-            </a:pPr>
-            <a:r>
-              <a:rPr lang="en-US" dirty="0"/>
-              <a:t>Be generous, particularly when it comes to sharing knowledge</a:t>
-            </a:r>
-          </a:p>
-          <a:p>
-            <a:pPr marL="342900" indent="-342900">
-              <a:buFontTx/>
-              <a:buChar char="-"/>
-            </a:pPr>
-            <a:r>
-              <a:rPr lang="en-US" dirty="0"/>
-              <a:t>3</a:t>
-            </a:r>
-            <a:r>
-              <a:rPr lang="en-US" baseline="30000" dirty="0"/>
-              <a:t>rd</a:t>
-            </a:r>
-            <a:r>
-              <a:rPr lang="en-US" dirty="0"/>
-              <a:t> level tribe – we’re awesome, but they’re not.</a:t>
-            </a:r>
-          </a:p>
-          <a:p>
-            <a:pPr marL="342900" indent="-342900">
-              <a:buFontTx/>
-              <a:buChar char="-"/>
-            </a:pPr>
-            <a:r>
-              <a:rPr lang="en-US" dirty="0"/>
-              <a:t>4</a:t>
-            </a:r>
-            <a:r>
-              <a:rPr lang="en-US" baseline="30000" dirty="0"/>
-              <a:t>th</a:t>
-            </a:r>
-            <a:r>
-              <a:rPr lang="en-US" dirty="0"/>
-              <a:t> level tribe – we’re all awesome</a:t>
-            </a:r>
-          </a:p>
-          <a:p>
-            <a:pPr marL="342900" indent="-342900">
-              <a:buFontTx/>
-              <a:buChar char="-"/>
-            </a:pPr>
-            <a:r>
-              <a:rPr lang="en-US" dirty="0"/>
-              <a:t>5</a:t>
-            </a:r>
-            <a:r>
-              <a:rPr lang="en-US" baseline="30000" dirty="0"/>
-              <a:t>th</a:t>
-            </a:r>
-            <a:r>
-              <a:rPr lang="en-US" dirty="0"/>
-              <a:t> level tribe – hey my two friends who don’t know each other, you’d probably be awesome together – why not connect?</a:t>
-            </a:r>
-          </a:p>
-          <a:p>
-            <a:pPr marL="342900" indent="-342900">
-              <a:buFontTx/>
-              <a:buChar char="-"/>
-            </a:pPr>
-            <a:r>
-              <a:rPr lang="en-US" dirty="0"/>
-              <a:t>[cite tribal leadership]</a:t>
-            </a:r>
-          </a:p>
-          <a:p>
-            <a:pPr marL="342900" indent="-342900">
-              <a:buFontTx/>
-              <a:buChar char="-"/>
-            </a:pPr>
-            <a:endParaRPr lang="en-US" dirty="0"/>
-          </a:p>
-          <a:p>
-            <a:pPr marL="342900" indent="-342900">
-              <a:buFontTx/>
-              <a:buChar char="-"/>
-            </a:pPr>
-            <a:endParaRPr lang="en-US" dirty="0"/>
-          </a:p>
-        </p:txBody>
-      </p:sp>
-      <p:sp>
-        <p:nvSpPr>
-          <p:cNvPr id="3" name="Title 2"/>
+            <a:pPr marL="342900" indent="-342900">
+              <a:buFont typeface="Arial" panose="020B0604020202020204" pitchFamily="34" charset="0"/>
+              <a:buChar char="•"/>
+            </a:pPr>
+            <a:r>
+              <a:rPr lang="en-US" dirty="0"/>
+              <a:t>Why?</a:t>
+            </a:r>
+          </a:p>
+          <a:p>
+            <a:pPr marL="342900" indent="-342900">
+              <a:buFont typeface="Arial" panose="020B0604020202020204" pitchFamily="34" charset="0"/>
+              <a:buChar char="•"/>
+            </a:pPr>
+            <a:r>
+              <a:rPr lang="en-US" dirty="0"/>
+              <a:t>&gt;&gt; More capable</a:t>
+            </a:r>
+          </a:p>
+          <a:p>
+            <a:pPr marL="342900" indent="-342900">
+              <a:buFont typeface="Arial" panose="020B0604020202020204" pitchFamily="34" charset="0"/>
+              <a:buChar char="•"/>
+            </a:pPr>
+            <a:r>
+              <a:rPr lang="en-US" dirty="0"/>
+              <a:t>&gt;&gt; Less likely to make the same mistakes twice - more likely to see a repeated pattern</a:t>
+            </a:r>
+          </a:p>
+          <a:p>
+            <a:pPr marL="342900" indent="-342900">
+              <a:buFont typeface="Arial" panose="020B0604020202020204" pitchFamily="34" charset="0"/>
+              <a:buChar char="•"/>
+            </a:pPr>
+            <a:r>
+              <a:rPr lang="en-US" dirty="0"/>
+              <a:t>&gt;&gt; Happier and more fulfilled</a:t>
+            </a:r>
+          </a:p>
+          <a:p>
+            <a:pPr marL="342900" indent="-342900">
+              <a:buFont typeface="Arial" panose="020B0604020202020204" pitchFamily="34" charset="0"/>
+              <a:buChar char="•"/>
+            </a:pPr>
+            <a:endParaRPr lang="en-US" dirty="0"/>
+          </a:p>
+          <a:p>
+            <a:pPr marL="342900" indent="-342900">
+              <a:buFont typeface="Arial" panose="020B0604020202020204" pitchFamily="34" charset="0"/>
+              <a:buChar char="•"/>
+            </a:pPr>
+            <a:r>
+              <a:rPr lang="en-US" dirty="0"/>
+              <a:t>How?</a:t>
+            </a:r>
+          </a:p>
+          <a:p>
+            <a:pPr marL="342900" indent="-342900">
+              <a:buFont typeface="Arial" panose="020B0604020202020204" pitchFamily="34" charset="0"/>
+              <a:buChar char="•"/>
+            </a:pPr>
+            <a:r>
+              <a:rPr lang="en-US" dirty="0"/>
+              <a:t>&gt;&gt; Learn in every opportunity</a:t>
+            </a:r>
+          </a:p>
+          <a:p>
+            <a:pPr marL="342900" indent="-342900">
+              <a:buFont typeface="Arial" panose="020B0604020202020204" pitchFamily="34" charset="0"/>
+              <a:buChar char="•"/>
+            </a:pPr>
+            <a:r>
+              <a:rPr lang="en-US" dirty="0"/>
+              <a:t>&gt;&gt; Have a goals and work toward them.</a:t>
+            </a:r>
+          </a:p>
+          <a:p>
+            <a:pPr marL="342900" indent="-342900">
+              <a:buFont typeface="Arial" panose="020B0604020202020204" pitchFamily="34" charset="0"/>
+              <a:buChar char="•"/>
+            </a:pPr>
+            <a:endParaRPr lang="en-US" dirty="0"/>
+          </a:p>
+          <a:p>
+            <a:pPr marL="342900" indent="-342900">
+              <a:buFont typeface="Arial" panose="020B0604020202020204" pitchFamily="34" charset="0"/>
+              <a:buChar char="•"/>
+            </a:pPr>
+            <a:r>
+              <a:rPr lang="en-US" dirty="0"/>
+              <a:t>How have you grown </a:t>
+            </a:r>
+            <a:r>
+              <a:rPr lang="en-US" u="sng" dirty="0"/>
+              <a:t>meaningfully</a:t>
+            </a:r>
+            <a:r>
+              <a:rPr lang="en-US" dirty="0"/>
+              <a:t> in the last month?</a:t>
+            </a:r>
+          </a:p>
+          <a:p>
+            <a:pPr marL="342900" indent="-342900">
+              <a:buFont typeface="Arial" panose="020B0604020202020204" pitchFamily="34" charset="0"/>
+              <a:buChar char="•"/>
+            </a:pPr>
+            <a:r>
+              <a:rPr lang="en-US" dirty="0"/>
+              <a:t>&gt;&gt;Abhor stagnation – crave healthy change.  You can be stagnating, even when you’re working hard.  </a:t>
+            </a:r>
+          </a:p>
+          <a:p>
+            <a:pPr marL="342900" indent="-342900">
+              <a:buFont typeface="Arial" panose="020B0604020202020204" pitchFamily="34" charset="0"/>
+              <a:buChar char="•"/>
+            </a:pPr>
+            <a:r>
+              <a:rPr lang="en-US" dirty="0"/>
+              <a:t>&gt;&gt;Change is an opportunity to learn and grow</a:t>
+            </a:r>
+          </a:p>
+          <a:p>
+            <a:pPr marL="342900" indent="-342900">
+              <a:buFont typeface="Arial" panose="020B0604020202020204" pitchFamily="34" charset="0"/>
+              <a:buChar char="•"/>
+            </a:pPr>
+            <a:r>
+              <a:rPr lang="en-US" dirty="0"/>
+              <a:t>Professional Journal (including feelings)</a:t>
+            </a:r>
+          </a:p>
+          <a:p>
+            <a:pPr marL="342900" indent="-342900">
+              <a:buFont typeface="Arial" panose="020B0604020202020204" pitchFamily="34" charset="0"/>
+              <a:buChar char="•"/>
+            </a:pPr>
+            <a:r>
+              <a:rPr lang="en-US" dirty="0"/>
+              <a:t>Goal journal</a:t>
+            </a:r>
+          </a:p>
+          <a:p>
+            <a:pPr marL="342900" indent="-342900">
+              <a:buFont typeface="Arial" panose="020B0604020202020204" pitchFamily="34" charset="0"/>
+              <a:buChar char="•"/>
+            </a:pPr>
+            <a:r>
+              <a:rPr lang="en-US" dirty="0"/>
+              <a:t>Share with manager openly</a:t>
+            </a:r>
+          </a:p>
+          <a:p>
+            <a:pPr marL="342900" indent="-342900">
+              <a:buFont typeface="Arial" panose="020B0604020202020204" pitchFamily="34" charset="0"/>
+              <a:buChar char="•"/>
+            </a:pPr>
+            <a:endParaRPr lang="en-US" dirty="0"/>
+          </a:p>
+          <a:p>
+            <a:pPr marL="342900" indent="-342900">
+              <a:buFont typeface="Arial" panose="020B0604020202020204" pitchFamily="34" charset="0"/>
+              <a:buChar char="•"/>
+            </a:pPr>
+            <a:endParaRPr lang="en-US" dirty="0"/>
+          </a:p>
+        </p:txBody>
+      </p:sp>
+      <p:sp>
+        <p:nvSpPr>
+          <p:cNvPr id="4" name="Title 3"/>
           <p:cNvSpPr>
             <a:spLocks noGrp="1"/>
           </p:cNvSpPr>
@@ -3997,7 +4041,7 @@
           <a:p>
             <a:r>
               <a:rPr lang="en-US" dirty="0"/>
-              <a:t>Building a professional network</a:t>
+              <a:t>I learn</a:t>
             </a:r>
           </a:p>
         </p:txBody>
@@ -4005,7 +4049,7 @@
     </p:spTree>
     <p:extLst>
       <p:ext uri="{BB962C8B-B14F-4D97-AF65-F5344CB8AC3E}">
-        <p14:creationId xmlns:p14="http://schemas.microsoft.com/office/powerpoint/2010/main" val="1677484805"/>
+        <p14:creationId xmlns:p14="http://schemas.microsoft.com/office/powerpoint/2010/main" val="3405633137"/>
       </p:ext>
     </p:extLst>
   </p:cSld>
@@ -4047,91 +4091,28 @@
           <a:bodyPr/>
           <a:lstStyle/>
           <a:p>
-            <a:pPr marL="342900" indent="-342900">
-              <a:buFont typeface="Arial" panose="020B0604020202020204" pitchFamily="34" charset="0"/>
-              <a:buChar char="•"/>
-            </a:pPr>
-            <a:r>
-              <a:rPr lang="en-US" dirty="0"/>
-              <a:t>Imagine if the people we spend the most time with every day shared their perspective and advice about how we each could improve?  And imagine if they did this in small, low stress, frequent chunks that helps us course-correct or get stronger continuously.  We could grow faster, and we could make more of a difference in the lives of people around us.</a:t>
-            </a:r>
-          </a:p>
-          <a:p>
-            <a:pPr marL="342900" indent="-342900">
-              <a:buFont typeface="Arial" panose="020B0604020202020204" pitchFamily="34" charset="0"/>
-              <a:buChar char="•"/>
-            </a:pPr>
-            <a:r>
-              <a:rPr lang="en-US" dirty="0"/>
-              <a:t>Scary right?</a:t>
-            </a:r>
-          </a:p>
-          <a:p>
-            <a:pPr marL="342900" indent="-342900">
-              <a:buFont typeface="Arial" panose="020B0604020202020204" pitchFamily="34" charset="0"/>
-              <a:buChar char="•"/>
-            </a:pPr>
-            <a:r>
-              <a:rPr lang="en-US" dirty="0"/>
-              <a:t>Steps to get there:</a:t>
-            </a:r>
-          </a:p>
-          <a:p>
-            <a:pPr marL="342900" indent="-342900">
-              <a:buFont typeface="Arial" panose="020B0604020202020204" pitchFamily="34" charset="0"/>
-              <a:buChar char="•"/>
-            </a:pPr>
-            <a:r>
-              <a:rPr lang="en-US" dirty="0"/>
-              <a:t>&gt;&gt; Share positive feedback, every day, in small but honest ways.  (Some authors talk about needing to build trust by sharing the positive at as much as a 9:1 ratio.)</a:t>
-            </a:r>
-          </a:p>
-          <a:p>
-            <a:pPr marL="342900" indent="-342900">
-              <a:buFont typeface="Arial" panose="020B0604020202020204" pitchFamily="34" charset="0"/>
-              <a:buChar char="•"/>
-            </a:pPr>
-            <a:r>
-              <a:rPr lang="en-US" dirty="0"/>
-              <a:t>&gt;&gt; Do so especially when someone has done something new for them that is a growth step: “It was really cool that you spoke up back there – I think that helped get us on track…”</a:t>
-            </a:r>
-          </a:p>
-          <a:p>
-            <a:pPr marL="342900" indent="-342900">
-              <a:buFont typeface="Arial" panose="020B0604020202020204" pitchFamily="34" charset="0"/>
-              <a:buChar char="•"/>
-            </a:pPr>
-            <a:r>
-              <a:rPr lang="en-US" dirty="0"/>
-              <a:t>&gt;&gt; Make it easy for people to share feedback with you – and try not to just fish for the good – make it easy for people to share ideas about how you can get stronger.</a:t>
-            </a:r>
-          </a:p>
-          <a:p>
-            <a:pPr marL="342900" indent="-342900">
-              <a:buFont typeface="Arial" panose="020B0604020202020204" pitchFamily="34" charset="0"/>
-              <a:buChar char="•"/>
-            </a:pPr>
-            <a:r>
-              <a:rPr lang="en-US" dirty="0"/>
-              <a:t>Receiving feedback: Be interested.  Be engaged.  Don’t argue.  (Asking for clarification or example is ok.)  Say thank you, and mean it.</a:t>
-            </a:r>
-          </a:p>
-          <a:p>
-            <a:pPr marL="342900" indent="-342900">
-              <a:buFont typeface="Arial" panose="020B0604020202020204" pitchFamily="34" charset="0"/>
-              <a:buChar char="•"/>
-            </a:pPr>
-            <a:r>
-              <a:rPr lang="en-US" dirty="0"/>
-              <a:t>Tell people that you got good feedback and that it helped you (if it was, and if it did.)  That reinforces the idea that this is valued behavior, and it’s a form of real-time public feedback for the person who took time to help you out.</a:t>
-            </a:r>
-          </a:p>
-          <a:p>
-            <a:pPr marL="342900" indent="-342900">
-              <a:buFont typeface="Arial" panose="020B0604020202020204" pitchFamily="34" charset="0"/>
-              <a:buChar char="•"/>
-            </a:pPr>
-            <a:endParaRPr lang="en-US" dirty="0"/>
+            <a:r>
+              <a:rPr lang="en-US" dirty="0"/>
+              <a:t>Pomodoro</a:t>
+            </a:r>
+          </a:p>
+          <a:p>
+            <a:r>
+              <a:rPr lang="en-US" dirty="0"/>
+              <a:t>Dedicated time (Sync’d dedicated time across team or even company)</a:t>
+            </a:r>
+          </a:p>
+          <a:p>
+            <a:r>
+              <a:rPr lang="en-US" dirty="0"/>
+              <a:t>Top 5 (or Top 1)</a:t>
+            </a:r>
+          </a:p>
+          <a:p>
+            <a:r>
+              <a:rPr lang="en-US" dirty="0"/>
+              <a:t>Look at calendar first</a:t>
+            </a:r>
           </a:p>
         </p:txBody>
       </p:sp>
@@ -4152,7 +4133,7 @@
           <a:p>
             <a:r>
               <a:rPr lang="en-US" dirty="0"/>
-              <a:t>Mutual Coaching</a:t>
+              <a:t>Focus and working on the most important thing</a:t>
             </a:r>
           </a:p>
         </p:txBody>
@@ -4160,7 +4141,7 @@
     </p:spTree>
     <p:extLst>
       <p:ext uri="{BB962C8B-B14F-4D97-AF65-F5344CB8AC3E}">
-        <p14:creationId xmlns:p14="http://schemas.microsoft.com/office/powerpoint/2010/main" val="2528233129"/>
+        <p14:creationId xmlns:p14="http://schemas.microsoft.com/office/powerpoint/2010/main" val="2604704215"/>
       </p:ext>
     </p:extLst>
   </p:cSld>
@@ -4202,59 +4183,168 @@
           <a:bodyPr/>
           <a:lstStyle/>
           <a:p>
-            <a:pPr marL="342900" indent="-342900">
-              <a:buFont typeface="Arial" panose="020B0604020202020204" pitchFamily="34" charset="0"/>
-              <a:buChar char="•"/>
-            </a:pPr>
-            <a:r>
-              <a:rPr lang="en-US" dirty="0"/>
-              <a:t>I want to work at a place where we, as a group, help to make things better</a:t>
-            </a:r>
-          </a:p>
-          <a:p>
-            <a:pPr marL="342900" indent="-342900">
-              <a:buFont typeface="Arial" panose="020B0604020202020204" pitchFamily="34" charset="0"/>
-              <a:buChar char="•"/>
-            </a:pPr>
-            <a:r>
-              <a:rPr lang="en-US" dirty="0"/>
-              <a:t>Pick a thing that should be better.  Helps if it’s something that bothers you – something you have a personal stake in.  Ask what would be necessary to tackle it.  Just say you’ll make a plan – if you find yourself interested, you’ll be more likely to make good progress</a:t>
-            </a:r>
-          </a:p>
-          <a:p>
-            <a:pPr marL="342900" indent="-342900">
-              <a:buFont typeface="Arial" panose="020B0604020202020204" pitchFamily="34" charset="0"/>
-              <a:buChar char="•"/>
-            </a:pPr>
-            <a:r>
-              <a:rPr lang="en-US" dirty="0"/>
-              <a:t>Think about what that would look like</a:t>
-            </a:r>
-          </a:p>
-          <a:p>
-            <a:pPr marL="342900" indent="-342900">
-              <a:buFont typeface="Arial" panose="020B0604020202020204" pitchFamily="34" charset="0"/>
-              <a:buChar char="•"/>
-            </a:pPr>
-            <a:r>
-              <a:rPr lang="en-US" dirty="0"/>
-              <a:t>Take steps</a:t>
-            </a:r>
-          </a:p>
-          <a:p>
-            <a:pPr marL="342900" indent="-342900">
-              <a:buFont typeface="Arial" panose="020B0604020202020204" pitchFamily="34" charset="0"/>
-              <a:buChar char="•"/>
-            </a:pPr>
-            <a:r>
-              <a:rPr lang="en-US" dirty="0"/>
-              <a:t>Start small (small problems, small slices)</a:t>
-            </a:r>
-          </a:p>
-          <a:p>
-            <a:pPr marL="342900" indent="-342900">
-              <a:buFont typeface="Arial" panose="020B0604020202020204" pitchFamily="34" charset="0"/>
-              <a:buChar char="•"/>
+            <a:r>
+              <a:rPr lang="en-US" dirty="0"/>
+              <a:t>An introvert’s perspective – Andrew’s advice – questions are your best friend</a:t>
+            </a:r>
+          </a:p>
+          <a:p>
+            <a:r>
+              <a:rPr lang="en-US" dirty="0"/>
+              <a:t>Why this is particularly important at D2L</a:t>
+            </a:r>
+          </a:p>
+          <a:p>
+            <a:r>
+              <a:rPr lang="en-US" dirty="0"/>
+              <a:t>Connect back to learning and growing</a:t>
+            </a:r>
+          </a:p>
+          <a:p>
+            <a:pPr marL="342900" indent="-342900">
+              <a:buFontTx/>
+              <a:buChar char="-"/>
+            </a:pPr>
+            <a:r>
+              <a:rPr lang="en-US" dirty="0"/>
+              <a:t>Walkabout</a:t>
+            </a:r>
+          </a:p>
+          <a:p>
+            <a:pPr marL="342900" indent="-342900">
+              <a:buFontTx/>
+              <a:buChar char="-"/>
+            </a:pPr>
+            <a:r>
+              <a:rPr lang="en-US" dirty="0"/>
+              <a:t>Sit in a public spot</a:t>
+            </a:r>
+          </a:p>
+          <a:p>
+            <a:pPr marL="342900" indent="-342900">
+              <a:buFontTx/>
+              <a:buChar char="-"/>
+            </a:pPr>
+            <a:r>
+              <a:rPr lang="en-US" dirty="0"/>
+              <a:t>Chat at the coffee machine – one person per week you wouldn’t otherwise.</a:t>
+            </a:r>
+          </a:p>
+          <a:p>
+            <a:pPr marL="342900" indent="-342900">
+              <a:buFontTx/>
+              <a:buChar char="-"/>
+            </a:pPr>
+            <a:r>
+              <a:rPr lang="en-US" dirty="0"/>
+              <a:t>Ask people for their advice – we sometimes talk about having a mentor, but Craig helped me appreciate the value of a network of informal mentors – people you can talk over problems in particular areas </a:t>
+            </a:r>
+          </a:p>
+          <a:p>
+            <a:pPr marL="342900" indent="-342900">
+              <a:buFontTx/>
+              <a:buChar char="-"/>
+            </a:pPr>
+            <a:r>
+              <a:rPr lang="en-US" dirty="0"/>
+              <a:t>Meet up with people to compare what you’ve learned</a:t>
+            </a:r>
+          </a:p>
+          <a:p>
+            <a:pPr marL="342900" indent="-342900">
+              <a:buFontTx/>
+              <a:buChar char="-"/>
+            </a:pPr>
+            <a:r>
+              <a:rPr lang="en-US" dirty="0"/>
+              <a:t>Sarah-Beth example</a:t>
+            </a:r>
+          </a:p>
+          <a:p>
+            <a:pPr marL="342900" indent="-342900">
+              <a:buFontTx/>
+              <a:buChar char="-"/>
+            </a:pPr>
+            <a:r>
+              <a:rPr lang="en-US" dirty="0"/>
+              <a:t>Be generous, particularly when it comes to sharing knowledge</a:t>
+            </a:r>
+          </a:p>
+          <a:p>
+            <a:pPr marL="342900" indent="-342900">
+              <a:buFontTx/>
+              <a:buChar char="-"/>
+            </a:pPr>
+            <a:r>
+              <a:rPr lang="en-US" dirty="0"/>
+              <a:t>3</a:t>
+            </a:r>
+            <a:r>
+              <a:rPr lang="en-US" baseline="30000" dirty="0"/>
+              <a:t>rd</a:t>
+            </a:r>
+            <a:r>
+              <a:rPr lang="en-US" dirty="0"/>
+              <a:t> level tribe – we’re awesome, but they’re not.</a:t>
+            </a:r>
+          </a:p>
+          <a:p>
+            <a:pPr marL="342900" indent="-342900">
+              <a:buFontTx/>
+              <a:buChar char="-"/>
+            </a:pPr>
+            <a:r>
+              <a:rPr lang="en-US" dirty="0"/>
+              <a:t>4</a:t>
+            </a:r>
+            <a:r>
+              <a:rPr lang="en-US" baseline="30000" dirty="0"/>
+              <a:t>th</a:t>
+            </a:r>
+            <a:r>
+              <a:rPr lang="en-US" dirty="0"/>
+              <a:t> level tribe – we’re all awesome</a:t>
+            </a:r>
+          </a:p>
+          <a:p>
+            <a:pPr marL="342900" indent="-342900">
+              <a:buFontTx/>
+              <a:buChar char="-"/>
+            </a:pPr>
+            <a:r>
+              <a:rPr lang="en-US" dirty="0"/>
+              <a:t>5</a:t>
+            </a:r>
+            <a:r>
+              <a:rPr lang="en-US" baseline="30000" dirty="0"/>
+              <a:t>th</a:t>
+            </a:r>
+            <a:r>
+              <a:rPr lang="en-US" dirty="0"/>
+              <a:t> level tribe – hey my two friends who don’t know each other, you’d probably be awesome together – why not connect?</a:t>
+            </a:r>
+          </a:p>
+          <a:p>
+            <a:pPr marL="342900" indent="-342900">
+              <a:buFontTx/>
+              <a:buChar char="-"/>
+            </a:pPr>
+            <a:r>
+              <a:rPr lang="en-US" dirty="0"/>
+              <a:t>[cite tribal leadership]</a:t>
+            </a:r>
+          </a:p>
+          <a:p>
+            <a:pPr marL="342900" indent="-342900">
+              <a:buFontTx/>
+              <a:buChar char="-"/>
+            </a:pPr>
+            <a:endParaRPr lang="en-US" dirty="0"/>
+          </a:p>
+          <a:p>
+            <a:pPr marL="342900" indent="-342900">
+              <a:buFontTx/>
+              <a:buChar char="-"/>
             </a:pPr>
             <a:endParaRPr lang="en-US" dirty="0"/>
           </a:p>
@@ -4277,7 +4367,7 @@
           <a:p>
             <a:r>
               <a:rPr lang="en-US" dirty="0"/>
-              <a:t>LAST TOPIC: Be the change (Jason: Pick better title)</a:t>
+              <a:t>Building a professional network</a:t>
             </a:r>
           </a:p>
         </p:txBody>
@@ -4285,7 +4375,7 @@
     </p:spTree>
     <p:extLst>
       <p:ext uri="{BB962C8B-B14F-4D97-AF65-F5344CB8AC3E}">
-        <p14:creationId xmlns:p14="http://schemas.microsoft.com/office/powerpoint/2010/main" val="1213391016"/>
+        <p14:creationId xmlns:p14="http://schemas.microsoft.com/office/powerpoint/2010/main" val="1677484805"/>
       </p:ext>
     </p:extLst>
   </p:cSld>
@@ -4322,25 +4412,95 @@
             <p:ph type="body" sz="quarter" idx="10"/>
           </p:nvPr>
         </p:nvSpPr>
-        <p:spPr>
-          <a:xfrm>
-            <a:off x="351526" y="2017718"/>
-            <a:ext cx="11301371" cy="4264025"/>
-          </a:xfrm>
-        </p:spPr>
-        <p:txBody>
-          <a:bodyPr/>
-          <a:lstStyle/>
-          <a:p>
-            <a:r>
-              <a:rPr lang="en-US" dirty="0"/>
-              <a:t>Values, Beliefs, Principles (maybe just principles)</a:t>
-            </a:r>
-          </a:p>
-          <a:p>
-            <a:endParaRPr lang="en-US" dirty="0"/>
-          </a:p>
-          <a:p>
+        <p:spPr/>
+        <p:txBody>
+          <a:bodyPr/>
+          <a:lstStyle/>
+          <a:p>
+            <a:pPr marL="342900" indent="-342900">
+              <a:buFont typeface="Arial" panose="020B0604020202020204" pitchFamily="34" charset="0"/>
+              <a:buChar char="•"/>
+            </a:pPr>
+            <a:r>
+              <a:rPr lang="en-US" dirty="0"/>
+              <a:t>Imagine if the people we spend the most time with every day shared their perspective and advice about how we each could improve?  And imagine if they did this in small, low stress, frequent chunks that helps us course-correct or get stronger continuously.  We could grow faster, and we could make more of a difference in the lives of people around us.</a:t>
+            </a:r>
+          </a:p>
+          <a:p>
+            <a:pPr marL="342900" indent="-342900">
+              <a:buFont typeface="Arial" panose="020B0604020202020204" pitchFamily="34" charset="0"/>
+              <a:buChar char="•"/>
+            </a:pPr>
+            <a:r>
+              <a:rPr lang="en-US" dirty="0"/>
+              <a:t>Scary right?</a:t>
+            </a:r>
+          </a:p>
+          <a:p>
+            <a:pPr marL="342900" indent="-342900">
+              <a:buFont typeface="Arial" panose="020B0604020202020204" pitchFamily="34" charset="0"/>
+              <a:buChar char="•"/>
+            </a:pPr>
+            <a:r>
+              <a:rPr lang="en-US" dirty="0"/>
+              <a:t>Steps to get there:</a:t>
+            </a:r>
+          </a:p>
+          <a:p>
+            <a:pPr marL="342900" indent="-342900">
+              <a:buFont typeface="Arial" panose="020B0604020202020204" pitchFamily="34" charset="0"/>
+              <a:buChar char="•"/>
+            </a:pPr>
+            <a:r>
+              <a:rPr lang="en-US" dirty="0"/>
+              <a:t>&gt;&gt; Share positive feedback, every day, in small but honest ways.  (Some authors talk about needing to build trust by sharing the positive at as much as a 9:1 ratio.)</a:t>
+            </a:r>
+          </a:p>
+          <a:p>
+            <a:pPr marL="342900" indent="-342900">
+              <a:buFont typeface="Arial" panose="020B0604020202020204" pitchFamily="34" charset="0"/>
+              <a:buChar char="•"/>
+            </a:pPr>
+            <a:r>
+              <a:rPr lang="en-US" dirty="0"/>
+              <a:t>&gt;&gt; Do so especially when someone has done something new for them that is a growth step: “It was really cool that you spoke up back there – I think that helped get us on track…”</a:t>
+            </a:r>
+          </a:p>
+          <a:p>
+            <a:pPr marL="342900" indent="-342900">
+              <a:buFont typeface="Arial" panose="020B0604020202020204" pitchFamily="34" charset="0"/>
+              <a:buChar char="•"/>
+            </a:pPr>
+            <a:r>
+              <a:rPr lang="en-US" dirty="0"/>
+              <a:t>&gt;&gt; Make it easy for people to share feedback with you – and try not to just fish for the good – make it easy for people to share ideas about how you can get stronger.</a:t>
+            </a:r>
+          </a:p>
+          <a:p>
+            <a:pPr marL="342900" indent="-342900">
+              <a:buFont typeface="Arial" panose="020B0604020202020204" pitchFamily="34" charset="0"/>
+              <a:buChar char="•"/>
+            </a:pPr>
+            <a:r>
+              <a:rPr lang="en-US" dirty="0"/>
+              <a:t>Receiving feedback: Be interested.  Be engaged.  Don’t argue.  (Asking for clarification or example is ok.)  Say thank you, and mean it.</a:t>
+            </a:r>
+          </a:p>
+          <a:p>
+            <a:pPr marL="342900" indent="-342900">
+              <a:buFont typeface="Arial" panose="020B0604020202020204" pitchFamily="34" charset="0"/>
+              <a:buChar char="•"/>
+            </a:pPr>
+            <a:r>
+              <a:rPr lang="en-US" dirty="0"/>
+              <a:t>Tell people that you got good feedback and that it helped you (if it was, and if it did.)  That reinforces the idea that this is valued behavior, and it’s a form of real-time public feedback for the person who took time to help you out.</a:t>
+            </a:r>
+          </a:p>
+          <a:p>
+            <a:pPr marL="342900" indent="-342900">
+              <a:buFont typeface="Arial" panose="020B0604020202020204" pitchFamily="34" charset="0"/>
+              <a:buChar char="•"/>
+            </a:pPr>
             <a:endParaRPr lang="en-US" dirty="0"/>
           </a:p>
         </p:txBody>
@@ -4362,7 +4522,7 @@
           <a:p>
             <a:r>
               <a:rPr lang="en-US" dirty="0"/>
-              <a:t>Jason – Content To Add	</a:t>
+              <a:t>Mutual Coaching</a:t>
             </a:r>
           </a:p>
         </p:txBody>
@@ -4370,7 +4530,7 @@
     </p:spTree>
     <p:extLst>
       <p:ext uri="{BB962C8B-B14F-4D97-AF65-F5344CB8AC3E}">
-        <p14:creationId xmlns:p14="http://schemas.microsoft.com/office/powerpoint/2010/main" val="568191010"/>
+        <p14:creationId xmlns:p14="http://schemas.microsoft.com/office/powerpoint/2010/main" val="2528233129"/>
       </p:ext>
     </p:extLst>
   </p:cSld>
@@ -4412,30 +4572,60 @@
           <a:bodyPr/>
           <a:lstStyle/>
           <a:p>
-            <a:r>
-              <a:rPr lang="en-US" dirty="0"/>
-              <a:t>Highlight tools / techniques in memorable sound bites</a:t>
-            </a:r>
-          </a:p>
-          <a:p>
-            <a:endParaRPr lang="en-US" dirty="0"/>
-          </a:p>
-          <a:p>
-            <a:r>
-              <a:rPr lang="en-US" dirty="0"/>
-              <a:t>Identify spots for audience participation – What do you do to achieve this goal?</a:t>
-            </a:r>
-          </a:p>
-          <a:p>
-            <a:endParaRPr lang="en-US" dirty="0"/>
-          </a:p>
-          <a:p>
-            <a:r>
-              <a:rPr lang="en-US" dirty="0"/>
-              <a:t>Progress bar or some other indicator of where we are in the presentation</a:t>
-            </a:r>
-          </a:p>
-          <a:p>
+            <a:pPr marL="342900" indent="-342900">
+              <a:buFont typeface="Arial" panose="020B0604020202020204" pitchFamily="34" charset="0"/>
+              <a:buChar char="•"/>
+            </a:pPr>
+            <a:r>
+              <a:rPr lang="en-US" dirty="0"/>
+              <a:t>I want to work at a place where we, as a group, help to make things better</a:t>
+            </a:r>
+          </a:p>
+          <a:p>
+            <a:pPr marL="342900" indent="-342900">
+              <a:buFont typeface="Arial" panose="020B0604020202020204" pitchFamily="34" charset="0"/>
+              <a:buChar char="•"/>
+            </a:pPr>
+            <a:r>
+              <a:rPr lang="en-US" dirty="0"/>
+              <a:t>Pick a thing that should be better.  Helps if it’s something that bothers you – something you have a personal stake in.  Ask what would be necessary to tackle it.  Just say you’ll make a plan – if you find yourself interested, you’ll be more likely to make good progress</a:t>
+            </a:r>
+          </a:p>
+          <a:p>
+            <a:pPr marL="342900" indent="-342900">
+              <a:buFont typeface="Arial" panose="020B0604020202020204" pitchFamily="34" charset="0"/>
+              <a:buChar char="•"/>
+            </a:pPr>
+            <a:r>
+              <a:rPr lang="en-US" dirty="0"/>
+              <a:t>Think about what that would look like</a:t>
+            </a:r>
+          </a:p>
+          <a:p>
+            <a:pPr marL="342900" indent="-342900">
+              <a:buFont typeface="Arial" panose="020B0604020202020204" pitchFamily="34" charset="0"/>
+              <a:buChar char="•"/>
+            </a:pPr>
+            <a:r>
+              <a:rPr lang="en-US" dirty="0"/>
+              <a:t>Take steps</a:t>
+            </a:r>
+          </a:p>
+          <a:p>
+            <a:pPr marL="342900" indent="-342900">
+              <a:buFont typeface="Arial" panose="020B0604020202020204" pitchFamily="34" charset="0"/>
+              <a:buChar char="•"/>
+            </a:pPr>
+            <a:r>
+              <a:rPr lang="en-US" dirty="0"/>
+              <a:t>Start small (small problems, small slices)</a:t>
+            </a:r>
+          </a:p>
+          <a:p>
+            <a:pPr marL="342900" indent="-342900">
+              <a:buFont typeface="Arial" panose="020B0604020202020204" pitchFamily="34" charset="0"/>
+              <a:buChar char="•"/>
+            </a:pPr>
             <a:endParaRPr lang="en-US" dirty="0"/>
           </a:p>
         </p:txBody>
@@ -4457,15 +4647,20 @@
           <a:p>
             <a:r>
               <a:rPr lang="en-US" dirty="0"/>
-              <a:t>Jason – Presentation candy to add</a:t>
-            </a:r>
+              <a:t>LAST TOPIC: Be the change </a:t>
+            </a:r>
+            <a:r>
+              <a:rPr lang="en-US" sz="2800" dirty="0"/>
+              <a:t>(TODO: Pick less cheesy title)</a:t>
+            </a:r>
+            <a:endParaRPr lang="en-US" dirty="0"/>
           </a:p>
         </p:txBody>
       </p:sp>
     </p:spTree>
     <p:extLst>
       <p:ext uri="{BB962C8B-B14F-4D97-AF65-F5344CB8AC3E}">
-        <p14:creationId xmlns:p14="http://schemas.microsoft.com/office/powerpoint/2010/main" val="3812715019"/>
+        <p14:creationId xmlns:p14="http://schemas.microsoft.com/office/powerpoint/2010/main" val="1213391016"/>
       </p:ext>
     </p:extLst>
   </p:cSld>
@@ -4507,6 +4702,101 @@
           <a:bodyPr/>
           <a:lstStyle/>
           <a:p>
+            <a:r>
+              <a:rPr lang="en-US" dirty="0"/>
+              <a:t>Highlight tools / techniques in memorable sound bites</a:t>
+            </a:r>
+          </a:p>
+          <a:p>
+            <a:endParaRPr lang="en-US" dirty="0"/>
+          </a:p>
+          <a:p>
+            <a:r>
+              <a:rPr lang="en-US" dirty="0"/>
+              <a:t>Identify spots for audience participation – What do you do to achieve this goal?</a:t>
+            </a:r>
+          </a:p>
+          <a:p>
+            <a:endParaRPr lang="en-US" dirty="0"/>
+          </a:p>
+          <a:p>
+            <a:r>
+              <a:rPr lang="en-US" dirty="0"/>
+              <a:t>Progress bar or some other indicator of where we are in the presentation</a:t>
+            </a:r>
+          </a:p>
+          <a:p>
+            <a:endParaRPr lang="en-US" dirty="0"/>
+          </a:p>
+        </p:txBody>
+      </p:sp>
+      <p:sp>
+        <p:nvSpPr>
+          <p:cNvPr id="3" name="Title 2"/>
+          <p:cNvSpPr>
+            <a:spLocks noGrp="1"/>
+          </p:cNvSpPr>
+          <p:nvPr>
+            <p:ph type="title"/>
+          </p:nvPr>
+        </p:nvSpPr>
+        <p:spPr/>
+        <p:txBody>
+          <a:bodyPr/>
+          <a:lstStyle/>
+          <a:p>
+            <a:r>
+              <a:rPr lang="en-US" dirty="0"/>
+              <a:t>Jason – Presentation candy to add</a:t>
+            </a:r>
+          </a:p>
+        </p:txBody>
+      </p:sp>
+    </p:spTree>
+    <p:extLst>
+      <p:ext uri="{BB962C8B-B14F-4D97-AF65-F5344CB8AC3E}">
+        <p14:creationId xmlns:p14="http://schemas.microsoft.com/office/powerpoint/2010/main" val="3812715019"/>
+      </p:ext>
+    </p:extLst>
+  </p:cSld>
+  <p:clrMapOvr>
+    <a:masterClrMapping/>
+  </p:clrMapOvr>
+</p:sld>
+</file>
+
+<file path=ppt/slides/slide27.xml><?xml version="1.0" encoding="utf-8"?>
+<p:sld xmlns:a="http://schemas.openxmlformats.org/drawingml/2006/main" xmlns:r="http://schemas.openxmlformats.org/officeDocument/2006/relationships" xmlns:p="http://schemas.openxmlformats.org/presentationml/2006/main">
+  <p:cSld>
+    <p:spTree>
+      <p:nvGrpSpPr>
+        <p:cNvPr id="1" name=""/>
+        <p:cNvGrpSpPr/>
+        <p:nvPr/>
+      </p:nvGrpSpPr>
+      <p:grpSpPr>
+        <a:xfrm>
+          <a:off x="0" y="0"/>
+          <a:ext cx="0" cy="0"/>
+          <a:chOff x="0" y="0"/>
+          <a:chExt cx="0" cy="0"/>
+        </a:xfrm>
+      </p:grpSpPr>
+      <p:sp>
+        <p:nvSpPr>
+          <p:cNvPr id="2" name="Text Placeholder 1"/>
+          <p:cNvSpPr>
+            <a:spLocks noGrp="1"/>
+          </p:cNvSpPr>
+          <p:nvPr>
+            <p:ph type="body" sz="quarter" idx="10"/>
+          </p:nvPr>
+        </p:nvSpPr>
+        <p:spPr/>
+        <p:txBody>
+          <a:bodyPr/>
+          <a:lstStyle/>
+          <a:p>
             <a:pPr marL="342900" indent="-342900">
               <a:buFontTx/>
               <a:buChar char="-"/>
@@ -4544,6 +4834,16 @@
             <a:r>
               <a:rPr lang="en-US" dirty="0"/>
               <a:t>Make sure I have enough examples / side-stories</a:t>
+            </a:r>
+          </a:p>
+          <a:p>
+            <a:pPr marL="342900" indent="-342900">
+              <a:buFontTx/>
+              <a:buChar char="-"/>
+            </a:pPr>
+            <a:r>
+              <a:rPr lang="en-US" dirty="0"/>
+              <a:t>TED talks</a:t>
             </a:r>
           </a:p>
         </p:txBody>
@@ -4583,7 +4883,7 @@
 </p:sld>
 </file>
 
-<file path=ppt/slides/slide27.xml><?xml version="1.0" encoding="utf-8"?>
+<file path=ppt/slides/slide28.xml><?xml version="1.0" encoding="utf-8"?>
 <p:sld xmlns:a="http://schemas.openxmlformats.org/drawingml/2006/main" xmlns:r="http://schemas.openxmlformats.org/officeDocument/2006/relationships" xmlns:p="http://schemas.openxmlformats.org/presentationml/2006/main">
   <p:cSld>
     <p:spTree>
@@ -4788,14 +5088,14 @@
             </a:r>
           </a:p>
           <a:p>
-            <a:pPr marL="857225" lvl="1" indent="-342900"/>
+            <a:pPr marL="342900" indent="-342900"/>
             <a:r>
               <a:rPr lang="en-US" dirty="0">
                 <a:solidFill>
                   <a:schemeClr val="tx1"/>
                 </a:solidFill>
               </a:rPr>
-              <a:t>Form a habit – be still doing that thing a year from now</a:t>
+              <a:t>&gt;&gt;Form a habit – be still doing that thing a year from now</a:t>
             </a:r>
           </a:p>
         </p:txBody>
@@ -4878,6 +5178,15 @@
           <a:p>
             <a:r>
               <a:rPr lang="en-US" dirty="0"/>
+              <a:t>It’s not rocket science – everything here is simple in concept – we just don’t always think of it.</a:t>
+            </a:r>
+          </a:p>
+          <a:p>
+            <a:endParaRPr lang="en-US" dirty="0"/>
+          </a:p>
+          <a:p>
+            <a:r>
+              <a:rPr lang="en-US" dirty="0"/>
               <a:t>Part of why I’m speaking today is selfishly calculated to advance my own growth and learning.</a:t>
             </a:r>
           </a:p>
@@ -5011,12 +5320,22 @@
           <a:bodyPr/>
           <a:lstStyle/>
           <a:p>
-            <a:pPr marL="342900" indent="-342900">
-              <a:buFont typeface="Arial" panose="020B0604020202020204" pitchFamily="34" charset="0"/>
-              <a:buChar char="•"/>
-            </a:pPr>
-            <a:r>
-              <a:rPr lang="en-US" dirty="0"/>
+            <a:r>
+              <a:rPr lang="en-US" b="1" dirty="0">
+                <a:solidFill>
+                  <a:srgbClr val="FF0000"/>
+                </a:solidFill>
+              </a:rPr>
+              <a:t>Copy to beginning of individual section too?</a:t>
+            </a:r>
+          </a:p>
+          <a:p>
+            <a:pPr marL="342900" indent="-342900">
+              <a:buFont typeface="Arial" panose="020B0604020202020204" pitchFamily="34" charset="0"/>
+              <a:buChar char="•"/>
+            </a:pPr>
+            <a:r>
+              <a:rPr lang="en-US" b="1" dirty="0"/>
               <a:t>Teams</a:t>
             </a:r>
           </a:p>
@@ -5027,6 +5346,36 @@
             </a:pPr>
             <a:r>
               <a:rPr lang="en-US" dirty="0"/>
+              <a:t>&gt;&gt;Discovery</a:t>
+            </a:r>
+          </a:p>
+          <a:p>
+            <a:pPr marL="342900" indent="-342900">
+              <a:buFont typeface="Arial" panose="020B0604020202020204" pitchFamily="34" charset="0"/>
+              <a:buChar char="•"/>
+            </a:pPr>
+            <a:r>
+              <a:rPr lang="en-US" dirty="0"/>
+              <a:t>&gt;&gt;Build</a:t>
+            </a:r>
+          </a:p>
+          <a:p>
+            <a:pPr marL="342900" indent="-342900">
+              <a:buFont typeface="Arial" panose="020B0604020202020204" pitchFamily="34" charset="0"/>
+              <a:buChar char="•"/>
+            </a:pPr>
+            <a:r>
+              <a:rPr lang="en-US" dirty="0"/>
+              <a:t>&gt;&gt;Wrap Up</a:t>
+            </a:r>
+          </a:p>
+          <a:p>
+            <a:pPr marL="342900" indent="-342900">
+              <a:buFont typeface="Arial" panose="020B0604020202020204" pitchFamily="34" charset="0"/>
+              <a:buChar char="•"/>
+            </a:pPr>
+            <a:r>
+              <a:rPr lang="en-US" b="1" dirty="0"/>
               <a:t>Individuals</a:t>
             </a:r>
           </a:p>
@@ -5037,15 +5386,48 @@
             </a:pPr>
             <a:r>
               <a:rPr lang="en-US" dirty="0"/>
-              <a:t>*****POPULATE THIS ONCE I’VE MADE OTHER SLIDES***</a:t>
-            </a:r>
-          </a:p>
-          <a:p>
-            <a:pPr marL="342900" indent="-342900">
-              <a:buFont typeface="Arial" panose="020B0604020202020204" pitchFamily="34" charset="0"/>
-              <a:buChar char="•"/>
-            </a:pPr>
-            <a:endParaRPr lang="en-US" dirty="0"/>
+              <a:t>&gt;&gt;Tools for focus</a:t>
+            </a:r>
+          </a:p>
+          <a:p>
+            <a:pPr marL="342900" indent="-342900">
+              <a:buFont typeface="Arial" panose="020B0604020202020204" pitchFamily="34" charset="0"/>
+              <a:buChar char="•"/>
+            </a:pPr>
+            <a:r>
+              <a:rPr lang="en-US" dirty="0"/>
+              <a:t>&gt;&gt;Professional Networks</a:t>
+            </a:r>
+          </a:p>
+          <a:p>
+            <a:pPr marL="342900" indent="-342900">
+              <a:buFont typeface="Arial" panose="020B0604020202020204" pitchFamily="34" charset="0"/>
+              <a:buChar char="•"/>
+            </a:pPr>
+            <a:r>
+              <a:rPr lang="en-US" dirty="0"/>
+              <a:t>&gt;&gt;Mutual coaching</a:t>
+            </a:r>
+          </a:p>
+          <a:p>
+            <a:pPr marL="342900" indent="-342900">
+              <a:buFont typeface="Arial" panose="020B0604020202020204" pitchFamily="34" charset="0"/>
+              <a:buChar char="•"/>
+            </a:pPr>
+            <a:r>
+              <a:rPr lang="en-US" dirty="0"/>
+              <a:t>&gt;&gt;Do something about it</a:t>
+            </a:r>
+          </a:p>
+          <a:p>
+            <a:pPr marL="342900" indent="-342900">
+              <a:buFont typeface="Arial" panose="020B0604020202020204" pitchFamily="34" charset="0"/>
+              <a:buChar char="•"/>
+            </a:pPr>
+            <a:r>
+              <a:rPr lang="en-US" dirty="0"/>
+              <a:t>&gt;&gt;Why?</a:t>
+            </a:r>
           </a:p>
           <a:p>
             <a:endParaRPr lang="en-US" dirty="0"/>
@@ -5180,10 +5562,88 @@
           <a:bodyPr/>
           <a:lstStyle/>
           <a:p>
-            <a:r>
-              <a:rPr lang="en-US" dirty="0"/>
-              <a:t>A group of smart, caring humans who come together to solve a problem while growing as individuals.</a:t>
-            </a:r>
+            <a:pPr marL="342900" indent="-342900">
+              <a:buFont typeface="Arial" panose="020B0604020202020204" pitchFamily="34" charset="0"/>
+              <a:buChar char="•"/>
+            </a:pPr>
+            <a:r>
+              <a:rPr lang="en-US" dirty="0"/>
+              <a:t>WHY does it matter?</a:t>
+            </a:r>
+          </a:p>
+          <a:p>
+            <a:pPr marL="342900" indent="-342900">
+              <a:buFont typeface="Arial" panose="020B0604020202020204" pitchFamily="34" charset="0"/>
+              <a:buChar char="•"/>
+            </a:pPr>
+            <a:r>
+              <a:rPr lang="en-US" dirty="0"/>
+              <a:t>&gt;&gt;To the world</a:t>
+            </a:r>
+          </a:p>
+          <a:p>
+            <a:pPr marL="342900" indent="-342900">
+              <a:buFont typeface="Arial" panose="020B0604020202020204" pitchFamily="34" charset="0"/>
+              <a:buChar char="•"/>
+            </a:pPr>
+            <a:r>
+              <a:rPr lang="en-US" dirty="0"/>
+              <a:t>&gt;&gt;To the customers</a:t>
+            </a:r>
+          </a:p>
+          <a:p>
+            <a:pPr marL="342900" indent="-342900">
+              <a:buFont typeface="Arial" panose="020B0604020202020204" pitchFamily="34" charset="0"/>
+              <a:buChar char="•"/>
+            </a:pPr>
+            <a:r>
+              <a:rPr lang="en-US" dirty="0"/>
+              <a:t>&gt;&gt;To the company</a:t>
+            </a:r>
+          </a:p>
+          <a:p>
+            <a:pPr marL="342900" indent="-342900">
+              <a:buFont typeface="Arial" panose="020B0604020202020204" pitchFamily="34" charset="0"/>
+              <a:buChar char="•"/>
+            </a:pPr>
+            <a:r>
+              <a:rPr lang="en-US" dirty="0"/>
+              <a:t>&gt;&gt;</a:t>
+            </a:r>
+            <a:r>
+              <a:rPr lang="en-US" b="1" dirty="0"/>
+              <a:t>To you</a:t>
+            </a:r>
+          </a:p>
+          <a:p>
+            <a:endParaRPr lang="en-US" dirty="0"/>
+          </a:p>
+          <a:p>
+            <a:pPr marL="342900" indent="-342900">
+              <a:buFont typeface="Arial" panose="020B0604020202020204" pitchFamily="34" charset="0"/>
+              <a:buChar char="•"/>
+            </a:pPr>
+            <a:r>
+              <a:rPr lang="en-US" dirty="0"/>
+              <a:t>You’ll make better decisions about WHAT to do …</a:t>
+            </a:r>
+          </a:p>
+          <a:p>
+            <a:pPr marL="342900" indent="-342900">
+              <a:buFont typeface="Arial" panose="020B0604020202020204" pitchFamily="34" charset="0"/>
+              <a:buChar char="•"/>
+            </a:pPr>
+            <a:r>
+              <a:rPr lang="en-US" dirty="0"/>
+              <a:t>and HOW to do it.</a:t>
+            </a:r>
+          </a:p>
+          <a:p>
+            <a:pPr marL="342900" indent="-342900">
+              <a:buFont typeface="Arial" panose="020B0604020202020204" pitchFamily="34" charset="0"/>
+              <a:buChar char="•"/>
+            </a:pPr>
+            <a:endParaRPr lang="en-US" dirty="0"/>
           </a:p>
         </p:txBody>
       </p:sp>
@@ -5204,7 +5664,7 @@
           <a:p>
             <a:r>
               <a:rPr lang="en-US" dirty="0"/>
-              <a:t>What is a team?</a:t>
+              <a:t>Why are you doing it?</a:t>
             </a:r>
           </a:p>
         </p:txBody>
@@ -5212,7 +5672,7 @@
     </p:spTree>
     <p:extLst>
       <p:ext uri="{BB962C8B-B14F-4D97-AF65-F5344CB8AC3E}">
-        <p14:creationId xmlns:p14="http://schemas.microsoft.com/office/powerpoint/2010/main" val="2429993329"/>
+        <p14:creationId xmlns:p14="http://schemas.microsoft.com/office/powerpoint/2010/main" val="3794098430"/>
       </p:ext>
     </p:extLst>
   </p:cSld>
@@ -5254,88 +5714,126 @@
           <a:bodyPr/>
           <a:lstStyle/>
           <a:p>
-            <a:pPr marL="342900" indent="-342900">
-              <a:buFont typeface="Arial" panose="020B0604020202020204" pitchFamily="34" charset="0"/>
-              <a:buChar char="•"/>
-            </a:pPr>
-            <a:r>
-              <a:rPr lang="en-US" dirty="0"/>
-              <a:t>WHY does it matter?</a:t>
-            </a:r>
-          </a:p>
-          <a:p>
-            <a:pPr marL="342900" indent="-342900">
-              <a:buFont typeface="Arial" panose="020B0604020202020204" pitchFamily="34" charset="0"/>
-              <a:buChar char="•"/>
-            </a:pPr>
-            <a:r>
-              <a:rPr lang="en-US" dirty="0"/>
-              <a:t>&gt;&gt;To the world</a:t>
-            </a:r>
-          </a:p>
-          <a:p>
-            <a:pPr marL="342900" indent="-342900">
-              <a:buFont typeface="Arial" panose="020B0604020202020204" pitchFamily="34" charset="0"/>
-              <a:buChar char="•"/>
-            </a:pPr>
-            <a:r>
-              <a:rPr lang="en-US" dirty="0"/>
-              <a:t>&gt;&gt;To the customers</a:t>
-            </a:r>
-          </a:p>
-          <a:p>
-            <a:pPr marL="342900" indent="-342900">
-              <a:buFont typeface="Arial" panose="020B0604020202020204" pitchFamily="34" charset="0"/>
-              <a:buChar char="•"/>
-            </a:pPr>
-            <a:r>
-              <a:rPr lang="en-US" dirty="0"/>
-              <a:t>&gt;&gt;To the company</a:t>
-            </a:r>
-          </a:p>
-          <a:p>
-            <a:pPr marL="342900" indent="-342900">
-              <a:buFont typeface="Arial" panose="020B0604020202020204" pitchFamily="34" charset="0"/>
-              <a:buChar char="•"/>
-            </a:pPr>
-            <a:r>
-              <a:rPr lang="en-US" dirty="0"/>
-              <a:t>&gt;&gt;</a:t>
-            </a:r>
-            <a:r>
-              <a:rPr lang="en-US" b="1" dirty="0"/>
-              <a:t>To you</a:t>
-            </a:r>
-          </a:p>
-          <a:p>
-            <a:endParaRPr lang="en-US" dirty="0"/>
-          </a:p>
-          <a:p>
-            <a:pPr marL="342900" indent="-342900">
-              <a:buFont typeface="Arial" panose="020B0604020202020204" pitchFamily="34" charset="0"/>
-              <a:buChar char="•"/>
-            </a:pPr>
-            <a:r>
-              <a:rPr lang="en-US" dirty="0"/>
-              <a:t>You’ll make better decisions about WHAT to do …</a:t>
-            </a:r>
-          </a:p>
-          <a:p>
-            <a:pPr marL="342900" indent="-342900">
-              <a:buFont typeface="Arial" panose="020B0604020202020204" pitchFamily="34" charset="0"/>
-              <a:buChar char="•"/>
-            </a:pPr>
-            <a:r>
-              <a:rPr lang="en-US" dirty="0"/>
-              <a:t>and HOW to do it.</a:t>
-            </a:r>
-          </a:p>
-          <a:p>
-            <a:pPr marL="342900" indent="-342900">
-              <a:buFont typeface="Arial" panose="020B0604020202020204" pitchFamily="34" charset="0"/>
-              <a:buChar char="•"/>
-            </a:pPr>
-            <a:endParaRPr lang="en-US" dirty="0"/>
+            <a:r>
+              <a:rPr lang="en-US" dirty="0"/>
+              <a:t>Inspired by our WHY, we identify WHAT we want to accomplish.</a:t>
+            </a:r>
+          </a:p>
+          <a:p>
+            <a:endParaRPr lang="en-US" dirty="0"/>
+          </a:p>
+          <a:p>
+            <a:pPr marL="342900" indent="-342900">
+              <a:buFont typeface="Arial" panose="020B0604020202020204" pitchFamily="34" charset="0"/>
+              <a:buChar char="•"/>
+            </a:pPr>
+            <a:r>
+              <a:rPr lang="en-US" dirty="0"/>
+              <a:t>Don’t fall in love with the first goals or plan – </a:t>
+            </a:r>
+            <a:r>
+              <a:rPr lang="en-US" u="sng" dirty="0"/>
+              <a:t>persist</a:t>
+            </a:r>
+          </a:p>
+          <a:p>
+            <a:pPr marL="342900" indent="-342900">
+              <a:buFont typeface="Arial" panose="020B0604020202020204" pitchFamily="34" charset="0"/>
+              <a:buChar char="•"/>
+            </a:pPr>
+            <a:r>
+              <a:rPr lang="en-US" dirty="0"/>
+              <a:t>&gt;&gt;Value changes that improve the plan</a:t>
+            </a:r>
+          </a:p>
+          <a:p>
+            <a:pPr marL="342900" indent="-342900">
+              <a:buFont typeface="Arial" panose="020B0604020202020204" pitchFamily="34" charset="0"/>
+              <a:buChar char="•"/>
+            </a:pPr>
+            <a:r>
+              <a:rPr lang="en-US" dirty="0"/>
+              <a:t>What are the rules or assumptions you can break?  (Kobayashi </a:t>
+            </a:r>
+            <a:r>
+              <a:rPr lang="en-US" dirty="0" err="1"/>
+              <a:t>Maru</a:t>
+            </a:r>
+            <a:r>
+              <a:rPr lang="en-US" dirty="0">
+                <a:sym typeface="Wingdings" panose="05000000000000000000" pitchFamily="2" charset="2"/>
+              </a:rPr>
+              <a:t>)</a:t>
+            </a:r>
+          </a:p>
+          <a:p>
+            <a:pPr marL="342900" indent="-342900">
+              <a:buFont typeface="Arial" panose="020B0604020202020204" pitchFamily="34" charset="0"/>
+              <a:buChar char="•"/>
+            </a:pPr>
+            <a:r>
+              <a:rPr lang="en-US" dirty="0">
+                <a:sym typeface="Wingdings" panose="05000000000000000000" pitchFamily="2" charset="2"/>
+              </a:rPr>
+              <a:t>What other benefits can be efficiently achieved?</a:t>
+            </a:r>
+          </a:p>
+          <a:p>
+            <a:pPr marL="342900" indent="-342900">
+              <a:buFont typeface="Arial" panose="020B0604020202020204" pitchFamily="34" charset="0"/>
+              <a:buChar char="•"/>
+            </a:pPr>
+            <a:r>
+              <a:rPr lang="en-US" dirty="0">
+                <a:sym typeface="Wingdings" panose="05000000000000000000" pitchFamily="2" charset="2"/>
+              </a:rPr>
+              <a:t>Be conscious of your own bias</a:t>
+            </a:r>
+            <a:endParaRPr lang="en-US" dirty="0"/>
+          </a:p>
+          <a:p>
+            <a:endParaRPr lang="en-US" dirty="0"/>
+          </a:p>
+          <a:p>
+            <a:pPr marL="342900" indent="-342900">
+              <a:buFont typeface="Arial" panose="020B0604020202020204" pitchFamily="34" charset="0"/>
+              <a:buChar char="•"/>
+            </a:pPr>
+            <a:r>
+              <a:rPr lang="en-US" dirty="0"/>
+              <a:t>Tool: Write the press release</a:t>
+            </a:r>
+          </a:p>
+          <a:p>
+            <a:pPr marL="342900" indent="-342900">
+              <a:buFont typeface="Arial" panose="020B0604020202020204" pitchFamily="34" charset="0"/>
+              <a:buChar char="•"/>
+            </a:pPr>
+            <a:r>
+              <a:rPr lang="en-US" dirty="0"/>
+              <a:t>Tool: Do a pre-mortem</a:t>
+            </a:r>
+          </a:p>
+          <a:p>
+            <a:pPr marL="342900" indent="-342900">
+              <a:buFont typeface="Arial" panose="020B0604020202020204" pitchFamily="34" charset="0"/>
+              <a:buChar char="•"/>
+            </a:pPr>
+            <a:endParaRPr lang="en-US" dirty="0"/>
+          </a:p>
+          <a:p>
+            <a:pPr marL="342900" indent="-342900">
+              <a:buFont typeface="Arial" panose="020B0604020202020204" pitchFamily="34" charset="0"/>
+              <a:buChar char="•"/>
+            </a:pPr>
+            <a:r>
+              <a:rPr lang="en-US" dirty="0">
+                <a:solidFill>
+                  <a:srgbClr val="FF0000"/>
+                </a:solidFill>
+              </a:rPr>
+              <a:t>JASON – MORE HERE</a:t>
+            </a:r>
           </a:p>
         </p:txBody>
       </p:sp>
@@ -5356,7 +5854,7 @@
           <a:p>
             <a:r>
               <a:rPr lang="en-US" dirty="0"/>
-              <a:t>Why?</a:t>
+              <a:t>What? (Goals)</a:t>
             </a:r>
           </a:p>
         </p:txBody>
@@ -5364,7 +5862,7 @@
     </p:spTree>
     <p:extLst>
       <p:ext uri="{BB962C8B-B14F-4D97-AF65-F5344CB8AC3E}">
-        <p14:creationId xmlns:p14="http://schemas.microsoft.com/office/powerpoint/2010/main" val="3794098430"/>
+        <p14:creationId xmlns:p14="http://schemas.microsoft.com/office/powerpoint/2010/main" val="3244198818"/>
       </p:ext>
     </p:extLst>
   </p:cSld>
@@ -5406,130 +5904,34 @@
           <a:bodyPr/>
           <a:lstStyle/>
           <a:p>
-            <a:r>
-              <a:rPr lang="en-US" dirty="0"/>
-              <a:t>Inspired by our WHY, we identify WHAT we want to accomplish.</a:t>
-            </a:r>
-          </a:p>
-          <a:p>
-            <a:endParaRPr lang="en-US" dirty="0"/>
-          </a:p>
-          <a:p>
-            <a:pPr marL="342900" indent="-342900">
-              <a:buFont typeface="Arial" panose="020B0604020202020204" pitchFamily="34" charset="0"/>
-              <a:buChar char="•"/>
-            </a:pPr>
-            <a:r>
-              <a:rPr lang="en-US" dirty="0"/>
-              <a:t>Don’t fall in love with the first goals or plan – </a:t>
-            </a:r>
-            <a:r>
-              <a:rPr lang="en-US" u="sng" dirty="0"/>
-              <a:t>persist</a:t>
-            </a:r>
-          </a:p>
-          <a:p>
-            <a:pPr marL="342900" indent="-342900">
-              <a:buFont typeface="Arial" panose="020B0604020202020204" pitchFamily="34" charset="0"/>
-              <a:buChar char="•"/>
-            </a:pPr>
-            <a:r>
-              <a:rPr lang="en-US" dirty="0"/>
-              <a:t>&gt;&gt;Value changes that improve the plan</a:t>
-            </a:r>
-          </a:p>
-          <a:p>
-            <a:pPr marL="342900" indent="-342900">
-              <a:buFont typeface="Arial" panose="020B0604020202020204" pitchFamily="34" charset="0"/>
-              <a:buChar char="•"/>
-            </a:pPr>
-            <a:r>
-              <a:rPr lang="en-US" dirty="0"/>
-              <a:t>What are the rules or assumptions you can break?  (Kobayashi </a:t>
-            </a:r>
-            <a:r>
-              <a:rPr lang="en-US" dirty="0" err="1"/>
-              <a:t>Maru</a:t>
-            </a:r>
-            <a:r>
-              <a:rPr lang="en-US" dirty="0"/>
-              <a:t> </a:t>
-            </a:r>
-            <a:r>
-              <a:rPr lang="en-US" dirty="0">
-                <a:sym typeface="Wingdings" panose="05000000000000000000" pitchFamily="2" charset="2"/>
-              </a:rPr>
-              <a:t>)</a:t>
-            </a:r>
-          </a:p>
-          <a:p>
-            <a:pPr marL="342900" indent="-342900">
-              <a:buFont typeface="Arial" panose="020B0604020202020204" pitchFamily="34" charset="0"/>
-              <a:buChar char="•"/>
-            </a:pPr>
-            <a:r>
-              <a:rPr lang="en-US" dirty="0">
-                <a:sym typeface="Wingdings" panose="05000000000000000000" pitchFamily="2" charset="2"/>
-              </a:rPr>
-              <a:t>What other wins are there?</a:t>
-            </a:r>
-          </a:p>
-          <a:p>
-            <a:pPr marL="342900" indent="-342900">
-              <a:buFont typeface="Arial" panose="020B0604020202020204" pitchFamily="34" charset="0"/>
-              <a:buChar char="•"/>
-            </a:pPr>
-            <a:r>
-              <a:rPr lang="en-US" dirty="0">
-                <a:sym typeface="Wingdings" panose="05000000000000000000" pitchFamily="2" charset="2"/>
-              </a:rPr>
-              <a:t>Be conscious of your own bias</a:t>
-            </a:r>
-            <a:endParaRPr lang="en-US" dirty="0"/>
-          </a:p>
-          <a:p>
-            <a:endParaRPr lang="en-US" dirty="0"/>
-          </a:p>
-          <a:p>
-            <a:pPr marL="342900" indent="-342900">
-              <a:buFont typeface="Arial" panose="020B0604020202020204" pitchFamily="34" charset="0"/>
-              <a:buChar char="•"/>
-            </a:pPr>
-            <a:r>
-              <a:rPr lang="en-US" dirty="0"/>
-              <a:t>Tool: Write the press release</a:t>
-            </a:r>
-          </a:p>
-          <a:p>
-            <a:pPr marL="342900" indent="-342900">
-              <a:buFont typeface="Arial" panose="020B0604020202020204" pitchFamily="34" charset="0"/>
-              <a:buChar char="•"/>
-            </a:pPr>
-            <a:r>
-              <a:rPr lang="en-US" dirty="0"/>
-              <a:t>Tool: Do a pre-mortem</a:t>
-            </a:r>
-          </a:p>
-          <a:p>
-            <a:pPr marL="342900" indent="-342900">
-              <a:buFont typeface="Arial" panose="020B0604020202020204" pitchFamily="34" charset="0"/>
-              <a:buChar char="•"/>
-            </a:pPr>
-            <a:endParaRPr lang="en-US" dirty="0"/>
-          </a:p>
-          <a:p>
-            <a:pPr marL="342900" indent="-342900">
-              <a:buFont typeface="Arial" panose="020B0604020202020204" pitchFamily="34" charset="0"/>
-              <a:buChar char="•"/>
-            </a:pPr>
-            <a:r>
-              <a:rPr lang="en-US" dirty="0">
-                <a:solidFill>
-                  <a:srgbClr val="FF0000"/>
-                </a:solidFill>
-              </a:rPr>
-              <a:t>JASON – MORE HERE</a:t>
-            </a:r>
+            <a:pPr marL="342900" indent="-342900">
+              <a:buFont typeface="Arial" panose="020B0604020202020204" pitchFamily="34" charset="0"/>
+              <a:buChar char="•"/>
+            </a:pPr>
+            <a:r>
+              <a:rPr lang="en-US" dirty="0"/>
+              <a:t>Describe how the “Whys” will have been accomplished from the perspective of future-you writing the press release to announce the work you’ll have just finished</a:t>
+            </a:r>
+          </a:p>
+          <a:p>
+            <a:endParaRPr lang="en-US" dirty="0"/>
+          </a:p>
+          <a:p>
+            <a:pPr marL="342900" indent="-342900">
+              <a:buFont typeface="Arial" panose="020B0604020202020204" pitchFamily="34" charset="0"/>
+              <a:buChar char="•"/>
+            </a:pPr>
+            <a:r>
+              <a:rPr lang="en-US" dirty="0"/>
+              <a:t>Helps us focus on the most important things</a:t>
+            </a:r>
+          </a:p>
+          <a:p>
+            <a:pPr marL="342900" indent="-342900">
+              <a:buFont typeface="Arial" panose="020B0604020202020204" pitchFamily="34" charset="0"/>
+              <a:buChar char="•"/>
+            </a:pPr>
+            <a:endParaRPr lang="en-US" dirty="0"/>
           </a:p>
         </p:txBody>
       </p:sp>
@@ -5550,7 +5952,7 @@
           <a:p>
             <a:r>
               <a:rPr lang="en-US" dirty="0"/>
-              <a:t>What? (Goals)</a:t>
+              <a:t>Write the press release</a:t>
             </a:r>
           </a:p>
         </p:txBody>
@@ -5558,7 +5960,7 @@
     </p:spTree>
     <p:extLst>
       <p:ext uri="{BB962C8B-B14F-4D97-AF65-F5344CB8AC3E}">
-        <p14:creationId xmlns:p14="http://schemas.microsoft.com/office/powerpoint/2010/main" val="3244198818"/>
+        <p14:creationId xmlns:p14="http://schemas.microsoft.com/office/powerpoint/2010/main" val="1074390680"/>
       </p:ext>
     </p:extLst>
   </p:cSld>

--- a/InFusion2016 - Getting It Done - Jason Wood.pptx
+++ b/InFusion2016 - Getting It Done - Jason Wood.pptx
@@ -5,7 +5,7 @@
     <p:sldMasterId id="2147483810" r:id="rId1"/>
   </p:sldMasterIdLst>
   <p:notesMasterIdLst>
-    <p:notesMasterId r:id="rId30"/>
+    <p:notesMasterId r:id="rId32"/>
   </p:notesMasterIdLst>
   <p:sldIdLst>
     <p:sldId id="256" r:id="rId2"/>
@@ -17,25 +17,27 @@
     <p:sldId id="283" r:id="rId8"/>
     <p:sldId id="284" r:id="rId9"/>
     <p:sldId id="292" r:id="rId10"/>
-    <p:sldId id="264" r:id="rId11"/>
-    <p:sldId id="287" r:id="rId12"/>
-    <p:sldId id="271" r:id="rId13"/>
-    <p:sldId id="289" r:id="rId14"/>
-    <p:sldId id="269" r:id="rId15"/>
-    <p:sldId id="268" r:id="rId16"/>
-    <p:sldId id="286" r:id="rId17"/>
-    <p:sldId id="291" r:id="rId18"/>
-    <p:sldId id="290" r:id="rId19"/>
-    <p:sldId id="270" r:id="rId20"/>
-    <p:sldId id="272" r:id="rId21"/>
-    <p:sldId id="273" r:id="rId22"/>
-    <p:sldId id="274" r:id="rId23"/>
-    <p:sldId id="278" r:id="rId24"/>
-    <p:sldId id="279" r:id="rId25"/>
-    <p:sldId id="275" r:id="rId26"/>
-    <p:sldId id="281" r:id="rId27"/>
-    <p:sldId id="266" r:id="rId28"/>
-    <p:sldId id="280" r:id="rId29"/>
+    <p:sldId id="293" r:id="rId11"/>
+    <p:sldId id="264" r:id="rId12"/>
+    <p:sldId id="294" r:id="rId13"/>
+    <p:sldId id="287" r:id="rId14"/>
+    <p:sldId id="271" r:id="rId15"/>
+    <p:sldId id="289" r:id="rId16"/>
+    <p:sldId id="269" r:id="rId17"/>
+    <p:sldId id="268" r:id="rId18"/>
+    <p:sldId id="286" r:id="rId19"/>
+    <p:sldId id="291" r:id="rId20"/>
+    <p:sldId id="290" r:id="rId21"/>
+    <p:sldId id="270" r:id="rId22"/>
+    <p:sldId id="272" r:id="rId23"/>
+    <p:sldId id="273" r:id="rId24"/>
+    <p:sldId id="274" r:id="rId25"/>
+    <p:sldId id="278" r:id="rId26"/>
+    <p:sldId id="279" r:id="rId27"/>
+    <p:sldId id="275" r:id="rId28"/>
+    <p:sldId id="281" r:id="rId29"/>
+    <p:sldId id="266" r:id="rId30"/>
+    <p:sldId id="280" r:id="rId31"/>
   </p:sldIdLst>
   <p:sldSz cx="12192000" cy="6858000"/>
   <p:notesSz cx="6858000" cy="9144000"/>
@@ -148,7 +150,9 @@
             <p14:sldId id="283"/>
             <p14:sldId id="284"/>
             <p14:sldId id="292"/>
+            <p14:sldId id="293"/>
             <p14:sldId id="264"/>
+            <p14:sldId id="294"/>
             <p14:sldId id="287"/>
             <p14:sldId id="271"/>
             <p14:sldId id="289"/>
@@ -634,6 +638,90 @@
 </p:notes>
 </file>
 
+<file path=ppt/notesSlides/notesSlide10.xml><?xml version="1.0" encoding="utf-8"?>
+<p:notes xmlns:a="http://schemas.openxmlformats.org/drawingml/2006/main" xmlns:r="http://schemas.openxmlformats.org/officeDocument/2006/relationships" xmlns:p="http://schemas.openxmlformats.org/presentationml/2006/main">
+  <p:cSld>
+    <p:spTree>
+      <p:nvGrpSpPr>
+        <p:cNvPr id="1" name=""/>
+        <p:cNvGrpSpPr/>
+        <p:nvPr/>
+      </p:nvGrpSpPr>
+      <p:grpSpPr>
+        <a:xfrm>
+          <a:off x="0" y="0"/>
+          <a:ext cx="0" cy="0"/>
+          <a:chOff x="0" y="0"/>
+          <a:chExt cx="0" cy="0"/>
+        </a:xfrm>
+      </p:grpSpPr>
+      <p:sp>
+        <p:nvSpPr>
+          <p:cNvPr id="2" name="Slide Image Placeholder 1"/>
+          <p:cNvSpPr>
+            <a:spLocks noGrp="1" noRot="1" noChangeAspect="1"/>
+          </p:cNvSpPr>
+          <p:nvPr>
+            <p:ph type="sldImg"/>
+          </p:nvPr>
+        </p:nvSpPr>
+        <p:spPr/>
+      </p:sp>
+      <p:sp>
+        <p:nvSpPr>
+          <p:cNvPr id="3" name="Notes Placeholder 2"/>
+          <p:cNvSpPr>
+            <a:spLocks noGrp="1"/>
+          </p:cNvSpPr>
+          <p:nvPr>
+            <p:ph type="body" idx="1"/>
+          </p:nvPr>
+        </p:nvSpPr>
+        <p:spPr/>
+        <p:txBody>
+          <a:bodyPr/>
+          <a:lstStyle/>
+          <a:p>
+            <a:endParaRPr lang="en-US"/>
+          </a:p>
+        </p:txBody>
+      </p:sp>
+      <p:sp>
+        <p:nvSpPr>
+          <p:cNvPr id="4" name="Slide Number Placeholder 3"/>
+          <p:cNvSpPr>
+            <a:spLocks noGrp="1"/>
+          </p:cNvSpPr>
+          <p:nvPr>
+            <p:ph type="sldNum" sz="quarter" idx="10"/>
+          </p:nvPr>
+        </p:nvSpPr>
+        <p:spPr/>
+        <p:txBody>
+          <a:bodyPr/>
+          <a:lstStyle/>
+          <a:p>
+            <a:fld id="{54165CF5-22A4-4BB9-BE26-FDB96183FE65}" type="slidenum">
+              <a:rPr lang="en-US" smtClean="0"/>
+              <a:t>25</a:t>
+            </a:fld>
+            <a:endParaRPr lang="en-US"/>
+          </a:p>
+        </p:txBody>
+      </p:sp>
+    </p:spTree>
+    <p:extLst>
+      <p:ext uri="{BB962C8B-B14F-4D97-AF65-F5344CB8AC3E}">
+        <p14:creationId xmlns:p14="http://schemas.microsoft.com/office/powerpoint/2010/main" val="3401885187"/>
+      </p:ext>
+    </p:extLst>
+  </p:cSld>
+  <p:clrMapOvr>
+    <a:masterClrMapping/>
+  </p:clrMapOvr>
+</p:notes>
+</file>
+
 <file path=ppt/notesSlides/notesSlide2.xml><?xml version="1.0" encoding="utf-8"?>
 <p:notes xmlns:a="http://schemas.openxmlformats.org/drawingml/2006/main" xmlns:r="http://schemas.openxmlformats.org/officeDocument/2006/relationships" xmlns:p="http://schemas.openxmlformats.org/presentationml/2006/main">
   <p:cSld>
@@ -1215,29 +1303,6 @@
           <a:bodyPr/>
           <a:lstStyle/>
           <a:p>
-            <a:pPr marL="0" marR="0" lvl="0" indent="0" algn="l" defTabSz="914400" rtl="0" eaLnBrk="1" fontAlgn="auto" latinLnBrk="0" hangingPunct="1">
-              <a:lnSpc>
-                <a:spcPct val="100000"/>
-              </a:lnSpc>
-              <a:spcBef>
-                <a:spcPts val="0"/>
-              </a:spcBef>
-              <a:spcAft>
-                <a:spcPts val="0"/>
-              </a:spcAft>
-              <a:buClrTx/>
-              <a:buSzTx/>
-              <a:buFontTx/>
-              <a:buNone/>
-              <a:tabLst/>
-              <a:defRPr/>
-            </a:pPr>
-            <a:r>
-              <a:rPr lang="en-US" dirty="0"/>
-              <a:t>Software development is early on in the continuum of Art &gt;&gt; Science &gt;&gt; Engineering Practice</a:t>
-            </a:r>
-          </a:p>
-          <a:p>
             <a:endParaRPr lang="en-US" dirty="0"/>
           </a:p>
         </p:txBody>
@@ -1268,7 +1333,7 @@
     </p:spTree>
     <p:extLst>
       <p:ext uri="{BB962C8B-B14F-4D97-AF65-F5344CB8AC3E}">
-        <p14:creationId xmlns:p14="http://schemas.microsoft.com/office/powerpoint/2010/main" val="1099954860"/>
+        <p14:creationId xmlns:p14="http://schemas.microsoft.com/office/powerpoint/2010/main" val="2195936146"/>
       </p:ext>
     </p:extLst>
   </p:cSld>
@@ -1322,7 +1387,30 @@
           <a:bodyPr/>
           <a:lstStyle/>
           <a:p>
-            <a:endParaRPr lang="en-US"/>
+            <a:pPr marL="0" marR="0" lvl="0" indent="0" algn="l" defTabSz="914400" rtl="0" eaLnBrk="1" fontAlgn="auto" latinLnBrk="0" hangingPunct="1">
+              <a:lnSpc>
+                <a:spcPct val="100000"/>
+              </a:lnSpc>
+              <a:spcBef>
+                <a:spcPts val="0"/>
+              </a:spcBef>
+              <a:spcAft>
+                <a:spcPts val="0"/>
+              </a:spcAft>
+              <a:buClrTx/>
+              <a:buSzTx/>
+              <a:buFontTx/>
+              <a:buNone/>
+              <a:tabLst/>
+              <a:defRPr/>
+            </a:pPr>
+            <a:r>
+              <a:rPr lang="en-US" dirty="0"/>
+              <a:t>Software development isn’t yet too far rightward  on in the continuum of Art &gt;&gt; Science &gt;&gt; Engineering Practice</a:t>
+            </a:r>
+          </a:p>
+          <a:p>
+            <a:endParaRPr lang="en-US" dirty="0"/>
           </a:p>
         </p:txBody>
       </p:sp>
@@ -1343,7 +1431,7 @@
           <a:p>
             <a:fld id="{54165CF5-22A4-4BB9-BE26-FDB96183FE65}" type="slidenum">
               <a:rPr lang="en-US" smtClean="0"/>
-              <a:t>23</a:t>
+              <a:t>11</a:t>
             </a:fld>
             <a:endParaRPr lang="en-US"/>
           </a:p>
@@ -1352,7 +1440,201 @@
     </p:spTree>
     <p:extLst>
       <p:ext uri="{BB962C8B-B14F-4D97-AF65-F5344CB8AC3E}">
-        <p14:creationId xmlns:p14="http://schemas.microsoft.com/office/powerpoint/2010/main" val="3401885187"/>
+        <p14:creationId xmlns:p14="http://schemas.microsoft.com/office/powerpoint/2010/main" val="1099954860"/>
+      </p:ext>
+    </p:extLst>
+  </p:cSld>
+  <p:clrMapOvr>
+    <a:masterClrMapping/>
+  </p:clrMapOvr>
+</p:notes>
+</file>
+
+<file path=ppt/notesSlides/notesSlide8.xml><?xml version="1.0" encoding="utf-8"?>
+<p:notes xmlns:a="http://schemas.openxmlformats.org/drawingml/2006/main" xmlns:r="http://schemas.openxmlformats.org/officeDocument/2006/relationships" xmlns:p="http://schemas.openxmlformats.org/presentationml/2006/main">
+  <p:cSld>
+    <p:spTree>
+      <p:nvGrpSpPr>
+        <p:cNvPr id="1" name=""/>
+        <p:cNvGrpSpPr/>
+        <p:nvPr/>
+      </p:nvGrpSpPr>
+      <p:grpSpPr>
+        <a:xfrm>
+          <a:off x="0" y="0"/>
+          <a:ext cx="0" cy="0"/>
+          <a:chOff x="0" y="0"/>
+          <a:chExt cx="0" cy="0"/>
+        </a:xfrm>
+      </p:grpSpPr>
+      <p:sp>
+        <p:nvSpPr>
+          <p:cNvPr id="2" name="Slide Image Placeholder 1"/>
+          <p:cNvSpPr>
+            <a:spLocks noGrp="1" noRot="1" noChangeAspect="1"/>
+          </p:cNvSpPr>
+          <p:nvPr>
+            <p:ph type="sldImg"/>
+          </p:nvPr>
+        </p:nvSpPr>
+        <p:spPr/>
+      </p:sp>
+      <p:sp>
+        <p:nvSpPr>
+          <p:cNvPr id="3" name="Notes Placeholder 2"/>
+          <p:cNvSpPr>
+            <a:spLocks noGrp="1"/>
+          </p:cNvSpPr>
+          <p:nvPr>
+            <p:ph type="body" idx="1"/>
+          </p:nvPr>
+        </p:nvSpPr>
+        <p:spPr/>
+        <p:txBody>
+          <a:bodyPr/>
+          <a:lstStyle/>
+          <a:p>
+            <a:pPr marL="0" marR="0" lvl="0" indent="0" algn="l" defTabSz="914400" rtl="0" eaLnBrk="1" fontAlgn="auto" latinLnBrk="0" hangingPunct="1">
+              <a:lnSpc>
+                <a:spcPct val="100000"/>
+              </a:lnSpc>
+              <a:spcBef>
+                <a:spcPts val="0"/>
+              </a:spcBef>
+              <a:spcAft>
+                <a:spcPts val="0"/>
+              </a:spcAft>
+              <a:buClrTx/>
+              <a:buSzTx/>
+              <a:buFontTx/>
+              <a:buNone/>
+              <a:tabLst/>
+              <a:defRPr/>
+            </a:pPr>
+            <a:r>
+              <a:rPr lang="en-US" dirty="0"/>
+              <a:t>Telemetry Service - Thank you to Owen and others for having set up the telemetry service and carrying more than their share of maintenance.)</a:t>
+            </a:r>
+          </a:p>
+          <a:p>
+            <a:endParaRPr lang="en-US" dirty="0"/>
+          </a:p>
+        </p:txBody>
+      </p:sp>
+      <p:sp>
+        <p:nvSpPr>
+          <p:cNvPr id="4" name="Slide Number Placeholder 3"/>
+          <p:cNvSpPr>
+            <a:spLocks noGrp="1"/>
+          </p:cNvSpPr>
+          <p:nvPr>
+            <p:ph type="sldNum" sz="quarter" idx="10"/>
+          </p:nvPr>
+        </p:nvSpPr>
+        <p:spPr/>
+        <p:txBody>
+          <a:bodyPr/>
+          <a:lstStyle/>
+          <a:p>
+            <a:fld id="{54165CF5-22A4-4BB9-BE26-FDB96183FE65}" type="slidenum">
+              <a:rPr lang="en-US" smtClean="0"/>
+              <a:t>12</a:t>
+            </a:fld>
+            <a:endParaRPr lang="en-US"/>
+          </a:p>
+        </p:txBody>
+      </p:sp>
+    </p:spTree>
+    <p:extLst>
+      <p:ext uri="{BB962C8B-B14F-4D97-AF65-F5344CB8AC3E}">
+        <p14:creationId xmlns:p14="http://schemas.microsoft.com/office/powerpoint/2010/main" val="1605406186"/>
+      </p:ext>
+    </p:extLst>
+  </p:cSld>
+  <p:clrMapOvr>
+    <a:masterClrMapping/>
+  </p:clrMapOvr>
+</p:notes>
+</file>
+
+<file path=ppt/notesSlides/notesSlide9.xml><?xml version="1.0" encoding="utf-8"?>
+<p:notes xmlns:a="http://schemas.openxmlformats.org/drawingml/2006/main" xmlns:r="http://schemas.openxmlformats.org/officeDocument/2006/relationships" xmlns:p="http://schemas.openxmlformats.org/presentationml/2006/main">
+  <p:cSld>
+    <p:spTree>
+      <p:nvGrpSpPr>
+        <p:cNvPr id="1" name=""/>
+        <p:cNvGrpSpPr/>
+        <p:nvPr/>
+      </p:nvGrpSpPr>
+      <p:grpSpPr>
+        <a:xfrm>
+          <a:off x="0" y="0"/>
+          <a:ext cx="0" cy="0"/>
+          <a:chOff x="0" y="0"/>
+          <a:chExt cx="0" cy="0"/>
+        </a:xfrm>
+      </p:grpSpPr>
+      <p:sp>
+        <p:nvSpPr>
+          <p:cNvPr id="2" name="Slide Image Placeholder 1"/>
+          <p:cNvSpPr>
+            <a:spLocks noGrp="1" noRot="1" noChangeAspect="1"/>
+          </p:cNvSpPr>
+          <p:nvPr>
+            <p:ph type="sldImg"/>
+          </p:nvPr>
+        </p:nvSpPr>
+        <p:spPr/>
+      </p:sp>
+      <p:sp>
+        <p:nvSpPr>
+          <p:cNvPr id="3" name="Notes Placeholder 2"/>
+          <p:cNvSpPr>
+            <a:spLocks noGrp="1"/>
+          </p:cNvSpPr>
+          <p:nvPr>
+            <p:ph type="body" idx="1"/>
+          </p:nvPr>
+        </p:nvSpPr>
+        <p:spPr/>
+        <p:txBody>
+          <a:bodyPr/>
+          <a:lstStyle/>
+          <a:p>
+            <a:r>
+              <a:rPr lang="en-US" dirty="0"/>
+              <a:t>Mantra from “Turn the Ship Around”</a:t>
+            </a:r>
+          </a:p>
+        </p:txBody>
+      </p:sp>
+      <p:sp>
+        <p:nvSpPr>
+          <p:cNvPr id="4" name="Slide Number Placeholder 3"/>
+          <p:cNvSpPr>
+            <a:spLocks noGrp="1"/>
+          </p:cNvSpPr>
+          <p:nvPr>
+            <p:ph type="sldNum" sz="quarter" idx="10"/>
+          </p:nvPr>
+        </p:nvSpPr>
+        <p:spPr/>
+        <p:txBody>
+          <a:bodyPr/>
+          <a:lstStyle/>
+          <a:p>
+            <a:fld id="{54165CF5-22A4-4BB9-BE26-FDB96183FE65}" type="slidenum">
+              <a:rPr lang="en-US" smtClean="0"/>
+              <a:t>21</a:t>
+            </a:fld>
+            <a:endParaRPr lang="en-US"/>
+          </a:p>
+        </p:txBody>
+      </p:sp>
+    </p:spTree>
+    <p:extLst>
+      <p:ext uri="{BB962C8B-B14F-4D97-AF65-F5344CB8AC3E}">
+        <p14:creationId xmlns:p14="http://schemas.microsoft.com/office/powerpoint/2010/main" val="2005465395"/>
       </p:ext>
     </p:extLst>
   </p:cSld>
@@ -2257,98 +2539,28 @@
           <a:bodyPr/>
           <a:lstStyle/>
           <a:p>
-            <a:pPr marL="342900" indent="-342900">
-              <a:buFontTx/>
-              <a:buChar char="-"/>
-            </a:pPr>
-            <a:r>
-              <a:rPr lang="en-US" dirty="0"/>
-              <a:t>Measure, change, measure, done?</a:t>
-            </a:r>
-          </a:p>
-          <a:p>
-            <a:endParaRPr lang="en-US" dirty="0"/>
-          </a:p>
-          <a:p>
-            <a:pPr marL="342900" indent="-342900">
-              <a:buFontTx/>
-              <a:buChar char="-"/>
-            </a:pPr>
-            <a:r>
-              <a:rPr lang="en-US" dirty="0"/>
-              <a:t>We need to identify metrics that are exactly aligned with the business goals we want to accomplish</a:t>
-            </a:r>
-          </a:p>
-          <a:p>
-            <a:pPr marL="342900" indent="-342900">
-              <a:buFontTx/>
-              <a:buChar char="-"/>
-            </a:pPr>
-            <a:r>
-              <a:rPr lang="en-US" dirty="0"/>
-              <a:t>Easy to pick bad metrics that don’t directly represent our goal</a:t>
-            </a:r>
-          </a:p>
-          <a:p>
-            <a:pPr marL="342900" indent="-342900">
-              <a:buFontTx/>
-              <a:buChar char="-"/>
-            </a:pPr>
-            <a:r>
-              <a:rPr lang="en-US" dirty="0"/>
-              <a:t>&gt;&gt;Measuring the wrong thing leading to motivate undesired action</a:t>
-            </a:r>
-          </a:p>
-          <a:p>
-            <a:pPr marL="342900" indent="-342900">
-              <a:buFontTx/>
-              <a:buChar char="-"/>
-            </a:pPr>
-            <a:r>
-              <a:rPr lang="en-US" dirty="0"/>
-              <a:t>&gt;&gt;Measuring the work, not the outcome (BDP Onboarding, as an example.)… reinforces the plan, not the outcome</a:t>
-            </a:r>
-          </a:p>
-          <a:p>
-            <a:pPr marL="342900" indent="-342900">
-              <a:buFontTx/>
-              <a:buChar char="-"/>
-            </a:pPr>
-            <a:endParaRPr lang="en-US" dirty="0"/>
-          </a:p>
-          <a:p>
-            <a:pPr marL="342900" indent="-342900">
-              <a:buFontTx/>
-              <a:buChar char="-"/>
-            </a:pPr>
-            <a:r>
-              <a:rPr lang="en-US" dirty="0">
-                <a:solidFill>
-                  <a:srgbClr val="FF0000"/>
-                </a:solidFill>
-              </a:rPr>
-              <a:t>Need examples</a:t>
-            </a:r>
-          </a:p>
-          <a:p>
-            <a:endParaRPr lang="en-US" dirty="0"/>
-          </a:p>
-          <a:p>
-            <a:pPr marL="342900" indent="-342900">
-              <a:buFontTx/>
-              <a:buChar char="-"/>
-            </a:pPr>
-            <a:r>
-              <a:rPr lang="en-US" dirty="0"/>
-              <a:t>Build telemetry and dashboards early – give yourself data to help make decisions (Thank you to Owen and others for having set up the telemetry service and carrying more than their share of maintenance.)</a:t>
-            </a:r>
-          </a:p>
-          <a:p>
-            <a:pPr marL="342900" indent="-342900">
-              <a:buFontTx/>
-              <a:buChar char="-"/>
-            </a:pPr>
-            <a:endParaRPr lang="en-US" dirty="0"/>
+            <a:r>
+              <a:rPr lang="en-US" dirty="0"/>
+              <a:t>What are the ways we’re most likely to fail?</a:t>
+            </a:r>
+          </a:p>
+          <a:p>
+            <a:endParaRPr lang="en-US" dirty="0"/>
+          </a:p>
+          <a:p>
+            <a:r>
+              <a:rPr lang="en-US" dirty="0"/>
+              <a:t>What would future-us want current-us to do about them while we still have the chance?</a:t>
+            </a:r>
+          </a:p>
+          <a:p>
+            <a:endParaRPr lang="en-US" dirty="0"/>
+          </a:p>
+          <a:p>
+            <a:r>
+              <a:rPr lang="en-US" dirty="0"/>
+              <a:t>Helps us to prioritize our focus on the most plausible or impactful risks, rather than freaking out about all the things</a:t>
+            </a:r>
           </a:p>
         </p:txBody>
       </p:sp>
@@ -2369,7 +2581,7 @@
           <a:p>
             <a:r>
               <a:rPr lang="en-US" dirty="0"/>
-              <a:t>Metrics</a:t>
+              <a:t>Do a pre-mortem</a:t>
             </a:r>
           </a:p>
         </p:txBody>
@@ -2377,7 +2589,7 @@
     </p:spTree>
     <p:extLst>
       <p:ext uri="{BB962C8B-B14F-4D97-AF65-F5344CB8AC3E}">
-        <p14:creationId xmlns:p14="http://schemas.microsoft.com/office/powerpoint/2010/main" val="2499460739"/>
+        <p14:creationId xmlns:p14="http://schemas.microsoft.com/office/powerpoint/2010/main" val="171014514"/>
       </p:ext>
     </p:extLst>
   </p:cSld>
@@ -2425,7 +2637,7 @@
             </a:pPr>
             <a:r>
               <a:rPr lang="en-US" dirty="0"/>
-              <a:t>Principles are the fundamental, abstract rules that we agree are important to us</a:t>
+              <a:t>How are we doing?</a:t>
             </a:r>
           </a:p>
           <a:p>
@@ -2435,7 +2647,7 @@
             </a:pPr>
             <a:r>
               <a:rPr lang="en-US" dirty="0"/>
-              <a:t>&gt;&gt;They don’t tell us specifically what to do.  </a:t>
+              <a:t>How close to done are we?</a:t>
             </a:r>
           </a:p>
           <a:p>
@@ -2443,10 +2655,7 @@
               <a:buFontTx/>
               <a:buChar char="-"/>
             </a:pPr>
-            <a:r>
-              <a:rPr lang="en-US" dirty="0"/>
-              <a:t>&gt;&gt; They help us evaluate the goodness of a path we’re considering </a:t>
-            </a:r>
+            <a:endParaRPr lang="en-US" dirty="0"/>
           </a:p>
           <a:p>
             <a:pPr marL="342900" indent="-342900">
@@ -2455,7 +2664,7 @@
             </a:pPr>
             <a:r>
               <a:rPr lang="en-US" dirty="0"/>
-              <a:t>In much of our work, we’re in the “complex” – we don’t know the route to take through a problem when we start, and we have a large number of choices to make</a:t>
+              <a:t>We could use % of stories complete … (Audience: What do you like or not like about that?)</a:t>
             </a:r>
           </a:p>
           <a:p>
@@ -2463,10 +2672,7 @@
               <a:buFontTx/>
               <a:buChar char="-"/>
             </a:pPr>
-            <a:r>
-              <a:rPr lang="en-US" dirty="0"/>
-              <a:t>Making choices that adhere to principles we value can help us navigate</a:t>
-            </a:r>
+            <a:endParaRPr lang="en-US" dirty="0"/>
           </a:p>
           <a:p>
             <a:pPr marL="342900" indent="-342900">
@@ -2475,7 +2681,7 @@
             </a:pPr>
             <a:r>
               <a:rPr lang="en-US" dirty="0"/>
-              <a:t>It’s worth understanding and saying out loud the principles driving our choices – what principle drove us to choose X over Y?  </a:t>
+              <a:t>How about looking at metrics that are directly aligned with the business goals we want to accomplish?</a:t>
             </a:r>
           </a:p>
           <a:p>
@@ -2485,27 +2691,7 @@
             </a:pPr>
             <a:r>
               <a:rPr lang="en-US" dirty="0"/>
-              <a:t>EXAMPLES</a:t>
-            </a:r>
-          </a:p>
-          <a:p>
-            <a:pPr marL="342900" indent="-342900">
-              <a:buFontTx/>
-              <a:buChar char="-"/>
-            </a:pPr>
-            <a:r>
-              <a:rPr lang="en-US" dirty="0"/>
-              <a:t>Solicit audience input </a:t>
-            </a:r>
-          </a:p>
-          <a:p>
-            <a:pPr marL="342900" indent="-342900">
-              <a:buFontTx/>
-              <a:buChar char="-"/>
-            </a:pPr>
-            <a:r>
-              <a:rPr lang="en-US" b="1" dirty="0"/>
-              <a:t>Cite Gil’s reference?</a:t>
+              <a:t>Measure, change, measure, done?</a:t>
             </a:r>
           </a:p>
         </p:txBody>
@@ -2527,7 +2713,7 @@
           <a:p>
             <a:r>
               <a:rPr lang="en-US" dirty="0"/>
-              <a:t>Principle and Process</a:t>
+              <a:t>Using Metrics</a:t>
             </a:r>
           </a:p>
         </p:txBody>
@@ -2535,7 +2721,7 @@
     </p:spTree>
     <p:extLst>
       <p:ext uri="{BB962C8B-B14F-4D97-AF65-F5344CB8AC3E}">
-        <p14:creationId xmlns:p14="http://schemas.microsoft.com/office/powerpoint/2010/main" val="892443849"/>
+        <p14:creationId xmlns:p14="http://schemas.microsoft.com/office/powerpoint/2010/main" val="2499460739"/>
       </p:ext>
     </p:extLst>
   </p:cSld>
@@ -2583,7 +2769,7 @@
             </a:pPr>
             <a:r>
               <a:rPr lang="en-US" dirty="0"/>
-              <a:t>Specifically, prioritize work that helps us make better choices in our project.</a:t>
+              <a:t>Identify metrics that are exactly aligned with the business goals we want to accomplish</a:t>
             </a:r>
           </a:p>
           <a:p>
@@ -2593,7 +2779,7 @@
             </a:pPr>
             <a:r>
               <a:rPr lang="en-US" dirty="0"/>
-              <a:t>As we learn, we reduce risk – so learn about the scariest things first.</a:t>
+              <a:t>Easy to pick bad metrics that don’t directly represent our goal</a:t>
             </a:r>
           </a:p>
           <a:p>
@@ -2603,7 +2789,7 @@
             </a:pPr>
             <a:r>
               <a:rPr lang="en-US" dirty="0"/>
-              <a:t>Learning Product is another kind of Work Product</a:t>
+              <a:t>&gt;&gt;Measuring the wrong thing …leading to motivate undesired action</a:t>
             </a:r>
           </a:p>
           <a:p>
@@ -2613,7 +2799,7 @@
             </a:pPr>
             <a:r>
               <a:rPr lang="en-US" dirty="0"/>
-              <a:t>State and check assumptions</a:t>
+              <a:t>&gt;&gt;Measuring the work, not the outcome…reinforces the plan, not the outcome</a:t>
             </a:r>
           </a:p>
           <a:p>
@@ -2623,6 +2809,63 @@
             </a:pPr>
             <a:endParaRPr lang="en-US" dirty="0"/>
           </a:p>
+          <a:p>
+            <a:pPr marL="342900" indent="-342900">
+              <a:buFontTx/>
+              <a:buChar char="-"/>
+            </a:pPr>
+            <a:r>
+              <a:rPr lang="en-US" dirty="0">
+                <a:solidFill>
+                  <a:srgbClr val="FF0000"/>
+                </a:solidFill>
+              </a:rPr>
+              <a:t>Need examples (in notes)</a:t>
+            </a:r>
+          </a:p>
+          <a:p>
+            <a:endParaRPr lang="en-US" dirty="0"/>
+          </a:p>
+          <a:p>
+            <a:pPr marL="342900" indent="-342900">
+              <a:buFontTx/>
+              <a:buChar char="-"/>
+            </a:pPr>
+            <a:r>
+              <a:rPr lang="en-US" dirty="0"/>
+              <a:t>Build telemetry and dashboards early</a:t>
+            </a:r>
+          </a:p>
+          <a:p>
+            <a:pPr marL="342900" indent="-342900">
+              <a:buFontTx/>
+              <a:buChar char="-"/>
+            </a:pPr>
+            <a:r>
+              <a:rPr lang="en-US" dirty="0"/>
+              <a:t>&gt;&gt;Telemetry Service</a:t>
+            </a:r>
+          </a:p>
+          <a:p>
+            <a:pPr marL="342900" indent="-342900">
+              <a:buFontTx/>
+              <a:buChar char="-"/>
+            </a:pPr>
+            <a:r>
+              <a:rPr lang="en-US" dirty="0"/>
+              <a:t>&gt;&gt; BDP</a:t>
+            </a:r>
+          </a:p>
+          <a:p>
+            <a:pPr marL="342900" indent="-342900">
+              <a:buFontTx/>
+              <a:buChar char="-"/>
+            </a:pPr>
+            <a:r>
+              <a:rPr lang="en-US" dirty="0"/>
+              <a:t>&gt;&gt;OI</a:t>
+            </a:r>
+          </a:p>
         </p:txBody>
       </p:sp>
       <p:sp>
@@ -2642,7 +2885,7 @@
           <a:p>
             <a:r>
               <a:rPr lang="en-US" dirty="0"/>
-              <a:t>Prioritize Learning</a:t>
+              <a:t>Choosing Metrics</a:t>
             </a:r>
           </a:p>
         </p:txBody>
@@ -2650,7 +2893,7 @@
     </p:spTree>
     <p:extLst>
       <p:ext uri="{BB962C8B-B14F-4D97-AF65-F5344CB8AC3E}">
-        <p14:creationId xmlns:p14="http://schemas.microsoft.com/office/powerpoint/2010/main" val="2739072490"/>
+        <p14:creationId xmlns:p14="http://schemas.microsoft.com/office/powerpoint/2010/main" val="4288612874"/>
       </p:ext>
     </p:extLst>
   </p:cSld>
@@ -2693,50 +2936,107 @@
           <a:lstStyle/>
           <a:p>
             <a:pPr marL="342900" indent="-342900">
-              <a:buFont typeface="Arial" panose="020B0604020202020204" pitchFamily="34" charset="0"/>
-              <a:buChar char="•"/>
-            </a:pPr>
-            <a:r>
-              <a:rPr lang="en-US" dirty="0"/>
-              <a:t>Andrew’s Celebration Grid / success diagonal</a:t>
-            </a:r>
-          </a:p>
-          <a:p>
-            <a:pPr marL="342900" indent="-342900">
-              <a:buFont typeface="Arial" panose="020B0604020202020204" pitchFamily="34" charset="0"/>
-              <a:buChar char="•"/>
-            </a:pPr>
-            <a:r>
-              <a:rPr lang="en-US" dirty="0"/>
-              <a:t>So – if doing things with 50/50 odds of being successful maximize our learning, and we value learning, isn’t that an investment we’d choose, especially early in a project when being off course can be a massive problem for the success of the overall project?</a:t>
-            </a:r>
-          </a:p>
-          <a:p>
-            <a:pPr marL="342900" indent="-342900">
-              <a:buFont typeface="Arial" panose="020B0604020202020204" pitchFamily="34" charset="0"/>
-              <a:buChar char="•"/>
-            </a:pPr>
-            <a:r>
-              <a:rPr lang="en-US" dirty="0"/>
-              <a:t>Problem for the audience:  How do we truly show that we value the most efficient learning-through-doing opportunity we have?</a:t>
-            </a:r>
-          </a:p>
-          <a:p>
-            <a:pPr marL="342900" indent="-342900">
-              <a:buFont typeface="Arial" panose="020B0604020202020204" pitchFamily="34" charset="0"/>
-              <a:buChar char="•"/>
-            </a:pPr>
-            <a:endParaRPr lang="en-US" dirty="0"/>
-          </a:p>
-          <a:p>
-            <a:pPr marL="342900" indent="-342900">
-              <a:buFont typeface="Arial" panose="020B0604020202020204" pitchFamily="34" charset="0"/>
-              <a:buChar char="•"/>
-            </a:pPr>
-            <a:endParaRPr lang="en-US" dirty="0"/>
-          </a:p>
-          <a:p>
-            <a:endParaRPr lang="en-US" dirty="0"/>
+              <a:buFontTx/>
+              <a:buChar char="-"/>
+            </a:pPr>
+            <a:r>
+              <a:rPr lang="en-US" dirty="0"/>
+              <a:t>In much of our work, we’re in the “complex” – we don’t know the route to take through a problem when we start, and we have a large number of choices to make</a:t>
+            </a:r>
+          </a:p>
+          <a:p>
+            <a:pPr marL="342900" indent="-342900">
+              <a:buFontTx/>
+              <a:buChar char="-"/>
+            </a:pPr>
+            <a:endParaRPr lang="en-US" dirty="0"/>
+          </a:p>
+          <a:p>
+            <a:pPr marL="342900" indent="-342900">
+              <a:buFontTx/>
+              <a:buChar char="-"/>
+            </a:pPr>
+            <a:r>
+              <a:rPr lang="en-US" dirty="0"/>
+              <a:t>Principles are the fundamental, abstract rules that we agree are important to us</a:t>
+            </a:r>
+          </a:p>
+          <a:p>
+            <a:pPr marL="342900" indent="-342900">
+              <a:buFontTx/>
+              <a:buChar char="-"/>
+            </a:pPr>
+            <a:r>
+              <a:rPr lang="en-US" dirty="0"/>
+              <a:t>&gt;&gt; Don’t tell us specifically what to do.  </a:t>
+            </a:r>
+          </a:p>
+          <a:p>
+            <a:pPr marL="342900" indent="-342900">
+              <a:buFontTx/>
+              <a:buChar char="-"/>
+            </a:pPr>
+            <a:r>
+              <a:rPr lang="en-US" dirty="0"/>
+              <a:t>&gt;&gt; Helps evaluate the goodness of a path we’re considering </a:t>
+            </a:r>
+          </a:p>
+          <a:p>
+            <a:pPr marL="342900" indent="-342900">
+              <a:buFontTx/>
+              <a:buChar char="-"/>
+            </a:pPr>
+            <a:r>
+              <a:rPr lang="en-US" dirty="0"/>
+              <a:t>&gt;&gt; Helps identify paths to look for</a:t>
+            </a:r>
+          </a:p>
+          <a:p>
+            <a:pPr marL="342900" indent="-342900">
+              <a:buFontTx/>
+              <a:buChar char="-"/>
+            </a:pPr>
+            <a:r>
+              <a:rPr lang="en-US" dirty="0"/>
+              <a:t>EXAMPLES – also solicit audience opinion</a:t>
+            </a:r>
+          </a:p>
+          <a:p>
+            <a:pPr marL="342900" indent="-342900">
+              <a:buFontTx/>
+              <a:buChar char="-"/>
+            </a:pPr>
+            <a:r>
+              <a:rPr lang="en-US" b="1" dirty="0"/>
+              <a:t>Cite Gil’s reference of list of Agile principles?</a:t>
+            </a:r>
+          </a:p>
+          <a:p>
+            <a:pPr marL="342900" indent="-342900">
+              <a:buFontTx/>
+              <a:buChar char="-"/>
+            </a:pPr>
+            <a:endParaRPr lang="en-US" dirty="0"/>
+          </a:p>
+          <a:p>
+            <a:pPr marL="342900" indent="-342900">
+              <a:buFontTx/>
+              <a:buChar char="-"/>
+            </a:pPr>
+            <a:r>
+              <a:rPr lang="en-US" dirty="0"/>
+              <a:t>It’s worth understanding and saying out loud the principles driving our choices – what principle drove us to choose X over Y?  </a:t>
+            </a:r>
+          </a:p>
+          <a:p>
+            <a:pPr marL="342900" indent="-342900">
+              <a:buFontTx/>
+              <a:buChar char="-"/>
+            </a:pPr>
+            <a:r>
+              <a:rPr lang="en-US" dirty="0"/>
+              <a:t>Process can be important too – when we understand how to move through a complicated space</a:t>
+            </a:r>
           </a:p>
         </p:txBody>
       </p:sp>
@@ -2750,27 +3050,14 @@
             <p:ph type="title"/>
           </p:nvPr>
         </p:nvSpPr>
-        <p:spPr>
-          <a:xfrm>
-            <a:off x="351525" y="314814"/>
-            <a:ext cx="10260547" cy="1325147"/>
-          </a:xfrm>
-        </p:spPr>
-        <p:txBody>
-          <a:bodyPr/>
-          <a:lstStyle/>
-          <a:p>
-            <a:r>
-              <a:rPr lang="en-US" dirty="0"/>
-              <a:t>Value </a:t>
-            </a:r>
-            <a:r>
-              <a:rPr lang="en-US" strike="sngStrike" dirty="0"/>
-              <a:t>failure</a:t>
-            </a:r>
-            <a:r>
-              <a:rPr lang="en-US" dirty="0"/>
-              <a:t> Learning</a:t>
+        <p:spPr/>
+        <p:txBody>
+          <a:bodyPr/>
+          <a:lstStyle/>
+          <a:p>
+            <a:r>
+              <a:rPr lang="en-US" dirty="0"/>
+              <a:t>Principle vs Process</a:t>
             </a:r>
           </a:p>
         </p:txBody>
@@ -2778,7 +3065,7 @@
     </p:spTree>
     <p:extLst>
       <p:ext uri="{BB962C8B-B14F-4D97-AF65-F5344CB8AC3E}">
-        <p14:creationId xmlns:p14="http://schemas.microsoft.com/office/powerpoint/2010/main" val="3059652846"/>
+        <p14:creationId xmlns:p14="http://schemas.microsoft.com/office/powerpoint/2010/main" val="892443849"/>
       </p:ext>
     </p:extLst>
   </p:cSld>
@@ -2821,138 +3108,48 @@
           <a:lstStyle/>
           <a:p>
             <a:pPr marL="342900" indent="-342900">
-              <a:buFont typeface="Arial" panose="020B0604020202020204" pitchFamily="34" charset="0"/>
-              <a:buChar char="•"/>
-            </a:pPr>
-            <a:r>
-              <a:rPr lang="en-US" dirty="0"/>
-              <a:t>Meeting = getting work done</a:t>
-            </a:r>
-          </a:p>
-          <a:p>
-            <a:pPr marL="342900" indent="-342900">
-              <a:buFont typeface="Arial" panose="020B0604020202020204" pitchFamily="34" charset="0"/>
-              <a:buChar char="•"/>
-            </a:pPr>
-            <a:r>
-              <a:rPr lang="en-US" dirty="0"/>
-              <a:t>(Audience poll = how true is this statement?)</a:t>
-            </a:r>
-          </a:p>
-          <a:p>
-            <a:pPr marL="342900" indent="-342900">
-              <a:buFont typeface="Arial" panose="020B0604020202020204" pitchFamily="34" charset="0"/>
-              <a:buChar char="•"/>
-            </a:pPr>
-            <a:r>
-              <a:rPr lang="en-US" dirty="0"/>
-              <a:t>(Audience) What’s wrong with the meetings you’re in?  </a:t>
-            </a:r>
-          </a:p>
-          <a:p>
-            <a:endParaRPr lang="en-US" dirty="0"/>
-          </a:p>
-          <a:p>
-            <a:pPr marL="342900" indent="-342900">
-              <a:buFont typeface="Arial" panose="020B0604020202020204" pitchFamily="34" charset="0"/>
-              <a:buChar char="•"/>
-            </a:pPr>
-            <a:r>
-              <a:rPr lang="en-US" dirty="0"/>
-              <a:t>Why are you meeting?  (What do you want to be unstuck afterward?)</a:t>
-            </a:r>
-          </a:p>
-          <a:p>
-            <a:pPr marL="342900" indent="-342900">
-              <a:buFont typeface="Arial" panose="020B0604020202020204" pitchFamily="34" charset="0"/>
-              <a:buChar char="•"/>
-            </a:pPr>
-            <a:r>
-              <a:rPr lang="en-US" dirty="0"/>
-              <a:t>&gt;&gt;Define acceptance criteria – you’ll be working toward these throughout</a:t>
-            </a:r>
-          </a:p>
-          <a:p>
-            <a:pPr marL="342900" indent="-342900">
-              <a:buFont typeface="Arial" panose="020B0604020202020204" pitchFamily="34" charset="0"/>
-              <a:buChar char="•"/>
-            </a:pPr>
-            <a:r>
-              <a:rPr lang="en-US" dirty="0"/>
-              <a:t>How will you accomplish the AC for the meeting?  (What steps/activities/topics are needed?)</a:t>
-            </a:r>
-          </a:p>
-          <a:p>
-            <a:pPr marL="342900" indent="-342900">
-              <a:buFont typeface="Arial" panose="020B0604020202020204" pitchFamily="34" charset="0"/>
-              <a:buChar char="•"/>
-            </a:pPr>
-            <a:r>
-              <a:rPr lang="en-US" dirty="0"/>
-              <a:t>&gt;&gt; Divide complex conversations into: “Problem appreciation” and, later, “Solution / Plan discussion”</a:t>
-            </a:r>
-          </a:p>
-          <a:p>
-            <a:pPr marL="342900" indent="-342900">
-              <a:buFont typeface="Arial" panose="020B0604020202020204" pitchFamily="34" charset="0"/>
-              <a:buChar char="•"/>
-            </a:pPr>
-            <a:r>
-              <a:rPr lang="en-US" dirty="0"/>
-              <a:t>Who do you need?  Really, do you need all of those people you just thought of?</a:t>
-            </a:r>
-          </a:p>
-          <a:p>
-            <a:pPr marL="342900" indent="-342900">
-              <a:buFont typeface="Arial" panose="020B0604020202020204" pitchFamily="34" charset="0"/>
-              <a:buChar char="•"/>
-            </a:pPr>
-            <a:r>
-              <a:rPr lang="en-US" dirty="0"/>
-              <a:t>&gt;&gt;Orcavengers norm of inviting everyone as optional, and those needed as mandatory</a:t>
-            </a:r>
-          </a:p>
-          <a:p>
-            <a:pPr marL="342900" indent="-342900">
-              <a:buFont typeface="Arial" panose="020B0604020202020204" pitchFamily="34" charset="0"/>
-              <a:buChar char="•"/>
-            </a:pPr>
-            <a:r>
-              <a:rPr lang="en-US" dirty="0"/>
-              <a:t>How long do you need to accomplish the goal?  Really?  That long?  How about 30 minutes less?</a:t>
-            </a:r>
-          </a:p>
-          <a:p>
-            <a:pPr marL="342900" indent="-342900">
-              <a:buFont typeface="Arial" panose="020B0604020202020204" pitchFamily="34" charset="0"/>
-              <a:buChar char="•"/>
-            </a:pPr>
-            <a:endParaRPr lang="en-US" dirty="0"/>
-          </a:p>
-          <a:p>
-            <a:pPr marL="342900" indent="-342900">
-              <a:buFont typeface="Arial" panose="020B0604020202020204" pitchFamily="34" charset="0"/>
-              <a:buChar char="•"/>
-            </a:pPr>
-            <a:r>
-              <a:rPr lang="en-US" dirty="0"/>
-              <a:t>During meeting: Make sure you’re going to get the AC done.  Call tangents.  Remind the group of the AC.  End as quickly as possible.  </a:t>
-            </a:r>
-          </a:p>
-          <a:p>
-            <a:pPr marL="342900" indent="-342900">
-              <a:buFont typeface="Arial" panose="020B0604020202020204" pitchFamily="34" charset="0"/>
-              <a:buChar char="•"/>
-            </a:pPr>
-            <a:r>
-              <a:rPr lang="en-US" dirty="0"/>
-              <a:t>Psych safety – if a high % of people contribute during a meeting, that is a sign that your team has high psych safety (and is collecting good diversity of ideas)</a:t>
-            </a:r>
-          </a:p>
-          <a:p>
-            <a:pPr marL="342900" indent="-342900">
-              <a:buFont typeface="Arial" panose="020B0604020202020204" pitchFamily="34" charset="0"/>
-              <a:buChar char="•"/>
+              <a:buFontTx/>
+              <a:buChar char="-"/>
+            </a:pPr>
+            <a:r>
+              <a:rPr lang="en-US" dirty="0"/>
+              <a:t>Specifically, prioritize work that helps us make better choices in our project.</a:t>
+            </a:r>
+          </a:p>
+          <a:p>
+            <a:pPr marL="342900" indent="-342900">
+              <a:buFontTx/>
+              <a:buChar char="-"/>
+            </a:pPr>
+            <a:r>
+              <a:rPr lang="en-US" dirty="0"/>
+              <a:t>As we learn, we reduce risk – so learn about the scariest things first.</a:t>
+            </a:r>
+          </a:p>
+          <a:p>
+            <a:pPr marL="342900" indent="-342900">
+              <a:buFontTx/>
+              <a:buChar char="-"/>
+            </a:pPr>
+            <a:r>
+              <a:rPr lang="en-US" dirty="0"/>
+              <a:t>Learning Product is another kind of Work Product</a:t>
+            </a:r>
+          </a:p>
+          <a:p>
+            <a:pPr marL="342900" indent="-342900">
+              <a:buFontTx/>
+              <a:buChar char="-"/>
+            </a:pPr>
+            <a:r>
+              <a:rPr lang="en-US" dirty="0"/>
+              <a:t>State and check assumptions</a:t>
+            </a:r>
+          </a:p>
+          <a:p>
+            <a:pPr marL="342900" indent="-342900">
+              <a:buFontTx/>
+              <a:buChar char="-"/>
             </a:pPr>
             <a:endParaRPr lang="en-US" dirty="0"/>
           </a:p>
@@ -2975,7 +3172,7 @@
           <a:p>
             <a:r>
               <a:rPr lang="en-US" dirty="0"/>
-              <a:t>Running effective meetings</a:t>
+              <a:t>Prioritize Learning</a:t>
             </a:r>
           </a:p>
         </p:txBody>
@@ -2983,7 +3180,7 @@
     </p:spTree>
     <p:extLst>
       <p:ext uri="{BB962C8B-B14F-4D97-AF65-F5344CB8AC3E}">
-        <p14:creationId xmlns:p14="http://schemas.microsoft.com/office/powerpoint/2010/main" val="3064350162"/>
+        <p14:creationId xmlns:p14="http://schemas.microsoft.com/office/powerpoint/2010/main" val="2739072490"/>
       </p:ext>
     </p:extLst>
   </p:cSld>
@@ -3031,104 +3228,44 @@
             </a:pPr>
             <a:r>
               <a:rPr lang="en-US" dirty="0"/>
-              <a:t>Something goes to prod *every* month</a:t>
-            </a:r>
-          </a:p>
-          <a:p>
-            <a:pPr marL="342900" indent="-342900">
-              <a:buFont typeface="Arial" panose="020B0604020202020204" pitchFamily="34" charset="0"/>
-              <a:buChar char="•"/>
-            </a:pPr>
-            <a:r>
-              <a:rPr lang="en-US" dirty="0"/>
-              <a:t>^^Be worried if this isn’t happening</a:t>
-            </a:r>
-          </a:p>
-          <a:p>
-            <a:pPr marL="342900" indent="-342900">
-              <a:buFont typeface="Arial" panose="020B0604020202020204" pitchFamily="34" charset="0"/>
-              <a:buChar char="•"/>
-            </a:pPr>
-            <a:r>
-              <a:rPr lang="en-US" dirty="0"/>
-              <a:t>^^Be worried if the whole thing that’s going to prod is flagged off.</a:t>
-            </a:r>
-          </a:p>
-          <a:p>
-            <a:pPr marL="342900" indent="-342900">
-              <a:buFont typeface="Arial" panose="020B0604020202020204" pitchFamily="34" charset="0"/>
-              <a:buChar char="•"/>
-            </a:pPr>
-            <a:r>
-              <a:rPr lang="en-US" dirty="0"/>
-              <a:t>Everything that we build that isn’t on in prod adds risk **is there a good metaphor here?*  (Packing the back of a mini van?)</a:t>
-            </a:r>
-          </a:p>
-          <a:p>
-            <a:pPr marL="342900" indent="-342900">
-              <a:buFont typeface="Arial" panose="020B0604020202020204" pitchFamily="34" charset="0"/>
-              <a:buChar char="•"/>
-            </a:pPr>
-            <a:r>
-              <a:rPr lang="en-US" dirty="0"/>
-              <a:t>But how do we do that?</a:t>
-            </a:r>
-          </a:p>
-          <a:p>
-            <a:pPr marL="342900" indent="-342900">
-              <a:buFont typeface="Arial" panose="020B0604020202020204" pitchFamily="34" charset="0"/>
-              <a:buChar char="•"/>
-            </a:pPr>
-            <a:r>
-              <a:rPr lang="en-US" dirty="0"/>
-              <a:t>&gt;&gt;Ask: How can we do less?</a:t>
-            </a:r>
-          </a:p>
-          <a:p>
-            <a:pPr marL="342900" indent="-342900">
-              <a:buFont typeface="Arial" panose="020B0604020202020204" pitchFamily="34" charset="0"/>
-              <a:buChar char="•"/>
-            </a:pPr>
-            <a:r>
-              <a:rPr lang="en-US" dirty="0"/>
-              <a:t>&gt;&gt;Plan for a MUCH smaller commitment, with an understanding of how to deliver the next step</a:t>
-            </a:r>
-          </a:p>
-          <a:p>
-            <a:pPr marL="342900" indent="-342900">
-              <a:buFont typeface="Arial" panose="020B0604020202020204" pitchFamily="34" charset="0"/>
-              <a:buChar char="•"/>
-            </a:pPr>
-            <a:r>
-              <a:rPr lang="en-US" dirty="0"/>
-              <a:t>Be okay with slack (maybe more on slack later)</a:t>
-            </a:r>
-          </a:p>
-          <a:p>
-            <a:pPr marL="342900" indent="-342900">
-              <a:buFont typeface="Arial" panose="020B0604020202020204" pitchFamily="34" charset="0"/>
-              <a:buChar char="•"/>
-            </a:pPr>
-            <a:r>
-              <a:rPr lang="en-US" dirty="0"/>
-              <a:t>Early in the project particularly, de-risk – tackle in order that prioritizes learning which is a lot like saying tackle the riskiest items first</a:t>
-            </a:r>
-          </a:p>
-          <a:p>
-            <a:pPr marL="342900" indent="-342900">
-              <a:buFont typeface="Arial" panose="020B0604020202020204" pitchFamily="34" charset="0"/>
-              <a:buChar char="•"/>
-            </a:pPr>
-            <a:r>
-              <a:rPr lang="en-US" dirty="0"/>
-              <a:t>Be really careful not to slice too thin – easy to say you’ll “add on A11y” later…</a:t>
-            </a:r>
-          </a:p>
-          <a:p>
-            <a:pPr marL="342900" indent="-342900">
-              <a:buFont typeface="Arial" panose="020B0604020202020204" pitchFamily="34" charset="0"/>
-              <a:buChar char="•"/>
-            </a:pPr>
+              <a:t>Andrew’s Celebration Grid / success diagonal</a:t>
+            </a:r>
+          </a:p>
+          <a:p>
+            <a:pPr marL="342900" indent="-342900">
+              <a:buFont typeface="Arial" panose="020B0604020202020204" pitchFamily="34" charset="0"/>
+              <a:buChar char="•"/>
+            </a:pPr>
+            <a:r>
+              <a:rPr lang="en-US" dirty="0"/>
+              <a:t>So – if doing things with 50/50 odds of being successful maximize our learning, and we value learning, isn’t that an investment we’d choose, especially early in a project when being off course can be a massive problem for the success of the overall project?</a:t>
+            </a:r>
+          </a:p>
+          <a:p>
+            <a:pPr marL="342900" indent="-342900">
+              <a:buFont typeface="Arial" panose="020B0604020202020204" pitchFamily="34" charset="0"/>
+              <a:buChar char="•"/>
+            </a:pPr>
+            <a:r>
+              <a:rPr lang="en-US" dirty="0"/>
+              <a:t>Problem for the audience:  How do we truly show that we value the most efficient learning-through-doing opportunity we have?</a:t>
+            </a:r>
+          </a:p>
+          <a:p>
+            <a:pPr marL="342900" indent="-342900">
+              <a:buFont typeface="Arial" panose="020B0604020202020204" pitchFamily="34" charset="0"/>
+              <a:buChar char="•"/>
+            </a:pPr>
+            <a:endParaRPr lang="en-US" dirty="0"/>
+          </a:p>
+          <a:p>
+            <a:pPr marL="342900" indent="-342900">
+              <a:buFont typeface="Arial" panose="020B0604020202020204" pitchFamily="34" charset="0"/>
+              <a:buChar char="•"/>
+            </a:pPr>
+            <a:endParaRPr lang="en-US" dirty="0"/>
+          </a:p>
+          <a:p>
             <a:endParaRPr lang="en-US" dirty="0"/>
           </a:p>
         </p:txBody>
@@ -3143,14 +3280,27 @@
             <p:ph type="title"/>
           </p:nvPr>
         </p:nvSpPr>
-        <p:spPr/>
-        <p:txBody>
-          <a:bodyPr/>
-          <a:lstStyle/>
-          <a:p>
-            <a:r>
-              <a:rPr lang="en-US" dirty="0"/>
-              <a:t>Relentlessly thin slice</a:t>
+        <p:spPr>
+          <a:xfrm>
+            <a:off x="351525" y="314814"/>
+            <a:ext cx="10260547" cy="1325147"/>
+          </a:xfrm>
+        </p:spPr>
+        <p:txBody>
+          <a:bodyPr/>
+          <a:lstStyle/>
+          <a:p>
+            <a:r>
+              <a:rPr lang="en-US" dirty="0"/>
+              <a:t>Value </a:t>
+            </a:r>
+            <a:r>
+              <a:rPr lang="en-US" strike="sngStrike" dirty="0"/>
+              <a:t>failure</a:t>
+            </a:r>
+            <a:r>
+              <a:rPr lang="en-US" dirty="0"/>
+              <a:t> Learning</a:t>
             </a:r>
           </a:p>
         </p:txBody>
@@ -3158,7 +3308,7 @@
     </p:spTree>
     <p:extLst>
       <p:ext uri="{BB962C8B-B14F-4D97-AF65-F5344CB8AC3E}">
-        <p14:creationId xmlns:p14="http://schemas.microsoft.com/office/powerpoint/2010/main" val="1633579186"/>
+        <p14:creationId xmlns:p14="http://schemas.microsoft.com/office/powerpoint/2010/main" val="3059652846"/>
       </p:ext>
     </p:extLst>
   </p:cSld>
@@ -3201,106 +3351,140 @@
           <a:lstStyle/>
           <a:p>
             <a:pPr marL="342900" indent="-342900">
-              <a:buFontTx/>
-              <a:buChar char="-"/>
-            </a:pPr>
-            <a:r>
-              <a:rPr lang="en-US" dirty="0"/>
-              <a:t>Queuing theory tells us that systems operate at max throughput when at &lt; 100% capacity</a:t>
-            </a:r>
-          </a:p>
-          <a:p>
-            <a:pPr marL="342900" indent="-342900">
-              <a:buFontTx/>
-              <a:buChar char="-"/>
-            </a:pPr>
-            <a:r>
-              <a:rPr lang="en-US" dirty="0"/>
-              <a:t>What do you do when a car in front of you on the 401 swerves or slams on brakes?  If you’re 20m away?  200m?</a:t>
-            </a:r>
-          </a:p>
-          <a:p>
-            <a:pPr marL="342900" indent="-342900">
-              <a:buFontTx/>
-              <a:buChar char="-"/>
-            </a:pPr>
-            <a:r>
-              <a:rPr lang="en-US" dirty="0"/>
-              <a:t>In engineering, slack lets us:</a:t>
-            </a:r>
-          </a:p>
-          <a:p>
-            <a:pPr marL="342900" indent="-342900">
-              <a:buFontTx/>
-              <a:buChar char="-"/>
-            </a:pPr>
-            <a:r>
-              <a:rPr lang="en-US" dirty="0"/>
-              <a:t>&gt;&gt; Avoid abrupt overreaction to change </a:t>
-            </a:r>
-          </a:p>
-          <a:p>
-            <a:pPr marL="342900" indent="-342900">
-              <a:buFontTx/>
-              <a:buChar char="-"/>
-            </a:pPr>
-            <a:r>
-              <a:rPr lang="en-US" dirty="0"/>
-              <a:t>&gt;&gt; Avoid quality compromises that cost more in the long run</a:t>
-            </a:r>
-          </a:p>
-          <a:p>
-            <a:pPr marL="342900" indent="-342900">
-              <a:buFontTx/>
-              <a:buChar char="-"/>
-            </a:pPr>
-            <a:r>
-              <a:rPr lang="en-US" dirty="0"/>
-              <a:t>&gt;&gt; Be fundamentally more calm while working</a:t>
-            </a:r>
-          </a:p>
-          <a:p>
-            <a:pPr marL="342900" indent="-342900">
-              <a:buFontTx/>
-              <a:buChar char="-"/>
-            </a:pPr>
-            <a:r>
-              <a:rPr lang="en-US" dirty="0"/>
-              <a:t>&gt;&gt; Spend time on getting better at what we do so that next time we’ll be faster</a:t>
-            </a:r>
-          </a:p>
-          <a:p>
-            <a:pPr marL="342900" indent="-342900">
-              <a:buFontTx/>
-              <a:buChar char="-"/>
-            </a:pPr>
-            <a:r>
-              <a:rPr lang="en-US" dirty="0"/>
-              <a:t>&gt;&gt; Enables learning</a:t>
-            </a:r>
-          </a:p>
-          <a:p>
-            <a:endParaRPr lang="en-US" dirty="0"/>
-          </a:p>
-          <a:p>
-            <a:pPr marL="342900" indent="-342900">
-              <a:buFontTx/>
-              <a:buChar char="-"/>
-            </a:pPr>
-            <a:r>
-              <a:rPr lang="en-US" dirty="0"/>
-              <a:t>Sprints for very short periods to complete a clearly understood goal can be okay, but if they’re sustained or frequent, we’re not making the right long term choices. </a:t>
-            </a:r>
-          </a:p>
-          <a:p>
-            <a:pPr marL="342900" indent="-342900">
-              <a:buFontTx/>
-              <a:buChar char="-"/>
-            </a:pPr>
-            <a:r>
-              <a:rPr lang="en-US" dirty="0"/>
-              <a:t>In my experience, the team is its own worst enemy for this</a:t>
-            </a:r>
+              <a:buFont typeface="Arial" panose="020B0604020202020204" pitchFamily="34" charset="0"/>
+              <a:buChar char="•"/>
+            </a:pPr>
+            <a:r>
+              <a:rPr lang="en-US" dirty="0"/>
+              <a:t>Meeting = getting work done</a:t>
+            </a:r>
+          </a:p>
+          <a:p>
+            <a:pPr marL="342900" indent="-342900">
+              <a:buFont typeface="Arial" panose="020B0604020202020204" pitchFamily="34" charset="0"/>
+              <a:buChar char="•"/>
+            </a:pPr>
+            <a:r>
+              <a:rPr lang="en-US" dirty="0"/>
+              <a:t>(Audience poll = how true is this statement?)</a:t>
+            </a:r>
+          </a:p>
+          <a:p>
+            <a:pPr marL="342900" indent="-342900">
+              <a:buFont typeface="Arial" panose="020B0604020202020204" pitchFamily="34" charset="0"/>
+              <a:buChar char="•"/>
+            </a:pPr>
+            <a:r>
+              <a:rPr lang="en-US" dirty="0"/>
+              <a:t>(Audience) What’s wrong with the meetings you’re in?  </a:t>
+            </a:r>
+          </a:p>
+          <a:p>
+            <a:endParaRPr lang="en-US" dirty="0"/>
+          </a:p>
+          <a:p>
+            <a:pPr marL="342900" indent="-342900">
+              <a:buFont typeface="Arial" panose="020B0604020202020204" pitchFamily="34" charset="0"/>
+              <a:buChar char="•"/>
+            </a:pPr>
+            <a:r>
+              <a:rPr lang="en-US" dirty="0"/>
+              <a:t>Why are you meeting?  (What do you want to be unstuck afterward?)</a:t>
+            </a:r>
+          </a:p>
+          <a:p>
+            <a:pPr marL="342900" indent="-342900">
+              <a:buFont typeface="Arial" panose="020B0604020202020204" pitchFamily="34" charset="0"/>
+              <a:buChar char="•"/>
+            </a:pPr>
+            <a:r>
+              <a:rPr lang="en-US" dirty="0"/>
+              <a:t>&gt;&gt;Define acceptance criteria – you’ll be working toward these throughout</a:t>
+            </a:r>
+          </a:p>
+          <a:p>
+            <a:pPr marL="342900" indent="-342900">
+              <a:buFont typeface="Arial" panose="020B0604020202020204" pitchFamily="34" charset="0"/>
+              <a:buChar char="•"/>
+            </a:pPr>
+            <a:r>
+              <a:rPr lang="en-US" dirty="0"/>
+              <a:t>How will you accomplish the AC for the meeting?  (What steps/activities/topics are needed?)</a:t>
+            </a:r>
+          </a:p>
+          <a:p>
+            <a:pPr marL="342900" indent="-342900">
+              <a:buFont typeface="Arial" panose="020B0604020202020204" pitchFamily="34" charset="0"/>
+              <a:buChar char="•"/>
+            </a:pPr>
+            <a:r>
+              <a:rPr lang="en-US" dirty="0"/>
+              <a:t>&gt;&gt; Divide complex conversations into: “Problem appreciation” and, later, “Solution / Plan discussion”</a:t>
+            </a:r>
+          </a:p>
+          <a:p>
+            <a:pPr marL="342900" indent="-342900">
+              <a:buFont typeface="Arial" panose="020B0604020202020204" pitchFamily="34" charset="0"/>
+              <a:buChar char="•"/>
+            </a:pPr>
+            <a:r>
+              <a:rPr lang="en-US" dirty="0"/>
+              <a:t>Who do you need?  Really, do you need all of those people you just thought of?</a:t>
+            </a:r>
+          </a:p>
+          <a:p>
+            <a:pPr marL="342900" indent="-342900">
+              <a:buFont typeface="Arial" panose="020B0604020202020204" pitchFamily="34" charset="0"/>
+              <a:buChar char="•"/>
+            </a:pPr>
+            <a:r>
+              <a:rPr lang="en-US" dirty="0"/>
+              <a:t>&gt;&gt;Orcavengers norm of inviting everyone as optional, and those needed as mandatory</a:t>
+            </a:r>
+          </a:p>
+          <a:p>
+            <a:pPr marL="342900" indent="-342900">
+              <a:buFont typeface="Arial" panose="020B0604020202020204" pitchFamily="34" charset="0"/>
+              <a:buChar char="•"/>
+            </a:pPr>
+            <a:r>
+              <a:rPr lang="en-US" dirty="0"/>
+              <a:t>How long do you need to accomplish the goal?  Really?  That long?  How about 30 minutes less?</a:t>
+            </a:r>
+          </a:p>
+          <a:p>
+            <a:pPr marL="342900" indent="-342900">
+              <a:buFont typeface="Arial" panose="020B0604020202020204" pitchFamily="34" charset="0"/>
+              <a:buChar char="•"/>
+            </a:pPr>
+            <a:endParaRPr lang="en-US" dirty="0"/>
+          </a:p>
+          <a:p>
+            <a:pPr marL="342900" indent="-342900">
+              <a:buFont typeface="Arial" panose="020B0604020202020204" pitchFamily="34" charset="0"/>
+              <a:buChar char="•"/>
+            </a:pPr>
+            <a:r>
+              <a:rPr lang="en-US" dirty="0"/>
+              <a:t>During meeting: Make sure you’re going to get the AC done.  Call tangents.  Remind the group of the AC.  End as quickly as possible.  </a:t>
+            </a:r>
+          </a:p>
+          <a:p>
+            <a:pPr marL="342900" indent="-342900">
+              <a:buFont typeface="Arial" panose="020B0604020202020204" pitchFamily="34" charset="0"/>
+              <a:buChar char="•"/>
+            </a:pPr>
+            <a:r>
+              <a:rPr lang="en-US" dirty="0"/>
+              <a:t>Psych safety – if a high % of people contribute during a meeting, that is a sign that your team has high psych safety (and is collecting good diversity of ideas)</a:t>
+            </a:r>
+          </a:p>
+          <a:p>
+            <a:pPr marL="342900" indent="-342900">
+              <a:buFont typeface="Arial" panose="020B0604020202020204" pitchFamily="34" charset="0"/>
+              <a:buChar char="•"/>
+            </a:pPr>
+            <a:endParaRPr lang="en-US" dirty="0"/>
           </a:p>
         </p:txBody>
       </p:sp>
@@ -3321,7 +3505,7 @@
           <a:p>
             <a:r>
               <a:rPr lang="en-US" dirty="0"/>
-              <a:t>Maintain Slack</a:t>
+              <a:t>Running effective meetings</a:t>
             </a:r>
           </a:p>
         </p:txBody>
@@ -3329,7 +3513,7 @@
     </p:spTree>
     <p:extLst>
       <p:ext uri="{BB962C8B-B14F-4D97-AF65-F5344CB8AC3E}">
-        <p14:creationId xmlns:p14="http://schemas.microsoft.com/office/powerpoint/2010/main" val="699903430"/>
+        <p14:creationId xmlns:p14="http://schemas.microsoft.com/office/powerpoint/2010/main" val="3064350162"/>
       </p:ext>
     </p:extLst>
   </p:cSld>
@@ -3377,48 +3561,105 @@
             </a:pPr>
             <a:r>
               <a:rPr lang="en-US" dirty="0"/>
-              <a:t>Maximize the value in what you’ve built</a:t>
-            </a:r>
-          </a:p>
-          <a:p>
-            <a:pPr marL="342900" indent="-342900">
-              <a:buFont typeface="Arial" panose="020B0604020202020204" pitchFamily="34" charset="0"/>
-              <a:buChar char="•"/>
-            </a:pPr>
-            <a:r>
-              <a:rPr lang="en-US" dirty="0"/>
-              <a:t>&gt;&gt;Can others use it?</a:t>
-            </a:r>
-          </a:p>
-          <a:p>
-            <a:pPr marL="342900" indent="-342900">
-              <a:buFont typeface="Arial" panose="020B0604020202020204" pitchFamily="34" charset="0"/>
-              <a:buChar char="•"/>
-            </a:pPr>
-            <a:r>
-              <a:rPr lang="en-US" dirty="0"/>
-              <a:t>&gt;&gt;Can others learn from your mistakes?</a:t>
-            </a:r>
-          </a:p>
-          <a:p>
-            <a:pPr marL="342900" indent="-342900">
-              <a:buFont typeface="Arial" panose="020B0604020202020204" pitchFamily="34" charset="0"/>
-              <a:buChar char="•"/>
-            </a:pPr>
-            <a:r>
-              <a:rPr lang="en-US" dirty="0"/>
-              <a:t>&gt;&gt;Are there adjacent problems it can solve?</a:t>
-            </a:r>
-          </a:p>
-          <a:p>
-            <a:pPr marL="342900" indent="-342900">
-              <a:buFont typeface="Arial" panose="020B0604020202020204" pitchFamily="34" charset="0"/>
-              <a:buChar char="•"/>
-            </a:pPr>
-            <a:r>
-              <a:rPr lang="en-US" dirty="0"/>
-              <a:t>&gt;&gt;Should other people know about it?</a:t>
-            </a:r>
+              <a:t>Something goes to prod *every* month</a:t>
+            </a:r>
+          </a:p>
+          <a:p>
+            <a:pPr marL="342900" indent="-342900">
+              <a:buFont typeface="Arial" panose="020B0604020202020204" pitchFamily="34" charset="0"/>
+              <a:buChar char="•"/>
+            </a:pPr>
+            <a:r>
+              <a:rPr lang="en-US" dirty="0"/>
+              <a:t>^^Be worried if this isn’t happening</a:t>
+            </a:r>
+          </a:p>
+          <a:p>
+            <a:pPr marL="342900" indent="-342900">
+              <a:buFont typeface="Arial" panose="020B0604020202020204" pitchFamily="34" charset="0"/>
+              <a:buChar char="•"/>
+            </a:pPr>
+            <a:r>
+              <a:rPr lang="en-US" dirty="0"/>
+              <a:t>^^Be worried if the whole thing that’s going to prod is flagged off.</a:t>
+            </a:r>
+          </a:p>
+          <a:p>
+            <a:pPr marL="342900" indent="-342900">
+              <a:buFont typeface="Arial" panose="020B0604020202020204" pitchFamily="34" charset="0"/>
+              <a:buChar char="•"/>
+            </a:pPr>
+            <a:r>
+              <a:rPr lang="en-US" dirty="0"/>
+              <a:t>Everything that we build that isn’t on in prod adds risk **is there a good metaphor here?*  (Packing the back of a mini van?)</a:t>
+            </a:r>
+          </a:p>
+          <a:p>
+            <a:pPr marL="342900" indent="-342900">
+              <a:buFont typeface="Arial" panose="020B0604020202020204" pitchFamily="34" charset="0"/>
+              <a:buChar char="•"/>
+            </a:pPr>
+            <a:r>
+              <a:rPr lang="en-US" dirty="0"/>
+              <a:t>But how do we break up our work to do that?</a:t>
+            </a:r>
+          </a:p>
+          <a:p>
+            <a:pPr marL="342900" indent="-342900">
+              <a:buFont typeface="Arial" panose="020B0604020202020204" pitchFamily="34" charset="0"/>
+              <a:buChar char="•"/>
+            </a:pPr>
+            <a:r>
+              <a:rPr lang="en-US" dirty="0"/>
+              <a:t>&gt;&gt;Ask: How can we do less?  </a:t>
+            </a:r>
+          </a:p>
+          <a:p>
+            <a:pPr marL="342900" indent="-342900">
+              <a:buFont typeface="Arial" panose="020B0604020202020204" pitchFamily="34" charset="0"/>
+              <a:buChar char="•"/>
+            </a:pPr>
+            <a:r>
+              <a:rPr lang="en-US" dirty="0"/>
+              <a:t>&gt;&gt;Plan for a MUCH smaller commitment, with an understanding of how to deliver the next step (i.e. the next things you can pull mid-way through that sprint should be well organized and important.)</a:t>
+            </a:r>
+          </a:p>
+          <a:p>
+            <a:pPr marL="342900" indent="-342900">
+              <a:buFont typeface="Arial" panose="020B0604020202020204" pitchFamily="34" charset="0"/>
+              <a:buChar char="•"/>
+            </a:pPr>
+            <a:r>
+              <a:rPr lang="en-US" dirty="0"/>
+              <a:t>&gt;&gt;Go to Carl Pacey’s talk</a:t>
+            </a:r>
+          </a:p>
+          <a:p>
+            <a:pPr marL="342900" indent="-342900">
+              <a:buFont typeface="Arial" panose="020B0604020202020204" pitchFamily="34" charset="0"/>
+              <a:buChar char="•"/>
+            </a:pPr>
+            <a:r>
+              <a:rPr lang="en-US" dirty="0"/>
+              <a:t>Early in the project particularly, de-risk – tackle in order that prioritizes learning which is a lot like saying tackle the riskiest items first</a:t>
+            </a:r>
+          </a:p>
+          <a:p>
+            <a:pPr marL="342900" indent="-342900">
+              <a:buFont typeface="Arial" panose="020B0604020202020204" pitchFamily="34" charset="0"/>
+              <a:buChar char="•"/>
+            </a:pPr>
+            <a:r>
+              <a:rPr lang="en-US" dirty="0"/>
+              <a:t>Be really careful not to slice too thin – easy to say you’ll “add on A11y” later…</a:t>
+            </a:r>
+          </a:p>
+          <a:p>
+            <a:pPr marL="342900" indent="-342900">
+              <a:buFont typeface="Arial" panose="020B0604020202020204" pitchFamily="34" charset="0"/>
+              <a:buChar char="•"/>
+            </a:pPr>
+            <a:endParaRPr lang="en-US" dirty="0"/>
           </a:p>
         </p:txBody>
       </p:sp>
@@ -3439,7 +3680,7 @@
           <a:p>
             <a:r>
               <a:rPr lang="en-US" dirty="0"/>
-              <a:t>Find the value</a:t>
+              <a:t>Relentlessly thin slice</a:t>
             </a:r>
           </a:p>
         </p:txBody>
@@ -3447,7 +3688,7 @@
     </p:spTree>
     <p:extLst>
       <p:ext uri="{BB962C8B-B14F-4D97-AF65-F5344CB8AC3E}">
-        <p14:creationId xmlns:p14="http://schemas.microsoft.com/office/powerpoint/2010/main" val="3577699935"/>
+        <p14:creationId xmlns:p14="http://schemas.microsoft.com/office/powerpoint/2010/main" val="1633579186"/>
       </p:ext>
     </p:extLst>
   </p:cSld>
@@ -3490,70 +3731,106 @@
           <a:lstStyle/>
           <a:p>
             <a:pPr marL="342900" indent="-342900">
-              <a:buFont typeface="Arial" panose="020B0604020202020204" pitchFamily="34" charset="0"/>
-              <a:buChar char="•"/>
-            </a:pPr>
-            <a:r>
-              <a:rPr lang="en-US" dirty="0"/>
-              <a:t>It’s tempting to build forever</a:t>
-            </a:r>
-          </a:p>
-          <a:p>
-            <a:pPr marL="342900" indent="-342900">
-              <a:buFont typeface="Arial" panose="020B0604020202020204" pitchFamily="34" charset="0"/>
-              <a:buChar char="•"/>
-            </a:pPr>
-            <a:r>
-              <a:rPr lang="en-US" dirty="0"/>
-              <a:t>We want to get to done, but not everything on the list will be finished</a:t>
-            </a:r>
-          </a:p>
-          <a:p>
-            <a:pPr marL="342900" indent="-342900">
-              <a:buFont typeface="Arial" panose="020B0604020202020204" pitchFamily="34" charset="0"/>
-              <a:buChar char="•"/>
-            </a:pPr>
-            <a:r>
-              <a:rPr lang="en-US" dirty="0"/>
-              <a:t>How to decide?</a:t>
-            </a:r>
-          </a:p>
-          <a:p>
-            <a:pPr marL="342900" indent="-342900">
-              <a:buFont typeface="Arial" panose="020B0604020202020204" pitchFamily="34" charset="0"/>
-              <a:buChar char="•"/>
-            </a:pPr>
-            <a:r>
-              <a:rPr lang="en-US" dirty="0"/>
-              <a:t>&gt;&gt; Will we naturally discover this work in the future with low pain?</a:t>
-            </a:r>
-          </a:p>
-          <a:p>
-            <a:pPr marL="342900" indent="-342900">
-              <a:buFont typeface="Arial" panose="020B0604020202020204" pitchFamily="34" charset="0"/>
-              <a:buChar char="•"/>
-            </a:pPr>
-            <a:r>
-              <a:rPr lang="en-US" dirty="0"/>
-              <a:t>&gt;&gt; Does this work align better with another project?</a:t>
-            </a:r>
-          </a:p>
-          <a:p>
-            <a:pPr marL="342900" indent="-342900">
-              <a:buFont typeface="Arial" panose="020B0604020202020204" pitchFamily="34" charset="0"/>
-              <a:buChar char="•"/>
-            </a:pPr>
-            <a:r>
-              <a:rPr lang="en-US" dirty="0"/>
-              <a:t>&gt;&gt; Will the work really make a difference to our metrics (the what/why)?</a:t>
-            </a:r>
-          </a:p>
-          <a:p>
-            <a:pPr marL="342900" indent="-342900">
-              <a:buFont typeface="Arial" panose="020B0604020202020204" pitchFamily="34" charset="0"/>
-              <a:buChar char="•"/>
-            </a:pPr>
-            <a:endParaRPr lang="en-US" dirty="0"/>
+              <a:buFontTx/>
+              <a:buChar char="-"/>
+            </a:pPr>
+            <a:r>
+              <a:rPr lang="en-US" dirty="0"/>
+              <a:t>Queuing theory tells us that systems operate at max throughput when at &lt; 100% capacity</a:t>
+            </a:r>
+          </a:p>
+          <a:p>
+            <a:pPr marL="342900" indent="-342900">
+              <a:buFontTx/>
+              <a:buChar char="-"/>
+            </a:pPr>
+            <a:r>
+              <a:rPr lang="en-US" dirty="0"/>
+              <a:t>What do you do when a car in front of you on the 401 swerves or slams on brakes?  If you’re 20m away?  200m?</a:t>
+            </a:r>
+          </a:p>
+          <a:p>
+            <a:pPr marL="342900" indent="-342900">
+              <a:buFontTx/>
+              <a:buChar char="-"/>
+            </a:pPr>
+            <a:r>
+              <a:rPr lang="en-US" dirty="0"/>
+              <a:t>In engineering, slack lets us:</a:t>
+            </a:r>
+          </a:p>
+          <a:p>
+            <a:pPr marL="342900" indent="-342900">
+              <a:buFontTx/>
+              <a:buChar char="-"/>
+            </a:pPr>
+            <a:r>
+              <a:rPr lang="en-US" dirty="0"/>
+              <a:t>&gt;&gt; Avoid abrupt, expensive overreaction to change </a:t>
+            </a:r>
+          </a:p>
+          <a:p>
+            <a:pPr marL="342900" indent="-342900">
+              <a:buFontTx/>
+              <a:buChar char="-"/>
+            </a:pPr>
+            <a:r>
+              <a:rPr lang="en-US" dirty="0"/>
+              <a:t>&gt;&gt; Avoid quality compromises that cost more in the long run</a:t>
+            </a:r>
+          </a:p>
+          <a:p>
+            <a:pPr marL="342900" indent="-342900">
+              <a:buFontTx/>
+              <a:buChar char="-"/>
+            </a:pPr>
+            <a:r>
+              <a:rPr lang="en-US" dirty="0"/>
+              <a:t>&gt;&gt; Be fundamentally more calm while working</a:t>
+            </a:r>
+          </a:p>
+          <a:p>
+            <a:pPr marL="342900" indent="-342900">
+              <a:buFontTx/>
+              <a:buChar char="-"/>
+            </a:pPr>
+            <a:r>
+              <a:rPr lang="en-US" dirty="0"/>
+              <a:t>&gt;&gt; Spend time on getting better at what we do so that next time we’ll be faster</a:t>
+            </a:r>
+          </a:p>
+          <a:p>
+            <a:pPr marL="342900" indent="-342900">
+              <a:buFontTx/>
+              <a:buChar char="-"/>
+            </a:pPr>
+            <a:r>
+              <a:rPr lang="en-US" dirty="0"/>
+              <a:t>&gt;&gt; Enables learning</a:t>
+            </a:r>
+          </a:p>
+          <a:p>
+            <a:endParaRPr lang="en-US" dirty="0"/>
+          </a:p>
+          <a:p>
+            <a:pPr marL="342900" indent="-342900">
+              <a:buFontTx/>
+              <a:buChar char="-"/>
+            </a:pPr>
+            <a:r>
+              <a:rPr lang="en-US" dirty="0"/>
+              <a:t>Sprints for very short periods to complete a clearly understood goal can be okay, but if they’re sustained or frequent, we’re not making the right long term choices. </a:t>
+            </a:r>
+          </a:p>
+          <a:p>
+            <a:pPr marL="342900" indent="-342900">
+              <a:buFontTx/>
+              <a:buChar char="-"/>
+            </a:pPr>
+            <a:r>
+              <a:rPr lang="en-US" dirty="0"/>
+              <a:t>In my experience, the team is one of the forces that *decreases* slack</a:t>
+            </a:r>
           </a:p>
         </p:txBody>
       </p:sp>
@@ -3574,7 +3851,7 @@
           <a:p>
             <a:r>
               <a:rPr lang="en-US" dirty="0"/>
-              <a:t>Find the exit</a:t>
+              <a:t>Maintain Slack</a:t>
             </a:r>
           </a:p>
         </p:txBody>
@@ -3582,7 +3859,7 @@
     </p:spTree>
     <p:extLst>
       <p:ext uri="{BB962C8B-B14F-4D97-AF65-F5344CB8AC3E}">
-        <p14:creationId xmlns:p14="http://schemas.microsoft.com/office/powerpoint/2010/main" val="2816568057"/>
+        <p14:creationId xmlns:p14="http://schemas.microsoft.com/office/powerpoint/2010/main" val="699903430"/>
       </p:ext>
     </p:extLst>
   </p:cSld>
@@ -3624,16 +3901,54 @@
           <a:bodyPr/>
           <a:lstStyle/>
           <a:p>
-            <a:r>
-              <a:rPr lang="en-US" dirty="0"/>
-              <a:t>In all that we spend our time on, we will learn.  We will never just blindly do.  Even if we accomplish our original goal, we’ve made poor use of our time, and we will be in this swamp again.</a:t>
-            </a:r>
-          </a:p>
-          <a:p>
-            <a:endParaRPr lang="en-US" dirty="0"/>
-          </a:p>
-          <a:p>
-            <a:endParaRPr lang="en-US" dirty="0"/>
+            <a:pPr marL="342900" indent="-342900">
+              <a:buFont typeface="Arial" panose="020B0604020202020204" pitchFamily="34" charset="0"/>
+              <a:buChar char="•"/>
+            </a:pPr>
+            <a:r>
+              <a:rPr lang="en-US" dirty="0"/>
+              <a:t>Maximize the value in what you’ve built</a:t>
+            </a:r>
+          </a:p>
+          <a:p>
+            <a:pPr marL="342900" indent="-342900">
+              <a:buFont typeface="Arial" panose="020B0604020202020204" pitchFamily="34" charset="0"/>
+              <a:buChar char="•"/>
+            </a:pPr>
+            <a:r>
+              <a:rPr lang="en-US" dirty="0"/>
+              <a:t>&gt;&gt;Can others use it?</a:t>
+            </a:r>
+          </a:p>
+          <a:p>
+            <a:pPr marL="342900" indent="-342900">
+              <a:buFont typeface="Arial" panose="020B0604020202020204" pitchFamily="34" charset="0"/>
+              <a:buChar char="•"/>
+            </a:pPr>
+            <a:r>
+              <a:rPr lang="en-US" dirty="0"/>
+              <a:t>&gt;&gt;Can others learn from your mistakes?</a:t>
+            </a:r>
+          </a:p>
+          <a:p>
+            <a:pPr marL="342900" indent="-342900">
+              <a:buFont typeface="Arial" panose="020B0604020202020204" pitchFamily="34" charset="0"/>
+              <a:buChar char="•"/>
+            </a:pPr>
+            <a:r>
+              <a:rPr lang="en-US" dirty="0"/>
+              <a:t>&gt;&gt;Are there adjacent problems it can solve?</a:t>
+            </a:r>
+          </a:p>
+          <a:p>
+            <a:pPr marL="342900" indent="-342900">
+              <a:buFont typeface="Arial" panose="020B0604020202020204" pitchFamily="34" charset="0"/>
+              <a:buChar char="•"/>
+            </a:pPr>
+            <a:r>
+              <a:rPr lang="en-US" dirty="0"/>
+              <a:t>&gt;&gt;Should other people know about it?</a:t>
+            </a:r>
           </a:p>
         </p:txBody>
       </p:sp>
@@ -3654,7 +3969,7 @@
           <a:p>
             <a:r>
               <a:rPr lang="en-US" dirty="0"/>
-              <a:t>We learn</a:t>
+              <a:t>Find the value</a:t>
             </a:r>
           </a:p>
         </p:txBody>
@@ -3662,7 +3977,7 @@
     </p:spTree>
     <p:extLst>
       <p:ext uri="{BB962C8B-B14F-4D97-AF65-F5344CB8AC3E}">
-        <p14:creationId xmlns:p14="http://schemas.microsoft.com/office/powerpoint/2010/main" val="1116692367"/>
+        <p14:creationId xmlns:p14="http://schemas.microsoft.com/office/powerpoint/2010/main" val="3577699935"/>
       </p:ext>
     </p:extLst>
   </p:cSld>
@@ -3783,7 +4098,113 @@
       </p:grpSpPr>
       <p:sp>
         <p:nvSpPr>
-          <p:cNvPr id="4" name="Title 3"/>
+          <p:cNvPr id="2" name="Text Placeholder 1"/>
+          <p:cNvSpPr>
+            <a:spLocks noGrp="1"/>
+          </p:cNvSpPr>
+          <p:nvPr>
+            <p:ph type="body" sz="quarter" idx="10"/>
+          </p:nvPr>
+        </p:nvSpPr>
+        <p:spPr/>
+        <p:txBody>
+          <a:bodyPr/>
+          <a:lstStyle/>
+          <a:p>
+            <a:pPr marL="342900" indent="-342900">
+              <a:buFont typeface="Arial" panose="020B0604020202020204" pitchFamily="34" charset="0"/>
+              <a:buChar char="•"/>
+            </a:pPr>
+            <a:r>
+              <a:rPr lang="en-US" dirty="0"/>
+              <a:t>It’s tempting to build forever</a:t>
+            </a:r>
+          </a:p>
+          <a:p>
+            <a:pPr marL="342900" indent="-342900">
+              <a:buFont typeface="Arial" panose="020B0604020202020204" pitchFamily="34" charset="0"/>
+              <a:buChar char="•"/>
+            </a:pPr>
+            <a:r>
+              <a:rPr lang="en-US" dirty="0"/>
+              <a:t>We want to get to done, but not everything on the list will be finished</a:t>
+            </a:r>
+          </a:p>
+          <a:p>
+            <a:pPr marL="342900" indent="-342900">
+              <a:buFont typeface="Arial" panose="020B0604020202020204" pitchFamily="34" charset="0"/>
+              <a:buChar char="•"/>
+            </a:pPr>
+            <a:r>
+              <a:rPr lang="en-US" dirty="0"/>
+              <a:t>How to decide?</a:t>
+            </a:r>
+          </a:p>
+          <a:p>
+            <a:pPr marL="342900" indent="-342900">
+              <a:buFont typeface="Arial" panose="020B0604020202020204" pitchFamily="34" charset="0"/>
+              <a:buChar char="•"/>
+            </a:pPr>
+            <a:r>
+              <a:rPr lang="en-US" dirty="0"/>
+              <a:t>&gt;&gt; Will we naturally discover this work in the future with low pain?</a:t>
+            </a:r>
+          </a:p>
+          <a:p>
+            <a:pPr marL="342900" indent="-342900">
+              <a:buFont typeface="Arial" panose="020B0604020202020204" pitchFamily="34" charset="0"/>
+              <a:buChar char="•"/>
+            </a:pPr>
+            <a:r>
+              <a:rPr lang="en-US" dirty="0"/>
+              <a:t>&gt;&gt; Does this work align better with another project?</a:t>
+            </a:r>
+          </a:p>
+          <a:p>
+            <a:pPr marL="342900" indent="-342900">
+              <a:buFont typeface="Arial" panose="020B0604020202020204" pitchFamily="34" charset="0"/>
+              <a:buChar char="•"/>
+            </a:pPr>
+            <a:r>
+              <a:rPr lang="en-US" dirty="0"/>
+              <a:t>&gt;&gt; Will the work really make a difference to our metrics (the quantified what/why)?</a:t>
+            </a:r>
+          </a:p>
+          <a:p>
+            <a:pPr marL="342900" indent="-342900">
+              <a:buFont typeface="Arial" panose="020B0604020202020204" pitchFamily="34" charset="0"/>
+              <a:buChar char="•"/>
+            </a:pPr>
+            <a:r>
+              <a:rPr lang="en-US" dirty="0"/>
+              <a:t>&gt;&gt; Will we be better positioned to tackle this work later?</a:t>
+            </a:r>
+          </a:p>
+          <a:p>
+            <a:pPr marL="342900" indent="-342900">
+              <a:buFont typeface="Arial" panose="020B0604020202020204" pitchFamily="34" charset="0"/>
+              <a:buChar char="•"/>
+            </a:pPr>
+            <a:r>
+              <a:rPr lang="en-US" dirty="0"/>
+              <a:t>&gt;&gt; Will it be expensive to re-establish the knowledge we have today?</a:t>
+            </a:r>
+          </a:p>
+          <a:p>
+            <a:pPr marL="342900" indent="-342900">
+              <a:buFont typeface="Arial" panose="020B0604020202020204" pitchFamily="34" charset="0"/>
+              <a:buChar char="•"/>
+            </a:pPr>
+            <a:r>
+              <a:rPr lang="en-US" dirty="0"/>
+              <a:t>&gt;&gt; Is there a risk of permanently lost opportunity?</a:t>
+            </a:r>
+          </a:p>
+        </p:txBody>
+      </p:sp>
+      <p:sp>
+        <p:nvSpPr>
+          <p:cNvPr id="3" name="Title 2"/>
           <p:cNvSpPr>
             <a:spLocks noGrp="1"/>
           </p:cNvSpPr>
@@ -3791,23 +4212,14 @@
             <p:ph type="title"/>
           </p:nvPr>
         </p:nvSpPr>
-        <p:spPr>
-          <a:xfrm>
-            <a:off x="422547" y="2640763"/>
-            <a:ext cx="9717291" cy="1325147"/>
-          </a:xfrm>
-        </p:spPr>
-        <p:txBody>
-          <a:bodyPr/>
-          <a:lstStyle/>
-          <a:p>
-            <a:r>
-              <a:rPr lang="en-US" dirty="0"/>
-              <a:t>Being an effective </a:t>
-            </a:r>
-            <a:r>
-              <a:rPr lang="en-US" u="sng" dirty="0"/>
-              <a:t>individual</a:t>
+        <p:spPr/>
+        <p:txBody>
+          <a:bodyPr/>
+          <a:lstStyle/>
+          <a:p>
+            <a:r>
+              <a:rPr lang="en-US" dirty="0"/>
+              <a:t>Find the exit</a:t>
             </a:r>
           </a:p>
         </p:txBody>
@@ -3815,7 +4227,7 @@
     </p:spTree>
     <p:extLst>
       <p:ext uri="{BB962C8B-B14F-4D97-AF65-F5344CB8AC3E}">
-        <p14:creationId xmlns:p14="http://schemas.microsoft.com/office/powerpoint/2010/main" val="2285835418"/>
+        <p14:creationId xmlns:p14="http://schemas.microsoft.com/office/powerpoint/2010/main" val="2816568057"/>
       </p:ext>
     </p:extLst>
   </p:cSld>
@@ -3844,7 +4256,7 @@
       </p:grpSpPr>
       <p:sp>
         <p:nvSpPr>
-          <p:cNvPr id="5" name="Text Placeholder 4"/>
+          <p:cNvPr id="2" name="Text Placeholder 1"/>
           <p:cNvSpPr>
             <a:spLocks noGrp="1"/>
           </p:cNvSpPr>
@@ -3857,176 +4269,22 @@
           <a:bodyPr/>
           <a:lstStyle/>
           <a:p>
-            <a:pPr marL="342900" indent="-342900">
-              <a:buFont typeface="Arial" panose="020B0604020202020204" pitchFamily="34" charset="0"/>
-              <a:buChar char="•"/>
-            </a:pPr>
-            <a:r>
-              <a:rPr lang="en-US" dirty="0"/>
-              <a:t>Why?</a:t>
-            </a:r>
-          </a:p>
-          <a:p>
-            <a:pPr marL="342900" indent="-342900">
-              <a:buFont typeface="Arial" panose="020B0604020202020204" pitchFamily="34" charset="0"/>
-              <a:buChar char="•"/>
-            </a:pPr>
-            <a:r>
-              <a:rPr lang="en-US" dirty="0"/>
-              <a:t>&gt;&gt; More capable</a:t>
-            </a:r>
-          </a:p>
-          <a:p>
-            <a:pPr marL="342900" indent="-342900">
-              <a:buFont typeface="Arial" panose="020B0604020202020204" pitchFamily="34" charset="0"/>
-              <a:buChar char="•"/>
-            </a:pPr>
-            <a:r>
-              <a:rPr lang="en-US" dirty="0"/>
-              <a:t>&gt;&gt; Less likely to make the same mistakes twice - more likely to see a repeated pattern</a:t>
-            </a:r>
-          </a:p>
-          <a:p>
-            <a:pPr marL="342900" indent="-342900">
-              <a:buFont typeface="Arial" panose="020B0604020202020204" pitchFamily="34" charset="0"/>
-              <a:buChar char="•"/>
-            </a:pPr>
-            <a:r>
-              <a:rPr lang="en-US" dirty="0"/>
-              <a:t>&gt;&gt; Happier and more fulfilled</a:t>
-            </a:r>
-          </a:p>
-          <a:p>
-            <a:pPr marL="342900" indent="-342900">
-              <a:buFont typeface="Arial" panose="020B0604020202020204" pitchFamily="34" charset="0"/>
-              <a:buChar char="•"/>
-            </a:pPr>
-            <a:endParaRPr lang="en-US" dirty="0"/>
-          </a:p>
-          <a:p>
-            <a:pPr marL="342900" indent="-342900">
-              <a:buFont typeface="Arial" panose="020B0604020202020204" pitchFamily="34" charset="0"/>
-              <a:buChar char="•"/>
-            </a:pPr>
-            <a:r>
-              <a:rPr lang="en-US" dirty="0"/>
-              <a:t>How?</a:t>
-            </a:r>
-          </a:p>
-          <a:p>
-            <a:pPr marL="342900" indent="-342900">
-              <a:buFont typeface="Arial" panose="020B0604020202020204" pitchFamily="34" charset="0"/>
-              <a:buChar char="•"/>
-            </a:pPr>
-            <a:r>
-              <a:rPr lang="en-US" dirty="0"/>
-              <a:t>&gt;&gt; Learn in every opportunity</a:t>
-            </a:r>
-          </a:p>
-          <a:p>
-            <a:pPr marL="342900" indent="-342900">
-              <a:buFont typeface="Arial" panose="020B0604020202020204" pitchFamily="34" charset="0"/>
-              <a:buChar char="•"/>
-            </a:pPr>
-            <a:r>
-              <a:rPr lang="en-US" dirty="0"/>
-              <a:t>&gt;&gt; Have a goals and work toward them.</a:t>
-            </a:r>
-          </a:p>
-          <a:p>
-            <a:pPr marL="342900" indent="-342900">
-              <a:buFont typeface="Arial" panose="020B0604020202020204" pitchFamily="34" charset="0"/>
-              <a:buChar char="•"/>
-            </a:pPr>
-            <a:endParaRPr lang="en-US" dirty="0"/>
-          </a:p>
-          <a:p>
-            <a:pPr marL="342900" indent="-342900">
-              <a:buFont typeface="Arial" panose="020B0604020202020204" pitchFamily="34" charset="0"/>
-              <a:buChar char="•"/>
-            </a:pPr>
-            <a:r>
-              <a:rPr lang="en-US" dirty="0"/>
-              <a:t>How have you grown </a:t>
-            </a:r>
-            <a:r>
-              <a:rPr lang="en-US" u="sng" dirty="0"/>
-              <a:t>meaningfully</a:t>
-            </a:r>
-            <a:r>
-              <a:rPr lang="en-US" dirty="0"/>
-              <a:t> in the last month?</a:t>
-            </a:r>
-          </a:p>
-          <a:p>
-            <a:pPr marL="342900" indent="-342900">
-              <a:buFont typeface="Arial" panose="020B0604020202020204" pitchFamily="34" charset="0"/>
-              <a:buChar char="•"/>
-            </a:pPr>
-            <a:r>
-              <a:rPr lang="en-US" dirty="0"/>
-              <a:t>&gt;&gt;Abhor stagnation – crave healthy change.  You can be stagnating, even when you’re working hard.  </a:t>
-            </a:r>
-          </a:p>
-          <a:p>
-            <a:pPr marL="342900" indent="-342900">
-              <a:buFont typeface="Arial" panose="020B0604020202020204" pitchFamily="34" charset="0"/>
-              <a:buChar char="•"/>
-            </a:pPr>
-            <a:r>
-              <a:rPr lang="en-US" dirty="0"/>
-              <a:t>&gt;&gt;Change is an opportunity to learn and grow</a:t>
-            </a:r>
-          </a:p>
-          <a:p>
-            <a:pPr marL="342900" indent="-342900">
-              <a:buFont typeface="Arial" panose="020B0604020202020204" pitchFamily="34" charset="0"/>
-              <a:buChar char="•"/>
-            </a:pPr>
-            <a:r>
-              <a:rPr lang="en-US" dirty="0"/>
-              <a:t>Professional Journal (including feelings)</a:t>
-            </a:r>
-          </a:p>
-          <a:p>
-            <a:pPr marL="342900" indent="-342900">
-              <a:buFont typeface="Arial" panose="020B0604020202020204" pitchFamily="34" charset="0"/>
-              <a:buChar char="•"/>
-            </a:pPr>
-            <a:r>
-              <a:rPr lang="en-US" dirty="0"/>
-              <a:t>Goal journal</a:t>
-            </a:r>
-          </a:p>
-          <a:p>
-            <a:pPr marL="342900" indent="-342900">
-              <a:buFont typeface="Arial" panose="020B0604020202020204" pitchFamily="34" charset="0"/>
-              <a:buChar char="•"/>
-            </a:pPr>
-            <a:r>
-              <a:rPr lang="en-US" dirty="0"/>
-              <a:t>Share with manager openly</a:t>
-            </a:r>
-          </a:p>
-          <a:p>
-            <a:pPr marL="342900" indent="-342900">
-              <a:buFont typeface="Arial" panose="020B0604020202020204" pitchFamily="34" charset="0"/>
-              <a:buChar char="•"/>
-            </a:pPr>
-            <a:endParaRPr lang="en-US" dirty="0"/>
-          </a:p>
-          <a:p>
-            <a:pPr marL="342900" indent="-342900">
-              <a:buFont typeface="Arial" panose="020B0604020202020204" pitchFamily="34" charset="0"/>
-              <a:buChar char="•"/>
-            </a:pPr>
-            <a:endParaRPr lang="en-US" dirty="0"/>
-          </a:p>
-        </p:txBody>
-      </p:sp>
-      <p:sp>
-        <p:nvSpPr>
-          <p:cNvPr id="4" name="Title 3"/>
+            <a:r>
+              <a:rPr lang="en-US" dirty="0"/>
+              <a:t>In all that we spend our time on, we will learn.  We will never just blindly do.  Even if we accomplish our original goal, we’ve made poor use of our time, and we will be in this swamp again.</a:t>
+            </a:r>
+          </a:p>
+          <a:p>
+            <a:endParaRPr lang="en-US" dirty="0"/>
+          </a:p>
+          <a:p>
+            <a:endParaRPr lang="en-US" dirty="0"/>
+          </a:p>
+        </p:txBody>
+      </p:sp>
+      <p:sp>
+        <p:nvSpPr>
+          <p:cNvPr id="3" name="Title 2"/>
           <p:cNvSpPr>
             <a:spLocks noGrp="1"/>
           </p:cNvSpPr>
@@ -4041,7 +4299,7 @@
           <a:p>
             <a:r>
               <a:rPr lang="en-US" dirty="0"/>
-              <a:t>I learn</a:t>
+              <a:t>We learn</a:t>
             </a:r>
           </a:p>
         </p:txBody>
@@ -4049,7 +4307,7 @@
     </p:spTree>
     <p:extLst>
       <p:ext uri="{BB962C8B-B14F-4D97-AF65-F5344CB8AC3E}">
-        <p14:creationId xmlns:p14="http://schemas.microsoft.com/office/powerpoint/2010/main" val="3405633137"/>
+        <p14:creationId xmlns:p14="http://schemas.microsoft.com/office/powerpoint/2010/main" val="1116692367"/>
       </p:ext>
     </p:extLst>
   </p:cSld>
@@ -4078,47 +4336,7 @@
       </p:grpSpPr>
       <p:sp>
         <p:nvSpPr>
-          <p:cNvPr id="2" name="Text Placeholder 1"/>
-          <p:cNvSpPr>
-            <a:spLocks noGrp="1"/>
-          </p:cNvSpPr>
-          <p:nvPr>
-            <p:ph type="body" sz="quarter" idx="10"/>
-          </p:nvPr>
-        </p:nvSpPr>
-        <p:spPr/>
-        <p:txBody>
-          <a:bodyPr/>
-          <a:lstStyle/>
-          <a:p>
-            <a:r>
-              <a:rPr lang="en-US" dirty="0"/>
-              <a:t>Pomodoro</a:t>
-            </a:r>
-          </a:p>
-          <a:p>
-            <a:r>
-              <a:rPr lang="en-US" dirty="0"/>
-              <a:t>Dedicated time (Sync’d dedicated time across team or even company)</a:t>
-            </a:r>
-          </a:p>
-          <a:p>
-            <a:r>
-              <a:rPr lang="en-US" dirty="0"/>
-              <a:t>Top 5 (or Top 1)</a:t>
-            </a:r>
-          </a:p>
-          <a:p>
-            <a:r>
-              <a:rPr lang="en-US" dirty="0"/>
-              <a:t>Look at calendar first</a:t>
-            </a:r>
-          </a:p>
-        </p:txBody>
-      </p:sp>
-      <p:sp>
-        <p:nvSpPr>
-          <p:cNvPr id="3" name="Title 2"/>
+          <p:cNvPr id="4" name="Title 3"/>
           <p:cNvSpPr>
             <a:spLocks noGrp="1"/>
           </p:cNvSpPr>
@@ -4126,14 +4344,23 @@
             <p:ph type="title"/>
           </p:nvPr>
         </p:nvSpPr>
-        <p:spPr/>
-        <p:txBody>
-          <a:bodyPr/>
-          <a:lstStyle/>
-          <a:p>
-            <a:r>
-              <a:rPr lang="en-US" dirty="0"/>
-              <a:t>Focus and working on the most important thing</a:t>
+        <p:spPr>
+          <a:xfrm>
+            <a:off x="422547" y="2640763"/>
+            <a:ext cx="9717291" cy="1325147"/>
+          </a:xfrm>
+        </p:spPr>
+        <p:txBody>
+          <a:bodyPr/>
+          <a:lstStyle/>
+          <a:p>
+            <a:r>
+              <a:rPr lang="en-US" dirty="0"/>
+              <a:t>Being an effective </a:t>
+            </a:r>
+            <a:r>
+              <a:rPr lang="en-US" u="sng" dirty="0"/>
+              <a:t>individual</a:t>
             </a:r>
           </a:p>
         </p:txBody>
@@ -4141,7 +4368,7 @@
     </p:spTree>
     <p:extLst>
       <p:ext uri="{BB962C8B-B14F-4D97-AF65-F5344CB8AC3E}">
-        <p14:creationId xmlns:p14="http://schemas.microsoft.com/office/powerpoint/2010/main" val="2604704215"/>
+        <p14:creationId xmlns:p14="http://schemas.microsoft.com/office/powerpoint/2010/main" val="2285835418"/>
       </p:ext>
     </p:extLst>
   </p:cSld>
@@ -4170,7 +4397,7 @@
       </p:grpSpPr>
       <p:sp>
         <p:nvSpPr>
-          <p:cNvPr id="2" name="Text Placeholder 1"/>
+          <p:cNvPr id="5" name="Text Placeholder 4"/>
           <p:cNvSpPr>
             <a:spLocks noGrp="1"/>
           </p:cNvSpPr>
@@ -4183,176 +4410,176 @@
           <a:bodyPr/>
           <a:lstStyle/>
           <a:p>
-            <a:r>
-              <a:rPr lang="en-US" dirty="0"/>
-              <a:t>An introvert’s perspective – Andrew’s advice – questions are your best friend</a:t>
-            </a:r>
-          </a:p>
-          <a:p>
-            <a:r>
-              <a:rPr lang="en-US" dirty="0"/>
-              <a:t>Why this is particularly important at D2L</a:t>
-            </a:r>
-          </a:p>
-          <a:p>
-            <a:r>
-              <a:rPr lang="en-US" dirty="0"/>
-              <a:t>Connect back to learning and growing</a:t>
-            </a:r>
-          </a:p>
-          <a:p>
-            <a:pPr marL="342900" indent="-342900">
-              <a:buFontTx/>
-              <a:buChar char="-"/>
-            </a:pPr>
-            <a:r>
-              <a:rPr lang="en-US" dirty="0"/>
-              <a:t>Walkabout</a:t>
-            </a:r>
-          </a:p>
-          <a:p>
-            <a:pPr marL="342900" indent="-342900">
-              <a:buFontTx/>
-              <a:buChar char="-"/>
-            </a:pPr>
-            <a:r>
-              <a:rPr lang="en-US" dirty="0"/>
-              <a:t>Sit in a public spot</a:t>
-            </a:r>
-          </a:p>
-          <a:p>
-            <a:pPr marL="342900" indent="-342900">
-              <a:buFontTx/>
-              <a:buChar char="-"/>
-            </a:pPr>
-            <a:r>
-              <a:rPr lang="en-US" dirty="0"/>
-              <a:t>Chat at the coffee machine – one person per week you wouldn’t otherwise.</a:t>
-            </a:r>
-          </a:p>
-          <a:p>
-            <a:pPr marL="342900" indent="-342900">
-              <a:buFontTx/>
-              <a:buChar char="-"/>
-            </a:pPr>
-            <a:r>
-              <a:rPr lang="en-US" dirty="0"/>
-              <a:t>Ask people for their advice – we sometimes talk about having a mentor, but Craig helped me appreciate the value of a network of informal mentors – people you can talk over problems in particular areas </a:t>
-            </a:r>
-          </a:p>
-          <a:p>
-            <a:pPr marL="342900" indent="-342900">
-              <a:buFontTx/>
-              <a:buChar char="-"/>
-            </a:pPr>
-            <a:r>
-              <a:rPr lang="en-US" dirty="0"/>
-              <a:t>Meet up with people to compare what you’ve learned</a:t>
-            </a:r>
-          </a:p>
-          <a:p>
-            <a:pPr marL="342900" indent="-342900">
-              <a:buFontTx/>
-              <a:buChar char="-"/>
-            </a:pPr>
-            <a:r>
-              <a:rPr lang="en-US" dirty="0"/>
-              <a:t>Sarah-Beth example</a:t>
-            </a:r>
-          </a:p>
-          <a:p>
-            <a:pPr marL="342900" indent="-342900">
-              <a:buFontTx/>
-              <a:buChar char="-"/>
-            </a:pPr>
-            <a:r>
-              <a:rPr lang="en-US" dirty="0"/>
-              <a:t>Be generous, particularly when it comes to sharing knowledge</a:t>
-            </a:r>
-          </a:p>
-          <a:p>
-            <a:pPr marL="342900" indent="-342900">
-              <a:buFontTx/>
-              <a:buChar char="-"/>
-            </a:pPr>
-            <a:r>
-              <a:rPr lang="en-US" dirty="0"/>
-              <a:t>3</a:t>
-            </a:r>
-            <a:r>
-              <a:rPr lang="en-US" baseline="30000" dirty="0"/>
-              <a:t>rd</a:t>
-            </a:r>
-            <a:r>
-              <a:rPr lang="en-US" dirty="0"/>
-              <a:t> level tribe – we’re awesome, but they’re not.</a:t>
-            </a:r>
-          </a:p>
-          <a:p>
-            <a:pPr marL="342900" indent="-342900">
-              <a:buFontTx/>
-              <a:buChar char="-"/>
-            </a:pPr>
-            <a:r>
-              <a:rPr lang="en-US" dirty="0"/>
-              <a:t>4</a:t>
-            </a:r>
-            <a:r>
-              <a:rPr lang="en-US" baseline="30000" dirty="0"/>
-              <a:t>th</a:t>
-            </a:r>
-            <a:r>
-              <a:rPr lang="en-US" dirty="0"/>
-              <a:t> level tribe – we’re all awesome</a:t>
-            </a:r>
-          </a:p>
-          <a:p>
-            <a:pPr marL="342900" indent="-342900">
-              <a:buFontTx/>
-              <a:buChar char="-"/>
-            </a:pPr>
-            <a:r>
-              <a:rPr lang="en-US" dirty="0"/>
-              <a:t>5</a:t>
-            </a:r>
-            <a:r>
-              <a:rPr lang="en-US" baseline="30000" dirty="0"/>
-              <a:t>th</a:t>
-            </a:r>
-            <a:r>
-              <a:rPr lang="en-US" dirty="0"/>
-              <a:t> level tribe – hey my two friends who don’t know each other, you’d probably be awesome together – why not connect?</a:t>
-            </a:r>
-          </a:p>
-          <a:p>
-            <a:pPr marL="342900" indent="-342900">
-              <a:buFontTx/>
-              <a:buChar char="-"/>
-            </a:pPr>
-            <a:r>
-              <a:rPr lang="en-US" dirty="0"/>
-              <a:t>[cite tribal leadership]</a:t>
-            </a:r>
-          </a:p>
-          <a:p>
-            <a:pPr marL="342900" indent="-342900">
-              <a:buFontTx/>
-              <a:buChar char="-"/>
-            </a:pPr>
-            <a:endParaRPr lang="en-US" dirty="0"/>
-          </a:p>
-          <a:p>
-            <a:pPr marL="342900" indent="-342900">
-              <a:buFontTx/>
-              <a:buChar char="-"/>
-            </a:pPr>
-            <a:endParaRPr lang="en-US" dirty="0"/>
-          </a:p>
-        </p:txBody>
-      </p:sp>
-      <p:sp>
-        <p:nvSpPr>
-          <p:cNvPr id="3" name="Title 2"/>
+            <a:pPr marL="342900" indent="-342900">
+              <a:buFont typeface="Arial" panose="020B0604020202020204" pitchFamily="34" charset="0"/>
+              <a:buChar char="•"/>
+            </a:pPr>
+            <a:r>
+              <a:rPr lang="en-US" dirty="0"/>
+              <a:t>Why?</a:t>
+            </a:r>
+          </a:p>
+          <a:p>
+            <a:pPr marL="342900" indent="-342900">
+              <a:buFont typeface="Arial" panose="020B0604020202020204" pitchFamily="34" charset="0"/>
+              <a:buChar char="•"/>
+            </a:pPr>
+            <a:r>
+              <a:rPr lang="en-US" dirty="0"/>
+              <a:t>&gt;&gt; More capable</a:t>
+            </a:r>
+          </a:p>
+          <a:p>
+            <a:pPr marL="342900" indent="-342900">
+              <a:buFont typeface="Arial" panose="020B0604020202020204" pitchFamily="34" charset="0"/>
+              <a:buChar char="•"/>
+            </a:pPr>
+            <a:r>
+              <a:rPr lang="en-US" dirty="0"/>
+              <a:t>&gt;&gt; Less likely to make the same mistakes twice - more likely to see a repeated pattern</a:t>
+            </a:r>
+          </a:p>
+          <a:p>
+            <a:pPr marL="342900" indent="-342900">
+              <a:buFont typeface="Arial" panose="020B0604020202020204" pitchFamily="34" charset="0"/>
+              <a:buChar char="•"/>
+            </a:pPr>
+            <a:r>
+              <a:rPr lang="en-US" dirty="0"/>
+              <a:t>&gt;&gt; Happier and more fulfilled</a:t>
+            </a:r>
+          </a:p>
+          <a:p>
+            <a:pPr marL="342900" indent="-342900">
+              <a:buFont typeface="Arial" panose="020B0604020202020204" pitchFamily="34" charset="0"/>
+              <a:buChar char="•"/>
+            </a:pPr>
+            <a:endParaRPr lang="en-US" dirty="0"/>
+          </a:p>
+          <a:p>
+            <a:pPr marL="342900" indent="-342900">
+              <a:buFont typeface="Arial" panose="020B0604020202020204" pitchFamily="34" charset="0"/>
+              <a:buChar char="•"/>
+            </a:pPr>
+            <a:r>
+              <a:rPr lang="en-US" dirty="0"/>
+              <a:t>How?</a:t>
+            </a:r>
+          </a:p>
+          <a:p>
+            <a:pPr marL="342900" indent="-342900">
+              <a:buFont typeface="Arial" panose="020B0604020202020204" pitchFamily="34" charset="0"/>
+              <a:buChar char="•"/>
+            </a:pPr>
+            <a:r>
+              <a:rPr lang="en-US" dirty="0"/>
+              <a:t>&gt;&gt; Learn in every opportunity</a:t>
+            </a:r>
+          </a:p>
+          <a:p>
+            <a:pPr marL="342900" indent="-342900">
+              <a:buFont typeface="Arial" panose="020B0604020202020204" pitchFamily="34" charset="0"/>
+              <a:buChar char="•"/>
+            </a:pPr>
+            <a:r>
+              <a:rPr lang="en-US" dirty="0"/>
+              <a:t>&gt;&gt; Have a goals and work toward them.</a:t>
+            </a:r>
+          </a:p>
+          <a:p>
+            <a:pPr marL="342900" indent="-342900">
+              <a:buFont typeface="Arial" panose="020B0604020202020204" pitchFamily="34" charset="0"/>
+              <a:buChar char="•"/>
+            </a:pPr>
+            <a:r>
+              <a:rPr lang="en-US" dirty="0"/>
+              <a:t>&gt;&gt; Ask: How have you grown </a:t>
+            </a:r>
+            <a:r>
+              <a:rPr lang="en-US" u="sng" dirty="0"/>
+              <a:t>meaningfully</a:t>
+            </a:r>
+            <a:r>
+              <a:rPr lang="en-US" dirty="0"/>
+              <a:t> in the last month?</a:t>
+            </a:r>
+          </a:p>
+          <a:p>
+            <a:pPr marL="342900" indent="-342900">
+              <a:buFont typeface="Arial" panose="020B0604020202020204" pitchFamily="34" charset="0"/>
+              <a:buChar char="•"/>
+            </a:pPr>
+            <a:r>
+              <a:rPr lang="en-US" dirty="0"/>
+              <a:t>&gt;&gt;Professional Journal (including feelings)</a:t>
+            </a:r>
+          </a:p>
+          <a:p>
+            <a:pPr marL="342900" indent="-342900">
+              <a:buFont typeface="Arial" panose="020B0604020202020204" pitchFamily="34" charset="0"/>
+              <a:buChar char="•"/>
+            </a:pPr>
+            <a:r>
+              <a:rPr lang="en-US" dirty="0"/>
+              <a:t>&gt;&gt;Goal journal</a:t>
+            </a:r>
+          </a:p>
+          <a:p>
+            <a:pPr marL="342900" indent="-342900">
+              <a:buFont typeface="Arial" panose="020B0604020202020204" pitchFamily="34" charset="0"/>
+              <a:buChar char="•"/>
+            </a:pPr>
+            <a:r>
+              <a:rPr lang="en-US" dirty="0"/>
+              <a:t>&gt;&gt;Share with manager openly</a:t>
+            </a:r>
+          </a:p>
+          <a:p>
+            <a:pPr marL="342900" indent="-342900">
+              <a:buFont typeface="Arial" panose="020B0604020202020204" pitchFamily="34" charset="0"/>
+              <a:buChar char="•"/>
+            </a:pPr>
+            <a:endParaRPr lang="en-US" dirty="0"/>
+          </a:p>
+          <a:p>
+            <a:pPr marL="342900" indent="-342900">
+              <a:buFont typeface="Arial" panose="020B0604020202020204" pitchFamily="34" charset="0"/>
+              <a:buChar char="•"/>
+            </a:pPr>
+            <a:r>
+              <a:rPr lang="en-US" dirty="0"/>
+              <a:t>Abhor stagnation – crave healthy change.  You can be stagnating, even when you’re working hard.  </a:t>
+            </a:r>
+          </a:p>
+          <a:p>
+            <a:pPr marL="342900" indent="-342900">
+              <a:buFont typeface="Arial" panose="020B0604020202020204" pitchFamily="34" charset="0"/>
+              <a:buChar char="•"/>
+            </a:pPr>
+            <a:r>
+              <a:rPr lang="en-US" dirty="0"/>
+              <a:t>&gt;&gt;Change is an opportunity to learn and grow</a:t>
+            </a:r>
+          </a:p>
+          <a:p>
+            <a:pPr marL="342900" indent="-342900">
+              <a:buFont typeface="Arial" panose="020B0604020202020204" pitchFamily="34" charset="0"/>
+              <a:buChar char="•"/>
+            </a:pPr>
+            <a:endParaRPr lang="en-US" dirty="0"/>
+          </a:p>
+          <a:p>
+            <a:pPr marL="342900" indent="-342900">
+              <a:buFont typeface="Arial" panose="020B0604020202020204" pitchFamily="34" charset="0"/>
+              <a:buChar char="•"/>
+            </a:pPr>
+            <a:endParaRPr lang="en-US" dirty="0"/>
+          </a:p>
+        </p:txBody>
+      </p:sp>
+      <p:sp>
+        <p:nvSpPr>
+          <p:cNvPr id="4" name="Title 3"/>
           <p:cNvSpPr>
             <a:spLocks noGrp="1"/>
           </p:cNvSpPr>
@@ -4367,7 +4594,7 @@
           <a:p>
             <a:r>
               <a:rPr lang="en-US" dirty="0"/>
-              <a:t>Building a professional network</a:t>
+              <a:t>I learn</a:t>
             </a:r>
           </a:p>
         </p:txBody>
@@ -4375,7 +4602,7 @@
     </p:spTree>
     <p:extLst>
       <p:ext uri="{BB962C8B-B14F-4D97-AF65-F5344CB8AC3E}">
-        <p14:creationId xmlns:p14="http://schemas.microsoft.com/office/powerpoint/2010/main" val="1677484805"/>
+        <p14:creationId xmlns:p14="http://schemas.microsoft.com/office/powerpoint/2010/main" val="3405633137"/>
       </p:ext>
     </p:extLst>
   </p:cSld>
@@ -4417,91 +4644,28 @@
           <a:bodyPr/>
           <a:lstStyle/>
           <a:p>
-            <a:pPr marL="342900" indent="-342900">
-              <a:buFont typeface="Arial" panose="020B0604020202020204" pitchFamily="34" charset="0"/>
-              <a:buChar char="•"/>
-            </a:pPr>
-            <a:r>
-              <a:rPr lang="en-US" dirty="0"/>
-              <a:t>Imagine if the people we spend the most time with every day shared their perspective and advice about how we each could improve?  And imagine if they did this in small, low stress, frequent chunks that helps us course-correct or get stronger continuously.  We could grow faster, and we could make more of a difference in the lives of people around us.</a:t>
-            </a:r>
-          </a:p>
-          <a:p>
-            <a:pPr marL="342900" indent="-342900">
-              <a:buFont typeface="Arial" panose="020B0604020202020204" pitchFamily="34" charset="0"/>
-              <a:buChar char="•"/>
-            </a:pPr>
-            <a:r>
-              <a:rPr lang="en-US" dirty="0"/>
-              <a:t>Scary right?</a:t>
-            </a:r>
-          </a:p>
-          <a:p>
-            <a:pPr marL="342900" indent="-342900">
-              <a:buFont typeface="Arial" panose="020B0604020202020204" pitchFamily="34" charset="0"/>
-              <a:buChar char="•"/>
-            </a:pPr>
-            <a:r>
-              <a:rPr lang="en-US" dirty="0"/>
-              <a:t>Steps to get there:</a:t>
-            </a:r>
-          </a:p>
-          <a:p>
-            <a:pPr marL="342900" indent="-342900">
-              <a:buFont typeface="Arial" panose="020B0604020202020204" pitchFamily="34" charset="0"/>
-              <a:buChar char="•"/>
-            </a:pPr>
-            <a:r>
-              <a:rPr lang="en-US" dirty="0"/>
-              <a:t>&gt;&gt; Share positive feedback, every day, in small but honest ways.  (Some authors talk about needing to build trust by sharing the positive at as much as a 9:1 ratio.)</a:t>
-            </a:r>
-          </a:p>
-          <a:p>
-            <a:pPr marL="342900" indent="-342900">
-              <a:buFont typeface="Arial" panose="020B0604020202020204" pitchFamily="34" charset="0"/>
-              <a:buChar char="•"/>
-            </a:pPr>
-            <a:r>
-              <a:rPr lang="en-US" dirty="0"/>
-              <a:t>&gt;&gt; Do so especially when someone has done something new for them that is a growth step: “It was really cool that you spoke up back there – I think that helped get us on track…”</a:t>
-            </a:r>
-          </a:p>
-          <a:p>
-            <a:pPr marL="342900" indent="-342900">
-              <a:buFont typeface="Arial" panose="020B0604020202020204" pitchFamily="34" charset="0"/>
-              <a:buChar char="•"/>
-            </a:pPr>
-            <a:r>
-              <a:rPr lang="en-US" dirty="0"/>
-              <a:t>&gt;&gt; Make it easy for people to share feedback with you – and try not to just fish for the good – make it easy for people to share ideas about how you can get stronger.</a:t>
-            </a:r>
-          </a:p>
-          <a:p>
-            <a:pPr marL="342900" indent="-342900">
-              <a:buFont typeface="Arial" panose="020B0604020202020204" pitchFamily="34" charset="0"/>
-              <a:buChar char="•"/>
-            </a:pPr>
-            <a:r>
-              <a:rPr lang="en-US" dirty="0"/>
-              <a:t>Receiving feedback: Be interested.  Be engaged.  Don’t argue.  (Asking for clarification or example is ok.)  Say thank you, and mean it.</a:t>
-            </a:r>
-          </a:p>
-          <a:p>
-            <a:pPr marL="342900" indent="-342900">
-              <a:buFont typeface="Arial" panose="020B0604020202020204" pitchFamily="34" charset="0"/>
-              <a:buChar char="•"/>
-            </a:pPr>
-            <a:r>
-              <a:rPr lang="en-US" dirty="0"/>
-              <a:t>Tell people that you got good feedback and that it helped you (if it was, and if it did.)  That reinforces the idea that this is valued behavior, and it’s a form of real-time public feedback for the person who took time to help you out.</a:t>
-            </a:r>
-          </a:p>
-          <a:p>
-            <a:pPr marL="342900" indent="-342900">
-              <a:buFont typeface="Arial" panose="020B0604020202020204" pitchFamily="34" charset="0"/>
-              <a:buChar char="•"/>
-            </a:pPr>
-            <a:endParaRPr lang="en-US" dirty="0"/>
+            <a:r>
+              <a:rPr lang="en-US" dirty="0"/>
+              <a:t>Pomodoro</a:t>
+            </a:r>
+          </a:p>
+          <a:p>
+            <a:r>
+              <a:rPr lang="en-US" dirty="0"/>
+              <a:t>Dedicated time (Sync’d dedicated time across team or even company)</a:t>
+            </a:r>
+          </a:p>
+          <a:p>
+            <a:r>
+              <a:rPr lang="en-US" dirty="0"/>
+              <a:t>Top 5 (or Top 1)</a:t>
+            </a:r>
+          </a:p>
+          <a:p>
+            <a:r>
+              <a:rPr lang="en-US" dirty="0"/>
+              <a:t>Look at calendar first</a:t>
+            </a:r>
           </a:p>
         </p:txBody>
       </p:sp>
@@ -4522,7 +4686,7 @@
           <a:p>
             <a:r>
               <a:rPr lang="en-US" dirty="0"/>
-              <a:t>Mutual Coaching</a:t>
+              <a:t>Focus and working on the most important thing</a:t>
             </a:r>
           </a:p>
         </p:txBody>
@@ -4530,7 +4694,7 @@
     </p:spTree>
     <p:extLst>
       <p:ext uri="{BB962C8B-B14F-4D97-AF65-F5344CB8AC3E}">
-        <p14:creationId xmlns:p14="http://schemas.microsoft.com/office/powerpoint/2010/main" val="2528233129"/>
+        <p14:creationId xmlns:p14="http://schemas.microsoft.com/office/powerpoint/2010/main" val="2604704215"/>
       </p:ext>
     </p:extLst>
   </p:cSld>
@@ -4572,59 +4736,168 @@
           <a:bodyPr/>
           <a:lstStyle/>
           <a:p>
-            <a:pPr marL="342900" indent="-342900">
-              <a:buFont typeface="Arial" panose="020B0604020202020204" pitchFamily="34" charset="0"/>
-              <a:buChar char="•"/>
-            </a:pPr>
-            <a:r>
-              <a:rPr lang="en-US" dirty="0"/>
-              <a:t>I want to work at a place where we, as a group, help to make things better</a:t>
-            </a:r>
-          </a:p>
-          <a:p>
-            <a:pPr marL="342900" indent="-342900">
-              <a:buFont typeface="Arial" panose="020B0604020202020204" pitchFamily="34" charset="0"/>
-              <a:buChar char="•"/>
-            </a:pPr>
-            <a:r>
-              <a:rPr lang="en-US" dirty="0"/>
-              <a:t>Pick a thing that should be better.  Helps if it’s something that bothers you – something you have a personal stake in.  Ask what would be necessary to tackle it.  Just say you’ll make a plan – if you find yourself interested, you’ll be more likely to make good progress</a:t>
-            </a:r>
-          </a:p>
-          <a:p>
-            <a:pPr marL="342900" indent="-342900">
-              <a:buFont typeface="Arial" panose="020B0604020202020204" pitchFamily="34" charset="0"/>
-              <a:buChar char="•"/>
-            </a:pPr>
-            <a:r>
-              <a:rPr lang="en-US" dirty="0"/>
-              <a:t>Think about what that would look like</a:t>
-            </a:r>
-          </a:p>
-          <a:p>
-            <a:pPr marL="342900" indent="-342900">
-              <a:buFont typeface="Arial" panose="020B0604020202020204" pitchFamily="34" charset="0"/>
-              <a:buChar char="•"/>
-            </a:pPr>
-            <a:r>
-              <a:rPr lang="en-US" dirty="0"/>
-              <a:t>Take steps</a:t>
-            </a:r>
-          </a:p>
-          <a:p>
-            <a:pPr marL="342900" indent="-342900">
-              <a:buFont typeface="Arial" panose="020B0604020202020204" pitchFamily="34" charset="0"/>
-              <a:buChar char="•"/>
-            </a:pPr>
-            <a:r>
-              <a:rPr lang="en-US" dirty="0"/>
-              <a:t>Start small (small problems, small slices)</a:t>
-            </a:r>
-          </a:p>
-          <a:p>
-            <a:pPr marL="342900" indent="-342900">
-              <a:buFont typeface="Arial" panose="020B0604020202020204" pitchFamily="34" charset="0"/>
-              <a:buChar char="•"/>
+            <a:r>
+              <a:rPr lang="en-US" dirty="0"/>
+              <a:t>An introvert’s perspective – Andrew’s advice – questions are your best friend</a:t>
+            </a:r>
+          </a:p>
+          <a:p>
+            <a:r>
+              <a:rPr lang="en-US" dirty="0"/>
+              <a:t>Why this is particularly important at D2L</a:t>
+            </a:r>
+          </a:p>
+          <a:p>
+            <a:r>
+              <a:rPr lang="en-US" dirty="0"/>
+              <a:t>Connect back to learning and growing</a:t>
+            </a:r>
+          </a:p>
+          <a:p>
+            <a:pPr marL="342900" indent="-342900">
+              <a:buFontTx/>
+              <a:buChar char="-"/>
+            </a:pPr>
+            <a:r>
+              <a:rPr lang="en-US" dirty="0"/>
+              <a:t>Walkabout</a:t>
+            </a:r>
+          </a:p>
+          <a:p>
+            <a:pPr marL="342900" indent="-342900">
+              <a:buFontTx/>
+              <a:buChar char="-"/>
+            </a:pPr>
+            <a:r>
+              <a:rPr lang="en-US" dirty="0"/>
+              <a:t>Sit in a public spot</a:t>
+            </a:r>
+          </a:p>
+          <a:p>
+            <a:pPr marL="342900" indent="-342900">
+              <a:buFontTx/>
+              <a:buChar char="-"/>
+            </a:pPr>
+            <a:r>
+              <a:rPr lang="en-US" dirty="0"/>
+              <a:t>Chat at the coffee machine – one person per week you wouldn’t otherwise.</a:t>
+            </a:r>
+          </a:p>
+          <a:p>
+            <a:pPr marL="342900" indent="-342900">
+              <a:buFontTx/>
+              <a:buChar char="-"/>
+            </a:pPr>
+            <a:r>
+              <a:rPr lang="en-US" dirty="0"/>
+              <a:t>Ask people for their advice – we sometimes talk about having a mentor, but Craig helped me appreciate the value of a network of informal mentors – people you can talk over problems in particular areas </a:t>
+            </a:r>
+          </a:p>
+          <a:p>
+            <a:pPr marL="342900" indent="-342900">
+              <a:buFontTx/>
+              <a:buChar char="-"/>
+            </a:pPr>
+            <a:r>
+              <a:rPr lang="en-US" dirty="0"/>
+              <a:t>Meet up with people to compare what you’ve learned</a:t>
+            </a:r>
+          </a:p>
+          <a:p>
+            <a:pPr marL="342900" indent="-342900">
+              <a:buFontTx/>
+              <a:buChar char="-"/>
+            </a:pPr>
+            <a:r>
+              <a:rPr lang="en-US" dirty="0"/>
+              <a:t>Sarah-Beth example</a:t>
+            </a:r>
+          </a:p>
+          <a:p>
+            <a:pPr marL="342900" indent="-342900">
+              <a:buFontTx/>
+              <a:buChar char="-"/>
+            </a:pPr>
+            <a:r>
+              <a:rPr lang="en-US" dirty="0"/>
+              <a:t>Be generous, particularly when it comes to sharing knowledge</a:t>
+            </a:r>
+          </a:p>
+          <a:p>
+            <a:pPr marL="342900" indent="-342900">
+              <a:buFontTx/>
+              <a:buChar char="-"/>
+            </a:pPr>
+            <a:r>
+              <a:rPr lang="en-US" dirty="0"/>
+              <a:t>3</a:t>
+            </a:r>
+            <a:r>
+              <a:rPr lang="en-US" baseline="30000" dirty="0"/>
+              <a:t>rd</a:t>
+            </a:r>
+            <a:r>
+              <a:rPr lang="en-US" dirty="0"/>
+              <a:t> level tribe – we’re awesome, but they’re not.</a:t>
+            </a:r>
+          </a:p>
+          <a:p>
+            <a:pPr marL="342900" indent="-342900">
+              <a:buFontTx/>
+              <a:buChar char="-"/>
+            </a:pPr>
+            <a:r>
+              <a:rPr lang="en-US" dirty="0"/>
+              <a:t>4</a:t>
+            </a:r>
+            <a:r>
+              <a:rPr lang="en-US" baseline="30000" dirty="0"/>
+              <a:t>th</a:t>
+            </a:r>
+            <a:r>
+              <a:rPr lang="en-US" dirty="0"/>
+              <a:t> level tribe – we’re all awesome</a:t>
+            </a:r>
+          </a:p>
+          <a:p>
+            <a:pPr marL="342900" indent="-342900">
+              <a:buFontTx/>
+              <a:buChar char="-"/>
+            </a:pPr>
+            <a:r>
+              <a:rPr lang="en-US" dirty="0"/>
+              <a:t>5</a:t>
+            </a:r>
+            <a:r>
+              <a:rPr lang="en-US" baseline="30000" dirty="0"/>
+              <a:t>th</a:t>
+            </a:r>
+            <a:r>
+              <a:rPr lang="en-US" dirty="0"/>
+              <a:t> level tribe – hey my two friends who don’t know each other, you’d probably be awesome together – why not connect?</a:t>
+            </a:r>
+          </a:p>
+          <a:p>
+            <a:pPr marL="342900" indent="-342900">
+              <a:buFontTx/>
+              <a:buChar char="-"/>
+            </a:pPr>
+            <a:r>
+              <a:rPr lang="en-US" dirty="0"/>
+              <a:t>[cite tribal leadership]</a:t>
+            </a:r>
+          </a:p>
+          <a:p>
+            <a:pPr marL="342900" indent="-342900">
+              <a:buFontTx/>
+              <a:buChar char="-"/>
+            </a:pPr>
+            <a:endParaRPr lang="en-US" dirty="0"/>
+          </a:p>
+          <a:p>
+            <a:pPr marL="342900" indent="-342900">
+              <a:buFontTx/>
+              <a:buChar char="-"/>
             </a:pPr>
             <a:endParaRPr lang="en-US" dirty="0"/>
           </a:p>
@@ -4647,20 +4920,15 @@
           <a:p>
             <a:r>
               <a:rPr lang="en-US" dirty="0"/>
-              <a:t>LAST TOPIC: Be the change </a:t>
-            </a:r>
-            <a:r>
-              <a:rPr lang="en-US" sz="2800" dirty="0"/>
-              <a:t>(TODO: Pick less cheesy title)</a:t>
-            </a:r>
-            <a:endParaRPr lang="en-US" dirty="0"/>
+              <a:t>Building a professional network</a:t>
+            </a:r>
           </a:p>
         </p:txBody>
       </p:sp>
     </p:spTree>
     <p:extLst>
       <p:ext uri="{BB962C8B-B14F-4D97-AF65-F5344CB8AC3E}">
-        <p14:creationId xmlns:p14="http://schemas.microsoft.com/office/powerpoint/2010/main" val="1213391016"/>
+        <p14:creationId xmlns:p14="http://schemas.microsoft.com/office/powerpoint/2010/main" val="1677484805"/>
       </p:ext>
     </p:extLst>
   </p:cSld>
@@ -4702,30 +4970,90 @@
           <a:bodyPr/>
           <a:lstStyle/>
           <a:p>
-            <a:r>
-              <a:rPr lang="en-US" dirty="0"/>
-              <a:t>Highlight tools / techniques in memorable sound bites</a:t>
-            </a:r>
-          </a:p>
-          <a:p>
-            <a:endParaRPr lang="en-US" dirty="0"/>
-          </a:p>
-          <a:p>
-            <a:r>
-              <a:rPr lang="en-US" dirty="0"/>
-              <a:t>Identify spots for audience participation – What do you do to achieve this goal?</a:t>
-            </a:r>
-          </a:p>
-          <a:p>
-            <a:endParaRPr lang="en-US" dirty="0"/>
-          </a:p>
-          <a:p>
-            <a:r>
-              <a:rPr lang="en-US" dirty="0"/>
-              <a:t>Progress bar or some other indicator of where we are in the presentation</a:t>
-            </a:r>
-          </a:p>
-          <a:p>
+            <a:pPr marL="342900" indent="-342900">
+              <a:buFont typeface="Arial" panose="020B0604020202020204" pitchFamily="34" charset="0"/>
+              <a:buChar char="•"/>
+            </a:pPr>
+            <a:r>
+              <a:rPr lang="en-US" dirty="0"/>
+              <a:t>Imagine if the people we spend the most time with every day shared their perspective and advice about how we each could improve?  And imagine if they did this in small, low stress, frequent chunks that helps us course-correct or get stronger continuously.  We could grow faster, and we could make more of a difference in the lives of people around us.</a:t>
+            </a:r>
+          </a:p>
+          <a:p>
+            <a:pPr marL="342900" indent="-342900">
+              <a:buFont typeface="Arial" panose="020B0604020202020204" pitchFamily="34" charset="0"/>
+              <a:buChar char="•"/>
+            </a:pPr>
+            <a:r>
+              <a:rPr lang="en-US" dirty="0"/>
+              <a:t>Scary right?</a:t>
+            </a:r>
+          </a:p>
+          <a:p>
+            <a:pPr marL="342900" indent="-342900">
+              <a:buFont typeface="Arial" panose="020B0604020202020204" pitchFamily="34" charset="0"/>
+              <a:buChar char="•"/>
+            </a:pPr>
+            <a:r>
+              <a:rPr lang="en-US" dirty="0"/>
+              <a:t>Steps to get there:</a:t>
+            </a:r>
+          </a:p>
+          <a:p>
+            <a:pPr marL="342900" indent="-342900">
+              <a:buFont typeface="Arial" panose="020B0604020202020204" pitchFamily="34" charset="0"/>
+              <a:buChar char="•"/>
+            </a:pPr>
+            <a:r>
+              <a:rPr lang="en-US" dirty="0"/>
+              <a:t>&gt;&gt; Share positive feedback, every day, in small but honest ways.  (Some authors talk about needing to build trust by sharing the positive at as much as a 9:1 ratio.)</a:t>
+            </a:r>
+          </a:p>
+          <a:p>
+            <a:pPr marL="342900" indent="-342900">
+              <a:buFont typeface="Arial" panose="020B0604020202020204" pitchFamily="34" charset="0"/>
+              <a:buChar char="•"/>
+            </a:pPr>
+            <a:r>
+              <a:rPr lang="en-US" dirty="0"/>
+              <a:t>&gt;&gt; Do so especially when someone has done something new for them that is a growth step: “It was really cool that you spoke up back there – I think that helped get us on track…”</a:t>
+            </a:r>
+          </a:p>
+          <a:p>
+            <a:pPr marL="342900" indent="-342900">
+              <a:buFont typeface="Arial" panose="020B0604020202020204" pitchFamily="34" charset="0"/>
+              <a:buChar char="•"/>
+            </a:pPr>
+            <a:r>
+              <a:rPr lang="en-US" dirty="0"/>
+              <a:t>&gt;&gt; Make it easy for people to share feedback with you – and try not to just fish for the good – make it easy for people to share ideas about how you can get stronger.</a:t>
+            </a:r>
+          </a:p>
+          <a:p>
+            <a:pPr marL="342900" indent="-342900">
+              <a:buFont typeface="Arial" panose="020B0604020202020204" pitchFamily="34" charset="0"/>
+              <a:buChar char="•"/>
+            </a:pPr>
+            <a:r>
+              <a:rPr lang="en-US" dirty="0"/>
+              <a:t>Receiving feedback: Be interested.  Be engaged.  Don’t argue.  (Asking for clarification or example is ok.)  Say thank you, and mean it.</a:t>
+            </a:r>
+          </a:p>
+          <a:p>
+            <a:pPr marL="342900" indent="-342900">
+              <a:buFont typeface="Arial" panose="020B0604020202020204" pitchFamily="34" charset="0"/>
+              <a:buChar char="•"/>
+            </a:pPr>
+            <a:r>
+              <a:rPr lang="en-US" dirty="0"/>
+              <a:t>Tell people that you got good feedback and that it helped you (if it was, and if it did.)  That reinforces the idea that this is valued behavior, and it’s a form of real-time public feedback for the person who took time to help you out.</a:t>
+            </a:r>
+          </a:p>
+          <a:p>
+            <a:pPr marL="342900" indent="-342900">
+              <a:buFont typeface="Arial" panose="020B0604020202020204" pitchFamily="34" charset="0"/>
+              <a:buChar char="•"/>
+            </a:pPr>
             <a:endParaRPr lang="en-US" dirty="0"/>
           </a:p>
         </p:txBody>
@@ -4747,7 +5075,7 @@
           <a:p>
             <a:r>
               <a:rPr lang="en-US" dirty="0"/>
-              <a:t>Jason – Presentation candy to add</a:t>
+              <a:t>Mutual Coaching</a:t>
             </a:r>
           </a:p>
         </p:txBody>
@@ -4755,7 +5083,7 @@
     </p:spTree>
     <p:extLst>
       <p:ext uri="{BB962C8B-B14F-4D97-AF65-F5344CB8AC3E}">
-        <p14:creationId xmlns:p14="http://schemas.microsoft.com/office/powerpoint/2010/main" val="3812715019"/>
+        <p14:creationId xmlns:p14="http://schemas.microsoft.com/office/powerpoint/2010/main" val="2528233129"/>
       </p:ext>
     </p:extLst>
   </p:cSld>
@@ -4798,53 +5126,60 @@
           <a:lstStyle/>
           <a:p>
             <a:pPr marL="342900" indent="-342900">
-              <a:buFontTx/>
-              <a:buChar char="-"/>
-            </a:pPr>
-            <a:r>
-              <a:rPr lang="en-US" dirty="0"/>
-              <a:t>What metrics have other teams used?</a:t>
-            </a:r>
-          </a:p>
-          <a:p>
-            <a:pPr marL="342900" indent="-342900">
-              <a:buFontTx/>
-              <a:buChar char="-"/>
-            </a:pPr>
-            <a:r>
-              <a:rPr lang="en-US" dirty="0"/>
-              <a:t>Get feedback on outline / more polished presentation</a:t>
-            </a:r>
-          </a:p>
-          <a:p>
-            <a:pPr marL="342900" indent="-342900">
-              <a:buFontTx/>
-              <a:buChar char="-"/>
-            </a:pPr>
-            <a:r>
-              <a:rPr lang="en-US" dirty="0"/>
-              <a:t>Are there examples from other teams that are useful?</a:t>
-            </a:r>
-          </a:p>
-          <a:p>
-            <a:pPr marL="342900" indent="-342900">
-              <a:buFontTx/>
-              <a:buChar char="-"/>
-            </a:pPr>
-            <a:r>
-              <a:rPr lang="en-US" dirty="0"/>
-              <a:t>Make sure I have enough examples / side-stories</a:t>
-            </a:r>
-          </a:p>
-          <a:p>
-            <a:pPr marL="342900" indent="-342900">
-              <a:buFontTx/>
-              <a:buChar char="-"/>
-            </a:pPr>
-            <a:r>
-              <a:rPr lang="en-US" dirty="0"/>
-              <a:t>TED talks</a:t>
-            </a:r>
+              <a:buFont typeface="Arial" panose="020B0604020202020204" pitchFamily="34" charset="0"/>
+              <a:buChar char="•"/>
+            </a:pPr>
+            <a:r>
+              <a:rPr lang="en-US" dirty="0"/>
+              <a:t>I want to work at a place where we, as a group, help to make things better</a:t>
+            </a:r>
+          </a:p>
+          <a:p>
+            <a:pPr marL="342900" indent="-342900">
+              <a:buFont typeface="Arial" panose="020B0604020202020204" pitchFamily="34" charset="0"/>
+              <a:buChar char="•"/>
+            </a:pPr>
+            <a:r>
+              <a:rPr lang="en-US" dirty="0"/>
+              <a:t>Pick a thing that should be better.  Helps if it’s something that bothers you – something you have a personal stake in.  Ask what would be necessary to tackle it.  Just say you’ll make a plan – if you find yourself interested, you’ll be more likely to make good progress</a:t>
+            </a:r>
+          </a:p>
+          <a:p>
+            <a:pPr marL="342900" indent="-342900">
+              <a:buFont typeface="Arial" panose="020B0604020202020204" pitchFamily="34" charset="0"/>
+              <a:buChar char="•"/>
+            </a:pPr>
+            <a:r>
+              <a:rPr lang="en-US" dirty="0"/>
+              <a:t>Think about what that would look like</a:t>
+            </a:r>
+          </a:p>
+          <a:p>
+            <a:pPr marL="342900" indent="-342900">
+              <a:buFont typeface="Arial" panose="020B0604020202020204" pitchFamily="34" charset="0"/>
+              <a:buChar char="•"/>
+            </a:pPr>
+            <a:r>
+              <a:rPr lang="en-US" dirty="0"/>
+              <a:t>Take steps</a:t>
+            </a:r>
+          </a:p>
+          <a:p>
+            <a:pPr marL="342900" indent="-342900">
+              <a:buFont typeface="Arial" panose="020B0604020202020204" pitchFamily="34" charset="0"/>
+              <a:buChar char="•"/>
+            </a:pPr>
+            <a:r>
+              <a:rPr lang="en-US" dirty="0"/>
+              <a:t>Start small (small problems, small slices)</a:t>
+            </a:r>
+          </a:p>
+          <a:p>
+            <a:pPr marL="342900" indent="-342900">
+              <a:buFont typeface="Arial" panose="020B0604020202020204" pitchFamily="34" charset="0"/>
+              <a:buChar char="•"/>
+            </a:pPr>
+            <a:endParaRPr lang="en-US" dirty="0"/>
           </a:p>
         </p:txBody>
       </p:sp>
@@ -4865,15 +5200,20 @@
           <a:p>
             <a:r>
               <a:rPr lang="en-US" dirty="0"/>
-              <a:t>Jason – Research TODO</a:t>
-            </a:r>
+              <a:t>LAST TOPIC: Be the change </a:t>
+            </a:r>
+            <a:r>
+              <a:rPr lang="en-US" sz="2800" dirty="0"/>
+              <a:t>(TODO: Pick less cheesy title)</a:t>
+            </a:r>
+            <a:endParaRPr lang="en-US" dirty="0"/>
           </a:p>
         </p:txBody>
       </p:sp>
     </p:spTree>
     <p:extLst>
       <p:ext uri="{BB962C8B-B14F-4D97-AF65-F5344CB8AC3E}">
-        <p14:creationId xmlns:p14="http://schemas.microsoft.com/office/powerpoint/2010/main" val="3726132311"/>
+        <p14:creationId xmlns:p14="http://schemas.microsoft.com/office/powerpoint/2010/main" val="1213391016"/>
       </p:ext>
     </p:extLst>
   </p:cSld>
@@ -4910,115 +5250,183 @@
             <p:ph type="body" sz="quarter" idx="10"/>
           </p:nvPr>
         </p:nvSpPr>
-        <p:spPr>
-          <a:xfrm>
-            <a:off x="366211" y="-112294"/>
-            <a:ext cx="11301371" cy="6394038"/>
-          </a:xfrm>
-        </p:spPr>
-        <p:txBody>
-          <a:bodyPr/>
-          <a:lstStyle/>
-          <a:p>
-            <a:r>
-              <a:rPr lang="en-US" b="1" dirty="0"/>
-              <a:t>Abstract:</a:t>
-            </a:r>
-            <a:endParaRPr lang="en-US" dirty="0"/>
-          </a:p>
-          <a:p>
-            <a:r>
-              <a:rPr lang="en-US" b="1" dirty="0"/>
-              <a:t>We all want to get more of the most important work done.  This session will discuss ways that teams and individuals can focus their efforts and become increasingly effective.  At the team level, clear, business-aligned, measurable goals are critical.  Learning should be our primary responsibility leading to continuous growth and the ability to embrace change.  Meetings and other discussions need to be goal-oriented, inclusive, and result in action.  As individuals, it's important to be able to both maintain focus, and to be focused on the right thing in the face of frequent interruptions and distractions.  Finally, our colleagues are our best resource for getting better at what we do - let's take advantage of that!</a:t>
-            </a:r>
-            <a:endParaRPr lang="en-US" dirty="0"/>
-          </a:p>
-          <a:p>
-            <a:r>
-              <a:rPr lang="en-US" b="1" dirty="0"/>
-              <a:t> </a:t>
-            </a:r>
-            <a:endParaRPr lang="en-US" dirty="0"/>
-          </a:p>
-          <a:p>
-            <a:r>
-              <a:rPr lang="en-US" b="1" dirty="0"/>
-              <a:t>Learning Objectives:</a:t>
-            </a:r>
-            <a:endParaRPr lang="en-US" dirty="0"/>
-          </a:p>
-          <a:p>
-            <a:r>
-              <a:rPr lang="en-US" b="1" dirty="0"/>
-              <a:t>              - Identifying the right goals and working toward them</a:t>
-            </a:r>
-            <a:endParaRPr lang="en-US" dirty="0"/>
-          </a:p>
-          <a:p>
-            <a:r>
-              <a:rPr lang="en-US" b="1" dirty="0"/>
-              <a:t>- Metrics-based assessment of progress</a:t>
-            </a:r>
-            <a:endParaRPr lang="en-US" dirty="0"/>
-          </a:p>
-          <a:p>
-            <a:r>
-              <a:rPr lang="en-US" b="1" dirty="0"/>
-              <a:t>- Steadily delivering value</a:t>
-            </a:r>
-            <a:endParaRPr lang="en-US" dirty="0"/>
-          </a:p>
-          <a:p>
-            <a:r>
-              <a:rPr lang="en-US" b="1" dirty="0"/>
-              <a:t>- Learning is our primary responsibility</a:t>
-            </a:r>
-            <a:endParaRPr lang="en-US" dirty="0"/>
-          </a:p>
-          <a:p>
-            <a:r>
-              <a:rPr lang="en-US" b="1" dirty="0"/>
-              <a:t>- Abhor stagnation - crave healthy change</a:t>
-            </a:r>
-            <a:endParaRPr lang="en-US" dirty="0"/>
-          </a:p>
-          <a:p>
-            <a:r>
-              <a:rPr lang="en-US" b="1" dirty="0"/>
-              <a:t>- Running effective meetings including goal orientation and inclusiveness</a:t>
-            </a:r>
-            <a:endParaRPr lang="en-US" dirty="0"/>
-          </a:p>
-          <a:p>
-            <a:r>
-              <a:rPr lang="en-US" b="1" dirty="0"/>
-              <a:t>- Fostering a D2L professional network</a:t>
-            </a:r>
-            <a:endParaRPr lang="en-US" dirty="0"/>
-          </a:p>
-          <a:p>
-            <a:r>
-              <a:rPr lang="en-US" b="1" dirty="0"/>
-              <a:t>- Techniques for enabling individual focus and working on the most important thing</a:t>
-            </a:r>
-            <a:endParaRPr lang="en-US" dirty="0"/>
-          </a:p>
-          <a:p>
-            <a:r>
-              <a:rPr lang="en-US" b="1" dirty="0"/>
-              <a:t>- Mutual coaching</a:t>
-            </a:r>
-            <a:endParaRPr lang="en-US" dirty="0"/>
-          </a:p>
-          <a:p>
-            <a:endParaRPr lang="en-US" dirty="0"/>
+        <p:spPr/>
+        <p:txBody>
+          <a:bodyPr/>
+          <a:lstStyle/>
+          <a:p>
+            <a:r>
+              <a:rPr lang="en-US" dirty="0"/>
+              <a:t>Highlight tools / techniques in memorable sound bites</a:t>
+            </a:r>
+          </a:p>
+          <a:p>
+            <a:endParaRPr lang="en-US" dirty="0"/>
+          </a:p>
+          <a:p>
+            <a:r>
+              <a:rPr lang="en-US" dirty="0"/>
+              <a:t>Identify spots for audience participation – What do you do to achieve this goal?</a:t>
+            </a:r>
+          </a:p>
+          <a:p>
+            <a:endParaRPr lang="en-US" dirty="0"/>
+          </a:p>
+          <a:p>
+            <a:r>
+              <a:rPr lang="en-US" dirty="0"/>
+              <a:t>Progress bar or some other indicator of where we are in the presentation</a:t>
+            </a:r>
+          </a:p>
+          <a:p>
+            <a:endParaRPr lang="en-US" dirty="0"/>
+          </a:p>
+        </p:txBody>
+      </p:sp>
+      <p:sp>
+        <p:nvSpPr>
+          <p:cNvPr id="3" name="Title 2"/>
+          <p:cNvSpPr>
+            <a:spLocks noGrp="1"/>
+          </p:cNvSpPr>
+          <p:nvPr>
+            <p:ph type="title"/>
+          </p:nvPr>
+        </p:nvSpPr>
+        <p:spPr/>
+        <p:txBody>
+          <a:bodyPr/>
+          <a:lstStyle/>
+          <a:p>
+            <a:r>
+              <a:rPr lang="en-US" dirty="0"/>
+              <a:t>Jason – Presentation candy to add</a:t>
+            </a:r>
           </a:p>
         </p:txBody>
       </p:sp>
     </p:spTree>
     <p:extLst>
       <p:ext uri="{BB962C8B-B14F-4D97-AF65-F5344CB8AC3E}">
-        <p14:creationId xmlns:p14="http://schemas.microsoft.com/office/powerpoint/2010/main" val="3209244306"/>
+        <p14:creationId xmlns:p14="http://schemas.microsoft.com/office/powerpoint/2010/main" val="3812715019"/>
+      </p:ext>
+    </p:extLst>
+  </p:cSld>
+  <p:clrMapOvr>
+    <a:masterClrMapping/>
+  </p:clrMapOvr>
+</p:sld>
+</file>
+
+<file path=ppt/slides/slide29.xml><?xml version="1.0" encoding="utf-8"?>
+<p:sld xmlns:a="http://schemas.openxmlformats.org/drawingml/2006/main" xmlns:r="http://schemas.openxmlformats.org/officeDocument/2006/relationships" xmlns:p="http://schemas.openxmlformats.org/presentationml/2006/main">
+  <p:cSld>
+    <p:spTree>
+      <p:nvGrpSpPr>
+        <p:cNvPr id="1" name=""/>
+        <p:cNvGrpSpPr/>
+        <p:nvPr/>
+      </p:nvGrpSpPr>
+      <p:grpSpPr>
+        <a:xfrm>
+          <a:off x="0" y="0"/>
+          <a:ext cx="0" cy="0"/>
+          <a:chOff x="0" y="0"/>
+          <a:chExt cx="0" cy="0"/>
+        </a:xfrm>
+      </p:grpSpPr>
+      <p:sp>
+        <p:nvSpPr>
+          <p:cNvPr id="2" name="Text Placeholder 1"/>
+          <p:cNvSpPr>
+            <a:spLocks noGrp="1"/>
+          </p:cNvSpPr>
+          <p:nvPr>
+            <p:ph type="body" sz="quarter" idx="10"/>
+          </p:nvPr>
+        </p:nvSpPr>
+        <p:spPr/>
+        <p:txBody>
+          <a:bodyPr/>
+          <a:lstStyle/>
+          <a:p>
+            <a:pPr marL="342900" indent="-342900">
+              <a:buFontTx/>
+              <a:buChar char="-"/>
+            </a:pPr>
+            <a:r>
+              <a:rPr lang="en-US" dirty="0"/>
+              <a:t>What metrics have other teams used?</a:t>
+            </a:r>
+          </a:p>
+          <a:p>
+            <a:pPr marL="342900" indent="-342900">
+              <a:buFontTx/>
+              <a:buChar char="-"/>
+            </a:pPr>
+            <a:r>
+              <a:rPr lang="en-US" dirty="0"/>
+              <a:t>Get feedback on outline / more polished presentation</a:t>
+            </a:r>
+          </a:p>
+          <a:p>
+            <a:pPr marL="342900" indent="-342900">
+              <a:buFontTx/>
+              <a:buChar char="-"/>
+            </a:pPr>
+            <a:r>
+              <a:rPr lang="en-US" dirty="0"/>
+              <a:t>Are there examples from other teams that are useful?</a:t>
+            </a:r>
+          </a:p>
+          <a:p>
+            <a:pPr marL="342900" indent="-342900">
+              <a:buFontTx/>
+              <a:buChar char="-"/>
+            </a:pPr>
+            <a:r>
+              <a:rPr lang="en-US" dirty="0"/>
+              <a:t>Make sure I have enough examples / side-stories</a:t>
+            </a:r>
+          </a:p>
+          <a:p>
+            <a:pPr marL="342900" indent="-342900">
+              <a:buFontTx/>
+              <a:buChar char="-"/>
+            </a:pPr>
+            <a:r>
+              <a:rPr lang="en-US" dirty="0"/>
+              <a:t>TED talks</a:t>
+            </a:r>
+          </a:p>
+        </p:txBody>
+      </p:sp>
+      <p:sp>
+        <p:nvSpPr>
+          <p:cNvPr id="3" name="Title 2"/>
+          <p:cNvSpPr>
+            <a:spLocks noGrp="1"/>
+          </p:cNvSpPr>
+          <p:nvPr>
+            <p:ph type="title"/>
+          </p:nvPr>
+        </p:nvSpPr>
+        <p:spPr/>
+        <p:txBody>
+          <a:bodyPr/>
+          <a:lstStyle/>
+          <a:p>
+            <a:r>
+              <a:rPr lang="en-US" dirty="0"/>
+              <a:t>Jason – Research TODO</a:t>
+            </a:r>
+          </a:p>
+        </p:txBody>
+      </p:sp>
+    </p:spTree>
+    <p:extLst>
+      <p:ext uri="{BB962C8B-B14F-4D97-AF65-F5344CB8AC3E}">
+        <p14:creationId xmlns:p14="http://schemas.microsoft.com/office/powerpoint/2010/main" val="3726132311"/>
       </p:ext>
     </p:extLst>
   </p:cSld>
@@ -5126,6 +5534,151 @@
     <p:extLst>
       <p:ext uri="{BB962C8B-B14F-4D97-AF65-F5344CB8AC3E}">
         <p14:creationId xmlns:p14="http://schemas.microsoft.com/office/powerpoint/2010/main" val="2150619262"/>
+      </p:ext>
+    </p:extLst>
+  </p:cSld>
+  <p:clrMapOvr>
+    <a:masterClrMapping/>
+  </p:clrMapOvr>
+</p:sld>
+</file>
+
+<file path=ppt/slides/slide30.xml><?xml version="1.0" encoding="utf-8"?>
+<p:sld xmlns:a="http://schemas.openxmlformats.org/drawingml/2006/main" xmlns:r="http://schemas.openxmlformats.org/officeDocument/2006/relationships" xmlns:p="http://schemas.openxmlformats.org/presentationml/2006/main">
+  <p:cSld>
+    <p:spTree>
+      <p:nvGrpSpPr>
+        <p:cNvPr id="1" name=""/>
+        <p:cNvGrpSpPr/>
+        <p:nvPr/>
+      </p:nvGrpSpPr>
+      <p:grpSpPr>
+        <a:xfrm>
+          <a:off x="0" y="0"/>
+          <a:ext cx="0" cy="0"/>
+          <a:chOff x="0" y="0"/>
+          <a:chExt cx="0" cy="0"/>
+        </a:xfrm>
+      </p:grpSpPr>
+      <p:sp>
+        <p:nvSpPr>
+          <p:cNvPr id="2" name="Text Placeholder 1"/>
+          <p:cNvSpPr>
+            <a:spLocks noGrp="1"/>
+          </p:cNvSpPr>
+          <p:nvPr>
+            <p:ph type="body" sz="quarter" idx="10"/>
+          </p:nvPr>
+        </p:nvSpPr>
+        <p:spPr>
+          <a:xfrm>
+            <a:off x="366211" y="-112294"/>
+            <a:ext cx="11301371" cy="6394038"/>
+          </a:xfrm>
+        </p:spPr>
+        <p:txBody>
+          <a:bodyPr/>
+          <a:lstStyle/>
+          <a:p>
+            <a:r>
+              <a:rPr lang="en-US" b="1" dirty="0"/>
+              <a:t>Abstract:</a:t>
+            </a:r>
+            <a:endParaRPr lang="en-US" dirty="0"/>
+          </a:p>
+          <a:p>
+            <a:r>
+              <a:rPr lang="en-US" b="1" dirty="0"/>
+              <a:t>We all want to get more of the most important work done.  This session will discuss ways that teams and individuals can focus their efforts and become increasingly effective.  At the team level, clear, business-aligned, measurable goals are critical.  Learning should be our primary responsibility leading to continuous growth and the ability to embrace change.  Meetings and other discussions need to be goal-oriented, inclusive, and result in action.  As individuals, it's important to be able to both maintain focus, and to be focused on the right thing in the face of frequent interruptions and distractions.  Finally, our colleagues are our best resource for getting better at what we do - let's take advantage of that!</a:t>
+            </a:r>
+            <a:endParaRPr lang="en-US" dirty="0"/>
+          </a:p>
+          <a:p>
+            <a:r>
+              <a:rPr lang="en-US" b="1" dirty="0"/>
+              <a:t> </a:t>
+            </a:r>
+            <a:endParaRPr lang="en-US" dirty="0"/>
+          </a:p>
+          <a:p>
+            <a:r>
+              <a:rPr lang="en-US" b="1" dirty="0"/>
+              <a:t>Learning Objectives:</a:t>
+            </a:r>
+            <a:endParaRPr lang="en-US" dirty="0"/>
+          </a:p>
+          <a:p>
+            <a:r>
+              <a:rPr lang="en-US" b="1" dirty="0"/>
+              <a:t>              - Identifying the right goals and working toward them</a:t>
+            </a:r>
+            <a:endParaRPr lang="en-US" dirty="0"/>
+          </a:p>
+          <a:p>
+            <a:r>
+              <a:rPr lang="en-US" b="1" dirty="0"/>
+              <a:t>- Metrics-based assessment of progress</a:t>
+            </a:r>
+            <a:endParaRPr lang="en-US" dirty="0"/>
+          </a:p>
+          <a:p>
+            <a:r>
+              <a:rPr lang="en-US" b="1" dirty="0"/>
+              <a:t>- Steadily delivering value</a:t>
+            </a:r>
+            <a:endParaRPr lang="en-US" dirty="0"/>
+          </a:p>
+          <a:p>
+            <a:r>
+              <a:rPr lang="en-US" b="1" dirty="0"/>
+              <a:t>- Learning is our primary responsibility</a:t>
+            </a:r>
+            <a:endParaRPr lang="en-US" dirty="0"/>
+          </a:p>
+          <a:p>
+            <a:r>
+              <a:rPr lang="en-US" b="1" dirty="0"/>
+              <a:t>- Abhor stagnation - crave healthy change</a:t>
+            </a:r>
+            <a:endParaRPr lang="en-US" dirty="0"/>
+          </a:p>
+          <a:p>
+            <a:r>
+              <a:rPr lang="en-US" b="1" dirty="0"/>
+              <a:t>- Running effective meetings including goal orientation and inclusiveness</a:t>
+            </a:r>
+            <a:endParaRPr lang="en-US" dirty="0"/>
+          </a:p>
+          <a:p>
+            <a:r>
+              <a:rPr lang="en-US" b="1" dirty="0"/>
+              <a:t>- Fostering a D2L professional network</a:t>
+            </a:r>
+            <a:endParaRPr lang="en-US" dirty="0"/>
+          </a:p>
+          <a:p>
+            <a:r>
+              <a:rPr lang="en-US" b="1" dirty="0"/>
+              <a:t>- Techniques for enabling individual focus and working on the most important thing</a:t>
+            </a:r>
+            <a:endParaRPr lang="en-US" dirty="0"/>
+          </a:p>
+          <a:p>
+            <a:r>
+              <a:rPr lang="en-US" b="1" dirty="0"/>
+              <a:t>- Mutual coaching</a:t>
+            </a:r>
+            <a:endParaRPr lang="en-US" dirty="0"/>
+          </a:p>
+          <a:p>
+            <a:endParaRPr lang="en-US" dirty="0"/>
+          </a:p>
+        </p:txBody>
+      </p:sp>
+    </p:spTree>
+    <p:extLst>
+      <p:ext uri="{BB962C8B-B14F-4D97-AF65-F5344CB8AC3E}">
+        <p14:creationId xmlns:p14="http://schemas.microsoft.com/office/powerpoint/2010/main" val="3209244306"/>
       </p:ext>
     </p:extLst>
   </p:cSld>
@@ -5326,6 +5879,23 @@
                   <a:srgbClr val="FF0000"/>
                 </a:solidFill>
               </a:rPr>
+              <a:t>NEED BETTER APPROACH TO ORIENTING THE AUDIENCE</a:t>
+            </a:r>
+          </a:p>
+          <a:p>
+            <a:endParaRPr lang="en-US" b="1" dirty="0">
+              <a:solidFill>
+                <a:srgbClr val="FF0000"/>
+              </a:solidFill>
+            </a:endParaRPr>
+          </a:p>
+          <a:p>
+            <a:r>
+              <a:rPr lang="en-US" b="1" dirty="0">
+                <a:solidFill>
+                  <a:srgbClr val="FF0000"/>
+                </a:solidFill>
+              </a:rPr>
               <a:t>Copy to beginning of individual section too?</a:t>
             </a:r>
           </a:p>
@@ -5791,50 +6361,6 @@
             </a:r>
             <a:endParaRPr lang="en-US" dirty="0"/>
           </a:p>
-          <a:p>
-            <a:endParaRPr lang="en-US" dirty="0"/>
-          </a:p>
-          <a:p>
-            <a:pPr marL="342900" indent="-342900">
-              <a:buFont typeface="Arial" panose="020B0604020202020204" pitchFamily="34" charset="0"/>
-              <a:buChar char="•"/>
-            </a:pPr>
-            <a:r>
-              <a:rPr lang="en-US" dirty="0"/>
-              <a:t>Tool: Write the press release</a:t>
-            </a:r>
-          </a:p>
-          <a:p>
-            <a:pPr marL="342900" indent="-342900">
-              <a:buFont typeface="Arial" panose="020B0604020202020204" pitchFamily="34" charset="0"/>
-              <a:buChar char="•"/>
-            </a:pPr>
-            <a:r>
-              <a:rPr lang="en-US" dirty="0"/>
-              <a:t>Tool: Do a pre-mortem</a:t>
-            </a:r>
-          </a:p>
-          <a:p>
-            <a:pPr marL="342900" indent="-342900">
-              <a:buFont typeface="Arial" panose="020B0604020202020204" pitchFamily="34" charset="0"/>
-              <a:buChar char="•"/>
-            </a:pPr>
-            <a:endParaRPr lang="en-US" dirty="0"/>
-          </a:p>
-          <a:p>
-            <a:pPr marL="342900" indent="-342900">
-              <a:buFont typeface="Arial" panose="020B0604020202020204" pitchFamily="34" charset="0"/>
-              <a:buChar char="•"/>
-            </a:pPr>
-            <a:r>
-              <a:rPr lang="en-US" dirty="0">
-                <a:solidFill>
-                  <a:srgbClr val="FF0000"/>
-                </a:solidFill>
-              </a:rPr>
-              <a:t>JASON – MORE HERE</a:t>
-            </a:r>
-          </a:p>
         </p:txBody>
       </p:sp>
       <p:sp>
@@ -5923,7 +6449,20 @@
             </a:pPr>
             <a:r>
               <a:rPr lang="en-US" dirty="0"/>
-              <a:t>Helps us focus on the most important things</a:t>
+              <a:t>Focuses us on the most important things we want to accomplish</a:t>
+            </a:r>
+          </a:p>
+          <a:p>
+            <a:endParaRPr lang="en-US" dirty="0"/>
+          </a:p>
+          <a:p>
+            <a:pPr marL="342900" indent="-342900">
+              <a:buFont typeface="Arial" panose="020B0604020202020204" pitchFamily="34" charset="0"/>
+              <a:buChar char="•"/>
+            </a:pPr>
+            <a:r>
+              <a:rPr lang="en-US" dirty="0"/>
+              <a:t>Reminds us of how people will be helped by what we’ll have done</a:t>
             </a:r>
           </a:p>
           <a:p>

--- a/InFusion2016 - Getting It Done - Jason Wood.pptx
+++ b/InFusion2016 - Getting It Done - Jason Wood.pptx
@@ -5,7 +5,7 @@
     <p:sldMasterId id="2147483810" r:id="rId1"/>
   </p:sldMasterIdLst>
   <p:notesMasterIdLst>
-    <p:notesMasterId r:id="rId32"/>
+    <p:notesMasterId r:id="rId34"/>
   </p:notesMasterIdLst>
   <p:sldIdLst>
     <p:sldId id="256" r:id="rId2"/>
@@ -33,11 +33,13 @@
     <p:sldId id="273" r:id="rId24"/>
     <p:sldId id="274" r:id="rId25"/>
     <p:sldId id="278" r:id="rId26"/>
-    <p:sldId id="279" r:id="rId27"/>
-    <p:sldId id="275" r:id="rId28"/>
-    <p:sldId id="281" r:id="rId29"/>
-    <p:sldId id="266" r:id="rId30"/>
-    <p:sldId id="280" r:id="rId31"/>
+    <p:sldId id="295" r:id="rId27"/>
+    <p:sldId id="279" r:id="rId28"/>
+    <p:sldId id="296" r:id="rId29"/>
+    <p:sldId id="275" r:id="rId30"/>
+    <p:sldId id="281" r:id="rId31"/>
+    <p:sldId id="266" r:id="rId32"/>
+    <p:sldId id="280" r:id="rId33"/>
   </p:sldIdLst>
   <p:sldSz cx="12192000" cy="6858000"/>
   <p:notesSz cx="6858000" cy="9144000"/>
@@ -166,7 +168,9 @@
             <p14:sldId id="273"/>
             <p14:sldId id="274"/>
             <p14:sldId id="278"/>
+            <p14:sldId id="295"/>
             <p14:sldId id="279"/>
+            <p14:sldId id="296"/>
             <p14:sldId id="275"/>
           </p14:sldIdLst>
         </p14:section>
@@ -682,7 +686,128 @@
           <a:bodyPr/>
           <a:lstStyle/>
           <a:p>
+            <a:r>
+              <a:rPr lang="en-US" dirty="0"/>
+              <a:t>Can categorize to-do list by strategic and tactical</a:t>
+            </a:r>
+          </a:p>
+        </p:txBody>
+      </p:sp>
+      <p:sp>
+        <p:nvSpPr>
+          <p:cNvPr id="4" name="Slide Number Placeholder 3"/>
+          <p:cNvSpPr>
+            <a:spLocks noGrp="1"/>
+          </p:cNvSpPr>
+          <p:nvPr>
+            <p:ph type="sldNum" sz="quarter" idx="10"/>
+          </p:nvPr>
+        </p:nvSpPr>
+        <p:spPr/>
+        <p:txBody>
+          <a:bodyPr/>
+          <a:lstStyle/>
+          <a:p>
+            <a:fld id="{54165CF5-22A4-4BB9-BE26-FDB96183FE65}" type="slidenum">
+              <a:rPr lang="en-US" smtClean="0"/>
+              <a:t>24</a:t>
+            </a:fld>
             <a:endParaRPr lang="en-US"/>
+          </a:p>
+        </p:txBody>
+      </p:sp>
+    </p:spTree>
+    <p:extLst>
+      <p:ext uri="{BB962C8B-B14F-4D97-AF65-F5344CB8AC3E}">
+        <p14:creationId xmlns:p14="http://schemas.microsoft.com/office/powerpoint/2010/main" val="1482790445"/>
+      </p:ext>
+    </p:extLst>
+  </p:cSld>
+  <p:clrMapOvr>
+    <a:masterClrMapping/>
+  </p:clrMapOvr>
+</p:notes>
+</file>
+
+<file path=ppt/notesSlides/notesSlide11.xml><?xml version="1.0" encoding="utf-8"?>
+<p:notes xmlns:a="http://schemas.openxmlformats.org/drawingml/2006/main" xmlns:r="http://schemas.openxmlformats.org/officeDocument/2006/relationships" xmlns:p="http://schemas.openxmlformats.org/presentationml/2006/main">
+  <p:cSld>
+    <p:spTree>
+      <p:nvGrpSpPr>
+        <p:cNvPr id="1" name=""/>
+        <p:cNvGrpSpPr/>
+        <p:nvPr/>
+      </p:nvGrpSpPr>
+      <p:grpSpPr>
+        <a:xfrm>
+          <a:off x="0" y="0"/>
+          <a:ext cx="0" cy="0"/>
+          <a:chOff x="0" y="0"/>
+          <a:chExt cx="0" cy="0"/>
+        </a:xfrm>
+      </p:grpSpPr>
+      <p:sp>
+        <p:nvSpPr>
+          <p:cNvPr id="2" name="Slide Image Placeholder 1"/>
+          <p:cNvSpPr>
+            <a:spLocks noGrp="1" noRot="1" noChangeAspect="1"/>
+          </p:cNvSpPr>
+          <p:nvPr>
+            <p:ph type="sldImg"/>
+          </p:nvPr>
+        </p:nvSpPr>
+        <p:spPr/>
+      </p:sp>
+      <p:sp>
+        <p:nvSpPr>
+          <p:cNvPr id="3" name="Notes Placeholder 2"/>
+          <p:cNvSpPr>
+            <a:spLocks noGrp="1"/>
+          </p:cNvSpPr>
+          <p:nvPr>
+            <p:ph type="body" idx="1"/>
+          </p:nvPr>
+        </p:nvSpPr>
+        <p:spPr/>
+        <p:txBody>
+          <a:bodyPr/>
+          <a:lstStyle/>
+          <a:p>
+            <a:r>
+              <a:rPr lang="en-US" dirty="0"/>
+              <a:t>I used to think that networking was about cronyism</a:t>
+            </a:r>
+            <a:r>
+              <a:rPr lang="en-US" baseline="0" dirty="0"/>
+              <a:t>, currying </a:t>
+            </a:r>
+            <a:r>
+              <a:rPr lang="en-US" baseline="0" dirty="0" err="1"/>
+              <a:t>favour</a:t>
+            </a:r>
+            <a:r>
+              <a:rPr lang="en-US" baseline="0" dirty="0"/>
+              <a:t>, and low-depth relationships – I had a very negative view of it.  I felt like I could get by on my individual performance and that that was a higher-integrity way to operate.</a:t>
+            </a:r>
+          </a:p>
+          <a:p>
+            <a:endParaRPr lang="en-US" baseline="0" dirty="0"/>
+          </a:p>
+          <a:p>
+            <a:r>
+              <a:rPr lang="en-US" baseline="0" dirty="0"/>
+              <a:t>I needed a way to think of it in terms of collaboration, more meaningful relationships, and mutual support.  </a:t>
+            </a:r>
+          </a:p>
+          <a:p>
+            <a:endParaRPr lang="en-US" baseline="0" dirty="0"/>
+          </a:p>
+          <a:p>
+            <a:r>
+              <a:rPr lang="en-US" baseline="0" dirty="0"/>
+              <a:t>It helped me to think in terms of what I could give my network, rather than what I wanted from it.</a:t>
+            </a:r>
+            <a:endParaRPr lang="en-US" dirty="0"/>
           </a:p>
         </p:txBody>
       </p:sp>
@@ -713,6 +838,489 @@
     <p:extLst>
       <p:ext uri="{BB962C8B-B14F-4D97-AF65-F5344CB8AC3E}">
         <p14:creationId xmlns:p14="http://schemas.microsoft.com/office/powerpoint/2010/main" val="3401885187"/>
+      </p:ext>
+    </p:extLst>
+  </p:cSld>
+  <p:clrMapOvr>
+    <a:masterClrMapping/>
+  </p:clrMapOvr>
+</p:notes>
+</file>
+
+<file path=ppt/notesSlides/notesSlide12.xml><?xml version="1.0" encoding="utf-8"?>
+<p:notes xmlns:a="http://schemas.openxmlformats.org/drawingml/2006/main" xmlns:r="http://schemas.openxmlformats.org/officeDocument/2006/relationships" xmlns:p="http://schemas.openxmlformats.org/presentationml/2006/main">
+  <p:cSld>
+    <p:spTree>
+      <p:nvGrpSpPr>
+        <p:cNvPr id="1" name=""/>
+        <p:cNvGrpSpPr/>
+        <p:nvPr/>
+      </p:nvGrpSpPr>
+      <p:grpSpPr>
+        <a:xfrm>
+          <a:off x="0" y="0"/>
+          <a:ext cx="0" cy="0"/>
+          <a:chOff x="0" y="0"/>
+          <a:chExt cx="0" cy="0"/>
+        </a:xfrm>
+      </p:grpSpPr>
+      <p:sp>
+        <p:nvSpPr>
+          <p:cNvPr id="2" name="Slide Image Placeholder 1"/>
+          <p:cNvSpPr>
+            <a:spLocks noGrp="1" noRot="1" noChangeAspect="1"/>
+          </p:cNvSpPr>
+          <p:nvPr>
+            <p:ph type="sldImg"/>
+          </p:nvPr>
+        </p:nvSpPr>
+        <p:spPr/>
+      </p:sp>
+      <p:sp>
+        <p:nvSpPr>
+          <p:cNvPr id="3" name="Notes Placeholder 2"/>
+          <p:cNvSpPr>
+            <a:spLocks noGrp="1"/>
+          </p:cNvSpPr>
+          <p:nvPr>
+            <p:ph type="body" idx="1"/>
+          </p:nvPr>
+        </p:nvSpPr>
+        <p:spPr/>
+        <p:txBody>
+          <a:bodyPr/>
+          <a:lstStyle/>
+          <a:p>
+            <a:pPr marL="0" marR="0" lvl="0" indent="0" algn="l" defTabSz="914400" rtl="0" eaLnBrk="1" fontAlgn="auto" latinLnBrk="0" hangingPunct="1">
+              <a:lnSpc>
+                <a:spcPct val="100000"/>
+              </a:lnSpc>
+              <a:spcBef>
+                <a:spcPts val="0"/>
+              </a:spcBef>
+              <a:spcAft>
+                <a:spcPts val="0"/>
+              </a:spcAft>
+              <a:buClrTx/>
+              <a:buSzTx/>
+              <a:buFontTx/>
+              <a:buNone/>
+              <a:tabLst/>
+              <a:defRPr/>
+            </a:pPr>
+            <a:r>
+              <a:rPr lang="en-US" dirty="0"/>
+              <a:t>We sometimes talk about having a mentor, but Craig helped me appreciate the value of a network of informal mentors – people you can talk over problems in particular areas in a less formal way</a:t>
+            </a:r>
+          </a:p>
+          <a:p>
+            <a:endParaRPr lang="en-US" dirty="0"/>
+          </a:p>
+          <a:p>
+            <a:pPr marL="342900" indent="-342900">
+              <a:buFontTx/>
+              <a:buChar char="-"/>
+            </a:pPr>
+            <a:r>
+              <a:rPr lang="en-US" dirty="0"/>
+              <a:t>&gt;&gt;3</a:t>
+            </a:r>
+            <a:r>
+              <a:rPr lang="en-US" baseline="30000" dirty="0"/>
+              <a:t>rd</a:t>
+            </a:r>
+            <a:r>
+              <a:rPr lang="en-US" dirty="0"/>
+              <a:t> level tribe – we’re awesome, but they’re not.</a:t>
+            </a:r>
+          </a:p>
+          <a:p>
+            <a:pPr marL="342900" indent="-342900">
+              <a:buFontTx/>
+              <a:buChar char="-"/>
+            </a:pPr>
+            <a:r>
+              <a:rPr lang="en-US" dirty="0"/>
+              <a:t>&gt;&gt;4</a:t>
+            </a:r>
+            <a:r>
+              <a:rPr lang="en-US" baseline="30000" dirty="0"/>
+              <a:t>th</a:t>
+            </a:r>
+            <a:r>
+              <a:rPr lang="en-US" dirty="0"/>
+              <a:t> level tribe – we’re all awesome</a:t>
+            </a:r>
+          </a:p>
+          <a:p>
+            <a:pPr marL="342900" indent="-342900">
+              <a:buFontTx/>
+              <a:buChar char="-"/>
+            </a:pPr>
+            <a:r>
+              <a:rPr lang="en-US" dirty="0"/>
+              <a:t>&gt;&gt;5</a:t>
+            </a:r>
+            <a:r>
+              <a:rPr lang="en-US" baseline="30000" dirty="0"/>
+              <a:t>th</a:t>
+            </a:r>
+            <a:r>
+              <a:rPr lang="en-US" dirty="0"/>
+              <a:t> level tribe – hey my two friends who don’t know each other, you’d probably be awesome together – why not connect?</a:t>
+            </a:r>
+          </a:p>
+          <a:p>
+            <a:endParaRPr lang="en-US" dirty="0"/>
+          </a:p>
+        </p:txBody>
+      </p:sp>
+      <p:sp>
+        <p:nvSpPr>
+          <p:cNvPr id="4" name="Slide Number Placeholder 3"/>
+          <p:cNvSpPr>
+            <a:spLocks noGrp="1"/>
+          </p:cNvSpPr>
+          <p:nvPr>
+            <p:ph type="sldNum" sz="quarter" idx="10"/>
+          </p:nvPr>
+        </p:nvSpPr>
+        <p:spPr/>
+        <p:txBody>
+          <a:bodyPr/>
+          <a:lstStyle/>
+          <a:p>
+            <a:fld id="{54165CF5-22A4-4BB9-BE26-FDB96183FE65}" type="slidenum">
+              <a:rPr lang="en-US" smtClean="0"/>
+              <a:t>26</a:t>
+            </a:fld>
+            <a:endParaRPr lang="en-US"/>
+          </a:p>
+        </p:txBody>
+      </p:sp>
+    </p:spTree>
+    <p:extLst>
+      <p:ext uri="{BB962C8B-B14F-4D97-AF65-F5344CB8AC3E}">
+        <p14:creationId xmlns:p14="http://schemas.microsoft.com/office/powerpoint/2010/main" val="55888354"/>
+      </p:ext>
+    </p:extLst>
+  </p:cSld>
+  <p:clrMapOvr>
+    <a:masterClrMapping/>
+  </p:clrMapOvr>
+</p:notes>
+</file>
+
+<file path=ppt/notesSlides/notesSlide13.xml><?xml version="1.0" encoding="utf-8"?>
+<p:notes xmlns:a="http://schemas.openxmlformats.org/drawingml/2006/main" xmlns:r="http://schemas.openxmlformats.org/officeDocument/2006/relationships" xmlns:p="http://schemas.openxmlformats.org/presentationml/2006/main">
+  <p:cSld>
+    <p:spTree>
+      <p:nvGrpSpPr>
+        <p:cNvPr id="1" name=""/>
+        <p:cNvGrpSpPr/>
+        <p:nvPr/>
+      </p:nvGrpSpPr>
+      <p:grpSpPr>
+        <a:xfrm>
+          <a:off x="0" y="0"/>
+          <a:ext cx="0" cy="0"/>
+          <a:chOff x="0" y="0"/>
+          <a:chExt cx="0" cy="0"/>
+        </a:xfrm>
+      </p:grpSpPr>
+      <p:sp>
+        <p:nvSpPr>
+          <p:cNvPr id="2" name="Slide Image Placeholder 1"/>
+          <p:cNvSpPr>
+            <a:spLocks noGrp="1" noRot="1" noChangeAspect="1"/>
+          </p:cNvSpPr>
+          <p:nvPr>
+            <p:ph type="sldImg"/>
+          </p:nvPr>
+        </p:nvSpPr>
+        <p:spPr/>
+      </p:sp>
+      <p:sp>
+        <p:nvSpPr>
+          <p:cNvPr id="3" name="Notes Placeholder 2"/>
+          <p:cNvSpPr>
+            <a:spLocks noGrp="1"/>
+          </p:cNvSpPr>
+          <p:nvPr>
+            <p:ph type="body" idx="1"/>
+          </p:nvPr>
+        </p:nvSpPr>
+        <p:spPr/>
+        <p:txBody>
+          <a:bodyPr/>
+          <a:lstStyle/>
+          <a:p>
+            <a:r>
+              <a:rPr lang="en-US" dirty="0"/>
+              <a:t>Imagine if the people we spend the most time with every day shared their perspective and advice about how we each could improve?  And imagine if they did this in small, low stress, frequent chunks that helps us course-correct or get stronger continuously.  We could grow faster, and we could make more of a difference in the lives of people around us.</a:t>
+            </a:r>
+          </a:p>
+          <a:p>
+            <a:endParaRPr lang="en-US" dirty="0"/>
+          </a:p>
+          <a:p>
+            <a:r>
+              <a:rPr lang="en-US" dirty="0"/>
+              <a:t>Scary right?</a:t>
+            </a:r>
+          </a:p>
+        </p:txBody>
+      </p:sp>
+      <p:sp>
+        <p:nvSpPr>
+          <p:cNvPr id="4" name="Slide Number Placeholder 3"/>
+          <p:cNvSpPr>
+            <a:spLocks noGrp="1"/>
+          </p:cNvSpPr>
+          <p:nvPr>
+            <p:ph type="sldNum" sz="quarter" idx="10"/>
+          </p:nvPr>
+        </p:nvSpPr>
+        <p:spPr/>
+        <p:txBody>
+          <a:bodyPr/>
+          <a:lstStyle/>
+          <a:p>
+            <a:fld id="{54165CF5-22A4-4BB9-BE26-FDB96183FE65}" type="slidenum">
+              <a:rPr lang="en-US" smtClean="0"/>
+              <a:t>27</a:t>
+            </a:fld>
+            <a:endParaRPr lang="en-US"/>
+          </a:p>
+        </p:txBody>
+      </p:sp>
+    </p:spTree>
+    <p:extLst>
+      <p:ext uri="{BB962C8B-B14F-4D97-AF65-F5344CB8AC3E}">
+        <p14:creationId xmlns:p14="http://schemas.microsoft.com/office/powerpoint/2010/main" val="2351349877"/>
+      </p:ext>
+    </p:extLst>
+  </p:cSld>
+  <p:clrMapOvr>
+    <a:masterClrMapping/>
+  </p:clrMapOvr>
+</p:notes>
+</file>
+
+<file path=ppt/notesSlides/notesSlide14.xml><?xml version="1.0" encoding="utf-8"?>
+<p:notes xmlns:a="http://schemas.openxmlformats.org/drawingml/2006/main" xmlns:r="http://schemas.openxmlformats.org/officeDocument/2006/relationships" xmlns:p="http://schemas.openxmlformats.org/presentationml/2006/main">
+  <p:cSld>
+    <p:spTree>
+      <p:nvGrpSpPr>
+        <p:cNvPr id="1" name=""/>
+        <p:cNvGrpSpPr/>
+        <p:nvPr/>
+      </p:nvGrpSpPr>
+      <p:grpSpPr>
+        <a:xfrm>
+          <a:off x="0" y="0"/>
+          <a:ext cx="0" cy="0"/>
+          <a:chOff x="0" y="0"/>
+          <a:chExt cx="0" cy="0"/>
+        </a:xfrm>
+      </p:grpSpPr>
+      <p:sp>
+        <p:nvSpPr>
+          <p:cNvPr id="2" name="Slide Image Placeholder 1"/>
+          <p:cNvSpPr>
+            <a:spLocks noGrp="1" noRot="1" noChangeAspect="1"/>
+          </p:cNvSpPr>
+          <p:nvPr>
+            <p:ph type="sldImg"/>
+          </p:nvPr>
+        </p:nvSpPr>
+        <p:spPr/>
+      </p:sp>
+      <p:sp>
+        <p:nvSpPr>
+          <p:cNvPr id="3" name="Notes Placeholder 2"/>
+          <p:cNvSpPr>
+            <a:spLocks noGrp="1"/>
+          </p:cNvSpPr>
+          <p:nvPr>
+            <p:ph type="body" idx="1"/>
+          </p:nvPr>
+        </p:nvSpPr>
+        <p:spPr/>
+        <p:txBody>
+          <a:bodyPr/>
+          <a:lstStyle/>
+          <a:p>
+            <a:r>
+              <a:rPr lang="en-US" dirty="0"/>
+              <a:t>: “It was really cool that you spoke up back there – I think that helped get us on track…”</a:t>
+            </a:r>
+          </a:p>
+          <a:p>
+            <a:endParaRPr lang="en-US" dirty="0"/>
+          </a:p>
+          <a:p>
+            <a:pPr marL="0" marR="0" lvl="0" indent="0" algn="l" defTabSz="914400" rtl="0" eaLnBrk="1" fontAlgn="auto" latinLnBrk="0" hangingPunct="1">
+              <a:lnSpc>
+                <a:spcPct val="100000"/>
+              </a:lnSpc>
+              <a:spcBef>
+                <a:spcPts val="0"/>
+              </a:spcBef>
+              <a:spcAft>
+                <a:spcPts val="0"/>
+              </a:spcAft>
+              <a:buClrTx/>
+              <a:buSzTx/>
+              <a:buFontTx/>
+              <a:buNone/>
+              <a:tabLst/>
+              <a:defRPr/>
+            </a:pPr>
+            <a:r>
+              <a:rPr lang="en-US" dirty="0"/>
+              <a:t>Make it easy for people to share strengthening feedback with you – and try not to just fish for the good – make it easy for people to share ideas about how you can get stronger.</a:t>
+            </a:r>
+          </a:p>
+          <a:p>
+            <a:endParaRPr lang="en-US" dirty="0"/>
+          </a:p>
+        </p:txBody>
+      </p:sp>
+      <p:sp>
+        <p:nvSpPr>
+          <p:cNvPr id="4" name="Slide Number Placeholder 3"/>
+          <p:cNvSpPr>
+            <a:spLocks noGrp="1"/>
+          </p:cNvSpPr>
+          <p:nvPr>
+            <p:ph type="sldNum" sz="quarter" idx="10"/>
+          </p:nvPr>
+        </p:nvSpPr>
+        <p:spPr/>
+        <p:txBody>
+          <a:bodyPr/>
+          <a:lstStyle/>
+          <a:p>
+            <a:fld id="{54165CF5-22A4-4BB9-BE26-FDB96183FE65}" type="slidenum">
+              <a:rPr lang="en-US" smtClean="0"/>
+              <a:t>28</a:t>
+            </a:fld>
+            <a:endParaRPr lang="en-US"/>
+          </a:p>
+        </p:txBody>
+      </p:sp>
+    </p:spTree>
+    <p:extLst>
+      <p:ext uri="{BB962C8B-B14F-4D97-AF65-F5344CB8AC3E}">
+        <p14:creationId xmlns:p14="http://schemas.microsoft.com/office/powerpoint/2010/main" val="2178038515"/>
+      </p:ext>
+    </p:extLst>
+  </p:cSld>
+  <p:clrMapOvr>
+    <a:masterClrMapping/>
+  </p:clrMapOvr>
+</p:notes>
+</file>
+
+<file path=ppt/notesSlides/notesSlide15.xml><?xml version="1.0" encoding="utf-8"?>
+<p:notes xmlns:a="http://schemas.openxmlformats.org/drawingml/2006/main" xmlns:r="http://schemas.openxmlformats.org/officeDocument/2006/relationships" xmlns:p="http://schemas.openxmlformats.org/presentationml/2006/main">
+  <p:cSld>
+    <p:spTree>
+      <p:nvGrpSpPr>
+        <p:cNvPr id="1" name=""/>
+        <p:cNvGrpSpPr/>
+        <p:nvPr/>
+      </p:nvGrpSpPr>
+      <p:grpSpPr>
+        <a:xfrm>
+          <a:off x="0" y="0"/>
+          <a:ext cx="0" cy="0"/>
+          <a:chOff x="0" y="0"/>
+          <a:chExt cx="0" cy="0"/>
+        </a:xfrm>
+      </p:grpSpPr>
+      <p:sp>
+        <p:nvSpPr>
+          <p:cNvPr id="2" name="Slide Image Placeholder 1"/>
+          <p:cNvSpPr>
+            <a:spLocks noGrp="1" noRot="1" noChangeAspect="1"/>
+          </p:cNvSpPr>
+          <p:nvPr>
+            <p:ph type="sldImg"/>
+          </p:nvPr>
+        </p:nvSpPr>
+        <p:spPr/>
+      </p:sp>
+      <p:sp>
+        <p:nvSpPr>
+          <p:cNvPr id="3" name="Notes Placeholder 2"/>
+          <p:cNvSpPr>
+            <a:spLocks noGrp="1"/>
+          </p:cNvSpPr>
+          <p:nvPr>
+            <p:ph type="body" idx="1"/>
+          </p:nvPr>
+        </p:nvSpPr>
+        <p:spPr/>
+        <p:txBody>
+          <a:bodyPr/>
+          <a:lstStyle/>
+          <a:p>
+            <a:pPr marL="0" marR="0" lvl="0" indent="0" algn="l" defTabSz="914400" rtl="0" eaLnBrk="1" fontAlgn="auto" latinLnBrk="0" hangingPunct="1">
+              <a:lnSpc>
+                <a:spcPct val="100000"/>
+              </a:lnSpc>
+              <a:spcBef>
+                <a:spcPts val="0"/>
+              </a:spcBef>
+              <a:spcAft>
+                <a:spcPts val="0"/>
+              </a:spcAft>
+              <a:buClrTx/>
+              <a:buSzTx/>
+              <a:buFontTx/>
+              <a:buNone/>
+              <a:tabLst/>
+              <a:defRPr/>
+            </a:pPr>
+            <a:r>
+              <a:rPr lang="en-US" dirty="0"/>
+              <a:t>Pick a thing that should be better.  Helps if it’s something that bothers you – something you have a personal stake in.  Ask what would be necessary to tackle it.  Just say you’ll make a plan – if you find yourself interested, you’ll be more likely to make good progress</a:t>
+            </a:r>
+          </a:p>
+          <a:p>
+            <a:endParaRPr lang="en-US" dirty="0"/>
+          </a:p>
+        </p:txBody>
+      </p:sp>
+      <p:sp>
+        <p:nvSpPr>
+          <p:cNvPr id="4" name="Slide Number Placeholder 3"/>
+          <p:cNvSpPr>
+            <a:spLocks noGrp="1"/>
+          </p:cNvSpPr>
+          <p:nvPr>
+            <p:ph type="sldNum" sz="quarter" idx="10"/>
+          </p:nvPr>
+        </p:nvSpPr>
+        <p:spPr/>
+        <p:txBody>
+          <a:bodyPr/>
+          <a:lstStyle/>
+          <a:p>
+            <a:fld id="{54165CF5-22A4-4BB9-BE26-FDB96183FE65}" type="slidenum">
+              <a:rPr lang="en-US" smtClean="0"/>
+              <a:t>29</a:t>
+            </a:fld>
+            <a:endParaRPr lang="en-US"/>
+          </a:p>
+        </p:txBody>
+      </p:sp>
+    </p:spTree>
+    <p:extLst>
+      <p:ext uri="{BB962C8B-B14F-4D97-AF65-F5344CB8AC3E}">
+        <p14:creationId xmlns:p14="http://schemas.microsoft.com/office/powerpoint/2010/main" val="325442715"/>
       </p:ext>
     </p:extLst>
   </p:cSld>
@@ -4473,7 +5081,7 @@
             </a:pPr>
             <a:r>
               <a:rPr lang="en-US" dirty="0"/>
-              <a:t>&gt;&gt; Learn in every opportunity</a:t>
+              <a:t>&gt;&gt; Give yourself the time – it’s part of your job to learn in every opportunity</a:t>
             </a:r>
           </a:p>
           <a:p>
@@ -4511,7 +5119,7 @@
             </a:pPr>
             <a:r>
               <a:rPr lang="en-US" dirty="0"/>
-              <a:t>&gt;&gt;Professional Journal (including feelings)</a:t>
+              <a:t>&gt;&gt;Professional journal (including feelings)</a:t>
             </a:r>
           </a:p>
           <a:p>
@@ -4646,27 +5254,115 @@
           <a:p>
             <a:r>
               <a:rPr lang="en-US" dirty="0"/>
+              <a:t>The right thing:</a:t>
+            </a:r>
+          </a:p>
+          <a:p>
+            <a:pPr marL="342900" indent="-342900">
+              <a:buFont typeface="Arial" panose="020B0604020202020204" pitchFamily="34" charset="0"/>
+              <a:buChar char="•"/>
+            </a:pPr>
+            <a:r>
+              <a:rPr lang="en-US" dirty="0"/>
+              <a:t>Start the day by making sure you’re doing the right thing</a:t>
+            </a:r>
+          </a:p>
+          <a:p>
+            <a:pPr marL="342900" indent="-342900">
+              <a:buFont typeface="Arial" panose="020B0604020202020204" pitchFamily="34" charset="0"/>
+              <a:buChar char="•"/>
+            </a:pPr>
+            <a:r>
+              <a:rPr lang="en-US" dirty="0"/>
+              <a:t>Calendar before email or yesterday’s list</a:t>
+            </a:r>
+          </a:p>
+          <a:p>
+            <a:pPr marL="342900" indent="-342900">
+              <a:buFont typeface="Arial" panose="020B0604020202020204" pitchFamily="34" charset="0"/>
+              <a:buChar char="•"/>
+            </a:pPr>
+            <a:r>
+              <a:rPr lang="en-US" dirty="0"/>
+              <a:t>Top 5 (or Top 1)</a:t>
+            </a:r>
+          </a:p>
+          <a:p>
+            <a:pPr marL="342900" indent="-342900">
+              <a:buFont typeface="Arial" panose="020B0604020202020204" pitchFamily="34" charset="0"/>
+              <a:buChar char="•"/>
+            </a:pPr>
+            <a:endParaRPr lang="en-US" dirty="0"/>
+          </a:p>
+          <a:p>
+            <a:r>
+              <a:rPr lang="en-US" dirty="0"/>
+              <a:t>Reactive vs Proactive</a:t>
+            </a:r>
+          </a:p>
+          <a:p>
+            <a:pPr marL="342900" indent="-342900">
+              <a:buFont typeface="Arial" panose="020B0604020202020204" pitchFamily="34" charset="0"/>
+              <a:buChar char="•"/>
+            </a:pPr>
+            <a:r>
+              <a:rPr lang="en-US" dirty="0"/>
+              <a:t>Categorize tasks into reactive/tactical and proactive/strategic</a:t>
+            </a:r>
+          </a:p>
+          <a:p>
+            <a:pPr marL="342900" indent="-342900">
+              <a:buFont typeface="Arial" panose="020B0604020202020204" pitchFamily="34" charset="0"/>
+              <a:buChar char="•"/>
+            </a:pPr>
+            <a:r>
+              <a:rPr lang="en-US" dirty="0"/>
+              <a:t>Ensure a particular % of time spent on each category</a:t>
+            </a:r>
+          </a:p>
+          <a:p>
+            <a:pPr marL="342900" indent="-342900">
+              <a:buFont typeface="Arial" panose="020B0604020202020204" pitchFamily="34" charset="0"/>
+              <a:buChar char="•"/>
+            </a:pPr>
+            <a:r>
+              <a:rPr lang="en-US" dirty="0" err="1"/>
+              <a:t>Colour</a:t>
+            </a:r>
+            <a:r>
+              <a:rPr lang="en-US" dirty="0"/>
+              <a:t> code calendar to highlight how your time is spent</a:t>
+            </a:r>
+          </a:p>
+          <a:p>
+            <a:endParaRPr lang="en-US" dirty="0"/>
+          </a:p>
+          <a:p>
+            <a:r>
+              <a:rPr lang="en-US" dirty="0"/>
+              <a:t>Focus:</a:t>
+            </a:r>
+          </a:p>
+          <a:p>
+            <a:pPr marL="342900" indent="-342900">
+              <a:buFont typeface="Arial" panose="020B0604020202020204" pitchFamily="34" charset="0"/>
+              <a:buChar char="•"/>
+            </a:pPr>
+            <a:r>
+              <a:rPr lang="en-US" dirty="0"/>
               <a:t>Pomodoro</a:t>
             </a:r>
           </a:p>
           <a:p>
+            <a:pPr marL="342900" indent="-342900">
+              <a:buFont typeface="Arial" panose="020B0604020202020204" pitchFamily="34" charset="0"/>
+              <a:buChar char="•"/>
+            </a:pPr>
             <a:r>
               <a:rPr lang="en-US" dirty="0"/>
               <a:t>Dedicated time (Sync’d dedicated time across team or even company)</a:t>
             </a:r>
           </a:p>
-          <a:p>
-            <a:r>
-              <a:rPr lang="en-US" dirty="0"/>
-              <a:t>Top 5 (or Top 1)</a:t>
-            </a:r>
-          </a:p>
-          <a:p>
-            <a:r>
-              <a:rPr lang="en-US" dirty="0"/>
-              <a:t>Look at calendar first</a:t>
-            </a:r>
-          </a:p>
         </p:txBody>
       </p:sp>
       <p:sp>
@@ -4686,7 +5382,7 @@
           <a:p>
             <a:r>
               <a:rPr lang="en-US" dirty="0"/>
-              <a:t>Focus and working on the most important thing</a:t>
+              <a:t>Focus and do the right thing</a:t>
             </a:r>
           </a:p>
         </p:txBody>
@@ -4736,169 +5432,50 @@
           <a:bodyPr/>
           <a:lstStyle/>
           <a:p>
-            <a:r>
-              <a:rPr lang="en-US" dirty="0"/>
-              <a:t>An introvert’s perspective – Andrew’s advice – questions are your best friend</a:t>
-            </a:r>
-          </a:p>
-          <a:p>
-            <a:r>
-              <a:rPr lang="en-US" dirty="0"/>
-              <a:t>Why this is particularly important at D2L</a:t>
-            </a:r>
-          </a:p>
-          <a:p>
-            <a:r>
-              <a:rPr lang="en-US" dirty="0"/>
-              <a:t>Connect back to learning and growing</a:t>
-            </a:r>
+            <a:pPr marL="342900" indent="-342900">
+              <a:buFont typeface="Arial" panose="020B0604020202020204" pitchFamily="34" charset="0"/>
+              <a:buChar char="•"/>
+            </a:pPr>
+            <a:r>
+              <a:rPr lang="en-US" dirty="0"/>
+              <a:t>A network is the ecosystem of people, of which you’re a part, that helps make every individual stronger</a:t>
+            </a:r>
+          </a:p>
+          <a:p>
+            <a:pPr marL="342900" indent="-342900">
+              <a:buFont typeface="Arial" panose="020B0604020202020204" pitchFamily="34" charset="0"/>
+              <a:buChar char="•"/>
+            </a:pPr>
+            <a:r>
+              <a:rPr lang="en-US" dirty="0"/>
+              <a:t>D2L is a place particularly dependent on tribal knowledge – it’s important to know how to find the person who knows</a:t>
+            </a:r>
+          </a:p>
+          <a:p>
+            <a:pPr marL="342900" indent="-342900">
+              <a:buFont typeface="Arial" panose="020B0604020202020204" pitchFamily="34" charset="0"/>
+              <a:buChar char="•"/>
+            </a:pPr>
+            <a:r>
+              <a:rPr lang="en-US" dirty="0"/>
+              <a:t>Everyone in the network has something to offer – imagine if you tapped into that body of knowledge and experience?</a:t>
+            </a:r>
+          </a:p>
+          <a:p>
+            <a:endParaRPr lang="en-US" dirty="0"/>
           </a:p>
           <a:p>
             <a:pPr marL="342900" indent="-342900">
               <a:buFontTx/>
               <a:buChar char="-"/>
             </a:pPr>
-            <a:r>
-              <a:rPr lang="en-US" dirty="0"/>
-              <a:t>Walkabout</a:t>
-            </a:r>
+            <a:endParaRPr lang="en-US" dirty="0"/>
           </a:p>
           <a:p>
             <a:pPr marL="342900" indent="-342900">
               <a:buFontTx/>
               <a:buChar char="-"/>
             </a:pPr>
-            <a:r>
-              <a:rPr lang="en-US" dirty="0"/>
-              <a:t>Sit in a public spot</a:t>
-            </a:r>
-          </a:p>
-          <a:p>
-            <a:pPr marL="342900" indent="-342900">
-              <a:buFontTx/>
-              <a:buChar char="-"/>
-            </a:pPr>
-            <a:r>
-              <a:rPr lang="en-US" dirty="0"/>
-              <a:t>Chat at the coffee machine – one person per week you wouldn’t otherwise.</a:t>
-            </a:r>
-          </a:p>
-          <a:p>
-            <a:pPr marL="342900" indent="-342900">
-              <a:buFontTx/>
-              <a:buChar char="-"/>
-            </a:pPr>
-            <a:r>
-              <a:rPr lang="en-US" dirty="0"/>
-              <a:t>Ask people for their advice – we sometimes talk about having a mentor, but Craig helped me appreciate the value of a network of informal mentors – people you can talk over problems in particular areas </a:t>
-            </a:r>
-          </a:p>
-          <a:p>
-            <a:pPr marL="342900" indent="-342900">
-              <a:buFontTx/>
-              <a:buChar char="-"/>
-            </a:pPr>
-            <a:r>
-              <a:rPr lang="en-US" dirty="0"/>
-              <a:t>Meet up with people to compare what you’ve learned</a:t>
-            </a:r>
-          </a:p>
-          <a:p>
-            <a:pPr marL="342900" indent="-342900">
-              <a:buFontTx/>
-              <a:buChar char="-"/>
-            </a:pPr>
-            <a:r>
-              <a:rPr lang="en-US" dirty="0"/>
-              <a:t>Sarah-Beth example</a:t>
-            </a:r>
-          </a:p>
-          <a:p>
-            <a:pPr marL="342900" indent="-342900">
-              <a:buFontTx/>
-              <a:buChar char="-"/>
-            </a:pPr>
-            <a:r>
-              <a:rPr lang="en-US" dirty="0"/>
-              <a:t>Be generous, particularly when it comes to sharing knowledge</a:t>
-            </a:r>
-          </a:p>
-          <a:p>
-            <a:pPr marL="342900" indent="-342900">
-              <a:buFontTx/>
-              <a:buChar char="-"/>
-            </a:pPr>
-            <a:r>
-              <a:rPr lang="en-US" dirty="0"/>
-              <a:t>3</a:t>
-            </a:r>
-            <a:r>
-              <a:rPr lang="en-US" baseline="30000" dirty="0"/>
-              <a:t>rd</a:t>
-            </a:r>
-            <a:r>
-              <a:rPr lang="en-US" dirty="0"/>
-              <a:t> level tribe – we’re awesome, but they’re not.</a:t>
-            </a:r>
-          </a:p>
-          <a:p>
-            <a:pPr marL="342900" indent="-342900">
-              <a:buFontTx/>
-              <a:buChar char="-"/>
-            </a:pPr>
-            <a:r>
-              <a:rPr lang="en-US" dirty="0"/>
-              <a:t>4</a:t>
-            </a:r>
-            <a:r>
-              <a:rPr lang="en-US" baseline="30000" dirty="0"/>
-              <a:t>th</a:t>
-            </a:r>
-            <a:r>
-              <a:rPr lang="en-US" dirty="0"/>
-              <a:t> level tribe – we’re all awesome</a:t>
-            </a:r>
-          </a:p>
-          <a:p>
-            <a:pPr marL="342900" indent="-342900">
-              <a:buFontTx/>
-              <a:buChar char="-"/>
-            </a:pPr>
-            <a:r>
-              <a:rPr lang="en-US" dirty="0"/>
-              <a:t>5</a:t>
-            </a:r>
-            <a:r>
-              <a:rPr lang="en-US" baseline="30000" dirty="0"/>
-              <a:t>th</a:t>
-            </a:r>
-            <a:r>
-              <a:rPr lang="en-US" dirty="0"/>
-              <a:t> level tribe – hey my two friends who don’t know each other, you’d probably be awesome together – why not connect?</a:t>
-            </a:r>
-          </a:p>
-          <a:p>
-            <a:pPr marL="342900" indent="-342900">
-              <a:buFontTx/>
-              <a:buChar char="-"/>
-            </a:pPr>
-            <a:r>
-              <a:rPr lang="en-US" dirty="0"/>
-              <a:t>[cite tribal leadership]</a:t>
-            </a:r>
-          </a:p>
-          <a:p>
-            <a:pPr marL="342900" indent="-342900">
-              <a:buFontTx/>
-              <a:buChar char="-"/>
-            </a:pPr>
-            <a:endParaRPr lang="en-US" dirty="0"/>
-          </a:p>
-          <a:p>
-            <a:pPr marL="342900" indent="-342900">
-              <a:buFontTx/>
-              <a:buChar char="-"/>
-            </a:pPr>
             <a:endParaRPr lang="en-US" dirty="0"/>
           </a:p>
         </p:txBody>
@@ -4922,6 +5499,14 @@
               <a:rPr lang="en-US" dirty="0"/>
               <a:t>Building a professional network</a:t>
             </a:r>
+            <a:br>
+              <a:rPr lang="en-US" dirty="0"/>
+            </a:br>
+            <a:r>
+              <a:rPr lang="en-US" sz="3200" dirty="0"/>
+              <a:t>An introvert’s perspective</a:t>
+            </a:r>
+            <a:endParaRPr lang="en-US" dirty="0"/>
           </a:p>
         </p:txBody>
       </p:sp>
@@ -4976,84 +5561,98 @@
             </a:pPr>
             <a:r>
               <a:rPr lang="en-US" dirty="0"/>
-              <a:t>Imagine if the people we spend the most time with every day shared their perspective and advice about how we each could improve?  And imagine if they did this in small, low stress, frequent chunks that helps us course-correct or get stronger continuously.  We could grow faster, and we could make more of a difference in the lives of people around us.</a:t>
-            </a:r>
-          </a:p>
-          <a:p>
-            <a:pPr marL="342900" indent="-342900">
-              <a:buFont typeface="Arial" panose="020B0604020202020204" pitchFamily="34" charset="0"/>
-              <a:buChar char="•"/>
-            </a:pPr>
-            <a:r>
-              <a:rPr lang="en-US" dirty="0"/>
-              <a:t>Scary right?</a:t>
-            </a:r>
-          </a:p>
-          <a:p>
-            <a:pPr marL="342900" indent="-342900">
-              <a:buFont typeface="Arial" panose="020B0604020202020204" pitchFamily="34" charset="0"/>
-              <a:buChar char="•"/>
-            </a:pPr>
-            <a:r>
-              <a:rPr lang="en-US" dirty="0"/>
-              <a:t>Steps to get there:</a:t>
-            </a:r>
-          </a:p>
-          <a:p>
-            <a:pPr marL="342900" indent="-342900">
-              <a:buFont typeface="Arial" panose="020B0604020202020204" pitchFamily="34" charset="0"/>
-              <a:buChar char="•"/>
-            </a:pPr>
-            <a:r>
-              <a:rPr lang="en-US" dirty="0"/>
-              <a:t>&gt;&gt; Share positive feedback, every day, in small but honest ways.  (Some authors talk about needing to build trust by sharing the positive at as much as a 9:1 ratio.)</a:t>
-            </a:r>
-          </a:p>
-          <a:p>
-            <a:pPr marL="342900" indent="-342900">
-              <a:buFont typeface="Arial" panose="020B0604020202020204" pitchFamily="34" charset="0"/>
-              <a:buChar char="•"/>
-            </a:pPr>
-            <a:r>
-              <a:rPr lang="en-US" dirty="0"/>
-              <a:t>&gt;&gt; Do so especially when someone has done something new for them that is a growth step: “It was really cool that you spoke up back there – I think that helped get us on track…”</a:t>
-            </a:r>
-          </a:p>
-          <a:p>
-            <a:pPr marL="342900" indent="-342900">
-              <a:buFont typeface="Arial" panose="020B0604020202020204" pitchFamily="34" charset="0"/>
-              <a:buChar char="•"/>
-            </a:pPr>
-            <a:r>
-              <a:rPr lang="en-US" dirty="0"/>
-              <a:t>&gt;&gt; Make it easy for people to share feedback with you – and try not to just fish for the good – make it easy for people to share ideas about how you can get stronger.</a:t>
-            </a:r>
-          </a:p>
-          <a:p>
-            <a:pPr marL="342900" indent="-342900">
-              <a:buFont typeface="Arial" panose="020B0604020202020204" pitchFamily="34" charset="0"/>
-              <a:buChar char="•"/>
-            </a:pPr>
-            <a:r>
-              <a:rPr lang="en-US" dirty="0"/>
-              <a:t>Receiving feedback: Be interested.  Be engaged.  Don’t argue.  (Asking for clarification or example is ok.)  Say thank you, and mean it.</a:t>
-            </a:r>
-          </a:p>
-          <a:p>
-            <a:pPr marL="342900" indent="-342900">
-              <a:buFont typeface="Arial" panose="020B0604020202020204" pitchFamily="34" charset="0"/>
-              <a:buChar char="•"/>
-            </a:pPr>
-            <a:r>
-              <a:rPr lang="en-US" dirty="0"/>
-              <a:t>Tell people that you got good feedback and that it helped you (if it was, and if it did.)  That reinforces the idea that this is valued behavior, and it’s a form of real-time public feedback for the person who took time to help you out.</a:t>
-            </a:r>
-          </a:p>
-          <a:p>
-            <a:pPr marL="342900" indent="-342900">
-              <a:buFont typeface="Arial" panose="020B0604020202020204" pitchFamily="34" charset="0"/>
-              <a:buChar char="•"/>
-            </a:pPr>
+              <a:t>Ask questions</a:t>
+            </a:r>
+          </a:p>
+          <a:p>
+            <a:pPr marL="342900" indent="-342900">
+              <a:buFont typeface="Arial" panose="020B0604020202020204" pitchFamily="34" charset="0"/>
+              <a:buChar char="•"/>
+            </a:pPr>
+            <a:r>
+              <a:rPr lang="en-US" dirty="0"/>
+              <a:t>Give yourself an achievable target – meet one person per week</a:t>
+            </a:r>
+          </a:p>
+          <a:p>
+            <a:pPr marL="342900" indent="-342900">
+              <a:buFontTx/>
+              <a:buChar char="-"/>
+            </a:pPr>
+            <a:r>
+              <a:rPr lang="en-US" dirty="0"/>
+              <a:t>Walkabout</a:t>
+            </a:r>
+          </a:p>
+          <a:p>
+            <a:pPr marL="342900" indent="-342900">
+              <a:buFontTx/>
+              <a:buChar char="-"/>
+            </a:pPr>
+            <a:r>
+              <a:rPr lang="en-US" dirty="0"/>
+              <a:t>Sit in a public spot</a:t>
+            </a:r>
+          </a:p>
+          <a:p>
+            <a:pPr marL="342900" indent="-342900">
+              <a:buFontTx/>
+              <a:buChar char="-"/>
+            </a:pPr>
+            <a:r>
+              <a:rPr lang="en-US" dirty="0"/>
+              <a:t>Chat at the coffee machine</a:t>
+            </a:r>
+          </a:p>
+          <a:p>
+            <a:pPr marL="342900" indent="-342900">
+              <a:buFontTx/>
+              <a:buChar char="-"/>
+            </a:pPr>
+            <a:r>
+              <a:rPr lang="en-US" dirty="0"/>
+              <a:t>Ask people for their advice</a:t>
+            </a:r>
+          </a:p>
+          <a:p>
+            <a:pPr marL="342900" indent="-342900">
+              <a:buFontTx/>
+              <a:buChar char="-"/>
+            </a:pPr>
+            <a:r>
+              <a:rPr lang="en-US" dirty="0"/>
+              <a:t>Meet up with people to compare what you’ve learned</a:t>
+            </a:r>
+          </a:p>
+          <a:p>
+            <a:pPr marL="342900" indent="-342900">
+              <a:buFontTx/>
+              <a:buChar char="-"/>
+            </a:pPr>
+            <a:r>
+              <a:rPr lang="en-US" dirty="0"/>
+              <a:t>Be generous, particularly when it comes to sharing knowledge</a:t>
+            </a:r>
+          </a:p>
+          <a:p>
+            <a:pPr marL="342900" indent="-342900">
+              <a:buFontTx/>
+              <a:buChar char="-"/>
+            </a:pPr>
+            <a:r>
+              <a:rPr lang="en-US" dirty="0"/>
+              <a:t>Be a 5</a:t>
+            </a:r>
+            <a:r>
+              <a:rPr lang="en-US" baseline="30000" dirty="0"/>
+              <a:t>th</a:t>
+            </a:r>
+            <a:r>
+              <a:rPr lang="en-US" dirty="0"/>
+              <a:t> level tribe member (David Logan - Tribal Leadership)</a:t>
+            </a:r>
+          </a:p>
+          <a:p>
             <a:endParaRPr lang="en-US" dirty="0"/>
           </a:p>
         </p:txBody>
@@ -5075,7 +5674,7 @@
           <a:p>
             <a:r>
               <a:rPr lang="en-US" dirty="0"/>
-              <a:t>Mutual Coaching</a:t>
+              <a:t>Building a professional network</a:t>
             </a:r>
           </a:p>
         </p:txBody>
@@ -5083,7 +5682,7 @@
     </p:spTree>
     <p:extLst>
       <p:ext uri="{BB962C8B-B14F-4D97-AF65-F5344CB8AC3E}">
-        <p14:creationId xmlns:p14="http://schemas.microsoft.com/office/powerpoint/2010/main" val="2528233129"/>
+        <p14:creationId xmlns:p14="http://schemas.microsoft.com/office/powerpoint/2010/main" val="557025887"/>
       </p:ext>
     </p:extLst>
   </p:cSld>
@@ -5131,47 +5730,7 @@
             </a:pPr>
             <a:r>
               <a:rPr lang="en-US" dirty="0"/>
-              <a:t>I want to work at a place where we, as a group, help to make things better</a:t>
-            </a:r>
-          </a:p>
-          <a:p>
-            <a:pPr marL="342900" indent="-342900">
-              <a:buFont typeface="Arial" panose="020B0604020202020204" pitchFamily="34" charset="0"/>
-              <a:buChar char="•"/>
-            </a:pPr>
-            <a:r>
-              <a:rPr lang="en-US" dirty="0"/>
-              <a:t>Pick a thing that should be better.  Helps if it’s something that bothers you – something you have a personal stake in.  Ask what would be necessary to tackle it.  Just say you’ll make a plan – if you find yourself interested, you’ll be more likely to make good progress</a:t>
-            </a:r>
-          </a:p>
-          <a:p>
-            <a:pPr marL="342900" indent="-342900">
-              <a:buFont typeface="Arial" panose="020B0604020202020204" pitchFamily="34" charset="0"/>
-              <a:buChar char="•"/>
-            </a:pPr>
-            <a:r>
-              <a:rPr lang="en-US" dirty="0"/>
-              <a:t>Think about what that would look like</a:t>
-            </a:r>
-          </a:p>
-          <a:p>
-            <a:pPr marL="342900" indent="-342900">
-              <a:buFont typeface="Arial" panose="020B0604020202020204" pitchFamily="34" charset="0"/>
-              <a:buChar char="•"/>
-            </a:pPr>
-            <a:r>
-              <a:rPr lang="en-US" dirty="0"/>
-              <a:t>Take steps</a:t>
-            </a:r>
-          </a:p>
-          <a:p>
-            <a:pPr marL="342900" indent="-342900">
-              <a:buFont typeface="Arial" panose="020B0604020202020204" pitchFamily="34" charset="0"/>
-              <a:buChar char="•"/>
-            </a:pPr>
-            <a:r>
-              <a:rPr lang="en-US" dirty="0"/>
-              <a:t>Start small (small problems, small slices)</a:t>
+              <a:t>Imagine if the people we spend the most time with every day shared their perspective and advice about how we each could improve?  </a:t>
             </a:r>
           </a:p>
           <a:p>
@@ -5200,20 +5759,15 @@
           <a:p>
             <a:r>
               <a:rPr lang="en-US" dirty="0"/>
-              <a:t>LAST TOPIC: Be the change </a:t>
-            </a:r>
-            <a:r>
-              <a:rPr lang="en-US" sz="2800" dirty="0"/>
-              <a:t>(TODO: Pick less cheesy title)</a:t>
-            </a:r>
-            <a:endParaRPr lang="en-US" dirty="0"/>
+              <a:t>Mutual Coaching</a:t>
+            </a:r>
           </a:p>
         </p:txBody>
       </p:sp>
     </p:spTree>
     <p:extLst>
       <p:ext uri="{BB962C8B-B14F-4D97-AF65-F5344CB8AC3E}">
-        <p14:creationId xmlns:p14="http://schemas.microsoft.com/office/powerpoint/2010/main" val="1213391016"/>
+        <p14:creationId xmlns:p14="http://schemas.microsoft.com/office/powerpoint/2010/main" val="2528233129"/>
       </p:ext>
     </p:extLst>
   </p:cSld>
@@ -5257,25 +5811,80 @@
           <a:p>
             <a:r>
               <a:rPr lang="en-US" dirty="0"/>
-              <a:t>Highlight tools / techniques in memorable sound bites</a:t>
-            </a:r>
-          </a:p>
-          <a:p>
-            <a:endParaRPr lang="en-US" dirty="0"/>
-          </a:p>
-          <a:p>
-            <a:r>
-              <a:rPr lang="en-US" dirty="0"/>
-              <a:t>Identify spots for audience participation – What do you do to achieve this goal?</a:t>
-            </a:r>
-          </a:p>
-          <a:p>
-            <a:endParaRPr lang="en-US" dirty="0"/>
-          </a:p>
-          <a:p>
-            <a:r>
-              <a:rPr lang="en-US" dirty="0"/>
-              <a:t>Progress bar or some other indicator of where we are in the presentation</a:t>
+              <a:t>So how do we get to the point we can do that?</a:t>
+            </a:r>
+          </a:p>
+          <a:p>
+            <a:endParaRPr lang="en-US" dirty="0"/>
+          </a:p>
+          <a:p>
+            <a:pPr marL="342900" indent="-342900">
+              <a:buFont typeface="Arial" panose="020B0604020202020204" pitchFamily="34" charset="0"/>
+              <a:buChar char="•"/>
+            </a:pPr>
+            <a:r>
+              <a:rPr lang="en-US" dirty="0"/>
+              <a:t>Share positive feedback, every day, in small but honest ways.  (Between 3:1 and 9:1 ratio.)</a:t>
+            </a:r>
+          </a:p>
+          <a:p>
+            <a:pPr marL="342900" indent="-342900">
+              <a:buFont typeface="Arial" panose="020B0604020202020204" pitchFamily="34" charset="0"/>
+              <a:buChar char="•"/>
+            </a:pPr>
+            <a:r>
+              <a:rPr lang="en-US" dirty="0"/>
+              <a:t>Especially when someone has done something new for them that is a growth step</a:t>
+            </a:r>
+          </a:p>
+          <a:p>
+            <a:pPr marL="342900" indent="-342900">
+              <a:buFont typeface="Arial" panose="020B0604020202020204" pitchFamily="34" charset="0"/>
+              <a:buChar char="•"/>
+            </a:pPr>
+            <a:r>
+              <a:rPr lang="en-US" dirty="0"/>
+              <a:t>Make it easy for people to share strengthening feedback with you</a:t>
+            </a:r>
+          </a:p>
+          <a:p>
+            <a:pPr marL="342900" indent="-342900">
+              <a:buFont typeface="Arial" panose="020B0604020202020204" pitchFamily="34" charset="0"/>
+              <a:buChar char="•"/>
+            </a:pPr>
+            <a:r>
+              <a:rPr lang="en-US" dirty="0"/>
+              <a:t>Getting feedback: Be interested.  Be engaged.  Don’t argue.  Ask for clarification or examples. Say thank you, and mean it.</a:t>
+            </a:r>
+          </a:p>
+          <a:p>
+            <a:pPr marL="342900" indent="-342900">
+              <a:buFont typeface="Arial" panose="020B0604020202020204" pitchFamily="34" charset="0"/>
+              <a:buChar char="•"/>
+            </a:pPr>
+            <a:r>
+              <a:rPr lang="en-US" dirty="0"/>
+              <a:t>Tell people that you got good feedback and that it helped you (if it was, and if it did.)  That reinforces the idea that this is valued behavior, and it’s a form of real-time public feedback for the person who took time to help you out.</a:t>
+            </a:r>
+          </a:p>
+          <a:p>
+            <a:pPr marL="342900" indent="-342900">
+              <a:buFont typeface="Arial" panose="020B0604020202020204" pitchFamily="34" charset="0"/>
+              <a:buChar char="•"/>
+            </a:pPr>
+            <a:r>
+              <a:rPr lang="en-US" dirty="0"/>
+              <a:t>Find opportunities to practice giving constructive feedback to someone who trusts you</a:t>
+            </a:r>
+          </a:p>
+          <a:p>
+            <a:pPr marL="342900" indent="-342900">
+              <a:buFont typeface="Arial" panose="020B0604020202020204" pitchFamily="34" charset="0"/>
+              <a:buChar char="•"/>
+            </a:pPr>
+            <a:r>
+              <a:rPr lang="en-US" dirty="0"/>
+              <a:t>Start small</a:t>
             </a:r>
           </a:p>
           <a:p>
@@ -5300,7 +5909,7 @@
           <a:p>
             <a:r>
               <a:rPr lang="en-US" dirty="0"/>
-              <a:t>Jason – Presentation candy to add</a:t>
+              <a:t>Mutual Coaching</a:t>
             </a:r>
           </a:p>
         </p:txBody>
@@ -5308,7 +5917,7 @@
     </p:spTree>
     <p:extLst>
       <p:ext uri="{BB962C8B-B14F-4D97-AF65-F5344CB8AC3E}">
-        <p14:creationId xmlns:p14="http://schemas.microsoft.com/office/powerpoint/2010/main" val="3812715019"/>
+        <p14:creationId xmlns:p14="http://schemas.microsoft.com/office/powerpoint/2010/main" val="3258661815"/>
       </p:ext>
     </p:extLst>
   </p:cSld>
@@ -5351,53 +5960,78 @@
           <a:lstStyle/>
           <a:p>
             <a:pPr marL="342900" indent="-342900">
-              <a:buFontTx/>
-              <a:buChar char="-"/>
-            </a:pPr>
-            <a:r>
-              <a:rPr lang="en-US" dirty="0"/>
-              <a:t>What metrics have other teams used?</a:t>
-            </a:r>
-          </a:p>
-          <a:p>
-            <a:pPr marL="342900" indent="-342900">
-              <a:buFontTx/>
-              <a:buChar char="-"/>
-            </a:pPr>
-            <a:r>
-              <a:rPr lang="en-US" dirty="0"/>
-              <a:t>Get feedback on outline / more polished presentation</a:t>
-            </a:r>
-          </a:p>
-          <a:p>
-            <a:pPr marL="342900" indent="-342900">
-              <a:buFontTx/>
-              <a:buChar char="-"/>
-            </a:pPr>
-            <a:r>
-              <a:rPr lang="en-US" dirty="0"/>
-              <a:t>Are there examples from other teams that are useful?</a:t>
-            </a:r>
-          </a:p>
-          <a:p>
-            <a:pPr marL="342900" indent="-342900">
-              <a:buFontTx/>
-              <a:buChar char="-"/>
-            </a:pPr>
-            <a:r>
-              <a:rPr lang="en-US" dirty="0"/>
-              <a:t>Make sure I have enough examples / side-stories</a:t>
-            </a:r>
-          </a:p>
-          <a:p>
-            <a:pPr marL="342900" indent="-342900">
-              <a:buFontTx/>
-              <a:buChar char="-"/>
-            </a:pPr>
-            <a:r>
-              <a:rPr lang="en-US" dirty="0"/>
-              <a:t>TED talks</a:t>
-            </a:r>
+              <a:buFont typeface="Arial" panose="020B0604020202020204" pitchFamily="34" charset="0"/>
+              <a:buChar char="•"/>
+            </a:pPr>
+            <a:r>
+              <a:rPr lang="en-US" dirty="0"/>
+              <a:t>Pick a thing you’d like to see be better</a:t>
+            </a:r>
+          </a:p>
+          <a:p>
+            <a:pPr marL="342900" indent="-342900">
+              <a:buFont typeface="Arial" panose="020B0604020202020204" pitchFamily="34" charset="0"/>
+              <a:buChar char="•"/>
+            </a:pPr>
+            <a:r>
+              <a:rPr lang="en-US" dirty="0"/>
+              <a:t>What would good look like?</a:t>
+            </a:r>
+          </a:p>
+          <a:p>
+            <a:pPr marL="342900" indent="-342900">
+              <a:buFont typeface="Arial" panose="020B0604020202020204" pitchFamily="34" charset="0"/>
+              <a:buChar char="•"/>
+            </a:pPr>
+            <a:r>
+              <a:rPr lang="en-US" dirty="0"/>
+              <a:t>What’s the next logical step toward achieving that good state?</a:t>
+            </a:r>
+          </a:p>
+          <a:p>
+            <a:pPr marL="342900" indent="-342900">
+              <a:buFont typeface="Arial" panose="020B0604020202020204" pitchFamily="34" charset="0"/>
+              <a:buChar char="•"/>
+            </a:pPr>
+            <a:r>
+              <a:rPr lang="en-US" dirty="0"/>
+              <a:t>Try an experiment – what do we need to do to take that small step?</a:t>
+            </a:r>
+          </a:p>
+          <a:p>
+            <a:pPr marL="342900" indent="-342900">
+              <a:buFont typeface="Arial" panose="020B0604020202020204" pitchFamily="34" charset="0"/>
+              <a:buChar char="•"/>
+            </a:pPr>
+            <a:r>
+              <a:rPr lang="en-US" dirty="0"/>
+              <a:t>What action can you take or organize directly?  (Proposal?  </a:t>
+            </a:r>
+            <a:r>
+              <a:rPr lang="en-US" dirty="0" err="1"/>
+              <a:t>PoC+Demo</a:t>
+            </a:r>
+            <a:r>
+              <a:rPr lang="en-US" dirty="0"/>
+              <a:t>?  …)</a:t>
+            </a:r>
+          </a:p>
+          <a:p>
+            <a:pPr marL="342900" indent="-342900">
+              <a:buFont typeface="Arial" panose="020B0604020202020204" pitchFamily="34" charset="0"/>
+              <a:buChar char="•"/>
+            </a:pPr>
+            <a:r>
+              <a:rPr lang="en-US" dirty="0"/>
+              <a:t>Start small (small problems, small slices)</a:t>
+            </a:r>
+          </a:p>
+          <a:p>
+            <a:pPr marL="342900" indent="-342900">
+              <a:buFont typeface="Arial" panose="020B0604020202020204" pitchFamily="34" charset="0"/>
+              <a:buChar char="•"/>
+            </a:pPr>
+            <a:endParaRPr lang="en-US" dirty="0"/>
           </a:p>
         </p:txBody>
       </p:sp>
@@ -5418,15 +6052,23 @@
           <a:p>
             <a:r>
               <a:rPr lang="en-US" dirty="0"/>
-              <a:t>Jason – Research TODO</a:t>
-            </a:r>
+              <a:t>Be the change </a:t>
+            </a:r>
+            <a:br>
+              <a:rPr lang="en-US" dirty="0"/>
+            </a:br>
+            <a:r>
+              <a:rPr lang="en-US" sz="2800" dirty="0"/>
+              <a:t>(TODO: Pick less cheesy title)</a:t>
+            </a:r>
+            <a:endParaRPr lang="en-US" dirty="0"/>
           </a:p>
         </p:txBody>
       </p:sp>
     </p:spTree>
     <p:extLst>
       <p:ext uri="{BB962C8B-B14F-4D97-AF65-F5344CB8AC3E}">
-        <p14:creationId xmlns:p14="http://schemas.microsoft.com/office/powerpoint/2010/main" val="3726132311"/>
+        <p14:creationId xmlns:p14="http://schemas.microsoft.com/office/powerpoint/2010/main" val="1213391016"/>
       </p:ext>
     </p:extLst>
   </p:cSld>
@@ -5544,6 +6186,219 @@
 </file>
 
 <file path=ppt/slides/slide30.xml><?xml version="1.0" encoding="utf-8"?>
+<p:sld xmlns:a="http://schemas.openxmlformats.org/drawingml/2006/main" xmlns:r="http://schemas.openxmlformats.org/officeDocument/2006/relationships" xmlns:p="http://schemas.openxmlformats.org/presentationml/2006/main">
+  <p:cSld>
+    <p:spTree>
+      <p:nvGrpSpPr>
+        <p:cNvPr id="1" name=""/>
+        <p:cNvGrpSpPr/>
+        <p:nvPr/>
+      </p:nvGrpSpPr>
+      <p:grpSpPr>
+        <a:xfrm>
+          <a:off x="0" y="0"/>
+          <a:ext cx="0" cy="0"/>
+          <a:chOff x="0" y="0"/>
+          <a:chExt cx="0" cy="0"/>
+        </a:xfrm>
+      </p:grpSpPr>
+      <p:sp>
+        <p:nvSpPr>
+          <p:cNvPr id="2" name="Text Placeholder 1"/>
+          <p:cNvSpPr>
+            <a:spLocks noGrp="1"/>
+          </p:cNvSpPr>
+          <p:nvPr>
+            <p:ph type="body" sz="quarter" idx="10"/>
+          </p:nvPr>
+        </p:nvSpPr>
+        <p:spPr/>
+        <p:txBody>
+          <a:bodyPr/>
+          <a:lstStyle/>
+          <a:p>
+            <a:r>
+              <a:rPr lang="en-US" dirty="0"/>
+              <a:t>Highlight tools / techniques in memorable sound bites</a:t>
+            </a:r>
+          </a:p>
+          <a:p>
+            <a:endParaRPr lang="en-US" dirty="0"/>
+          </a:p>
+          <a:p>
+            <a:r>
+              <a:rPr lang="en-US" dirty="0"/>
+              <a:t>Identify spots for audience participation – What do you do to achieve this goal?</a:t>
+            </a:r>
+          </a:p>
+          <a:p>
+            <a:endParaRPr lang="en-US" dirty="0"/>
+          </a:p>
+          <a:p>
+            <a:r>
+              <a:rPr lang="en-US" dirty="0"/>
+              <a:t>Progress bar or some other indicator of where we are in the presentation</a:t>
+            </a:r>
+          </a:p>
+          <a:p>
+            <a:endParaRPr lang="en-US" dirty="0"/>
+          </a:p>
+        </p:txBody>
+      </p:sp>
+      <p:sp>
+        <p:nvSpPr>
+          <p:cNvPr id="3" name="Title 2"/>
+          <p:cNvSpPr>
+            <a:spLocks noGrp="1"/>
+          </p:cNvSpPr>
+          <p:nvPr>
+            <p:ph type="title"/>
+          </p:nvPr>
+        </p:nvSpPr>
+        <p:spPr/>
+        <p:txBody>
+          <a:bodyPr/>
+          <a:lstStyle/>
+          <a:p>
+            <a:r>
+              <a:rPr lang="en-US" dirty="0"/>
+              <a:t>Jason – Presentation candy to add</a:t>
+            </a:r>
+          </a:p>
+        </p:txBody>
+      </p:sp>
+    </p:spTree>
+    <p:extLst>
+      <p:ext uri="{BB962C8B-B14F-4D97-AF65-F5344CB8AC3E}">
+        <p14:creationId xmlns:p14="http://schemas.microsoft.com/office/powerpoint/2010/main" val="3812715019"/>
+      </p:ext>
+    </p:extLst>
+  </p:cSld>
+  <p:clrMapOvr>
+    <a:masterClrMapping/>
+  </p:clrMapOvr>
+</p:sld>
+</file>
+
+<file path=ppt/slides/slide31.xml><?xml version="1.0" encoding="utf-8"?>
+<p:sld xmlns:a="http://schemas.openxmlformats.org/drawingml/2006/main" xmlns:r="http://schemas.openxmlformats.org/officeDocument/2006/relationships" xmlns:p="http://schemas.openxmlformats.org/presentationml/2006/main">
+  <p:cSld>
+    <p:spTree>
+      <p:nvGrpSpPr>
+        <p:cNvPr id="1" name=""/>
+        <p:cNvGrpSpPr/>
+        <p:nvPr/>
+      </p:nvGrpSpPr>
+      <p:grpSpPr>
+        <a:xfrm>
+          <a:off x="0" y="0"/>
+          <a:ext cx="0" cy="0"/>
+          <a:chOff x="0" y="0"/>
+          <a:chExt cx="0" cy="0"/>
+        </a:xfrm>
+      </p:grpSpPr>
+      <p:sp>
+        <p:nvSpPr>
+          <p:cNvPr id="2" name="Text Placeholder 1"/>
+          <p:cNvSpPr>
+            <a:spLocks noGrp="1"/>
+          </p:cNvSpPr>
+          <p:nvPr>
+            <p:ph type="body" sz="quarter" idx="10"/>
+          </p:nvPr>
+        </p:nvSpPr>
+        <p:spPr/>
+        <p:txBody>
+          <a:bodyPr/>
+          <a:lstStyle/>
+          <a:p>
+            <a:pPr marL="342900" indent="-342900">
+              <a:buFontTx/>
+              <a:buChar char="-"/>
+            </a:pPr>
+            <a:r>
+              <a:rPr lang="en-US" dirty="0"/>
+              <a:t>What metrics have other teams used?</a:t>
+            </a:r>
+          </a:p>
+          <a:p>
+            <a:pPr marL="342900" indent="-342900">
+              <a:buFontTx/>
+              <a:buChar char="-"/>
+            </a:pPr>
+            <a:r>
+              <a:rPr lang="en-US" dirty="0"/>
+              <a:t>Get feedback on outline / more polished presentation</a:t>
+            </a:r>
+          </a:p>
+          <a:p>
+            <a:pPr marL="342900" indent="-342900">
+              <a:buFontTx/>
+              <a:buChar char="-"/>
+            </a:pPr>
+            <a:r>
+              <a:rPr lang="en-US" dirty="0"/>
+              <a:t>Are there examples from other teams that are useful?</a:t>
+            </a:r>
+          </a:p>
+          <a:p>
+            <a:pPr marL="342900" indent="-342900">
+              <a:buFontTx/>
+              <a:buChar char="-"/>
+            </a:pPr>
+            <a:r>
+              <a:rPr lang="en-US" dirty="0"/>
+              <a:t>Make sure I have enough examples / side-stories</a:t>
+            </a:r>
+          </a:p>
+          <a:p>
+            <a:pPr marL="342900" indent="-342900">
+              <a:buFontTx/>
+              <a:buChar char="-"/>
+            </a:pPr>
+            <a:r>
+              <a:rPr lang="en-US" dirty="0"/>
+              <a:t>TED talks</a:t>
+            </a:r>
+          </a:p>
+        </p:txBody>
+      </p:sp>
+      <p:sp>
+        <p:nvSpPr>
+          <p:cNvPr id="3" name="Title 2"/>
+          <p:cNvSpPr>
+            <a:spLocks noGrp="1"/>
+          </p:cNvSpPr>
+          <p:nvPr>
+            <p:ph type="title"/>
+          </p:nvPr>
+        </p:nvSpPr>
+        <p:spPr/>
+        <p:txBody>
+          <a:bodyPr/>
+          <a:lstStyle/>
+          <a:p>
+            <a:r>
+              <a:rPr lang="en-US" dirty="0"/>
+              <a:t>Jason – Research TODO</a:t>
+            </a:r>
+          </a:p>
+        </p:txBody>
+      </p:sp>
+    </p:spTree>
+    <p:extLst>
+      <p:ext uri="{BB962C8B-B14F-4D97-AF65-F5344CB8AC3E}">
+        <p14:creationId xmlns:p14="http://schemas.microsoft.com/office/powerpoint/2010/main" val="3726132311"/>
+      </p:ext>
+    </p:extLst>
+  </p:cSld>
+  <p:clrMapOvr>
+    <a:masterClrMapping/>
+  </p:clrMapOvr>
+</p:sld>
+</file>
+
+<file path=ppt/slides/slide32.xml><?xml version="1.0" encoding="utf-8"?>
 <p:sld xmlns:a="http://schemas.openxmlformats.org/drawingml/2006/main" xmlns:r="http://schemas.openxmlformats.org/officeDocument/2006/relationships" xmlns:p="http://schemas.openxmlformats.org/presentationml/2006/main">
   <p:cSld>
     <p:spTree>

--- a/InFusion2016 - Getting It Done - Jason Wood.pptx
+++ b/InFusion2016 - Getting It Done - Jason Wood.pptx
@@ -595,13 +595,39 @@
           <a:lstStyle/>
           <a:p>
             <a:r>
-              <a:rPr lang="en-US" dirty="0"/>
-              <a:t>We form a habit</a:t>
-            </a:r>
-            <a:r>
-              <a:rPr lang="en-US" baseline="0" dirty="0"/>
-              <a:t> after we’ve done something 50-60 times, and when we remember the goal</a:t>
-            </a:r>
+              <a:rPr lang="en-US" dirty="0" err="1"/>
+              <a:t>Kinda</a:t>
+            </a:r>
+            <a:r>
+              <a:rPr lang="en-US" dirty="0"/>
+              <a:t> Big Idea:</a:t>
+            </a:r>
+          </a:p>
+          <a:p>
+            <a:r>
+              <a:rPr lang="en-US" dirty="0"/>
+              <a:t>We can choose to spend our time on an infinite number of things.  </a:t>
+            </a:r>
+          </a:p>
+          <a:p>
+            <a:endParaRPr lang="en-US" dirty="0"/>
+          </a:p>
+          <a:p>
+            <a:r>
+              <a:rPr lang="en-US" dirty="0"/>
+              <a:t>If we can pick the things that matter most, that make the biggest difference, that fulfil us… then we’ll be highly effective people who solve important problems, and who are more successful.  </a:t>
+            </a:r>
+          </a:p>
+          <a:p>
+            <a:endParaRPr lang="en-US" dirty="0"/>
+          </a:p>
+          <a:p>
+            <a:r>
+              <a:rPr lang="en-US" dirty="0"/>
+              <a:t>And I fundamentally believe that given that, we’ll be happier too.</a:t>
+            </a:r>
+          </a:p>
+          <a:p>
             <a:endParaRPr lang="en-US" dirty="0"/>
           </a:p>
         </p:txBody>
@@ -623,7 +649,7 @@
           <a:p>
             <a:fld id="{54165CF5-22A4-4BB9-BE26-FDB96183FE65}" type="slidenum">
               <a:rPr lang="en-US" smtClean="0"/>
-              <a:t>3</a:t>
+              <a:t>1</a:t>
             </a:fld>
             <a:endParaRPr lang="en-US"/>
           </a:p>
@@ -632,7 +658,7 @@
     </p:spTree>
     <p:extLst>
       <p:ext uri="{BB962C8B-B14F-4D97-AF65-F5344CB8AC3E}">
-        <p14:creationId xmlns:p14="http://schemas.microsoft.com/office/powerpoint/2010/main" val="3167111703"/>
+        <p14:creationId xmlns:p14="http://schemas.microsoft.com/office/powerpoint/2010/main" val="2661599480"/>
       </p:ext>
     </p:extLst>
   </p:cSld>
@@ -686,10 +712,30 @@
           <a:bodyPr/>
           <a:lstStyle/>
           <a:p>
-            <a:r>
-              <a:rPr lang="en-US" dirty="0"/>
-              <a:t>Can categorize to-do list by strategic and tactical</a:t>
-            </a:r>
+            <a:pPr marL="0" marR="0" lvl="0" indent="0" algn="l" defTabSz="914400" rtl="0" eaLnBrk="1" fontAlgn="auto" latinLnBrk="0" hangingPunct="1">
+              <a:lnSpc>
+                <a:spcPct val="100000"/>
+              </a:lnSpc>
+              <a:spcBef>
+                <a:spcPts val="0"/>
+              </a:spcBef>
+              <a:spcAft>
+                <a:spcPts val="0"/>
+              </a:spcAft>
+              <a:buClrTx/>
+              <a:buSzTx/>
+              <a:buFontTx/>
+              <a:buNone/>
+              <a:tabLst/>
+              <a:defRPr/>
+            </a:pPr>
+            <a:r>
+              <a:rPr lang="en-US" dirty="0"/>
+              <a:t>Telemetry Service - Thank you to Owen and others for having set up the telemetry service and carrying more than their share of maintenance.)</a:t>
+            </a:r>
+          </a:p>
+          <a:p>
+            <a:endParaRPr lang="en-US" dirty="0"/>
           </a:p>
         </p:txBody>
       </p:sp>
@@ -710,7 +756,7 @@
           <a:p>
             <a:fld id="{54165CF5-22A4-4BB9-BE26-FDB96183FE65}" type="slidenum">
               <a:rPr lang="en-US" smtClean="0"/>
-              <a:t>24</a:t>
+              <a:t>12</a:t>
             </a:fld>
             <a:endParaRPr lang="en-US"/>
           </a:p>
@@ -719,7 +765,7 @@
     </p:spTree>
     <p:extLst>
       <p:ext uri="{BB962C8B-B14F-4D97-AF65-F5344CB8AC3E}">
-        <p14:creationId xmlns:p14="http://schemas.microsoft.com/office/powerpoint/2010/main" val="1482790445"/>
+        <p14:creationId xmlns:p14="http://schemas.microsoft.com/office/powerpoint/2010/main" val="1605406186"/>
       </p:ext>
     </p:extLst>
   </p:cSld>
@@ -775,39 +821,8 @@
           <a:p>
             <a:r>
               <a:rPr lang="en-US" dirty="0"/>
-              <a:t>I used to think that networking was about cronyism</a:t>
-            </a:r>
-            <a:r>
-              <a:rPr lang="en-US" baseline="0" dirty="0"/>
-              <a:t>, currying </a:t>
-            </a:r>
-            <a:r>
-              <a:rPr lang="en-US" baseline="0" dirty="0" err="1"/>
-              <a:t>favour</a:t>
-            </a:r>
-            <a:r>
-              <a:rPr lang="en-US" baseline="0" dirty="0"/>
-              <a:t>, and low-depth relationships – I had a very negative view of it.  I felt like I could get by on my individual performance and that that was a higher-integrity way to operate.</a:t>
-            </a:r>
-          </a:p>
-          <a:p>
-            <a:endParaRPr lang="en-US" baseline="0" dirty="0"/>
-          </a:p>
-          <a:p>
-            <a:r>
-              <a:rPr lang="en-US" baseline="0" dirty="0"/>
-              <a:t>I needed a way to think of it in terms of collaboration, more meaningful relationships, and mutual support.  </a:t>
-            </a:r>
-          </a:p>
-          <a:p>
-            <a:endParaRPr lang="en-US" baseline="0" dirty="0"/>
-          </a:p>
-          <a:p>
-            <a:r>
-              <a:rPr lang="en-US" baseline="0" dirty="0"/>
-              <a:t>It helped me to think in terms of what I could give my network, rather than what I wanted from it.</a:t>
-            </a:r>
-            <a:endParaRPr lang="en-US" dirty="0"/>
+              <a:t>Mantra from “Turn the Ship Around”</a:t>
+            </a:r>
           </a:p>
         </p:txBody>
       </p:sp>
@@ -828,7 +843,7 @@
           <a:p>
             <a:fld id="{54165CF5-22A4-4BB9-BE26-FDB96183FE65}" type="slidenum">
               <a:rPr lang="en-US" smtClean="0"/>
-              <a:t>25</a:t>
+              <a:t>21</a:t>
             </a:fld>
             <a:endParaRPr lang="en-US"/>
           </a:p>
@@ -837,7 +852,7 @@
     </p:spTree>
     <p:extLst>
       <p:ext uri="{BB962C8B-B14F-4D97-AF65-F5344CB8AC3E}">
-        <p14:creationId xmlns:p14="http://schemas.microsoft.com/office/powerpoint/2010/main" val="3401885187"/>
+        <p14:creationId xmlns:p14="http://schemas.microsoft.com/office/powerpoint/2010/main" val="2005465395"/>
       </p:ext>
     </p:extLst>
   </p:cSld>
@@ -891,87 +906,10 @@
           <a:bodyPr/>
           <a:lstStyle/>
           <a:p>
-            <a:pPr marL="0" marR="0" lvl="0" indent="0" algn="l" defTabSz="914400" rtl="0" eaLnBrk="1" fontAlgn="auto" latinLnBrk="0" hangingPunct="1">
-              <a:lnSpc>
-                <a:spcPct val="100000"/>
-              </a:lnSpc>
-              <a:spcBef>
-                <a:spcPts val="0"/>
-              </a:spcBef>
-              <a:spcAft>
-                <a:spcPts val="0"/>
-              </a:spcAft>
-              <a:buClrTx/>
-              <a:buSzTx/>
-              <a:buFontTx/>
-              <a:buNone/>
-              <a:tabLst/>
-              <a:defRPr/>
-            </a:pPr>
-            <a:r>
-              <a:rPr lang="en-US" dirty="0"/>
-              <a:t>We sometimes talk about having a mentor, but Craig helped me appreciate the value of a network of informal mentors – people you can talk over problems in particular areas in a less formal way</a:t>
-            </a:r>
-          </a:p>
-          <a:p>
-            <a:endParaRPr lang="en-US" dirty="0"/>
-          </a:p>
-          <a:p>
-            <a:pPr marL="342900" indent="-342900">
-              <a:buFontTx/>
-              <a:buChar char="-"/>
-            </a:pPr>
-            <a:r>
-              <a:rPr lang="en-US" dirty="0"/>
-              <a:t>&gt;&gt;3</a:t>
-            </a:r>
-            <a:r>
-              <a:rPr lang="en-US" baseline="30000" dirty="0"/>
-              <a:t>rd</a:t>
-            </a:r>
-            <a:r>
-              <a:rPr lang="en-US" dirty="0"/>
-              <a:t> level tribe – we’re awesome, but they’re not.</a:t>
-            </a:r>
-          </a:p>
-          <a:p>
-            <a:pPr marL="342900" indent="-342900">
-              <a:buFontTx/>
-              <a:buChar char="-"/>
-            </a:pPr>
-            <a:r>
-              <a:rPr lang="en-US" dirty="0"/>
-              <a:t>&gt;&gt;4</a:t>
-            </a:r>
-            <a:r>
-              <a:rPr lang="en-US" baseline="30000" dirty="0"/>
-              <a:t>th</a:t>
-            </a:r>
-            <a:r>
-              <a:rPr lang="en-US" dirty="0"/>
-              <a:t> level tribe – we’re all awesome</a:t>
-            </a:r>
-          </a:p>
-          <a:p>
-            <a:pPr marL="342900" indent="-342900">
-              <a:buFontTx/>
-              <a:buChar char="-"/>
-            </a:pPr>
-            <a:r>
-              <a:rPr lang="en-US" dirty="0"/>
-              <a:t>&gt;&gt;5</a:t>
-            </a:r>
-            <a:r>
-              <a:rPr lang="en-US" baseline="30000" dirty="0"/>
-              <a:t>th</a:t>
-            </a:r>
-            <a:r>
-              <a:rPr lang="en-US" dirty="0"/>
-              <a:t> level tribe – hey my two friends who don’t know each other, you’d probably be awesome together – why not connect?</a:t>
-            </a:r>
-          </a:p>
-          <a:p>
-            <a:endParaRPr lang="en-US" dirty="0"/>
+            <a:r>
+              <a:rPr lang="en-US" dirty="0"/>
+              <a:t>Can categorize to-do list by strategic and tactical</a:t>
+            </a:r>
           </a:p>
         </p:txBody>
       </p:sp>
@@ -992,7 +930,7 @@
           <a:p>
             <a:fld id="{54165CF5-22A4-4BB9-BE26-FDB96183FE65}" type="slidenum">
               <a:rPr lang="en-US" smtClean="0"/>
-              <a:t>26</a:t>
+              <a:t>24</a:t>
             </a:fld>
             <a:endParaRPr lang="en-US"/>
           </a:p>
@@ -1001,7 +939,7 @@
     </p:spTree>
     <p:extLst>
       <p:ext uri="{BB962C8B-B14F-4D97-AF65-F5344CB8AC3E}">
-        <p14:creationId xmlns:p14="http://schemas.microsoft.com/office/powerpoint/2010/main" val="55888354"/>
+        <p14:creationId xmlns:p14="http://schemas.microsoft.com/office/powerpoint/2010/main" val="1482790445"/>
       </p:ext>
     </p:extLst>
   </p:cSld>
@@ -1057,17 +995,39 @@
           <a:p>
             <a:r>
               <a:rPr lang="en-US" dirty="0"/>
-              <a:t>Imagine if the people we spend the most time with every day shared their perspective and advice about how we each could improve?  And imagine if they did this in small, low stress, frequent chunks that helps us course-correct or get stronger continuously.  We could grow faster, and we could make more of a difference in the lives of people around us.</a:t>
-            </a:r>
-          </a:p>
-          <a:p>
-            <a:endParaRPr lang="en-US" dirty="0"/>
-          </a:p>
-          <a:p>
-            <a:r>
-              <a:rPr lang="en-US" dirty="0"/>
-              <a:t>Scary right?</a:t>
-            </a:r>
+              <a:t>I used to think that networking was about cronyism</a:t>
+            </a:r>
+            <a:r>
+              <a:rPr lang="en-US" baseline="0" dirty="0"/>
+              <a:t>, currying </a:t>
+            </a:r>
+            <a:r>
+              <a:rPr lang="en-US" baseline="0" dirty="0" err="1"/>
+              <a:t>favour</a:t>
+            </a:r>
+            <a:r>
+              <a:rPr lang="en-US" baseline="0" dirty="0"/>
+              <a:t>, and low-depth relationships – I had a very negative view of it.  I felt like I could get by on my individual performance and that that was a higher-integrity way to operate.</a:t>
+            </a:r>
+          </a:p>
+          <a:p>
+            <a:endParaRPr lang="en-US" baseline="0" dirty="0"/>
+          </a:p>
+          <a:p>
+            <a:r>
+              <a:rPr lang="en-US" baseline="0" dirty="0"/>
+              <a:t>I needed a way to think of it in terms of collaboration, more meaningful relationships, and mutual support.  </a:t>
+            </a:r>
+          </a:p>
+          <a:p>
+            <a:endParaRPr lang="en-US" baseline="0" dirty="0"/>
+          </a:p>
+          <a:p>
+            <a:r>
+              <a:rPr lang="en-US" baseline="0" dirty="0"/>
+              <a:t>It helped me to think in terms of what I could give my network, rather than what I wanted from it.</a:t>
+            </a:r>
+            <a:endParaRPr lang="en-US" dirty="0"/>
           </a:p>
         </p:txBody>
       </p:sp>
@@ -1088,7 +1048,7 @@
           <a:p>
             <a:fld id="{54165CF5-22A4-4BB9-BE26-FDB96183FE65}" type="slidenum">
               <a:rPr lang="en-US" smtClean="0"/>
-              <a:t>27</a:t>
+              <a:t>25</a:t>
             </a:fld>
             <a:endParaRPr lang="en-US"/>
           </a:p>
@@ -1097,7 +1057,7 @@
     </p:spTree>
     <p:extLst>
       <p:ext uri="{BB962C8B-B14F-4D97-AF65-F5344CB8AC3E}">
-        <p14:creationId xmlns:p14="http://schemas.microsoft.com/office/powerpoint/2010/main" val="2351349877"/>
+        <p14:creationId xmlns:p14="http://schemas.microsoft.com/office/powerpoint/2010/main" val="3401885187"/>
       </p:ext>
     </p:extLst>
   </p:cSld>
@@ -1151,15 +1111,6 @@
           <a:bodyPr/>
           <a:lstStyle/>
           <a:p>
-            <a:r>
-              <a:rPr lang="en-US" dirty="0"/>
-              <a:t>: “It was really cool that you spoke up back there – I think that helped get us on track…”</a:t>
-            </a:r>
-          </a:p>
-          <a:p>
-            <a:endParaRPr lang="en-US" dirty="0"/>
-          </a:p>
-          <a:p>
             <a:pPr marL="0" marR="0" lvl="0" indent="0" algn="l" defTabSz="914400" rtl="0" eaLnBrk="1" fontAlgn="auto" latinLnBrk="0" hangingPunct="1">
               <a:lnSpc>
                 <a:spcPct val="100000"/>
@@ -1179,7 +1130,64 @@
             </a:pPr>
             <a:r>
               <a:rPr lang="en-US" dirty="0"/>
-              <a:t>Make it easy for people to share strengthening feedback with you – and try not to just fish for the good – make it easy for people to share ideas about how you can get stronger.</a:t>
+              <a:t>We sometimes talk about having a mentor, but Craig helped me appreciate the value of a network of informal mentors – people you can talk over problems in particular areas in a less formal way</a:t>
+            </a:r>
+          </a:p>
+          <a:p>
+            <a:endParaRPr lang="en-US" dirty="0"/>
+          </a:p>
+          <a:p>
+            <a:pPr marL="342900" indent="-342900">
+              <a:buFontTx/>
+              <a:buChar char="-"/>
+            </a:pPr>
+            <a:r>
+              <a:rPr lang="en-US" dirty="0"/>
+              <a:t>&gt;&gt;3</a:t>
+            </a:r>
+            <a:r>
+              <a:rPr lang="en-US" baseline="30000" dirty="0"/>
+              <a:t>rd</a:t>
+            </a:r>
+            <a:r>
+              <a:rPr lang="en-US" dirty="0"/>
+              <a:t> level tribe – we’re awesome, but they’re not.</a:t>
+            </a:r>
+          </a:p>
+          <a:p>
+            <a:pPr marL="342900" indent="-342900">
+              <a:buFontTx/>
+              <a:buChar char="-"/>
+            </a:pPr>
+            <a:r>
+              <a:rPr lang="en-US" dirty="0"/>
+              <a:t>&gt;&gt;4</a:t>
+            </a:r>
+            <a:r>
+              <a:rPr lang="en-US" baseline="30000" dirty="0"/>
+              <a:t>th</a:t>
+            </a:r>
+            <a:r>
+              <a:rPr lang="en-US" dirty="0"/>
+              <a:t> level tribe – we’re all awesome</a:t>
+            </a:r>
+          </a:p>
+          <a:p>
+            <a:pPr marL="342900" indent="-342900">
+              <a:buFontTx/>
+              <a:buChar char="-"/>
+            </a:pPr>
+            <a:r>
+              <a:rPr lang="en-US" dirty="0"/>
+              <a:t>&gt;&gt;5</a:t>
+            </a:r>
+            <a:r>
+              <a:rPr lang="en-US" baseline="30000" dirty="0"/>
+              <a:t>th</a:t>
+            </a:r>
+            <a:r>
+              <a:rPr lang="en-US" dirty="0"/>
+              <a:t> level tribe – hey my two friends who don’t know each other, you’d probably be awesome together – why not connect?</a:t>
             </a:r>
           </a:p>
           <a:p>
@@ -1204,7 +1212,7 @@
           <a:p>
             <a:fld id="{54165CF5-22A4-4BB9-BE26-FDB96183FE65}" type="slidenum">
               <a:rPr lang="en-US" smtClean="0"/>
-              <a:t>28</a:t>
+              <a:t>26</a:t>
             </a:fld>
             <a:endParaRPr lang="en-US"/>
           </a:p>
@@ -1213,7 +1221,7 @@
     </p:spTree>
     <p:extLst>
       <p:ext uri="{BB962C8B-B14F-4D97-AF65-F5344CB8AC3E}">
-        <p14:creationId xmlns:p14="http://schemas.microsoft.com/office/powerpoint/2010/main" val="2178038515"/>
+        <p14:creationId xmlns:p14="http://schemas.microsoft.com/office/powerpoint/2010/main" val="55888354"/>
       </p:ext>
     </p:extLst>
   </p:cSld>
@@ -1267,6 +1275,111 @@
           <a:bodyPr/>
           <a:lstStyle/>
           <a:p>
+            <a:r>
+              <a:rPr lang="en-US" dirty="0"/>
+              <a:t>Imagine if the people we spend the most time with every day shared their perspective and advice about how we each could improve?  And imagine if they did this in small, low stress, frequent chunks that helps us course-correct or get stronger continuously.  We could grow faster, and we could make more of a difference in the lives of people around us.</a:t>
+            </a:r>
+          </a:p>
+          <a:p>
+            <a:endParaRPr lang="en-US" dirty="0"/>
+          </a:p>
+          <a:p>
+            <a:r>
+              <a:rPr lang="en-US" dirty="0"/>
+              <a:t>Scary right?</a:t>
+            </a:r>
+          </a:p>
+        </p:txBody>
+      </p:sp>
+      <p:sp>
+        <p:nvSpPr>
+          <p:cNvPr id="4" name="Slide Number Placeholder 3"/>
+          <p:cNvSpPr>
+            <a:spLocks noGrp="1"/>
+          </p:cNvSpPr>
+          <p:nvPr>
+            <p:ph type="sldNum" sz="quarter" idx="10"/>
+          </p:nvPr>
+        </p:nvSpPr>
+        <p:spPr/>
+        <p:txBody>
+          <a:bodyPr/>
+          <a:lstStyle/>
+          <a:p>
+            <a:fld id="{54165CF5-22A4-4BB9-BE26-FDB96183FE65}" type="slidenum">
+              <a:rPr lang="en-US" smtClean="0"/>
+              <a:t>27</a:t>
+            </a:fld>
+            <a:endParaRPr lang="en-US"/>
+          </a:p>
+        </p:txBody>
+      </p:sp>
+    </p:spTree>
+    <p:extLst>
+      <p:ext uri="{BB962C8B-B14F-4D97-AF65-F5344CB8AC3E}">
+        <p14:creationId xmlns:p14="http://schemas.microsoft.com/office/powerpoint/2010/main" val="2351349877"/>
+      </p:ext>
+    </p:extLst>
+  </p:cSld>
+  <p:clrMapOvr>
+    <a:masterClrMapping/>
+  </p:clrMapOvr>
+</p:notes>
+</file>
+
+<file path=ppt/notesSlides/notesSlide16.xml><?xml version="1.0" encoding="utf-8"?>
+<p:notes xmlns:a="http://schemas.openxmlformats.org/drawingml/2006/main" xmlns:r="http://schemas.openxmlformats.org/officeDocument/2006/relationships" xmlns:p="http://schemas.openxmlformats.org/presentationml/2006/main">
+  <p:cSld>
+    <p:spTree>
+      <p:nvGrpSpPr>
+        <p:cNvPr id="1" name=""/>
+        <p:cNvGrpSpPr/>
+        <p:nvPr/>
+      </p:nvGrpSpPr>
+      <p:grpSpPr>
+        <a:xfrm>
+          <a:off x="0" y="0"/>
+          <a:ext cx="0" cy="0"/>
+          <a:chOff x="0" y="0"/>
+          <a:chExt cx="0" cy="0"/>
+        </a:xfrm>
+      </p:grpSpPr>
+      <p:sp>
+        <p:nvSpPr>
+          <p:cNvPr id="2" name="Slide Image Placeholder 1"/>
+          <p:cNvSpPr>
+            <a:spLocks noGrp="1" noRot="1" noChangeAspect="1"/>
+          </p:cNvSpPr>
+          <p:nvPr>
+            <p:ph type="sldImg"/>
+          </p:nvPr>
+        </p:nvSpPr>
+        <p:spPr/>
+      </p:sp>
+      <p:sp>
+        <p:nvSpPr>
+          <p:cNvPr id="3" name="Notes Placeholder 2"/>
+          <p:cNvSpPr>
+            <a:spLocks noGrp="1"/>
+          </p:cNvSpPr>
+          <p:nvPr>
+            <p:ph type="body" idx="1"/>
+          </p:nvPr>
+        </p:nvSpPr>
+        <p:spPr/>
+        <p:txBody>
+          <a:bodyPr/>
+          <a:lstStyle/>
+          <a:p>
+            <a:r>
+              <a:rPr lang="en-US" dirty="0"/>
+              <a:t>: “It was really cool that you spoke up back there – I think that helped get us on track…”</a:t>
+            </a:r>
+          </a:p>
+          <a:p>
+            <a:endParaRPr lang="en-US" dirty="0"/>
+          </a:p>
+          <a:p>
             <a:pPr marL="0" marR="0" lvl="0" indent="0" algn="l" defTabSz="914400" rtl="0" eaLnBrk="1" fontAlgn="auto" latinLnBrk="0" hangingPunct="1">
               <a:lnSpc>
                 <a:spcPct val="100000"/>
@@ -1286,11 +1399,240 @@
             </a:pPr>
             <a:r>
               <a:rPr lang="en-US" dirty="0"/>
+              <a:t>Make it easy for people to share strengthening feedback with you – and try not to just fish for the good – make it easy for people to share ideas about how you can get stronger.</a:t>
+            </a:r>
+          </a:p>
+          <a:p>
+            <a:endParaRPr lang="en-US" dirty="0"/>
+          </a:p>
+        </p:txBody>
+      </p:sp>
+      <p:sp>
+        <p:nvSpPr>
+          <p:cNvPr id="4" name="Slide Number Placeholder 3"/>
+          <p:cNvSpPr>
+            <a:spLocks noGrp="1"/>
+          </p:cNvSpPr>
+          <p:nvPr>
+            <p:ph type="sldNum" sz="quarter" idx="10"/>
+          </p:nvPr>
+        </p:nvSpPr>
+        <p:spPr/>
+        <p:txBody>
+          <a:bodyPr/>
+          <a:lstStyle/>
+          <a:p>
+            <a:fld id="{54165CF5-22A4-4BB9-BE26-FDB96183FE65}" type="slidenum">
+              <a:rPr lang="en-US" smtClean="0"/>
+              <a:t>28</a:t>
+            </a:fld>
+            <a:endParaRPr lang="en-US"/>
+          </a:p>
+        </p:txBody>
+      </p:sp>
+    </p:spTree>
+    <p:extLst>
+      <p:ext uri="{BB962C8B-B14F-4D97-AF65-F5344CB8AC3E}">
+        <p14:creationId xmlns:p14="http://schemas.microsoft.com/office/powerpoint/2010/main" val="2178038515"/>
+      </p:ext>
+    </p:extLst>
+  </p:cSld>
+  <p:clrMapOvr>
+    <a:masterClrMapping/>
+  </p:clrMapOvr>
+</p:notes>
+</file>
+
+<file path=ppt/notesSlides/notesSlide17.xml><?xml version="1.0" encoding="utf-8"?>
+<p:notes xmlns:a="http://schemas.openxmlformats.org/drawingml/2006/main" xmlns:r="http://schemas.openxmlformats.org/officeDocument/2006/relationships" xmlns:p="http://schemas.openxmlformats.org/presentationml/2006/main">
+  <p:cSld>
+    <p:spTree>
+      <p:nvGrpSpPr>
+        <p:cNvPr id="1" name=""/>
+        <p:cNvGrpSpPr/>
+        <p:nvPr/>
+      </p:nvGrpSpPr>
+      <p:grpSpPr>
+        <a:xfrm>
+          <a:off x="0" y="0"/>
+          <a:ext cx="0" cy="0"/>
+          <a:chOff x="0" y="0"/>
+          <a:chExt cx="0" cy="0"/>
+        </a:xfrm>
+      </p:grpSpPr>
+      <p:sp>
+        <p:nvSpPr>
+          <p:cNvPr id="2" name="Slide Image Placeholder 1"/>
+          <p:cNvSpPr>
+            <a:spLocks noGrp="1" noRot="1" noChangeAspect="1"/>
+          </p:cNvSpPr>
+          <p:nvPr>
+            <p:ph type="sldImg"/>
+          </p:nvPr>
+        </p:nvSpPr>
+        <p:spPr/>
+      </p:sp>
+      <p:sp>
+        <p:nvSpPr>
+          <p:cNvPr id="3" name="Notes Placeholder 2"/>
+          <p:cNvSpPr>
+            <a:spLocks noGrp="1"/>
+          </p:cNvSpPr>
+          <p:nvPr>
+            <p:ph type="body" idx="1"/>
+          </p:nvPr>
+        </p:nvSpPr>
+        <p:spPr/>
+        <p:txBody>
+          <a:bodyPr/>
+          <a:lstStyle/>
+          <a:p>
+            <a:pPr marL="0" marR="0" lvl="0" indent="0" algn="l" defTabSz="914400" rtl="0" eaLnBrk="1" fontAlgn="auto" latinLnBrk="0" hangingPunct="1">
+              <a:lnSpc>
+                <a:spcPct val="100000"/>
+              </a:lnSpc>
+              <a:spcBef>
+                <a:spcPts val="0"/>
+              </a:spcBef>
+              <a:spcAft>
+                <a:spcPts val="0"/>
+              </a:spcAft>
+              <a:buClrTx/>
+              <a:buSzTx/>
+              <a:buFontTx/>
+              <a:buNone/>
+              <a:tabLst/>
+              <a:defRPr/>
+            </a:pPr>
+            <a:r>
+              <a:rPr lang="en-US" dirty="0"/>
+              <a:t>Sometimes, the most important thing you can be doing isn’t something someone asks of you, or something that’s on an obvious</a:t>
+            </a:r>
+            <a:r>
+              <a:rPr lang="en-US" baseline="0" dirty="0"/>
+              <a:t> menu.  It means identifying a problem, and solving it.</a:t>
+            </a:r>
+          </a:p>
+          <a:p>
+            <a:pPr marL="0" marR="0" lvl="0" indent="0" algn="l" defTabSz="914400" rtl="0" eaLnBrk="1" fontAlgn="auto" latinLnBrk="0" hangingPunct="1">
+              <a:lnSpc>
+                <a:spcPct val="100000"/>
+              </a:lnSpc>
+              <a:spcBef>
+                <a:spcPts val="0"/>
+              </a:spcBef>
+              <a:spcAft>
+                <a:spcPts val="0"/>
+              </a:spcAft>
+              <a:buClrTx/>
+              <a:buSzTx/>
+              <a:buFontTx/>
+              <a:buNone/>
+              <a:tabLst/>
+              <a:defRPr/>
+            </a:pPr>
+            <a:endParaRPr lang="en-US" baseline="0" dirty="0"/>
+          </a:p>
+          <a:p>
+            <a:pPr marL="0" marR="0" lvl="0" indent="0" algn="l" defTabSz="914400" rtl="0" eaLnBrk="1" fontAlgn="auto" latinLnBrk="0" hangingPunct="1">
+              <a:lnSpc>
+                <a:spcPct val="100000"/>
+              </a:lnSpc>
+              <a:spcBef>
+                <a:spcPts val="0"/>
+              </a:spcBef>
+              <a:spcAft>
+                <a:spcPts val="0"/>
+              </a:spcAft>
+              <a:buClrTx/>
+              <a:buSzTx/>
+              <a:buFontTx/>
+              <a:buNone/>
+              <a:tabLst/>
+              <a:defRPr/>
+            </a:pPr>
+            <a:r>
+              <a:rPr lang="en-US" baseline="0" dirty="0"/>
+              <a:t>This can seem scary, but with a normal engineering approach, it doesn’t have to be.</a:t>
+            </a:r>
+            <a:endParaRPr lang="en-US" dirty="0"/>
+          </a:p>
+          <a:p>
+            <a:pPr marL="0" marR="0" lvl="0" indent="0" algn="l" defTabSz="914400" rtl="0" eaLnBrk="1" fontAlgn="auto" latinLnBrk="0" hangingPunct="1">
+              <a:lnSpc>
+                <a:spcPct val="100000"/>
+              </a:lnSpc>
+              <a:spcBef>
+                <a:spcPts val="0"/>
+              </a:spcBef>
+              <a:spcAft>
+                <a:spcPts val="0"/>
+              </a:spcAft>
+              <a:buClrTx/>
+              <a:buSzTx/>
+              <a:buFontTx/>
+              <a:buNone/>
+              <a:tabLst/>
+              <a:defRPr/>
+            </a:pPr>
+            <a:endParaRPr lang="en-US" dirty="0"/>
+          </a:p>
+          <a:p>
+            <a:pPr marL="0" marR="0" lvl="0" indent="0" algn="l" defTabSz="914400" rtl="0" eaLnBrk="1" fontAlgn="auto" latinLnBrk="0" hangingPunct="1">
+              <a:lnSpc>
+                <a:spcPct val="100000"/>
+              </a:lnSpc>
+              <a:spcBef>
+                <a:spcPts val="0"/>
+              </a:spcBef>
+              <a:spcAft>
+                <a:spcPts val="0"/>
+              </a:spcAft>
+              <a:buClrTx/>
+              <a:buSzTx/>
+              <a:buFontTx/>
+              <a:buNone/>
+              <a:tabLst/>
+              <a:defRPr/>
+            </a:pPr>
+            <a:r>
+              <a:rPr lang="en-US" dirty="0"/>
               <a:t>Pick a thing that should be better.  Helps if it’s something that bothers you – something you have a personal stake in.  Ask what would be necessary to tackle it.  Just say you’ll make a plan – if you find yourself interested, you’ll be more likely to make good progress</a:t>
             </a:r>
           </a:p>
           <a:p>
             <a:endParaRPr lang="en-US" dirty="0"/>
+          </a:p>
+          <a:p>
+            <a:pPr marL="0" indent="0">
+              <a:buFontTx/>
+              <a:buNone/>
+            </a:pPr>
+            <a:r>
+              <a:rPr lang="en-US" dirty="0"/>
+              <a:t>Pretend you were</a:t>
+            </a:r>
+            <a:r>
+              <a:rPr lang="en-US" baseline="0" dirty="0"/>
+              <a:t> put in charge of solving the problem.  What would you do?  Small change is just fine.</a:t>
+            </a:r>
+          </a:p>
+          <a:p>
+            <a:pPr marL="171450" indent="-171450">
+              <a:buFontTx/>
+              <a:buChar char="-"/>
+            </a:pPr>
+            <a:endParaRPr lang="en-US" dirty="0"/>
+          </a:p>
+          <a:p>
+            <a:pPr marL="0" indent="0">
+              <a:buFontTx/>
+              <a:buNone/>
+            </a:pPr>
+            <a:r>
+              <a:rPr lang="en-US" dirty="0"/>
+              <a:t>Bias toward action over talk.</a:t>
+            </a:r>
           </a:p>
         </p:txBody>
       </p:sp>
@@ -1395,7 +1737,7 @@
           <a:p>
             <a:fld id="{54165CF5-22A4-4BB9-BE26-FDB96183FE65}" type="slidenum">
               <a:rPr lang="en-US" smtClean="0"/>
-              <a:t>4</a:t>
+              <a:t>2</a:t>
             </a:fld>
             <a:endParaRPr lang="en-US"/>
           </a:p>
@@ -1404,7 +1746,7 @@
     </p:spTree>
     <p:extLst>
       <p:ext uri="{BB962C8B-B14F-4D97-AF65-F5344CB8AC3E}">
-        <p14:creationId xmlns:p14="http://schemas.microsoft.com/office/powerpoint/2010/main" val="3501346304"/>
+        <p14:creationId xmlns:p14="http://schemas.microsoft.com/office/powerpoint/2010/main" val="3818035510"/>
       </p:ext>
     </p:extLst>
   </p:cSld>
@@ -1458,106 +1800,14 @@
           <a:bodyPr/>
           <a:lstStyle/>
           <a:p>
-            <a:pPr marL="0" marR="0" lvl="0" indent="0" algn="l" defTabSz="914400" rtl="0" eaLnBrk="1" fontAlgn="auto" latinLnBrk="0" hangingPunct="1">
-              <a:lnSpc>
-                <a:spcPct val="100000"/>
-              </a:lnSpc>
-              <a:spcBef>
-                <a:spcPts val="0"/>
-              </a:spcBef>
-              <a:spcAft>
-                <a:spcPts val="0"/>
-              </a:spcAft>
-              <a:buClrTx/>
-              <a:buSzTx/>
-              <a:buFontTx/>
-              <a:buNone/>
-              <a:tabLst/>
-              <a:defRPr/>
-            </a:pPr>
-            <a:r>
-              <a:rPr lang="en-US" dirty="0"/>
-              <a:t>What is a team? A group of smart, caring humans who come together to solve a problem while growing as individuals.</a:t>
-            </a:r>
-          </a:p>
-          <a:p>
-            <a:pPr marL="0" marR="0" lvl="0" indent="0" algn="l" defTabSz="914400" rtl="0" eaLnBrk="1" fontAlgn="auto" latinLnBrk="0" hangingPunct="1">
-              <a:lnSpc>
-                <a:spcPct val="100000"/>
-              </a:lnSpc>
-              <a:spcBef>
-                <a:spcPts val="0"/>
-              </a:spcBef>
-              <a:spcAft>
-                <a:spcPts val="0"/>
-              </a:spcAft>
-              <a:buClrTx/>
-              <a:buSzTx/>
-              <a:buFontTx/>
-              <a:buNone/>
-              <a:tabLst/>
-              <a:defRPr/>
-            </a:pPr>
-            <a:endParaRPr lang="en-US" dirty="0"/>
-          </a:p>
-          <a:p>
-            <a:r>
-              <a:rPr lang="en-US" dirty="0"/>
-              <a:t>And that’s it.  For the</a:t>
+            <a:r>
+              <a:rPr lang="en-US" dirty="0"/>
+              <a:t>We form a habit</a:t>
             </a:r>
             <a:r>
               <a:rPr lang="en-US" baseline="0" dirty="0"/>
-              <a:t> discussion today, </a:t>
-            </a:r>
-            <a:r>
-              <a:rPr lang="en-US" dirty="0"/>
-              <a:t>let’s leave</a:t>
-            </a:r>
-            <a:r>
-              <a:rPr lang="en-US" baseline="0" dirty="0"/>
-              <a:t> behind the more complicated team structure – titles, functions, who reports to who, who is senior to who, etc.</a:t>
-            </a:r>
-          </a:p>
-          <a:p>
-            <a:endParaRPr lang="en-US" baseline="0" dirty="0"/>
-          </a:p>
-          <a:p>
-            <a:r>
-              <a:rPr lang="en-US" baseline="0" dirty="0"/>
-              <a:t>We are a group of smart, caring people who want to solve hard problems and improve ourselves along the way.</a:t>
-            </a:r>
-          </a:p>
-          <a:p>
-            <a:endParaRPr lang="en-US" baseline="0" dirty="0"/>
-          </a:p>
-          <a:p>
-            <a:r>
-              <a:rPr lang="en-US" baseline="0" dirty="0"/>
-              <a:t>So – the approaches and tools we’re going to talk about can apply beyond just your formal team.</a:t>
-            </a:r>
-            <a:endParaRPr lang="en-US" dirty="0"/>
-          </a:p>
-          <a:p>
-            <a:pPr marL="0" marR="0" lvl="0" indent="0" algn="l" defTabSz="914400" rtl="0" eaLnBrk="1" fontAlgn="auto" latinLnBrk="0" hangingPunct="1">
-              <a:lnSpc>
-                <a:spcPct val="100000"/>
-              </a:lnSpc>
-              <a:spcBef>
-                <a:spcPts val="0"/>
-              </a:spcBef>
-              <a:spcAft>
-                <a:spcPts val="0"/>
-              </a:spcAft>
-              <a:buClrTx/>
-              <a:buSzTx/>
-              <a:buFontTx/>
-              <a:buNone/>
-              <a:tabLst/>
-              <a:defRPr/>
-            </a:pPr>
-            <a:endParaRPr lang="en-US" dirty="0"/>
-          </a:p>
-          <a:p>
+              <a:t> after we’ve done something 50-60 times, and when we remember why it was important to us.</a:t>
+            </a:r>
             <a:endParaRPr lang="en-US" dirty="0"/>
           </a:p>
         </p:txBody>
@@ -1579,7 +1829,7 @@
           <a:p>
             <a:fld id="{54165CF5-22A4-4BB9-BE26-FDB96183FE65}" type="slidenum">
               <a:rPr lang="en-US" smtClean="0"/>
-              <a:t>6</a:t>
+              <a:t>3</a:t>
             </a:fld>
             <a:endParaRPr lang="en-US"/>
           </a:p>
@@ -1588,7 +1838,7 @@
     </p:spTree>
     <p:extLst>
       <p:ext uri="{BB962C8B-B14F-4D97-AF65-F5344CB8AC3E}">
-        <p14:creationId xmlns:p14="http://schemas.microsoft.com/office/powerpoint/2010/main" val="2822242321"/>
+        <p14:creationId xmlns:p14="http://schemas.microsoft.com/office/powerpoint/2010/main" val="3167111703"/>
       </p:ext>
     </p:extLst>
   </p:cSld>
@@ -1642,51 +1892,65 @@
           <a:bodyPr/>
           <a:lstStyle/>
           <a:p>
-            <a:pPr marL="0" marR="0" lvl="0" indent="0" algn="l" defTabSz="914400" rtl="0" eaLnBrk="1" fontAlgn="auto" latinLnBrk="0" hangingPunct="1">
-              <a:lnSpc>
-                <a:spcPct val="100000"/>
-              </a:lnSpc>
-              <a:spcBef>
-                <a:spcPts val="0"/>
-              </a:spcBef>
-              <a:spcAft>
-                <a:spcPts val="0"/>
-              </a:spcAft>
-              <a:buClrTx/>
-              <a:buSzTx/>
-              <a:buFontTx/>
-              <a:buNone/>
-              <a:tabLst/>
-              <a:defRPr/>
-            </a:pPr>
-            <a:r>
-              <a:rPr lang="en-US" dirty="0"/>
-              <a:t>- For anything you’re doing, or might do, understand very clearly why it matters</a:t>
-            </a:r>
-          </a:p>
-          <a:p>
-            <a:r>
-              <a:rPr lang="en-US" dirty="0"/>
-              <a:t>- Not just these four classes – the point is to understand all of the reasons that doing what you’re doing might</a:t>
+            <a:r>
+              <a:rPr lang="en-US" dirty="0"/>
+              <a:t>Simple concepts, but reminders are helpful.  Everyone</a:t>
             </a:r>
             <a:r>
               <a:rPr lang="en-US" baseline="0" dirty="0"/>
-              <a:t> be important.</a:t>
-            </a:r>
-            <a:endParaRPr lang="en-US" dirty="0"/>
-          </a:p>
-          <a:p>
-            <a:endParaRPr lang="en-US" dirty="0"/>
-          </a:p>
-          <a:p>
-            <a:r>
-              <a:rPr lang="en-US" dirty="0"/>
-              <a:t>Example: Why I’m</a:t>
-            </a:r>
-            <a:r>
-              <a:rPr lang="en-US" baseline="0" dirty="0"/>
-              <a:t> giving the talk today:</a:t>
-            </a:r>
+              <a:t> will find their own combinations of tips and techniques that works for them</a:t>
+            </a:r>
+            <a:endParaRPr lang="en-US" dirty="0"/>
+          </a:p>
+          <a:p>
+            <a:endParaRPr lang="en-US" dirty="0"/>
+          </a:p>
+          <a:p>
+            <a:r>
+              <a:rPr lang="en-US" dirty="0"/>
+              <a:t>Part of why I’m speaking today is selfishly calculated to advance my own growth and learning.  Preparing to talk to a group about material means that you think about it in a different way.  It opens you up to new questions and feedback.  </a:t>
+            </a:r>
+          </a:p>
+          <a:p>
+            <a:endParaRPr lang="en-US" dirty="0"/>
+          </a:p>
+          <a:p>
+            <a:r>
+              <a:rPr lang="en-US" sz="1200" dirty="0"/>
+              <a:t>Let’s talk if:</a:t>
+            </a:r>
+          </a:p>
+          <a:p>
+            <a:pPr marL="342900" indent="-342900">
+              <a:buFont typeface="Arial" panose="020B0604020202020204" pitchFamily="34" charset="0"/>
+              <a:buChar char="•"/>
+            </a:pPr>
+            <a:r>
+              <a:rPr lang="en-US" sz="1200" dirty="0"/>
+              <a:t>You have other ideas</a:t>
+            </a:r>
+          </a:p>
+          <a:p>
+            <a:pPr marL="342900" indent="-342900">
+              <a:buFont typeface="Arial" panose="020B0604020202020204" pitchFamily="34" charset="0"/>
+              <a:buChar char="•"/>
+            </a:pPr>
+            <a:r>
+              <a:rPr lang="en-US" sz="1200" dirty="0"/>
+              <a:t>You have contrary opinions</a:t>
+            </a:r>
+          </a:p>
+          <a:p>
+            <a:pPr marL="342900" indent="-342900">
+              <a:buFont typeface="Arial" panose="020B0604020202020204" pitchFamily="34" charset="0"/>
+              <a:buChar char="•"/>
+            </a:pPr>
+            <a:r>
+              <a:rPr lang="en-US" sz="1200" dirty="0"/>
+              <a:t>You have feedback for me on the material or the presentation</a:t>
+            </a:r>
+          </a:p>
+          <a:p>
             <a:endParaRPr lang="en-US" dirty="0"/>
           </a:p>
         </p:txBody>
@@ -1708,7 +1972,7 @@
           <a:p>
             <a:fld id="{54165CF5-22A4-4BB9-BE26-FDB96183FE65}" type="slidenum">
               <a:rPr lang="en-US" smtClean="0"/>
-              <a:t>7</a:t>
+              <a:t>4</a:t>
             </a:fld>
             <a:endParaRPr lang="en-US"/>
           </a:p>
@@ -1717,7 +1981,7 @@
     </p:spTree>
     <p:extLst>
       <p:ext uri="{BB962C8B-B14F-4D97-AF65-F5344CB8AC3E}">
-        <p14:creationId xmlns:p14="http://schemas.microsoft.com/office/powerpoint/2010/main" val="3106676218"/>
+        <p14:creationId xmlns:p14="http://schemas.microsoft.com/office/powerpoint/2010/main" val="3501346304"/>
       </p:ext>
     </p:extLst>
   </p:cSld>
@@ -1771,22 +2035,64 @@
           <a:bodyPr/>
           <a:lstStyle/>
           <a:p>
-            <a:r>
-              <a:rPr lang="en-US" dirty="0"/>
-              <a:t>Informed by WHY…</a:t>
-            </a:r>
-          </a:p>
-          <a:p>
-            <a:endParaRPr lang="en-US" dirty="0"/>
-          </a:p>
-          <a:p>
-            <a:r>
-              <a:rPr lang="en-US" dirty="0"/>
-              <a:t>NOT meant to be a discussion of product strategy or product</a:t>
+            <a:pPr marL="0" marR="0" lvl="0" indent="0" algn="l" defTabSz="914400" rtl="0" eaLnBrk="1" fontAlgn="auto" latinLnBrk="0" hangingPunct="1">
+              <a:lnSpc>
+                <a:spcPct val="100000"/>
+              </a:lnSpc>
+              <a:spcBef>
+                <a:spcPts val="0"/>
+              </a:spcBef>
+              <a:spcAft>
+                <a:spcPts val="0"/>
+              </a:spcAft>
+              <a:buClrTx/>
+              <a:buSzTx/>
+              <a:buFontTx/>
+              <a:buNone/>
+              <a:tabLst/>
+              <a:defRPr/>
+            </a:pPr>
+            <a:r>
+              <a:rPr lang="en-US" dirty="0"/>
+              <a:t>What is a team? A group of smart, caring humans who come together to solve a problem while growing as individuals.</a:t>
+            </a:r>
+          </a:p>
+          <a:p>
+            <a:pPr marL="0" marR="0" lvl="0" indent="0" algn="l" defTabSz="914400" rtl="0" eaLnBrk="1" fontAlgn="auto" latinLnBrk="0" hangingPunct="1">
+              <a:lnSpc>
+                <a:spcPct val="100000"/>
+              </a:lnSpc>
+              <a:spcBef>
+                <a:spcPts val="0"/>
+              </a:spcBef>
+              <a:spcAft>
+                <a:spcPts val="0"/>
+              </a:spcAft>
+              <a:buClrTx/>
+              <a:buSzTx/>
+              <a:buFontTx/>
+              <a:buNone/>
+              <a:tabLst/>
+              <a:defRPr/>
+            </a:pPr>
+            <a:endParaRPr lang="en-US" dirty="0"/>
+          </a:p>
+          <a:p>
+            <a:r>
+              <a:rPr lang="en-US" dirty="0"/>
+              <a:t>And that’s it.  For the</a:t>
             </a:r>
             <a:r>
               <a:rPr lang="en-US" baseline="0" dirty="0"/>
-              <a:t> management – meant to be more general, though hopefully still actionable.</a:t>
+              <a:t> discussion today, </a:t>
+            </a:r>
+            <a:r>
+              <a:rPr lang="en-US" dirty="0"/>
+              <a:t>let’s leave</a:t>
+            </a:r>
+            <a:r>
+              <a:rPr lang="en-US" baseline="0" dirty="0"/>
+              <a:t> behind the more complicated team structure – titles, functions, who reports to who, who is senior to who, etc.</a:t>
             </a:r>
           </a:p>
           <a:p>
@@ -1795,38 +2101,40 @@
           <a:p>
             <a:r>
               <a:rPr lang="en-US" baseline="0" dirty="0"/>
-              <a:t>Bias:</a:t>
-            </a:r>
-          </a:p>
-          <a:p>
-            <a:pPr marL="171450" indent="-171450">
+              <a:t>We are a group of smart, caring people who want to solve hard problems and improve ourselves along the way.</a:t>
+            </a:r>
+          </a:p>
+          <a:p>
+            <a:endParaRPr lang="en-US" baseline="0" dirty="0"/>
+          </a:p>
+          <a:p>
+            <a:r>
+              <a:rPr lang="en-US" baseline="0" dirty="0"/>
+              <a:t>So – the approaches and tools we’re going to talk about can apply beyond just your formal team.</a:t>
+            </a:r>
+            <a:endParaRPr lang="en-US" dirty="0"/>
+          </a:p>
+          <a:p>
+            <a:pPr marL="0" marR="0" lvl="0" indent="0" algn="l" defTabSz="914400" rtl="0" eaLnBrk="1" fontAlgn="auto" latinLnBrk="0" hangingPunct="1">
+              <a:lnSpc>
+                <a:spcPct val="100000"/>
+              </a:lnSpc>
+              <a:spcBef>
+                <a:spcPts val="0"/>
+              </a:spcBef>
+              <a:spcAft>
+                <a:spcPts val="0"/>
+              </a:spcAft>
+              <a:buClrTx/>
+              <a:buSzTx/>
               <a:buFontTx/>
-              <a:buChar char="-"/>
-            </a:pPr>
-            <a:r>
-              <a:rPr lang="en-US" baseline="0" dirty="0"/>
-              <a:t>You may have a pet project you’ve always wanted to get done, but it just doesn’t make a good objective investment</a:t>
-            </a:r>
-          </a:p>
-          <a:p>
-            <a:pPr marL="171450" indent="-171450">
-              <a:buFontTx/>
-              <a:buChar char="-"/>
-            </a:pPr>
-            <a:r>
-              <a:rPr lang="en-US" baseline="0" dirty="0"/>
-              <a:t>You may have been bugged by something recently</a:t>
-            </a:r>
-          </a:p>
-          <a:p>
-            <a:pPr marL="171450" indent="-171450">
-              <a:buFontTx/>
-              <a:buChar char="-"/>
-            </a:pPr>
-            <a:r>
-              <a:rPr lang="en-US" baseline="0" dirty="0"/>
-              <a:t>You may want to play with a certain technology, but it’s not *really* the right fit for the job</a:t>
-            </a:r>
+              <a:buNone/>
+              <a:tabLst/>
+              <a:defRPr/>
+            </a:pPr>
+            <a:endParaRPr lang="en-US" dirty="0"/>
+          </a:p>
+          <a:p>
             <a:endParaRPr lang="en-US" dirty="0"/>
           </a:p>
         </p:txBody>
@@ -1848,7 +2156,7 @@
           <a:p>
             <a:fld id="{54165CF5-22A4-4BB9-BE26-FDB96183FE65}" type="slidenum">
               <a:rPr lang="en-US" smtClean="0"/>
-              <a:t>8</a:t>
+              <a:t>6</a:t>
             </a:fld>
             <a:endParaRPr lang="en-US"/>
           </a:p>
@@ -1857,7 +2165,7 @@
     </p:spTree>
     <p:extLst>
       <p:ext uri="{BB962C8B-B14F-4D97-AF65-F5344CB8AC3E}">
-        <p14:creationId xmlns:p14="http://schemas.microsoft.com/office/powerpoint/2010/main" val="1230998854"/>
+        <p14:creationId xmlns:p14="http://schemas.microsoft.com/office/powerpoint/2010/main" val="2822242321"/>
       </p:ext>
     </p:extLst>
   </p:cSld>
@@ -1911,6 +2219,77 @@
           <a:bodyPr/>
           <a:lstStyle/>
           <a:p>
+            <a:pPr marL="0" marR="0" lvl="0" indent="0" algn="l" defTabSz="914400" rtl="0" eaLnBrk="1" fontAlgn="auto" latinLnBrk="0" hangingPunct="1">
+              <a:lnSpc>
+                <a:spcPct val="100000"/>
+              </a:lnSpc>
+              <a:spcBef>
+                <a:spcPts val="0"/>
+              </a:spcBef>
+              <a:spcAft>
+                <a:spcPts val="0"/>
+              </a:spcAft>
+              <a:buClrTx/>
+              <a:buSzTx/>
+              <a:buFontTx/>
+              <a:buNone/>
+              <a:tabLst/>
+              <a:defRPr/>
+            </a:pPr>
+            <a:r>
+              <a:rPr lang="en-US" dirty="0"/>
+              <a:t>- For anything you’re doing, or might do, understand very clearly why it matters</a:t>
+            </a:r>
+          </a:p>
+          <a:p>
+            <a:r>
+              <a:rPr lang="en-US" dirty="0"/>
+              <a:t>- Not just these four classes – the point is to understand all of the reasons that doing what you’re doing might</a:t>
+            </a:r>
+            <a:r>
+              <a:rPr lang="en-US" baseline="0" dirty="0"/>
+              <a:t> be important.</a:t>
+            </a:r>
+            <a:endParaRPr lang="en-US" dirty="0"/>
+          </a:p>
+          <a:p>
+            <a:endParaRPr lang="en-US" dirty="0"/>
+          </a:p>
+          <a:p>
+            <a:pPr marL="342900" indent="-342900">
+              <a:buFont typeface="Arial" panose="020B0604020202020204" pitchFamily="34" charset="0"/>
+              <a:buChar char="•"/>
+            </a:pPr>
+            <a:r>
+              <a:rPr lang="en-US" dirty="0"/>
+              <a:t>You’ll make better decisions about WHAT to do …</a:t>
+            </a:r>
+          </a:p>
+          <a:p>
+            <a:pPr marL="342900" indent="-342900">
+              <a:buFont typeface="Arial" panose="020B0604020202020204" pitchFamily="34" charset="0"/>
+              <a:buChar char="•"/>
+            </a:pPr>
+            <a:r>
+              <a:rPr lang="en-US" dirty="0"/>
+              <a:t>and HOW to do it.</a:t>
+            </a:r>
+          </a:p>
+          <a:p>
+            <a:endParaRPr lang="en-US" dirty="0"/>
+          </a:p>
+          <a:p>
+            <a:endParaRPr lang="en-US" dirty="0"/>
+          </a:p>
+          <a:p>
+            <a:r>
+              <a:rPr lang="en-US" dirty="0"/>
+              <a:t>Example: Why I’m</a:t>
+            </a:r>
+            <a:r>
+              <a:rPr lang="en-US" baseline="0" dirty="0"/>
+              <a:t> giving the talk today:</a:t>
+            </a:r>
             <a:endParaRPr lang="en-US" dirty="0"/>
           </a:p>
         </p:txBody>
@@ -1932,7 +2311,7 @@
           <a:p>
             <a:fld id="{54165CF5-22A4-4BB9-BE26-FDB96183FE65}" type="slidenum">
               <a:rPr lang="en-US" smtClean="0"/>
-              <a:t>10</a:t>
+              <a:t>7</a:t>
             </a:fld>
             <a:endParaRPr lang="en-US"/>
           </a:p>
@@ -1941,7 +2320,7 @@
     </p:spTree>
     <p:extLst>
       <p:ext uri="{BB962C8B-B14F-4D97-AF65-F5344CB8AC3E}">
-        <p14:creationId xmlns:p14="http://schemas.microsoft.com/office/powerpoint/2010/main" val="2195936146"/>
+        <p14:creationId xmlns:p14="http://schemas.microsoft.com/office/powerpoint/2010/main" val="3106676218"/>
       </p:ext>
     </p:extLst>
   </p:cSld>
@@ -1995,29 +2374,71 @@
           <a:bodyPr/>
           <a:lstStyle/>
           <a:p>
-            <a:pPr marL="0" marR="0" lvl="0" indent="0" algn="l" defTabSz="914400" rtl="0" eaLnBrk="1" fontAlgn="auto" latinLnBrk="0" hangingPunct="1">
-              <a:lnSpc>
-                <a:spcPct val="100000"/>
-              </a:lnSpc>
-              <a:spcBef>
-                <a:spcPts val="0"/>
-              </a:spcBef>
-              <a:spcAft>
-                <a:spcPts val="0"/>
-              </a:spcAft>
-              <a:buClrTx/>
-              <a:buSzTx/>
+            <a:r>
+              <a:rPr lang="en-US" dirty="0"/>
+              <a:t>Informed by WHY…we identify WHAT we want to accomplish</a:t>
+            </a:r>
+          </a:p>
+          <a:p>
+            <a:endParaRPr lang="en-US" dirty="0"/>
+          </a:p>
+          <a:p>
+            <a:r>
+              <a:rPr lang="en-US" dirty="0"/>
+              <a:t>NOT meant to be a discussion of product strategy or product</a:t>
+            </a:r>
+            <a:r>
+              <a:rPr lang="en-US" baseline="0" dirty="0"/>
+              <a:t> management – meant to be more general, though hopefully still actionable.</a:t>
+            </a:r>
+          </a:p>
+          <a:p>
+            <a:endParaRPr lang="en-US" baseline="0" dirty="0"/>
+          </a:p>
+          <a:p>
+            <a:r>
+              <a:rPr lang="en-US" baseline="0" dirty="0"/>
+              <a:t>We need to explicitly value changes that improve them plan (rather than resenting them for disrupting the comfortable status quo)</a:t>
+            </a:r>
+          </a:p>
+          <a:p>
+            <a:endParaRPr lang="en-US" baseline="0" dirty="0"/>
+          </a:p>
+          <a:p>
+            <a:r>
+              <a:rPr lang="en-US" baseline="0" dirty="0"/>
+              <a:t>Bias:</a:t>
+            </a:r>
+          </a:p>
+          <a:p>
+            <a:pPr marL="171450" indent="-171450">
               <a:buFontTx/>
-              <a:buNone/>
-              <a:tabLst/>
-              <a:defRPr/>
-            </a:pPr>
-            <a:r>
-              <a:rPr lang="en-US" dirty="0"/>
-              <a:t>Software development isn’t yet too far rightward  on in the continuum of Art &gt;&gt; Science &gt;&gt; Engineering Practice</a:t>
-            </a:r>
-          </a:p>
-          <a:p>
+              <a:buChar char="-"/>
+            </a:pPr>
+            <a:r>
+              <a:rPr lang="en-US" baseline="0" dirty="0"/>
+              <a:t>You may have a pet project you’ve always wanted to get done, but it just doesn’t make a good objective investment</a:t>
+            </a:r>
+          </a:p>
+          <a:p>
+            <a:pPr marL="171450" indent="-171450">
+              <a:buFontTx/>
+              <a:buChar char="-"/>
+            </a:pPr>
+            <a:r>
+              <a:rPr lang="en-US" baseline="0" dirty="0"/>
+              <a:t>You may have been bugged by something recently</a:t>
+            </a:r>
+          </a:p>
+          <a:p>
+            <a:pPr marL="171450" indent="-171450">
+              <a:buFontTx/>
+              <a:buChar char="-"/>
+            </a:pPr>
+            <a:r>
+              <a:rPr lang="en-US" baseline="0" dirty="0"/>
+              <a:t>You may want to play with a certain technology, but it’s not *really* the right fit for the job</a:t>
+            </a:r>
             <a:endParaRPr lang="en-US" dirty="0"/>
           </a:p>
         </p:txBody>
@@ -2039,7 +2460,7 @@
           <a:p>
             <a:fld id="{54165CF5-22A4-4BB9-BE26-FDB96183FE65}" type="slidenum">
               <a:rPr lang="en-US" smtClean="0"/>
-              <a:t>11</a:t>
+              <a:t>8</a:t>
             </a:fld>
             <a:endParaRPr lang="en-US"/>
           </a:p>
@@ -2048,7 +2469,7 @@
     </p:spTree>
     <p:extLst>
       <p:ext uri="{BB962C8B-B14F-4D97-AF65-F5344CB8AC3E}">
-        <p14:creationId xmlns:p14="http://schemas.microsoft.com/office/powerpoint/2010/main" val="1099954860"/>
+        <p14:creationId xmlns:p14="http://schemas.microsoft.com/office/powerpoint/2010/main" val="1230998854"/>
       </p:ext>
     </p:extLst>
   </p:cSld>
@@ -2102,29 +2523,14 @@
           <a:bodyPr/>
           <a:lstStyle/>
           <a:p>
-            <a:pPr marL="0" marR="0" lvl="0" indent="0" algn="l" defTabSz="914400" rtl="0" eaLnBrk="1" fontAlgn="auto" latinLnBrk="0" hangingPunct="1">
-              <a:lnSpc>
-                <a:spcPct val="100000"/>
-              </a:lnSpc>
-              <a:spcBef>
-                <a:spcPts val="0"/>
-              </a:spcBef>
-              <a:spcAft>
-                <a:spcPts val="0"/>
-              </a:spcAft>
-              <a:buClrTx/>
-              <a:buSzTx/>
-              <a:buFontTx/>
-              <a:buNone/>
-              <a:tabLst/>
-              <a:defRPr/>
-            </a:pPr>
-            <a:r>
-              <a:rPr lang="en-US" dirty="0"/>
-              <a:t>Telemetry Service - Thank you to Owen and others for having set up the telemetry service and carrying more than their share of maintenance.)</a:t>
-            </a:r>
-          </a:p>
-          <a:p>
+            <a:r>
+              <a:rPr lang="en-US" dirty="0"/>
+              <a:t>Helps put our focus on the things that are most likely to go wrong in an</a:t>
+            </a:r>
+            <a:r>
+              <a:rPr lang="en-US" baseline="0" dirty="0"/>
+              <a:t> impactful way, rather than freaking out about all the things.</a:t>
+            </a:r>
             <a:endParaRPr lang="en-US" dirty="0"/>
           </a:p>
         </p:txBody>
@@ -2146,7 +2552,7 @@
           <a:p>
             <a:fld id="{54165CF5-22A4-4BB9-BE26-FDB96183FE65}" type="slidenum">
               <a:rPr lang="en-US" smtClean="0"/>
-              <a:t>12</a:t>
+              <a:t>10</a:t>
             </a:fld>
             <a:endParaRPr lang="en-US"/>
           </a:p>
@@ -2155,7 +2561,7 @@
     </p:spTree>
     <p:extLst>
       <p:ext uri="{BB962C8B-B14F-4D97-AF65-F5344CB8AC3E}">
-        <p14:creationId xmlns:p14="http://schemas.microsoft.com/office/powerpoint/2010/main" val="1605406186"/>
+        <p14:creationId xmlns:p14="http://schemas.microsoft.com/office/powerpoint/2010/main" val="2195936146"/>
       </p:ext>
     </p:extLst>
   </p:cSld>
@@ -2209,10 +2615,30 @@
           <a:bodyPr/>
           <a:lstStyle/>
           <a:p>
-            <a:r>
-              <a:rPr lang="en-US" dirty="0"/>
-              <a:t>Mantra from “Turn the Ship Around”</a:t>
-            </a:r>
+            <a:pPr marL="0" marR="0" lvl="0" indent="0" algn="l" defTabSz="914400" rtl="0" eaLnBrk="1" fontAlgn="auto" latinLnBrk="0" hangingPunct="1">
+              <a:lnSpc>
+                <a:spcPct val="100000"/>
+              </a:lnSpc>
+              <a:spcBef>
+                <a:spcPts val="0"/>
+              </a:spcBef>
+              <a:spcAft>
+                <a:spcPts val="0"/>
+              </a:spcAft>
+              <a:buClrTx/>
+              <a:buSzTx/>
+              <a:buFontTx/>
+              <a:buNone/>
+              <a:tabLst/>
+              <a:defRPr/>
+            </a:pPr>
+            <a:r>
+              <a:rPr lang="en-US" dirty="0"/>
+              <a:t>Software development isn’t yet too far rightward  on in the continuum of Art &gt;&gt; Science &gt;&gt; Engineering Practice</a:t>
+            </a:r>
+          </a:p>
+          <a:p>
+            <a:endParaRPr lang="en-US" dirty="0"/>
           </a:p>
         </p:txBody>
       </p:sp>
@@ -2233,7 +2659,7 @@
           <a:p>
             <a:fld id="{54165CF5-22A4-4BB9-BE26-FDB96183FE65}" type="slidenum">
               <a:rPr lang="en-US" smtClean="0"/>
-              <a:t>21</a:t>
+              <a:t>11</a:t>
             </a:fld>
             <a:endParaRPr lang="en-US"/>
           </a:p>
@@ -2242,7 +2668,7 @@
     </p:spTree>
     <p:extLst>
       <p:ext uri="{BB962C8B-B14F-4D97-AF65-F5344CB8AC3E}">
-        <p14:creationId xmlns:p14="http://schemas.microsoft.com/office/powerpoint/2010/main" val="2005465395"/>
+        <p14:creationId xmlns:p14="http://schemas.microsoft.com/office/powerpoint/2010/main" val="1099954860"/>
       </p:ext>
     </p:extLst>
   </p:cSld>
@@ -2602,8 +3028,9 @@
         <p:txBody>
           <a:bodyPr/>
           <a:lstStyle>
-            <a:lvl1pPr marL="0" indent="0">
-              <a:buNone/>
+            <a:lvl1pPr marL="342900" indent="-342900">
+              <a:buFont typeface="Arial" panose="020B0604020202020204" pitchFamily="34" charset="0"/>
+              <a:buChar char="•"/>
               <a:defRPr b="0" i="0">
                 <a:solidFill>
                   <a:schemeClr val="tx2"/>
@@ -2615,7 +3042,7 @@
             <a:lvl2pPr>
               <a:defRPr>
                 <a:solidFill>
-                  <a:schemeClr val="bg1"/>
+                  <a:schemeClr val="tx2"/>
                 </a:solidFill>
               </a:defRPr>
             </a:lvl2pPr>
@@ -2646,6 +3073,20 @@
             <a:r>
               <a:rPr lang="en-US" dirty="0"/>
               <a:t>Text Box</a:t>
+            </a:r>
+          </a:p>
+          <a:p>
+            <a:pPr lvl="0"/>
+            <a:r>
+              <a:rPr lang="en-US" dirty="0"/>
+              <a:t>Bullet1</a:t>
+            </a:r>
+          </a:p>
+          <a:p>
+            <a:pPr lvl="1"/>
+            <a:r>
+              <a:rPr lang="en-US" dirty="0"/>
+              <a:t>Bullet2</a:t>
             </a:r>
           </a:p>
         </p:txBody>
@@ -3148,26 +3589,43 @@
           <a:lstStyle/>
           <a:p>
             <a:r>
-              <a:rPr lang="en-US" dirty="0"/>
-              <a:t>What are the ways we’re most likely to fail?</a:t>
-            </a:r>
-          </a:p>
-          <a:p>
-            <a:endParaRPr lang="en-US" dirty="0"/>
-          </a:p>
-          <a:p>
-            <a:r>
-              <a:rPr lang="en-US" dirty="0"/>
-              <a:t>What would future-us want current-us to do about them while we still have the chance?</a:t>
-            </a:r>
-          </a:p>
-          <a:p>
-            <a:endParaRPr lang="en-US" dirty="0"/>
-          </a:p>
-          <a:p>
-            <a:r>
-              <a:rPr lang="en-US" dirty="0"/>
-              <a:t>Helps us to prioritize our focus on the most plausible or impactful risks, rather than freaking out about all the things</a:t>
+              <a:rPr lang="en-US" sz="3200" u="sng" dirty="0"/>
+              <a:t>Future-you</a:t>
+            </a:r>
+            <a:r>
+              <a:rPr lang="en-US" sz="3200" dirty="0"/>
+              <a:t>, sitting amongst the wreckage of a failed project, retros on what went wrong…</a:t>
+            </a:r>
+          </a:p>
+          <a:p>
+            <a:pPr lvl="1"/>
+            <a:r>
+              <a:rPr lang="en-US" sz="2800" dirty="0"/>
+              <a:t>What came up that caused you to fail?</a:t>
+            </a:r>
+          </a:p>
+          <a:p>
+            <a:pPr lvl="1"/>
+            <a:r>
+              <a:rPr lang="en-US" sz="2800" dirty="0"/>
+              <a:t>What would future-you want now-you to do while you have the chance?</a:t>
+            </a:r>
+          </a:p>
+          <a:p>
+            <a:endParaRPr lang="en-US" sz="3200" dirty="0"/>
+          </a:p>
+          <a:p>
+            <a:r>
+              <a:rPr lang="en-US" sz="3200" dirty="0"/>
+              <a:t>Helps you </a:t>
+            </a:r>
+            <a:r>
+              <a:rPr lang="en-US" sz="3200" u="sng" dirty="0"/>
+              <a:t>now</a:t>
+            </a:r>
+            <a:r>
+              <a:rPr lang="en-US" sz="3200" dirty="0"/>
+              <a:t> to focus on the most likely-impactful risks</a:t>
             </a:r>
           </a:p>
         </p:txBody>
@@ -4596,7 +5054,7 @@
 </file>
 
 <file path=ppt/slides/slide2.xml><?xml version="1.0" encoding="utf-8"?>
-<p:sld xmlns:a="http://schemas.openxmlformats.org/drawingml/2006/main" xmlns:r="http://schemas.openxmlformats.org/officeDocument/2006/relationships" xmlns:p="http://schemas.openxmlformats.org/presentationml/2006/main">
+<p:sld xmlns:a="http://schemas.openxmlformats.org/drawingml/2006/main" xmlns:r="http://schemas.openxmlformats.org/officeDocument/2006/relationships" xmlns:p="http://schemas.openxmlformats.org/presentationml/2006/main" show="0">
   <p:cSld>
     <p:spTree>
       <p:nvGrpSpPr>
@@ -5959,19 +6417,19 @@
           <a:bodyPr/>
           <a:lstStyle/>
           <a:p>
-            <a:pPr marL="342900" indent="-342900">
-              <a:buFont typeface="Arial" panose="020B0604020202020204" pitchFamily="34" charset="0"/>
-              <a:buChar char="•"/>
-            </a:pPr>
-            <a:r>
-              <a:rPr lang="en-US" dirty="0"/>
-              <a:t>Pick a thing you’d like to see be better</a:t>
-            </a:r>
-          </a:p>
-          <a:p>
-            <a:pPr marL="342900" indent="-342900">
-              <a:buFont typeface="Arial" panose="020B0604020202020204" pitchFamily="34" charset="0"/>
-              <a:buChar char="•"/>
+            <a:pPr marL="457200" indent="-457200">
+              <a:buFont typeface="+mj-lt"/>
+              <a:buAutoNum type="arabicPeriod"/>
+            </a:pPr>
+            <a:r>
+              <a:rPr lang="en-US" dirty="0"/>
+              <a:t>Pick a thing you want to be better</a:t>
+            </a:r>
+          </a:p>
+          <a:p>
+            <a:pPr marL="457200" indent="-457200">
+              <a:buFont typeface="+mj-lt"/>
+              <a:buAutoNum type="arabicPeriod"/>
             </a:pPr>
             <a:r>
               <a:rPr lang="en-US" dirty="0"/>
@@ -5979,9 +6437,9 @@
             </a:r>
           </a:p>
           <a:p>
-            <a:pPr marL="342900" indent="-342900">
-              <a:buFont typeface="Arial" panose="020B0604020202020204" pitchFamily="34" charset="0"/>
-              <a:buChar char="•"/>
+            <a:pPr marL="457200" indent="-457200">
+              <a:buFont typeface="+mj-lt"/>
+              <a:buAutoNum type="arabicPeriod"/>
             </a:pPr>
             <a:r>
               <a:rPr lang="en-US" dirty="0"/>
@@ -5989,23 +6447,13 @@
             </a:r>
           </a:p>
           <a:p>
-            <a:pPr marL="342900" indent="-342900">
-              <a:buFont typeface="Arial" panose="020B0604020202020204" pitchFamily="34" charset="0"/>
-              <a:buChar char="•"/>
-            </a:pPr>
-            <a:r>
-              <a:rPr lang="en-US" dirty="0"/>
-              <a:t>Try an experiment – what do we need to do to take that small step?</a:t>
-            </a:r>
-          </a:p>
-          <a:p>
-            <a:pPr marL="342900" indent="-342900">
-              <a:buFont typeface="Arial" panose="020B0604020202020204" pitchFamily="34" charset="0"/>
-              <a:buChar char="•"/>
-            </a:pPr>
-            <a:r>
-              <a:rPr lang="en-US" dirty="0"/>
-              <a:t>What action can you take or organize directly?  (Proposal?  </a:t>
+            <a:pPr marL="457200" indent="-457200">
+              <a:buFont typeface="+mj-lt"/>
+              <a:buAutoNum type="arabicPeriod"/>
+            </a:pPr>
+            <a:r>
+              <a:rPr lang="en-US" dirty="0"/>
+              <a:t>What action can you take?  (Proposal?  </a:t>
             </a:r>
             <a:r>
               <a:rPr lang="en-US" dirty="0" err="1"/>
@@ -6017,19 +6465,9 @@
             </a:r>
           </a:p>
           <a:p>
-            <a:pPr marL="342900" indent="-342900">
-              <a:buFont typeface="Arial" panose="020B0604020202020204" pitchFamily="34" charset="0"/>
-              <a:buChar char="•"/>
-            </a:pPr>
-            <a:r>
-              <a:rPr lang="en-US" dirty="0"/>
-              <a:t>Start small (small problems, small slices)</a:t>
-            </a:r>
-          </a:p>
-          <a:p>
-            <a:pPr marL="342900" indent="-342900">
-              <a:buFont typeface="Arial" panose="020B0604020202020204" pitchFamily="34" charset="0"/>
-              <a:buChar char="•"/>
+            <a:pPr marL="457200" indent="-457200">
+              <a:buFont typeface="+mj-lt"/>
+              <a:buAutoNum type="arabicPeriod"/>
             </a:pPr>
             <a:endParaRPr lang="en-US" dirty="0"/>
           </a:p>
@@ -6115,37 +6553,29 @@
               <a:buChar char="•"/>
             </a:pPr>
             <a:r>
-              <a:rPr lang="en-US" dirty="0"/>
-              <a:t>Take away ONE thing that that connects for you.</a:t>
-            </a:r>
-          </a:p>
-          <a:p>
-            <a:pPr marL="342900" indent="-342900">
-              <a:buFont typeface="Arial" panose="020B0604020202020204" pitchFamily="34" charset="0"/>
-              <a:buChar char="•"/>
-            </a:pPr>
-            <a:r>
-              <a:rPr lang="en-US" dirty="0"/>
-              <a:t>Bonus</a:t>
-            </a:r>
-            <a:r>
-              <a:rPr lang="en-US" dirty="0">
+              <a:rPr lang="en-US" sz="3200" dirty="0"/>
+              <a:t>Take away ONE thing </a:t>
+            </a:r>
+          </a:p>
+          <a:p>
+            <a:pPr marL="342900" indent="-342900">
+              <a:buFont typeface="Arial" panose="020B0604020202020204" pitchFamily="34" charset="0"/>
+              <a:buChar char="•"/>
+            </a:pPr>
+            <a:endParaRPr lang="en-US" sz="3200" dirty="0"/>
+          </a:p>
+          <a:p>
+            <a:pPr marL="342900" indent="-342900">
+              <a:buFont typeface="Arial" panose="020B0604020202020204" pitchFamily="34" charset="0"/>
+              <a:buChar char="•"/>
+            </a:pPr>
+            <a:r>
+              <a:rPr lang="en-US" sz="3200" dirty="0">
                 <a:solidFill>
                   <a:schemeClr val="tx1"/>
                 </a:solidFill>
               </a:rPr>
-              <a:t>:</a:t>
-            </a:r>
-          </a:p>
-          <a:p>
-            <a:pPr marL="342900" indent="-342900"/>
-            <a:r>
-              <a:rPr lang="en-US" dirty="0">
-                <a:solidFill>
-                  <a:schemeClr val="tx1"/>
-                </a:solidFill>
-              </a:rPr>
-              <a:t>&gt;&gt;Form a habit – be still doing that thing a year from now</a:t>
+              <a:t>(bonus) Form a habit</a:t>
             </a:r>
           </a:p>
         </p:txBody>
@@ -6575,89 +7005,42 @@
           <a:bodyPr/>
           <a:lstStyle/>
           <a:p>
-            <a:r>
-              <a:rPr lang="en-US" dirty="0"/>
-              <a:t>I’m not perfect at this stuff, and some days I’m better than others.</a:t>
-            </a:r>
-          </a:p>
-          <a:p>
-            <a:endParaRPr lang="en-US" dirty="0"/>
-          </a:p>
-          <a:p>
-            <a:r>
-              <a:rPr lang="en-US" dirty="0"/>
-              <a:t>It’s not rocket science – everything here is simple in concept – we just don’t always think of it.</a:t>
-            </a:r>
-          </a:p>
-          <a:p>
-            <a:endParaRPr lang="en-US" dirty="0"/>
-          </a:p>
-          <a:p>
-            <a:r>
-              <a:rPr lang="en-US" dirty="0"/>
-              <a:t>Part of why I’m speaking today is selfishly calculated to advance my own growth and learning.</a:t>
-            </a:r>
-          </a:p>
-          <a:p>
-            <a:endParaRPr lang="en-US" dirty="0"/>
-          </a:p>
-          <a:p>
-            <a:r>
-              <a:rPr lang="en-US" dirty="0"/>
-              <a:t>Preparing to talk to a group about material means that you think about it in a different way.  It opens you up to new questions and feedback.  </a:t>
-            </a:r>
-          </a:p>
-          <a:p>
-            <a:endParaRPr lang="en-US" dirty="0"/>
-          </a:p>
-          <a:p>
-            <a:r>
-              <a:rPr lang="en-US" dirty="0"/>
-              <a:t>Let’s talk if:</a:t>
-            </a:r>
-          </a:p>
-          <a:p>
-            <a:pPr marL="342900" indent="-342900">
-              <a:buFontTx/>
-              <a:buChar char="-"/>
-            </a:pPr>
-            <a:r>
-              <a:rPr lang="en-US" dirty="0"/>
-              <a:t>You have other ideas</a:t>
-            </a:r>
-          </a:p>
-          <a:p>
-            <a:pPr marL="342900" indent="-342900">
-              <a:buFontTx/>
-              <a:buChar char="-"/>
-            </a:pPr>
-            <a:r>
-              <a:rPr lang="en-US" dirty="0"/>
-              <a:t>You have contrary opinions</a:t>
-            </a:r>
-          </a:p>
-          <a:p>
-            <a:pPr marL="342900" indent="-342900">
-              <a:buFontTx/>
-              <a:buChar char="-"/>
-            </a:pPr>
-            <a:r>
-              <a:rPr lang="en-US" dirty="0"/>
-              <a:t>You have feedback for me on the material or the presentation</a:t>
-            </a:r>
-          </a:p>
-          <a:p>
-            <a:pPr marL="342900" indent="-342900">
-              <a:buFontTx/>
-              <a:buChar char="-"/>
-            </a:pPr>
-            <a:endParaRPr lang="en-US" dirty="0"/>
-          </a:p>
-          <a:p>
-            <a:r>
-              <a:rPr lang="en-US" dirty="0"/>
-              <a:t>I’ve been influenced by lots of people and sources, at D2L and elsewhere – I’ve tried to cite them, but for those I’ve missed, apologies.</a:t>
-            </a:r>
+            <a:pPr marL="342900" indent="-342900">
+              <a:buFont typeface="Arial" panose="020B0604020202020204" pitchFamily="34" charset="0"/>
+              <a:buChar char="•"/>
+            </a:pPr>
+            <a:r>
+              <a:rPr lang="en-US" sz="2400" dirty="0"/>
+              <a:t>Simple concepts</a:t>
+            </a:r>
+          </a:p>
+          <a:p>
+            <a:pPr marL="342900" indent="-342900">
+              <a:buFont typeface="Arial" panose="020B0604020202020204" pitchFamily="34" charset="0"/>
+              <a:buChar char="•"/>
+            </a:pPr>
+            <a:r>
+              <a:rPr lang="en-US" sz="2400" dirty="0"/>
+              <a:t>I’m still learning</a:t>
+            </a:r>
+          </a:p>
+          <a:p>
+            <a:r>
+              <a:rPr lang="en-US" sz="2400" dirty="0"/>
+              <a:t>Let’s talk!</a:t>
+            </a:r>
+          </a:p>
+          <a:p>
+            <a:r>
+              <a:rPr lang="en-US" sz="2400" dirty="0"/>
+              <a:t>I’ve been influenced by lots of people and sources, at D2L and elsewhere – I’ve tried to cite them, but for those I’ve missed, my apologies.</a:t>
+            </a:r>
+          </a:p>
+          <a:p>
+            <a:pPr marL="0" indent="0">
+              <a:buNone/>
+            </a:pPr>
+            <a:endParaRPr lang="en-US" dirty="0"/>
           </a:p>
         </p:txBody>
       </p:sp>
@@ -6678,7 +7061,7 @@
           <a:p>
             <a:r>
               <a:rPr lang="en-US" dirty="0"/>
-              <a:t>Caveat - </a:t>
+              <a:t>The Fine Print</a:t>
             </a:r>
           </a:p>
         </p:txBody>
@@ -6987,56 +7370,26 @@
           <a:bodyPr/>
           <a:lstStyle/>
           <a:p>
-            <a:pPr marL="342900" indent="-342900">
-              <a:buFont typeface="Arial" panose="020B0604020202020204" pitchFamily="34" charset="0"/>
-              <a:buChar char="•"/>
-            </a:pPr>
-            <a:r>
-              <a:rPr lang="en-US" dirty="0"/>
-              <a:t>WHY does it matter?</a:t>
-            </a:r>
-          </a:p>
-          <a:p>
-            <a:pPr marL="342900" indent="-342900">
-              <a:buFont typeface="Arial" panose="020B0604020202020204" pitchFamily="34" charset="0"/>
-              <a:buChar char="•"/>
-            </a:pPr>
-            <a:r>
-              <a:rPr lang="en-US" dirty="0"/>
-              <a:t>&gt;&gt;To the world</a:t>
-            </a:r>
-          </a:p>
-          <a:p>
-            <a:pPr marL="342900" indent="-342900">
-              <a:buFont typeface="Arial" panose="020B0604020202020204" pitchFamily="34" charset="0"/>
-              <a:buChar char="•"/>
-            </a:pPr>
-            <a:r>
-              <a:rPr lang="en-US" dirty="0"/>
-              <a:t>&gt;&gt;To the customers</a:t>
-            </a:r>
-          </a:p>
-          <a:p>
-            <a:pPr marL="342900" indent="-342900">
-              <a:buFont typeface="Arial" panose="020B0604020202020204" pitchFamily="34" charset="0"/>
-              <a:buChar char="•"/>
-            </a:pPr>
-            <a:r>
-              <a:rPr lang="en-US" dirty="0"/>
-              <a:t>&gt;&gt;To the company</a:t>
-            </a:r>
-          </a:p>
-          <a:p>
-            <a:pPr marL="342900" indent="-342900">
-              <a:buFont typeface="Arial" panose="020B0604020202020204" pitchFamily="34" charset="0"/>
-              <a:buChar char="•"/>
-            </a:pPr>
-            <a:r>
-              <a:rPr lang="en-US" dirty="0"/>
-              <a:t>&gt;&gt;</a:t>
-            </a:r>
-            <a:r>
-              <a:rPr lang="en-US" b="1" dirty="0"/>
+            <a:r>
+              <a:rPr lang="en-US" sz="3500" dirty="0"/>
+              <a:t>To the world</a:t>
+            </a:r>
+          </a:p>
+          <a:p>
+            <a:r>
+              <a:rPr lang="en-US" sz="3500" dirty="0"/>
+              <a:t>To the customers</a:t>
+            </a:r>
+          </a:p>
+          <a:p>
+            <a:r>
+              <a:rPr lang="en-US" sz="3500" dirty="0"/>
+              <a:t>To the company</a:t>
+            </a:r>
+          </a:p>
+          <a:p>
+            <a:r>
+              <a:rPr lang="en-US" sz="3500" b="1" dirty="0"/>
               <a:t>To you</a:t>
             </a:r>
           </a:p>
@@ -7048,26 +7401,6 @@
               <a:buFont typeface="Arial" panose="020B0604020202020204" pitchFamily="34" charset="0"/>
               <a:buChar char="•"/>
             </a:pPr>
-            <a:r>
-              <a:rPr lang="en-US" dirty="0"/>
-              <a:t>You’ll make better decisions about WHAT to do …</a:t>
-            </a:r>
-          </a:p>
-          <a:p>
-            <a:pPr marL="342900" indent="-342900">
-              <a:buFont typeface="Arial" panose="020B0604020202020204" pitchFamily="34" charset="0"/>
-              <a:buChar char="•"/>
-            </a:pPr>
-            <a:r>
-              <a:rPr lang="en-US" dirty="0"/>
-              <a:t>and HOW to do it.</a:t>
-            </a:r>
-          </a:p>
-          <a:p>
-            <a:pPr marL="342900" indent="-342900">
-              <a:buFont typeface="Arial" panose="020B0604020202020204" pitchFamily="34" charset="0"/>
-              <a:buChar char="•"/>
-            </a:pPr>
             <a:endParaRPr lang="en-US" dirty="0"/>
           </a:p>
         </p:txBody>
@@ -7089,7 +7422,7 @@
           <a:p>
             <a:r>
               <a:rPr lang="en-US" dirty="0"/>
-              <a:t>Why are you doing it?</a:t>
+              <a:t>Why does it matter?</a:t>
             </a:r>
           </a:p>
         </p:txBody>
@@ -7139,82 +7472,58 @@
           <a:bodyPr/>
           <a:lstStyle/>
           <a:p>
-            <a:r>
-              <a:rPr lang="en-US" dirty="0"/>
-              <a:t>Inspired by our WHY, we identify WHAT we want to accomplish.</a:t>
-            </a:r>
-          </a:p>
-          <a:p>
-            <a:endParaRPr lang="en-US" dirty="0"/>
-          </a:p>
-          <a:p>
-            <a:pPr marL="342900" indent="-342900">
-              <a:buFont typeface="Arial" panose="020B0604020202020204" pitchFamily="34" charset="0"/>
-              <a:buChar char="•"/>
-            </a:pPr>
-            <a:r>
-              <a:rPr lang="en-US" dirty="0"/>
-              <a:t>Don’t fall in love with the first goals or plan – </a:t>
-            </a:r>
-            <a:r>
-              <a:rPr lang="en-US" u="sng" dirty="0"/>
-              <a:t>persist</a:t>
-            </a:r>
-          </a:p>
-          <a:p>
-            <a:pPr marL="342900" indent="-342900">
-              <a:buFont typeface="Arial" panose="020B0604020202020204" pitchFamily="34" charset="0"/>
-              <a:buChar char="•"/>
-            </a:pPr>
-            <a:r>
-              <a:rPr lang="en-US" dirty="0"/>
-              <a:t>&gt;&gt;Value changes that improve the plan</a:t>
-            </a:r>
-          </a:p>
-          <a:p>
-            <a:pPr marL="342900" indent="-342900">
-              <a:buFont typeface="Arial" panose="020B0604020202020204" pitchFamily="34" charset="0"/>
-              <a:buChar char="•"/>
-            </a:pPr>
-            <a:r>
-              <a:rPr lang="en-US" dirty="0"/>
-              <a:t>What are the rules or assumptions you can break?  (Kobayashi </a:t>
-            </a:r>
-            <a:r>
-              <a:rPr lang="en-US" dirty="0" err="1"/>
+            <a:pPr marL="342900" indent="-342900">
+              <a:buFont typeface="Arial" panose="020B0604020202020204" pitchFamily="34" charset="0"/>
+              <a:buChar char="•"/>
+            </a:pPr>
+            <a:r>
+              <a:rPr lang="en-US" sz="3200" dirty="0"/>
+              <a:t>Don’t fall in love with the first plan</a:t>
+            </a:r>
+            <a:endParaRPr lang="en-US" sz="3200" u="sng" dirty="0"/>
+          </a:p>
+          <a:p>
+            <a:pPr marL="342900" indent="-342900">
+              <a:buFont typeface="Arial" panose="020B0604020202020204" pitchFamily="34" charset="0"/>
+              <a:buChar char="•"/>
+            </a:pPr>
+            <a:r>
+              <a:rPr lang="en-US" sz="3200" dirty="0"/>
+              <a:t>Kobayashi </a:t>
+            </a:r>
+            <a:r>
+              <a:rPr lang="en-US" sz="3200" dirty="0" err="1"/>
               <a:t>Maru</a:t>
             </a:r>
             <a:r>
-              <a:rPr lang="en-US" dirty="0">
+              <a:rPr lang="en-US" sz="3200" dirty="0"/>
+              <a:t> – change the rules</a:t>
+            </a:r>
+          </a:p>
+          <a:p>
+            <a:pPr marL="342900" indent="-342900">
+              <a:buFont typeface="Arial" panose="020B0604020202020204" pitchFamily="34" charset="0"/>
+              <a:buChar char="•"/>
+            </a:pPr>
+            <a:r>
+              <a:rPr lang="en-US" sz="3200" dirty="0">
                 <a:sym typeface="Wingdings" panose="05000000000000000000" pitchFamily="2" charset="2"/>
               </a:rPr>
-              <a:t>)</a:t>
-            </a:r>
-          </a:p>
-          <a:p>
-            <a:pPr marL="342900" indent="-342900">
-              <a:buFont typeface="Arial" panose="020B0604020202020204" pitchFamily="34" charset="0"/>
-              <a:buChar char="•"/>
-            </a:pPr>
-            <a:r>
-              <a:rPr lang="en-US" dirty="0">
+              <a:t>Look for other benefits?</a:t>
+            </a:r>
+          </a:p>
+          <a:p>
+            <a:pPr marL="342900" indent="-342900">
+              <a:buFont typeface="Arial" panose="020B0604020202020204" pitchFamily="34" charset="0"/>
+              <a:buChar char="•"/>
+            </a:pPr>
+            <a:r>
+              <a:rPr lang="en-US" sz="3200" dirty="0">
                 <a:sym typeface="Wingdings" panose="05000000000000000000" pitchFamily="2" charset="2"/>
               </a:rPr>
-              <a:t>What other benefits can be efficiently achieved?</a:t>
-            </a:r>
-          </a:p>
-          <a:p>
-            <a:pPr marL="342900" indent="-342900">
-              <a:buFont typeface="Arial" panose="020B0604020202020204" pitchFamily="34" charset="0"/>
-              <a:buChar char="•"/>
-            </a:pPr>
-            <a:r>
-              <a:rPr lang="en-US" dirty="0">
-                <a:sym typeface="Wingdings" panose="05000000000000000000" pitchFamily="2" charset="2"/>
-              </a:rPr>
-              <a:t>Be conscious of your own bias</a:t>
-            </a:r>
-            <a:endParaRPr lang="en-US" dirty="0"/>
+              <a:t>Watch for bias</a:t>
+            </a:r>
+            <a:endParaRPr lang="en-US" sz="3200" dirty="0"/>
           </a:p>
         </p:txBody>
       </p:sp>
@@ -7290,34 +7599,55 @@
               <a:buChar char="•"/>
             </a:pPr>
             <a:r>
-              <a:rPr lang="en-US" dirty="0"/>
-              <a:t>Describe how the “Whys” will have been accomplished from the perspective of future-you writing the press release to announce the work you’ll have just finished</a:t>
-            </a:r>
-          </a:p>
-          <a:p>
-            <a:endParaRPr lang="en-US" dirty="0"/>
-          </a:p>
-          <a:p>
-            <a:pPr marL="342900" indent="-342900">
-              <a:buFont typeface="Arial" panose="020B0604020202020204" pitchFamily="34" charset="0"/>
-              <a:buChar char="•"/>
-            </a:pPr>
-            <a:r>
-              <a:rPr lang="en-US" dirty="0"/>
-              <a:t>Focuses us on the most important things we want to accomplish</a:t>
-            </a:r>
-          </a:p>
-          <a:p>
-            <a:endParaRPr lang="en-US" dirty="0"/>
-          </a:p>
-          <a:p>
-            <a:pPr marL="342900" indent="-342900">
-              <a:buFont typeface="Arial" panose="020B0604020202020204" pitchFamily="34" charset="0"/>
-              <a:buChar char="•"/>
-            </a:pPr>
-            <a:r>
-              <a:rPr lang="en-US" dirty="0"/>
-              <a:t>Reminds us of how people will be helped by what we’ll have done</a:t>
+              <a:rPr lang="en-US" sz="3200" u="sng" dirty="0"/>
+              <a:t>Future-you</a:t>
+            </a:r>
+            <a:r>
+              <a:rPr lang="en-US" sz="3200" dirty="0"/>
+              <a:t> writes how the “Whys” were accomplished</a:t>
+            </a:r>
+          </a:p>
+          <a:p>
+            <a:pPr marL="342900" indent="-342900">
+              <a:buFont typeface="Arial" panose="020B0604020202020204" pitchFamily="34" charset="0"/>
+              <a:buChar char="•"/>
+            </a:pPr>
+            <a:endParaRPr lang="en-US" sz="3200" dirty="0"/>
+          </a:p>
+          <a:p>
+            <a:pPr marL="342900" indent="-342900">
+              <a:buFont typeface="Arial" panose="020B0604020202020204" pitchFamily="34" charset="0"/>
+              <a:buChar char="•"/>
+            </a:pPr>
+            <a:r>
+              <a:rPr lang="en-US" sz="3200" dirty="0"/>
+              <a:t>Focuses us </a:t>
+            </a:r>
+            <a:r>
+              <a:rPr lang="en-US" sz="3200" u="sng" dirty="0"/>
+              <a:t>now</a:t>
+            </a:r>
+            <a:r>
+              <a:rPr lang="en-US" sz="3200" dirty="0"/>
+              <a:t> on the most important things to get done</a:t>
+            </a:r>
+          </a:p>
+          <a:p>
+            <a:pPr marL="342900" indent="-342900">
+              <a:buFont typeface="Arial" panose="020B0604020202020204" pitchFamily="34" charset="0"/>
+              <a:buChar char="•"/>
+            </a:pPr>
+            <a:r>
+              <a:rPr lang="en-US" sz="3200" dirty="0"/>
+              <a:t>Shows how our work </a:t>
+            </a:r>
+            <a:r>
+              <a:rPr lang="en-US" sz="3200" u="sng" dirty="0"/>
+              <a:t>now</a:t>
+            </a:r>
+            <a:r>
+              <a:rPr lang="en-US" sz="3200" dirty="0"/>
+              <a:t> will make life better for people</a:t>
             </a:r>
           </a:p>
           <a:p>

--- a/InFusion2016 - Getting It Done - Jason Wood.pptx
+++ b/InFusion2016 - Getting It Done - Jason Wood.pptx
@@ -730,9 +730,229 @@
               <a:defRPr/>
             </a:pPr>
             <a:r>
-              <a:rPr lang="en-US" dirty="0"/>
-              <a:t>Telemetry Service - Thank you to Owen and others for having set up the telemetry service and carrying more than their share of maintenance.)</a:t>
-            </a:r>
+              <a:rPr lang="en-US" baseline="0" dirty="0"/>
+              <a:t>Let’s cut out the middleman, and focus the team directly on the business metrics we want to influence.</a:t>
+            </a:r>
+          </a:p>
+          <a:p>
+            <a:pPr marL="171450" marR="0" lvl="0" indent="-171450" algn="l" defTabSz="914400" rtl="0" eaLnBrk="1" fontAlgn="auto" latinLnBrk="0" hangingPunct="1">
+              <a:lnSpc>
+                <a:spcPct val="100000"/>
+              </a:lnSpc>
+              <a:spcBef>
+                <a:spcPts val="0"/>
+              </a:spcBef>
+              <a:spcAft>
+                <a:spcPts val="0"/>
+              </a:spcAft>
+              <a:buClrTx/>
+              <a:buSzTx/>
+              <a:buFontTx/>
+              <a:buChar char="-"/>
+              <a:tabLst/>
+              <a:defRPr/>
+            </a:pPr>
+            <a:r>
+              <a:rPr lang="en-US" baseline="0" dirty="0"/>
+              <a:t>Pulse has done this well</a:t>
+            </a:r>
+          </a:p>
+          <a:p>
+            <a:pPr marL="171450" marR="0" lvl="0" indent="-171450" algn="l" defTabSz="914400" rtl="0" eaLnBrk="1" fontAlgn="auto" latinLnBrk="0" hangingPunct="1">
+              <a:lnSpc>
+                <a:spcPct val="100000"/>
+              </a:lnSpc>
+              <a:spcBef>
+                <a:spcPts val="0"/>
+              </a:spcBef>
+              <a:spcAft>
+                <a:spcPts val="0"/>
+              </a:spcAft>
+              <a:buClrTx/>
+              <a:buSzTx/>
+              <a:buFontTx/>
+              <a:buChar char="-"/>
+              <a:tabLst/>
+              <a:defRPr/>
+            </a:pPr>
+            <a:r>
+              <a:rPr lang="en-US" baseline="0" dirty="0"/>
+              <a:t>Count of returning users</a:t>
+            </a:r>
+          </a:p>
+          <a:p>
+            <a:pPr marL="171450" marR="0" lvl="0" indent="-171450" algn="l" defTabSz="914400" rtl="0" eaLnBrk="1" fontAlgn="auto" latinLnBrk="0" hangingPunct="1">
+              <a:lnSpc>
+                <a:spcPct val="100000"/>
+              </a:lnSpc>
+              <a:spcBef>
+                <a:spcPts val="0"/>
+              </a:spcBef>
+              <a:spcAft>
+                <a:spcPts val="0"/>
+              </a:spcAft>
+              <a:buClrTx/>
+              <a:buSzTx/>
+              <a:buFontTx/>
+              <a:buChar char="-"/>
+              <a:tabLst/>
+              <a:defRPr/>
+            </a:pPr>
+            <a:r>
+              <a:rPr lang="en-US" baseline="0" dirty="0"/>
+              <a:t>Average users per hour</a:t>
+            </a:r>
+          </a:p>
+          <a:p>
+            <a:pPr marL="171450" marR="0" lvl="0" indent="-171450" algn="l" defTabSz="914400" rtl="0" eaLnBrk="1" fontAlgn="auto" latinLnBrk="0" hangingPunct="1">
+              <a:lnSpc>
+                <a:spcPct val="100000"/>
+              </a:lnSpc>
+              <a:spcBef>
+                <a:spcPts val="0"/>
+              </a:spcBef>
+              <a:spcAft>
+                <a:spcPts val="0"/>
+              </a:spcAft>
+              <a:buClrTx/>
+              <a:buSzTx/>
+              <a:buFontTx/>
+              <a:buChar char="-"/>
+              <a:tabLst/>
+              <a:defRPr/>
+            </a:pPr>
+            <a:r>
+              <a:rPr lang="en-US" baseline="0" dirty="0"/>
+              <a:t>% of CD deployments that succeed</a:t>
+            </a:r>
+          </a:p>
+          <a:p>
+            <a:pPr marL="171450" marR="0" lvl="0" indent="-171450" algn="l" defTabSz="914400" rtl="0" eaLnBrk="1" fontAlgn="auto" latinLnBrk="0" hangingPunct="1">
+              <a:lnSpc>
+                <a:spcPct val="100000"/>
+              </a:lnSpc>
+              <a:spcBef>
+                <a:spcPts val="0"/>
+              </a:spcBef>
+              <a:spcAft>
+                <a:spcPts val="0"/>
+              </a:spcAft>
+              <a:buClrTx/>
+              <a:buSzTx/>
+              <a:buFontTx/>
+              <a:buChar char="-"/>
+              <a:tabLst/>
+              <a:defRPr/>
+            </a:pPr>
+            <a:r>
+              <a:rPr lang="en-US" baseline="0" dirty="0"/>
+              <a:t>Time to run a deployment</a:t>
+            </a:r>
+          </a:p>
+          <a:p>
+            <a:pPr marL="171450" marR="0" lvl="0" indent="-171450" algn="l" defTabSz="914400" rtl="0" eaLnBrk="1" fontAlgn="auto" latinLnBrk="0" hangingPunct="1">
+              <a:lnSpc>
+                <a:spcPct val="100000"/>
+              </a:lnSpc>
+              <a:spcBef>
+                <a:spcPts val="0"/>
+              </a:spcBef>
+              <a:spcAft>
+                <a:spcPts val="0"/>
+              </a:spcAft>
+              <a:buClrTx/>
+              <a:buSzTx/>
+              <a:buFontTx/>
+              <a:buChar char="-"/>
+              <a:tabLst/>
+              <a:defRPr/>
+            </a:pPr>
+            <a:r>
+              <a:rPr lang="en-US" baseline="0" dirty="0"/>
+              <a:t>% of sales opportunities positively impacted by use of sandbox sites.</a:t>
+            </a:r>
+          </a:p>
+          <a:p>
+            <a:pPr marL="171450" marR="0" lvl="0" indent="-171450" algn="l" defTabSz="914400" rtl="0" eaLnBrk="1" fontAlgn="auto" latinLnBrk="0" hangingPunct="1">
+              <a:lnSpc>
+                <a:spcPct val="100000"/>
+              </a:lnSpc>
+              <a:spcBef>
+                <a:spcPts val="0"/>
+              </a:spcBef>
+              <a:spcAft>
+                <a:spcPts val="0"/>
+              </a:spcAft>
+              <a:buClrTx/>
+              <a:buSzTx/>
+              <a:buFontTx/>
+              <a:buChar char="-"/>
+              <a:tabLst/>
+              <a:defRPr/>
+            </a:pPr>
+            <a:endParaRPr lang="en-US" baseline="0" dirty="0"/>
+          </a:p>
+          <a:p>
+            <a:pPr marL="0" marR="0" lvl="0" indent="0" algn="l" defTabSz="914400" rtl="0" eaLnBrk="1" fontAlgn="auto" latinLnBrk="0" hangingPunct="1">
+              <a:lnSpc>
+                <a:spcPct val="100000"/>
+              </a:lnSpc>
+              <a:spcBef>
+                <a:spcPts val="0"/>
+              </a:spcBef>
+              <a:spcAft>
+                <a:spcPts val="0"/>
+              </a:spcAft>
+              <a:buClrTx/>
+              <a:buSzTx/>
+              <a:buFontTx/>
+              <a:buNone/>
+              <a:tabLst/>
+              <a:defRPr/>
+            </a:pPr>
+            <a:r>
+              <a:rPr lang="en-US" baseline="0" dirty="0"/>
+              <a:t>Reinforcing the plan is a problem because it was only as right as the information we had at the time we made it.  It decreases emphasis on learning and adapting to </a:t>
+            </a:r>
+            <a:r>
+              <a:rPr lang="en-US" baseline="0"/>
+              <a:t>new information.</a:t>
+            </a:r>
+            <a:endParaRPr lang="en-US" dirty="0"/>
+          </a:p>
+          <a:p>
+            <a:endParaRPr lang="en-US" dirty="0"/>
+          </a:p>
+          <a:p>
+            <a:pPr marL="0" marR="0" lvl="0" indent="0" algn="l" defTabSz="914400" rtl="0" eaLnBrk="1" fontAlgn="auto" latinLnBrk="0" hangingPunct="1">
+              <a:lnSpc>
+                <a:spcPct val="100000"/>
+              </a:lnSpc>
+              <a:spcBef>
+                <a:spcPts val="0"/>
+              </a:spcBef>
+              <a:spcAft>
+                <a:spcPts val="0"/>
+              </a:spcAft>
+              <a:buClrTx/>
+              <a:buSzTx/>
+              <a:buFontTx/>
+              <a:buNone/>
+              <a:tabLst/>
+              <a:defRPr/>
+            </a:pPr>
+            <a:r>
+              <a:rPr lang="en-US" dirty="0"/>
+              <a:t>Telemetry Service - Thank you to Owen and others for having set up the telemetry service and carrying more than their share of maintenance.)  Also, OI has done a great job of enabling data</a:t>
+            </a:r>
+            <a:r>
+              <a:rPr lang="en-US" baseline="0" dirty="0"/>
+              <a:t> collection and reporting.</a:t>
+            </a:r>
+            <a:endParaRPr lang="en-US" dirty="0"/>
+          </a:p>
+          <a:p>
+            <a:endParaRPr lang="en-US" dirty="0"/>
           </a:p>
           <a:p>
             <a:endParaRPr lang="en-US" dirty="0"/>
@@ -2238,6 +2458,49 @@
             </a:pPr>
             <a:r>
               <a:rPr lang="en-US" dirty="0"/>
+              <a:t>- Start with why (Simon Sinek)</a:t>
+            </a:r>
+          </a:p>
+          <a:p>
+            <a:pPr marL="0" marR="0" lvl="0" indent="0" algn="l" defTabSz="914400" rtl="0" eaLnBrk="1" fontAlgn="auto" latinLnBrk="0" hangingPunct="1">
+              <a:lnSpc>
+                <a:spcPct val="100000"/>
+              </a:lnSpc>
+              <a:spcBef>
+                <a:spcPts val="0"/>
+              </a:spcBef>
+              <a:spcAft>
+                <a:spcPts val="0"/>
+              </a:spcAft>
+              <a:buClrTx/>
+              <a:buSzTx/>
+              <a:buFontTx/>
+              <a:buNone/>
+              <a:tabLst/>
+              <a:defRPr/>
+            </a:pPr>
+            <a:endParaRPr lang="en-US" dirty="0"/>
+          </a:p>
+          <a:p>
+            <a:pPr marL="0" marR="0" lvl="0" indent="0" algn="l" defTabSz="914400" rtl="0" eaLnBrk="1" fontAlgn="auto" latinLnBrk="0" hangingPunct="1">
+              <a:lnSpc>
+                <a:spcPct val="100000"/>
+              </a:lnSpc>
+              <a:spcBef>
+                <a:spcPts val="0"/>
+              </a:spcBef>
+              <a:spcAft>
+                <a:spcPts val="0"/>
+              </a:spcAft>
+              <a:buClrTx/>
+              <a:buSzTx/>
+              <a:buFontTx/>
+              <a:buNone/>
+              <a:tabLst/>
+              <a:defRPr/>
+            </a:pPr>
+            <a:r>
+              <a:rPr lang="en-US" dirty="0"/>
               <a:t>- For anything you’re doing, or might do, understand very clearly why it matters</a:t>
             </a:r>
           </a:p>
@@ -2523,6 +2786,26 @@
           <a:bodyPr/>
           <a:lstStyle/>
           <a:p>
+            <a:pPr lvl="1"/>
+            <a:r>
+              <a:rPr lang="en-US" sz="2800" dirty="0"/>
+              <a:t>What came up that caused you to fail?</a:t>
+            </a:r>
+          </a:p>
+          <a:p>
+            <a:pPr lvl="1"/>
+            <a:r>
+              <a:rPr lang="en-US" sz="2800" dirty="0"/>
+              <a:t>What would future-you want now-you to do while you have the chance?</a:t>
+            </a:r>
+          </a:p>
+          <a:p>
+            <a:endParaRPr lang="en-US" dirty="0"/>
+          </a:p>
+          <a:p>
+            <a:endParaRPr lang="en-US" dirty="0"/>
+          </a:p>
+          <a:p>
             <a:r>
               <a:rPr lang="en-US" dirty="0"/>
               <a:t>Helps put our focus on the things that are most likely to go wrong in an</a:t>
@@ -2614,6 +2897,96 @@
         <p:txBody>
           <a:bodyPr/>
           <a:lstStyle/>
+          <a:p>
+            <a:pPr marL="0" marR="0" lvl="0" indent="0" algn="l" defTabSz="914400" rtl="0" eaLnBrk="1" fontAlgn="auto" latinLnBrk="0" hangingPunct="1">
+              <a:lnSpc>
+                <a:spcPct val="100000"/>
+              </a:lnSpc>
+              <a:spcBef>
+                <a:spcPts val="0"/>
+              </a:spcBef>
+              <a:spcAft>
+                <a:spcPts val="0"/>
+              </a:spcAft>
+              <a:buClrTx/>
+              <a:buSzTx/>
+              <a:buFontTx/>
+              <a:buNone/>
+              <a:tabLst/>
+              <a:defRPr/>
+            </a:pPr>
+            <a:r>
+              <a:rPr lang="en-US" dirty="0"/>
+              <a:t>[Audience Q] How do</a:t>
+            </a:r>
+            <a:r>
+              <a:rPr lang="en-US" baseline="0" dirty="0"/>
+              <a:t> we tend to describe how we’re doing on a project, or how close to done we are?  </a:t>
+            </a:r>
+          </a:p>
+          <a:p>
+            <a:pPr marL="0" marR="0" lvl="0" indent="0" algn="l" defTabSz="914400" rtl="0" eaLnBrk="1" fontAlgn="auto" latinLnBrk="0" hangingPunct="1">
+              <a:lnSpc>
+                <a:spcPct val="100000"/>
+              </a:lnSpc>
+              <a:spcBef>
+                <a:spcPts val="0"/>
+              </a:spcBef>
+              <a:spcAft>
+                <a:spcPts val="0"/>
+              </a:spcAft>
+              <a:buClrTx/>
+              <a:buSzTx/>
+              <a:buFontTx/>
+              <a:buNone/>
+              <a:tabLst/>
+              <a:defRPr/>
+            </a:pPr>
+            <a:endParaRPr lang="en-US" baseline="0" dirty="0"/>
+          </a:p>
+          <a:p>
+            <a:pPr marL="0" marR="0" lvl="0" indent="0" algn="l" defTabSz="914400" rtl="0" eaLnBrk="1" fontAlgn="auto" latinLnBrk="0" hangingPunct="1">
+              <a:lnSpc>
+                <a:spcPct val="100000"/>
+              </a:lnSpc>
+              <a:spcBef>
+                <a:spcPts val="0"/>
+              </a:spcBef>
+              <a:spcAft>
+                <a:spcPts val="0"/>
+              </a:spcAft>
+              <a:buClrTx/>
+              <a:buSzTx/>
+              <a:buFontTx/>
+              <a:buNone/>
+              <a:tabLst/>
+              <a:defRPr/>
+            </a:pPr>
+            <a:r>
+              <a:rPr lang="en-US" baseline="0" dirty="0"/>
+              <a:t>% of stories complete.  But this doesn’t mean anything on its own – no one’s life is better because a Rally progress bar is full and green.</a:t>
+            </a:r>
+          </a:p>
+          <a:p>
+            <a:pPr marL="0" marR="0" lvl="0" indent="0" algn="l" defTabSz="914400" rtl="0" eaLnBrk="1" fontAlgn="auto" latinLnBrk="0" hangingPunct="1">
+              <a:lnSpc>
+                <a:spcPct val="100000"/>
+              </a:lnSpc>
+              <a:spcBef>
+                <a:spcPts val="0"/>
+              </a:spcBef>
+              <a:spcAft>
+                <a:spcPts val="0"/>
+              </a:spcAft>
+              <a:buClrTx/>
+              <a:buSzTx/>
+              <a:buFontTx/>
+              <a:buNone/>
+              <a:tabLst/>
+              <a:defRPr/>
+            </a:pPr>
+            <a:endParaRPr lang="en-US" baseline="0" dirty="0"/>
+          </a:p>
           <a:p>
             <a:pPr marL="0" marR="0" lvl="0" indent="0" algn="l" defTabSz="914400" rtl="0" eaLnBrk="1" fontAlgn="auto" latinLnBrk="0" hangingPunct="1">
               <a:lnSpc>
@@ -3598,20 +3971,6 @@
             </a:r>
           </a:p>
           <a:p>
-            <a:pPr lvl="1"/>
-            <a:r>
-              <a:rPr lang="en-US" sz="2800" dirty="0"/>
-              <a:t>What came up that caused you to fail?</a:t>
-            </a:r>
-          </a:p>
-          <a:p>
-            <a:pPr lvl="1"/>
-            <a:r>
-              <a:rPr lang="en-US" sz="2800" dirty="0"/>
-              <a:t>What would future-you want now-you to do while you have the chance?</a:t>
-            </a:r>
-          </a:p>
-          <a:p>
             <a:endParaRPr lang="en-US" sz="3200" dirty="0"/>
           </a:p>
           <a:p>
@@ -3697,67 +4056,28 @@
           <a:bodyPr/>
           <a:lstStyle/>
           <a:p>
-            <a:pPr marL="342900" indent="-342900">
-              <a:buFontTx/>
-              <a:buChar char="-"/>
-            </a:pPr>
-            <a:r>
-              <a:rPr lang="en-US" dirty="0"/>
-              <a:t>How are we doing?</a:t>
-            </a:r>
-          </a:p>
-          <a:p>
-            <a:pPr marL="342900" indent="-342900">
-              <a:buFontTx/>
-              <a:buChar char="-"/>
-            </a:pPr>
-            <a:r>
-              <a:rPr lang="en-US" dirty="0"/>
-              <a:t>How close to done are we?</a:t>
-            </a:r>
-          </a:p>
-          <a:p>
-            <a:pPr marL="342900" indent="-342900">
-              <a:buFontTx/>
-              <a:buChar char="-"/>
-            </a:pPr>
-            <a:endParaRPr lang="en-US" dirty="0"/>
-          </a:p>
-          <a:p>
-            <a:pPr marL="342900" indent="-342900">
-              <a:buFontTx/>
-              <a:buChar char="-"/>
-            </a:pPr>
-            <a:r>
-              <a:rPr lang="en-US" dirty="0"/>
-              <a:t>We could use % of stories complete … (Audience: What do you like or not like about that?)</a:t>
-            </a:r>
-          </a:p>
-          <a:p>
-            <a:pPr marL="342900" indent="-342900">
-              <a:buFontTx/>
-              <a:buChar char="-"/>
-            </a:pPr>
-            <a:endParaRPr lang="en-US" dirty="0"/>
-          </a:p>
-          <a:p>
-            <a:pPr marL="342900" indent="-342900">
-              <a:buFontTx/>
-              <a:buChar char="-"/>
-            </a:pPr>
-            <a:r>
-              <a:rPr lang="en-US" dirty="0"/>
-              <a:t>How about looking at metrics that are directly aligned with the business goals we want to accomplish?</a:t>
-            </a:r>
-          </a:p>
-          <a:p>
-            <a:pPr marL="342900" indent="-342900">
-              <a:buFontTx/>
-              <a:buChar char="-"/>
-            </a:pPr>
-            <a:r>
-              <a:rPr lang="en-US" dirty="0"/>
-              <a:t>Measure, change, measure, done?</a:t>
+            <a:r>
+              <a:rPr lang="en-US" sz="3200" dirty="0"/>
+              <a:t>How are we doing?  How close to done are we?</a:t>
+            </a:r>
+          </a:p>
+          <a:p>
+            <a:r>
+              <a:rPr lang="en-US" sz="3200" dirty="0"/>
+              <a:t>We could use % of stories complete …</a:t>
+            </a:r>
+            <a:endParaRPr lang="en-US" dirty="0"/>
+          </a:p>
+          <a:p>
+            <a:r>
+              <a:rPr lang="en-US" sz="3200" dirty="0"/>
+              <a:t>Instead, use metrics representing our real business goals</a:t>
+            </a:r>
+          </a:p>
+          <a:p>
+            <a:r>
+              <a:rPr lang="en-US" sz="3200" dirty="0"/>
+              <a:t>Lets us “measure, change, measure, check if done”</a:t>
             </a:r>
           </a:p>
         </p:txBody>
@@ -3834,8 +4154,8 @@
               <a:buChar char="-"/>
             </a:pPr>
             <a:r>
-              <a:rPr lang="en-US" dirty="0"/>
-              <a:t>Identify metrics that are exactly aligned with the business goals we want to accomplish</a:t>
+              <a:rPr lang="en-US" sz="3200" dirty="0"/>
+              <a:t>Identify metrics exactly aligned with the business goals</a:t>
             </a:r>
           </a:p>
           <a:p>
@@ -3844,92 +4164,77 @@
               <a:buChar char="-"/>
             </a:pPr>
             <a:r>
-              <a:rPr lang="en-US" dirty="0"/>
-              <a:t>Easy to pick bad metrics that don’t directly represent our goal</a:t>
-            </a:r>
-          </a:p>
-          <a:p>
-            <a:pPr marL="342900" indent="-342900">
+              <a:rPr lang="en-US" sz="3200" dirty="0"/>
+              <a:t>Easy to pick bad metrics</a:t>
+            </a:r>
+          </a:p>
+          <a:p>
+            <a:pPr lvl="1" indent="-342900">
               <a:buFontTx/>
               <a:buChar char="-"/>
             </a:pPr>
             <a:r>
-              <a:rPr lang="en-US" dirty="0"/>
-              <a:t>&gt;&gt;Measuring the wrong thing …leading to motivate undesired action</a:t>
-            </a:r>
-          </a:p>
-          <a:p>
-            <a:pPr marL="342900" indent="-342900">
+              <a:rPr lang="en-US" sz="2900" dirty="0"/>
+              <a:t>Measuring wrong thing </a:t>
+            </a:r>
+            <a:r>
+              <a:rPr lang="en-US" sz="2900" dirty="0">
+                <a:sym typeface="Wingdings" panose="05000000000000000000" pitchFamily="2" charset="2"/>
+              </a:rPr>
+              <a:t> Motivates wrong action</a:t>
+            </a:r>
+          </a:p>
+          <a:p>
+            <a:pPr lvl="1" indent="-342900">
               <a:buFontTx/>
               <a:buChar char="-"/>
             </a:pPr>
             <a:r>
-              <a:rPr lang="en-US" dirty="0"/>
-              <a:t>&gt;&gt;Measuring the work, not the outcome…reinforces the plan, not the outcome</a:t>
-            </a:r>
+              <a:rPr lang="en-US" sz="2900" dirty="0">
+                <a:sym typeface="Wingdings" panose="05000000000000000000" pitchFamily="2" charset="2"/>
+              </a:rPr>
+              <a:t>Measuring the input work  Reinforces the plan, not the outcome</a:t>
+            </a:r>
+            <a:endParaRPr lang="en-US" sz="2900" dirty="0"/>
           </a:p>
           <a:p>
             <a:pPr marL="342900" indent="-342900">
               <a:buFontTx/>
               <a:buChar char="-"/>
             </a:pPr>
-            <a:endParaRPr lang="en-US" dirty="0"/>
-          </a:p>
-          <a:p>
-            <a:pPr marL="342900" indent="-342900">
+            <a:r>
+              <a:rPr lang="en-US" sz="3200" dirty="0"/>
+              <a:t>Build telemetry and dashboards early</a:t>
+            </a:r>
+          </a:p>
+          <a:p>
+            <a:pPr lvl="1" indent="-342900">
               <a:buFontTx/>
               <a:buChar char="-"/>
             </a:pPr>
             <a:r>
-              <a:rPr lang="en-US" dirty="0">
-                <a:solidFill>
-                  <a:srgbClr val="FF0000"/>
-                </a:solidFill>
-              </a:rPr>
-              <a:t>Need examples (in notes)</a:t>
-            </a:r>
-          </a:p>
-          <a:p>
-            <a:endParaRPr lang="en-US" dirty="0"/>
-          </a:p>
-          <a:p>
-            <a:pPr marL="342900" indent="-342900">
+              <a:rPr lang="en-US" sz="2900" dirty="0"/>
+              <a:t>Telemetry Service</a:t>
+            </a:r>
+          </a:p>
+          <a:p>
+            <a:pPr lvl="1">
               <a:buFontTx/>
               <a:buChar char="-"/>
             </a:pPr>
             <a:r>
-              <a:rPr lang="en-US" dirty="0"/>
-              <a:t>Build telemetry and dashboards early</a:t>
-            </a:r>
-          </a:p>
-          <a:p>
-            <a:pPr marL="342900" indent="-342900">
+              <a:rPr lang="en-US" sz="2900" dirty="0"/>
+              <a:t>OI</a:t>
+            </a:r>
+          </a:p>
+          <a:p>
+            <a:pPr lvl="1" indent="-342900">
               <a:buFontTx/>
               <a:buChar char="-"/>
             </a:pPr>
             <a:r>
-              <a:rPr lang="en-US" dirty="0"/>
-              <a:t>&gt;&gt;Telemetry Service</a:t>
-            </a:r>
-          </a:p>
-          <a:p>
-            <a:pPr marL="342900" indent="-342900">
-              <a:buFontTx/>
-              <a:buChar char="-"/>
-            </a:pPr>
-            <a:r>
-              <a:rPr lang="en-US" dirty="0"/>
-              <a:t>&gt;&gt; BDP</a:t>
-            </a:r>
-          </a:p>
-          <a:p>
-            <a:pPr marL="342900" indent="-342900">
-              <a:buFontTx/>
-              <a:buChar char="-"/>
-            </a:pPr>
-            <a:r>
-              <a:rPr lang="en-US" dirty="0"/>
-              <a:t>&gt;&gt;OI</a:t>
+              <a:rPr lang="en-US" sz="2900" dirty="0"/>
+              <a:t>BDP</a:t>
             </a:r>
           </a:p>
         </p:txBody>
@@ -6554,15 +6859,8 @@
             </a:pPr>
             <a:r>
               <a:rPr lang="en-US" sz="3200" dirty="0"/>
-              <a:t>Take away ONE thing </a:t>
-            </a:r>
-          </a:p>
-          <a:p>
-            <a:pPr marL="342900" indent="-342900">
-              <a:buFont typeface="Arial" panose="020B0604020202020204" pitchFamily="34" charset="0"/>
-              <a:buChar char="•"/>
-            </a:pPr>
-            <a:endParaRPr lang="en-US" sz="3200" dirty="0"/>
+              <a:t>Take ONE thing </a:t>
+            </a:r>
           </a:p>
           <a:p>
             <a:pPr marL="342900" indent="-342900">
@@ -6575,7 +6873,7 @@
                   <a:schemeClr val="tx1"/>
                 </a:solidFill>
               </a:rPr>
-              <a:t>(bonus) Form a habit</a:t>
+              <a:t>Form a habit</a:t>
             </a:r>
           </a:p>
         </p:txBody>
@@ -7010,29 +7308,29 @@
               <a:buChar char="•"/>
             </a:pPr>
             <a:r>
-              <a:rPr lang="en-US" sz="2400" dirty="0"/>
-              <a:t>Simple concepts</a:t>
-            </a:r>
-          </a:p>
-          <a:p>
-            <a:pPr marL="342900" indent="-342900">
-              <a:buFont typeface="Arial" panose="020B0604020202020204" pitchFamily="34" charset="0"/>
-              <a:buChar char="•"/>
-            </a:pPr>
-            <a:r>
-              <a:rPr lang="en-US" sz="2400" dirty="0"/>
+              <a:rPr lang="en-US" sz="3200" dirty="0"/>
+              <a:t>Not rocket science</a:t>
+            </a:r>
+          </a:p>
+          <a:p>
+            <a:pPr marL="342900" indent="-342900">
+              <a:buFont typeface="Arial" panose="020B0604020202020204" pitchFamily="34" charset="0"/>
+              <a:buChar char="•"/>
+            </a:pPr>
+            <a:r>
+              <a:rPr lang="en-US" sz="3200" dirty="0"/>
               <a:t>I’m still learning</a:t>
             </a:r>
           </a:p>
           <a:p>
             <a:r>
-              <a:rPr lang="en-US" sz="2400" dirty="0"/>
+              <a:rPr lang="en-US" sz="3200" dirty="0"/>
               <a:t>Let’s talk!</a:t>
             </a:r>
           </a:p>
           <a:p>
             <a:r>
-              <a:rPr lang="en-US" sz="2400" dirty="0"/>
+              <a:rPr lang="en-US" sz="3200" dirty="0"/>
               <a:t>I’ve been influenced by lots of people and sources, at D2L and elsewhere – I’ve tried to cite them, but for those I’ve missed, my apologies.</a:t>
             </a:r>
           </a:p>
@@ -7509,7 +7807,7 @@
               <a:rPr lang="en-US" sz="3200" dirty="0">
                 <a:sym typeface="Wingdings" panose="05000000000000000000" pitchFamily="2" charset="2"/>
               </a:rPr>
-              <a:t>Look for other benefits?</a:t>
+              <a:t>Look for other benefits</a:t>
             </a:r>
           </a:p>
           <a:p>
@@ -7604,7 +7902,7 @@
             </a:r>
             <a:r>
               <a:rPr lang="en-US" sz="3200" dirty="0"/>
-              <a:t> writes how the “Whys” were accomplished</a:t>
+              <a:t> writes about what you accomplished and how</a:t>
             </a:r>
           </a:p>
           <a:p>
@@ -7615,17 +7913,23 @@
             <a:endParaRPr lang="en-US" sz="3200" dirty="0"/>
           </a:p>
           <a:p>
+            <a:pPr marL="0" indent="0">
+              <a:buNone/>
+            </a:pPr>
+            <a:endParaRPr lang="en-US" sz="3200" dirty="0"/>
+          </a:p>
+          <a:p>
             <a:pPr marL="342900" indent="-342900">
               <a:buFont typeface="Arial" panose="020B0604020202020204" pitchFamily="34" charset="0"/>
               <a:buChar char="•"/>
             </a:pPr>
             <a:r>
               <a:rPr lang="en-US" sz="3200" dirty="0"/>
-              <a:t>Focuses us </a:t>
+              <a:t>Focuses </a:t>
             </a:r>
             <a:r>
               <a:rPr lang="en-US" sz="3200" u="sng" dirty="0"/>
-              <a:t>now</a:t>
+              <a:t>now-you</a:t>
             </a:r>
             <a:r>
               <a:rPr lang="en-US" sz="3200" dirty="0"/>

--- a/InFusion2016 - Getting It Done - Jason Wood.pptx
+++ b/InFusion2016 - Getting It Done - Jason Wood.pptx
@@ -912,11 +912,7 @@
             </a:pPr>
             <a:r>
               <a:rPr lang="en-US" baseline="0" dirty="0"/>
-              <a:t>Reinforcing the plan is a problem because it was only as right as the information we had at the time we made it.  It decreases emphasis on learning and adapting to </a:t>
-            </a:r>
-            <a:r>
-              <a:rPr lang="en-US" baseline="0"/>
-              <a:t>new information.</a:t>
+              <a:t>Reinforcing the plan is a problem because it was only as right as the information we had at the time we made it.  It decreases emphasis on learning and adapting to new information.</a:t>
             </a:r>
             <a:endParaRPr lang="en-US" dirty="0"/>
           </a:p>

--- a/InFusion2016 - Getting It Done - Jason Wood.pptx
+++ b/InFusion2016 - Getting It Done - Jason Wood.pptx
@@ -5,7 +5,7 @@
     <p:sldMasterId id="2147483810" r:id="rId1"/>
   </p:sldMasterIdLst>
   <p:notesMasterIdLst>
-    <p:notesMasterId r:id="rId34"/>
+    <p:notesMasterId r:id="rId36"/>
   </p:notesMasterIdLst>
   <p:sldIdLst>
     <p:sldId id="256" r:id="rId2"/>
@@ -21,25 +21,27 @@
     <p:sldId id="264" r:id="rId12"/>
     <p:sldId id="294" r:id="rId13"/>
     <p:sldId id="287" r:id="rId14"/>
-    <p:sldId id="271" r:id="rId15"/>
-    <p:sldId id="289" r:id="rId16"/>
-    <p:sldId id="269" r:id="rId17"/>
-    <p:sldId id="268" r:id="rId18"/>
-    <p:sldId id="286" r:id="rId19"/>
-    <p:sldId id="291" r:id="rId20"/>
-    <p:sldId id="290" r:id="rId21"/>
-    <p:sldId id="270" r:id="rId22"/>
-    <p:sldId id="272" r:id="rId23"/>
-    <p:sldId id="273" r:id="rId24"/>
-    <p:sldId id="274" r:id="rId25"/>
-    <p:sldId id="278" r:id="rId26"/>
-    <p:sldId id="295" r:id="rId27"/>
-    <p:sldId id="279" r:id="rId28"/>
-    <p:sldId id="296" r:id="rId29"/>
-    <p:sldId id="275" r:id="rId30"/>
-    <p:sldId id="281" r:id="rId31"/>
-    <p:sldId id="266" r:id="rId32"/>
-    <p:sldId id="280" r:id="rId33"/>
+    <p:sldId id="297" r:id="rId15"/>
+    <p:sldId id="298" r:id="rId16"/>
+    <p:sldId id="271" r:id="rId17"/>
+    <p:sldId id="289" r:id="rId18"/>
+    <p:sldId id="269" r:id="rId19"/>
+    <p:sldId id="268" r:id="rId20"/>
+    <p:sldId id="286" r:id="rId21"/>
+    <p:sldId id="291" r:id="rId22"/>
+    <p:sldId id="290" r:id="rId23"/>
+    <p:sldId id="270" r:id="rId24"/>
+    <p:sldId id="272" r:id="rId25"/>
+    <p:sldId id="273" r:id="rId26"/>
+    <p:sldId id="274" r:id="rId27"/>
+    <p:sldId id="278" r:id="rId28"/>
+    <p:sldId id="295" r:id="rId29"/>
+    <p:sldId id="279" r:id="rId30"/>
+    <p:sldId id="296" r:id="rId31"/>
+    <p:sldId id="275" r:id="rId32"/>
+    <p:sldId id="281" r:id="rId33"/>
+    <p:sldId id="266" r:id="rId34"/>
+    <p:sldId id="280" r:id="rId35"/>
   </p:sldIdLst>
   <p:sldSz cx="12192000" cy="6858000"/>
   <p:notesSz cx="6858000" cy="9144000"/>
@@ -156,6 +158,8 @@
             <p14:sldId id="264"/>
             <p14:sldId id="294"/>
             <p14:sldId id="287"/>
+            <p14:sldId id="297"/>
+            <p14:sldId id="298"/>
             <p14:sldId id="271"/>
             <p14:sldId id="289"/>
             <p14:sldId id="269"/>
@@ -197,6 +201,9 @@
         </p15:guide>
       </p15:sldGuideLst>
     </p:ext>
+    <p:ext uri="{2D200454-40CA-4A62-9FC3-DE9A4176ACB9}">
+      <p15:notesGuideLst xmlns:p15="http://schemas.microsoft.com/office/powerpoint/2012/main"/>
+    </p:ext>
   </p:extLst>
 </p:presentation>
 </file>
@@ -283,7 +290,7 @@
           <a:p>
             <a:fld id="{8C8CC7AE-852D-4FFE-8405-9F9F6B4441FD}" type="datetimeFigureOut">
               <a:rPr lang="en-US" smtClean="0"/>
-              <a:t>11/1/2016</a:t>
+              <a:t>11/3/2016</a:t>
             </a:fld>
             <a:endParaRPr lang="en-US"/>
           </a:p>
@@ -1037,7 +1044,29 @@
           <a:p>
             <a:r>
               <a:rPr lang="en-US" dirty="0"/>
-              <a:t>Mantra from “Turn the Ship Around”</a:t>
+              <a:t>[Stealing</a:t>
+            </a:r>
+            <a:r>
+              <a:rPr lang="en-US" baseline="0" dirty="0"/>
+              <a:t> liberally from Andrew Annett here…]</a:t>
+            </a:r>
+          </a:p>
+          <a:p>
+            <a:endParaRPr lang="en-US" baseline="0" dirty="0"/>
+          </a:p>
+          <a:p>
+            <a:r>
+              <a:rPr lang="en-US" baseline="0" dirty="0"/>
+              <a:t>While we’re all enthusiastic about operating on principle, process is still important for the complicated, to ensure a higher accuracy and efficiency.</a:t>
+            </a:r>
+          </a:p>
+          <a:p>
+            <a:endParaRPr lang="en-US" baseline="0" dirty="0"/>
+          </a:p>
+          <a:p>
+            <a:r>
+              <a:rPr lang="en-US" baseline="0" dirty="0"/>
+              <a:t>Much of our work is complex (but not all)</a:t>
             </a:r>
           </a:p>
         </p:txBody>
@@ -1059,7 +1088,7 @@
           <a:p>
             <a:fld id="{54165CF5-22A4-4BB9-BE26-FDB96183FE65}" type="slidenum">
               <a:rPr lang="en-US" smtClean="0"/>
-              <a:t>21</a:t>
+              <a:t>13</a:t>
             </a:fld>
             <a:endParaRPr lang="en-US"/>
           </a:p>
@@ -1068,7 +1097,7 @@
     </p:spTree>
     <p:extLst>
       <p:ext uri="{BB962C8B-B14F-4D97-AF65-F5344CB8AC3E}">
-        <p14:creationId xmlns:p14="http://schemas.microsoft.com/office/powerpoint/2010/main" val="2005465395"/>
+        <p14:creationId xmlns:p14="http://schemas.microsoft.com/office/powerpoint/2010/main" val="4011541025"/>
       </p:ext>
     </p:extLst>
   </p:cSld>
@@ -1122,10 +1151,23 @@
           <a:bodyPr/>
           <a:lstStyle/>
           <a:p>
-            <a:r>
-              <a:rPr lang="en-US" dirty="0"/>
-              <a:t>Can categorize to-do list by strategic and tactical</a:t>
-            </a:r>
+            <a:endParaRPr lang="en-US" dirty="0"/>
+          </a:p>
+          <a:p>
+            <a:r>
+              <a:rPr lang="en-US" dirty="0"/>
+              <a:t>By talking about</a:t>
+            </a:r>
+            <a:r>
+              <a:rPr lang="en-US" baseline="0" dirty="0"/>
+              <a:t> the principles that drive your actions, you can more clearly explain the significance of your intent.  Analogous to applying design patterns.</a:t>
+            </a:r>
+          </a:p>
+          <a:p>
+            <a:endParaRPr lang="en-US" baseline="0" dirty="0"/>
+          </a:p>
+          <a:p>
+            <a:endParaRPr lang="en-US" dirty="0"/>
           </a:p>
         </p:txBody>
       </p:sp>
@@ -1146,7 +1188,7 @@
           <a:p>
             <a:fld id="{54165CF5-22A4-4BB9-BE26-FDB96183FE65}" type="slidenum">
               <a:rPr lang="en-US" smtClean="0"/>
-              <a:t>24</a:t>
+              <a:t>14</a:t>
             </a:fld>
             <a:endParaRPr lang="en-US"/>
           </a:p>
@@ -1155,7 +1197,7 @@
     </p:spTree>
     <p:extLst>
       <p:ext uri="{BB962C8B-B14F-4D97-AF65-F5344CB8AC3E}">
-        <p14:creationId xmlns:p14="http://schemas.microsoft.com/office/powerpoint/2010/main" val="1482790445"/>
+        <p14:creationId xmlns:p14="http://schemas.microsoft.com/office/powerpoint/2010/main" val="2533463247"/>
       </p:ext>
     </p:extLst>
   </p:cSld>
@@ -1209,40 +1251,34 @@
           <a:bodyPr/>
           <a:lstStyle/>
           <a:p>
-            <a:r>
-              <a:rPr lang="en-US" dirty="0"/>
-              <a:t>I used to think that networking was about cronyism</a:t>
+            <a:pPr marL="0" marR="0" lvl="0" indent="0" algn="l" defTabSz="914400" rtl="0" eaLnBrk="1" fontAlgn="auto" latinLnBrk="0" hangingPunct="1">
+              <a:lnSpc>
+                <a:spcPct val="100000"/>
+              </a:lnSpc>
+              <a:spcBef>
+                <a:spcPts val="0"/>
+              </a:spcBef>
+              <a:spcAft>
+                <a:spcPts val="0"/>
+              </a:spcAft>
+              <a:buClrTx/>
+              <a:buSzTx/>
+              <a:buFontTx/>
+              <a:buNone/>
+              <a:tabLst/>
+              <a:defRPr/>
+            </a:pPr>
+            <a:r>
+              <a:rPr lang="en-US" dirty="0"/>
+              <a:t>[Audience] What are the principles</a:t>
             </a:r>
             <a:r>
               <a:rPr lang="en-US" baseline="0" dirty="0"/>
-              <a:t>, currying </a:t>
-            </a:r>
-            <a:r>
-              <a:rPr lang="en-US" baseline="0" dirty="0" err="1"/>
-              <a:t>favour</a:t>
-            </a:r>
-            <a:r>
-              <a:rPr lang="en-US" baseline="0" dirty="0"/>
-              <a:t>, and low-depth relationships – I had a very negative view of it.  I felt like I could get by on my individual performance and that that was a higher-integrity way to operate.</a:t>
-            </a:r>
-          </a:p>
-          <a:p>
-            <a:endParaRPr lang="en-US" baseline="0" dirty="0"/>
-          </a:p>
-          <a:p>
-            <a:r>
-              <a:rPr lang="en-US" baseline="0" dirty="0"/>
-              <a:t>I needed a way to think of it in terms of collaboration, more meaningful relationships, and mutual support.  </a:t>
-            </a:r>
-          </a:p>
-          <a:p>
-            <a:endParaRPr lang="en-US" baseline="0" dirty="0"/>
-          </a:p>
-          <a:p>
-            <a:r>
-              <a:rPr lang="en-US" baseline="0" dirty="0"/>
-              <a:t>It helped me to think in terms of what I could give my network, rather than what I wanted from it.</a:t>
-            </a:r>
+              <a:t> that are important to you?</a:t>
+            </a:r>
+            <a:endParaRPr lang="en-US" dirty="0"/>
+          </a:p>
+          <a:p>
             <a:endParaRPr lang="en-US" dirty="0"/>
           </a:p>
         </p:txBody>
@@ -1264,7 +1300,7 @@
           <a:p>
             <a:fld id="{54165CF5-22A4-4BB9-BE26-FDB96183FE65}" type="slidenum">
               <a:rPr lang="en-US" smtClean="0"/>
-              <a:t>25</a:t>
+              <a:t>15</a:t>
             </a:fld>
             <a:endParaRPr lang="en-US"/>
           </a:p>
@@ -1273,7 +1309,7 @@
     </p:spTree>
     <p:extLst>
       <p:ext uri="{BB962C8B-B14F-4D97-AF65-F5344CB8AC3E}">
-        <p14:creationId xmlns:p14="http://schemas.microsoft.com/office/powerpoint/2010/main" val="3401885187"/>
+        <p14:creationId xmlns:p14="http://schemas.microsoft.com/office/powerpoint/2010/main" val="2680472601"/>
       </p:ext>
     </p:extLst>
   </p:cSld>
@@ -1345,65 +1381,8 @@
               <a:defRPr/>
             </a:pPr>
             <a:r>
-              <a:rPr lang="en-US" dirty="0"/>
-              <a:t>We sometimes talk about having a mentor, but Craig helped me appreciate the value of a network of informal mentors – people you can talk over problems in particular areas in a less formal way</a:t>
-            </a:r>
-          </a:p>
-          <a:p>
-            <a:endParaRPr lang="en-US" dirty="0"/>
-          </a:p>
-          <a:p>
-            <a:pPr marL="342900" indent="-342900">
-              <a:buFontTx/>
-              <a:buChar char="-"/>
-            </a:pPr>
-            <a:r>
-              <a:rPr lang="en-US" dirty="0"/>
-              <a:t>&gt;&gt;3</a:t>
-            </a:r>
-            <a:r>
-              <a:rPr lang="en-US" baseline="30000" dirty="0"/>
-              <a:t>rd</a:t>
-            </a:r>
-            <a:r>
-              <a:rPr lang="en-US" dirty="0"/>
-              <a:t> level tribe – we’re awesome, but they’re not.</a:t>
-            </a:r>
-          </a:p>
-          <a:p>
-            <a:pPr marL="342900" indent="-342900">
-              <a:buFontTx/>
-              <a:buChar char="-"/>
-            </a:pPr>
-            <a:r>
-              <a:rPr lang="en-US" dirty="0"/>
-              <a:t>&gt;&gt;4</a:t>
-            </a:r>
-            <a:r>
-              <a:rPr lang="en-US" baseline="30000" dirty="0"/>
-              <a:t>th</a:t>
-            </a:r>
-            <a:r>
-              <a:rPr lang="en-US" dirty="0"/>
-              <a:t> level tribe – we’re all awesome</a:t>
-            </a:r>
-          </a:p>
-          <a:p>
-            <a:pPr marL="342900" indent="-342900">
-              <a:buFontTx/>
-              <a:buChar char="-"/>
-            </a:pPr>
-            <a:r>
-              <a:rPr lang="en-US" dirty="0"/>
-              <a:t>&gt;&gt;5</a:t>
-            </a:r>
-            <a:r>
-              <a:rPr lang="en-US" baseline="30000" dirty="0"/>
-              <a:t>th</a:t>
-            </a:r>
-            <a:r>
-              <a:rPr lang="en-US" dirty="0"/>
-              <a:t> level tribe – hey my two friends who don’t know each other, you’d probably be awesome together – why not connect?</a:t>
+              <a:rPr lang="en-US" sz="1200" dirty="0"/>
+              <a:t>As we learn, we reduce risk – so learn about the scariest things first.</a:t>
             </a:r>
           </a:p>
           <a:p>
@@ -1428,7 +1407,7 @@
           <a:p>
             <a:fld id="{54165CF5-22A4-4BB9-BE26-FDB96183FE65}" type="slidenum">
               <a:rPr lang="en-US" smtClean="0"/>
-              <a:t>26</a:t>
+              <a:t>16</a:t>
             </a:fld>
             <a:endParaRPr lang="en-US"/>
           </a:p>
@@ -1437,7 +1416,7 @@
     </p:spTree>
     <p:extLst>
       <p:ext uri="{BB962C8B-B14F-4D97-AF65-F5344CB8AC3E}">
-        <p14:creationId xmlns:p14="http://schemas.microsoft.com/office/powerpoint/2010/main" val="55888354"/>
+        <p14:creationId xmlns:p14="http://schemas.microsoft.com/office/powerpoint/2010/main" val="3244688203"/>
       </p:ext>
     </p:extLst>
   </p:cSld>
@@ -1491,19 +1470,56 @@
           <a:bodyPr/>
           <a:lstStyle/>
           <a:p>
-            <a:r>
-              <a:rPr lang="en-US" dirty="0"/>
-              <a:t>Imagine if the people we spend the most time with every day shared their perspective and advice about how we each could improve?  And imagine if they did this in small, low stress, frequent chunks that helps us course-correct or get stronger continuously.  We could grow faster, and we could make more of a difference in the lives of people around us.</a:t>
-            </a:r>
-          </a:p>
-          <a:p>
-            <a:endParaRPr lang="en-US" dirty="0"/>
-          </a:p>
-          <a:p>
-            <a:r>
-              <a:rPr lang="en-US" dirty="0"/>
-              <a:t>Scary right?</a:t>
-            </a:r>
+            <a:pPr marL="0" marR="0" lvl="0" indent="0" algn="l" defTabSz="914400" rtl="0" eaLnBrk="1" fontAlgn="auto" latinLnBrk="0" hangingPunct="1">
+              <a:lnSpc>
+                <a:spcPct val="100000"/>
+              </a:lnSpc>
+              <a:spcBef>
+                <a:spcPts val="0"/>
+              </a:spcBef>
+              <a:spcAft>
+                <a:spcPts val="0"/>
+              </a:spcAft>
+              <a:buClrTx/>
+              <a:buSzTx/>
+              <a:buFontTx/>
+              <a:buNone/>
+              <a:tabLst/>
+              <a:defRPr/>
+            </a:pPr>
+            <a:r>
+              <a:rPr lang="en-US" dirty="0"/>
+              <a:t>So – if doing things with 50/50 odds of being successful maximize our learning, and we value learning, isn’t that an investment we’d choose, especially early in a project when being off course can be a massive problem for the success of the overall project?</a:t>
+            </a:r>
+          </a:p>
+          <a:p>
+            <a:endParaRPr lang="en-US" dirty="0"/>
+          </a:p>
+          <a:p>
+            <a:pPr marL="0" marR="0" lvl="0" indent="0" algn="l" defTabSz="914400" rtl="0" eaLnBrk="1" fontAlgn="auto" latinLnBrk="0" hangingPunct="1">
+              <a:lnSpc>
+                <a:spcPct val="100000"/>
+              </a:lnSpc>
+              <a:spcBef>
+                <a:spcPts val="0"/>
+              </a:spcBef>
+              <a:spcAft>
+                <a:spcPts val="0"/>
+              </a:spcAft>
+              <a:buClrTx/>
+              <a:buSzTx/>
+              <a:buFontTx/>
+              <a:buNone/>
+              <a:tabLst/>
+              <a:defRPr/>
+            </a:pPr>
+            <a:r>
+              <a:rPr lang="en-US" dirty="0"/>
+              <a:t>[Audience Discussion] How do we truly show that we value the most efficient learning-through-doing opportunity we have?  (How do we value failure?)</a:t>
+            </a:r>
+          </a:p>
+          <a:p>
+            <a:endParaRPr lang="en-US" dirty="0"/>
           </a:p>
         </p:txBody>
       </p:sp>
@@ -1524,7 +1540,7 @@
           <a:p>
             <a:fld id="{54165CF5-22A4-4BB9-BE26-FDB96183FE65}" type="slidenum">
               <a:rPr lang="en-US" smtClean="0"/>
-              <a:t>27</a:t>
+              <a:t>17</a:t>
             </a:fld>
             <a:endParaRPr lang="en-US"/>
           </a:p>
@@ -1533,7 +1549,7 @@
     </p:spTree>
     <p:extLst>
       <p:ext uri="{BB962C8B-B14F-4D97-AF65-F5344CB8AC3E}">
-        <p14:creationId xmlns:p14="http://schemas.microsoft.com/office/powerpoint/2010/main" val="2351349877"/>
+        <p14:creationId xmlns:p14="http://schemas.microsoft.com/office/powerpoint/2010/main" val="4078927785"/>
       </p:ext>
     </p:extLst>
   </p:cSld>
@@ -1588,15 +1604,39 @@
           <a:lstStyle/>
           <a:p>
             <a:r>
-              <a:rPr lang="en-US" dirty="0"/>
-              <a:t>: “It was really cool that you spoke up back there – I think that helped get us on track…”</a:t>
-            </a:r>
-          </a:p>
-          <a:p>
-            <a:endParaRPr lang="en-US" dirty="0"/>
-          </a:p>
-          <a:p>
-            <a:pPr marL="0" marR="0" lvl="0" indent="0" algn="l" defTabSz="914400" rtl="0" eaLnBrk="1" fontAlgn="auto" latinLnBrk="0" hangingPunct="1">
+              <a:rPr lang="en-US" sz="1600" b="1" dirty="0">
+                <a:solidFill>
+                  <a:srgbClr val="FF0000"/>
+                </a:solidFill>
+              </a:rPr>
+              <a:t>[Audience]</a:t>
+            </a:r>
+            <a:r>
+              <a:rPr lang="en-US" sz="1600" baseline="0" dirty="0"/>
+              <a:t> How many people would say that meetings are places where we get work done?  Why not?  What’s wrong with the meetings you’re in?</a:t>
+            </a:r>
+          </a:p>
+          <a:p>
+            <a:endParaRPr lang="en-US" sz="1600" baseline="0" dirty="0"/>
+          </a:p>
+          <a:p>
+            <a:r>
+              <a:rPr lang="en-US" sz="1600" baseline="0" dirty="0"/>
+              <a:t>Let me review some basics.</a:t>
+            </a:r>
+          </a:p>
+          <a:p>
+            <a:pPr marL="285750" indent="-285750">
+              <a:buFontTx/>
+              <a:buChar char="-"/>
+            </a:pPr>
+            <a:r>
+              <a:rPr lang="en-US" sz="1600" baseline="0" dirty="0"/>
+              <a:t>Why are you meeting?  Often this is “What do you want to be unstuck afterward?”</a:t>
+            </a:r>
+          </a:p>
+          <a:p>
+            <a:pPr marL="285750" marR="0" lvl="0" indent="-285750" algn="l" defTabSz="914400" rtl="0" eaLnBrk="1" fontAlgn="auto" latinLnBrk="0" hangingPunct="1">
               <a:lnSpc>
                 <a:spcPct val="100000"/>
               </a:lnSpc>
@@ -1609,17 +1649,67 @@
               <a:buClrTx/>
               <a:buSzTx/>
               <a:buFontTx/>
-              <a:buNone/>
+              <a:buChar char="-"/>
               <a:tabLst/>
               <a:defRPr/>
             </a:pPr>
             <a:r>
-              <a:rPr lang="en-US" dirty="0"/>
-              <a:t>Make it easy for people to share strengthening feedback with you – and try not to just fish for the good – make it easy for people to share ideas about how you can get stronger.</a:t>
-            </a:r>
-          </a:p>
-          <a:p>
-            <a:endParaRPr lang="en-US" dirty="0"/>
+              <a:rPr lang="en-US" sz="1600" dirty="0"/>
+              <a:t>Divide complex conversations into: “Problem appreciation” and, later, “Solution / Plan discussion”</a:t>
+            </a:r>
+          </a:p>
+          <a:p>
+            <a:pPr marL="285750" indent="-285750">
+              <a:buFontTx/>
+              <a:buChar char="-"/>
+            </a:pPr>
+            <a:r>
+              <a:rPr lang="en-US" sz="1600" dirty="0"/>
+              <a:t>Cut down on the attendee list by inviting some people as optional,</a:t>
+            </a:r>
+            <a:r>
+              <a:rPr lang="en-US" sz="1600" baseline="0" dirty="0"/>
+              <a:t> and some as mandatory.  Still let’s people know the conversation is happening.</a:t>
+            </a:r>
+          </a:p>
+          <a:p>
+            <a:pPr marL="285750" indent="-285750">
+              <a:buFontTx/>
+              <a:buChar char="-"/>
+            </a:pPr>
+            <a:r>
+              <a:rPr lang="en-US" sz="1600" dirty="0"/>
+              <a:t>Can</a:t>
+            </a:r>
+            <a:r>
+              <a:rPr lang="en-US" sz="1600" baseline="0" dirty="0"/>
+              <a:t> you get the conversation done in less time than that?</a:t>
+            </a:r>
+          </a:p>
+          <a:p>
+            <a:pPr marL="285750" indent="-285750">
+              <a:buFontTx/>
+              <a:buChar char="-"/>
+            </a:pPr>
+            <a:endParaRPr lang="en-US" sz="1600" baseline="0" dirty="0"/>
+          </a:p>
+          <a:p>
+            <a:pPr marL="285750" indent="-285750">
+              <a:buFontTx/>
+              <a:buChar char="-"/>
+            </a:pPr>
+            <a:endParaRPr lang="en-US" sz="1600" baseline="0" dirty="0"/>
+          </a:p>
+          <a:p>
+            <a:pPr marL="0" indent="0">
+              <a:buFontTx/>
+              <a:buNone/>
+            </a:pPr>
+            <a:r>
+              <a:rPr lang="en-US" sz="1600" baseline="0" dirty="0"/>
+              <a:t>Google’s study of high performing teams identified high performances to be correlated with psychological safety.</a:t>
+            </a:r>
+            <a:endParaRPr lang="en-US" sz="1600" dirty="0"/>
           </a:p>
         </p:txBody>
       </p:sp>
@@ -1640,7 +1730,7 @@
           <a:p>
             <a:fld id="{54165CF5-22A4-4BB9-BE26-FDB96183FE65}" type="slidenum">
               <a:rPr lang="en-US" smtClean="0"/>
-              <a:t>28</a:t>
+              <a:t>18</a:t>
             </a:fld>
             <a:endParaRPr lang="en-US"/>
           </a:p>
@@ -1649,7 +1739,7 @@
     </p:spTree>
     <p:extLst>
       <p:ext uri="{BB962C8B-B14F-4D97-AF65-F5344CB8AC3E}">
-        <p14:creationId xmlns:p14="http://schemas.microsoft.com/office/powerpoint/2010/main" val="2178038515"/>
+        <p14:creationId xmlns:p14="http://schemas.microsoft.com/office/powerpoint/2010/main" val="109021638"/>
       </p:ext>
     </p:extLst>
   </p:cSld>
@@ -1703,6 +1793,28 @@
           <a:bodyPr/>
           <a:lstStyle/>
           <a:p>
+            <a:r>
+              <a:rPr lang="en-US" dirty="0"/>
+              <a:t>It’s a warning sign if we’re not shipping work in progress on every train,</a:t>
+            </a:r>
+            <a:r>
+              <a:rPr lang="en-US" baseline="0" dirty="0"/>
+              <a:t> or if the whole thing is flagged off</a:t>
+            </a:r>
+          </a:p>
+          <a:p>
+            <a:endParaRPr lang="en-US" baseline="0" dirty="0"/>
+          </a:p>
+          <a:p>
+            <a:r>
+              <a:rPr lang="en-US" baseline="0" dirty="0"/>
+              <a:t>Carl Pacey talks about how to make small merges.</a:t>
+            </a:r>
+          </a:p>
+          <a:p>
+            <a:endParaRPr lang="en-US" baseline="0" dirty="0"/>
+          </a:p>
+          <a:p>
             <a:pPr marL="0" marR="0" lvl="0" indent="0" algn="l" defTabSz="914400" rtl="0" eaLnBrk="1" fontAlgn="auto" latinLnBrk="0" hangingPunct="1">
               <a:lnSpc>
                 <a:spcPct val="100000"/>
@@ -1721,14 +1833,94 @@
               <a:defRPr/>
             </a:pPr>
             <a:r>
-              <a:rPr lang="en-US" dirty="0"/>
-              <a:t>Sometimes, the most important thing you can be doing isn’t something someone asks of you, or something that’s on an obvious</a:t>
-            </a:r>
-            <a:r>
-              <a:rPr lang="en-US" baseline="0" dirty="0"/>
-              <a:t> menu.  It means identifying a problem, and solving it.</a:t>
-            </a:r>
-          </a:p>
+              <a:rPr lang="en-US" sz="1200" dirty="0"/>
+              <a:t>Be really careful not to slice too thin – easy to say you’ll “add on A11y” later…</a:t>
+            </a:r>
+          </a:p>
+          <a:p>
+            <a:endParaRPr lang="en-US" dirty="0"/>
+          </a:p>
+        </p:txBody>
+      </p:sp>
+      <p:sp>
+        <p:nvSpPr>
+          <p:cNvPr id="4" name="Slide Number Placeholder 3"/>
+          <p:cNvSpPr>
+            <a:spLocks noGrp="1"/>
+          </p:cNvSpPr>
+          <p:nvPr>
+            <p:ph type="sldNum" sz="quarter" idx="10"/>
+          </p:nvPr>
+        </p:nvSpPr>
+        <p:spPr/>
+        <p:txBody>
+          <a:bodyPr/>
+          <a:lstStyle/>
+          <a:p>
+            <a:fld id="{54165CF5-22A4-4BB9-BE26-FDB96183FE65}" type="slidenum">
+              <a:rPr lang="en-US" smtClean="0"/>
+              <a:t>19</a:t>
+            </a:fld>
+            <a:endParaRPr lang="en-US"/>
+          </a:p>
+        </p:txBody>
+      </p:sp>
+    </p:spTree>
+    <p:extLst>
+      <p:ext uri="{BB962C8B-B14F-4D97-AF65-F5344CB8AC3E}">
+        <p14:creationId xmlns:p14="http://schemas.microsoft.com/office/powerpoint/2010/main" val="4060006014"/>
+      </p:ext>
+    </p:extLst>
+  </p:cSld>
+  <p:clrMapOvr>
+    <a:masterClrMapping/>
+  </p:clrMapOvr>
+</p:notes>
+</file>
+
+<file path=ppt/notesSlides/notesSlide18.xml><?xml version="1.0" encoding="utf-8"?>
+<p:notes xmlns:a="http://schemas.openxmlformats.org/drawingml/2006/main" xmlns:r="http://schemas.openxmlformats.org/officeDocument/2006/relationships" xmlns:p="http://schemas.openxmlformats.org/presentationml/2006/main">
+  <p:cSld>
+    <p:spTree>
+      <p:nvGrpSpPr>
+        <p:cNvPr id="1" name=""/>
+        <p:cNvGrpSpPr/>
+        <p:nvPr/>
+      </p:nvGrpSpPr>
+      <p:grpSpPr>
+        <a:xfrm>
+          <a:off x="0" y="0"/>
+          <a:ext cx="0" cy="0"/>
+          <a:chOff x="0" y="0"/>
+          <a:chExt cx="0" cy="0"/>
+        </a:xfrm>
+      </p:grpSpPr>
+      <p:sp>
+        <p:nvSpPr>
+          <p:cNvPr id="2" name="Slide Image Placeholder 1"/>
+          <p:cNvSpPr>
+            <a:spLocks noGrp="1" noRot="1" noChangeAspect="1"/>
+          </p:cNvSpPr>
+          <p:nvPr>
+            <p:ph type="sldImg"/>
+          </p:nvPr>
+        </p:nvSpPr>
+        <p:spPr/>
+      </p:sp>
+      <p:sp>
+        <p:nvSpPr>
+          <p:cNvPr id="3" name="Notes Placeholder 2"/>
+          <p:cNvSpPr>
+            <a:spLocks noGrp="1"/>
+          </p:cNvSpPr>
+          <p:nvPr>
+            <p:ph type="body" idx="1"/>
+          </p:nvPr>
+        </p:nvSpPr>
+        <p:spPr/>
+        <p:txBody>
+          <a:bodyPr/>
+          <a:lstStyle/>
           <a:p>
             <a:pPr marL="0" marR="0" lvl="0" indent="0" algn="l" defTabSz="914400" rtl="0" eaLnBrk="1" fontAlgn="auto" latinLnBrk="0" hangingPunct="1">
               <a:lnSpc>
@@ -1747,108 +1939,23 @@
               <a:tabLst/>
               <a:defRPr/>
             </a:pPr>
-            <a:endParaRPr lang="en-US" baseline="0" dirty="0"/>
-          </a:p>
-          <a:p>
-            <a:pPr marL="0" marR="0" lvl="0" indent="0" algn="l" defTabSz="914400" rtl="0" eaLnBrk="1" fontAlgn="auto" latinLnBrk="0" hangingPunct="1">
-              <a:lnSpc>
-                <a:spcPct val="100000"/>
-              </a:lnSpc>
-              <a:spcBef>
-                <a:spcPts val="0"/>
-              </a:spcBef>
-              <a:spcAft>
-                <a:spcPts val="0"/>
-              </a:spcAft>
-              <a:buClrTx/>
-              <a:buSzTx/>
-              <a:buFontTx/>
-              <a:buNone/>
-              <a:tabLst/>
-              <a:defRPr/>
-            </a:pPr>
-            <a:r>
-              <a:rPr lang="en-US" baseline="0" dirty="0"/>
-              <a:t>This can seem scary, but with a normal engineering approach, it doesn’t have to be.</a:t>
-            </a:r>
-            <a:endParaRPr lang="en-US" dirty="0"/>
-          </a:p>
-          <a:p>
-            <a:pPr marL="0" marR="0" lvl="0" indent="0" algn="l" defTabSz="914400" rtl="0" eaLnBrk="1" fontAlgn="auto" latinLnBrk="0" hangingPunct="1">
-              <a:lnSpc>
-                <a:spcPct val="100000"/>
-              </a:lnSpc>
-              <a:spcBef>
-                <a:spcPts val="0"/>
-              </a:spcBef>
-              <a:spcAft>
-                <a:spcPts val="0"/>
-              </a:spcAft>
-              <a:buClrTx/>
-              <a:buSzTx/>
-              <a:buFontTx/>
-              <a:buNone/>
-              <a:tabLst/>
-              <a:defRPr/>
-            </a:pPr>
-            <a:endParaRPr lang="en-US" dirty="0"/>
-          </a:p>
-          <a:p>
-            <a:pPr marL="0" marR="0" lvl="0" indent="0" algn="l" defTabSz="914400" rtl="0" eaLnBrk="1" fontAlgn="auto" latinLnBrk="0" hangingPunct="1">
-              <a:lnSpc>
-                <a:spcPct val="100000"/>
-              </a:lnSpc>
-              <a:spcBef>
-                <a:spcPts val="0"/>
-              </a:spcBef>
-              <a:spcAft>
-                <a:spcPts val="0"/>
-              </a:spcAft>
-              <a:buClrTx/>
-              <a:buSzTx/>
-              <a:buFontTx/>
-              <a:buNone/>
-              <a:tabLst/>
-              <a:defRPr/>
-            </a:pPr>
-            <a:r>
-              <a:rPr lang="en-US" dirty="0"/>
-              <a:t>Pick a thing that should be better.  Helps if it’s something that bothers you – something you have a personal stake in.  Ask what would be necessary to tackle it.  Just say you’ll make a plan – if you find yourself interested, you’ll be more likely to make good progress</a:t>
-            </a:r>
-          </a:p>
-          <a:p>
-            <a:endParaRPr lang="en-US" dirty="0"/>
-          </a:p>
-          <a:p>
-            <a:pPr marL="0" indent="0">
-              <a:buFontTx/>
-              <a:buNone/>
-            </a:pPr>
-            <a:r>
-              <a:rPr lang="en-US" dirty="0"/>
-              <a:t>Pretend you were</a:t>
-            </a:r>
-            <a:r>
-              <a:rPr lang="en-US" baseline="0" dirty="0"/>
-              <a:t> put in charge of solving the problem.  What would you do?  Small change is just fine.</a:t>
-            </a:r>
-          </a:p>
-          <a:p>
-            <a:pPr marL="171450" indent="-171450">
-              <a:buFontTx/>
-              <a:buChar char="-"/>
-            </a:pPr>
-            <a:endParaRPr lang="en-US" dirty="0"/>
-          </a:p>
-          <a:p>
-            <a:pPr marL="0" indent="0">
-              <a:buFontTx/>
-              <a:buNone/>
-            </a:pPr>
-            <a:r>
-              <a:rPr lang="en-US" dirty="0"/>
-              <a:t>Bias toward action over talk.</a:t>
-            </a:r>
+            <a:r>
+              <a:rPr lang="en-US" dirty="0"/>
+              <a:t>What do you do when a car in front of you on the 401 swerves or slams on brakes?  If you’re 20m away?  200m?</a:t>
+            </a:r>
+          </a:p>
+          <a:p>
+            <a:endParaRPr lang="en-US" dirty="0"/>
+          </a:p>
+          <a:p>
+            <a:endParaRPr lang="en-US" dirty="0"/>
+          </a:p>
+          <a:p>
+            <a:r>
+              <a:rPr lang="en-US" sz="1200" dirty="0"/>
+              <a:t>Sprints for very short periods to complete a clearly understood goal can be okay, but if they’re sustained or frequent, we’re not making the right long term choices. </a:t>
+            </a:r>
+            <a:endParaRPr lang="en-US" dirty="0"/>
           </a:p>
         </p:txBody>
       </p:sp>
@@ -1869,7 +1976,7 @@
           <a:p>
             <a:fld id="{54165CF5-22A4-4BB9-BE26-FDB96183FE65}" type="slidenum">
               <a:rPr lang="en-US" smtClean="0"/>
-              <a:t>29</a:t>
+              <a:t>20</a:t>
             </a:fld>
             <a:endParaRPr lang="en-US"/>
           </a:p>
@@ -1878,7 +1985,94 @@
     </p:spTree>
     <p:extLst>
       <p:ext uri="{BB962C8B-B14F-4D97-AF65-F5344CB8AC3E}">
-        <p14:creationId xmlns:p14="http://schemas.microsoft.com/office/powerpoint/2010/main" val="325442715"/>
+        <p14:creationId xmlns:p14="http://schemas.microsoft.com/office/powerpoint/2010/main" val="3479935259"/>
+      </p:ext>
+    </p:extLst>
+  </p:cSld>
+  <p:clrMapOvr>
+    <a:masterClrMapping/>
+  </p:clrMapOvr>
+</p:notes>
+</file>
+
+<file path=ppt/notesSlides/notesSlide19.xml><?xml version="1.0" encoding="utf-8"?>
+<p:notes xmlns:a="http://schemas.openxmlformats.org/drawingml/2006/main" xmlns:r="http://schemas.openxmlformats.org/officeDocument/2006/relationships" xmlns:p="http://schemas.openxmlformats.org/presentationml/2006/main">
+  <p:cSld>
+    <p:spTree>
+      <p:nvGrpSpPr>
+        <p:cNvPr id="1" name=""/>
+        <p:cNvGrpSpPr/>
+        <p:nvPr/>
+      </p:nvGrpSpPr>
+      <p:grpSpPr>
+        <a:xfrm>
+          <a:off x="0" y="0"/>
+          <a:ext cx="0" cy="0"/>
+          <a:chOff x="0" y="0"/>
+          <a:chExt cx="0" cy="0"/>
+        </a:xfrm>
+      </p:grpSpPr>
+      <p:sp>
+        <p:nvSpPr>
+          <p:cNvPr id="2" name="Slide Image Placeholder 1"/>
+          <p:cNvSpPr>
+            <a:spLocks noGrp="1" noRot="1" noChangeAspect="1"/>
+          </p:cNvSpPr>
+          <p:nvPr>
+            <p:ph type="sldImg"/>
+          </p:nvPr>
+        </p:nvSpPr>
+        <p:spPr/>
+      </p:sp>
+      <p:sp>
+        <p:nvSpPr>
+          <p:cNvPr id="3" name="Notes Placeholder 2"/>
+          <p:cNvSpPr>
+            <a:spLocks noGrp="1"/>
+          </p:cNvSpPr>
+          <p:nvPr>
+            <p:ph type="body" idx="1"/>
+          </p:nvPr>
+        </p:nvSpPr>
+        <p:spPr/>
+        <p:txBody>
+          <a:bodyPr/>
+          <a:lstStyle/>
+          <a:p>
+            <a:r>
+              <a:rPr lang="en-US" dirty="0"/>
+              <a:t>It’s tempting to build forever.  We want to get to done, but can never finish the whole list.  How do we decide what to do and what not to?</a:t>
+            </a:r>
+          </a:p>
+        </p:txBody>
+      </p:sp>
+      <p:sp>
+        <p:nvSpPr>
+          <p:cNvPr id="4" name="Slide Number Placeholder 3"/>
+          <p:cNvSpPr>
+            <a:spLocks noGrp="1"/>
+          </p:cNvSpPr>
+          <p:nvPr>
+            <p:ph type="sldNum" sz="quarter" idx="10"/>
+          </p:nvPr>
+        </p:nvSpPr>
+        <p:spPr/>
+        <p:txBody>
+          <a:bodyPr/>
+          <a:lstStyle/>
+          <a:p>
+            <a:fld id="{54165CF5-22A4-4BB9-BE26-FDB96183FE65}" type="slidenum">
+              <a:rPr lang="en-US" smtClean="0"/>
+              <a:t>22</a:t>
+            </a:fld>
+            <a:endParaRPr lang="en-US"/>
+          </a:p>
+        </p:txBody>
+      </p:sp>
+    </p:spTree>
+    <p:extLst>
+      <p:ext uri="{BB962C8B-B14F-4D97-AF65-F5344CB8AC3E}">
+        <p14:creationId xmlns:p14="http://schemas.microsoft.com/office/powerpoint/2010/main" val="1954334986"/>
       </p:ext>
     </p:extLst>
   </p:cSld>
@@ -1963,6 +2157,987 @@
     <p:extLst>
       <p:ext uri="{BB962C8B-B14F-4D97-AF65-F5344CB8AC3E}">
         <p14:creationId xmlns:p14="http://schemas.microsoft.com/office/powerpoint/2010/main" val="3818035510"/>
+      </p:ext>
+    </p:extLst>
+  </p:cSld>
+  <p:clrMapOvr>
+    <a:masterClrMapping/>
+  </p:clrMapOvr>
+</p:notes>
+</file>
+
+<file path=ppt/notesSlides/notesSlide20.xml><?xml version="1.0" encoding="utf-8"?>
+<p:notes xmlns:a="http://schemas.openxmlformats.org/drawingml/2006/main" xmlns:r="http://schemas.openxmlformats.org/officeDocument/2006/relationships" xmlns:p="http://schemas.openxmlformats.org/presentationml/2006/main">
+  <p:cSld>
+    <p:spTree>
+      <p:nvGrpSpPr>
+        <p:cNvPr id="1" name=""/>
+        <p:cNvGrpSpPr/>
+        <p:nvPr/>
+      </p:nvGrpSpPr>
+      <p:grpSpPr>
+        <a:xfrm>
+          <a:off x="0" y="0"/>
+          <a:ext cx="0" cy="0"/>
+          <a:chOff x="0" y="0"/>
+          <a:chExt cx="0" cy="0"/>
+        </a:xfrm>
+      </p:grpSpPr>
+      <p:sp>
+        <p:nvSpPr>
+          <p:cNvPr id="2" name="Slide Image Placeholder 1"/>
+          <p:cNvSpPr>
+            <a:spLocks noGrp="1" noRot="1" noChangeAspect="1"/>
+          </p:cNvSpPr>
+          <p:nvPr>
+            <p:ph type="sldImg"/>
+          </p:nvPr>
+        </p:nvSpPr>
+        <p:spPr/>
+      </p:sp>
+      <p:sp>
+        <p:nvSpPr>
+          <p:cNvPr id="3" name="Notes Placeholder 2"/>
+          <p:cNvSpPr>
+            <a:spLocks noGrp="1"/>
+          </p:cNvSpPr>
+          <p:nvPr>
+            <p:ph type="body" idx="1"/>
+          </p:nvPr>
+        </p:nvSpPr>
+        <p:spPr/>
+        <p:txBody>
+          <a:bodyPr/>
+          <a:lstStyle/>
+          <a:p>
+            <a:r>
+              <a:rPr lang="en-US" dirty="0"/>
+              <a:t>Mantra from “Turn the Ship Around”</a:t>
+            </a:r>
+          </a:p>
+        </p:txBody>
+      </p:sp>
+      <p:sp>
+        <p:nvSpPr>
+          <p:cNvPr id="4" name="Slide Number Placeholder 3"/>
+          <p:cNvSpPr>
+            <a:spLocks noGrp="1"/>
+          </p:cNvSpPr>
+          <p:nvPr>
+            <p:ph type="sldNum" sz="quarter" idx="10"/>
+          </p:nvPr>
+        </p:nvSpPr>
+        <p:spPr/>
+        <p:txBody>
+          <a:bodyPr/>
+          <a:lstStyle/>
+          <a:p>
+            <a:fld id="{54165CF5-22A4-4BB9-BE26-FDB96183FE65}" type="slidenum">
+              <a:rPr lang="en-US" smtClean="0"/>
+              <a:t>23</a:t>
+            </a:fld>
+            <a:endParaRPr lang="en-US"/>
+          </a:p>
+        </p:txBody>
+      </p:sp>
+    </p:spTree>
+    <p:extLst>
+      <p:ext uri="{BB962C8B-B14F-4D97-AF65-F5344CB8AC3E}">
+        <p14:creationId xmlns:p14="http://schemas.microsoft.com/office/powerpoint/2010/main" val="2005465395"/>
+      </p:ext>
+    </p:extLst>
+  </p:cSld>
+  <p:clrMapOvr>
+    <a:masterClrMapping/>
+  </p:clrMapOvr>
+</p:notes>
+</file>
+
+<file path=ppt/notesSlides/notesSlide21.xml><?xml version="1.0" encoding="utf-8"?>
+<p:notes xmlns:a="http://schemas.openxmlformats.org/drawingml/2006/main" xmlns:r="http://schemas.openxmlformats.org/officeDocument/2006/relationships" xmlns:p="http://schemas.openxmlformats.org/presentationml/2006/main">
+  <p:cSld>
+    <p:spTree>
+      <p:nvGrpSpPr>
+        <p:cNvPr id="1" name=""/>
+        <p:cNvGrpSpPr/>
+        <p:nvPr/>
+      </p:nvGrpSpPr>
+      <p:grpSpPr>
+        <a:xfrm>
+          <a:off x="0" y="0"/>
+          <a:ext cx="0" cy="0"/>
+          <a:chOff x="0" y="0"/>
+          <a:chExt cx="0" cy="0"/>
+        </a:xfrm>
+      </p:grpSpPr>
+      <p:sp>
+        <p:nvSpPr>
+          <p:cNvPr id="2" name="Slide Image Placeholder 1"/>
+          <p:cNvSpPr>
+            <a:spLocks noGrp="1" noRot="1" noChangeAspect="1"/>
+          </p:cNvSpPr>
+          <p:nvPr>
+            <p:ph type="sldImg"/>
+          </p:nvPr>
+        </p:nvSpPr>
+        <p:spPr/>
+      </p:sp>
+      <p:sp>
+        <p:nvSpPr>
+          <p:cNvPr id="3" name="Notes Placeholder 2"/>
+          <p:cNvSpPr>
+            <a:spLocks noGrp="1"/>
+          </p:cNvSpPr>
+          <p:nvPr>
+            <p:ph type="body" idx="1"/>
+          </p:nvPr>
+        </p:nvSpPr>
+        <p:spPr/>
+        <p:txBody>
+          <a:bodyPr/>
+          <a:lstStyle/>
+          <a:p>
+            <a:endParaRPr lang="en-US"/>
+          </a:p>
+        </p:txBody>
+      </p:sp>
+      <p:sp>
+        <p:nvSpPr>
+          <p:cNvPr id="4" name="Slide Number Placeholder 3"/>
+          <p:cNvSpPr>
+            <a:spLocks noGrp="1"/>
+          </p:cNvSpPr>
+          <p:nvPr>
+            <p:ph type="sldNum" sz="quarter" idx="10"/>
+          </p:nvPr>
+        </p:nvSpPr>
+        <p:spPr/>
+        <p:txBody>
+          <a:bodyPr/>
+          <a:lstStyle/>
+          <a:p>
+            <a:fld id="{54165CF5-22A4-4BB9-BE26-FDB96183FE65}" type="slidenum">
+              <a:rPr lang="en-US" smtClean="0"/>
+              <a:t>25</a:t>
+            </a:fld>
+            <a:endParaRPr lang="en-US"/>
+          </a:p>
+        </p:txBody>
+      </p:sp>
+    </p:spTree>
+    <p:extLst>
+      <p:ext uri="{BB962C8B-B14F-4D97-AF65-F5344CB8AC3E}">
+        <p14:creationId xmlns:p14="http://schemas.microsoft.com/office/powerpoint/2010/main" val="381673875"/>
+      </p:ext>
+    </p:extLst>
+  </p:cSld>
+  <p:clrMapOvr>
+    <a:masterClrMapping/>
+  </p:clrMapOvr>
+</p:notes>
+</file>
+
+<file path=ppt/notesSlides/notesSlide22.xml><?xml version="1.0" encoding="utf-8"?>
+<p:notes xmlns:a="http://schemas.openxmlformats.org/drawingml/2006/main" xmlns:r="http://schemas.openxmlformats.org/officeDocument/2006/relationships" xmlns:p="http://schemas.openxmlformats.org/presentationml/2006/main">
+  <p:cSld>
+    <p:spTree>
+      <p:nvGrpSpPr>
+        <p:cNvPr id="1" name=""/>
+        <p:cNvGrpSpPr/>
+        <p:nvPr/>
+      </p:nvGrpSpPr>
+      <p:grpSpPr>
+        <a:xfrm>
+          <a:off x="0" y="0"/>
+          <a:ext cx="0" cy="0"/>
+          <a:chOff x="0" y="0"/>
+          <a:chExt cx="0" cy="0"/>
+        </a:xfrm>
+      </p:grpSpPr>
+      <p:sp>
+        <p:nvSpPr>
+          <p:cNvPr id="2" name="Slide Image Placeholder 1"/>
+          <p:cNvSpPr>
+            <a:spLocks noGrp="1" noRot="1" noChangeAspect="1"/>
+          </p:cNvSpPr>
+          <p:nvPr>
+            <p:ph type="sldImg"/>
+          </p:nvPr>
+        </p:nvSpPr>
+        <p:spPr/>
+      </p:sp>
+      <p:sp>
+        <p:nvSpPr>
+          <p:cNvPr id="3" name="Notes Placeholder 2"/>
+          <p:cNvSpPr>
+            <a:spLocks noGrp="1"/>
+          </p:cNvSpPr>
+          <p:nvPr>
+            <p:ph type="body" idx="1"/>
+          </p:nvPr>
+        </p:nvSpPr>
+        <p:spPr/>
+        <p:txBody>
+          <a:bodyPr/>
+          <a:lstStyle/>
+          <a:p>
+            <a:r>
+              <a:rPr lang="en-US" dirty="0"/>
+              <a:t>Can categorize to-do list by strategic and tactical</a:t>
+            </a:r>
+          </a:p>
+        </p:txBody>
+      </p:sp>
+      <p:sp>
+        <p:nvSpPr>
+          <p:cNvPr id="4" name="Slide Number Placeholder 3"/>
+          <p:cNvSpPr>
+            <a:spLocks noGrp="1"/>
+          </p:cNvSpPr>
+          <p:nvPr>
+            <p:ph type="sldNum" sz="quarter" idx="10"/>
+          </p:nvPr>
+        </p:nvSpPr>
+        <p:spPr/>
+        <p:txBody>
+          <a:bodyPr/>
+          <a:lstStyle/>
+          <a:p>
+            <a:fld id="{54165CF5-22A4-4BB9-BE26-FDB96183FE65}" type="slidenum">
+              <a:rPr lang="en-US" smtClean="0"/>
+              <a:t>26</a:t>
+            </a:fld>
+            <a:endParaRPr lang="en-US"/>
+          </a:p>
+        </p:txBody>
+      </p:sp>
+    </p:spTree>
+    <p:extLst>
+      <p:ext uri="{BB962C8B-B14F-4D97-AF65-F5344CB8AC3E}">
+        <p14:creationId xmlns:p14="http://schemas.microsoft.com/office/powerpoint/2010/main" val="1482790445"/>
+      </p:ext>
+    </p:extLst>
+  </p:cSld>
+  <p:clrMapOvr>
+    <a:masterClrMapping/>
+  </p:clrMapOvr>
+</p:notes>
+</file>
+
+<file path=ppt/notesSlides/notesSlide23.xml><?xml version="1.0" encoding="utf-8"?>
+<p:notes xmlns:a="http://schemas.openxmlformats.org/drawingml/2006/main" xmlns:r="http://schemas.openxmlformats.org/officeDocument/2006/relationships" xmlns:p="http://schemas.openxmlformats.org/presentationml/2006/main">
+  <p:cSld>
+    <p:spTree>
+      <p:nvGrpSpPr>
+        <p:cNvPr id="1" name=""/>
+        <p:cNvGrpSpPr/>
+        <p:nvPr/>
+      </p:nvGrpSpPr>
+      <p:grpSpPr>
+        <a:xfrm>
+          <a:off x="0" y="0"/>
+          <a:ext cx="0" cy="0"/>
+          <a:chOff x="0" y="0"/>
+          <a:chExt cx="0" cy="0"/>
+        </a:xfrm>
+      </p:grpSpPr>
+      <p:sp>
+        <p:nvSpPr>
+          <p:cNvPr id="2" name="Slide Image Placeholder 1"/>
+          <p:cNvSpPr>
+            <a:spLocks noGrp="1" noRot="1" noChangeAspect="1"/>
+          </p:cNvSpPr>
+          <p:nvPr>
+            <p:ph type="sldImg"/>
+          </p:nvPr>
+        </p:nvSpPr>
+        <p:spPr/>
+      </p:sp>
+      <p:sp>
+        <p:nvSpPr>
+          <p:cNvPr id="3" name="Notes Placeholder 2"/>
+          <p:cNvSpPr>
+            <a:spLocks noGrp="1"/>
+          </p:cNvSpPr>
+          <p:nvPr>
+            <p:ph type="body" idx="1"/>
+          </p:nvPr>
+        </p:nvSpPr>
+        <p:spPr/>
+        <p:txBody>
+          <a:bodyPr/>
+          <a:lstStyle/>
+          <a:p>
+            <a:r>
+              <a:rPr lang="en-US" dirty="0"/>
+              <a:t>I used to think that networking was about cronyism</a:t>
+            </a:r>
+            <a:r>
+              <a:rPr lang="en-US" baseline="0" dirty="0"/>
+              <a:t>, currying </a:t>
+            </a:r>
+            <a:r>
+              <a:rPr lang="en-US" baseline="0" dirty="0" err="1"/>
+              <a:t>favour</a:t>
+            </a:r>
+            <a:r>
+              <a:rPr lang="en-US" baseline="0" dirty="0"/>
+              <a:t>, and low-depth relationships – I had a very negative view of it.  I felt like I could get by on my individual performance and that that was a higher-integrity way to operate.</a:t>
+            </a:r>
+          </a:p>
+          <a:p>
+            <a:endParaRPr lang="en-US" baseline="0" dirty="0"/>
+          </a:p>
+          <a:p>
+            <a:r>
+              <a:rPr lang="en-US" baseline="0" dirty="0"/>
+              <a:t>I needed a way to think of it in terms of collaboration, more meaningful relationships, and mutual support.  </a:t>
+            </a:r>
+          </a:p>
+          <a:p>
+            <a:endParaRPr lang="en-US" baseline="0" dirty="0"/>
+          </a:p>
+          <a:p>
+            <a:r>
+              <a:rPr lang="en-US" baseline="0" dirty="0"/>
+              <a:t>It helped me to think in terms of what I could give my network, rather than what I wanted from it.</a:t>
+            </a:r>
+            <a:endParaRPr lang="en-US" dirty="0"/>
+          </a:p>
+        </p:txBody>
+      </p:sp>
+      <p:sp>
+        <p:nvSpPr>
+          <p:cNvPr id="4" name="Slide Number Placeholder 3"/>
+          <p:cNvSpPr>
+            <a:spLocks noGrp="1"/>
+          </p:cNvSpPr>
+          <p:nvPr>
+            <p:ph type="sldNum" sz="quarter" idx="10"/>
+          </p:nvPr>
+        </p:nvSpPr>
+        <p:spPr/>
+        <p:txBody>
+          <a:bodyPr/>
+          <a:lstStyle/>
+          <a:p>
+            <a:fld id="{54165CF5-22A4-4BB9-BE26-FDB96183FE65}" type="slidenum">
+              <a:rPr lang="en-US" smtClean="0"/>
+              <a:t>27</a:t>
+            </a:fld>
+            <a:endParaRPr lang="en-US"/>
+          </a:p>
+        </p:txBody>
+      </p:sp>
+    </p:spTree>
+    <p:extLst>
+      <p:ext uri="{BB962C8B-B14F-4D97-AF65-F5344CB8AC3E}">
+        <p14:creationId xmlns:p14="http://schemas.microsoft.com/office/powerpoint/2010/main" val="3401885187"/>
+      </p:ext>
+    </p:extLst>
+  </p:cSld>
+  <p:clrMapOvr>
+    <a:masterClrMapping/>
+  </p:clrMapOvr>
+</p:notes>
+</file>
+
+<file path=ppt/notesSlides/notesSlide24.xml><?xml version="1.0" encoding="utf-8"?>
+<p:notes xmlns:a="http://schemas.openxmlformats.org/drawingml/2006/main" xmlns:r="http://schemas.openxmlformats.org/officeDocument/2006/relationships" xmlns:p="http://schemas.openxmlformats.org/presentationml/2006/main">
+  <p:cSld>
+    <p:spTree>
+      <p:nvGrpSpPr>
+        <p:cNvPr id="1" name=""/>
+        <p:cNvGrpSpPr/>
+        <p:nvPr/>
+      </p:nvGrpSpPr>
+      <p:grpSpPr>
+        <a:xfrm>
+          <a:off x="0" y="0"/>
+          <a:ext cx="0" cy="0"/>
+          <a:chOff x="0" y="0"/>
+          <a:chExt cx="0" cy="0"/>
+        </a:xfrm>
+      </p:grpSpPr>
+      <p:sp>
+        <p:nvSpPr>
+          <p:cNvPr id="2" name="Slide Image Placeholder 1"/>
+          <p:cNvSpPr>
+            <a:spLocks noGrp="1" noRot="1" noChangeAspect="1"/>
+          </p:cNvSpPr>
+          <p:nvPr>
+            <p:ph type="sldImg"/>
+          </p:nvPr>
+        </p:nvSpPr>
+        <p:spPr/>
+      </p:sp>
+      <p:sp>
+        <p:nvSpPr>
+          <p:cNvPr id="3" name="Notes Placeholder 2"/>
+          <p:cNvSpPr>
+            <a:spLocks noGrp="1"/>
+          </p:cNvSpPr>
+          <p:nvPr>
+            <p:ph type="body" idx="1"/>
+          </p:nvPr>
+        </p:nvSpPr>
+        <p:spPr/>
+        <p:txBody>
+          <a:bodyPr/>
+          <a:lstStyle/>
+          <a:p>
+            <a:pPr marL="0" marR="0" lvl="0" indent="0" algn="l" defTabSz="914400" rtl="0" eaLnBrk="1" fontAlgn="auto" latinLnBrk="0" hangingPunct="1">
+              <a:lnSpc>
+                <a:spcPct val="100000"/>
+              </a:lnSpc>
+              <a:spcBef>
+                <a:spcPts val="0"/>
+              </a:spcBef>
+              <a:spcAft>
+                <a:spcPts val="0"/>
+              </a:spcAft>
+              <a:buClrTx/>
+              <a:buSzTx/>
+              <a:buFontTx/>
+              <a:buNone/>
+              <a:tabLst/>
+              <a:defRPr/>
+            </a:pPr>
+            <a:r>
+              <a:rPr lang="en-US" dirty="0"/>
+              <a:t>We sometimes talk about having a mentor, but Craig helped me appreciate the value of a network of informal mentors – people you can talk over problems in particular areas in a less formal way</a:t>
+            </a:r>
+          </a:p>
+          <a:p>
+            <a:endParaRPr lang="en-US" dirty="0"/>
+          </a:p>
+          <a:p>
+            <a:pPr marL="342900" indent="-342900">
+              <a:buFontTx/>
+              <a:buChar char="-"/>
+            </a:pPr>
+            <a:r>
+              <a:rPr lang="en-US" dirty="0"/>
+              <a:t>&gt;&gt;3</a:t>
+            </a:r>
+            <a:r>
+              <a:rPr lang="en-US" baseline="30000" dirty="0"/>
+              <a:t>rd</a:t>
+            </a:r>
+            <a:r>
+              <a:rPr lang="en-US" dirty="0"/>
+              <a:t> level tribe – we’re awesome, but they’re not.</a:t>
+            </a:r>
+          </a:p>
+          <a:p>
+            <a:pPr marL="342900" indent="-342900">
+              <a:buFontTx/>
+              <a:buChar char="-"/>
+            </a:pPr>
+            <a:r>
+              <a:rPr lang="en-US" dirty="0"/>
+              <a:t>&gt;&gt;4</a:t>
+            </a:r>
+            <a:r>
+              <a:rPr lang="en-US" baseline="30000" dirty="0"/>
+              <a:t>th</a:t>
+            </a:r>
+            <a:r>
+              <a:rPr lang="en-US" dirty="0"/>
+              <a:t> level tribe – we’re all awesome</a:t>
+            </a:r>
+          </a:p>
+          <a:p>
+            <a:pPr marL="342900" indent="-342900">
+              <a:buFontTx/>
+              <a:buChar char="-"/>
+            </a:pPr>
+            <a:r>
+              <a:rPr lang="en-US" dirty="0"/>
+              <a:t>&gt;&gt;5</a:t>
+            </a:r>
+            <a:r>
+              <a:rPr lang="en-US" baseline="30000" dirty="0"/>
+              <a:t>th</a:t>
+            </a:r>
+            <a:r>
+              <a:rPr lang="en-US" dirty="0"/>
+              <a:t> level tribe – hey my two friends who don’t know each other, you’d probably be awesome together – why not connect?</a:t>
+            </a:r>
+          </a:p>
+          <a:p>
+            <a:endParaRPr lang="en-US" dirty="0"/>
+          </a:p>
+        </p:txBody>
+      </p:sp>
+      <p:sp>
+        <p:nvSpPr>
+          <p:cNvPr id="4" name="Slide Number Placeholder 3"/>
+          <p:cNvSpPr>
+            <a:spLocks noGrp="1"/>
+          </p:cNvSpPr>
+          <p:nvPr>
+            <p:ph type="sldNum" sz="quarter" idx="10"/>
+          </p:nvPr>
+        </p:nvSpPr>
+        <p:spPr/>
+        <p:txBody>
+          <a:bodyPr/>
+          <a:lstStyle/>
+          <a:p>
+            <a:fld id="{54165CF5-22A4-4BB9-BE26-FDB96183FE65}" type="slidenum">
+              <a:rPr lang="en-US" smtClean="0"/>
+              <a:t>28</a:t>
+            </a:fld>
+            <a:endParaRPr lang="en-US"/>
+          </a:p>
+        </p:txBody>
+      </p:sp>
+    </p:spTree>
+    <p:extLst>
+      <p:ext uri="{BB962C8B-B14F-4D97-AF65-F5344CB8AC3E}">
+        <p14:creationId xmlns:p14="http://schemas.microsoft.com/office/powerpoint/2010/main" val="55888354"/>
+      </p:ext>
+    </p:extLst>
+  </p:cSld>
+  <p:clrMapOvr>
+    <a:masterClrMapping/>
+  </p:clrMapOvr>
+</p:notes>
+</file>
+
+<file path=ppt/notesSlides/notesSlide25.xml><?xml version="1.0" encoding="utf-8"?>
+<p:notes xmlns:a="http://schemas.openxmlformats.org/drawingml/2006/main" xmlns:r="http://schemas.openxmlformats.org/officeDocument/2006/relationships" xmlns:p="http://schemas.openxmlformats.org/presentationml/2006/main">
+  <p:cSld>
+    <p:spTree>
+      <p:nvGrpSpPr>
+        <p:cNvPr id="1" name=""/>
+        <p:cNvGrpSpPr/>
+        <p:nvPr/>
+      </p:nvGrpSpPr>
+      <p:grpSpPr>
+        <a:xfrm>
+          <a:off x="0" y="0"/>
+          <a:ext cx="0" cy="0"/>
+          <a:chOff x="0" y="0"/>
+          <a:chExt cx="0" cy="0"/>
+        </a:xfrm>
+      </p:grpSpPr>
+      <p:sp>
+        <p:nvSpPr>
+          <p:cNvPr id="2" name="Slide Image Placeholder 1"/>
+          <p:cNvSpPr>
+            <a:spLocks noGrp="1" noRot="1" noChangeAspect="1"/>
+          </p:cNvSpPr>
+          <p:nvPr>
+            <p:ph type="sldImg"/>
+          </p:nvPr>
+        </p:nvSpPr>
+        <p:spPr/>
+      </p:sp>
+      <p:sp>
+        <p:nvSpPr>
+          <p:cNvPr id="3" name="Notes Placeholder 2"/>
+          <p:cNvSpPr>
+            <a:spLocks noGrp="1"/>
+          </p:cNvSpPr>
+          <p:nvPr>
+            <p:ph type="body" idx="1"/>
+          </p:nvPr>
+        </p:nvSpPr>
+        <p:spPr/>
+        <p:txBody>
+          <a:bodyPr/>
+          <a:lstStyle/>
+          <a:p>
+            <a:r>
+              <a:rPr lang="en-US" dirty="0"/>
+              <a:t>Imagine if the people we spend the most time with every day shared their perspective and advice about how we each could improve?  And imagine if they did this in small, low stress, frequent chunks that helps us course-correct or get stronger continuously.  We could grow faster, and we could make more of a difference in the lives of people around us.</a:t>
+            </a:r>
+          </a:p>
+          <a:p>
+            <a:endParaRPr lang="en-US" dirty="0"/>
+          </a:p>
+          <a:p>
+            <a:r>
+              <a:rPr lang="en-US" dirty="0"/>
+              <a:t>Scary right?</a:t>
+            </a:r>
+          </a:p>
+        </p:txBody>
+      </p:sp>
+      <p:sp>
+        <p:nvSpPr>
+          <p:cNvPr id="4" name="Slide Number Placeholder 3"/>
+          <p:cNvSpPr>
+            <a:spLocks noGrp="1"/>
+          </p:cNvSpPr>
+          <p:nvPr>
+            <p:ph type="sldNum" sz="quarter" idx="10"/>
+          </p:nvPr>
+        </p:nvSpPr>
+        <p:spPr/>
+        <p:txBody>
+          <a:bodyPr/>
+          <a:lstStyle/>
+          <a:p>
+            <a:fld id="{54165CF5-22A4-4BB9-BE26-FDB96183FE65}" type="slidenum">
+              <a:rPr lang="en-US" smtClean="0"/>
+              <a:t>29</a:t>
+            </a:fld>
+            <a:endParaRPr lang="en-US"/>
+          </a:p>
+        </p:txBody>
+      </p:sp>
+    </p:spTree>
+    <p:extLst>
+      <p:ext uri="{BB962C8B-B14F-4D97-AF65-F5344CB8AC3E}">
+        <p14:creationId xmlns:p14="http://schemas.microsoft.com/office/powerpoint/2010/main" val="2351349877"/>
+      </p:ext>
+    </p:extLst>
+  </p:cSld>
+  <p:clrMapOvr>
+    <a:masterClrMapping/>
+  </p:clrMapOvr>
+</p:notes>
+</file>
+
+<file path=ppt/notesSlides/notesSlide26.xml><?xml version="1.0" encoding="utf-8"?>
+<p:notes xmlns:a="http://schemas.openxmlformats.org/drawingml/2006/main" xmlns:r="http://schemas.openxmlformats.org/officeDocument/2006/relationships" xmlns:p="http://schemas.openxmlformats.org/presentationml/2006/main">
+  <p:cSld>
+    <p:spTree>
+      <p:nvGrpSpPr>
+        <p:cNvPr id="1" name=""/>
+        <p:cNvGrpSpPr/>
+        <p:nvPr/>
+      </p:nvGrpSpPr>
+      <p:grpSpPr>
+        <a:xfrm>
+          <a:off x="0" y="0"/>
+          <a:ext cx="0" cy="0"/>
+          <a:chOff x="0" y="0"/>
+          <a:chExt cx="0" cy="0"/>
+        </a:xfrm>
+      </p:grpSpPr>
+      <p:sp>
+        <p:nvSpPr>
+          <p:cNvPr id="2" name="Slide Image Placeholder 1"/>
+          <p:cNvSpPr>
+            <a:spLocks noGrp="1" noRot="1" noChangeAspect="1"/>
+          </p:cNvSpPr>
+          <p:nvPr>
+            <p:ph type="sldImg"/>
+          </p:nvPr>
+        </p:nvSpPr>
+        <p:spPr/>
+      </p:sp>
+      <p:sp>
+        <p:nvSpPr>
+          <p:cNvPr id="3" name="Notes Placeholder 2"/>
+          <p:cNvSpPr>
+            <a:spLocks noGrp="1"/>
+          </p:cNvSpPr>
+          <p:nvPr>
+            <p:ph type="body" idx="1"/>
+          </p:nvPr>
+        </p:nvSpPr>
+        <p:spPr/>
+        <p:txBody>
+          <a:bodyPr/>
+          <a:lstStyle/>
+          <a:p>
+            <a:r>
+              <a:rPr lang="en-US" dirty="0"/>
+              <a:t>: “It was really cool that you spoke up back there – I think that helped get us on track…”</a:t>
+            </a:r>
+          </a:p>
+          <a:p>
+            <a:endParaRPr lang="en-US" dirty="0"/>
+          </a:p>
+          <a:p>
+            <a:pPr marL="0" marR="0" lvl="0" indent="0" algn="l" defTabSz="914400" rtl="0" eaLnBrk="1" fontAlgn="auto" latinLnBrk="0" hangingPunct="1">
+              <a:lnSpc>
+                <a:spcPct val="100000"/>
+              </a:lnSpc>
+              <a:spcBef>
+                <a:spcPts val="0"/>
+              </a:spcBef>
+              <a:spcAft>
+                <a:spcPts val="0"/>
+              </a:spcAft>
+              <a:buClrTx/>
+              <a:buSzTx/>
+              <a:buFontTx/>
+              <a:buNone/>
+              <a:tabLst/>
+              <a:defRPr/>
+            </a:pPr>
+            <a:r>
+              <a:rPr lang="en-US" dirty="0"/>
+              <a:t>Make it easy for people to share strengthening feedback with you – and try not to just fish for the good – make it easy for people to share ideas about how you can get stronger.</a:t>
+            </a:r>
+          </a:p>
+          <a:p>
+            <a:endParaRPr lang="en-US" dirty="0"/>
+          </a:p>
+        </p:txBody>
+      </p:sp>
+      <p:sp>
+        <p:nvSpPr>
+          <p:cNvPr id="4" name="Slide Number Placeholder 3"/>
+          <p:cNvSpPr>
+            <a:spLocks noGrp="1"/>
+          </p:cNvSpPr>
+          <p:nvPr>
+            <p:ph type="sldNum" sz="quarter" idx="10"/>
+          </p:nvPr>
+        </p:nvSpPr>
+        <p:spPr/>
+        <p:txBody>
+          <a:bodyPr/>
+          <a:lstStyle/>
+          <a:p>
+            <a:fld id="{54165CF5-22A4-4BB9-BE26-FDB96183FE65}" type="slidenum">
+              <a:rPr lang="en-US" smtClean="0"/>
+              <a:t>30</a:t>
+            </a:fld>
+            <a:endParaRPr lang="en-US"/>
+          </a:p>
+        </p:txBody>
+      </p:sp>
+    </p:spTree>
+    <p:extLst>
+      <p:ext uri="{BB962C8B-B14F-4D97-AF65-F5344CB8AC3E}">
+        <p14:creationId xmlns:p14="http://schemas.microsoft.com/office/powerpoint/2010/main" val="2178038515"/>
+      </p:ext>
+    </p:extLst>
+  </p:cSld>
+  <p:clrMapOvr>
+    <a:masterClrMapping/>
+  </p:clrMapOvr>
+</p:notes>
+</file>
+
+<file path=ppt/notesSlides/notesSlide27.xml><?xml version="1.0" encoding="utf-8"?>
+<p:notes xmlns:a="http://schemas.openxmlformats.org/drawingml/2006/main" xmlns:r="http://schemas.openxmlformats.org/officeDocument/2006/relationships" xmlns:p="http://schemas.openxmlformats.org/presentationml/2006/main">
+  <p:cSld>
+    <p:spTree>
+      <p:nvGrpSpPr>
+        <p:cNvPr id="1" name=""/>
+        <p:cNvGrpSpPr/>
+        <p:nvPr/>
+      </p:nvGrpSpPr>
+      <p:grpSpPr>
+        <a:xfrm>
+          <a:off x="0" y="0"/>
+          <a:ext cx="0" cy="0"/>
+          <a:chOff x="0" y="0"/>
+          <a:chExt cx="0" cy="0"/>
+        </a:xfrm>
+      </p:grpSpPr>
+      <p:sp>
+        <p:nvSpPr>
+          <p:cNvPr id="2" name="Slide Image Placeholder 1"/>
+          <p:cNvSpPr>
+            <a:spLocks noGrp="1" noRot="1" noChangeAspect="1"/>
+          </p:cNvSpPr>
+          <p:nvPr>
+            <p:ph type="sldImg"/>
+          </p:nvPr>
+        </p:nvSpPr>
+        <p:spPr/>
+      </p:sp>
+      <p:sp>
+        <p:nvSpPr>
+          <p:cNvPr id="3" name="Notes Placeholder 2"/>
+          <p:cNvSpPr>
+            <a:spLocks noGrp="1"/>
+          </p:cNvSpPr>
+          <p:nvPr>
+            <p:ph type="body" idx="1"/>
+          </p:nvPr>
+        </p:nvSpPr>
+        <p:spPr/>
+        <p:txBody>
+          <a:bodyPr/>
+          <a:lstStyle/>
+          <a:p>
+            <a:pPr marL="0" marR="0" lvl="0" indent="0" algn="l" defTabSz="914400" rtl="0" eaLnBrk="1" fontAlgn="auto" latinLnBrk="0" hangingPunct="1">
+              <a:lnSpc>
+                <a:spcPct val="100000"/>
+              </a:lnSpc>
+              <a:spcBef>
+                <a:spcPts val="0"/>
+              </a:spcBef>
+              <a:spcAft>
+                <a:spcPts val="0"/>
+              </a:spcAft>
+              <a:buClrTx/>
+              <a:buSzTx/>
+              <a:buFontTx/>
+              <a:buNone/>
+              <a:tabLst/>
+              <a:defRPr/>
+            </a:pPr>
+            <a:r>
+              <a:rPr lang="en-US" dirty="0"/>
+              <a:t>Sometimes, the most important thing you can be doing isn’t something someone asks of you, or something that’s on an obvious</a:t>
+            </a:r>
+            <a:r>
+              <a:rPr lang="en-US" baseline="0" dirty="0"/>
+              <a:t> menu.  It means identifying a problem, and solving it.</a:t>
+            </a:r>
+          </a:p>
+          <a:p>
+            <a:pPr marL="0" marR="0" lvl="0" indent="0" algn="l" defTabSz="914400" rtl="0" eaLnBrk="1" fontAlgn="auto" latinLnBrk="0" hangingPunct="1">
+              <a:lnSpc>
+                <a:spcPct val="100000"/>
+              </a:lnSpc>
+              <a:spcBef>
+                <a:spcPts val="0"/>
+              </a:spcBef>
+              <a:spcAft>
+                <a:spcPts val="0"/>
+              </a:spcAft>
+              <a:buClrTx/>
+              <a:buSzTx/>
+              <a:buFontTx/>
+              <a:buNone/>
+              <a:tabLst/>
+              <a:defRPr/>
+            </a:pPr>
+            <a:endParaRPr lang="en-US" baseline="0" dirty="0"/>
+          </a:p>
+          <a:p>
+            <a:pPr marL="0" marR="0" lvl="0" indent="0" algn="l" defTabSz="914400" rtl="0" eaLnBrk="1" fontAlgn="auto" latinLnBrk="0" hangingPunct="1">
+              <a:lnSpc>
+                <a:spcPct val="100000"/>
+              </a:lnSpc>
+              <a:spcBef>
+                <a:spcPts val="0"/>
+              </a:spcBef>
+              <a:spcAft>
+                <a:spcPts val="0"/>
+              </a:spcAft>
+              <a:buClrTx/>
+              <a:buSzTx/>
+              <a:buFontTx/>
+              <a:buNone/>
+              <a:tabLst/>
+              <a:defRPr/>
+            </a:pPr>
+            <a:r>
+              <a:rPr lang="en-US" baseline="0" dirty="0"/>
+              <a:t>This can seem scary, but with a normal engineering approach, it doesn’t have to be.</a:t>
+            </a:r>
+            <a:endParaRPr lang="en-US" dirty="0"/>
+          </a:p>
+          <a:p>
+            <a:pPr marL="0" marR="0" lvl="0" indent="0" algn="l" defTabSz="914400" rtl="0" eaLnBrk="1" fontAlgn="auto" latinLnBrk="0" hangingPunct="1">
+              <a:lnSpc>
+                <a:spcPct val="100000"/>
+              </a:lnSpc>
+              <a:spcBef>
+                <a:spcPts val="0"/>
+              </a:spcBef>
+              <a:spcAft>
+                <a:spcPts val="0"/>
+              </a:spcAft>
+              <a:buClrTx/>
+              <a:buSzTx/>
+              <a:buFontTx/>
+              <a:buNone/>
+              <a:tabLst/>
+              <a:defRPr/>
+            </a:pPr>
+            <a:endParaRPr lang="en-US" dirty="0"/>
+          </a:p>
+          <a:p>
+            <a:pPr marL="0" marR="0" lvl="0" indent="0" algn="l" defTabSz="914400" rtl="0" eaLnBrk="1" fontAlgn="auto" latinLnBrk="0" hangingPunct="1">
+              <a:lnSpc>
+                <a:spcPct val="100000"/>
+              </a:lnSpc>
+              <a:spcBef>
+                <a:spcPts val="0"/>
+              </a:spcBef>
+              <a:spcAft>
+                <a:spcPts val="0"/>
+              </a:spcAft>
+              <a:buClrTx/>
+              <a:buSzTx/>
+              <a:buFontTx/>
+              <a:buNone/>
+              <a:tabLst/>
+              <a:defRPr/>
+            </a:pPr>
+            <a:r>
+              <a:rPr lang="en-US" dirty="0"/>
+              <a:t>Pick a thing that should be better.  Helps if it’s something that bothers you – something you have a personal stake in.  Ask what would be necessary to tackle it.  Just say you’ll make a plan – if you find yourself interested, you’ll be more likely to make good progress</a:t>
+            </a:r>
+          </a:p>
+          <a:p>
+            <a:endParaRPr lang="en-US" dirty="0"/>
+          </a:p>
+          <a:p>
+            <a:pPr marL="0" indent="0">
+              <a:buFontTx/>
+              <a:buNone/>
+            </a:pPr>
+            <a:r>
+              <a:rPr lang="en-US" dirty="0"/>
+              <a:t>Pretend you were</a:t>
+            </a:r>
+            <a:r>
+              <a:rPr lang="en-US" baseline="0" dirty="0"/>
+              <a:t> put in charge of solving the problem.  What would you do?  Small change is just fine.</a:t>
+            </a:r>
+          </a:p>
+          <a:p>
+            <a:pPr marL="171450" indent="-171450">
+              <a:buFontTx/>
+              <a:buChar char="-"/>
+            </a:pPr>
+            <a:endParaRPr lang="en-US" dirty="0"/>
+          </a:p>
+          <a:p>
+            <a:pPr marL="0" indent="0">
+              <a:buFontTx/>
+              <a:buNone/>
+            </a:pPr>
+            <a:r>
+              <a:rPr lang="en-US" dirty="0"/>
+              <a:t>Bias toward action over talk.</a:t>
+            </a:r>
+          </a:p>
+        </p:txBody>
+      </p:sp>
+      <p:sp>
+        <p:nvSpPr>
+          <p:cNvPr id="4" name="Slide Number Placeholder 3"/>
+          <p:cNvSpPr>
+            <a:spLocks noGrp="1"/>
+          </p:cNvSpPr>
+          <p:nvPr>
+            <p:ph type="sldNum" sz="quarter" idx="10"/>
+          </p:nvPr>
+        </p:nvSpPr>
+        <p:spPr/>
+        <p:txBody>
+          <a:bodyPr/>
+          <a:lstStyle/>
+          <a:p>
+            <a:fld id="{54165CF5-22A4-4BB9-BE26-FDB96183FE65}" type="slidenum">
+              <a:rPr lang="en-US" smtClean="0"/>
+              <a:t>31</a:t>
+            </a:fld>
+            <a:endParaRPr lang="en-US"/>
+          </a:p>
+        </p:txBody>
+      </p:sp>
+    </p:spTree>
+    <p:extLst>
+      <p:ext uri="{BB962C8B-B14F-4D97-AF65-F5344CB8AC3E}">
+        <p14:creationId xmlns:p14="http://schemas.microsoft.com/office/powerpoint/2010/main" val="325442715"/>
       </p:ext>
     </p:extLst>
   </p:cSld>
@@ -2960,7 +4135,30 @@
             </a:pPr>
             <a:r>
               <a:rPr lang="en-US" baseline="0" dirty="0"/>
-              <a:t>% of stories complete.  But this doesn’t mean anything on its own – no one’s life is better because a Rally progress bar is full and green.</a:t>
+              <a:t>% of stories complete, or a gut feel.</a:t>
+            </a:r>
+          </a:p>
+          <a:p>
+            <a:pPr marL="0" marR="0" lvl="0" indent="0" algn="l" defTabSz="914400" rtl="0" eaLnBrk="1" fontAlgn="auto" latinLnBrk="0" hangingPunct="1">
+              <a:lnSpc>
+                <a:spcPct val="100000"/>
+              </a:lnSpc>
+              <a:spcBef>
+                <a:spcPts val="0"/>
+              </a:spcBef>
+              <a:spcAft>
+                <a:spcPts val="0"/>
+              </a:spcAft>
+              <a:buClrTx/>
+              <a:buSzTx/>
+              <a:buFontTx/>
+              <a:buNone/>
+              <a:tabLst/>
+              <a:defRPr/>
+            </a:pPr>
+            <a:r>
+              <a:rPr lang="en-US" baseline="0" dirty="0"/>
+              <a:t> But this doesn’t mean anything on its own – no one’s life is better because a Rally progress bar is full and green.</a:t>
             </a:r>
           </a:p>
           <a:p>
@@ -4159,6 +5357,13 @@
               <a:buFontTx/>
               <a:buChar char="-"/>
             </a:pPr>
+            <a:endParaRPr lang="en-US" sz="3200" dirty="0"/>
+          </a:p>
+          <a:p>
+            <a:pPr marL="342900" indent="-342900">
+              <a:buFontTx/>
+              <a:buChar char="-"/>
+            </a:pPr>
             <a:r>
               <a:rPr lang="en-US" sz="3200" dirty="0"/>
               <a:t>Easy to pick bad metrics</a:t>
@@ -4189,9 +5394,16 @@
               <a:rPr lang="en-US" sz="2900" dirty="0">
                 <a:sym typeface="Wingdings" panose="05000000000000000000" pitchFamily="2" charset="2"/>
               </a:rPr>
-              <a:t>Measuring the input work  Reinforces the plan, not the outcome</a:t>
+              <a:t>Measuring the work  Reinforces the plan, not the outcome</a:t>
             </a:r>
             <a:endParaRPr lang="en-US" sz="2900" dirty="0"/>
+          </a:p>
+          <a:p>
+            <a:pPr marL="342900" indent="-342900">
+              <a:buFontTx/>
+              <a:buChar char="-"/>
+            </a:pPr>
+            <a:endParaRPr lang="en-US" sz="3200" dirty="0"/>
           </a:p>
           <a:p>
             <a:pPr marL="342900" indent="-342900">
@@ -4210,27 +5422,7 @@
             </a:pPr>
             <a:r>
               <a:rPr lang="en-US" sz="2900" dirty="0"/>
-              <a:t>Telemetry Service</a:t>
-            </a:r>
-          </a:p>
-          <a:p>
-            <a:pPr lvl="1">
-              <a:buFontTx/>
-              <a:buChar char="-"/>
-            </a:pPr>
-            <a:r>
-              <a:rPr lang="en-US" sz="2900" dirty="0"/>
-              <a:t>OI</a:t>
-            </a:r>
-          </a:p>
-          <a:p>
-            <a:pPr lvl="1" indent="-342900">
-              <a:buFontTx/>
-              <a:buChar char="-"/>
-            </a:pPr>
-            <a:r>
-              <a:rPr lang="en-US" sz="2900" dirty="0"/>
-              <a:t>BDP</a:t>
+              <a:t>Telemetry Service, OI, BDP</a:t>
             </a:r>
           </a:p>
         </p:txBody>
@@ -4307,8 +5499,12 @@
               <a:buChar char="-"/>
             </a:pPr>
             <a:r>
-              <a:rPr lang="en-US" dirty="0"/>
-              <a:t>In much of our work, we’re in the “complex” – we don’t know the route to take through a problem when we start, and we have a large number of choices to make</a:t>
+              <a:rPr lang="en-US" sz="3200" b="1" dirty="0"/>
+              <a:t>Complicated</a:t>
+            </a:r>
+            <a:r>
+              <a:rPr lang="en-US" sz="3200" dirty="0"/>
+              <a:t> = lots going on, but we know what we’re doing</a:t>
             </a:r>
           </a:p>
           <a:p>
@@ -4316,17 +5512,21 @@
               <a:buFontTx/>
               <a:buChar char="-"/>
             </a:pPr>
-            <a:endParaRPr lang="en-US" dirty="0"/>
+            <a:r>
+              <a:rPr lang="en-US" sz="3200" b="1" dirty="0"/>
+              <a:t>Complex</a:t>
+            </a:r>
+            <a:r>
+              <a:rPr lang="en-US" sz="3200" dirty="0"/>
+              <a:t> = haven’t done this before, need to figure it out</a:t>
+            </a:r>
           </a:p>
           <a:p>
             <a:pPr marL="342900" indent="-342900">
               <a:buFontTx/>
               <a:buChar char="-"/>
             </a:pPr>
-            <a:r>
-              <a:rPr lang="en-US" dirty="0"/>
-              <a:t>Principles are the fundamental, abstract rules that we agree are important to us</a:t>
-            </a:r>
+            <a:endParaRPr lang="en-US" sz="3200" dirty="0"/>
           </a:p>
           <a:p>
             <a:pPr marL="342900" indent="-342900">
@@ -4334,8 +5534,20 @@
               <a:buChar char="-"/>
             </a:pPr>
             <a:r>
-              <a:rPr lang="en-US" dirty="0"/>
-              <a:t>&gt;&gt; Don’t tell us specifically what to do.  </a:t>
+              <a:rPr lang="en-US" sz="3200" dirty="0"/>
+              <a:t>Complicated </a:t>
+            </a:r>
+            <a:r>
+              <a:rPr lang="en-US" sz="3200" dirty="0">
+                <a:sym typeface="Wingdings" panose="05000000000000000000" pitchFamily="2" charset="2"/>
+              </a:rPr>
+              <a:t> </a:t>
+            </a:r>
+            <a:r>
+              <a:rPr lang="en-US" sz="3200" b="1" dirty="0">
+                <a:sym typeface="Wingdings" panose="05000000000000000000" pitchFamily="2" charset="2"/>
+              </a:rPr>
+              <a:t>Process</a:t>
             </a:r>
           </a:p>
           <a:p>
@@ -4344,66 +5556,18 @@
               <a:buChar char="-"/>
             </a:pPr>
             <a:r>
-              <a:rPr lang="en-US" dirty="0"/>
-              <a:t>&gt;&gt; Helps evaluate the goodness of a path we’re considering </a:t>
-            </a:r>
-          </a:p>
-          <a:p>
-            <a:pPr marL="342900" indent="-342900">
-              <a:buFontTx/>
-              <a:buChar char="-"/>
-            </a:pPr>
-            <a:r>
-              <a:rPr lang="en-US" dirty="0"/>
-              <a:t>&gt;&gt; Helps identify paths to look for</a:t>
-            </a:r>
-          </a:p>
-          <a:p>
-            <a:pPr marL="342900" indent="-342900">
-              <a:buFontTx/>
-              <a:buChar char="-"/>
-            </a:pPr>
-            <a:r>
-              <a:rPr lang="en-US" dirty="0"/>
-              <a:t>EXAMPLES – also solicit audience opinion</a:t>
-            </a:r>
-          </a:p>
-          <a:p>
-            <a:pPr marL="342900" indent="-342900">
-              <a:buFontTx/>
-              <a:buChar char="-"/>
-            </a:pPr>
-            <a:r>
-              <a:rPr lang="en-US" b="1" dirty="0"/>
-              <a:t>Cite Gil’s reference of list of Agile principles?</a:t>
-            </a:r>
-          </a:p>
-          <a:p>
-            <a:pPr marL="342900" indent="-342900">
-              <a:buFontTx/>
-              <a:buChar char="-"/>
-            </a:pPr>
-            <a:endParaRPr lang="en-US" dirty="0"/>
-          </a:p>
-          <a:p>
-            <a:pPr marL="342900" indent="-342900">
-              <a:buFontTx/>
-              <a:buChar char="-"/>
-            </a:pPr>
-            <a:r>
-              <a:rPr lang="en-US" dirty="0"/>
-              <a:t>It’s worth understanding and saying out loud the principles driving our choices – what principle drove us to choose X over Y?  </a:t>
-            </a:r>
-          </a:p>
-          <a:p>
-            <a:pPr marL="342900" indent="-342900">
-              <a:buFontTx/>
-              <a:buChar char="-"/>
-            </a:pPr>
-            <a:r>
-              <a:rPr lang="en-US" dirty="0"/>
-              <a:t>Process can be important too – when we understand how to move through a complicated space</a:t>
-            </a:r>
+              <a:rPr lang="en-US" sz="3200" dirty="0">
+                <a:sym typeface="Wingdings" panose="05000000000000000000" pitchFamily="2" charset="2"/>
+              </a:rPr>
+              <a:t>Complex  </a:t>
+            </a:r>
+            <a:r>
+              <a:rPr lang="en-US" sz="3200" b="1" dirty="0">
+                <a:sym typeface="Wingdings" panose="05000000000000000000" pitchFamily="2" charset="2"/>
+              </a:rPr>
+              <a:t>Principle</a:t>
+            </a:r>
+            <a:endParaRPr lang="en-US" sz="3200" b="1" dirty="0"/>
           </a:p>
         </p:txBody>
       </p:sp>
@@ -4474,49 +5638,44 @@
           <a:bodyPr/>
           <a:lstStyle/>
           <a:p>
-            <a:pPr marL="342900" indent="-342900">
-              <a:buFontTx/>
-              <a:buChar char="-"/>
-            </a:pPr>
-            <a:r>
-              <a:rPr lang="en-US" dirty="0"/>
-              <a:t>Specifically, prioritize work that helps us make better choices in our project.</a:t>
-            </a:r>
-          </a:p>
-          <a:p>
-            <a:pPr marL="342900" indent="-342900">
-              <a:buFontTx/>
-              <a:buChar char="-"/>
-            </a:pPr>
-            <a:r>
-              <a:rPr lang="en-US" dirty="0"/>
-              <a:t>As we learn, we reduce risk – so learn about the scariest things first.</a:t>
-            </a:r>
-          </a:p>
-          <a:p>
-            <a:pPr marL="342900" indent="-342900">
-              <a:buFontTx/>
-              <a:buChar char="-"/>
-            </a:pPr>
-            <a:r>
-              <a:rPr lang="en-US" dirty="0"/>
-              <a:t>Learning Product is another kind of Work Product</a:t>
-            </a:r>
-          </a:p>
-          <a:p>
-            <a:pPr marL="342900" indent="-342900">
-              <a:buFontTx/>
-              <a:buChar char="-"/>
-            </a:pPr>
-            <a:r>
-              <a:rPr lang="en-US" dirty="0"/>
-              <a:t>State and check assumptions</a:t>
-            </a:r>
-          </a:p>
-          <a:p>
-            <a:pPr marL="342900" indent="-342900">
-              <a:buFontTx/>
-              <a:buChar char="-"/>
+            <a:r>
+              <a:rPr lang="en-US" sz="3200" dirty="0"/>
+              <a:t>Principles are the fundamental rules that are important to us</a:t>
+            </a:r>
+          </a:p>
+          <a:p>
+            <a:pPr marL="628625" lvl="1" indent="-457200"/>
+            <a:r>
+              <a:rPr lang="en-US" sz="2800" dirty="0"/>
+              <a:t>Don’t tell us specifically what to do.  </a:t>
+            </a:r>
+          </a:p>
+          <a:p>
+            <a:pPr marL="628625" lvl="1" indent="-457200"/>
+            <a:r>
+              <a:rPr lang="en-US" sz="2800" dirty="0"/>
+              <a:t>Helps identify paths for which to search</a:t>
+            </a:r>
+          </a:p>
+          <a:p>
+            <a:pPr marL="628625" lvl="1" indent="-457200"/>
+            <a:r>
+              <a:rPr lang="en-US" sz="2800" dirty="0"/>
+              <a:t>Helps evaluate the goodness of a path we’re considering </a:t>
+            </a:r>
+          </a:p>
+          <a:p>
+            <a:endParaRPr lang="en-US" dirty="0"/>
+          </a:p>
+          <a:p>
+            <a:r>
+              <a:rPr lang="en-US" sz="3200" dirty="0"/>
+              <a:t>Talk openly about the principles that drive your choices</a:t>
+            </a:r>
+          </a:p>
+          <a:p>
+            <a:pPr marL="0" indent="0">
+              <a:buNone/>
             </a:pPr>
             <a:endParaRPr lang="en-US" dirty="0"/>
           </a:p>
@@ -4539,7 +5698,7 @@
           <a:p>
             <a:r>
               <a:rPr lang="en-US" dirty="0"/>
-              <a:t>Prioritize Learning</a:t>
+              <a:t>Principles</a:t>
             </a:r>
           </a:p>
         </p:txBody>
@@ -4547,7 +5706,7 @@
     </p:spTree>
     <p:extLst>
       <p:ext uri="{BB962C8B-B14F-4D97-AF65-F5344CB8AC3E}">
-        <p14:creationId xmlns:p14="http://schemas.microsoft.com/office/powerpoint/2010/main" val="2739072490"/>
+        <p14:creationId xmlns:p14="http://schemas.microsoft.com/office/powerpoint/2010/main" val="3809422193"/>
       </p:ext>
     </p:extLst>
   </p:cSld>
@@ -4589,51 +5748,52 @@
           <a:bodyPr/>
           <a:lstStyle/>
           <a:p>
-            <a:pPr marL="342900" indent="-342900">
-              <a:buFont typeface="Arial" panose="020B0604020202020204" pitchFamily="34" charset="0"/>
-              <a:buChar char="•"/>
-            </a:pPr>
-            <a:r>
-              <a:rPr lang="en-US" dirty="0"/>
-              <a:t>Andrew’s Celebration Grid / success diagonal</a:t>
-            </a:r>
-          </a:p>
-          <a:p>
-            <a:pPr marL="342900" indent="-342900">
-              <a:buFont typeface="Arial" panose="020B0604020202020204" pitchFamily="34" charset="0"/>
-              <a:buChar char="•"/>
-            </a:pPr>
-            <a:r>
-              <a:rPr lang="en-US" dirty="0"/>
-              <a:t>So – if doing things with 50/50 odds of being successful maximize our learning, and we value learning, isn’t that an investment we’d choose, especially early in a project when being off course can be a massive problem for the success of the overall project?</a:t>
-            </a:r>
-          </a:p>
-          <a:p>
-            <a:pPr marL="342900" indent="-342900">
-              <a:buFont typeface="Arial" panose="020B0604020202020204" pitchFamily="34" charset="0"/>
-              <a:buChar char="•"/>
-            </a:pPr>
-            <a:r>
-              <a:rPr lang="en-US" dirty="0"/>
-              <a:t>Problem for the audience:  How do we truly show that we value the most efficient learning-through-doing opportunity we have?</a:t>
-            </a:r>
-          </a:p>
-          <a:p>
-            <a:pPr marL="342900" indent="-342900">
-              <a:buFont typeface="Arial" panose="020B0604020202020204" pitchFamily="34" charset="0"/>
-              <a:buChar char="•"/>
-            </a:pPr>
-            <a:endParaRPr lang="en-US" dirty="0"/>
-          </a:p>
-          <a:p>
-            <a:pPr marL="342900" indent="-342900">
-              <a:buFont typeface="Arial" panose="020B0604020202020204" pitchFamily="34" charset="0"/>
-              <a:buChar char="•"/>
-            </a:pPr>
-            <a:endParaRPr lang="en-US" dirty="0"/>
-          </a:p>
-          <a:p>
-            <a:endParaRPr lang="en-US" dirty="0"/>
+            <a:r>
+              <a:rPr lang="en-US" sz="2800" dirty="0"/>
+              <a:t>Decide at the last responsible moment</a:t>
+            </a:r>
+          </a:p>
+          <a:p>
+            <a:r>
+              <a:rPr lang="en-US" sz="2800" dirty="0"/>
+              <a:t>Prioritize learning </a:t>
+            </a:r>
+          </a:p>
+          <a:p>
+            <a:r>
+              <a:rPr lang="en-US" sz="2800" dirty="0"/>
+              <a:t>Be generous with time spent sharing knowledge</a:t>
+            </a:r>
+          </a:p>
+          <a:p>
+            <a:r>
+              <a:rPr lang="en-US" sz="2800" dirty="0"/>
+              <a:t>When it’s hard to choose A or B, go with the choice that’s easiest to revert</a:t>
+            </a:r>
+          </a:p>
+          <a:p>
+            <a:r>
+              <a:rPr lang="en-US" sz="2800" dirty="0"/>
+              <a:t>People and interactions over tools and process</a:t>
+            </a:r>
+          </a:p>
+          <a:p>
+            <a:r>
+              <a:rPr lang="en-US" sz="2800" dirty="0"/>
+              <a:t>Experiment rather than debate</a:t>
+            </a:r>
+          </a:p>
+          <a:p>
+            <a:r>
+              <a:rPr lang="en-US" sz="2800" dirty="0"/>
+              <a:t>Minimize WIP, maximize worked surface area</a:t>
+            </a:r>
+          </a:p>
+          <a:p>
+            <a:endParaRPr lang="en-US" sz="2400" dirty="0"/>
+          </a:p>
+          <a:p>
+            <a:endParaRPr lang="en-US" sz="2400" dirty="0"/>
           </a:p>
         </p:txBody>
       </p:sp>
@@ -4647,27 +5807,14 @@
             <p:ph type="title"/>
           </p:nvPr>
         </p:nvSpPr>
-        <p:spPr>
-          <a:xfrm>
-            <a:off x="351525" y="314814"/>
-            <a:ext cx="10260547" cy="1325147"/>
-          </a:xfrm>
-        </p:spPr>
-        <p:txBody>
-          <a:bodyPr/>
-          <a:lstStyle/>
-          <a:p>
-            <a:r>
-              <a:rPr lang="en-US" dirty="0"/>
-              <a:t>Value </a:t>
-            </a:r>
-            <a:r>
-              <a:rPr lang="en-US" strike="sngStrike" dirty="0"/>
-              <a:t>failure</a:t>
-            </a:r>
-            <a:r>
-              <a:rPr lang="en-US" dirty="0"/>
-              <a:t> Learning</a:t>
+        <p:spPr/>
+        <p:txBody>
+          <a:bodyPr/>
+          <a:lstStyle/>
+          <a:p>
+            <a:r>
+              <a:rPr lang="en-US" dirty="0"/>
+              <a:t>Principles – greatest hits</a:t>
             </a:r>
           </a:p>
         </p:txBody>
@@ -4675,7 +5822,7 @@
     </p:spTree>
     <p:extLst>
       <p:ext uri="{BB962C8B-B14F-4D97-AF65-F5344CB8AC3E}">
-        <p14:creationId xmlns:p14="http://schemas.microsoft.com/office/powerpoint/2010/main" val="3059652846"/>
+        <p14:creationId xmlns:p14="http://schemas.microsoft.com/office/powerpoint/2010/main" val="327605212"/>
       </p:ext>
     </p:extLst>
   </p:cSld>
@@ -4718,138 +5865,48 @@
           <a:lstStyle/>
           <a:p>
             <a:pPr marL="342900" indent="-342900">
-              <a:buFont typeface="Arial" panose="020B0604020202020204" pitchFamily="34" charset="0"/>
-              <a:buChar char="•"/>
-            </a:pPr>
-            <a:r>
-              <a:rPr lang="en-US" dirty="0"/>
-              <a:t>Meeting = getting work done</a:t>
-            </a:r>
-          </a:p>
-          <a:p>
-            <a:pPr marL="342900" indent="-342900">
-              <a:buFont typeface="Arial" panose="020B0604020202020204" pitchFamily="34" charset="0"/>
-              <a:buChar char="•"/>
-            </a:pPr>
-            <a:r>
-              <a:rPr lang="en-US" dirty="0"/>
-              <a:t>(Audience poll = how true is this statement?)</a:t>
-            </a:r>
-          </a:p>
-          <a:p>
-            <a:pPr marL="342900" indent="-342900">
-              <a:buFont typeface="Arial" panose="020B0604020202020204" pitchFamily="34" charset="0"/>
-              <a:buChar char="•"/>
-            </a:pPr>
-            <a:r>
-              <a:rPr lang="en-US" dirty="0"/>
-              <a:t>(Audience) What’s wrong with the meetings you’re in?  </a:t>
-            </a:r>
-          </a:p>
-          <a:p>
-            <a:endParaRPr lang="en-US" dirty="0"/>
-          </a:p>
-          <a:p>
-            <a:pPr marL="342900" indent="-342900">
-              <a:buFont typeface="Arial" panose="020B0604020202020204" pitchFamily="34" charset="0"/>
-              <a:buChar char="•"/>
-            </a:pPr>
-            <a:r>
-              <a:rPr lang="en-US" dirty="0"/>
-              <a:t>Why are you meeting?  (What do you want to be unstuck afterward?)</a:t>
-            </a:r>
-          </a:p>
-          <a:p>
-            <a:pPr marL="342900" indent="-342900">
-              <a:buFont typeface="Arial" panose="020B0604020202020204" pitchFamily="34" charset="0"/>
-              <a:buChar char="•"/>
-            </a:pPr>
-            <a:r>
-              <a:rPr lang="en-US" dirty="0"/>
-              <a:t>&gt;&gt;Define acceptance criteria – you’ll be working toward these throughout</a:t>
-            </a:r>
-          </a:p>
-          <a:p>
-            <a:pPr marL="342900" indent="-342900">
-              <a:buFont typeface="Arial" panose="020B0604020202020204" pitchFamily="34" charset="0"/>
-              <a:buChar char="•"/>
-            </a:pPr>
-            <a:r>
-              <a:rPr lang="en-US" dirty="0"/>
-              <a:t>How will you accomplish the AC for the meeting?  (What steps/activities/topics are needed?)</a:t>
-            </a:r>
-          </a:p>
-          <a:p>
-            <a:pPr marL="342900" indent="-342900">
-              <a:buFont typeface="Arial" panose="020B0604020202020204" pitchFamily="34" charset="0"/>
-              <a:buChar char="•"/>
-            </a:pPr>
-            <a:r>
-              <a:rPr lang="en-US" dirty="0"/>
-              <a:t>&gt;&gt; Divide complex conversations into: “Problem appreciation” and, later, “Solution / Plan discussion”</a:t>
-            </a:r>
-          </a:p>
-          <a:p>
-            <a:pPr marL="342900" indent="-342900">
-              <a:buFont typeface="Arial" panose="020B0604020202020204" pitchFamily="34" charset="0"/>
-              <a:buChar char="•"/>
-            </a:pPr>
-            <a:r>
-              <a:rPr lang="en-US" dirty="0"/>
-              <a:t>Who do you need?  Really, do you need all of those people you just thought of?</a:t>
-            </a:r>
-          </a:p>
-          <a:p>
-            <a:pPr marL="342900" indent="-342900">
-              <a:buFont typeface="Arial" panose="020B0604020202020204" pitchFamily="34" charset="0"/>
-              <a:buChar char="•"/>
-            </a:pPr>
-            <a:r>
-              <a:rPr lang="en-US" dirty="0"/>
-              <a:t>&gt;&gt;Orcavengers norm of inviting everyone as optional, and those needed as mandatory</a:t>
-            </a:r>
-          </a:p>
-          <a:p>
-            <a:pPr marL="342900" indent="-342900">
-              <a:buFont typeface="Arial" panose="020B0604020202020204" pitchFamily="34" charset="0"/>
-              <a:buChar char="•"/>
-            </a:pPr>
-            <a:r>
-              <a:rPr lang="en-US" dirty="0"/>
-              <a:t>How long do you need to accomplish the goal?  Really?  That long?  How about 30 minutes less?</a:t>
-            </a:r>
-          </a:p>
-          <a:p>
-            <a:pPr marL="342900" indent="-342900">
-              <a:buFont typeface="Arial" panose="020B0604020202020204" pitchFamily="34" charset="0"/>
-              <a:buChar char="•"/>
-            </a:pPr>
-            <a:endParaRPr lang="en-US" dirty="0"/>
-          </a:p>
-          <a:p>
-            <a:pPr marL="342900" indent="-342900">
-              <a:buFont typeface="Arial" panose="020B0604020202020204" pitchFamily="34" charset="0"/>
-              <a:buChar char="•"/>
-            </a:pPr>
-            <a:r>
-              <a:rPr lang="en-US" dirty="0"/>
-              <a:t>During meeting: Make sure you’re going to get the AC done.  Call tangents.  Remind the group of the AC.  End as quickly as possible.  </a:t>
-            </a:r>
-          </a:p>
-          <a:p>
-            <a:pPr marL="342900" indent="-342900">
-              <a:buFont typeface="Arial" panose="020B0604020202020204" pitchFamily="34" charset="0"/>
-              <a:buChar char="•"/>
-            </a:pPr>
-            <a:r>
-              <a:rPr lang="en-US" dirty="0"/>
-              <a:t>Psych safety – if a high % of people contribute during a meeting, that is a sign that your team has high psych safety (and is collecting good diversity of ideas)</a:t>
-            </a:r>
-          </a:p>
-          <a:p>
-            <a:pPr marL="342900" indent="-342900">
-              <a:buFont typeface="Arial" panose="020B0604020202020204" pitchFamily="34" charset="0"/>
-              <a:buChar char="•"/>
+              <a:buFontTx/>
+              <a:buChar char="-"/>
+            </a:pPr>
+            <a:r>
+              <a:rPr lang="en-US" sz="3200" dirty="0"/>
+              <a:t>Prioritize work that produces learning</a:t>
+            </a:r>
+          </a:p>
+          <a:p>
+            <a:pPr marL="342900" indent="-342900">
+              <a:buFontTx/>
+              <a:buChar char="-"/>
+            </a:pPr>
+            <a:r>
+              <a:rPr lang="en-US" sz="3200" dirty="0"/>
+              <a:t>Learn about the scariest things first.</a:t>
+            </a:r>
+          </a:p>
+          <a:p>
+            <a:pPr marL="342900" indent="-342900">
+              <a:buFontTx/>
+              <a:buChar char="-"/>
+            </a:pPr>
+            <a:r>
+              <a:rPr lang="en-US" sz="3200" dirty="0"/>
+              <a:t>Learning Product is another kind of Work Product</a:t>
+            </a:r>
+          </a:p>
+          <a:p>
+            <a:pPr marL="342900" indent="-342900">
+              <a:buFontTx/>
+              <a:buChar char="-"/>
+            </a:pPr>
+            <a:r>
+              <a:rPr lang="en-US" sz="3200" dirty="0"/>
+              <a:t>State and check assumptions</a:t>
+            </a:r>
+          </a:p>
+          <a:p>
+            <a:pPr marL="342900" indent="-342900">
+              <a:buFontTx/>
+              <a:buChar char="-"/>
             </a:pPr>
             <a:endParaRPr lang="en-US" dirty="0"/>
           </a:p>
@@ -4872,7 +5929,7 @@
           <a:p>
             <a:r>
               <a:rPr lang="en-US" dirty="0"/>
-              <a:t>Running effective meetings</a:t>
+              <a:t>Prioritize Learning</a:t>
             </a:r>
           </a:p>
         </p:txBody>
@@ -4880,7 +5937,7 @@
     </p:spTree>
     <p:extLst>
       <p:ext uri="{BB962C8B-B14F-4D97-AF65-F5344CB8AC3E}">
-        <p14:creationId xmlns:p14="http://schemas.microsoft.com/office/powerpoint/2010/main" val="3064350162"/>
+        <p14:creationId xmlns:p14="http://schemas.microsoft.com/office/powerpoint/2010/main" val="2739072490"/>
       </p:ext>
     </p:extLst>
   </p:cSld>
@@ -4927,8 +5984,12 @@
               <a:buChar char="•"/>
             </a:pPr>
             <a:r>
-              <a:rPr lang="en-US" dirty="0"/>
-              <a:t>Something goes to prod *every* month</a:t>
+              <a:rPr lang="en-US" dirty="0">
+                <a:solidFill>
+                  <a:srgbClr val="FF0000"/>
+                </a:solidFill>
+              </a:rPr>
+              <a:t>Andrew’s Celebration Grid / success diagonal</a:t>
             </a:r>
           </a:p>
           <a:p>
@@ -4936,96 +5997,16 @@
               <a:buFont typeface="Arial" panose="020B0604020202020204" pitchFamily="34" charset="0"/>
               <a:buChar char="•"/>
             </a:pPr>
-            <a:r>
-              <a:rPr lang="en-US" dirty="0"/>
-              <a:t>^^Be worried if this isn’t happening</a:t>
-            </a:r>
+            <a:endParaRPr lang="en-US" dirty="0"/>
           </a:p>
           <a:p>
             <a:pPr marL="342900" indent="-342900">
               <a:buFont typeface="Arial" panose="020B0604020202020204" pitchFamily="34" charset="0"/>
               <a:buChar char="•"/>
             </a:pPr>
-            <a:r>
-              <a:rPr lang="en-US" dirty="0"/>
-              <a:t>^^Be worried if the whole thing that’s going to prod is flagged off.</a:t>
-            </a:r>
-          </a:p>
-          <a:p>
-            <a:pPr marL="342900" indent="-342900">
-              <a:buFont typeface="Arial" panose="020B0604020202020204" pitchFamily="34" charset="0"/>
-              <a:buChar char="•"/>
-            </a:pPr>
-            <a:r>
-              <a:rPr lang="en-US" dirty="0"/>
-              <a:t>Everything that we build that isn’t on in prod adds risk **is there a good metaphor here?*  (Packing the back of a mini van?)</a:t>
-            </a:r>
-          </a:p>
-          <a:p>
-            <a:pPr marL="342900" indent="-342900">
-              <a:buFont typeface="Arial" panose="020B0604020202020204" pitchFamily="34" charset="0"/>
-              <a:buChar char="•"/>
-            </a:pPr>
-            <a:r>
-              <a:rPr lang="en-US" dirty="0"/>
-              <a:t>But how do we break up our work to do that?</a:t>
-            </a:r>
-          </a:p>
-          <a:p>
-            <a:pPr marL="342900" indent="-342900">
-              <a:buFont typeface="Arial" panose="020B0604020202020204" pitchFamily="34" charset="0"/>
-              <a:buChar char="•"/>
-            </a:pPr>
-            <a:r>
-              <a:rPr lang="en-US" dirty="0"/>
-              <a:t>&gt;&gt;Ask: How can we do less?  </a:t>
-            </a:r>
-          </a:p>
-          <a:p>
-            <a:pPr marL="342900" indent="-342900">
-              <a:buFont typeface="Arial" panose="020B0604020202020204" pitchFamily="34" charset="0"/>
-              <a:buChar char="•"/>
-            </a:pPr>
-            <a:r>
-              <a:rPr lang="en-US" dirty="0"/>
-              <a:t>&gt;&gt;Plan for a MUCH smaller commitment, with an understanding of how to deliver the next step (i.e. the next things you can pull mid-way through that sprint should be well organized and important.)</a:t>
-            </a:r>
-          </a:p>
-          <a:p>
-            <a:pPr marL="342900" indent="-342900">
-              <a:buFont typeface="Arial" panose="020B0604020202020204" pitchFamily="34" charset="0"/>
-              <a:buChar char="•"/>
-            </a:pPr>
-            <a:r>
-              <a:rPr lang="en-US" dirty="0"/>
-              <a:t>&gt;&gt;Go to Carl Pacey’s talk</a:t>
-            </a:r>
-          </a:p>
-          <a:p>
-            <a:pPr marL="342900" indent="-342900">
-              <a:buFont typeface="Arial" panose="020B0604020202020204" pitchFamily="34" charset="0"/>
-              <a:buChar char="•"/>
-            </a:pPr>
-            <a:r>
-              <a:rPr lang="en-US" dirty="0"/>
-              <a:t>Early in the project particularly, de-risk – tackle in order that prioritizes learning which is a lot like saying tackle the riskiest items first</a:t>
-            </a:r>
-          </a:p>
-          <a:p>
-            <a:pPr marL="342900" indent="-342900">
-              <a:buFont typeface="Arial" panose="020B0604020202020204" pitchFamily="34" charset="0"/>
-              <a:buChar char="•"/>
-            </a:pPr>
-            <a:r>
-              <a:rPr lang="en-US" dirty="0"/>
-              <a:t>Be really careful not to slice too thin – easy to say you’ll “add on A11y” later…</a:t>
-            </a:r>
-          </a:p>
-          <a:p>
-            <a:pPr marL="342900" indent="-342900">
-              <a:buFont typeface="Arial" panose="020B0604020202020204" pitchFamily="34" charset="0"/>
-              <a:buChar char="•"/>
-            </a:pPr>
+            <a:endParaRPr lang="en-US" dirty="0"/>
+          </a:p>
+          <a:p>
             <a:endParaRPr lang="en-US" dirty="0"/>
           </a:p>
         </p:txBody>
@@ -5040,14 +6021,27 @@
             <p:ph type="title"/>
           </p:nvPr>
         </p:nvSpPr>
-        <p:spPr/>
-        <p:txBody>
-          <a:bodyPr/>
-          <a:lstStyle/>
-          <a:p>
-            <a:r>
-              <a:rPr lang="en-US" dirty="0"/>
-              <a:t>Relentlessly thin slice</a:t>
+        <p:spPr>
+          <a:xfrm>
+            <a:off x="351525" y="314814"/>
+            <a:ext cx="10260547" cy="1325147"/>
+          </a:xfrm>
+        </p:spPr>
+        <p:txBody>
+          <a:bodyPr/>
+          <a:lstStyle/>
+          <a:p>
+            <a:r>
+              <a:rPr lang="en-US" dirty="0"/>
+              <a:t>Value </a:t>
+            </a:r>
+            <a:r>
+              <a:rPr lang="en-US" strike="sngStrike" dirty="0"/>
+              <a:t>failure</a:t>
+            </a:r>
+            <a:r>
+              <a:rPr lang="en-US" dirty="0"/>
+              <a:t> Learning</a:t>
             </a:r>
           </a:p>
         </p:txBody>
@@ -5055,7 +6049,7 @@
     </p:spTree>
     <p:extLst>
       <p:ext uri="{BB962C8B-B14F-4D97-AF65-F5344CB8AC3E}">
-        <p14:creationId xmlns:p14="http://schemas.microsoft.com/office/powerpoint/2010/main" val="1633579186"/>
+        <p14:creationId xmlns:p14="http://schemas.microsoft.com/office/powerpoint/2010/main" val="3059652846"/>
       </p:ext>
     </p:extLst>
   </p:cSld>
@@ -5092,112 +6086,129 @@
             <p:ph type="body" sz="quarter" idx="10"/>
           </p:nvPr>
         </p:nvSpPr>
-        <p:spPr/>
-        <p:txBody>
-          <a:bodyPr/>
-          <a:lstStyle/>
-          <a:p>
-            <a:pPr marL="342900" indent="-342900">
-              <a:buFontTx/>
-              <a:buChar char="-"/>
-            </a:pPr>
-            <a:r>
-              <a:rPr lang="en-US" dirty="0"/>
-              <a:t>Queuing theory tells us that systems operate at max throughput when at &lt; 100% capacity</a:t>
-            </a:r>
-          </a:p>
-          <a:p>
-            <a:pPr marL="342900" indent="-342900">
-              <a:buFontTx/>
-              <a:buChar char="-"/>
-            </a:pPr>
-            <a:r>
-              <a:rPr lang="en-US" dirty="0"/>
-              <a:t>What do you do when a car in front of you on the 401 swerves or slams on brakes?  If you’re 20m away?  200m?</a:t>
-            </a:r>
-          </a:p>
-          <a:p>
-            <a:pPr marL="342900" indent="-342900">
-              <a:buFontTx/>
-              <a:buChar char="-"/>
-            </a:pPr>
-            <a:r>
-              <a:rPr lang="en-US" dirty="0"/>
-              <a:t>In engineering, slack lets us:</a:t>
-            </a:r>
-          </a:p>
-          <a:p>
-            <a:pPr marL="342900" indent="-342900">
-              <a:buFontTx/>
-              <a:buChar char="-"/>
-            </a:pPr>
-            <a:r>
-              <a:rPr lang="en-US" dirty="0"/>
-              <a:t>&gt;&gt; Avoid abrupt, expensive overreaction to change </a:t>
-            </a:r>
-          </a:p>
-          <a:p>
-            <a:pPr marL="342900" indent="-342900">
-              <a:buFontTx/>
-              <a:buChar char="-"/>
-            </a:pPr>
-            <a:r>
-              <a:rPr lang="en-US" dirty="0"/>
-              <a:t>&gt;&gt; Avoid quality compromises that cost more in the long run</a:t>
-            </a:r>
-          </a:p>
-          <a:p>
-            <a:pPr marL="342900" indent="-342900">
-              <a:buFontTx/>
-              <a:buChar char="-"/>
-            </a:pPr>
-            <a:r>
-              <a:rPr lang="en-US" dirty="0"/>
-              <a:t>&gt;&gt; Be fundamentally more calm while working</a:t>
-            </a:r>
-          </a:p>
-          <a:p>
-            <a:pPr marL="342900" indent="-342900">
-              <a:buFontTx/>
-              <a:buChar char="-"/>
-            </a:pPr>
-            <a:r>
-              <a:rPr lang="en-US" dirty="0"/>
-              <a:t>&gt;&gt; Spend time on getting better at what we do so that next time we’ll be faster</a:t>
-            </a:r>
-          </a:p>
-          <a:p>
-            <a:pPr marL="342900" indent="-342900">
-              <a:buFontTx/>
-              <a:buChar char="-"/>
-            </a:pPr>
-            <a:r>
-              <a:rPr lang="en-US" dirty="0"/>
-              <a:t>&gt;&gt; Enables learning</a:t>
-            </a:r>
-          </a:p>
-          <a:p>
-            <a:endParaRPr lang="en-US" dirty="0"/>
-          </a:p>
-          <a:p>
-            <a:pPr marL="342900" indent="-342900">
-              <a:buFontTx/>
-              <a:buChar char="-"/>
-            </a:pPr>
-            <a:r>
-              <a:rPr lang="en-US" dirty="0"/>
-              <a:t>Sprints for very short periods to complete a clearly understood goal can be okay, but if they’re sustained or frequent, we’re not making the right long term choices. </a:t>
-            </a:r>
-          </a:p>
-          <a:p>
-            <a:pPr marL="342900" indent="-342900">
-              <a:buFontTx/>
-              <a:buChar char="-"/>
-            </a:pPr>
-            <a:r>
-              <a:rPr lang="en-US" dirty="0"/>
-              <a:t>In my experience, the team is one of the forces that *decreases* slack</a:t>
-            </a:r>
+        <p:spPr>
+          <a:xfrm>
+            <a:off x="366211" y="1762700"/>
+            <a:ext cx="11301371" cy="4519044"/>
+          </a:xfrm>
+        </p:spPr>
+        <p:txBody>
+          <a:bodyPr/>
+          <a:lstStyle/>
+          <a:p>
+            <a:pPr marL="342900" indent="-342900">
+              <a:buFont typeface="Arial" panose="020B0604020202020204" pitchFamily="34" charset="0"/>
+              <a:buChar char="•"/>
+            </a:pPr>
+            <a:r>
+              <a:rPr lang="en-US" sz="2400" dirty="0"/>
+              <a:t>Planning</a:t>
+            </a:r>
+          </a:p>
+          <a:p>
+            <a:pPr lvl="1" indent="-342900"/>
+            <a:r>
+              <a:rPr lang="en-US" sz="2000" dirty="0"/>
+              <a:t>Define Acceptance Criteria.</a:t>
+            </a:r>
+          </a:p>
+          <a:p>
+            <a:pPr lvl="1" indent="-342900"/>
+            <a:r>
+              <a:rPr lang="en-US" sz="2000" dirty="0"/>
+              <a:t>How will you accomplish the AC for the meeting?  (Steps/activities/topics needed?)</a:t>
+            </a:r>
+          </a:p>
+          <a:p>
+            <a:pPr lvl="1" indent="-342900"/>
+            <a:r>
+              <a:rPr lang="en-US" sz="2000" dirty="0"/>
+              <a:t>Who do you really need? </a:t>
+            </a:r>
+          </a:p>
+          <a:p>
+            <a:pPr lvl="1" indent="-342900"/>
+            <a:r>
+              <a:rPr lang="en-US" sz="2000" dirty="0"/>
+              <a:t>How long do you really need to accomplish the AC?  </a:t>
+            </a:r>
+          </a:p>
+          <a:p>
+            <a:pPr marL="171425" lvl="1" indent="0">
+              <a:buNone/>
+            </a:pPr>
+            <a:endParaRPr lang="en-US" sz="2000" dirty="0"/>
+          </a:p>
+          <a:p>
+            <a:pPr marL="342900" indent="-342900">
+              <a:buFont typeface="Arial" panose="020B0604020202020204" pitchFamily="34" charset="0"/>
+              <a:buChar char="•"/>
+            </a:pPr>
+            <a:r>
+              <a:rPr lang="en-US" sz="2400" dirty="0"/>
+              <a:t>During meeting: </a:t>
+            </a:r>
+          </a:p>
+          <a:p>
+            <a:pPr lvl="1" indent="-342900"/>
+            <a:r>
+              <a:rPr lang="en-US" sz="2000" dirty="0"/>
+              <a:t>Make sure you’re going to get the AC done.  </a:t>
+            </a:r>
+          </a:p>
+          <a:p>
+            <a:pPr lvl="1" indent="-342900"/>
+            <a:r>
+              <a:rPr lang="en-US" sz="2000" dirty="0"/>
+              <a:t>Call tangents / offline.</a:t>
+            </a:r>
+          </a:p>
+          <a:p>
+            <a:pPr lvl="1" indent="-342900"/>
+            <a:r>
+              <a:rPr lang="en-US" sz="2000" dirty="0"/>
+              <a:t>Remind the group of the AC.  </a:t>
+            </a:r>
+          </a:p>
+          <a:p>
+            <a:pPr lvl="1" indent="-342900"/>
+            <a:r>
+              <a:rPr lang="en-US" sz="2000" dirty="0"/>
+              <a:t>End as quickly as possible.</a:t>
+            </a:r>
+          </a:p>
+          <a:p>
+            <a:pPr marL="171425" lvl="1" indent="0">
+              <a:buNone/>
+            </a:pPr>
+            <a:r>
+              <a:rPr lang="en-US" sz="2000" dirty="0"/>
+              <a:t>  </a:t>
+            </a:r>
+          </a:p>
+          <a:p>
+            <a:pPr marL="342900" indent="-342900">
+              <a:buFont typeface="Arial" panose="020B0604020202020204" pitchFamily="34" charset="0"/>
+              <a:buChar char="•"/>
+            </a:pPr>
+            <a:r>
+              <a:rPr lang="en-US" sz="2400" dirty="0"/>
+              <a:t>Psychological Safety</a:t>
+            </a:r>
+          </a:p>
+          <a:p>
+            <a:pPr lvl="1" indent="-342900"/>
+            <a:r>
+              <a:rPr lang="en-US" sz="2000" dirty="0"/>
+              <a:t>Shown by high % of people contributing during discussions</a:t>
+            </a:r>
+          </a:p>
+          <a:p>
+            <a:pPr marL="342900" indent="-342900">
+              <a:buFont typeface="Arial" panose="020B0604020202020204" pitchFamily="34" charset="0"/>
+              <a:buChar char="•"/>
+            </a:pPr>
+            <a:endParaRPr lang="en-US" dirty="0"/>
           </a:p>
         </p:txBody>
       </p:sp>
@@ -5218,7 +6229,7 @@
           <a:p>
             <a:r>
               <a:rPr lang="en-US" dirty="0"/>
-              <a:t>Maintain Slack</a:t>
+              <a:t>Running effective meetings</a:t>
             </a:r>
           </a:p>
         </p:txBody>
@@ -5226,7 +6237,7 @@
     </p:spTree>
     <p:extLst>
       <p:ext uri="{BB962C8B-B14F-4D97-AF65-F5344CB8AC3E}">
-        <p14:creationId xmlns:p14="http://schemas.microsoft.com/office/powerpoint/2010/main" val="699903430"/>
+        <p14:creationId xmlns:p14="http://schemas.microsoft.com/office/powerpoint/2010/main" val="3064350162"/>
       </p:ext>
     </p:extLst>
   </p:cSld>
@@ -5273,8 +6284,8 @@
               <a:buChar char="•"/>
             </a:pPr>
             <a:r>
-              <a:rPr lang="en-US" dirty="0"/>
-              <a:t>Maximize the value in what you’ve built</a:t>
+              <a:rPr lang="en-US" sz="3200" dirty="0"/>
+              <a:t>Everything we build that’s not in prod immediately adds risk</a:t>
             </a:r>
           </a:p>
           <a:p>
@@ -5283,8 +6294,8 @@
               <a:buChar char="•"/>
             </a:pPr>
             <a:r>
-              <a:rPr lang="en-US" dirty="0"/>
-              <a:t>&gt;&gt;Can others use it?</a:t>
+              <a:rPr lang="en-US" sz="3200" dirty="0"/>
+              <a:t>Don’t miss trains </a:t>
             </a:r>
           </a:p>
           <a:p>
@@ -5293,8 +6304,29 @@
               <a:buChar char="•"/>
             </a:pPr>
             <a:r>
-              <a:rPr lang="en-US" dirty="0"/>
-              <a:t>&gt;&gt;Can others learn from your mistakes?</a:t>
+              <a:rPr lang="en-US" sz="3200" dirty="0"/>
+              <a:t>How do we find the right slices?</a:t>
+            </a:r>
+          </a:p>
+          <a:p>
+            <a:pPr lvl="1" indent="-342900"/>
+            <a:r>
+              <a:rPr lang="en-US" sz="2400" dirty="0"/>
+              <a:t>Ask: How can we do less?</a:t>
+            </a:r>
+          </a:p>
+          <a:p>
+            <a:pPr lvl="1" indent="-342900"/>
+            <a:r>
+              <a:rPr lang="en-US" sz="2400" dirty="0"/>
+              <a:t>Plan for a much smaller sprint/release commitment, with groomed follow-on work.</a:t>
+            </a:r>
+          </a:p>
+          <a:p>
+            <a:pPr lvl="1" indent="-342900"/>
+            <a:r>
+              <a:rPr lang="en-US" sz="2400" dirty="0"/>
+              <a:t>De-risk early by tackling work in the order that prioritizes learning</a:t>
             </a:r>
           </a:p>
           <a:p>
@@ -5303,8 +6335,8 @@
               <a:buChar char="•"/>
             </a:pPr>
             <a:r>
-              <a:rPr lang="en-US" dirty="0"/>
-              <a:t>&gt;&gt;Are there adjacent problems it can solve?</a:t>
+              <a:rPr lang="en-US" sz="3200" dirty="0"/>
+              <a:t>Don’t slice thinner than “done”</a:t>
             </a:r>
           </a:p>
           <a:p>
@@ -5313,9 +6345,10 @@
               <a:buChar char="•"/>
             </a:pPr>
             <a:r>
-              <a:rPr lang="en-US" dirty="0"/>
-              <a:t>&gt;&gt;Should other people know about it?</a:t>
-            </a:r>
+              <a:rPr lang="en-US" sz="3200" dirty="0"/>
+              <a:t>Thin slicing costs more – we’re buying the opportunity to change course more often</a:t>
+            </a:r>
+            <a:endParaRPr lang="en-US" dirty="0"/>
           </a:p>
         </p:txBody>
       </p:sp>
@@ -5336,7 +6369,7 @@
           <a:p>
             <a:r>
               <a:rPr lang="en-US" dirty="0"/>
-              <a:t>Find the value</a:t>
+              <a:t>Relentlessly thin slice</a:t>
             </a:r>
           </a:p>
         </p:txBody>
@@ -5344,7 +6377,7 @@
     </p:spTree>
     <p:extLst>
       <p:ext uri="{BB962C8B-B14F-4D97-AF65-F5344CB8AC3E}">
-        <p14:creationId xmlns:p14="http://schemas.microsoft.com/office/powerpoint/2010/main" val="3577699935"/>
+        <p14:creationId xmlns:p14="http://schemas.microsoft.com/office/powerpoint/2010/main" val="1633579186"/>
       </p:ext>
     </p:extLst>
   </p:cSld>
@@ -5473,98 +6506,103 @@
             <p:ph type="body" sz="quarter" idx="10"/>
           </p:nvPr>
         </p:nvSpPr>
-        <p:spPr/>
-        <p:txBody>
-          <a:bodyPr/>
-          <a:lstStyle/>
-          <a:p>
-            <a:pPr marL="342900" indent="-342900">
-              <a:buFont typeface="Arial" panose="020B0604020202020204" pitchFamily="34" charset="0"/>
-              <a:buChar char="•"/>
-            </a:pPr>
-            <a:r>
-              <a:rPr lang="en-US" dirty="0"/>
-              <a:t>It’s tempting to build forever</a:t>
-            </a:r>
-          </a:p>
-          <a:p>
-            <a:pPr marL="342900" indent="-342900">
-              <a:buFont typeface="Arial" panose="020B0604020202020204" pitchFamily="34" charset="0"/>
-              <a:buChar char="•"/>
-            </a:pPr>
-            <a:r>
-              <a:rPr lang="en-US" dirty="0"/>
-              <a:t>We want to get to done, but not everything on the list will be finished</a:t>
-            </a:r>
-          </a:p>
-          <a:p>
-            <a:pPr marL="342900" indent="-342900">
-              <a:buFont typeface="Arial" panose="020B0604020202020204" pitchFamily="34" charset="0"/>
-              <a:buChar char="•"/>
-            </a:pPr>
-            <a:r>
-              <a:rPr lang="en-US" dirty="0"/>
-              <a:t>How to decide?</a:t>
-            </a:r>
-          </a:p>
-          <a:p>
-            <a:pPr marL="342900" indent="-342900">
-              <a:buFont typeface="Arial" panose="020B0604020202020204" pitchFamily="34" charset="0"/>
-              <a:buChar char="•"/>
-            </a:pPr>
-            <a:r>
-              <a:rPr lang="en-US" dirty="0"/>
-              <a:t>&gt;&gt; Will we naturally discover this work in the future with low pain?</a:t>
-            </a:r>
-          </a:p>
-          <a:p>
-            <a:pPr marL="342900" indent="-342900">
-              <a:buFont typeface="Arial" panose="020B0604020202020204" pitchFamily="34" charset="0"/>
-              <a:buChar char="•"/>
-            </a:pPr>
-            <a:r>
-              <a:rPr lang="en-US" dirty="0"/>
-              <a:t>&gt;&gt; Does this work align better with another project?</a:t>
-            </a:r>
-          </a:p>
-          <a:p>
-            <a:pPr marL="342900" indent="-342900">
-              <a:buFont typeface="Arial" panose="020B0604020202020204" pitchFamily="34" charset="0"/>
-              <a:buChar char="•"/>
-            </a:pPr>
-            <a:r>
-              <a:rPr lang="en-US" dirty="0"/>
-              <a:t>&gt;&gt; Will the work really make a difference to our metrics (the quantified what/why)?</a:t>
-            </a:r>
-          </a:p>
-          <a:p>
-            <a:pPr marL="342900" indent="-342900">
-              <a:buFont typeface="Arial" panose="020B0604020202020204" pitchFamily="34" charset="0"/>
-              <a:buChar char="•"/>
-            </a:pPr>
-            <a:r>
-              <a:rPr lang="en-US" dirty="0"/>
-              <a:t>&gt;&gt; Will we be better positioned to tackle this work later?</a:t>
-            </a:r>
-          </a:p>
-          <a:p>
-            <a:pPr marL="342900" indent="-342900">
-              <a:buFont typeface="Arial" panose="020B0604020202020204" pitchFamily="34" charset="0"/>
-              <a:buChar char="•"/>
-            </a:pPr>
-            <a:r>
-              <a:rPr lang="en-US" dirty="0"/>
-              <a:t>&gt;&gt; Will it be expensive to re-establish the knowledge we have today?</a:t>
-            </a:r>
-          </a:p>
-          <a:p>
-            <a:pPr marL="342900" indent="-342900">
-              <a:buFont typeface="Arial" panose="020B0604020202020204" pitchFamily="34" charset="0"/>
-              <a:buChar char="•"/>
-            </a:pPr>
-            <a:r>
-              <a:rPr lang="en-US" dirty="0"/>
-              <a:t>&gt;&gt; Is there a risk of permanently lost opportunity?</a:t>
+        <p:spPr>
+          <a:xfrm>
+            <a:off x="366211" y="1639962"/>
+            <a:ext cx="11301371" cy="4641782"/>
+          </a:xfrm>
+        </p:spPr>
+        <p:txBody>
+          <a:bodyPr/>
+          <a:lstStyle/>
+          <a:p>
+            <a:pPr marL="342900" indent="-342900">
+              <a:buFontTx/>
+              <a:buChar char="-"/>
+            </a:pPr>
+            <a:r>
+              <a:rPr lang="en-US" sz="3200" dirty="0"/>
+              <a:t>Systems operate at best throughput when at ~80% capacity</a:t>
+            </a:r>
+          </a:p>
+          <a:p>
+            <a:pPr marL="342900" indent="-342900">
+              <a:buFontTx/>
+              <a:buChar char="-"/>
+            </a:pPr>
+            <a:r>
+              <a:rPr lang="en-US" sz="3200" dirty="0"/>
+              <a:t>In engineering, slack lets us:</a:t>
+            </a:r>
+          </a:p>
+          <a:p>
+            <a:pPr lvl="1" indent="-342900">
+              <a:buFontTx/>
+              <a:buChar char="-"/>
+            </a:pPr>
+            <a:r>
+              <a:rPr lang="en-US" sz="2900" dirty="0"/>
+              <a:t>Avoid abrupt, expensive overreaction to change </a:t>
+            </a:r>
+          </a:p>
+          <a:p>
+            <a:pPr lvl="1" indent="-342900">
+              <a:buFontTx/>
+              <a:buChar char="-"/>
+            </a:pPr>
+            <a:r>
+              <a:rPr lang="en-US" sz="2900" dirty="0"/>
+              <a:t>Avoid quality compromises that cost more in the long run</a:t>
+            </a:r>
+          </a:p>
+          <a:p>
+            <a:pPr lvl="1" indent="-342900">
+              <a:buFontTx/>
+              <a:buChar char="-"/>
+            </a:pPr>
+            <a:r>
+              <a:rPr lang="en-US" sz="2900" dirty="0"/>
+              <a:t>Be fundamentally more calm while working</a:t>
+            </a:r>
+          </a:p>
+          <a:p>
+            <a:pPr lvl="1" indent="-342900">
+              <a:buFontTx/>
+              <a:buChar char="-"/>
+            </a:pPr>
+            <a:r>
+              <a:rPr lang="en-US" sz="2900" dirty="0"/>
+              <a:t>Enables tool sharpening</a:t>
+            </a:r>
+          </a:p>
+          <a:p>
+            <a:pPr lvl="1" indent="-342900">
+              <a:buFontTx/>
+              <a:buChar char="-"/>
+            </a:pPr>
+            <a:r>
+              <a:rPr lang="en-US" sz="2900" dirty="0"/>
+              <a:t>Enables learning</a:t>
+            </a:r>
+          </a:p>
+          <a:p>
+            <a:pPr marL="342900" indent="-342900">
+              <a:buFontTx/>
+              <a:buChar char="-"/>
+            </a:pPr>
+            <a:r>
+              <a:rPr lang="en-US" sz="3200" dirty="0"/>
+              <a:t>Very short periods of sprint can be okay</a:t>
+            </a:r>
+          </a:p>
+          <a:p>
+            <a:pPr marL="342900" indent="-342900">
+              <a:buFontTx/>
+              <a:buChar char="-"/>
+            </a:pPr>
+            <a:r>
+              <a:rPr lang="en-US" sz="3200" dirty="0"/>
+              <a:t>In my experience, the team is one of the forces that *decreases* slack</a:t>
             </a:r>
           </a:p>
         </p:txBody>
@@ -5586,7 +6624,7 @@
           <a:p>
             <a:r>
               <a:rPr lang="en-US" dirty="0"/>
-              <a:t>Find the exit</a:t>
+              <a:t>Maintain Slack</a:t>
             </a:r>
           </a:p>
         </p:txBody>
@@ -5594,7 +6632,7 @@
     </p:spTree>
     <p:extLst>
       <p:ext uri="{BB962C8B-B14F-4D97-AF65-F5344CB8AC3E}">
-        <p14:creationId xmlns:p14="http://schemas.microsoft.com/office/powerpoint/2010/main" val="2816568057"/>
+        <p14:creationId xmlns:p14="http://schemas.microsoft.com/office/powerpoint/2010/main" val="699903430"/>
       </p:ext>
     </p:extLst>
   </p:cSld>
@@ -5636,16 +6674,44 @@
           <a:bodyPr/>
           <a:lstStyle/>
           <a:p>
-            <a:r>
-              <a:rPr lang="en-US" dirty="0"/>
-              <a:t>In all that we spend our time on, we will learn.  We will never just blindly do.  Even if we accomplish our original goal, we’ve made poor use of our time, and we will be in this swamp again.</a:t>
-            </a:r>
-          </a:p>
-          <a:p>
-            <a:endParaRPr lang="en-US" dirty="0"/>
-          </a:p>
-          <a:p>
-            <a:endParaRPr lang="en-US" dirty="0"/>
+            <a:pPr marL="342900" indent="-342900">
+              <a:buFont typeface="Arial" panose="020B0604020202020204" pitchFamily="34" charset="0"/>
+              <a:buChar char="•"/>
+            </a:pPr>
+            <a:r>
+              <a:rPr lang="en-US" sz="3200" dirty="0"/>
+              <a:t>Can others use it?</a:t>
+            </a:r>
+          </a:p>
+          <a:p>
+            <a:pPr marL="342900" indent="-342900">
+              <a:buFont typeface="Arial" panose="020B0604020202020204" pitchFamily="34" charset="0"/>
+              <a:buChar char="•"/>
+            </a:pPr>
+            <a:r>
+              <a:rPr lang="en-US" sz="3200" dirty="0"/>
+              <a:t>Can others learn from your mistakes?</a:t>
+            </a:r>
+          </a:p>
+          <a:p>
+            <a:pPr marL="342900" indent="-342900">
+              <a:buFont typeface="Arial" panose="020B0604020202020204" pitchFamily="34" charset="0"/>
+              <a:buChar char="•"/>
+            </a:pPr>
+            <a:r>
+              <a:rPr lang="en-US" sz="3200" dirty="0"/>
+              <a:t>Are there adjacent problems it can solve?</a:t>
+            </a:r>
+          </a:p>
+          <a:p>
+            <a:pPr marL="342900" indent="-342900">
+              <a:buFont typeface="Arial" panose="020B0604020202020204" pitchFamily="34" charset="0"/>
+              <a:buChar char="•"/>
+            </a:pPr>
+            <a:r>
+              <a:rPr lang="en-US" sz="3200" dirty="0"/>
+              <a:t>Should other people know about it?</a:t>
+            </a:r>
           </a:p>
         </p:txBody>
       </p:sp>
@@ -5666,7 +6732,7 @@
           <a:p>
             <a:r>
               <a:rPr lang="en-US" dirty="0"/>
-              <a:t>We learn</a:t>
+              <a:t>Find the value</a:t>
             </a:r>
           </a:p>
         </p:txBody>
@@ -5674,7 +6740,7 @@
     </p:spTree>
     <p:extLst>
       <p:ext uri="{BB962C8B-B14F-4D97-AF65-F5344CB8AC3E}">
-        <p14:creationId xmlns:p14="http://schemas.microsoft.com/office/powerpoint/2010/main" val="1116692367"/>
+        <p14:creationId xmlns:p14="http://schemas.microsoft.com/office/powerpoint/2010/main" val="3577699935"/>
       </p:ext>
     </p:extLst>
   </p:cSld>
@@ -5703,7 +6769,59 @@
       </p:grpSpPr>
       <p:sp>
         <p:nvSpPr>
-          <p:cNvPr id="4" name="Title 3"/>
+          <p:cNvPr id="2" name="Text Placeholder 1"/>
+          <p:cNvSpPr>
+            <a:spLocks noGrp="1"/>
+          </p:cNvSpPr>
+          <p:nvPr>
+            <p:ph type="body" sz="quarter" idx="10"/>
+          </p:nvPr>
+        </p:nvSpPr>
+        <p:spPr/>
+        <p:txBody>
+          <a:bodyPr/>
+          <a:lstStyle/>
+          <a:p>
+            <a:r>
+              <a:rPr lang="en-US" sz="3200" dirty="0"/>
+              <a:t>Will we naturally find this work in the future with low pain?</a:t>
+            </a:r>
+          </a:p>
+          <a:p>
+            <a:r>
+              <a:rPr lang="en-US" sz="3200" dirty="0"/>
+              <a:t>Does this work align better with another project?</a:t>
+            </a:r>
+          </a:p>
+          <a:p>
+            <a:r>
+              <a:rPr lang="en-US" sz="3200" dirty="0"/>
+              <a:t>Will the work really make a difference to our metrics? </a:t>
+            </a:r>
+          </a:p>
+          <a:p>
+            <a:r>
+              <a:rPr lang="en-US" sz="3200" dirty="0"/>
+              <a:t>Will we be better positioned to tackle this work later?</a:t>
+            </a:r>
+          </a:p>
+          <a:p>
+            <a:r>
+              <a:rPr lang="en-US" sz="3200" dirty="0"/>
+              <a:t>Will it be expensive to re-learn knowledge we have today?</a:t>
+            </a:r>
+          </a:p>
+          <a:p>
+            <a:r>
+              <a:rPr lang="en-US" sz="3200" dirty="0"/>
+              <a:t>Is there a risk of permanently lost opportunity?</a:t>
+            </a:r>
+          </a:p>
+        </p:txBody>
+      </p:sp>
+      <p:sp>
+        <p:nvSpPr>
+          <p:cNvPr id="3" name="Title 2"/>
           <p:cNvSpPr>
             <a:spLocks noGrp="1"/>
           </p:cNvSpPr>
@@ -5711,23 +6829,14 @@
             <p:ph type="title"/>
           </p:nvPr>
         </p:nvSpPr>
-        <p:spPr>
-          <a:xfrm>
-            <a:off x="422547" y="2640763"/>
-            <a:ext cx="9717291" cy="1325147"/>
-          </a:xfrm>
-        </p:spPr>
-        <p:txBody>
-          <a:bodyPr/>
-          <a:lstStyle/>
-          <a:p>
-            <a:r>
-              <a:rPr lang="en-US" dirty="0"/>
-              <a:t>Being an effective </a:t>
-            </a:r>
-            <a:r>
-              <a:rPr lang="en-US" u="sng" dirty="0"/>
-              <a:t>individual</a:t>
+        <p:spPr/>
+        <p:txBody>
+          <a:bodyPr/>
+          <a:lstStyle/>
+          <a:p>
+            <a:r>
+              <a:rPr lang="en-US" dirty="0"/>
+              <a:t>Find the exit</a:t>
             </a:r>
           </a:p>
         </p:txBody>
@@ -5735,7 +6844,7 @@
     </p:spTree>
     <p:extLst>
       <p:ext uri="{BB962C8B-B14F-4D97-AF65-F5344CB8AC3E}">
-        <p14:creationId xmlns:p14="http://schemas.microsoft.com/office/powerpoint/2010/main" val="2285835418"/>
+        <p14:creationId xmlns:p14="http://schemas.microsoft.com/office/powerpoint/2010/main" val="2816568057"/>
       </p:ext>
     </p:extLst>
   </p:cSld>
@@ -5764,7 +6873,7 @@
       </p:grpSpPr>
       <p:sp>
         <p:nvSpPr>
-          <p:cNvPr id="5" name="Text Placeholder 4"/>
+          <p:cNvPr id="2" name="Text Placeholder 1"/>
           <p:cNvSpPr>
             <a:spLocks noGrp="1"/>
           </p:cNvSpPr>
@@ -5777,176 +6886,38 @@
           <a:bodyPr/>
           <a:lstStyle/>
           <a:p>
-            <a:pPr marL="342900" indent="-342900">
-              <a:buFont typeface="Arial" panose="020B0604020202020204" pitchFamily="34" charset="0"/>
-              <a:buChar char="•"/>
-            </a:pPr>
-            <a:r>
-              <a:rPr lang="en-US" dirty="0"/>
-              <a:t>Why?</a:t>
-            </a:r>
-          </a:p>
-          <a:p>
-            <a:pPr marL="342900" indent="-342900">
-              <a:buFont typeface="Arial" panose="020B0604020202020204" pitchFamily="34" charset="0"/>
-              <a:buChar char="•"/>
-            </a:pPr>
-            <a:r>
-              <a:rPr lang="en-US" dirty="0"/>
-              <a:t>&gt;&gt; More capable</a:t>
-            </a:r>
-          </a:p>
-          <a:p>
-            <a:pPr marL="342900" indent="-342900">
-              <a:buFont typeface="Arial" panose="020B0604020202020204" pitchFamily="34" charset="0"/>
-              <a:buChar char="•"/>
-            </a:pPr>
-            <a:r>
-              <a:rPr lang="en-US" dirty="0"/>
-              <a:t>&gt;&gt; Less likely to make the same mistakes twice - more likely to see a repeated pattern</a:t>
-            </a:r>
-          </a:p>
-          <a:p>
-            <a:pPr marL="342900" indent="-342900">
-              <a:buFont typeface="Arial" panose="020B0604020202020204" pitchFamily="34" charset="0"/>
-              <a:buChar char="•"/>
-            </a:pPr>
-            <a:r>
-              <a:rPr lang="en-US" dirty="0"/>
-              <a:t>&gt;&gt; Happier and more fulfilled</a:t>
-            </a:r>
-          </a:p>
-          <a:p>
-            <a:pPr marL="342900" indent="-342900">
-              <a:buFont typeface="Arial" panose="020B0604020202020204" pitchFamily="34" charset="0"/>
-              <a:buChar char="•"/>
-            </a:pPr>
-            <a:endParaRPr lang="en-US" dirty="0"/>
-          </a:p>
-          <a:p>
-            <a:pPr marL="342900" indent="-342900">
-              <a:buFont typeface="Arial" panose="020B0604020202020204" pitchFamily="34" charset="0"/>
-              <a:buChar char="•"/>
-            </a:pPr>
-            <a:r>
-              <a:rPr lang="en-US" dirty="0"/>
-              <a:t>How?</a:t>
-            </a:r>
-          </a:p>
-          <a:p>
-            <a:pPr marL="342900" indent="-342900">
-              <a:buFont typeface="Arial" panose="020B0604020202020204" pitchFamily="34" charset="0"/>
-              <a:buChar char="•"/>
-            </a:pPr>
-            <a:r>
-              <a:rPr lang="en-US" dirty="0"/>
-              <a:t>&gt;&gt; Give yourself the time – it’s part of your job to learn in every opportunity</a:t>
-            </a:r>
-          </a:p>
-          <a:p>
-            <a:pPr marL="342900" indent="-342900">
-              <a:buFont typeface="Arial" panose="020B0604020202020204" pitchFamily="34" charset="0"/>
-              <a:buChar char="•"/>
-            </a:pPr>
-            <a:r>
-              <a:rPr lang="en-US" dirty="0"/>
-              <a:t>&gt;&gt; Have a goals and work toward them.</a:t>
-            </a:r>
-          </a:p>
-          <a:p>
-            <a:pPr marL="342900" indent="-342900">
-              <a:buFont typeface="Arial" panose="020B0604020202020204" pitchFamily="34" charset="0"/>
-              <a:buChar char="•"/>
-            </a:pPr>
-            <a:r>
-              <a:rPr lang="en-US" dirty="0"/>
-              <a:t>&gt;&gt; Ask: How have you grown </a:t>
-            </a:r>
-            <a:r>
-              <a:rPr lang="en-US" u="sng" dirty="0"/>
-              <a:t>meaningfully</a:t>
-            </a:r>
-            <a:r>
-              <a:rPr lang="en-US" dirty="0"/>
-              <a:t> in the last month?</a:t>
-            </a:r>
-          </a:p>
-          <a:p>
-            <a:pPr marL="342900" indent="-342900">
-              <a:buFont typeface="Arial" panose="020B0604020202020204" pitchFamily="34" charset="0"/>
-              <a:buChar char="•"/>
-            </a:pPr>
-            <a:r>
-              <a:rPr lang="en-US" dirty="0"/>
-              <a:t>&gt;&gt;Professional journal (including feelings)</a:t>
-            </a:r>
-          </a:p>
-          <a:p>
-            <a:pPr marL="342900" indent="-342900">
-              <a:buFont typeface="Arial" panose="020B0604020202020204" pitchFamily="34" charset="0"/>
-              <a:buChar char="•"/>
-            </a:pPr>
-            <a:r>
-              <a:rPr lang="en-US" dirty="0"/>
-              <a:t>&gt;&gt;Goal journal</a:t>
-            </a:r>
-          </a:p>
-          <a:p>
-            <a:pPr marL="342900" indent="-342900">
-              <a:buFont typeface="Arial" panose="020B0604020202020204" pitchFamily="34" charset="0"/>
-              <a:buChar char="•"/>
-            </a:pPr>
-            <a:r>
-              <a:rPr lang="en-US" dirty="0"/>
-              <a:t>&gt;&gt;Share with manager openly</a:t>
-            </a:r>
-          </a:p>
-          <a:p>
-            <a:pPr marL="342900" indent="-342900">
-              <a:buFont typeface="Arial" panose="020B0604020202020204" pitchFamily="34" charset="0"/>
-              <a:buChar char="•"/>
-            </a:pPr>
-            <a:endParaRPr lang="en-US" dirty="0"/>
-          </a:p>
-          <a:p>
-            <a:pPr marL="342900" indent="-342900">
-              <a:buFont typeface="Arial" panose="020B0604020202020204" pitchFamily="34" charset="0"/>
-              <a:buChar char="•"/>
-            </a:pPr>
-            <a:r>
-              <a:rPr lang="en-US" dirty="0"/>
-              <a:t>Abhor stagnation – crave healthy change.  You can be stagnating, even when you’re working hard.  </a:t>
-            </a:r>
-          </a:p>
-          <a:p>
-            <a:pPr marL="342900" indent="-342900">
-              <a:buFont typeface="Arial" panose="020B0604020202020204" pitchFamily="34" charset="0"/>
-              <a:buChar char="•"/>
-            </a:pPr>
-            <a:r>
-              <a:rPr lang="en-US" dirty="0"/>
-              <a:t>&gt;&gt;Change is an opportunity to learn and grow</a:t>
-            </a:r>
-          </a:p>
-          <a:p>
-            <a:pPr marL="342900" indent="-342900">
-              <a:buFont typeface="Arial" panose="020B0604020202020204" pitchFamily="34" charset="0"/>
-              <a:buChar char="•"/>
-            </a:pPr>
-            <a:endParaRPr lang="en-US" dirty="0"/>
-          </a:p>
-          <a:p>
-            <a:pPr marL="342900" indent="-342900">
-              <a:buFont typeface="Arial" panose="020B0604020202020204" pitchFamily="34" charset="0"/>
-              <a:buChar char="•"/>
-            </a:pPr>
-            <a:endParaRPr lang="en-US" dirty="0"/>
-          </a:p>
-        </p:txBody>
-      </p:sp>
-      <p:sp>
-        <p:nvSpPr>
-          <p:cNvPr id="4" name="Title 3"/>
+            <a:pPr marL="0" indent="0">
+              <a:buNone/>
+            </a:pPr>
+            <a:r>
+              <a:rPr lang="en-US" sz="3200" b="1" dirty="0"/>
+              <a:t>In all the places we spend our time, we will learn.  </a:t>
+            </a:r>
+          </a:p>
+          <a:p>
+            <a:pPr marL="0" indent="0">
+              <a:buNone/>
+            </a:pPr>
+            <a:endParaRPr lang="en-US" sz="3200" dirty="0"/>
+          </a:p>
+          <a:p>
+            <a:pPr marL="0" indent="0">
+              <a:buNone/>
+            </a:pPr>
+            <a:r>
+              <a:rPr lang="en-US" sz="3200" dirty="0"/>
+              <a:t>We will never just blindly do.  Even if we accomplish our original goal, we’ve made poor use of our time, and we destined to repeat past mistakes.</a:t>
+            </a:r>
+            <a:endParaRPr lang="en-US" dirty="0"/>
+          </a:p>
+          <a:p>
+            <a:endParaRPr lang="en-US" dirty="0"/>
+          </a:p>
+        </p:txBody>
+      </p:sp>
+      <p:sp>
+        <p:nvSpPr>
+          <p:cNvPr id="3" name="Title 2"/>
           <p:cNvSpPr>
             <a:spLocks noGrp="1"/>
           </p:cNvSpPr>
@@ -5961,7 +6932,7 @@
           <a:p>
             <a:r>
               <a:rPr lang="en-US" dirty="0"/>
-              <a:t>I learn</a:t>
+              <a:t>We learn</a:t>
             </a:r>
           </a:p>
         </p:txBody>
@@ -5969,7 +6940,7 @@
     </p:spTree>
     <p:extLst>
       <p:ext uri="{BB962C8B-B14F-4D97-AF65-F5344CB8AC3E}">
-        <p14:creationId xmlns:p14="http://schemas.microsoft.com/office/powerpoint/2010/main" val="3405633137"/>
+        <p14:creationId xmlns:p14="http://schemas.microsoft.com/office/powerpoint/2010/main" val="1116692367"/>
       </p:ext>
     </p:extLst>
   </p:cSld>
@@ -5998,135 +6969,7 @@
       </p:grpSpPr>
       <p:sp>
         <p:nvSpPr>
-          <p:cNvPr id="2" name="Text Placeholder 1"/>
-          <p:cNvSpPr>
-            <a:spLocks noGrp="1"/>
-          </p:cNvSpPr>
-          <p:nvPr>
-            <p:ph type="body" sz="quarter" idx="10"/>
-          </p:nvPr>
-        </p:nvSpPr>
-        <p:spPr/>
-        <p:txBody>
-          <a:bodyPr/>
-          <a:lstStyle/>
-          <a:p>
-            <a:r>
-              <a:rPr lang="en-US" dirty="0"/>
-              <a:t>The right thing:</a:t>
-            </a:r>
-          </a:p>
-          <a:p>
-            <a:pPr marL="342900" indent="-342900">
-              <a:buFont typeface="Arial" panose="020B0604020202020204" pitchFamily="34" charset="0"/>
-              <a:buChar char="•"/>
-            </a:pPr>
-            <a:r>
-              <a:rPr lang="en-US" dirty="0"/>
-              <a:t>Start the day by making sure you’re doing the right thing</a:t>
-            </a:r>
-          </a:p>
-          <a:p>
-            <a:pPr marL="342900" indent="-342900">
-              <a:buFont typeface="Arial" panose="020B0604020202020204" pitchFamily="34" charset="0"/>
-              <a:buChar char="•"/>
-            </a:pPr>
-            <a:r>
-              <a:rPr lang="en-US" dirty="0"/>
-              <a:t>Calendar before email or yesterday’s list</a:t>
-            </a:r>
-          </a:p>
-          <a:p>
-            <a:pPr marL="342900" indent="-342900">
-              <a:buFont typeface="Arial" panose="020B0604020202020204" pitchFamily="34" charset="0"/>
-              <a:buChar char="•"/>
-            </a:pPr>
-            <a:r>
-              <a:rPr lang="en-US" dirty="0"/>
-              <a:t>Top 5 (or Top 1)</a:t>
-            </a:r>
-          </a:p>
-          <a:p>
-            <a:pPr marL="342900" indent="-342900">
-              <a:buFont typeface="Arial" panose="020B0604020202020204" pitchFamily="34" charset="0"/>
-              <a:buChar char="•"/>
-            </a:pPr>
-            <a:endParaRPr lang="en-US" dirty="0"/>
-          </a:p>
-          <a:p>
-            <a:r>
-              <a:rPr lang="en-US" dirty="0"/>
-              <a:t>Reactive vs Proactive</a:t>
-            </a:r>
-          </a:p>
-          <a:p>
-            <a:pPr marL="342900" indent="-342900">
-              <a:buFont typeface="Arial" panose="020B0604020202020204" pitchFamily="34" charset="0"/>
-              <a:buChar char="•"/>
-            </a:pPr>
-            <a:r>
-              <a:rPr lang="en-US" dirty="0"/>
-              <a:t>Categorize tasks into reactive/tactical and proactive/strategic</a:t>
-            </a:r>
-          </a:p>
-          <a:p>
-            <a:pPr marL="342900" indent="-342900">
-              <a:buFont typeface="Arial" panose="020B0604020202020204" pitchFamily="34" charset="0"/>
-              <a:buChar char="•"/>
-            </a:pPr>
-            <a:r>
-              <a:rPr lang="en-US" dirty="0"/>
-              <a:t>Ensure a particular % of time spent on each category</a:t>
-            </a:r>
-          </a:p>
-          <a:p>
-            <a:pPr marL="342900" indent="-342900">
-              <a:buFont typeface="Arial" panose="020B0604020202020204" pitchFamily="34" charset="0"/>
-              <a:buChar char="•"/>
-            </a:pPr>
-            <a:r>
-              <a:rPr lang="en-US" dirty="0" err="1"/>
-              <a:t>Colour</a:t>
-            </a:r>
-            <a:r>
-              <a:rPr lang="en-US" dirty="0"/>
-              <a:t> code calendar to highlight how your time is spent</a:t>
-            </a:r>
-          </a:p>
-          <a:p>
-            <a:endParaRPr lang="en-US" dirty="0"/>
-          </a:p>
-          <a:p>
-            <a:r>
-              <a:rPr lang="en-US" dirty="0"/>
-              <a:t>Focus:</a:t>
-            </a:r>
-          </a:p>
-          <a:p>
-            <a:pPr marL="342900" indent="-342900">
-              <a:buFont typeface="Arial" panose="020B0604020202020204" pitchFamily="34" charset="0"/>
-              <a:buChar char="•"/>
-            </a:pPr>
-            <a:r>
-              <a:rPr lang="en-US" dirty="0"/>
-              <a:t>Pomodoro</a:t>
-            </a:r>
-          </a:p>
-          <a:p>
-            <a:pPr marL="342900" indent="-342900">
-              <a:buFont typeface="Arial" panose="020B0604020202020204" pitchFamily="34" charset="0"/>
-              <a:buChar char="•"/>
-            </a:pPr>
-            <a:r>
-              <a:rPr lang="en-US" dirty="0"/>
-              <a:t>Dedicated time (Sync’d dedicated time across team or even company)</a:t>
-            </a:r>
-          </a:p>
-        </p:txBody>
-      </p:sp>
-      <p:sp>
-        <p:nvSpPr>
-          <p:cNvPr id="3" name="Title 2"/>
+          <p:cNvPr id="4" name="Title 3"/>
           <p:cNvSpPr>
             <a:spLocks noGrp="1"/>
           </p:cNvSpPr>
@@ -6134,14 +6977,23 @@
             <p:ph type="title"/>
           </p:nvPr>
         </p:nvSpPr>
-        <p:spPr/>
-        <p:txBody>
-          <a:bodyPr/>
-          <a:lstStyle/>
-          <a:p>
-            <a:r>
-              <a:rPr lang="en-US" dirty="0"/>
-              <a:t>Focus and do the right thing</a:t>
+        <p:spPr>
+          <a:xfrm>
+            <a:off x="422547" y="2640763"/>
+            <a:ext cx="9717291" cy="1325147"/>
+          </a:xfrm>
+        </p:spPr>
+        <p:txBody>
+          <a:bodyPr/>
+          <a:lstStyle/>
+          <a:p>
+            <a:r>
+              <a:rPr lang="en-US" dirty="0"/>
+              <a:t>Being an effective </a:t>
+            </a:r>
+            <a:r>
+              <a:rPr lang="en-US" u="sng" dirty="0"/>
+              <a:t>individual</a:t>
             </a:r>
           </a:p>
         </p:txBody>
@@ -6149,7 +7001,7 @@
     </p:spTree>
     <p:extLst>
       <p:ext uri="{BB962C8B-B14F-4D97-AF65-F5344CB8AC3E}">
-        <p14:creationId xmlns:p14="http://schemas.microsoft.com/office/powerpoint/2010/main" val="2604704215"/>
+        <p14:creationId xmlns:p14="http://schemas.microsoft.com/office/powerpoint/2010/main" val="2285835418"/>
       </p:ext>
     </p:extLst>
   </p:cSld>
@@ -6178,7 +7030,7 @@
       </p:grpSpPr>
       <p:sp>
         <p:nvSpPr>
-          <p:cNvPr id="2" name="Text Placeholder 1"/>
+          <p:cNvPr id="5" name="Text Placeholder 4"/>
           <p:cNvSpPr>
             <a:spLocks noGrp="1"/>
           </p:cNvSpPr>
@@ -6197,7 +7049,7 @@
             </a:pPr>
             <a:r>
               <a:rPr lang="en-US" dirty="0"/>
-              <a:t>A network is the ecosystem of people, of which you’re a part, that helps make every individual stronger</a:t>
+              <a:t>Why?</a:t>
             </a:r>
           </a:p>
           <a:p>
@@ -6207,7 +7059,7 @@
             </a:pPr>
             <a:r>
               <a:rPr lang="en-US" dirty="0"/>
-              <a:t>D2L is a place particularly dependent on tribal knowledge – it’s important to know how to find the person who knows</a:t>
+              <a:t>&gt;&gt; More capable</a:t>
             </a:r>
           </a:p>
           <a:p>
@@ -6217,31 +7069,150 @@
             </a:pPr>
             <a:r>
               <a:rPr lang="en-US" dirty="0"/>
-              <a:t>Everyone in the network has something to offer – imagine if you tapped into that body of knowledge and experience?</a:t>
-            </a:r>
-          </a:p>
-          <a:p>
-            <a:endParaRPr lang="en-US" dirty="0"/>
-          </a:p>
-          <a:p>
-            <a:pPr marL="342900" indent="-342900">
-              <a:buFontTx/>
-              <a:buChar char="-"/>
-            </a:pPr>
-            <a:endParaRPr lang="en-US" dirty="0"/>
-          </a:p>
-          <a:p>
-            <a:pPr marL="342900" indent="-342900">
-              <a:buFontTx/>
-              <a:buChar char="-"/>
-            </a:pPr>
-            <a:endParaRPr lang="en-US" dirty="0"/>
-          </a:p>
-        </p:txBody>
-      </p:sp>
-      <p:sp>
-        <p:nvSpPr>
-          <p:cNvPr id="3" name="Title 2"/>
+              <a:t>&gt;&gt; Less likely to make the same mistakes twice - more likely to see a repeated pattern</a:t>
+            </a:r>
+          </a:p>
+          <a:p>
+            <a:pPr marL="342900" indent="-342900">
+              <a:buFont typeface="Arial" panose="020B0604020202020204" pitchFamily="34" charset="0"/>
+              <a:buChar char="•"/>
+            </a:pPr>
+            <a:r>
+              <a:rPr lang="en-US" dirty="0"/>
+              <a:t>&gt;&gt; Happier and more fulfilled</a:t>
+            </a:r>
+          </a:p>
+          <a:p>
+            <a:pPr marL="342900" indent="-342900">
+              <a:buFont typeface="Arial" panose="020B0604020202020204" pitchFamily="34" charset="0"/>
+              <a:buChar char="•"/>
+            </a:pPr>
+            <a:endParaRPr lang="en-US" dirty="0"/>
+          </a:p>
+          <a:p>
+            <a:pPr marL="342900" indent="-342900">
+              <a:buFont typeface="Arial" panose="020B0604020202020204" pitchFamily="34" charset="0"/>
+              <a:buChar char="•"/>
+            </a:pPr>
+            <a:r>
+              <a:rPr lang="en-US" dirty="0"/>
+              <a:t>How?</a:t>
+            </a:r>
+          </a:p>
+          <a:p>
+            <a:pPr marL="342900" indent="-342900">
+              <a:buFont typeface="Arial" panose="020B0604020202020204" pitchFamily="34" charset="0"/>
+              <a:buChar char="•"/>
+            </a:pPr>
+            <a:r>
+              <a:rPr lang="en-US" dirty="0"/>
+              <a:t>&gt;&gt; Give yourself the time – it’s part of your job to learn in every opportunity</a:t>
+            </a:r>
+          </a:p>
+          <a:p>
+            <a:pPr marL="342900" indent="-342900">
+              <a:buFont typeface="Arial" panose="020B0604020202020204" pitchFamily="34" charset="0"/>
+              <a:buChar char="•"/>
+            </a:pPr>
+            <a:r>
+              <a:rPr lang="en-US" dirty="0"/>
+              <a:t>&gt;&gt; Have a goals and work toward them.</a:t>
+            </a:r>
+          </a:p>
+          <a:p>
+            <a:pPr marL="342900" indent="-342900">
+              <a:buFont typeface="Arial" panose="020B0604020202020204" pitchFamily="34" charset="0"/>
+              <a:buChar char="•"/>
+            </a:pPr>
+            <a:r>
+              <a:rPr lang="en-US" dirty="0"/>
+              <a:t>&gt;&gt; Ask: How have you grown </a:t>
+            </a:r>
+            <a:r>
+              <a:rPr lang="en-US" u="sng" dirty="0"/>
+              <a:t>meaningfully</a:t>
+            </a:r>
+            <a:r>
+              <a:rPr lang="en-US" dirty="0"/>
+              <a:t> in the last month?</a:t>
+            </a:r>
+          </a:p>
+          <a:p>
+            <a:pPr marL="342900" indent="-342900">
+              <a:buFont typeface="Arial" panose="020B0604020202020204" pitchFamily="34" charset="0"/>
+              <a:buChar char="•"/>
+            </a:pPr>
+            <a:r>
+              <a:rPr lang="en-US" dirty="0"/>
+              <a:t>&gt;&gt;Professional journal (including feelings)</a:t>
+            </a:r>
+          </a:p>
+          <a:p>
+            <a:pPr marL="342900" indent="-342900">
+              <a:buFont typeface="Arial" panose="020B0604020202020204" pitchFamily="34" charset="0"/>
+              <a:buChar char="•"/>
+            </a:pPr>
+            <a:r>
+              <a:rPr lang="en-US" dirty="0"/>
+              <a:t>&gt;&gt;Goal journal</a:t>
+            </a:r>
+          </a:p>
+          <a:p>
+            <a:pPr marL="342900" indent="-342900">
+              <a:buFont typeface="Arial" panose="020B0604020202020204" pitchFamily="34" charset="0"/>
+              <a:buChar char="•"/>
+            </a:pPr>
+            <a:r>
+              <a:rPr lang="en-US" dirty="0"/>
+              <a:t>&gt;&gt;Share with manager openly</a:t>
+            </a:r>
+          </a:p>
+          <a:p>
+            <a:pPr marL="342900" indent="-342900">
+              <a:buFont typeface="Arial" panose="020B0604020202020204" pitchFamily="34" charset="0"/>
+              <a:buChar char="•"/>
+            </a:pPr>
+            <a:endParaRPr lang="en-US" dirty="0"/>
+          </a:p>
+          <a:p>
+            <a:pPr marL="342900" indent="-342900">
+              <a:buFont typeface="Arial" panose="020B0604020202020204" pitchFamily="34" charset="0"/>
+              <a:buChar char="•"/>
+            </a:pPr>
+            <a:r>
+              <a:rPr lang="en-US" dirty="0"/>
+              <a:t>Abhor stagnation – crave healthy change.  You can be stagnating, even when you’re working hard.  </a:t>
+            </a:r>
+          </a:p>
+          <a:p>
+            <a:pPr marL="342900" indent="-342900">
+              <a:buFont typeface="Arial" panose="020B0604020202020204" pitchFamily="34" charset="0"/>
+              <a:buChar char="•"/>
+            </a:pPr>
+            <a:r>
+              <a:rPr lang="en-US" dirty="0"/>
+              <a:t>&gt;&gt;Change is an opportunity to learn and grow</a:t>
+            </a:r>
+          </a:p>
+          <a:p>
+            <a:pPr marL="342900" indent="-342900">
+              <a:buFont typeface="Arial" panose="020B0604020202020204" pitchFamily="34" charset="0"/>
+              <a:buChar char="•"/>
+            </a:pPr>
+            <a:endParaRPr lang="en-US" dirty="0"/>
+          </a:p>
+          <a:p>
+            <a:pPr marL="342900" indent="-342900">
+              <a:buFont typeface="Arial" panose="020B0604020202020204" pitchFamily="34" charset="0"/>
+              <a:buChar char="•"/>
+            </a:pPr>
+            <a:endParaRPr lang="en-US" dirty="0"/>
+          </a:p>
+        </p:txBody>
+      </p:sp>
+      <p:sp>
+        <p:nvSpPr>
+          <p:cNvPr id="4" name="Title 3"/>
           <p:cNvSpPr>
             <a:spLocks noGrp="1"/>
           </p:cNvSpPr>
@@ -6256,23 +7227,15 @@
           <a:p>
             <a:r>
               <a:rPr lang="en-US" dirty="0"/>
-              <a:t>Building a professional network</a:t>
-            </a:r>
-            <a:br>
-              <a:rPr lang="en-US" dirty="0"/>
-            </a:br>
-            <a:r>
-              <a:rPr lang="en-US" sz="3200" dirty="0"/>
-              <a:t>An introvert’s perspective</a:t>
-            </a:r>
-            <a:endParaRPr lang="en-US" dirty="0"/>
+              <a:t>I learn</a:t>
+            </a:r>
           </a:p>
         </p:txBody>
       </p:sp>
     </p:spTree>
     <p:extLst>
       <p:ext uri="{BB962C8B-B14F-4D97-AF65-F5344CB8AC3E}">
-        <p14:creationId xmlns:p14="http://schemas.microsoft.com/office/powerpoint/2010/main" val="1677484805"/>
+        <p14:creationId xmlns:p14="http://schemas.microsoft.com/office/powerpoint/2010/main" val="3405633137"/>
       </p:ext>
     </p:extLst>
   </p:cSld>
@@ -6314,13 +7277,19 @@
           <a:bodyPr/>
           <a:lstStyle/>
           <a:p>
+            <a:r>
+              <a:rPr lang="en-US" dirty="0"/>
+              <a:t>The right thing:</a:t>
+            </a:r>
+          </a:p>
+          <a:p>
             <a:pPr marL="342900" indent="-342900">
               <a:buFont typeface="Arial" panose="020B0604020202020204" pitchFamily="34" charset="0"/>
               <a:buChar char="•"/>
             </a:pPr>
             <a:r>
               <a:rPr lang="en-US" dirty="0"/>
-              <a:t>Ask questions</a:t>
+              <a:t>Start the day by making sure you’re doing the right thing</a:t>
             </a:r>
           </a:p>
           <a:p>
@@ -6330,89 +7299,94 @@
             </a:pPr>
             <a:r>
               <a:rPr lang="en-US" dirty="0"/>
-              <a:t>Give yourself an achievable target – meet one person per week</a:t>
-            </a:r>
-          </a:p>
-          <a:p>
-            <a:pPr marL="342900" indent="-342900">
-              <a:buFontTx/>
-              <a:buChar char="-"/>
-            </a:pPr>
-            <a:r>
-              <a:rPr lang="en-US" dirty="0"/>
-              <a:t>Walkabout</a:t>
-            </a:r>
-          </a:p>
-          <a:p>
-            <a:pPr marL="342900" indent="-342900">
-              <a:buFontTx/>
-              <a:buChar char="-"/>
-            </a:pPr>
-            <a:r>
-              <a:rPr lang="en-US" dirty="0"/>
-              <a:t>Sit in a public spot</a:t>
-            </a:r>
-          </a:p>
-          <a:p>
-            <a:pPr marL="342900" indent="-342900">
-              <a:buFontTx/>
-              <a:buChar char="-"/>
-            </a:pPr>
-            <a:r>
-              <a:rPr lang="en-US" dirty="0"/>
-              <a:t>Chat at the coffee machine</a:t>
-            </a:r>
-          </a:p>
-          <a:p>
-            <a:pPr marL="342900" indent="-342900">
-              <a:buFontTx/>
-              <a:buChar char="-"/>
-            </a:pPr>
-            <a:r>
-              <a:rPr lang="en-US" dirty="0"/>
-              <a:t>Ask people for their advice</a:t>
-            </a:r>
-          </a:p>
-          <a:p>
-            <a:pPr marL="342900" indent="-342900">
-              <a:buFontTx/>
-              <a:buChar char="-"/>
-            </a:pPr>
-            <a:r>
-              <a:rPr lang="en-US" dirty="0"/>
-              <a:t>Meet up with people to compare what you’ve learned</a:t>
-            </a:r>
-          </a:p>
-          <a:p>
-            <a:pPr marL="342900" indent="-342900">
-              <a:buFontTx/>
-              <a:buChar char="-"/>
-            </a:pPr>
-            <a:r>
-              <a:rPr lang="en-US" dirty="0"/>
-              <a:t>Be generous, particularly when it comes to sharing knowledge</a:t>
-            </a:r>
-          </a:p>
-          <a:p>
-            <a:pPr marL="342900" indent="-342900">
-              <a:buFontTx/>
-              <a:buChar char="-"/>
-            </a:pPr>
-            <a:r>
-              <a:rPr lang="en-US" dirty="0"/>
-              <a:t>Be a 5</a:t>
-            </a:r>
-            <a:r>
-              <a:rPr lang="en-US" baseline="30000" dirty="0"/>
-              <a:t>th</a:t>
-            </a:r>
-            <a:r>
-              <a:rPr lang="en-US" dirty="0"/>
-              <a:t> level tribe member (David Logan - Tribal Leadership)</a:t>
-            </a:r>
-          </a:p>
-          <a:p>
-            <a:endParaRPr lang="en-US" dirty="0"/>
+              <a:t>Calendar before email or yesterday’s list</a:t>
+            </a:r>
+          </a:p>
+          <a:p>
+            <a:pPr marL="342900" indent="-342900">
+              <a:buFont typeface="Arial" panose="020B0604020202020204" pitchFamily="34" charset="0"/>
+              <a:buChar char="•"/>
+            </a:pPr>
+            <a:r>
+              <a:rPr lang="en-US" dirty="0"/>
+              <a:t>Top 5 (or Top 1)</a:t>
+            </a:r>
+          </a:p>
+          <a:p>
+            <a:pPr marL="342900" indent="-342900">
+              <a:buFont typeface="Arial" panose="020B0604020202020204" pitchFamily="34" charset="0"/>
+              <a:buChar char="•"/>
+            </a:pPr>
+            <a:endParaRPr lang="en-US" dirty="0"/>
+          </a:p>
+          <a:p>
+            <a:r>
+              <a:rPr lang="en-US" dirty="0"/>
+              <a:t>Reactive vs Proactive</a:t>
+            </a:r>
+          </a:p>
+          <a:p>
+            <a:pPr marL="342900" indent="-342900">
+              <a:buFont typeface="Arial" panose="020B0604020202020204" pitchFamily="34" charset="0"/>
+              <a:buChar char="•"/>
+            </a:pPr>
+            <a:r>
+              <a:rPr lang="en-US" dirty="0"/>
+              <a:t>Categorize tasks into reactive/tactical and proactive/strategic</a:t>
+            </a:r>
+          </a:p>
+          <a:p>
+            <a:pPr marL="342900" indent="-342900">
+              <a:buFont typeface="Arial" panose="020B0604020202020204" pitchFamily="34" charset="0"/>
+              <a:buChar char="•"/>
+            </a:pPr>
+            <a:r>
+              <a:rPr lang="en-US" dirty="0"/>
+              <a:t>Ensure a particular % of time spent on each category</a:t>
+            </a:r>
+          </a:p>
+          <a:p>
+            <a:pPr marL="342900" indent="-342900">
+              <a:buFont typeface="Arial" panose="020B0604020202020204" pitchFamily="34" charset="0"/>
+              <a:buChar char="•"/>
+            </a:pPr>
+            <a:r>
+              <a:rPr lang="en-US" dirty="0" err="1"/>
+              <a:t>Colour</a:t>
+            </a:r>
+            <a:r>
+              <a:rPr lang="en-US" dirty="0"/>
+              <a:t> code calendar to highlight how your time is spent</a:t>
+            </a:r>
+          </a:p>
+          <a:p>
+            <a:endParaRPr lang="en-US" dirty="0"/>
+          </a:p>
+          <a:p>
+            <a:r>
+              <a:rPr lang="en-US" dirty="0"/>
+              <a:t>Focus:</a:t>
+            </a:r>
+          </a:p>
+          <a:p>
+            <a:pPr marL="342900" indent="-342900">
+              <a:buFont typeface="Arial" panose="020B0604020202020204" pitchFamily="34" charset="0"/>
+              <a:buChar char="•"/>
+            </a:pPr>
+            <a:r>
+              <a:rPr lang="en-US" dirty="0"/>
+              <a:t>Pomodoro</a:t>
+            </a:r>
+          </a:p>
+          <a:p>
+            <a:pPr marL="342900" indent="-342900">
+              <a:buFont typeface="Arial" panose="020B0604020202020204" pitchFamily="34" charset="0"/>
+              <a:buChar char="•"/>
+            </a:pPr>
+            <a:r>
+              <a:rPr lang="en-US" dirty="0"/>
+              <a:t>Dedicated time (Sync’d dedicated time across team or even company)</a:t>
+            </a:r>
           </a:p>
         </p:txBody>
       </p:sp>
@@ -6433,7 +7407,7 @@
           <a:p>
             <a:r>
               <a:rPr lang="en-US" dirty="0"/>
-              <a:t>Building a professional network</a:t>
+              <a:t>Focus and do the right thing</a:t>
             </a:r>
           </a:p>
         </p:txBody>
@@ -6441,7 +7415,7 @@
     </p:spTree>
     <p:extLst>
       <p:ext uri="{BB962C8B-B14F-4D97-AF65-F5344CB8AC3E}">
-        <p14:creationId xmlns:p14="http://schemas.microsoft.com/office/powerpoint/2010/main" val="557025887"/>
+        <p14:creationId xmlns:p14="http://schemas.microsoft.com/office/powerpoint/2010/main" val="2604704215"/>
       </p:ext>
     </p:extLst>
   </p:cSld>
@@ -6489,7 +7463,7 @@
             </a:pPr>
             <a:r>
               <a:rPr lang="en-US" dirty="0"/>
-              <a:t>Imagine if the people we spend the most time with every day shared their perspective and advice about how we each could improve?  </a:t>
+              <a:t>A network is the ecosystem of people, of which you’re a part, that helps make every individual stronger</a:t>
             </a:r>
           </a:p>
           <a:p>
@@ -6497,6 +7471,36 @@
               <a:buFont typeface="Arial" panose="020B0604020202020204" pitchFamily="34" charset="0"/>
               <a:buChar char="•"/>
             </a:pPr>
+            <a:r>
+              <a:rPr lang="en-US" dirty="0"/>
+              <a:t>D2L is a place particularly dependent on tribal knowledge – it’s important to know how to find the person who knows</a:t>
+            </a:r>
+          </a:p>
+          <a:p>
+            <a:pPr marL="342900" indent="-342900">
+              <a:buFont typeface="Arial" panose="020B0604020202020204" pitchFamily="34" charset="0"/>
+              <a:buChar char="•"/>
+            </a:pPr>
+            <a:r>
+              <a:rPr lang="en-US" dirty="0"/>
+              <a:t>Everyone in the network has something to offer – imagine if you tapped into that body of knowledge and experience?</a:t>
+            </a:r>
+          </a:p>
+          <a:p>
+            <a:endParaRPr lang="en-US" dirty="0"/>
+          </a:p>
+          <a:p>
+            <a:pPr marL="342900" indent="-342900">
+              <a:buFontTx/>
+              <a:buChar char="-"/>
+            </a:pPr>
+            <a:endParaRPr lang="en-US" dirty="0"/>
+          </a:p>
+          <a:p>
+            <a:pPr marL="342900" indent="-342900">
+              <a:buFontTx/>
+              <a:buChar char="-"/>
+            </a:pPr>
             <a:endParaRPr lang="en-US" dirty="0"/>
           </a:p>
         </p:txBody>
@@ -6518,15 +7522,23 @@
           <a:p>
             <a:r>
               <a:rPr lang="en-US" dirty="0"/>
-              <a:t>Mutual Coaching</a:t>
-            </a:r>
+              <a:t>Building a professional network</a:t>
+            </a:r>
+            <a:br>
+              <a:rPr lang="en-US" dirty="0"/>
+            </a:br>
+            <a:r>
+              <a:rPr lang="en-US" sz="3200" dirty="0"/>
+              <a:t>An introvert’s perspective</a:t>
+            </a:r>
+            <a:endParaRPr lang="en-US" dirty="0"/>
           </a:p>
         </p:txBody>
       </p:sp>
     </p:spTree>
     <p:extLst>
       <p:ext uri="{BB962C8B-B14F-4D97-AF65-F5344CB8AC3E}">
-        <p14:creationId xmlns:p14="http://schemas.microsoft.com/office/powerpoint/2010/main" val="2528233129"/>
+        <p14:creationId xmlns:p14="http://schemas.microsoft.com/office/powerpoint/2010/main" val="1677484805"/>
       </p:ext>
     </p:extLst>
   </p:cSld>
@@ -6568,22 +7580,13 @@
           <a:bodyPr/>
           <a:lstStyle/>
           <a:p>
-            <a:r>
-              <a:rPr lang="en-US" dirty="0"/>
-              <a:t>So how do we get to the point we can do that?</a:t>
-            </a:r>
-          </a:p>
-          <a:p>
-            <a:endParaRPr lang="en-US" dirty="0"/>
-          </a:p>
-          <a:p>
             <a:pPr marL="342900" indent="-342900">
               <a:buFont typeface="Arial" panose="020B0604020202020204" pitchFamily="34" charset="0"/>
               <a:buChar char="•"/>
             </a:pPr>
             <a:r>
               <a:rPr lang="en-US" dirty="0"/>
-              <a:t>Share positive feedback, every day, in small but honest ways.  (Between 3:1 and 9:1 ratio.)</a:t>
+              <a:t>Ask questions</a:t>
             </a:r>
           </a:p>
           <a:p>
@@ -6593,57 +7596,85 @@
             </a:pPr>
             <a:r>
               <a:rPr lang="en-US" dirty="0"/>
-              <a:t>Especially when someone has done something new for them that is a growth step</a:t>
-            </a:r>
-          </a:p>
-          <a:p>
-            <a:pPr marL="342900" indent="-342900">
-              <a:buFont typeface="Arial" panose="020B0604020202020204" pitchFamily="34" charset="0"/>
-              <a:buChar char="•"/>
-            </a:pPr>
-            <a:r>
-              <a:rPr lang="en-US" dirty="0"/>
-              <a:t>Make it easy for people to share strengthening feedback with you</a:t>
-            </a:r>
-          </a:p>
-          <a:p>
-            <a:pPr marL="342900" indent="-342900">
-              <a:buFont typeface="Arial" panose="020B0604020202020204" pitchFamily="34" charset="0"/>
-              <a:buChar char="•"/>
-            </a:pPr>
-            <a:r>
-              <a:rPr lang="en-US" dirty="0"/>
-              <a:t>Getting feedback: Be interested.  Be engaged.  Don’t argue.  Ask for clarification or examples. Say thank you, and mean it.</a:t>
-            </a:r>
-          </a:p>
-          <a:p>
-            <a:pPr marL="342900" indent="-342900">
-              <a:buFont typeface="Arial" panose="020B0604020202020204" pitchFamily="34" charset="0"/>
-              <a:buChar char="•"/>
-            </a:pPr>
-            <a:r>
-              <a:rPr lang="en-US" dirty="0"/>
-              <a:t>Tell people that you got good feedback and that it helped you (if it was, and if it did.)  That reinforces the idea that this is valued behavior, and it’s a form of real-time public feedback for the person who took time to help you out.</a:t>
-            </a:r>
-          </a:p>
-          <a:p>
-            <a:pPr marL="342900" indent="-342900">
-              <a:buFont typeface="Arial" panose="020B0604020202020204" pitchFamily="34" charset="0"/>
-              <a:buChar char="•"/>
-            </a:pPr>
-            <a:r>
-              <a:rPr lang="en-US" dirty="0"/>
-              <a:t>Find opportunities to practice giving constructive feedback to someone who trusts you</a:t>
-            </a:r>
-          </a:p>
-          <a:p>
-            <a:pPr marL="342900" indent="-342900">
-              <a:buFont typeface="Arial" panose="020B0604020202020204" pitchFamily="34" charset="0"/>
-              <a:buChar char="•"/>
-            </a:pPr>
-            <a:r>
-              <a:rPr lang="en-US" dirty="0"/>
-              <a:t>Start small</a:t>
+              <a:t>Give yourself an achievable target – meet one person per week</a:t>
+            </a:r>
+          </a:p>
+          <a:p>
+            <a:pPr marL="342900" indent="-342900">
+              <a:buFontTx/>
+              <a:buChar char="-"/>
+            </a:pPr>
+            <a:r>
+              <a:rPr lang="en-US" dirty="0"/>
+              <a:t>Walkabout</a:t>
+            </a:r>
+          </a:p>
+          <a:p>
+            <a:pPr marL="342900" indent="-342900">
+              <a:buFontTx/>
+              <a:buChar char="-"/>
+            </a:pPr>
+            <a:r>
+              <a:rPr lang="en-US" dirty="0"/>
+              <a:t>Sit in a public spot</a:t>
+            </a:r>
+          </a:p>
+          <a:p>
+            <a:pPr marL="342900" indent="-342900">
+              <a:buFontTx/>
+              <a:buChar char="-"/>
+            </a:pPr>
+            <a:r>
+              <a:rPr lang="en-US" dirty="0"/>
+              <a:t>Chat at the coffee machine</a:t>
+            </a:r>
+          </a:p>
+          <a:p>
+            <a:pPr marL="342900" indent="-342900">
+              <a:buFontTx/>
+              <a:buChar char="-"/>
+            </a:pPr>
+            <a:r>
+              <a:rPr lang="en-US" dirty="0"/>
+              <a:t>Ask people for their advice</a:t>
+            </a:r>
+          </a:p>
+          <a:p>
+            <a:pPr marL="342900" indent="-342900">
+              <a:buFontTx/>
+              <a:buChar char="-"/>
+            </a:pPr>
+            <a:r>
+              <a:rPr lang="en-US" dirty="0"/>
+              <a:t>Meet up with people to compare what you’ve learned</a:t>
+            </a:r>
+          </a:p>
+          <a:p>
+            <a:pPr marL="342900" indent="-342900">
+              <a:buFontTx/>
+              <a:buChar char="-"/>
+            </a:pPr>
+            <a:r>
+              <a:rPr lang="en-US" dirty="0"/>
+              <a:t>Be generous, particularly when it comes to sharing knowledge</a:t>
+            </a:r>
+          </a:p>
+          <a:p>
+            <a:pPr marL="342900" indent="-342900">
+              <a:buFontTx/>
+              <a:buChar char="-"/>
+            </a:pPr>
+            <a:r>
+              <a:rPr lang="en-US" dirty="0"/>
+              <a:t>Be a 5</a:t>
+            </a:r>
+            <a:r>
+              <a:rPr lang="en-US" baseline="30000" dirty="0"/>
+              <a:t>th</a:t>
+            </a:r>
+            <a:r>
+              <a:rPr lang="en-US" dirty="0"/>
+              <a:t> level tribe member (David Logan - Tribal Leadership)</a:t>
             </a:r>
           </a:p>
           <a:p>
@@ -6668,7 +7699,7 @@
           <a:p>
             <a:r>
               <a:rPr lang="en-US" dirty="0"/>
-              <a:t>Mutual Coaching</a:t>
+              <a:t>Building a professional network</a:t>
             </a:r>
           </a:p>
         </p:txBody>
@@ -6676,7 +7707,7 @@
     </p:spTree>
     <p:extLst>
       <p:ext uri="{BB962C8B-B14F-4D97-AF65-F5344CB8AC3E}">
-        <p14:creationId xmlns:p14="http://schemas.microsoft.com/office/powerpoint/2010/main" val="3258661815"/>
+        <p14:creationId xmlns:p14="http://schemas.microsoft.com/office/powerpoint/2010/main" val="557025887"/>
       </p:ext>
     </p:extLst>
   </p:cSld>
@@ -6718,57 +7749,19 @@
           <a:bodyPr/>
           <a:lstStyle/>
           <a:p>
-            <a:pPr marL="457200" indent="-457200">
-              <a:buFont typeface="+mj-lt"/>
-              <a:buAutoNum type="arabicPeriod"/>
-            </a:pPr>
-            <a:r>
-              <a:rPr lang="en-US" dirty="0"/>
-              <a:t>Pick a thing you want to be better</a:t>
-            </a:r>
-          </a:p>
-          <a:p>
-            <a:pPr marL="457200" indent="-457200">
-              <a:buFont typeface="+mj-lt"/>
-              <a:buAutoNum type="arabicPeriod"/>
-            </a:pPr>
-            <a:r>
-              <a:rPr lang="en-US" dirty="0"/>
-              <a:t>What would good look like?</a:t>
-            </a:r>
-          </a:p>
-          <a:p>
-            <a:pPr marL="457200" indent="-457200">
-              <a:buFont typeface="+mj-lt"/>
-              <a:buAutoNum type="arabicPeriod"/>
-            </a:pPr>
-            <a:r>
-              <a:rPr lang="en-US" dirty="0"/>
-              <a:t>What’s the next logical step toward achieving that good state?</a:t>
-            </a:r>
-          </a:p>
-          <a:p>
-            <a:pPr marL="457200" indent="-457200">
-              <a:buFont typeface="+mj-lt"/>
-              <a:buAutoNum type="arabicPeriod"/>
-            </a:pPr>
-            <a:r>
-              <a:rPr lang="en-US" dirty="0"/>
-              <a:t>What action can you take?  (Proposal?  </a:t>
-            </a:r>
-            <a:r>
-              <a:rPr lang="en-US" dirty="0" err="1"/>
-              <a:t>PoC+Demo</a:t>
-            </a:r>
-            <a:r>
-              <a:rPr lang="en-US" dirty="0"/>
-              <a:t>?  …)</a:t>
-            </a:r>
-          </a:p>
-          <a:p>
-            <a:pPr marL="457200" indent="-457200">
-              <a:buFont typeface="+mj-lt"/>
-              <a:buAutoNum type="arabicPeriod"/>
+            <a:pPr marL="342900" indent="-342900">
+              <a:buFont typeface="Arial" panose="020B0604020202020204" pitchFamily="34" charset="0"/>
+              <a:buChar char="•"/>
+            </a:pPr>
+            <a:r>
+              <a:rPr lang="en-US" dirty="0"/>
+              <a:t>Imagine if the people we spend the most time with every day shared their perspective and advice about how we each could improve?  </a:t>
+            </a:r>
+          </a:p>
+          <a:p>
+            <a:pPr marL="342900" indent="-342900">
+              <a:buFont typeface="Arial" panose="020B0604020202020204" pitchFamily="34" charset="0"/>
+              <a:buChar char="•"/>
             </a:pPr>
             <a:endParaRPr lang="en-US" dirty="0"/>
           </a:p>
@@ -6791,23 +7784,15 @@
           <a:p>
             <a:r>
               <a:rPr lang="en-US" dirty="0"/>
-              <a:t>Be the change </a:t>
-            </a:r>
-            <a:br>
-              <a:rPr lang="en-US" dirty="0"/>
-            </a:br>
-            <a:r>
-              <a:rPr lang="en-US" sz="2800" dirty="0"/>
-              <a:t>(TODO: Pick less cheesy title)</a:t>
-            </a:r>
-            <a:endParaRPr lang="en-US" dirty="0"/>
+              <a:t>Mutual Coaching</a:t>
+            </a:r>
           </a:p>
         </p:txBody>
       </p:sp>
     </p:spTree>
     <p:extLst>
       <p:ext uri="{BB962C8B-B14F-4D97-AF65-F5344CB8AC3E}">
-        <p14:creationId xmlns:p14="http://schemas.microsoft.com/office/powerpoint/2010/main" val="1213391016"/>
+        <p14:creationId xmlns:p14="http://schemas.microsoft.com/office/powerpoint/2010/main" val="2528233129"/>
       </p:ext>
     </p:extLst>
   </p:cSld>
@@ -6943,25 +7928,80 @@
           <a:p>
             <a:r>
               <a:rPr lang="en-US" dirty="0"/>
-              <a:t>Highlight tools / techniques in memorable sound bites</a:t>
-            </a:r>
-          </a:p>
-          <a:p>
-            <a:endParaRPr lang="en-US" dirty="0"/>
-          </a:p>
-          <a:p>
-            <a:r>
-              <a:rPr lang="en-US" dirty="0"/>
-              <a:t>Identify spots for audience participation – What do you do to achieve this goal?</a:t>
-            </a:r>
-          </a:p>
-          <a:p>
-            <a:endParaRPr lang="en-US" dirty="0"/>
-          </a:p>
-          <a:p>
-            <a:r>
-              <a:rPr lang="en-US" dirty="0"/>
-              <a:t>Progress bar or some other indicator of where we are in the presentation</a:t>
+              <a:t>So how do we get to the point we can do that?</a:t>
+            </a:r>
+          </a:p>
+          <a:p>
+            <a:endParaRPr lang="en-US" dirty="0"/>
+          </a:p>
+          <a:p>
+            <a:pPr marL="342900" indent="-342900">
+              <a:buFont typeface="Arial" panose="020B0604020202020204" pitchFamily="34" charset="0"/>
+              <a:buChar char="•"/>
+            </a:pPr>
+            <a:r>
+              <a:rPr lang="en-US" dirty="0"/>
+              <a:t>Share positive feedback, every day, in small but honest ways.  (Between 3:1 and 9:1 ratio.)</a:t>
+            </a:r>
+          </a:p>
+          <a:p>
+            <a:pPr marL="342900" indent="-342900">
+              <a:buFont typeface="Arial" panose="020B0604020202020204" pitchFamily="34" charset="0"/>
+              <a:buChar char="•"/>
+            </a:pPr>
+            <a:r>
+              <a:rPr lang="en-US" dirty="0"/>
+              <a:t>Especially when someone has done something new for them that is a growth step</a:t>
+            </a:r>
+          </a:p>
+          <a:p>
+            <a:pPr marL="342900" indent="-342900">
+              <a:buFont typeface="Arial" panose="020B0604020202020204" pitchFamily="34" charset="0"/>
+              <a:buChar char="•"/>
+            </a:pPr>
+            <a:r>
+              <a:rPr lang="en-US" dirty="0"/>
+              <a:t>Make it easy for people to share strengthening feedback with you</a:t>
+            </a:r>
+          </a:p>
+          <a:p>
+            <a:pPr marL="342900" indent="-342900">
+              <a:buFont typeface="Arial" panose="020B0604020202020204" pitchFamily="34" charset="0"/>
+              <a:buChar char="•"/>
+            </a:pPr>
+            <a:r>
+              <a:rPr lang="en-US" dirty="0"/>
+              <a:t>Getting feedback: Be interested.  Be engaged.  Don’t argue.  Ask for clarification or examples. Say thank you, and mean it.</a:t>
+            </a:r>
+          </a:p>
+          <a:p>
+            <a:pPr marL="342900" indent="-342900">
+              <a:buFont typeface="Arial" panose="020B0604020202020204" pitchFamily="34" charset="0"/>
+              <a:buChar char="•"/>
+            </a:pPr>
+            <a:r>
+              <a:rPr lang="en-US" dirty="0"/>
+              <a:t>Tell people that you got good feedback and that it helped you (if it was, and if it did.)  That reinforces the idea that this is valued behavior, and it’s a form of real-time public feedback for the person who took time to help you out.</a:t>
+            </a:r>
+          </a:p>
+          <a:p>
+            <a:pPr marL="342900" indent="-342900">
+              <a:buFont typeface="Arial" panose="020B0604020202020204" pitchFamily="34" charset="0"/>
+              <a:buChar char="•"/>
+            </a:pPr>
+            <a:r>
+              <a:rPr lang="en-US" dirty="0"/>
+              <a:t>Find opportunities to practice giving constructive feedback to someone who trusts you</a:t>
+            </a:r>
+          </a:p>
+          <a:p>
+            <a:pPr marL="342900" indent="-342900">
+              <a:buFont typeface="Arial" panose="020B0604020202020204" pitchFamily="34" charset="0"/>
+              <a:buChar char="•"/>
+            </a:pPr>
+            <a:r>
+              <a:rPr lang="en-US" dirty="0"/>
+              <a:t>Start small</a:t>
             </a:r>
           </a:p>
           <a:p>
@@ -6986,7 +8026,7 @@
           <a:p>
             <a:r>
               <a:rPr lang="en-US" dirty="0"/>
-              <a:t>Jason – Presentation candy to add</a:t>
+              <a:t>Mutual Coaching</a:t>
             </a:r>
           </a:p>
         </p:txBody>
@@ -6994,7 +8034,7 @@
     </p:spTree>
     <p:extLst>
       <p:ext uri="{BB962C8B-B14F-4D97-AF65-F5344CB8AC3E}">
-        <p14:creationId xmlns:p14="http://schemas.microsoft.com/office/powerpoint/2010/main" val="3812715019"/>
+        <p14:creationId xmlns:p14="http://schemas.microsoft.com/office/powerpoint/2010/main" val="3258661815"/>
       </p:ext>
     </p:extLst>
   </p:cSld>
@@ -7036,6 +8076,232 @@
           <a:bodyPr/>
           <a:lstStyle/>
           <a:p>
+            <a:pPr marL="457200" indent="-457200">
+              <a:buFont typeface="+mj-lt"/>
+              <a:buAutoNum type="arabicPeriod"/>
+            </a:pPr>
+            <a:r>
+              <a:rPr lang="en-US" dirty="0"/>
+              <a:t>Pick a thing you want to be better</a:t>
+            </a:r>
+          </a:p>
+          <a:p>
+            <a:pPr marL="457200" indent="-457200">
+              <a:buFont typeface="+mj-lt"/>
+              <a:buAutoNum type="arabicPeriod"/>
+            </a:pPr>
+            <a:r>
+              <a:rPr lang="en-US" dirty="0"/>
+              <a:t>What would good look like?</a:t>
+            </a:r>
+          </a:p>
+          <a:p>
+            <a:pPr marL="457200" indent="-457200">
+              <a:buFont typeface="+mj-lt"/>
+              <a:buAutoNum type="arabicPeriod"/>
+            </a:pPr>
+            <a:r>
+              <a:rPr lang="en-US" dirty="0"/>
+              <a:t>What’s the next logical step toward achieving that good state?</a:t>
+            </a:r>
+          </a:p>
+          <a:p>
+            <a:pPr marL="457200" indent="-457200">
+              <a:buFont typeface="+mj-lt"/>
+              <a:buAutoNum type="arabicPeriod"/>
+            </a:pPr>
+            <a:r>
+              <a:rPr lang="en-US" dirty="0"/>
+              <a:t>What action can you take?  (Proposal?  </a:t>
+            </a:r>
+            <a:r>
+              <a:rPr lang="en-US" dirty="0" err="1"/>
+              <a:t>PoC+Demo</a:t>
+            </a:r>
+            <a:r>
+              <a:rPr lang="en-US" dirty="0"/>
+              <a:t>?  …)</a:t>
+            </a:r>
+          </a:p>
+          <a:p>
+            <a:pPr marL="457200" indent="-457200">
+              <a:buFont typeface="+mj-lt"/>
+              <a:buAutoNum type="arabicPeriod"/>
+            </a:pPr>
+            <a:endParaRPr lang="en-US" dirty="0"/>
+          </a:p>
+        </p:txBody>
+      </p:sp>
+      <p:sp>
+        <p:nvSpPr>
+          <p:cNvPr id="3" name="Title 2"/>
+          <p:cNvSpPr>
+            <a:spLocks noGrp="1"/>
+          </p:cNvSpPr>
+          <p:nvPr>
+            <p:ph type="title"/>
+          </p:nvPr>
+        </p:nvSpPr>
+        <p:spPr/>
+        <p:txBody>
+          <a:bodyPr/>
+          <a:lstStyle/>
+          <a:p>
+            <a:r>
+              <a:rPr lang="en-US" dirty="0"/>
+              <a:t>Be the change </a:t>
+            </a:r>
+            <a:br>
+              <a:rPr lang="en-US" dirty="0"/>
+            </a:br>
+            <a:r>
+              <a:rPr lang="en-US" sz="2800" dirty="0"/>
+              <a:t>(TODO: Pick less cheesy title)</a:t>
+            </a:r>
+            <a:endParaRPr lang="en-US" dirty="0"/>
+          </a:p>
+        </p:txBody>
+      </p:sp>
+    </p:spTree>
+    <p:extLst>
+      <p:ext uri="{BB962C8B-B14F-4D97-AF65-F5344CB8AC3E}">
+        <p14:creationId xmlns:p14="http://schemas.microsoft.com/office/powerpoint/2010/main" val="1213391016"/>
+      </p:ext>
+    </p:extLst>
+  </p:cSld>
+  <p:clrMapOvr>
+    <a:masterClrMapping/>
+  </p:clrMapOvr>
+</p:sld>
+</file>
+
+<file path=ppt/slides/slide32.xml><?xml version="1.0" encoding="utf-8"?>
+<p:sld xmlns:a="http://schemas.openxmlformats.org/drawingml/2006/main" xmlns:r="http://schemas.openxmlformats.org/officeDocument/2006/relationships" xmlns:p="http://schemas.openxmlformats.org/presentationml/2006/main">
+  <p:cSld>
+    <p:spTree>
+      <p:nvGrpSpPr>
+        <p:cNvPr id="1" name=""/>
+        <p:cNvGrpSpPr/>
+        <p:nvPr/>
+      </p:nvGrpSpPr>
+      <p:grpSpPr>
+        <a:xfrm>
+          <a:off x="0" y="0"/>
+          <a:ext cx="0" cy="0"/>
+          <a:chOff x="0" y="0"/>
+          <a:chExt cx="0" cy="0"/>
+        </a:xfrm>
+      </p:grpSpPr>
+      <p:sp>
+        <p:nvSpPr>
+          <p:cNvPr id="2" name="Text Placeholder 1"/>
+          <p:cNvSpPr>
+            <a:spLocks noGrp="1"/>
+          </p:cNvSpPr>
+          <p:nvPr>
+            <p:ph type="body" sz="quarter" idx="10"/>
+          </p:nvPr>
+        </p:nvSpPr>
+        <p:spPr/>
+        <p:txBody>
+          <a:bodyPr/>
+          <a:lstStyle/>
+          <a:p>
+            <a:r>
+              <a:rPr lang="en-US" dirty="0"/>
+              <a:t>Highlight tools / techniques in memorable sound bites</a:t>
+            </a:r>
+          </a:p>
+          <a:p>
+            <a:endParaRPr lang="en-US" dirty="0"/>
+          </a:p>
+          <a:p>
+            <a:r>
+              <a:rPr lang="en-US" dirty="0"/>
+              <a:t>Identify spots for audience participation – What do you do to achieve this goal?</a:t>
+            </a:r>
+          </a:p>
+          <a:p>
+            <a:endParaRPr lang="en-US" dirty="0"/>
+          </a:p>
+          <a:p>
+            <a:r>
+              <a:rPr lang="en-US" dirty="0"/>
+              <a:t>Progress bar or some other indicator of where we are in the presentation</a:t>
+            </a:r>
+          </a:p>
+          <a:p>
+            <a:endParaRPr lang="en-US" dirty="0"/>
+          </a:p>
+        </p:txBody>
+      </p:sp>
+      <p:sp>
+        <p:nvSpPr>
+          <p:cNvPr id="3" name="Title 2"/>
+          <p:cNvSpPr>
+            <a:spLocks noGrp="1"/>
+          </p:cNvSpPr>
+          <p:nvPr>
+            <p:ph type="title"/>
+          </p:nvPr>
+        </p:nvSpPr>
+        <p:spPr/>
+        <p:txBody>
+          <a:bodyPr/>
+          <a:lstStyle/>
+          <a:p>
+            <a:r>
+              <a:rPr lang="en-US" dirty="0"/>
+              <a:t>Jason – Presentation candy to add</a:t>
+            </a:r>
+          </a:p>
+        </p:txBody>
+      </p:sp>
+    </p:spTree>
+    <p:extLst>
+      <p:ext uri="{BB962C8B-B14F-4D97-AF65-F5344CB8AC3E}">
+        <p14:creationId xmlns:p14="http://schemas.microsoft.com/office/powerpoint/2010/main" val="3812715019"/>
+      </p:ext>
+    </p:extLst>
+  </p:cSld>
+  <p:clrMapOvr>
+    <a:masterClrMapping/>
+  </p:clrMapOvr>
+</p:sld>
+</file>
+
+<file path=ppt/slides/slide33.xml><?xml version="1.0" encoding="utf-8"?>
+<p:sld xmlns:a="http://schemas.openxmlformats.org/drawingml/2006/main" xmlns:r="http://schemas.openxmlformats.org/officeDocument/2006/relationships" xmlns:p="http://schemas.openxmlformats.org/presentationml/2006/main">
+  <p:cSld>
+    <p:spTree>
+      <p:nvGrpSpPr>
+        <p:cNvPr id="1" name=""/>
+        <p:cNvGrpSpPr/>
+        <p:nvPr/>
+      </p:nvGrpSpPr>
+      <p:grpSpPr>
+        <a:xfrm>
+          <a:off x="0" y="0"/>
+          <a:ext cx="0" cy="0"/>
+          <a:chOff x="0" y="0"/>
+          <a:chExt cx="0" cy="0"/>
+        </a:xfrm>
+      </p:grpSpPr>
+      <p:sp>
+        <p:nvSpPr>
+          <p:cNvPr id="2" name="Text Placeholder 1"/>
+          <p:cNvSpPr>
+            <a:spLocks noGrp="1"/>
+          </p:cNvSpPr>
+          <p:nvPr>
+            <p:ph type="body" sz="quarter" idx="10"/>
+          </p:nvPr>
+        </p:nvSpPr>
+        <p:spPr/>
+        <p:txBody>
+          <a:bodyPr/>
+          <a:lstStyle/>
+          <a:p>
             <a:pPr marL="342900" indent="-342900">
               <a:buFontTx/>
               <a:buChar char="-"/>
@@ -7122,7 +8388,7 @@
 </p:sld>
 </file>
 
-<file path=ppt/slides/slide32.xml><?xml version="1.0" encoding="utf-8"?>
+<file path=ppt/slides/slide34.xml><?xml version="1.0" encoding="utf-8"?>
 <p:sld xmlns:a="http://schemas.openxmlformats.org/drawingml/2006/main" xmlns:r="http://schemas.openxmlformats.org/officeDocument/2006/relationships" xmlns:p="http://schemas.openxmlformats.org/presentationml/2006/main">
   <p:cSld>
     <p:spTree>

--- a/InFusion2016 - Getting It Done - Jason Wood.pptx
+++ b/InFusion2016 - Getting It Done - Jason Wood.pptx
@@ -5,7 +5,7 @@
     <p:sldMasterId id="2147483810" r:id="rId1"/>
   </p:sldMasterIdLst>
   <p:notesMasterIdLst>
-    <p:notesMasterId r:id="rId36"/>
+    <p:notesMasterId r:id="rId37"/>
   </p:notesMasterIdLst>
   <p:sldIdLst>
     <p:sldId id="256" r:id="rId2"/>
@@ -32,16 +32,17 @@
     <p:sldId id="290" r:id="rId23"/>
     <p:sldId id="270" r:id="rId24"/>
     <p:sldId id="272" r:id="rId25"/>
-    <p:sldId id="273" r:id="rId26"/>
-    <p:sldId id="274" r:id="rId27"/>
-    <p:sldId id="278" r:id="rId28"/>
-    <p:sldId id="295" r:id="rId29"/>
-    <p:sldId id="279" r:id="rId30"/>
-    <p:sldId id="296" r:id="rId31"/>
-    <p:sldId id="275" r:id="rId32"/>
-    <p:sldId id="281" r:id="rId33"/>
-    <p:sldId id="266" r:id="rId34"/>
-    <p:sldId id="280" r:id="rId35"/>
+    <p:sldId id="274" r:id="rId26"/>
+    <p:sldId id="299" r:id="rId27"/>
+    <p:sldId id="273" r:id="rId28"/>
+    <p:sldId id="278" r:id="rId29"/>
+    <p:sldId id="295" r:id="rId30"/>
+    <p:sldId id="279" r:id="rId31"/>
+    <p:sldId id="296" r:id="rId32"/>
+    <p:sldId id="275" r:id="rId33"/>
+    <p:sldId id="281" r:id="rId34"/>
+    <p:sldId id="266" r:id="rId35"/>
+    <p:sldId id="280" r:id="rId36"/>
   </p:sldIdLst>
   <p:sldSz cx="12192000" cy="6858000"/>
   <p:notesSz cx="6858000" cy="9144000"/>
@@ -169,8 +170,9 @@
             <p14:sldId id="290"/>
             <p14:sldId id="270"/>
             <p14:sldId id="272"/>
+            <p14:sldId id="274"/>
+            <p14:sldId id="299"/>
             <p14:sldId id="273"/>
-            <p14:sldId id="274"/>
             <p14:sldId id="278"/>
             <p14:sldId id="295"/>
             <p14:sldId id="279"/>
@@ -1808,6 +1810,15 @@
           <a:p>
             <a:r>
               <a:rPr lang="en-US" baseline="0" dirty="0"/>
+              <a:t>Don’t frame your follow-on work as a “bonus” pile – it becomes a collection of cheap, low-value stuff – not the best use of time.</a:t>
+            </a:r>
+          </a:p>
+          <a:p>
+            <a:endParaRPr lang="en-US" baseline="0" dirty="0"/>
+          </a:p>
+          <a:p>
+            <a:r>
+              <a:rPr lang="en-US" baseline="0" dirty="0"/>
               <a:t>Carl Pacey talks about how to make small merges.</a:t>
             </a:r>
           </a:p>
@@ -2297,7 +2308,10 @@
           <a:bodyPr/>
           <a:lstStyle/>
           <a:p>
-            <a:endParaRPr lang="en-US"/>
+            <a:r>
+              <a:rPr lang="en-US" dirty="0"/>
+              <a:t>Can categorize to-do list by strategic and tactical</a:t>
+            </a:r>
           </a:p>
         </p:txBody>
       </p:sp>
@@ -2327,7 +2341,7 @@
     </p:spTree>
     <p:extLst>
       <p:ext uri="{BB962C8B-B14F-4D97-AF65-F5344CB8AC3E}">
-        <p14:creationId xmlns:p14="http://schemas.microsoft.com/office/powerpoint/2010/main" val="381673875"/>
+        <p14:creationId xmlns:p14="http://schemas.microsoft.com/office/powerpoint/2010/main" val="1482790445"/>
       </p:ext>
     </p:extLst>
   </p:cSld>
@@ -2383,8 +2397,102 @@
           <a:p>
             <a:r>
               <a:rPr lang="en-US" dirty="0"/>
-              <a:t>Can categorize to-do list by strategic and tactical</a:t>
-            </a:r>
+              <a:t>There are different perspectives on “Velocity of Learning” as a worthy goal.  On one hand, some people assert it’s not sufficiently outcome-oriented.</a:t>
+            </a:r>
+            <a:r>
+              <a:rPr lang="en-US" baseline="0" dirty="0"/>
+              <a:t>  On the other hand, I don’t think we want to target specific outcomes just for the sake of it.</a:t>
+            </a:r>
+          </a:p>
+          <a:p>
+            <a:endParaRPr lang="en-US" baseline="0" dirty="0"/>
+          </a:p>
+          <a:p>
+            <a:endParaRPr lang="en-US" baseline="0" dirty="0"/>
+          </a:p>
+          <a:p>
+            <a:pPr marL="342900" indent="-342900">
+              <a:buFont typeface="Arial" panose="020B0604020202020204" pitchFamily="34" charset="0"/>
+              <a:buChar char="•"/>
+            </a:pPr>
+            <a:r>
+              <a:rPr lang="en-US" dirty="0"/>
+              <a:t>Why?</a:t>
+            </a:r>
+          </a:p>
+          <a:p>
+            <a:pPr marL="342900" indent="-342900">
+              <a:buFont typeface="Arial" panose="020B0604020202020204" pitchFamily="34" charset="0"/>
+              <a:buChar char="•"/>
+            </a:pPr>
+            <a:r>
+              <a:rPr lang="en-US" dirty="0"/>
+              <a:t>&gt;&gt; More capable</a:t>
+            </a:r>
+          </a:p>
+          <a:p>
+            <a:pPr marL="342900" indent="-342900">
+              <a:buFont typeface="Arial" panose="020B0604020202020204" pitchFamily="34" charset="0"/>
+              <a:buChar char="•"/>
+            </a:pPr>
+            <a:r>
+              <a:rPr lang="en-US" dirty="0"/>
+              <a:t>&gt;&gt; Less likely to make the same mistakes twice</a:t>
+            </a:r>
+          </a:p>
+          <a:p>
+            <a:pPr marL="342900" indent="-342900">
+              <a:buFont typeface="Arial" panose="020B0604020202020204" pitchFamily="34" charset="0"/>
+              <a:buChar char="•"/>
+            </a:pPr>
+            <a:r>
+              <a:rPr lang="en-US" dirty="0"/>
+              <a:t>&gt;&gt; Happier and more fulfilled</a:t>
+            </a:r>
+          </a:p>
+          <a:p>
+            <a:pPr marL="342900" indent="-342900">
+              <a:buFont typeface="Arial" panose="020B0604020202020204" pitchFamily="34" charset="0"/>
+              <a:buChar char="•"/>
+            </a:pPr>
+            <a:endParaRPr lang="en-US" dirty="0"/>
+          </a:p>
+          <a:p>
+            <a:pPr marL="342900" indent="-342900">
+              <a:buFont typeface="Arial" panose="020B0604020202020204" pitchFamily="34" charset="0"/>
+              <a:buChar char="•"/>
+            </a:pPr>
+            <a:endParaRPr lang="en-US" dirty="0"/>
+          </a:p>
+          <a:p>
+            <a:pPr marL="342900" indent="-342900">
+              <a:buFont typeface="Arial" panose="020B0604020202020204" pitchFamily="34" charset="0"/>
+              <a:buChar char="•"/>
+            </a:pPr>
+            <a:r>
+              <a:rPr lang="en-US" dirty="0"/>
+              <a:t>Abhor stagnation – crave healthy change.  You can be stagnating, even when you’re working hard.  </a:t>
+            </a:r>
+          </a:p>
+          <a:p>
+            <a:pPr marL="342900" indent="-342900">
+              <a:buFont typeface="Arial" panose="020B0604020202020204" pitchFamily="34" charset="0"/>
+              <a:buChar char="•"/>
+            </a:pPr>
+            <a:r>
+              <a:rPr lang="en-US" dirty="0"/>
+              <a:t>&gt;&gt;Change is an opportunity to learn and grow</a:t>
+            </a:r>
+          </a:p>
+          <a:p>
+            <a:pPr marL="342900" indent="-342900">
+              <a:buFont typeface="Arial" panose="020B0604020202020204" pitchFamily="34" charset="0"/>
+              <a:buChar char="•"/>
+            </a:pPr>
+            <a:endParaRPr lang="en-US" dirty="0"/>
+          </a:p>
+          <a:p>
+            <a:endParaRPr lang="en-US" dirty="0"/>
           </a:p>
         </p:txBody>
       </p:sp>
@@ -2405,7 +2513,7 @@
           <a:p>
             <a:fld id="{54165CF5-22A4-4BB9-BE26-FDB96183FE65}" type="slidenum">
               <a:rPr lang="en-US" smtClean="0"/>
-              <a:t>26</a:t>
+              <a:t>27</a:t>
             </a:fld>
             <a:endParaRPr lang="en-US"/>
           </a:p>
@@ -2414,7 +2522,7 @@
     </p:spTree>
     <p:extLst>
       <p:ext uri="{BB962C8B-B14F-4D97-AF65-F5344CB8AC3E}">
-        <p14:creationId xmlns:p14="http://schemas.microsoft.com/office/powerpoint/2010/main" val="1482790445"/>
+        <p14:creationId xmlns:p14="http://schemas.microsoft.com/office/powerpoint/2010/main" val="381673875"/>
       </p:ext>
     </p:extLst>
   </p:cSld>
@@ -2523,7 +2631,7 @@
           <a:p>
             <a:fld id="{54165CF5-22A4-4BB9-BE26-FDB96183FE65}" type="slidenum">
               <a:rPr lang="en-US" smtClean="0"/>
-              <a:t>27</a:t>
+              <a:t>28</a:t>
             </a:fld>
             <a:endParaRPr lang="en-US"/>
           </a:p>
@@ -2687,7 +2795,7 @@
           <a:p>
             <a:fld id="{54165CF5-22A4-4BB9-BE26-FDB96183FE65}" type="slidenum">
               <a:rPr lang="en-US" smtClean="0"/>
-              <a:t>28</a:t>
+              <a:t>29</a:t>
             </a:fld>
             <a:endParaRPr lang="en-US"/>
           </a:p>
@@ -2783,7 +2891,7 @@
           <a:p>
             <a:fld id="{54165CF5-22A4-4BB9-BE26-FDB96183FE65}" type="slidenum">
               <a:rPr lang="en-US" smtClean="0"/>
-              <a:t>29</a:t>
+              <a:t>30</a:t>
             </a:fld>
             <a:endParaRPr lang="en-US"/>
           </a:p>
@@ -2846,15 +2954,6 @@
           <a:bodyPr/>
           <a:lstStyle/>
           <a:p>
-            <a:r>
-              <a:rPr lang="en-US" dirty="0"/>
-              <a:t>: “It was really cool that you spoke up back there – I think that helped get us on track…”</a:t>
-            </a:r>
-          </a:p>
-          <a:p>
-            <a:endParaRPr lang="en-US" dirty="0"/>
-          </a:p>
-          <a:p>
             <a:pPr marL="0" marR="0" lvl="0" indent="0" algn="l" defTabSz="914400" rtl="0" eaLnBrk="1" fontAlgn="auto" latinLnBrk="0" hangingPunct="1">
               <a:lnSpc>
                 <a:spcPct val="100000"/>
@@ -2873,11 +2972,231 @@
               <a:defRPr/>
             </a:pPr>
             <a:r>
+              <a:rPr lang="en-US" b="1" dirty="0"/>
+              <a:t>So how do we get to the point we can do that?</a:t>
+            </a:r>
+          </a:p>
+          <a:p>
+            <a:endParaRPr lang="en-US" dirty="0"/>
+          </a:p>
+          <a:p>
+            <a:r>
+              <a:rPr lang="en-US" dirty="0"/>
+              <a:t>: “It was really cool that you spoke up back there – I think that helped get us on track…”</a:t>
+            </a:r>
+          </a:p>
+          <a:p>
+            <a:endParaRPr lang="en-US" dirty="0"/>
+          </a:p>
+          <a:p>
+            <a:pPr marL="0" marR="0" lvl="0" indent="0" algn="l" defTabSz="914400" rtl="0" eaLnBrk="1" fontAlgn="auto" latinLnBrk="0" hangingPunct="1">
+              <a:lnSpc>
+                <a:spcPct val="100000"/>
+              </a:lnSpc>
+              <a:spcBef>
+                <a:spcPts val="0"/>
+              </a:spcBef>
+              <a:spcAft>
+                <a:spcPts val="0"/>
+              </a:spcAft>
+              <a:buClrTx/>
+              <a:buSzTx/>
+              <a:buFontTx/>
+              <a:buNone/>
+              <a:tabLst/>
+              <a:defRPr/>
+            </a:pPr>
+            <a:r>
               <a:rPr lang="en-US" dirty="0"/>
               <a:t>Make it easy for people to share strengthening feedback with you – and try not to just fish for the good – make it easy for people to share ideas about how you can get stronger.</a:t>
             </a:r>
           </a:p>
           <a:p>
+            <a:endParaRPr lang="en-US" dirty="0"/>
+          </a:p>
+          <a:p>
+            <a:pPr marL="171450" indent="-171450">
+              <a:buFontTx/>
+              <a:buChar char="-"/>
+            </a:pPr>
+            <a:r>
+              <a:rPr lang="en-US" dirty="0"/>
+              <a:t>(Between 3:1 and 9:1 ratio.) of positive to negative feedback needed to maintain trust</a:t>
+            </a:r>
+          </a:p>
+          <a:p>
+            <a:pPr marL="171450" indent="-171450">
+              <a:buFontTx/>
+              <a:buChar char="-"/>
+            </a:pPr>
+            <a:r>
+              <a:rPr lang="en-US" dirty="0"/>
+              <a:t>Especially</a:t>
+            </a:r>
+            <a:r>
+              <a:rPr lang="en-US" baseline="0" dirty="0"/>
+              <a:t> share positive feedback when someone does something new for them</a:t>
+            </a:r>
+            <a:endParaRPr lang="en-US" dirty="0"/>
+          </a:p>
+          <a:p>
+            <a:pPr marL="171450" indent="-171450">
+              <a:buFontTx/>
+              <a:buChar char="-"/>
+            </a:pPr>
+            <a:endParaRPr lang="en-US" dirty="0"/>
+          </a:p>
+          <a:p>
+            <a:pPr marL="171450" indent="-171450">
+              <a:buFontTx/>
+              <a:buChar char="-"/>
+            </a:pPr>
+            <a:endParaRPr lang="en-US" dirty="0"/>
+          </a:p>
+          <a:p>
+            <a:pPr marL="171450" marR="0" lvl="0" indent="-171450" algn="l" defTabSz="914400" rtl="0" eaLnBrk="1" fontAlgn="auto" latinLnBrk="0" hangingPunct="1">
+              <a:lnSpc>
+                <a:spcPct val="100000"/>
+              </a:lnSpc>
+              <a:spcBef>
+                <a:spcPts val="0"/>
+              </a:spcBef>
+              <a:spcAft>
+                <a:spcPts val="0"/>
+              </a:spcAft>
+              <a:buClrTx/>
+              <a:buSzTx/>
+              <a:buFontTx/>
+              <a:buChar char="-"/>
+              <a:tabLst/>
+              <a:defRPr/>
+            </a:pPr>
+            <a:r>
+              <a:rPr lang="en-US" dirty="0"/>
+              <a:t>Tell people you got good feedback and that it helped (if it was, and if it did.)  That reinforces the idea that this is valued behavior, and it’s a form of real-time public feedback for the person who took time to help you out.</a:t>
+            </a:r>
+          </a:p>
+          <a:p>
+            <a:pPr marL="171450" marR="0" lvl="0" indent="-171450" algn="l" defTabSz="914400" rtl="0" eaLnBrk="1" fontAlgn="auto" latinLnBrk="0" hangingPunct="1">
+              <a:lnSpc>
+                <a:spcPct val="100000"/>
+              </a:lnSpc>
+              <a:spcBef>
+                <a:spcPts val="0"/>
+              </a:spcBef>
+              <a:spcAft>
+                <a:spcPts val="0"/>
+              </a:spcAft>
+              <a:buClrTx/>
+              <a:buSzTx/>
+              <a:buFontTx/>
+              <a:buChar char="-"/>
+              <a:tabLst/>
+              <a:defRPr/>
+            </a:pPr>
+            <a:endParaRPr lang="en-US" dirty="0"/>
+          </a:p>
+          <a:p>
+            <a:pPr marL="171450" marR="0" lvl="0" indent="-171450" algn="l" defTabSz="914400" rtl="0" eaLnBrk="1" fontAlgn="auto" latinLnBrk="0" hangingPunct="1">
+              <a:lnSpc>
+                <a:spcPct val="100000"/>
+              </a:lnSpc>
+              <a:spcBef>
+                <a:spcPts val="0"/>
+              </a:spcBef>
+              <a:spcAft>
+                <a:spcPts val="0"/>
+              </a:spcAft>
+              <a:buClrTx/>
+              <a:buSzTx/>
+              <a:buFontTx/>
+              <a:buChar char="-"/>
+              <a:tabLst/>
+              <a:defRPr/>
+            </a:pPr>
+            <a:endParaRPr lang="en-US" dirty="0"/>
+          </a:p>
+          <a:p>
+            <a:pPr marL="342900" indent="-342900">
+              <a:buFont typeface="Arial" panose="020B0604020202020204" pitchFamily="34" charset="0"/>
+              <a:buChar char="•"/>
+            </a:pPr>
+            <a:r>
+              <a:rPr lang="en-US" sz="1200" dirty="0"/>
+              <a:t>Share positive feedback every day, in small but honest ways.  </a:t>
+            </a:r>
+          </a:p>
+          <a:p>
+            <a:pPr marL="342900" indent="-342900">
+              <a:buFont typeface="Arial" panose="020B0604020202020204" pitchFamily="34" charset="0"/>
+              <a:buChar char="•"/>
+            </a:pPr>
+            <a:r>
+              <a:rPr lang="en-US" sz="1200" dirty="0"/>
+              <a:t>Make it easy for people to share strengthening feedback with you</a:t>
+            </a:r>
+          </a:p>
+          <a:p>
+            <a:pPr marL="342900" indent="-342900">
+              <a:buFont typeface="Arial" panose="020B0604020202020204" pitchFamily="34" charset="0"/>
+              <a:buChar char="•"/>
+            </a:pPr>
+            <a:r>
+              <a:rPr lang="en-US" sz="1200" dirty="0"/>
+              <a:t>Getting feedback: Be interested.  Be engaged.  Don’t argue.  Ask for clarification or examples. Say thank you, and mean it.</a:t>
+            </a:r>
+          </a:p>
+          <a:p>
+            <a:pPr marL="342900" indent="-342900">
+              <a:buFont typeface="Arial" panose="020B0604020202020204" pitchFamily="34" charset="0"/>
+              <a:buChar char="•"/>
+            </a:pPr>
+            <a:r>
+              <a:rPr lang="en-US" sz="1200" dirty="0"/>
+              <a:t>Tell people that you got good feedback and that it helped </a:t>
+            </a:r>
+          </a:p>
+          <a:p>
+            <a:pPr marL="342900" indent="-342900">
+              <a:buFont typeface="Arial" panose="020B0604020202020204" pitchFamily="34" charset="0"/>
+              <a:buChar char="•"/>
+            </a:pPr>
+            <a:r>
+              <a:rPr lang="en-US" sz="1200" dirty="0"/>
+              <a:t>Find opportunities to practice giving constructive feedback to someone who trusts you</a:t>
+            </a:r>
+          </a:p>
+          <a:p>
+            <a:pPr marL="342900" indent="-342900">
+              <a:buFont typeface="Arial" panose="020B0604020202020204" pitchFamily="34" charset="0"/>
+              <a:buChar char="•"/>
+            </a:pPr>
+            <a:r>
+              <a:rPr lang="en-US" sz="1200" dirty="0"/>
+              <a:t>Start small</a:t>
+            </a:r>
+          </a:p>
+          <a:p>
+            <a:endParaRPr lang="en-US" dirty="0"/>
+          </a:p>
+          <a:p>
+            <a:pPr marL="0" marR="0" lvl="0" indent="0" algn="l" defTabSz="914400" rtl="0" eaLnBrk="1" fontAlgn="auto" latinLnBrk="0" hangingPunct="1">
+              <a:lnSpc>
+                <a:spcPct val="100000"/>
+              </a:lnSpc>
+              <a:spcBef>
+                <a:spcPts val="0"/>
+              </a:spcBef>
+              <a:spcAft>
+                <a:spcPts val="0"/>
+              </a:spcAft>
+              <a:buClrTx/>
+              <a:buSzTx/>
+              <a:buFontTx/>
+              <a:buNone/>
+              <a:tabLst/>
+              <a:defRPr/>
+            </a:pPr>
             <a:endParaRPr lang="en-US" dirty="0"/>
           </a:p>
         </p:txBody>
@@ -2899,7 +3218,7 @@
           <a:p>
             <a:fld id="{54165CF5-22A4-4BB9-BE26-FDB96183FE65}" type="slidenum">
               <a:rPr lang="en-US" smtClean="0"/>
-              <a:t>30</a:t>
+              <a:t>31</a:t>
             </a:fld>
             <a:endParaRPr lang="en-US"/>
           </a:p>
@@ -3128,7 +3447,7 @@
           <a:p>
             <a:fld id="{54165CF5-22A4-4BB9-BE26-FDB96183FE65}" type="slidenum">
               <a:rPr lang="en-US" smtClean="0"/>
-              <a:t>31</a:t>
+              <a:t>32</a:t>
             </a:fld>
             <a:endParaRPr lang="en-US"/>
           </a:p>
@@ -5489,7 +5808,12 @@
             <p:ph type="body" sz="quarter" idx="10"/>
           </p:nvPr>
         </p:nvSpPr>
-        <p:spPr/>
+        <p:spPr>
+          <a:xfrm>
+            <a:off x="366211" y="2017718"/>
+            <a:ext cx="11432854" cy="4264025"/>
+          </a:xfrm>
+        </p:spPr>
         <p:txBody>
           <a:bodyPr/>
           <a:lstStyle/>
@@ -5654,7 +5978,7 @@
             <a:pPr marL="628625" lvl="1" indent="-457200"/>
             <a:r>
               <a:rPr lang="en-US" sz="2800" dirty="0"/>
-              <a:t>Helps identify paths for which to search</a:t>
+              <a:t>Helps identify paths to look for</a:t>
             </a:r>
           </a:p>
           <a:p>
@@ -5768,7 +6092,7 @@
           <a:p>
             <a:r>
               <a:rPr lang="en-US" sz="2800" dirty="0"/>
-              <a:t>When it’s hard to choose A or B, go with the choice that’s easiest to revert</a:t>
+              <a:t>When it’s hard to choose A or B, go with option easiest to revert</a:t>
             </a:r>
           </a:p>
           <a:p>
@@ -5997,6 +6321,20 @@
               <a:buFont typeface="Arial" panose="020B0604020202020204" pitchFamily="34" charset="0"/>
               <a:buChar char="•"/>
             </a:pPr>
+            <a:r>
+              <a:rPr lang="en-US" dirty="0">
+                <a:solidFill>
+                  <a:srgbClr val="FF0000"/>
+                </a:solidFill>
+              </a:rPr>
+              <a:t>Learning is part of the essential scaffolding that enables feature delivery</a:t>
+            </a:r>
+          </a:p>
+          <a:p>
+            <a:pPr marL="342900" indent="-342900">
+              <a:buFont typeface="Arial" panose="020B0604020202020204" pitchFamily="34" charset="0"/>
+              <a:buChar char="•"/>
+            </a:pPr>
             <a:endParaRPr lang="en-US" dirty="0"/>
           </a:p>
           <a:p>
@@ -6284,8 +6622,8 @@
               <a:buChar char="•"/>
             </a:pPr>
             <a:r>
-              <a:rPr lang="en-US" sz="3200" dirty="0"/>
-              <a:t>Everything we build that’s not in prod immediately adds risk</a:t>
+              <a:rPr lang="en-US" sz="2800" dirty="0"/>
+              <a:t>Code not in prod = Risk</a:t>
             </a:r>
           </a:p>
           <a:p>
@@ -6294,7 +6632,7 @@
               <a:buChar char="•"/>
             </a:pPr>
             <a:r>
-              <a:rPr lang="en-US" sz="3200" dirty="0"/>
+              <a:rPr lang="en-US" sz="2800" dirty="0"/>
               <a:t>Don’t miss trains </a:t>
             </a:r>
           </a:p>
@@ -6304,28 +6642,28 @@
               <a:buChar char="•"/>
             </a:pPr>
             <a:r>
-              <a:rPr lang="en-US" sz="3200" dirty="0"/>
-              <a:t>How do we find the right slices?</a:t>
+              <a:rPr lang="en-US" sz="2800" dirty="0"/>
+              <a:t>How do we shape our work into slices?</a:t>
             </a:r>
           </a:p>
           <a:p>
             <a:pPr lvl="1" indent="-342900"/>
             <a:r>
-              <a:rPr lang="en-US" sz="2400" dirty="0"/>
+              <a:rPr lang="en-US" sz="2000" dirty="0"/>
               <a:t>Ask: How can we do less?</a:t>
             </a:r>
           </a:p>
           <a:p>
             <a:pPr lvl="1" indent="-342900"/>
             <a:r>
-              <a:rPr lang="en-US" sz="2400" dirty="0"/>
+              <a:rPr lang="en-US" sz="2000" dirty="0"/>
               <a:t>Plan for a much smaller sprint/release commitment, with groomed follow-on work.</a:t>
             </a:r>
           </a:p>
           <a:p>
             <a:pPr lvl="1" indent="-342900"/>
             <a:r>
-              <a:rPr lang="en-US" sz="2400" dirty="0"/>
+              <a:rPr lang="en-US" sz="2000" dirty="0"/>
               <a:t>De-risk early by tackling work in the order that prioritizes learning</a:t>
             </a:r>
           </a:p>
@@ -6335,7 +6673,7 @@
               <a:buChar char="•"/>
             </a:pPr>
             <a:r>
-              <a:rPr lang="en-US" sz="3200" dirty="0"/>
+              <a:rPr lang="en-US" sz="2800" dirty="0"/>
               <a:t>Don’t slice thinner than “done”</a:t>
             </a:r>
           </a:p>
@@ -6345,10 +6683,10 @@
               <a:buChar char="•"/>
             </a:pPr>
             <a:r>
-              <a:rPr lang="en-US" sz="3200" dirty="0"/>
-              <a:t>Thin slicing costs more – we’re buying the opportunity to change course more often</a:t>
-            </a:r>
-            <a:endParaRPr lang="en-US" dirty="0"/>
+              <a:rPr lang="en-US" sz="2800" dirty="0"/>
+              <a:t>Thin slicing costs more – we’re specifically buying the opportunity to adjust course more often</a:t>
+            </a:r>
+            <a:endParaRPr lang="en-US" sz="2000" dirty="0"/>
           </a:p>
         </p:txBody>
       </p:sp>
@@ -6388,7 +6726,7 @@
 </file>
 
 <file path=ppt/slides/slide2.xml><?xml version="1.0" encoding="utf-8"?>
-<p:sld xmlns:a="http://schemas.openxmlformats.org/drawingml/2006/main" xmlns:r="http://schemas.openxmlformats.org/officeDocument/2006/relationships" xmlns:p="http://schemas.openxmlformats.org/presentationml/2006/main" show="0">
+<p:sld xmlns:a="http://schemas.openxmlformats.org/drawingml/2006/main" xmlns:r="http://schemas.openxmlformats.org/officeDocument/2006/relationships" xmlns:p="http://schemas.openxmlformats.org/presentationml/2006/main">
   <p:cSld>
     <p:spTree>
       <p:nvGrpSpPr>
@@ -6419,27 +6757,12 @@
           <a:bodyPr/>
           <a:lstStyle/>
           <a:p>
-            <a:r>
-              <a:rPr lang="en-US" dirty="0"/>
-              <a:t>We can choose to spend our time on an infinite number of things.  </a:t>
-            </a:r>
-          </a:p>
-          <a:p>
-            <a:endParaRPr lang="en-US" dirty="0"/>
-          </a:p>
-          <a:p>
-            <a:r>
-              <a:rPr lang="en-US" dirty="0"/>
-              <a:t>If we can pick the things that matter most, that make the biggest difference, that fulfil us… then we’ll be highly effective people who solve important problems, and who are more successful.  </a:t>
-            </a:r>
-          </a:p>
-          <a:p>
-            <a:endParaRPr lang="en-US" dirty="0"/>
-          </a:p>
-          <a:p>
-            <a:r>
-              <a:rPr lang="en-US" dirty="0"/>
-              <a:t>And I fundamentally believe that given that, we’ll be happier too.</a:t>
+            <a:pPr marL="0" indent="0">
+              <a:buNone/>
+            </a:pPr>
+            <a:r>
+              <a:rPr lang="en-US" sz="3200" dirty="0"/>
+              <a:t>Can we spend our time on the things that matter most – that make the biggest difference – that fulfil us?</a:t>
             </a:r>
           </a:p>
         </p:txBody>
@@ -6461,7 +6784,7 @@
           <a:p>
             <a:r>
               <a:rPr lang="en-US" dirty="0"/>
-              <a:t>Big Idea</a:t>
+              <a:t>The Point</a:t>
             </a:r>
           </a:p>
         </p:txBody>
@@ -6516,93 +6839,62 @@
           <a:bodyPr/>
           <a:lstStyle/>
           <a:p>
-            <a:pPr marL="342900" indent="-342900">
-              <a:buFontTx/>
-              <a:buChar char="-"/>
-            </a:pPr>
-            <a:r>
-              <a:rPr lang="en-US" sz="3200" dirty="0"/>
+            <a:r>
+              <a:rPr lang="en-US" sz="2800" dirty="0"/>
               <a:t>Systems operate at best throughput when at ~80% capacity</a:t>
             </a:r>
           </a:p>
           <a:p>
-            <a:pPr marL="342900" indent="-342900">
-              <a:buFontTx/>
-              <a:buChar char="-"/>
-            </a:pPr>
-            <a:r>
-              <a:rPr lang="en-US" sz="3200" dirty="0"/>
+            <a:r>
+              <a:rPr lang="en-US" sz="2800" dirty="0"/>
               <a:t>In engineering, slack lets us:</a:t>
             </a:r>
           </a:p>
           <a:p>
-            <a:pPr lvl="1" indent="-342900">
-              <a:buFontTx/>
-              <a:buChar char="-"/>
-            </a:pPr>
-            <a:r>
-              <a:rPr lang="en-US" sz="2900" dirty="0"/>
+            <a:pPr marL="628625" lvl="1" indent="-457200"/>
+            <a:r>
+              <a:rPr lang="en-US" sz="2800" dirty="0"/>
               <a:t>Avoid abrupt, expensive overreaction to change </a:t>
             </a:r>
           </a:p>
           <a:p>
-            <a:pPr lvl="1" indent="-342900">
-              <a:buFontTx/>
-              <a:buChar char="-"/>
-            </a:pPr>
-            <a:r>
-              <a:rPr lang="en-US" sz="2900" dirty="0"/>
+            <a:pPr marL="628625" lvl="1" indent="-457200"/>
+            <a:r>
+              <a:rPr lang="en-US" sz="2800" dirty="0"/>
               <a:t>Avoid quality compromises that cost more in the long run</a:t>
             </a:r>
           </a:p>
           <a:p>
-            <a:pPr lvl="1" indent="-342900">
-              <a:buFontTx/>
-              <a:buChar char="-"/>
-            </a:pPr>
-            <a:r>
-              <a:rPr lang="en-US" sz="2900" dirty="0"/>
+            <a:pPr marL="628625" lvl="1" indent="-457200"/>
+            <a:r>
+              <a:rPr lang="en-US" sz="2800" dirty="0"/>
               <a:t>Be fundamentally more calm while working</a:t>
             </a:r>
           </a:p>
           <a:p>
-            <a:pPr lvl="1" indent="-342900">
-              <a:buFontTx/>
-              <a:buChar char="-"/>
-            </a:pPr>
-            <a:r>
-              <a:rPr lang="en-US" sz="2900" dirty="0"/>
+            <a:pPr marL="628625" lvl="1" indent="-457200"/>
+            <a:r>
+              <a:rPr lang="en-US" sz="2800" dirty="0"/>
               <a:t>Enables tool sharpening</a:t>
             </a:r>
           </a:p>
           <a:p>
-            <a:pPr lvl="1" indent="-342900">
-              <a:buFontTx/>
-              <a:buChar char="-"/>
-            </a:pPr>
-            <a:r>
-              <a:rPr lang="en-US" sz="2900" dirty="0"/>
+            <a:pPr marL="628625" lvl="1" indent="-457200"/>
+            <a:r>
+              <a:rPr lang="en-US" sz="2800" dirty="0"/>
               <a:t>Enables learning</a:t>
             </a:r>
           </a:p>
           <a:p>
-            <a:pPr marL="342900" indent="-342900">
-              <a:buFontTx/>
-              <a:buChar char="-"/>
-            </a:pPr>
-            <a:r>
-              <a:rPr lang="en-US" sz="3200" dirty="0"/>
+            <a:r>
+              <a:rPr lang="en-US" sz="2800" dirty="0"/>
               <a:t>Very short periods of sprint can be okay</a:t>
             </a:r>
           </a:p>
           <a:p>
-            <a:pPr marL="342900" indent="-342900">
-              <a:buFontTx/>
-              <a:buChar char="-"/>
-            </a:pPr>
-            <a:r>
-              <a:rPr lang="en-US" sz="3200" dirty="0"/>
-              <a:t>In my experience, the team is one of the forces that *decreases* slack</a:t>
+            <a:r>
+              <a:rPr lang="en-US" sz="2800" dirty="0"/>
+              <a:t>The engineering team can be a force that *decreases* slack</a:t>
             </a:r>
           </a:p>
         </p:txBody>
@@ -6710,7 +7002,15 @@
             </a:pPr>
             <a:r>
               <a:rPr lang="en-US" sz="3200" dirty="0"/>
-              <a:t>Should other people know about it?</a:t>
+              <a:t>Should other people </a:t>
+            </a:r>
+            <a:r>
+              <a:rPr lang="en-US" sz="3200"/>
+              <a:t>be aware of </a:t>
+            </a:r>
+            <a:r>
+              <a:rPr lang="en-US" sz="3200" dirty="0"/>
+              <a:t>it?</a:t>
             </a:r>
           </a:p>
         </p:txBody>
@@ -7030,7 +7330,7 @@
       </p:grpSpPr>
       <p:sp>
         <p:nvSpPr>
-          <p:cNvPr id="5" name="Text Placeholder 4"/>
+          <p:cNvPr id="2" name="Text Placeholder 1"/>
           <p:cNvSpPr>
             <a:spLocks noGrp="1"/>
           </p:cNvSpPr>
@@ -7048,9 +7348,15 @@
               <a:buChar char="•"/>
             </a:pPr>
             <a:r>
-              <a:rPr lang="en-US" dirty="0"/>
-              <a:t>Why?</a:t>
-            </a:r>
+              <a:rPr lang="en-US" sz="3200" dirty="0"/>
+              <a:t>Understand the why and the big picture fit for your work</a:t>
+            </a:r>
+          </a:p>
+          <a:p>
+            <a:pPr marL="0" indent="0">
+              <a:buNone/>
+            </a:pPr>
+            <a:endParaRPr lang="en-US" sz="3200" dirty="0"/>
           </a:p>
           <a:p>
             <a:pPr marL="342900" indent="-342900">
@@ -7058,8 +7364,22 @@
               <a:buChar char="•"/>
             </a:pPr>
             <a:r>
-              <a:rPr lang="en-US" dirty="0"/>
-              <a:t>&gt;&gt; More capable</a:t>
+              <a:rPr lang="en-US" sz="3200" dirty="0"/>
+              <a:t>Start the day by making sure you’re doing the right thing</a:t>
+            </a:r>
+          </a:p>
+          <a:p>
+            <a:pPr lvl="1" indent="-342900"/>
+            <a:r>
+              <a:rPr lang="en-US" sz="2800" dirty="0"/>
+              <a:t>Calendar before email or yesterday’s list</a:t>
+            </a:r>
+          </a:p>
+          <a:p>
+            <a:pPr lvl="1" indent="-342900"/>
+            <a:r>
+              <a:rPr lang="en-US" sz="2800" dirty="0"/>
+              <a:t>Top 5 (or Top 1)</a:t>
             </a:r>
           </a:p>
           <a:p>
@@ -7067,152 +7387,37 @@
               <a:buFont typeface="Arial" panose="020B0604020202020204" pitchFamily="34" charset="0"/>
               <a:buChar char="•"/>
             </a:pPr>
-            <a:r>
-              <a:rPr lang="en-US" dirty="0"/>
-              <a:t>&gt;&gt; Less likely to make the same mistakes twice - more likely to see a repeated pattern</a:t>
-            </a:r>
-          </a:p>
-          <a:p>
-            <a:pPr marL="342900" indent="-342900">
-              <a:buFont typeface="Arial" panose="020B0604020202020204" pitchFamily="34" charset="0"/>
-              <a:buChar char="•"/>
-            </a:pPr>
-            <a:r>
-              <a:rPr lang="en-US" dirty="0"/>
-              <a:t>&gt;&gt; Happier and more fulfilled</a:t>
-            </a:r>
-          </a:p>
-          <a:p>
-            <a:pPr marL="342900" indent="-342900">
-              <a:buFont typeface="Arial" panose="020B0604020202020204" pitchFamily="34" charset="0"/>
-              <a:buChar char="•"/>
-            </a:pPr>
-            <a:endParaRPr lang="en-US" dirty="0"/>
-          </a:p>
-          <a:p>
-            <a:pPr marL="342900" indent="-342900">
-              <a:buFont typeface="Arial" panose="020B0604020202020204" pitchFamily="34" charset="0"/>
-              <a:buChar char="•"/>
-            </a:pPr>
-            <a:r>
-              <a:rPr lang="en-US" dirty="0"/>
-              <a:t>How?</a:t>
-            </a:r>
-          </a:p>
-          <a:p>
-            <a:pPr marL="342900" indent="-342900">
-              <a:buFont typeface="Arial" panose="020B0604020202020204" pitchFamily="34" charset="0"/>
-              <a:buChar char="•"/>
-            </a:pPr>
-            <a:r>
-              <a:rPr lang="en-US" dirty="0"/>
-              <a:t>&gt;&gt; Give yourself the time – it’s part of your job to learn in every opportunity</a:t>
-            </a:r>
-          </a:p>
-          <a:p>
-            <a:pPr marL="342900" indent="-342900">
-              <a:buFont typeface="Arial" panose="020B0604020202020204" pitchFamily="34" charset="0"/>
-              <a:buChar char="•"/>
-            </a:pPr>
-            <a:r>
-              <a:rPr lang="en-US" dirty="0"/>
-              <a:t>&gt;&gt; Have a goals and work toward them.</a:t>
-            </a:r>
-          </a:p>
-          <a:p>
-            <a:pPr marL="342900" indent="-342900">
-              <a:buFont typeface="Arial" panose="020B0604020202020204" pitchFamily="34" charset="0"/>
-              <a:buChar char="•"/>
-            </a:pPr>
-            <a:r>
-              <a:rPr lang="en-US" dirty="0"/>
-              <a:t>&gt;&gt; Ask: How have you grown </a:t>
-            </a:r>
-            <a:r>
-              <a:rPr lang="en-US" u="sng" dirty="0"/>
-              <a:t>meaningfully</a:t>
-            </a:r>
-            <a:r>
-              <a:rPr lang="en-US" dirty="0"/>
-              <a:t> in the last month?</a:t>
-            </a:r>
-          </a:p>
-          <a:p>
-            <a:pPr marL="342900" indent="-342900">
-              <a:buFont typeface="Arial" panose="020B0604020202020204" pitchFamily="34" charset="0"/>
-              <a:buChar char="•"/>
-            </a:pPr>
-            <a:r>
-              <a:rPr lang="en-US" dirty="0"/>
-              <a:t>&gt;&gt;Professional journal (including feelings)</a:t>
-            </a:r>
-          </a:p>
-          <a:p>
-            <a:pPr marL="342900" indent="-342900">
-              <a:buFont typeface="Arial" panose="020B0604020202020204" pitchFamily="34" charset="0"/>
-              <a:buChar char="•"/>
-            </a:pPr>
-            <a:r>
-              <a:rPr lang="en-US" dirty="0"/>
-              <a:t>&gt;&gt;Goal journal</a:t>
-            </a:r>
-          </a:p>
-          <a:p>
-            <a:pPr marL="342900" indent="-342900">
-              <a:buFont typeface="Arial" panose="020B0604020202020204" pitchFamily="34" charset="0"/>
-              <a:buChar char="•"/>
-            </a:pPr>
-            <a:r>
-              <a:rPr lang="en-US" dirty="0"/>
-              <a:t>&gt;&gt;Share with manager openly</a:t>
-            </a:r>
-          </a:p>
-          <a:p>
-            <a:pPr marL="342900" indent="-342900">
-              <a:buFont typeface="Arial" panose="020B0604020202020204" pitchFamily="34" charset="0"/>
-              <a:buChar char="•"/>
-            </a:pPr>
-            <a:endParaRPr lang="en-US" dirty="0"/>
-          </a:p>
-          <a:p>
-            <a:pPr marL="342900" indent="-342900">
-              <a:buFont typeface="Arial" panose="020B0604020202020204" pitchFamily="34" charset="0"/>
-              <a:buChar char="•"/>
-            </a:pPr>
-            <a:r>
-              <a:rPr lang="en-US" dirty="0"/>
-              <a:t>Abhor stagnation – crave healthy change.  You can be stagnating, even when you’re working hard.  </a:t>
-            </a:r>
-          </a:p>
-          <a:p>
-            <a:pPr marL="342900" indent="-342900">
-              <a:buFont typeface="Arial" panose="020B0604020202020204" pitchFamily="34" charset="0"/>
-              <a:buChar char="•"/>
-            </a:pPr>
-            <a:r>
-              <a:rPr lang="en-US" dirty="0"/>
-              <a:t>&gt;&gt;Change is an opportunity to learn and grow</a:t>
-            </a:r>
-          </a:p>
-          <a:p>
-            <a:pPr marL="342900" indent="-342900">
-              <a:buFont typeface="Arial" panose="020B0604020202020204" pitchFamily="34" charset="0"/>
-              <a:buChar char="•"/>
-            </a:pPr>
-            <a:endParaRPr lang="en-US" dirty="0"/>
-          </a:p>
-          <a:p>
-            <a:pPr marL="342900" indent="-342900">
-              <a:buFont typeface="Arial" panose="020B0604020202020204" pitchFamily="34" charset="0"/>
-              <a:buChar char="•"/>
-            </a:pPr>
-            <a:endParaRPr lang="en-US" dirty="0"/>
-          </a:p>
-        </p:txBody>
-      </p:sp>
-      <p:sp>
-        <p:nvSpPr>
-          <p:cNvPr id="4" name="Title 3"/>
+            <a:endParaRPr lang="en-US" sz="3200" dirty="0"/>
+          </a:p>
+          <a:p>
+            <a:r>
+              <a:rPr lang="en-US" sz="3200" dirty="0"/>
+              <a:t>Reactive vs Proactive</a:t>
+            </a:r>
+          </a:p>
+          <a:p>
+            <a:pPr lvl="1" indent="-342900"/>
+            <a:r>
+              <a:rPr lang="en-US" sz="2800" dirty="0"/>
+              <a:t>Categorize tasks into reactive/tactical and proactive/strategic - ensure a particular % of time spent on each category</a:t>
+            </a:r>
+          </a:p>
+          <a:p>
+            <a:pPr lvl="1" indent="-342900"/>
+            <a:r>
+              <a:rPr lang="en-US" sz="2800" dirty="0" err="1"/>
+              <a:t>Colour</a:t>
+            </a:r>
+            <a:r>
+              <a:rPr lang="en-US" sz="2800" dirty="0"/>
+              <a:t> code calendar to highlight how your time is spent</a:t>
+            </a:r>
+          </a:p>
+        </p:txBody>
+      </p:sp>
+      <p:sp>
+        <p:nvSpPr>
+          <p:cNvPr id="3" name="Title 2"/>
           <p:cNvSpPr>
             <a:spLocks noGrp="1"/>
           </p:cNvSpPr>
@@ -7227,7 +7432,7 @@
           <a:p>
             <a:r>
               <a:rPr lang="en-US" dirty="0"/>
-              <a:t>I learn</a:t>
+              <a:t>Spending your time effectively</a:t>
             </a:r>
           </a:p>
         </p:txBody>
@@ -7235,7 +7440,7 @@
     </p:spTree>
     <p:extLst>
       <p:ext uri="{BB962C8B-B14F-4D97-AF65-F5344CB8AC3E}">
-        <p14:creationId xmlns:p14="http://schemas.microsoft.com/office/powerpoint/2010/main" val="3405633137"/>
+        <p14:creationId xmlns:p14="http://schemas.microsoft.com/office/powerpoint/2010/main" val="2604704215"/>
       </p:ext>
     </p:extLst>
   </p:cSld>
@@ -7278,115 +7483,24 @@
           <a:lstStyle/>
           <a:p>
             <a:r>
-              <a:rPr lang="en-US" dirty="0"/>
-              <a:t>The right thing:</a:t>
-            </a:r>
-          </a:p>
-          <a:p>
-            <a:pPr marL="342900" indent="-342900">
-              <a:buFont typeface="Arial" panose="020B0604020202020204" pitchFamily="34" charset="0"/>
-              <a:buChar char="•"/>
-            </a:pPr>
-            <a:r>
-              <a:rPr lang="en-US" dirty="0"/>
-              <a:t>Start the day by making sure you’re doing the right thing</a:t>
-            </a:r>
-          </a:p>
-          <a:p>
-            <a:pPr marL="342900" indent="-342900">
-              <a:buFont typeface="Arial" panose="020B0604020202020204" pitchFamily="34" charset="0"/>
-              <a:buChar char="•"/>
-            </a:pPr>
-            <a:r>
-              <a:rPr lang="en-US" dirty="0"/>
-              <a:t>Calendar before email or yesterday’s list</a:t>
-            </a:r>
-          </a:p>
-          <a:p>
-            <a:pPr marL="342900" indent="-342900">
-              <a:buFont typeface="Arial" panose="020B0604020202020204" pitchFamily="34" charset="0"/>
-              <a:buChar char="•"/>
-            </a:pPr>
-            <a:r>
-              <a:rPr lang="en-US" dirty="0"/>
-              <a:t>Top 5 (or Top 1)</a:t>
-            </a:r>
-          </a:p>
-          <a:p>
-            <a:pPr marL="342900" indent="-342900">
-              <a:buFont typeface="Arial" panose="020B0604020202020204" pitchFamily="34" charset="0"/>
-              <a:buChar char="•"/>
-            </a:pPr>
-            <a:endParaRPr lang="en-US" dirty="0"/>
-          </a:p>
-          <a:p>
-            <a:r>
-              <a:rPr lang="en-US" dirty="0"/>
-              <a:t>Reactive vs Proactive</a:t>
-            </a:r>
-          </a:p>
-          <a:p>
-            <a:pPr marL="342900" indent="-342900">
-              <a:buFont typeface="Arial" panose="020B0604020202020204" pitchFamily="34" charset="0"/>
-              <a:buChar char="•"/>
-            </a:pPr>
-            <a:r>
-              <a:rPr lang="en-US" dirty="0"/>
-              <a:t>Categorize tasks into reactive/tactical and proactive/strategic</a:t>
-            </a:r>
-          </a:p>
-          <a:p>
-            <a:pPr marL="342900" indent="-342900">
-              <a:buFont typeface="Arial" panose="020B0604020202020204" pitchFamily="34" charset="0"/>
-              <a:buChar char="•"/>
-            </a:pPr>
-            <a:r>
-              <a:rPr lang="en-US" dirty="0"/>
-              <a:t>Ensure a particular % of time spent on each category</a:t>
-            </a:r>
-          </a:p>
-          <a:p>
-            <a:pPr marL="342900" indent="-342900">
-              <a:buFont typeface="Arial" panose="020B0604020202020204" pitchFamily="34" charset="0"/>
-              <a:buChar char="•"/>
-            </a:pPr>
-            <a:r>
-              <a:rPr lang="en-US" dirty="0" err="1"/>
-              <a:t>Colour</a:t>
-            </a:r>
-            <a:r>
-              <a:rPr lang="en-US" dirty="0"/>
-              <a:t> code calendar to highlight how your time is spent</a:t>
-            </a:r>
-          </a:p>
-          <a:p>
-            <a:endParaRPr lang="en-US" dirty="0"/>
-          </a:p>
-          <a:p>
-            <a:r>
-              <a:rPr lang="en-US" dirty="0"/>
-              <a:t>Focus:</a:t>
-            </a:r>
-          </a:p>
-          <a:p>
-            <a:pPr marL="342900" indent="-342900">
-              <a:buFont typeface="Arial" panose="020B0604020202020204" pitchFamily="34" charset="0"/>
-              <a:buChar char="•"/>
-            </a:pPr>
-            <a:r>
-              <a:rPr lang="en-US" dirty="0"/>
+              <a:rPr lang="en-US" sz="3200" dirty="0"/>
               <a:t>Pomodoro</a:t>
             </a:r>
           </a:p>
           <a:p>
-            <a:pPr marL="342900" indent="-342900">
-              <a:buFont typeface="Arial" panose="020B0604020202020204" pitchFamily="34" charset="0"/>
-              <a:buChar char="•"/>
-            </a:pPr>
-            <a:r>
-              <a:rPr lang="en-US" dirty="0"/>
-              <a:t>Dedicated time (Sync’d dedicated time across team or even company)</a:t>
-            </a:r>
+            <a:r>
+              <a:rPr lang="en-US" sz="3200" dirty="0"/>
+              <a:t>Dedicated time </a:t>
+            </a:r>
+          </a:p>
+          <a:p>
+            <a:r>
+              <a:rPr lang="en-US" sz="3200" dirty="0"/>
+              <a:t>Team-synchronized dedicated time</a:t>
+            </a:r>
+          </a:p>
+          <a:p>
+            <a:endParaRPr lang="en-US" dirty="0"/>
           </a:p>
         </p:txBody>
       </p:sp>
@@ -7407,7 +7521,7 @@
           <a:p>
             <a:r>
               <a:rPr lang="en-US" dirty="0"/>
-              <a:t>Focus and do the right thing</a:t>
+              <a:t>Maintaining Focus</a:t>
             </a:r>
           </a:p>
         </p:txBody>
@@ -7415,7 +7529,7 @@
     </p:spTree>
     <p:extLst>
       <p:ext uri="{BB962C8B-B14F-4D97-AF65-F5344CB8AC3E}">
-        <p14:creationId xmlns:p14="http://schemas.microsoft.com/office/powerpoint/2010/main" val="2604704215"/>
+        <p14:creationId xmlns:p14="http://schemas.microsoft.com/office/powerpoint/2010/main" val="3795976052"/>
       </p:ext>
     </p:extLst>
   </p:cSld>
@@ -7444,7 +7558,7 @@
       </p:grpSpPr>
       <p:sp>
         <p:nvSpPr>
-          <p:cNvPr id="2" name="Text Placeholder 1"/>
+          <p:cNvPr id="5" name="Text Placeholder 4"/>
           <p:cNvSpPr>
             <a:spLocks noGrp="1"/>
           </p:cNvSpPr>
@@ -7452,62 +7566,137 @@
             <p:ph type="body" sz="quarter" idx="10"/>
           </p:nvPr>
         </p:nvSpPr>
-        <p:spPr/>
-        <p:txBody>
-          <a:bodyPr/>
-          <a:lstStyle/>
+        <p:spPr>
+          <a:xfrm>
+            <a:off x="366211" y="1794510"/>
+            <a:ext cx="11301371" cy="4487233"/>
+          </a:xfrm>
+        </p:spPr>
+        <p:txBody>
+          <a:bodyPr/>
+          <a:lstStyle/>
+          <a:p>
+            <a:r>
+              <a:rPr lang="en-US" sz="2400" dirty="0"/>
+              <a:t>Pursue specific outcomes (job, responsibility, promotion, etc.)</a:t>
+            </a:r>
+          </a:p>
+          <a:p>
+            <a:pPr lvl="1"/>
+            <a:r>
+              <a:rPr lang="en-US" sz="2400" dirty="0"/>
+              <a:t>Have goals</a:t>
+            </a:r>
+          </a:p>
+          <a:p>
+            <a:pPr lvl="1"/>
+            <a:r>
+              <a:rPr lang="en-US" sz="2400" dirty="0"/>
+              <a:t>Thin slice – start small but deliver frequently</a:t>
+            </a:r>
+          </a:p>
+          <a:p>
+            <a:pPr lvl="1"/>
+            <a:r>
+              <a:rPr lang="en-US" sz="2400" dirty="0"/>
+              <a:t>Discuss with formal and informal mentors</a:t>
+            </a:r>
+          </a:p>
+          <a:p>
+            <a:pPr lvl="1"/>
+            <a:r>
+              <a:rPr lang="en-US" sz="2400" dirty="0"/>
+              <a:t>Get honest feedback</a:t>
+            </a:r>
+          </a:p>
+          <a:p>
+            <a:pPr lvl="1"/>
+            <a:r>
+              <a:rPr lang="en-US" sz="2400" dirty="0"/>
+              <a:t>Goal journal</a:t>
+            </a:r>
+          </a:p>
+          <a:p>
+            <a:pPr lvl="1"/>
+            <a:r>
+              <a:rPr lang="en-US" sz="2400" dirty="0"/>
+              <a:t>Share goals openly with manager </a:t>
+            </a:r>
+          </a:p>
+          <a:p>
+            <a:pPr marL="342883" lvl="1" indent="0">
+              <a:buNone/>
+            </a:pPr>
+            <a:endParaRPr lang="en-US" sz="2400" dirty="0"/>
+          </a:p>
+          <a:p>
+            <a:r>
+              <a:rPr lang="en-US" sz="2400" dirty="0"/>
+              <a:t>Ensure velocity of learning </a:t>
+            </a:r>
+          </a:p>
+          <a:p>
+            <a:pPr lvl="1"/>
+            <a:r>
+              <a:rPr lang="en-US" sz="2400" dirty="0"/>
+              <a:t>How have you grown </a:t>
+            </a:r>
+            <a:r>
+              <a:rPr lang="en-US" sz="2400" u="sng" dirty="0"/>
+              <a:t>meaningfully</a:t>
+            </a:r>
+            <a:r>
+              <a:rPr lang="en-US" sz="2400" dirty="0"/>
+              <a:t> in the last month?</a:t>
+            </a:r>
+          </a:p>
+          <a:p>
+            <a:pPr lvl="1"/>
+            <a:r>
+              <a:rPr lang="en-US" sz="2400" dirty="0"/>
+              <a:t>Give yourself the time – it’s part of your job to learn in every opportunity</a:t>
+            </a:r>
+          </a:p>
+          <a:p>
+            <a:pPr lvl="1"/>
+            <a:r>
+              <a:rPr lang="en-US" sz="2400" dirty="0"/>
+              <a:t>Professional journal (including feelings)</a:t>
+            </a:r>
+          </a:p>
+          <a:p>
+            <a:pPr lvl="1"/>
+            <a:r>
+              <a:rPr lang="en-US" sz="2400" dirty="0"/>
+              <a:t>Expose yourself to new experiences and people</a:t>
+            </a:r>
+          </a:p>
           <a:p>
             <a:pPr marL="342900" indent="-342900">
               <a:buFont typeface="Arial" panose="020B0604020202020204" pitchFamily="34" charset="0"/>
               <a:buChar char="•"/>
             </a:pPr>
-            <a:r>
-              <a:rPr lang="en-US" dirty="0"/>
-              <a:t>A network is the ecosystem of people, of which you’re a part, that helps make every individual stronger</a:t>
-            </a:r>
+            <a:endParaRPr lang="en-US" dirty="0"/>
           </a:p>
           <a:p>
             <a:pPr marL="342900" indent="-342900">
               <a:buFont typeface="Arial" panose="020B0604020202020204" pitchFamily="34" charset="0"/>
               <a:buChar char="•"/>
             </a:pPr>
-            <a:r>
-              <a:rPr lang="en-US" dirty="0"/>
-              <a:t>D2L is a place particularly dependent on tribal knowledge – it’s important to know how to find the person who knows</a:t>
-            </a:r>
+            <a:endParaRPr lang="en-US" dirty="0"/>
           </a:p>
           <a:p>
             <a:pPr marL="342900" indent="-342900">
               <a:buFont typeface="Arial" panose="020B0604020202020204" pitchFamily="34" charset="0"/>
               <a:buChar char="•"/>
             </a:pPr>
-            <a:r>
-              <a:rPr lang="en-US" dirty="0"/>
-              <a:t>Everyone in the network has something to offer – imagine if you tapped into that body of knowledge and experience?</a:t>
-            </a:r>
-          </a:p>
-          <a:p>
-            <a:endParaRPr lang="en-US" dirty="0"/>
-          </a:p>
-          <a:p>
-            <a:pPr marL="342900" indent="-342900">
-              <a:buFontTx/>
-              <a:buChar char="-"/>
-            </a:pPr>
-            <a:endParaRPr lang="en-US" dirty="0"/>
-          </a:p>
-          <a:p>
-            <a:pPr marL="342900" indent="-342900">
-              <a:buFontTx/>
-              <a:buChar char="-"/>
-            </a:pPr>
-            <a:endParaRPr lang="en-US" dirty="0"/>
-          </a:p>
-        </p:txBody>
-      </p:sp>
-      <p:sp>
-        <p:nvSpPr>
-          <p:cNvPr id="3" name="Title 2"/>
+            <a:endParaRPr lang="en-US" dirty="0"/>
+          </a:p>
+        </p:txBody>
+      </p:sp>
+      <p:sp>
+        <p:nvSpPr>
+          <p:cNvPr id="4" name="Title 3"/>
           <p:cNvSpPr>
             <a:spLocks noGrp="1"/>
           </p:cNvSpPr>
@@ -7522,23 +7711,15 @@
           <a:p>
             <a:r>
               <a:rPr lang="en-US" dirty="0"/>
-              <a:t>Building a professional network</a:t>
-            </a:r>
-            <a:br>
-              <a:rPr lang="en-US" dirty="0"/>
-            </a:br>
-            <a:r>
-              <a:rPr lang="en-US" sz="3200" dirty="0"/>
-              <a:t>An introvert’s perspective</a:t>
-            </a:r>
-            <a:endParaRPr lang="en-US" dirty="0"/>
+              <a:t>Take control of your career growth and learning</a:t>
+            </a:r>
           </a:p>
         </p:txBody>
       </p:sp>
     </p:spTree>
     <p:extLst>
       <p:ext uri="{BB962C8B-B14F-4D97-AF65-F5344CB8AC3E}">
-        <p14:creationId xmlns:p14="http://schemas.microsoft.com/office/powerpoint/2010/main" val="1677484805"/>
+        <p14:creationId xmlns:p14="http://schemas.microsoft.com/office/powerpoint/2010/main" val="3405633137"/>
       </p:ext>
     </p:extLst>
   </p:cSld>
@@ -7586,7 +7767,13 @@
             </a:pPr>
             <a:r>
               <a:rPr lang="en-US" dirty="0"/>
-              <a:t>Ask questions</a:t>
+              <a:t>A network is the ecosystem of people, of which you’re a part, that helps make every individual stronger</a:t>
+            </a:r>
+          </a:p>
+          <a:p>
+            <a:r>
+              <a:rPr lang="en-US" dirty="0"/>
+              <a:t>Everyone in the network has something to offer – imagine if you tapped into that body of knowledge and experience?</a:t>
             </a:r>
           </a:p>
           <a:p>
@@ -7596,88 +7783,24 @@
             </a:pPr>
             <a:r>
               <a:rPr lang="en-US" dirty="0"/>
-              <a:t>Give yourself an achievable target – meet one person per week</a:t>
-            </a:r>
+              <a:t>D2L is a place particularly dependent on tribal knowledge – it’s important to know how to find the person who knows</a:t>
+            </a:r>
+          </a:p>
+          <a:p>
+            <a:endParaRPr lang="en-US" dirty="0"/>
           </a:p>
           <a:p>
             <a:pPr marL="342900" indent="-342900">
               <a:buFontTx/>
               <a:buChar char="-"/>
             </a:pPr>
-            <a:r>
-              <a:rPr lang="en-US" dirty="0"/>
-              <a:t>Walkabout</a:t>
-            </a:r>
+            <a:endParaRPr lang="en-US" dirty="0"/>
           </a:p>
           <a:p>
             <a:pPr marL="342900" indent="-342900">
               <a:buFontTx/>
               <a:buChar char="-"/>
             </a:pPr>
-            <a:r>
-              <a:rPr lang="en-US" dirty="0"/>
-              <a:t>Sit in a public spot</a:t>
-            </a:r>
-          </a:p>
-          <a:p>
-            <a:pPr marL="342900" indent="-342900">
-              <a:buFontTx/>
-              <a:buChar char="-"/>
-            </a:pPr>
-            <a:r>
-              <a:rPr lang="en-US" dirty="0"/>
-              <a:t>Chat at the coffee machine</a:t>
-            </a:r>
-          </a:p>
-          <a:p>
-            <a:pPr marL="342900" indent="-342900">
-              <a:buFontTx/>
-              <a:buChar char="-"/>
-            </a:pPr>
-            <a:r>
-              <a:rPr lang="en-US" dirty="0"/>
-              <a:t>Ask people for their advice</a:t>
-            </a:r>
-          </a:p>
-          <a:p>
-            <a:pPr marL="342900" indent="-342900">
-              <a:buFontTx/>
-              <a:buChar char="-"/>
-            </a:pPr>
-            <a:r>
-              <a:rPr lang="en-US" dirty="0"/>
-              <a:t>Meet up with people to compare what you’ve learned</a:t>
-            </a:r>
-          </a:p>
-          <a:p>
-            <a:pPr marL="342900" indent="-342900">
-              <a:buFontTx/>
-              <a:buChar char="-"/>
-            </a:pPr>
-            <a:r>
-              <a:rPr lang="en-US" dirty="0"/>
-              <a:t>Be generous, particularly when it comes to sharing knowledge</a:t>
-            </a:r>
-          </a:p>
-          <a:p>
-            <a:pPr marL="342900" indent="-342900">
-              <a:buFontTx/>
-              <a:buChar char="-"/>
-            </a:pPr>
-            <a:r>
-              <a:rPr lang="en-US" dirty="0"/>
-              <a:t>Be a 5</a:t>
-            </a:r>
-            <a:r>
-              <a:rPr lang="en-US" baseline="30000" dirty="0"/>
-              <a:t>th</a:t>
-            </a:r>
-            <a:r>
-              <a:rPr lang="en-US" dirty="0"/>
-              <a:t> level tribe member (David Logan - Tribal Leadership)</a:t>
-            </a:r>
-          </a:p>
-          <a:p>
             <a:endParaRPr lang="en-US" dirty="0"/>
           </a:p>
         </p:txBody>
@@ -7701,13 +7824,21 @@
               <a:rPr lang="en-US" dirty="0"/>
               <a:t>Building a professional network</a:t>
             </a:r>
+            <a:br>
+              <a:rPr lang="en-US" dirty="0"/>
+            </a:br>
+            <a:r>
+              <a:rPr lang="en-US" sz="3200" dirty="0"/>
+              <a:t>An introvert’s perspective</a:t>
+            </a:r>
+            <a:endParaRPr lang="en-US" dirty="0"/>
           </a:p>
         </p:txBody>
       </p:sp>
     </p:spTree>
     <p:extLst>
       <p:ext uri="{BB962C8B-B14F-4D97-AF65-F5344CB8AC3E}">
-        <p14:creationId xmlns:p14="http://schemas.microsoft.com/office/powerpoint/2010/main" val="557025887"/>
+        <p14:creationId xmlns:p14="http://schemas.microsoft.com/office/powerpoint/2010/main" val="1677484805"/>
       </p:ext>
     </p:extLst>
   </p:cSld>
@@ -7755,7 +7886,7 @@
             </a:pPr>
             <a:r>
               <a:rPr lang="en-US" dirty="0"/>
-              <a:t>Imagine if the people we spend the most time with every day shared their perspective and advice about how we each could improve?  </a:t>
+              <a:t>Ask questions</a:t>
             </a:r>
           </a:p>
           <a:p>
@@ -7763,6 +7894,90 @@
               <a:buFont typeface="Arial" panose="020B0604020202020204" pitchFamily="34" charset="0"/>
               <a:buChar char="•"/>
             </a:pPr>
+            <a:r>
+              <a:rPr lang="en-US" dirty="0"/>
+              <a:t>Give yourself an achievable target – meet one person per week</a:t>
+            </a:r>
+          </a:p>
+          <a:p>
+            <a:pPr marL="342900" indent="-342900">
+              <a:buFontTx/>
+              <a:buChar char="-"/>
+            </a:pPr>
+            <a:r>
+              <a:rPr lang="en-US" dirty="0"/>
+              <a:t>Walkabout</a:t>
+            </a:r>
+          </a:p>
+          <a:p>
+            <a:pPr marL="342900" indent="-342900">
+              <a:buFontTx/>
+              <a:buChar char="-"/>
+            </a:pPr>
+            <a:r>
+              <a:rPr lang="en-US" dirty="0"/>
+              <a:t>Sit in a public spot</a:t>
+            </a:r>
+          </a:p>
+          <a:p>
+            <a:pPr marL="342900" indent="-342900">
+              <a:buFontTx/>
+              <a:buChar char="-"/>
+            </a:pPr>
+            <a:r>
+              <a:rPr lang="en-US" dirty="0"/>
+              <a:t>Chat at the coffee machine</a:t>
+            </a:r>
+          </a:p>
+          <a:p>
+            <a:pPr marL="342900" indent="-342900">
+              <a:buFontTx/>
+              <a:buChar char="-"/>
+            </a:pPr>
+            <a:r>
+              <a:rPr lang="en-US" dirty="0"/>
+              <a:t>Ask people for their advice</a:t>
+            </a:r>
+          </a:p>
+          <a:p>
+            <a:pPr marL="342900" indent="-342900">
+              <a:buFontTx/>
+              <a:buChar char="-"/>
+            </a:pPr>
+            <a:r>
+              <a:rPr lang="en-US" dirty="0"/>
+              <a:t>Meet up with people to compare what you’ve learned</a:t>
+            </a:r>
+          </a:p>
+          <a:p>
+            <a:pPr marL="342900" indent="-342900">
+              <a:buFontTx/>
+              <a:buChar char="-"/>
+            </a:pPr>
+            <a:r>
+              <a:rPr lang="en-US" dirty="0"/>
+              <a:t>Be generous, particularly when it comes to sharing knowledge</a:t>
+            </a:r>
+          </a:p>
+          <a:p>
+            <a:pPr marL="342900" indent="-342900">
+              <a:buFontTx/>
+              <a:buChar char="-"/>
+            </a:pPr>
+            <a:r>
+              <a:rPr lang="en-US" dirty="0"/>
+              <a:t>Be a 5</a:t>
+            </a:r>
+            <a:r>
+              <a:rPr lang="en-US" baseline="30000" dirty="0"/>
+              <a:t>th</a:t>
+            </a:r>
+            <a:r>
+              <a:rPr lang="en-US" dirty="0"/>
+              <a:t> level tribe member (David Logan - Tribal Leadership)</a:t>
+            </a:r>
+          </a:p>
+          <a:p>
             <a:endParaRPr lang="en-US" dirty="0"/>
           </a:p>
         </p:txBody>
@@ -7784,7 +7999,7 @@
           <a:p>
             <a:r>
               <a:rPr lang="en-US" dirty="0"/>
-              <a:t>Mutual Coaching</a:t>
+              <a:t>Building a professional network</a:t>
             </a:r>
           </a:p>
         </p:txBody>
@@ -7792,7 +8007,7 @@
     </p:spTree>
     <p:extLst>
       <p:ext uri="{BB962C8B-B14F-4D97-AF65-F5344CB8AC3E}">
-        <p14:creationId xmlns:p14="http://schemas.microsoft.com/office/powerpoint/2010/main" val="2528233129"/>
+        <p14:creationId xmlns:p14="http://schemas.microsoft.com/office/powerpoint/2010/main" val="557025887"/>
       </p:ext>
     </p:extLst>
   </p:cSld>
@@ -7926,22 +8141,13 @@
           <a:bodyPr/>
           <a:lstStyle/>
           <a:p>
-            <a:r>
-              <a:rPr lang="en-US" dirty="0"/>
-              <a:t>So how do we get to the point we can do that?</a:t>
-            </a:r>
-          </a:p>
-          <a:p>
-            <a:endParaRPr lang="en-US" dirty="0"/>
-          </a:p>
-          <a:p>
             <a:pPr marL="342900" indent="-342900">
               <a:buFont typeface="Arial" panose="020B0604020202020204" pitchFamily="34" charset="0"/>
               <a:buChar char="•"/>
             </a:pPr>
             <a:r>
               <a:rPr lang="en-US" dirty="0"/>
-              <a:t>Share positive feedback, every day, in small but honest ways.  (Between 3:1 and 9:1 ratio.)</a:t>
+              <a:t>Imagine if the people we spend the most time with every day shared their perspective and advice about how we each could improve?  </a:t>
             </a:r>
           </a:p>
           <a:p>
@@ -7949,62 +8155,6 @@
               <a:buFont typeface="Arial" panose="020B0604020202020204" pitchFamily="34" charset="0"/>
               <a:buChar char="•"/>
             </a:pPr>
-            <a:r>
-              <a:rPr lang="en-US" dirty="0"/>
-              <a:t>Especially when someone has done something new for them that is a growth step</a:t>
-            </a:r>
-          </a:p>
-          <a:p>
-            <a:pPr marL="342900" indent="-342900">
-              <a:buFont typeface="Arial" panose="020B0604020202020204" pitchFamily="34" charset="0"/>
-              <a:buChar char="•"/>
-            </a:pPr>
-            <a:r>
-              <a:rPr lang="en-US" dirty="0"/>
-              <a:t>Make it easy for people to share strengthening feedback with you</a:t>
-            </a:r>
-          </a:p>
-          <a:p>
-            <a:pPr marL="342900" indent="-342900">
-              <a:buFont typeface="Arial" panose="020B0604020202020204" pitchFamily="34" charset="0"/>
-              <a:buChar char="•"/>
-            </a:pPr>
-            <a:r>
-              <a:rPr lang="en-US" dirty="0"/>
-              <a:t>Getting feedback: Be interested.  Be engaged.  Don’t argue.  Ask for clarification or examples. Say thank you, and mean it.</a:t>
-            </a:r>
-          </a:p>
-          <a:p>
-            <a:pPr marL="342900" indent="-342900">
-              <a:buFont typeface="Arial" panose="020B0604020202020204" pitchFamily="34" charset="0"/>
-              <a:buChar char="•"/>
-            </a:pPr>
-            <a:r>
-              <a:rPr lang="en-US" dirty="0"/>
-              <a:t>Tell people that you got good feedback and that it helped you (if it was, and if it did.)  That reinforces the idea that this is valued behavior, and it’s a form of real-time public feedback for the person who took time to help you out.</a:t>
-            </a:r>
-          </a:p>
-          <a:p>
-            <a:pPr marL="342900" indent="-342900">
-              <a:buFont typeface="Arial" panose="020B0604020202020204" pitchFamily="34" charset="0"/>
-              <a:buChar char="•"/>
-            </a:pPr>
-            <a:r>
-              <a:rPr lang="en-US" dirty="0"/>
-              <a:t>Find opportunities to practice giving constructive feedback to someone who trusts you</a:t>
-            </a:r>
-          </a:p>
-          <a:p>
-            <a:pPr marL="342900" indent="-342900">
-              <a:buFont typeface="Arial" panose="020B0604020202020204" pitchFamily="34" charset="0"/>
-              <a:buChar char="•"/>
-            </a:pPr>
-            <a:r>
-              <a:rPr lang="en-US" dirty="0"/>
-              <a:t>Start small</a:t>
-            </a:r>
-          </a:p>
-          <a:p>
             <a:endParaRPr lang="en-US" dirty="0"/>
           </a:p>
         </p:txBody>
@@ -8034,7 +8184,7 @@
     </p:spTree>
     <p:extLst>
       <p:ext uri="{BB962C8B-B14F-4D97-AF65-F5344CB8AC3E}">
-        <p14:creationId xmlns:p14="http://schemas.microsoft.com/office/powerpoint/2010/main" val="3258661815"/>
+        <p14:creationId xmlns:p14="http://schemas.microsoft.com/office/powerpoint/2010/main" val="2528233129"/>
       </p:ext>
     </p:extLst>
   </p:cSld>
@@ -8076,58 +8226,74 @@
           <a:bodyPr/>
           <a:lstStyle/>
           <a:p>
-            <a:pPr marL="457200" indent="-457200">
-              <a:buFont typeface="+mj-lt"/>
-              <a:buAutoNum type="arabicPeriod"/>
-            </a:pPr>
-            <a:r>
-              <a:rPr lang="en-US" dirty="0"/>
-              <a:t>Pick a thing you want to be better</a:t>
-            </a:r>
-          </a:p>
-          <a:p>
-            <a:pPr marL="457200" indent="-457200">
-              <a:buFont typeface="+mj-lt"/>
-              <a:buAutoNum type="arabicPeriod"/>
-            </a:pPr>
-            <a:r>
-              <a:rPr lang="en-US" dirty="0"/>
-              <a:t>What would good look like?</a:t>
-            </a:r>
-          </a:p>
-          <a:p>
-            <a:pPr marL="457200" indent="-457200">
-              <a:buFont typeface="+mj-lt"/>
-              <a:buAutoNum type="arabicPeriod"/>
-            </a:pPr>
-            <a:r>
-              <a:rPr lang="en-US" dirty="0"/>
-              <a:t>What’s the next logical step toward achieving that good state?</a:t>
-            </a:r>
-          </a:p>
-          <a:p>
-            <a:pPr marL="457200" indent="-457200">
-              <a:buFont typeface="+mj-lt"/>
-              <a:buAutoNum type="arabicPeriod"/>
-            </a:pPr>
-            <a:r>
-              <a:rPr lang="en-US" dirty="0"/>
-              <a:t>What action can you take?  (Proposal?  </a:t>
-            </a:r>
-            <a:r>
-              <a:rPr lang="en-US" dirty="0" err="1"/>
-              <a:t>PoC+Demo</a:t>
-            </a:r>
-            <a:r>
-              <a:rPr lang="en-US" dirty="0"/>
-              <a:t>?  …)</a:t>
-            </a:r>
-          </a:p>
-          <a:p>
-            <a:pPr marL="457200" indent="-457200">
-              <a:buFont typeface="+mj-lt"/>
-              <a:buAutoNum type="arabicPeriod"/>
-            </a:pPr>
+            <a:pPr marL="342900" indent="-342900">
+              <a:buFont typeface="Arial" panose="020B0604020202020204" pitchFamily="34" charset="0"/>
+              <a:buChar char="•"/>
+            </a:pPr>
+            <a:r>
+              <a:rPr lang="en-US" sz="2800" dirty="0"/>
+              <a:t>Harvesting Feedback</a:t>
+            </a:r>
+          </a:p>
+          <a:p>
+            <a:pPr lvl="1" indent="-342900"/>
+            <a:r>
+              <a:rPr lang="en-US" sz="2500" dirty="0"/>
+              <a:t>Make it easy</a:t>
+            </a:r>
+          </a:p>
+          <a:p>
+            <a:pPr lvl="1" indent="-342900"/>
+            <a:r>
+              <a:rPr lang="en-US" sz="2500" dirty="0"/>
+              <a:t>Be interested.  Be engaged.  Don’t argue.  Ask for clarification or examples. </a:t>
+            </a:r>
+          </a:p>
+          <a:p>
+            <a:pPr lvl="1" indent="-342900"/>
+            <a:r>
+              <a:rPr lang="en-US" sz="2500" dirty="0"/>
+              <a:t>Say thank you, and mean it.</a:t>
+            </a:r>
+          </a:p>
+          <a:p>
+            <a:pPr lvl="1" indent="-342900"/>
+            <a:r>
+              <a:rPr lang="en-US" sz="2500" dirty="0"/>
+              <a:t>Give credit</a:t>
+            </a:r>
+          </a:p>
+          <a:p>
+            <a:endParaRPr lang="en-US" sz="2800" dirty="0"/>
+          </a:p>
+          <a:p>
+            <a:r>
+              <a:rPr lang="en-US" sz="2800" dirty="0"/>
+              <a:t>Planting Feedback</a:t>
+            </a:r>
+          </a:p>
+          <a:p>
+            <a:pPr lvl="1" indent="-342900"/>
+            <a:r>
+              <a:rPr lang="en-US" sz="2500" dirty="0"/>
+              <a:t>Share positive feedback every day</a:t>
+            </a:r>
+          </a:p>
+          <a:p>
+            <a:pPr lvl="1" indent="-342900"/>
+            <a:r>
+              <a:rPr lang="en-US" sz="2500" dirty="0"/>
+              <a:t>Practice giving constructive feedback</a:t>
+            </a:r>
+          </a:p>
+          <a:p>
+            <a:pPr lvl="1" indent="-342900"/>
+            <a:r>
+              <a:rPr lang="en-US" sz="2500" dirty="0"/>
+              <a:t>Start small</a:t>
+            </a:r>
+          </a:p>
+          <a:p>
             <a:endParaRPr lang="en-US" dirty="0"/>
           </a:p>
         </p:txBody>
@@ -8149,23 +8315,15 @@
           <a:p>
             <a:r>
               <a:rPr lang="en-US" dirty="0"/>
-              <a:t>Be the change </a:t>
-            </a:r>
-            <a:br>
-              <a:rPr lang="en-US" dirty="0"/>
-            </a:br>
-            <a:r>
-              <a:rPr lang="en-US" sz="2800" dirty="0"/>
-              <a:t>(TODO: Pick less cheesy title)</a:t>
-            </a:r>
-            <a:endParaRPr lang="en-US" dirty="0"/>
+              <a:t>Mutual Coaching</a:t>
+            </a:r>
           </a:p>
         </p:txBody>
       </p:sp>
     </p:spTree>
     <p:extLst>
       <p:ext uri="{BB962C8B-B14F-4D97-AF65-F5344CB8AC3E}">
-        <p14:creationId xmlns:p14="http://schemas.microsoft.com/office/powerpoint/2010/main" val="1213391016"/>
+        <p14:creationId xmlns:p14="http://schemas.microsoft.com/office/powerpoint/2010/main" val="3258661815"/>
       </p:ext>
     </p:extLst>
   </p:cSld>
@@ -8207,30 +8365,58 @@
           <a:bodyPr/>
           <a:lstStyle/>
           <a:p>
-            <a:r>
-              <a:rPr lang="en-US" dirty="0"/>
-              <a:t>Highlight tools / techniques in memorable sound bites</a:t>
-            </a:r>
-          </a:p>
-          <a:p>
-            <a:endParaRPr lang="en-US" dirty="0"/>
-          </a:p>
-          <a:p>
-            <a:r>
-              <a:rPr lang="en-US" dirty="0"/>
-              <a:t>Identify spots for audience participation – What do you do to achieve this goal?</a:t>
-            </a:r>
-          </a:p>
-          <a:p>
-            <a:endParaRPr lang="en-US" dirty="0"/>
-          </a:p>
-          <a:p>
-            <a:r>
-              <a:rPr lang="en-US" dirty="0"/>
-              <a:t>Progress bar or some other indicator of where we are in the presentation</a:t>
-            </a:r>
-          </a:p>
-          <a:p>
+            <a:pPr marL="457200" indent="-457200">
+              <a:buFont typeface="+mj-lt"/>
+              <a:buAutoNum type="arabicPeriod"/>
+            </a:pPr>
+            <a:r>
+              <a:rPr lang="en-US" dirty="0"/>
+              <a:t>Pick a thing you want to be better</a:t>
+            </a:r>
+          </a:p>
+          <a:p>
+            <a:pPr marL="457200" indent="-457200">
+              <a:buFont typeface="+mj-lt"/>
+              <a:buAutoNum type="arabicPeriod"/>
+            </a:pPr>
+            <a:r>
+              <a:rPr lang="en-US" dirty="0"/>
+              <a:t>What would good look like?</a:t>
+            </a:r>
+          </a:p>
+          <a:p>
+            <a:pPr marL="457200" indent="-457200">
+              <a:buFont typeface="+mj-lt"/>
+              <a:buAutoNum type="arabicPeriod"/>
+            </a:pPr>
+            <a:r>
+              <a:rPr lang="en-US" dirty="0"/>
+              <a:t>What’s the next logical step toward achieving that good state?</a:t>
+            </a:r>
+          </a:p>
+          <a:p>
+            <a:pPr marL="457200" indent="-457200">
+              <a:buFont typeface="+mj-lt"/>
+              <a:buAutoNum type="arabicPeriod"/>
+            </a:pPr>
+            <a:r>
+              <a:rPr lang="en-US" dirty="0"/>
+              <a:t>What action can you take?  (Proposal?  </a:t>
+            </a:r>
+            <a:r>
+              <a:rPr lang="en-US" dirty="0" err="1"/>
+              <a:t>PoC+Demo</a:t>
+            </a:r>
+            <a:r>
+              <a:rPr lang="en-US" dirty="0"/>
+              <a:t>?  …)</a:t>
+            </a:r>
+          </a:p>
+          <a:p>
+            <a:pPr marL="457200" indent="-457200">
+              <a:buFont typeface="+mj-lt"/>
+              <a:buAutoNum type="arabicPeriod"/>
+            </a:pPr>
             <a:endParaRPr lang="en-US" dirty="0"/>
           </a:p>
         </p:txBody>
@@ -8252,15 +8438,23 @@
           <a:p>
             <a:r>
               <a:rPr lang="en-US" dirty="0"/>
-              <a:t>Jason – Presentation candy to add</a:t>
-            </a:r>
+              <a:t>Be the change </a:t>
+            </a:r>
+            <a:br>
+              <a:rPr lang="en-US" dirty="0"/>
+            </a:br>
+            <a:r>
+              <a:rPr lang="en-US" sz="2800" dirty="0"/>
+              <a:t>(TODO: Pick less cheesy title)</a:t>
+            </a:r>
+            <a:endParaRPr lang="en-US" dirty="0"/>
           </a:p>
         </p:txBody>
       </p:sp>
     </p:spTree>
     <p:extLst>
       <p:ext uri="{BB962C8B-B14F-4D97-AF65-F5344CB8AC3E}">
-        <p14:creationId xmlns:p14="http://schemas.microsoft.com/office/powerpoint/2010/main" val="3812715019"/>
+        <p14:creationId xmlns:p14="http://schemas.microsoft.com/office/powerpoint/2010/main" val="1213391016"/>
       </p:ext>
     </p:extLst>
   </p:cSld>
@@ -8302,6 +8496,101 @@
           <a:bodyPr/>
           <a:lstStyle/>
           <a:p>
+            <a:r>
+              <a:rPr lang="en-US" dirty="0"/>
+              <a:t>Highlight tools / techniques in memorable sound bites</a:t>
+            </a:r>
+          </a:p>
+          <a:p>
+            <a:endParaRPr lang="en-US" dirty="0"/>
+          </a:p>
+          <a:p>
+            <a:r>
+              <a:rPr lang="en-US" dirty="0"/>
+              <a:t>Identify spots for audience participation – What do you do to achieve this goal?</a:t>
+            </a:r>
+          </a:p>
+          <a:p>
+            <a:endParaRPr lang="en-US" dirty="0"/>
+          </a:p>
+          <a:p>
+            <a:r>
+              <a:rPr lang="en-US" dirty="0"/>
+              <a:t>Progress bar or some other indicator of where we are in the presentation</a:t>
+            </a:r>
+          </a:p>
+          <a:p>
+            <a:endParaRPr lang="en-US" dirty="0"/>
+          </a:p>
+        </p:txBody>
+      </p:sp>
+      <p:sp>
+        <p:nvSpPr>
+          <p:cNvPr id="3" name="Title 2"/>
+          <p:cNvSpPr>
+            <a:spLocks noGrp="1"/>
+          </p:cNvSpPr>
+          <p:nvPr>
+            <p:ph type="title"/>
+          </p:nvPr>
+        </p:nvSpPr>
+        <p:spPr/>
+        <p:txBody>
+          <a:bodyPr/>
+          <a:lstStyle/>
+          <a:p>
+            <a:r>
+              <a:rPr lang="en-US" dirty="0"/>
+              <a:t>Jason – Presentation candy to add</a:t>
+            </a:r>
+          </a:p>
+        </p:txBody>
+      </p:sp>
+    </p:spTree>
+    <p:extLst>
+      <p:ext uri="{BB962C8B-B14F-4D97-AF65-F5344CB8AC3E}">
+        <p14:creationId xmlns:p14="http://schemas.microsoft.com/office/powerpoint/2010/main" val="3812715019"/>
+      </p:ext>
+    </p:extLst>
+  </p:cSld>
+  <p:clrMapOvr>
+    <a:masterClrMapping/>
+  </p:clrMapOvr>
+</p:sld>
+</file>
+
+<file path=ppt/slides/slide34.xml><?xml version="1.0" encoding="utf-8"?>
+<p:sld xmlns:a="http://schemas.openxmlformats.org/drawingml/2006/main" xmlns:r="http://schemas.openxmlformats.org/officeDocument/2006/relationships" xmlns:p="http://schemas.openxmlformats.org/presentationml/2006/main">
+  <p:cSld>
+    <p:spTree>
+      <p:nvGrpSpPr>
+        <p:cNvPr id="1" name=""/>
+        <p:cNvGrpSpPr/>
+        <p:nvPr/>
+      </p:nvGrpSpPr>
+      <p:grpSpPr>
+        <a:xfrm>
+          <a:off x="0" y="0"/>
+          <a:ext cx="0" cy="0"/>
+          <a:chOff x="0" y="0"/>
+          <a:chExt cx="0" cy="0"/>
+        </a:xfrm>
+      </p:grpSpPr>
+      <p:sp>
+        <p:nvSpPr>
+          <p:cNvPr id="2" name="Text Placeholder 1"/>
+          <p:cNvSpPr>
+            <a:spLocks noGrp="1"/>
+          </p:cNvSpPr>
+          <p:nvPr>
+            <p:ph type="body" sz="quarter" idx="10"/>
+          </p:nvPr>
+        </p:nvSpPr>
+        <p:spPr/>
+        <p:txBody>
+          <a:bodyPr/>
+          <a:lstStyle/>
+          <a:p>
             <a:pPr marL="342900" indent="-342900">
               <a:buFontTx/>
               <a:buChar char="-"/>
@@ -8388,7 +8677,7 @@
 </p:sld>
 </file>
 
-<file path=ppt/slides/slide34.xml><?xml version="1.0" encoding="utf-8"?>
+<file path=ppt/slides/slide35.xml><?xml version="1.0" encoding="utf-8"?>
 <p:sld xmlns:a="http://schemas.openxmlformats.org/drawingml/2006/main" xmlns:r="http://schemas.openxmlformats.org/officeDocument/2006/relationships" xmlns:p="http://schemas.openxmlformats.org/presentationml/2006/main">
   <p:cSld>
     <p:spTree>

--- a/InFusion2016 - Getting It Done - Jason Wood.pptx
+++ b/InFusion2016 - Getting It Done - Jason Wood.pptx
@@ -5,7 +5,7 @@
     <p:sldMasterId id="2147483810" r:id="rId1"/>
   </p:sldMasterIdLst>
   <p:notesMasterIdLst>
-    <p:notesMasterId r:id="rId37"/>
+    <p:notesMasterId r:id="rId38"/>
   </p:notesMasterIdLst>
   <p:sldIdLst>
     <p:sldId id="256" r:id="rId2"/>
@@ -34,15 +34,16 @@
     <p:sldId id="272" r:id="rId25"/>
     <p:sldId id="274" r:id="rId26"/>
     <p:sldId id="299" r:id="rId27"/>
-    <p:sldId id="273" r:id="rId28"/>
-    <p:sldId id="278" r:id="rId29"/>
-    <p:sldId id="295" r:id="rId30"/>
-    <p:sldId id="279" r:id="rId31"/>
-    <p:sldId id="296" r:id="rId32"/>
-    <p:sldId id="275" r:id="rId33"/>
-    <p:sldId id="281" r:id="rId34"/>
-    <p:sldId id="266" r:id="rId35"/>
-    <p:sldId id="280" r:id="rId36"/>
+    <p:sldId id="300" r:id="rId28"/>
+    <p:sldId id="273" r:id="rId29"/>
+    <p:sldId id="278" r:id="rId30"/>
+    <p:sldId id="295" r:id="rId31"/>
+    <p:sldId id="279" r:id="rId32"/>
+    <p:sldId id="296" r:id="rId33"/>
+    <p:sldId id="275" r:id="rId34"/>
+    <p:sldId id="281" r:id="rId35"/>
+    <p:sldId id="266" r:id="rId36"/>
+    <p:sldId id="280" r:id="rId37"/>
   </p:sldIdLst>
   <p:sldSz cx="12192000" cy="6858000"/>
   <p:notesSz cx="6858000" cy="9144000"/>
@@ -172,6 +173,7 @@
             <p14:sldId id="272"/>
             <p14:sldId id="274"/>
             <p14:sldId id="299"/>
+            <p14:sldId id="300"/>
             <p14:sldId id="273"/>
             <p14:sldId id="278"/>
             <p14:sldId id="295"/>
@@ -2055,6 +2057,51 @@
               <a:t>It’s tempting to build forever.  We want to get to done, but can never finish the whole list.  How do we decide what to do and what not to?</a:t>
             </a:r>
           </a:p>
+          <a:p>
+            <a:endParaRPr lang="en-US" dirty="0"/>
+          </a:p>
+          <a:p>
+            <a:endParaRPr lang="en-US" dirty="0"/>
+          </a:p>
+          <a:p>
+            <a:r>
+              <a:rPr lang="en-US" sz="1200" dirty="0"/>
+              <a:t>Will we naturally find this work in the future with low pain?</a:t>
+            </a:r>
+          </a:p>
+          <a:p>
+            <a:r>
+              <a:rPr lang="en-US" sz="1200" dirty="0"/>
+              <a:t>Does this work align better with another project?</a:t>
+            </a:r>
+          </a:p>
+          <a:p>
+            <a:r>
+              <a:rPr lang="en-US" sz="1200" dirty="0"/>
+              <a:t>Will the work really make a difference to our metrics? </a:t>
+            </a:r>
+          </a:p>
+          <a:p>
+            <a:r>
+              <a:rPr lang="en-US" sz="1200" dirty="0"/>
+              <a:t>Will we be better positioned to tackle this work later?</a:t>
+            </a:r>
+          </a:p>
+          <a:p>
+            <a:r>
+              <a:rPr lang="en-US" sz="1200" dirty="0"/>
+              <a:t>Will it be expensive to re-learn knowledge we have today?</a:t>
+            </a:r>
+          </a:p>
+          <a:p>
+            <a:r>
+              <a:rPr lang="en-US" sz="1200" dirty="0"/>
+              <a:t>Is there a risk of permanently lost opportunity?</a:t>
+            </a:r>
+          </a:p>
+          <a:p>
+            <a:endParaRPr lang="en-US" dirty="0"/>
+          </a:p>
         </p:txBody>
       </p:sp>
       <p:sp>
@@ -2310,6 +2357,59 @@
           <a:p>
             <a:r>
               <a:rPr lang="en-US" dirty="0"/>
+              <a:t>Answering</a:t>
+            </a:r>
+            <a:r>
+              <a:rPr lang="en-US" baseline="0" dirty="0"/>
+              <a:t> the latest email in your inbox is usually succumbing to </a:t>
+            </a:r>
+            <a:r>
+              <a:rPr lang="en-US" baseline="0" dirty="0" err="1"/>
+              <a:t>recency</a:t>
+            </a:r>
+            <a:r>
+              <a:rPr lang="en-US" baseline="0" dirty="0"/>
+              <a:t> bias</a:t>
+            </a:r>
+          </a:p>
+          <a:p>
+            <a:r>
+              <a:rPr lang="en-US" baseline="0" dirty="0"/>
+              <a:t>Dealing with the loudest thing is very reactive</a:t>
+            </a:r>
+          </a:p>
+          <a:p>
+            <a:r>
+              <a:rPr lang="en-US" baseline="0" dirty="0"/>
+              <a:t>The quickest thing to complete delivers a sense of satisfaction, but perhaps not justified.</a:t>
+            </a:r>
+          </a:p>
+          <a:p>
+            <a:endParaRPr lang="en-US" dirty="0"/>
+          </a:p>
+          <a:p>
+            <a:endParaRPr lang="en-US" dirty="0"/>
+          </a:p>
+          <a:p>
+            <a:r>
+              <a:rPr lang="en-US" dirty="0"/>
+              <a:t>Top 5 or</a:t>
+            </a:r>
+            <a:r>
+              <a:rPr lang="en-US" baseline="0" dirty="0"/>
+              <a:t> Top 1 requires strict discipline</a:t>
+            </a:r>
+            <a:endParaRPr lang="en-US" dirty="0"/>
+          </a:p>
+          <a:p>
+            <a:endParaRPr lang="en-US" dirty="0"/>
+          </a:p>
+          <a:p>
+            <a:endParaRPr lang="en-US" dirty="0"/>
+          </a:p>
+          <a:p>
+            <a:r>
+              <a:rPr lang="en-US" dirty="0"/>
               <a:t>Can categorize to-do list by strategic and tactical</a:t>
             </a:r>
           </a:p>
@@ -2397,6 +2497,20 @@
           <a:p>
             <a:r>
               <a:rPr lang="en-US" dirty="0"/>
+              <a:t>You are the person</a:t>
+            </a:r>
+            <a:r>
+              <a:rPr lang="en-US" baseline="0" dirty="0"/>
+              <a:t> with the biggest stake in how you grow, and therefore managing that growth is up to you.</a:t>
+            </a:r>
+            <a:endParaRPr lang="en-US" dirty="0"/>
+          </a:p>
+          <a:p>
+            <a:endParaRPr lang="en-US" dirty="0"/>
+          </a:p>
+          <a:p>
+            <a:r>
+              <a:rPr lang="en-US" dirty="0"/>
               <a:t>There are different perspectives on “Velocity of Learning” as a worthy goal.  On one hand, some people assert it’s not sufficiently outcome-oriented.</a:t>
             </a:r>
             <a:r>
@@ -2513,7 +2627,7 @@
           <a:p>
             <a:fld id="{54165CF5-22A4-4BB9-BE26-FDB96183FE65}" type="slidenum">
               <a:rPr lang="en-US" smtClean="0"/>
-              <a:t>27</a:t>
+              <a:t>28</a:t>
             </a:fld>
             <a:endParaRPr lang="en-US"/>
           </a:p>
@@ -2608,9 +2722,12 @@
           <a:p>
             <a:r>
               <a:rPr lang="en-US" baseline="0" dirty="0"/>
-              <a:t>It helped me to think in terms of what I could give my network, rather than what I wanted from it.</a:t>
-            </a:r>
-            <a:endParaRPr lang="en-US" dirty="0"/>
+              <a:t>It helped me to think in terms of what I could give my network, rather than what I wanted from it, which I find more palatable.   So given that, i</a:t>
+            </a:r>
+            <a:r>
+              <a:rPr lang="en-US" dirty="0"/>
+              <a:t>magine if you tapped into that body of knowledge and experience?</a:t>
+            </a:r>
           </a:p>
         </p:txBody>
       </p:sp>
@@ -2631,7 +2748,7 @@
           <a:p>
             <a:fld id="{54165CF5-22A4-4BB9-BE26-FDB96183FE65}" type="slidenum">
               <a:rPr lang="en-US" smtClean="0"/>
-              <a:t>28</a:t>
+              <a:t>29</a:t>
             </a:fld>
             <a:endParaRPr lang="en-US"/>
           </a:p>
@@ -2795,7 +2912,7 @@
           <a:p>
             <a:fld id="{54165CF5-22A4-4BB9-BE26-FDB96183FE65}" type="slidenum">
               <a:rPr lang="en-US" smtClean="0"/>
-              <a:t>29</a:t>
+              <a:t>30</a:t>
             </a:fld>
             <a:endParaRPr lang="en-US"/>
           </a:p>
@@ -2891,7 +3008,7 @@
           <a:p>
             <a:fld id="{54165CF5-22A4-4BB9-BE26-FDB96183FE65}" type="slidenum">
               <a:rPr lang="en-US" smtClean="0"/>
-              <a:t>30</a:t>
+              <a:t>31</a:t>
             </a:fld>
             <a:endParaRPr lang="en-US"/>
           </a:p>
@@ -3218,7 +3335,7 @@
           <a:p>
             <a:fld id="{54165CF5-22A4-4BB9-BE26-FDB96183FE65}" type="slidenum">
               <a:rPr lang="en-US" smtClean="0"/>
-              <a:t>31</a:t>
+              <a:t>32</a:t>
             </a:fld>
             <a:endParaRPr lang="en-US"/>
           </a:p>
@@ -3447,7 +3564,7 @@
           <a:p>
             <a:fld id="{54165CF5-22A4-4BB9-BE26-FDB96183FE65}" type="slidenum">
               <a:rPr lang="en-US" smtClean="0"/>
-              <a:t>32</a:t>
+              <a:t>33</a:t>
             </a:fld>
             <a:endParaRPr lang="en-US"/>
           </a:p>
@@ -4006,6 +4123,20 @@
             <a:endParaRPr lang="en-US" dirty="0"/>
           </a:p>
           <a:p>
+            <a:pPr marL="171450" indent="-171450">
+              <a:buFontTx/>
+              <a:buChar char="-"/>
+            </a:pPr>
+            <a:r>
+              <a:rPr lang="en-US" dirty="0"/>
+              <a:t>Don’t leave out why it matters to you</a:t>
+            </a:r>
+          </a:p>
+          <a:p>
+            <a:pPr marL="171450" indent="-171450">
+              <a:buFontTx/>
+              <a:buChar char="-"/>
+            </a:pPr>
             <a:endParaRPr lang="en-US" dirty="0"/>
           </a:p>
           <a:p>
@@ -6138,7 +6269,7 @@
           <a:p>
             <a:r>
               <a:rPr lang="en-US" dirty="0"/>
-              <a:t>Principles – greatest hits</a:t>
+              <a:t>Principles – my favourites</a:t>
             </a:r>
           </a:p>
         </p:txBody>
@@ -6674,7 +6805,7 @@
             </a:pPr>
             <a:r>
               <a:rPr lang="en-US" sz="2800" dirty="0"/>
-              <a:t>Don’t slice thinner than “done”</a:t>
+              <a:t>But - don’t slice thinner than “done”</a:t>
             </a:r>
           </a:p>
           <a:p>
@@ -6684,7 +6815,7 @@
             </a:pPr>
             <a:r>
               <a:rPr lang="en-US" sz="2800" dirty="0"/>
-              <a:t>Thin slicing costs more – we’re specifically buying the opportunity to adjust course more often</a:t>
+              <a:t>Thin slicing costs more – we’re specifically buying the opportunity to adjust course more often, to learn earlier, and to mitigate risk</a:t>
             </a:r>
             <a:endParaRPr lang="en-US" sz="2000" dirty="0"/>
           </a:p>
@@ -7002,15 +7133,7 @@
             </a:pPr>
             <a:r>
               <a:rPr lang="en-US" sz="3200" dirty="0"/>
-              <a:t>Should other people </a:t>
-            </a:r>
-            <a:r>
-              <a:rPr lang="en-US" sz="3200"/>
-              <a:t>be aware of </a:t>
-            </a:r>
-            <a:r>
-              <a:rPr lang="en-US" sz="3200" dirty="0"/>
-              <a:t>it?</a:t>
+              <a:t>Should other people be aware of it?</a:t>
             </a:r>
           </a:p>
         </p:txBody>
@@ -7084,37 +7207,46 @@
           <a:p>
             <a:r>
               <a:rPr lang="en-US" sz="3200" dirty="0"/>
-              <a:t>Will we naturally find this work in the future with low pain?</a:t>
+              <a:t>Will the work impact our metrics?</a:t>
             </a:r>
           </a:p>
           <a:p>
             <a:r>
               <a:rPr lang="en-US" sz="3200" dirty="0"/>
-              <a:t>Does this work align better with another project?</a:t>
+              <a:t>Expensive to re-learn knowledge we have today?</a:t>
             </a:r>
           </a:p>
           <a:p>
             <a:r>
               <a:rPr lang="en-US" sz="3200" dirty="0"/>
-              <a:t>Will the work really make a difference to our metrics? </a:t>
-            </a:r>
-          </a:p>
-          <a:p>
+              <a:t>Permanently lost opportunity?</a:t>
+            </a:r>
+          </a:p>
+          <a:p>
+            <a:pPr marL="0" indent="0">
+              <a:buNone/>
+            </a:pPr>
             <a:r>
               <a:rPr lang="en-US" sz="3200" dirty="0"/>
-              <a:t>Will we be better positioned to tackle this work later?</a:t>
+              <a:t> </a:t>
             </a:r>
           </a:p>
           <a:p>
             <a:r>
               <a:rPr lang="en-US" sz="3200" dirty="0"/>
-              <a:t>Will it be expensive to re-learn knowledge we have today?</a:t>
+              <a:t>Will it come up naturally?</a:t>
             </a:r>
           </a:p>
           <a:p>
             <a:r>
               <a:rPr lang="en-US" sz="3200" dirty="0"/>
-              <a:t>Is there a risk of permanently lost opportunity?</a:t>
+              <a:t>Does it fit better with another project?</a:t>
+            </a:r>
+          </a:p>
+          <a:p>
+            <a:r>
+              <a:rPr lang="en-US" sz="3200" dirty="0"/>
+              <a:t>Better to do this work later?</a:t>
             </a:r>
           </a:p>
         </p:txBody>
@@ -7129,14 +7261,19 @@
             <p:ph type="title"/>
           </p:nvPr>
         </p:nvSpPr>
-        <p:spPr/>
-        <p:txBody>
-          <a:bodyPr/>
-          <a:lstStyle/>
-          <a:p>
-            <a:r>
-              <a:rPr lang="en-US" dirty="0"/>
-              <a:t>Find the exit</a:t>
+        <p:spPr>
+          <a:xfrm>
+            <a:off x="351526" y="314814"/>
+            <a:ext cx="11436522" cy="1325147"/>
+          </a:xfrm>
+        </p:spPr>
+        <p:txBody>
+          <a:bodyPr/>
+          <a:lstStyle/>
+          <a:p>
+            <a:r>
+              <a:rPr lang="en-US" dirty="0"/>
+              <a:t>Find the exit – what work not to do</a:t>
             </a:r>
           </a:p>
         </p:txBody>
@@ -7338,7 +7475,12 @@
             <p:ph type="body" sz="quarter" idx="10"/>
           </p:nvPr>
         </p:nvSpPr>
-        <p:spPr/>
+        <p:spPr>
+          <a:xfrm>
+            <a:off x="366211" y="1521959"/>
+            <a:ext cx="11642175" cy="4264025"/>
+          </a:xfrm>
+        </p:spPr>
         <p:txBody>
           <a:bodyPr/>
           <a:lstStyle/>
@@ -7348,15 +7490,9 @@
               <a:buChar char="•"/>
             </a:pPr>
             <a:r>
-              <a:rPr lang="en-US" sz="3200" dirty="0"/>
+              <a:rPr lang="en-US" sz="2800" dirty="0"/>
               <a:t>Understand the why and the big picture fit for your work</a:t>
             </a:r>
-          </a:p>
-          <a:p>
-            <a:pPr marL="0" indent="0">
-              <a:buNone/>
-            </a:pPr>
-            <a:endParaRPr lang="en-US" sz="3200" dirty="0"/>
           </a:p>
           <a:p>
             <a:pPr marL="342900" indent="-342900">
@@ -7364,22 +7500,8 @@
               <a:buChar char="•"/>
             </a:pPr>
             <a:r>
-              <a:rPr lang="en-US" sz="3200" dirty="0"/>
-              <a:t>Start the day by making sure you’re doing the right thing</a:t>
-            </a:r>
-          </a:p>
-          <a:p>
-            <a:pPr lvl="1" indent="-342900"/>
-            <a:r>
               <a:rPr lang="en-US" sz="2800" dirty="0"/>
-              <a:t>Calendar before email or yesterday’s list</a:t>
-            </a:r>
-          </a:p>
-          <a:p>
-            <a:pPr lvl="1" indent="-342900"/>
-            <a:r>
-              <a:rPr lang="en-US" sz="2800" dirty="0"/>
-              <a:t>Top 5 (or Top 1)</a:t>
+              <a:t>Newest, Loudest, Quickest are often attributes of the wrong thing</a:t>
             </a:r>
           </a:p>
           <a:p>
@@ -7387,30 +7509,53 @@
               <a:buFont typeface="Arial" panose="020B0604020202020204" pitchFamily="34" charset="0"/>
               <a:buChar char="•"/>
             </a:pPr>
-            <a:endParaRPr lang="en-US" sz="3200" dirty="0"/>
-          </a:p>
-          <a:p>
-            <a:r>
-              <a:rPr lang="en-US" sz="3200" dirty="0"/>
+            <a:r>
+              <a:rPr lang="en-US" sz="2800" dirty="0"/>
+              <a:t>Hardest, Scariest, Most ambiguous can be attributes of the right thing</a:t>
+            </a:r>
+          </a:p>
+          <a:p>
+            <a:pPr marL="342900" indent="-342900">
+              <a:buFont typeface="Arial" panose="020B0604020202020204" pitchFamily="34" charset="0"/>
+              <a:buChar char="•"/>
+            </a:pPr>
+            <a:r>
+              <a:rPr lang="en-US" sz="2800" dirty="0"/>
+              <a:t>Start the day by making sure you’re doing the right thing</a:t>
+            </a:r>
+          </a:p>
+          <a:p>
+            <a:pPr lvl="1" indent="-342900"/>
+            <a:r>
+              <a:rPr lang="en-US" sz="2400" dirty="0"/>
+              <a:t>Calendar before email or yesterday’s list</a:t>
+            </a:r>
+          </a:p>
+          <a:p>
+            <a:pPr lvl="1" indent="-342900"/>
+            <a:r>
+              <a:rPr lang="en-US" sz="2400" dirty="0"/>
+              <a:t>Top 5 (or Top 1)</a:t>
+            </a:r>
+          </a:p>
+          <a:p>
+            <a:r>
+              <a:rPr lang="en-US" sz="2800" dirty="0"/>
               <a:t>Reactive vs Proactive</a:t>
             </a:r>
           </a:p>
           <a:p>
             <a:pPr lvl="1" indent="-342900"/>
             <a:r>
-              <a:rPr lang="en-US" sz="2800" dirty="0"/>
+              <a:rPr lang="en-US" sz="2400" dirty="0"/>
               <a:t>Categorize tasks into reactive/tactical and proactive/strategic - ensure a particular % of time spent on each category</a:t>
             </a:r>
           </a:p>
           <a:p>
             <a:pPr lvl="1" indent="-342900"/>
             <a:r>
-              <a:rPr lang="en-US" sz="2800" dirty="0" err="1"/>
-              <a:t>Colour</a:t>
-            </a:r>
-            <a:r>
-              <a:rPr lang="en-US" sz="2800" dirty="0"/>
-              <a:t> code calendar to highlight how your time is spent</a:t>
+              <a:rPr lang="en-US" sz="2400" dirty="0"/>
+              <a:t>Colour code calendar to highlight how your time is spent</a:t>
             </a:r>
           </a:p>
         </p:txBody>
@@ -7500,6 +7645,24 @@
             </a:r>
           </a:p>
           <a:p>
+            <a:r>
+              <a:rPr lang="en-US" sz="3200" dirty="0"/>
+              <a:t>Short term goal before break</a:t>
+            </a:r>
+          </a:p>
+          <a:p>
+            <a:r>
+              <a:rPr lang="en-US" sz="3200" dirty="0"/>
+              <a:t>Reward yourself</a:t>
+            </a:r>
+          </a:p>
+          <a:p>
+            <a:r>
+              <a:rPr lang="en-US" sz="3200" dirty="0"/>
+              <a:t>Penalize yourself</a:t>
+            </a:r>
+          </a:p>
+          <a:p>
             <a:endParaRPr lang="en-US" dirty="0"/>
           </a:p>
         </p:txBody>
@@ -7558,7 +7721,7 @@
       </p:grpSpPr>
       <p:sp>
         <p:nvSpPr>
-          <p:cNvPr id="5" name="Text Placeholder 4"/>
+          <p:cNvPr id="2" name="Text Placeholder 1"/>
           <p:cNvSpPr>
             <a:spLocks noGrp="1"/>
           </p:cNvSpPr>
@@ -7568,8 +7731,8 @@
         </p:nvSpPr>
         <p:spPr>
           <a:xfrm>
-            <a:off x="366211" y="1794510"/>
-            <a:ext cx="11301371" cy="4487233"/>
+            <a:off x="366211" y="2017718"/>
+            <a:ext cx="11950647" cy="4264025"/>
           </a:xfrm>
         </p:spPr>
         <p:txBody>
@@ -7577,126 +7740,44 @@
           <a:lstStyle/>
           <a:p>
             <a:r>
-              <a:rPr lang="en-US" sz="2400" dirty="0"/>
-              <a:t>Pursue specific outcomes (job, responsibility, promotion, etc.)</a:t>
-            </a:r>
-          </a:p>
-          <a:p>
-            <a:pPr lvl="1"/>
-            <a:r>
-              <a:rPr lang="en-US" sz="2400" dirty="0"/>
-              <a:t>Have goals</a:t>
-            </a:r>
-          </a:p>
-          <a:p>
-            <a:pPr lvl="1"/>
-            <a:r>
-              <a:rPr lang="en-US" sz="2400" dirty="0"/>
-              <a:t>Thin slice – start small but deliver frequently</a:t>
-            </a:r>
-          </a:p>
-          <a:p>
-            <a:pPr lvl="1"/>
-            <a:r>
-              <a:rPr lang="en-US" sz="2400" dirty="0"/>
-              <a:t>Discuss with formal and informal mentors</a:t>
-            </a:r>
-          </a:p>
-          <a:p>
-            <a:pPr lvl="1"/>
-            <a:r>
-              <a:rPr lang="en-US" sz="2400" dirty="0"/>
-              <a:t>Get honest feedback</a:t>
-            </a:r>
-          </a:p>
-          <a:p>
-            <a:pPr lvl="1"/>
-            <a:r>
-              <a:rPr lang="en-US" sz="2400" dirty="0"/>
-              <a:t>Goal journal</a:t>
-            </a:r>
-          </a:p>
-          <a:p>
-            <a:pPr lvl="1"/>
-            <a:r>
-              <a:rPr lang="en-US" sz="2400" dirty="0"/>
-              <a:t>Share goals openly with manager </a:t>
-            </a:r>
-          </a:p>
-          <a:p>
-            <a:pPr marL="342883" lvl="1" indent="0">
-              <a:buNone/>
-            </a:pPr>
-            <a:endParaRPr lang="en-US" sz="2400" dirty="0"/>
-          </a:p>
-          <a:p>
-            <a:r>
-              <a:rPr lang="en-US" sz="2400" dirty="0"/>
-              <a:t>Ensure velocity of learning </a:t>
-            </a:r>
-          </a:p>
-          <a:p>
-            <a:pPr lvl="1"/>
-            <a:r>
-              <a:rPr lang="en-US" sz="2400" dirty="0"/>
+              <a:rPr lang="en-US" sz="2700" dirty="0"/>
               <a:t>How have you grown </a:t>
             </a:r>
             <a:r>
-              <a:rPr lang="en-US" sz="2400" u="sng" dirty="0"/>
+              <a:rPr lang="en-US" sz="2700" u="sng" dirty="0"/>
               <a:t>meaningfully</a:t>
             </a:r>
             <a:r>
-              <a:rPr lang="en-US" sz="2400" dirty="0"/>
+              <a:rPr lang="en-US" sz="2700" dirty="0"/>
               <a:t> in the last month?</a:t>
             </a:r>
           </a:p>
           <a:p>
-            <a:pPr lvl="1"/>
-            <a:r>
-              <a:rPr lang="en-US" sz="2400" dirty="0"/>
-              <a:t>Give yourself the time – it’s part of your job to learn in every opportunity</a:t>
-            </a:r>
-          </a:p>
-          <a:p>
-            <a:pPr lvl="1"/>
-            <a:r>
-              <a:rPr lang="en-US" sz="2400" dirty="0"/>
+            <a:r>
+              <a:rPr lang="en-US" sz="2700" dirty="0"/>
+              <a:t>Give yourself the time to explore</a:t>
+            </a:r>
+          </a:p>
+          <a:p>
+            <a:r>
+              <a:rPr lang="en-US" sz="2700" dirty="0"/>
               <a:t>Professional journal (including feelings)</a:t>
             </a:r>
           </a:p>
           <a:p>
-            <a:pPr lvl="1"/>
-            <a:r>
-              <a:rPr lang="en-US" sz="2400" dirty="0"/>
+            <a:r>
+              <a:rPr lang="en-US" sz="2700" dirty="0"/>
               <a:t>Expose yourself to new experiences and people</a:t>
             </a:r>
           </a:p>
           <a:p>
-            <a:pPr marL="342900" indent="-342900">
-              <a:buFont typeface="Arial" panose="020B0604020202020204" pitchFamily="34" charset="0"/>
-              <a:buChar char="•"/>
-            </a:pPr>
-            <a:endParaRPr lang="en-US" dirty="0"/>
-          </a:p>
-          <a:p>
-            <a:pPr marL="342900" indent="-342900">
-              <a:buFont typeface="Arial" panose="020B0604020202020204" pitchFamily="34" charset="0"/>
-              <a:buChar char="•"/>
-            </a:pPr>
-            <a:endParaRPr lang="en-US" dirty="0"/>
-          </a:p>
-          <a:p>
-            <a:pPr marL="342900" indent="-342900">
-              <a:buFont typeface="Arial" panose="020B0604020202020204" pitchFamily="34" charset="0"/>
-              <a:buChar char="•"/>
-            </a:pPr>
-            <a:endParaRPr lang="en-US" dirty="0"/>
-          </a:p>
-        </p:txBody>
-      </p:sp>
-      <p:sp>
-        <p:nvSpPr>
-          <p:cNvPr id="4" name="Title 3"/>
+            <a:endParaRPr lang="en-US" dirty="0"/>
+          </a:p>
+        </p:txBody>
+      </p:sp>
+      <p:sp>
+        <p:nvSpPr>
+          <p:cNvPr id="3" name="Title 2"/>
           <p:cNvSpPr>
             <a:spLocks noGrp="1"/>
           </p:cNvSpPr>
@@ -7711,7 +7792,7 @@
           <a:p>
             <a:r>
               <a:rPr lang="en-US" dirty="0"/>
-              <a:t>Take control of your career growth and learning</a:t>
+              <a:t>Ensure velocity of learning</a:t>
             </a:r>
           </a:p>
         </p:txBody>
@@ -7719,7 +7800,7 @@
     </p:spTree>
     <p:extLst>
       <p:ext uri="{BB962C8B-B14F-4D97-AF65-F5344CB8AC3E}">
-        <p14:creationId xmlns:p14="http://schemas.microsoft.com/office/powerpoint/2010/main" val="3405633137"/>
+        <p14:creationId xmlns:p14="http://schemas.microsoft.com/office/powerpoint/2010/main" val="2811507772"/>
       </p:ext>
     </p:extLst>
   </p:cSld>
@@ -7748,7 +7829,7 @@
       </p:grpSpPr>
       <p:sp>
         <p:nvSpPr>
-          <p:cNvPr id="2" name="Text Placeholder 1"/>
+          <p:cNvPr id="5" name="Text Placeholder 4"/>
           <p:cNvSpPr>
             <a:spLocks noGrp="1"/>
           </p:cNvSpPr>
@@ -7756,58 +7837,95 @@
             <p:ph type="body" sz="quarter" idx="10"/>
           </p:nvPr>
         </p:nvSpPr>
-        <p:spPr/>
-        <p:txBody>
-          <a:bodyPr/>
-          <a:lstStyle/>
+        <p:spPr>
+          <a:xfrm>
+            <a:off x="366211" y="1794510"/>
+            <a:ext cx="11301371" cy="4487233"/>
+          </a:xfrm>
+        </p:spPr>
+        <p:txBody>
+          <a:bodyPr/>
+          <a:lstStyle/>
+          <a:p>
+            <a:r>
+              <a:rPr lang="en-US" sz="2400" dirty="0"/>
+              <a:t>Pursue specific outcomes (job, responsibility, promotion, etc.)</a:t>
+            </a:r>
+          </a:p>
+          <a:p>
+            <a:pPr lvl="1"/>
+            <a:r>
+              <a:rPr lang="en-US" sz="2400" dirty="0"/>
+              <a:t>Have goals</a:t>
+            </a:r>
+          </a:p>
+          <a:p>
+            <a:pPr lvl="1"/>
+            <a:r>
+              <a:rPr lang="en-US" sz="2400" dirty="0"/>
+              <a:t>Thin slice – start small but deliver frequently</a:t>
+            </a:r>
+          </a:p>
+          <a:p>
+            <a:pPr lvl="1"/>
+            <a:r>
+              <a:rPr lang="en-US" sz="2400" dirty="0"/>
+              <a:t>Discuss with formal and informal mentors</a:t>
+            </a:r>
+          </a:p>
+          <a:p>
+            <a:pPr lvl="1"/>
+            <a:r>
+              <a:rPr lang="en-US" sz="2400" dirty="0"/>
+              <a:t>Get honest feedback</a:t>
+            </a:r>
+          </a:p>
+          <a:p>
+            <a:pPr lvl="1"/>
+            <a:r>
+              <a:rPr lang="en-US" sz="2400" dirty="0"/>
+              <a:t>Goal journal</a:t>
+            </a:r>
+          </a:p>
+          <a:p>
+            <a:pPr lvl="1"/>
+            <a:r>
+              <a:rPr lang="en-US" sz="2400" dirty="0"/>
+              <a:t>Share goals openly with manager </a:t>
+            </a:r>
+          </a:p>
+          <a:p>
+            <a:pPr marL="342883" lvl="1" indent="0">
+              <a:buNone/>
+            </a:pPr>
+            <a:endParaRPr lang="en-US" sz="2400" dirty="0"/>
+          </a:p>
           <a:p>
             <a:pPr marL="342900" indent="-342900">
               <a:buFont typeface="Arial" panose="020B0604020202020204" pitchFamily="34" charset="0"/>
               <a:buChar char="•"/>
             </a:pPr>
-            <a:r>
-              <a:rPr lang="en-US" dirty="0"/>
-              <a:t>A network is the ecosystem of people, of which you’re a part, that helps make every individual stronger</a:t>
-            </a:r>
-          </a:p>
-          <a:p>
-            <a:r>
-              <a:rPr lang="en-US" dirty="0"/>
-              <a:t>Everyone in the network has something to offer – imagine if you tapped into that body of knowledge and experience?</a:t>
-            </a:r>
+            <a:endParaRPr lang="en-US" dirty="0"/>
           </a:p>
           <a:p>
             <a:pPr marL="342900" indent="-342900">
               <a:buFont typeface="Arial" panose="020B0604020202020204" pitchFamily="34" charset="0"/>
               <a:buChar char="•"/>
             </a:pPr>
-            <a:r>
-              <a:rPr lang="en-US" dirty="0"/>
-              <a:t>D2L is a place particularly dependent on tribal knowledge – it’s important to know how to find the person who knows</a:t>
-            </a:r>
-          </a:p>
-          <a:p>
             <a:endParaRPr lang="en-US" dirty="0"/>
           </a:p>
           <a:p>
             <a:pPr marL="342900" indent="-342900">
-              <a:buFontTx/>
-              <a:buChar char="-"/>
-            </a:pPr>
-            <a:endParaRPr lang="en-US" dirty="0"/>
-          </a:p>
-          <a:p>
-            <a:pPr marL="342900" indent="-342900">
-              <a:buFontTx/>
-              <a:buChar char="-"/>
-            </a:pPr>
-            <a:endParaRPr lang="en-US" dirty="0"/>
-          </a:p>
-        </p:txBody>
-      </p:sp>
-      <p:sp>
-        <p:nvSpPr>
-          <p:cNvPr id="3" name="Title 2"/>
+              <a:buFont typeface="Arial" panose="020B0604020202020204" pitchFamily="34" charset="0"/>
+              <a:buChar char="•"/>
+            </a:pPr>
+            <a:endParaRPr lang="en-US" dirty="0"/>
+          </a:p>
+        </p:txBody>
+      </p:sp>
+      <p:sp>
+        <p:nvSpPr>
+          <p:cNvPr id="4" name="Title 3"/>
           <p:cNvSpPr>
             <a:spLocks noGrp="1"/>
           </p:cNvSpPr>
@@ -7815,30 +7933,27 @@
             <p:ph type="title"/>
           </p:nvPr>
         </p:nvSpPr>
-        <p:spPr/>
-        <p:txBody>
-          <a:bodyPr/>
-          <a:lstStyle/>
-          <a:p>
-            <a:r>
-              <a:rPr lang="en-US" dirty="0"/>
-              <a:t>Building a professional network</a:t>
-            </a:r>
-            <a:br>
-              <a:rPr lang="en-US" dirty="0"/>
-            </a:br>
-            <a:r>
-              <a:rPr lang="en-US" sz="3200" dirty="0"/>
-              <a:t>An introvert’s perspective</a:t>
-            </a:r>
-            <a:endParaRPr lang="en-US" dirty="0"/>
+        <p:spPr>
+          <a:xfrm>
+            <a:off x="351526" y="314814"/>
+            <a:ext cx="10467038" cy="1325147"/>
+          </a:xfrm>
+        </p:spPr>
+        <p:txBody>
+          <a:bodyPr/>
+          <a:lstStyle/>
+          <a:p>
+            <a:r>
+              <a:rPr lang="en-US" dirty="0"/>
+              <a:t>Take control of your career growth</a:t>
+            </a:r>
           </a:p>
         </p:txBody>
       </p:sp>
     </p:spTree>
     <p:extLst>
       <p:ext uri="{BB962C8B-B14F-4D97-AF65-F5344CB8AC3E}">
-        <p14:creationId xmlns:p14="http://schemas.microsoft.com/office/powerpoint/2010/main" val="1677484805"/>
+        <p14:creationId xmlns:p14="http://schemas.microsoft.com/office/powerpoint/2010/main" val="3405633137"/>
       </p:ext>
     </p:extLst>
   </p:cSld>
@@ -7886,7 +8001,13 @@
             </a:pPr>
             <a:r>
               <a:rPr lang="en-US" dirty="0"/>
-              <a:t>Ask questions</a:t>
+              <a:t>A network is the ecosystem of people, of which you’re a part, that helps make every individual stronger</a:t>
+            </a:r>
+          </a:p>
+          <a:p>
+            <a:r>
+              <a:rPr lang="en-US" dirty="0"/>
+              <a:t>Everyone in the network has something to offer, including you</a:t>
             </a:r>
           </a:p>
           <a:p>
@@ -7896,88 +8017,24 @@
             </a:pPr>
             <a:r>
               <a:rPr lang="en-US" dirty="0"/>
-              <a:t>Give yourself an achievable target – meet one person per week</a:t>
-            </a:r>
+              <a:t>D2L is dependent on tribal knowledge</a:t>
+            </a:r>
+          </a:p>
+          <a:p>
+            <a:endParaRPr lang="en-US" dirty="0"/>
           </a:p>
           <a:p>
             <a:pPr marL="342900" indent="-342900">
               <a:buFontTx/>
               <a:buChar char="-"/>
             </a:pPr>
-            <a:r>
-              <a:rPr lang="en-US" dirty="0"/>
-              <a:t>Walkabout</a:t>
-            </a:r>
+            <a:endParaRPr lang="en-US" dirty="0"/>
           </a:p>
           <a:p>
             <a:pPr marL="342900" indent="-342900">
               <a:buFontTx/>
               <a:buChar char="-"/>
             </a:pPr>
-            <a:r>
-              <a:rPr lang="en-US" dirty="0"/>
-              <a:t>Sit in a public spot</a:t>
-            </a:r>
-          </a:p>
-          <a:p>
-            <a:pPr marL="342900" indent="-342900">
-              <a:buFontTx/>
-              <a:buChar char="-"/>
-            </a:pPr>
-            <a:r>
-              <a:rPr lang="en-US" dirty="0"/>
-              <a:t>Chat at the coffee machine</a:t>
-            </a:r>
-          </a:p>
-          <a:p>
-            <a:pPr marL="342900" indent="-342900">
-              <a:buFontTx/>
-              <a:buChar char="-"/>
-            </a:pPr>
-            <a:r>
-              <a:rPr lang="en-US" dirty="0"/>
-              <a:t>Ask people for their advice</a:t>
-            </a:r>
-          </a:p>
-          <a:p>
-            <a:pPr marL="342900" indent="-342900">
-              <a:buFontTx/>
-              <a:buChar char="-"/>
-            </a:pPr>
-            <a:r>
-              <a:rPr lang="en-US" dirty="0"/>
-              <a:t>Meet up with people to compare what you’ve learned</a:t>
-            </a:r>
-          </a:p>
-          <a:p>
-            <a:pPr marL="342900" indent="-342900">
-              <a:buFontTx/>
-              <a:buChar char="-"/>
-            </a:pPr>
-            <a:r>
-              <a:rPr lang="en-US" dirty="0"/>
-              <a:t>Be generous, particularly when it comes to sharing knowledge</a:t>
-            </a:r>
-          </a:p>
-          <a:p>
-            <a:pPr marL="342900" indent="-342900">
-              <a:buFontTx/>
-              <a:buChar char="-"/>
-            </a:pPr>
-            <a:r>
-              <a:rPr lang="en-US" dirty="0"/>
-              <a:t>Be a 5</a:t>
-            </a:r>
-            <a:r>
-              <a:rPr lang="en-US" baseline="30000" dirty="0"/>
-              <a:t>th</a:t>
-            </a:r>
-            <a:r>
-              <a:rPr lang="en-US" dirty="0"/>
-              <a:t> level tribe member (David Logan - Tribal Leadership)</a:t>
-            </a:r>
-          </a:p>
-          <a:p>
             <a:endParaRPr lang="en-US" dirty="0"/>
           </a:p>
         </p:txBody>
@@ -8001,13 +8058,21 @@
               <a:rPr lang="en-US" dirty="0"/>
               <a:t>Building a professional network</a:t>
             </a:r>
+            <a:br>
+              <a:rPr lang="en-US" dirty="0"/>
+            </a:br>
+            <a:r>
+              <a:rPr lang="en-US" sz="3200" dirty="0"/>
+              <a:t>An introvert’s perspective</a:t>
+            </a:r>
+            <a:endParaRPr lang="en-US" dirty="0"/>
           </a:p>
         </p:txBody>
       </p:sp>
     </p:spTree>
     <p:extLst>
       <p:ext uri="{BB962C8B-B14F-4D97-AF65-F5344CB8AC3E}">
-        <p14:creationId xmlns:p14="http://schemas.microsoft.com/office/powerpoint/2010/main" val="557025887"/>
+        <p14:creationId xmlns:p14="http://schemas.microsoft.com/office/powerpoint/2010/main" val="1677484805"/>
       </p:ext>
     </p:extLst>
   </p:cSld>
@@ -8147,14 +8212,66 @@
             </a:pPr>
             <a:r>
               <a:rPr lang="en-US" dirty="0"/>
-              <a:t>Imagine if the people we spend the most time with every day shared their perspective and advice about how we each could improve?  </a:t>
-            </a:r>
-          </a:p>
-          <a:p>
-            <a:pPr marL="342900" indent="-342900">
-              <a:buFont typeface="Arial" panose="020B0604020202020204" pitchFamily="34" charset="0"/>
-              <a:buChar char="•"/>
-            </a:pPr>
+              <a:t>Ask questions</a:t>
+            </a:r>
+          </a:p>
+          <a:p>
+            <a:r>
+              <a:rPr lang="en-US" dirty="0"/>
+              <a:t>Give yourself an achievable target – meet one person per week</a:t>
+            </a:r>
+          </a:p>
+          <a:p>
+            <a:r>
+              <a:rPr lang="en-US" dirty="0"/>
+              <a:t>Walkabout</a:t>
+            </a:r>
+          </a:p>
+          <a:p>
+            <a:r>
+              <a:rPr lang="en-US" dirty="0"/>
+              <a:t>Sit in a public spot</a:t>
+            </a:r>
+          </a:p>
+          <a:p>
+            <a:r>
+              <a:rPr lang="en-US" dirty="0"/>
+              <a:t>Chat at the coffee machine</a:t>
+            </a:r>
+          </a:p>
+          <a:p>
+            <a:r>
+              <a:rPr lang="en-US" dirty="0"/>
+              <a:t>Ask people for their advice</a:t>
+            </a:r>
+          </a:p>
+          <a:p>
+            <a:r>
+              <a:rPr lang="en-US" dirty="0"/>
+              <a:t>Meet up with people to compare what you’ve learned</a:t>
+            </a:r>
+          </a:p>
+          <a:p>
+            <a:r>
+              <a:rPr lang="en-US" dirty="0"/>
+              <a:t>Be generous, particularly when it comes to sharing knowledge</a:t>
+            </a:r>
+          </a:p>
+          <a:p>
+            <a:r>
+              <a:rPr lang="en-US" dirty="0"/>
+              <a:t>Be a 5</a:t>
+            </a:r>
+            <a:r>
+              <a:rPr lang="en-US" baseline="30000" dirty="0"/>
+              <a:t>th</a:t>
+            </a:r>
+            <a:r>
+              <a:rPr lang="en-US" dirty="0"/>
+              <a:t> level tribe member (David Logan - Tribal Leadership)</a:t>
+            </a:r>
+          </a:p>
+          <a:p>
             <a:endParaRPr lang="en-US" dirty="0"/>
           </a:p>
         </p:txBody>
@@ -8176,7 +8293,7 @@
           <a:p>
             <a:r>
               <a:rPr lang="en-US" dirty="0"/>
-              <a:t>Mutual Coaching</a:t>
+              <a:t>Building a professional network</a:t>
             </a:r>
           </a:p>
         </p:txBody>
@@ -8184,7 +8301,7 @@
     </p:spTree>
     <p:extLst>
       <p:ext uri="{BB962C8B-B14F-4D97-AF65-F5344CB8AC3E}">
-        <p14:creationId xmlns:p14="http://schemas.microsoft.com/office/powerpoint/2010/main" val="2528233129"/>
+        <p14:creationId xmlns:p14="http://schemas.microsoft.com/office/powerpoint/2010/main" val="557025887"/>
       </p:ext>
     </p:extLst>
   </p:cSld>
@@ -8231,69 +8348,15 @@
               <a:buChar char="•"/>
             </a:pPr>
             <a:r>
-              <a:rPr lang="en-US" sz="2800" dirty="0"/>
-              <a:t>Harvesting Feedback</a:t>
-            </a:r>
-          </a:p>
-          <a:p>
-            <a:pPr lvl="1" indent="-342900"/>
-            <a:r>
-              <a:rPr lang="en-US" sz="2500" dirty="0"/>
-              <a:t>Make it easy</a:t>
-            </a:r>
-          </a:p>
-          <a:p>
-            <a:pPr lvl="1" indent="-342900"/>
-            <a:r>
-              <a:rPr lang="en-US" sz="2500" dirty="0"/>
-              <a:t>Be interested.  Be engaged.  Don’t argue.  Ask for clarification or examples. </a:t>
-            </a:r>
-          </a:p>
-          <a:p>
-            <a:pPr lvl="1" indent="-342900"/>
-            <a:r>
-              <a:rPr lang="en-US" sz="2500" dirty="0"/>
-              <a:t>Say thank you, and mean it.</a:t>
-            </a:r>
-          </a:p>
-          <a:p>
-            <a:pPr lvl="1" indent="-342900"/>
-            <a:r>
-              <a:rPr lang="en-US" sz="2500" dirty="0"/>
-              <a:t>Give credit</a:t>
-            </a:r>
-          </a:p>
-          <a:p>
-            <a:endParaRPr lang="en-US" sz="2800" dirty="0"/>
-          </a:p>
-          <a:p>
-            <a:r>
-              <a:rPr lang="en-US" sz="2800" dirty="0"/>
-              <a:t>Planting Feedback</a:t>
-            </a:r>
-          </a:p>
-          <a:p>
-            <a:pPr lvl="1" indent="-342900"/>
-            <a:r>
-              <a:rPr lang="en-US" sz="2500" dirty="0"/>
-              <a:t>Share positive feedback every day</a:t>
-            </a:r>
-          </a:p>
-          <a:p>
-            <a:pPr lvl="1" indent="-342900"/>
-            <a:r>
-              <a:rPr lang="en-US" sz="2500" dirty="0"/>
-              <a:t>Practice giving constructive feedback</a:t>
-            </a:r>
-          </a:p>
-          <a:p>
-            <a:pPr lvl="1" indent="-342900"/>
-            <a:r>
-              <a:rPr lang="en-US" sz="2500" dirty="0"/>
-              <a:t>Start small</a:t>
-            </a:r>
-          </a:p>
-          <a:p>
+              <a:rPr lang="en-US" dirty="0"/>
+              <a:t>Imagine if the people we spend the most time with every day shared their perspective and advice about how we each could improve?  </a:t>
+            </a:r>
+          </a:p>
+          <a:p>
+            <a:pPr marL="342900" indent="-342900">
+              <a:buFont typeface="Arial" panose="020B0604020202020204" pitchFamily="34" charset="0"/>
+              <a:buChar char="•"/>
+            </a:pPr>
             <a:endParaRPr lang="en-US" dirty="0"/>
           </a:p>
         </p:txBody>
@@ -8323,7 +8386,7 @@
     </p:spTree>
     <p:extLst>
       <p:ext uri="{BB962C8B-B14F-4D97-AF65-F5344CB8AC3E}">
-        <p14:creationId xmlns:p14="http://schemas.microsoft.com/office/powerpoint/2010/main" val="3258661815"/>
+        <p14:creationId xmlns:p14="http://schemas.microsoft.com/office/powerpoint/2010/main" val="2528233129"/>
       </p:ext>
     </p:extLst>
   </p:cSld>
@@ -8360,63 +8423,98 @@
             <p:ph type="body" sz="quarter" idx="10"/>
           </p:nvPr>
         </p:nvSpPr>
-        <p:spPr/>
-        <p:txBody>
-          <a:bodyPr/>
-          <a:lstStyle/>
-          <a:p>
-            <a:pPr marL="457200" indent="-457200">
-              <a:buFont typeface="+mj-lt"/>
-              <a:buAutoNum type="arabicPeriod"/>
-            </a:pPr>
-            <a:r>
-              <a:rPr lang="en-US" dirty="0"/>
-              <a:t>Pick a thing you want to be better</a:t>
-            </a:r>
-          </a:p>
-          <a:p>
-            <a:pPr marL="457200" indent="-457200">
-              <a:buFont typeface="+mj-lt"/>
-              <a:buAutoNum type="arabicPeriod"/>
-            </a:pPr>
-            <a:r>
-              <a:rPr lang="en-US" dirty="0"/>
-              <a:t>What would good look like?</a:t>
-            </a:r>
-          </a:p>
-          <a:p>
-            <a:pPr marL="457200" indent="-457200">
-              <a:buFont typeface="+mj-lt"/>
-              <a:buAutoNum type="arabicPeriod"/>
-            </a:pPr>
-            <a:r>
-              <a:rPr lang="en-US" dirty="0"/>
-              <a:t>What’s the next logical step toward achieving that good state?</a:t>
-            </a:r>
-          </a:p>
-          <a:p>
-            <a:pPr marL="457200" indent="-457200">
-              <a:buFont typeface="+mj-lt"/>
-              <a:buAutoNum type="arabicPeriod"/>
-            </a:pPr>
-            <a:r>
-              <a:rPr lang="en-US" dirty="0"/>
-              <a:t>What action can you take?  (Proposal?  </a:t>
-            </a:r>
-            <a:r>
-              <a:rPr lang="en-US" dirty="0" err="1"/>
-              <a:t>PoC+Demo</a:t>
-            </a:r>
-            <a:r>
-              <a:rPr lang="en-US" dirty="0"/>
-              <a:t>?  …)</a:t>
-            </a:r>
-          </a:p>
-          <a:p>
-            <a:pPr marL="457200" indent="-457200">
-              <a:buFont typeface="+mj-lt"/>
-              <a:buAutoNum type="arabicPeriod"/>
-            </a:pPr>
+        <p:spPr>
+          <a:xfrm>
+            <a:off x="366211" y="1288974"/>
+            <a:ext cx="11301371" cy="4992770"/>
+          </a:xfrm>
+        </p:spPr>
+        <p:txBody>
+          <a:bodyPr/>
+          <a:lstStyle/>
+          <a:p>
+            <a:pPr marL="342900" indent="-342900">
+              <a:buFont typeface="Arial" panose="020B0604020202020204" pitchFamily="34" charset="0"/>
+              <a:buChar char="•"/>
+            </a:pPr>
+            <a:r>
+              <a:rPr lang="en-US" sz="2800" dirty="0"/>
+              <a:t>Harvesting Feedback</a:t>
+            </a:r>
+          </a:p>
+          <a:p>
+            <a:pPr lvl="1" indent="-342900"/>
+            <a:r>
+              <a:rPr lang="en-US" sz="2500" dirty="0"/>
+              <a:t>Make it easy</a:t>
+            </a:r>
+          </a:p>
+          <a:p>
+            <a:pPr lvl="1" indent="-342900"/>
+            <a:r>
+              <a:rPr lang="en-US" sz="2500" dirty="0"/>
+              <a:t>Be interested.  Be engaged.  Don’t argue.  Ask for clarification or examples. </a:t>
+            </a:r>
+          </a:p>
+          <a:p>
+            <a:pPr lvl="1" indent="-342900"/>
+            <a:r>
+              <a:rPr lang="en-US" sz="2500" dirty="0"/>
+              <a:t>Say thank you, and mean it.</a:t>
+            </a:r>
+          </a:p>
+          <a:p>
+            <a:pPr lvl="1" indent="-342900"/>
+            <a:r>
+              <a:rPr lang="en-US" sz="2500" dirty="0"/>
+              <a:t>Give credit</a:t>
+            </a:r>
+          </a:p>
+          <a:p>
+            <a:endParaRPr lang="en-US" sz="2800" dirty="0"/>
+          </a:p>
+          <a:p>
+            <a:r>
+              <a:rPr lang="en-US" sz="2800" dirty="0"/>
+              <a:t>Planting Feedback</a:t>
+            </a:r>
+          </a:p>
+          <a:p>
+            <a:pPr lvl="1" indent="-342900"/>
+            <a:r>
+              <a:rPr lang="en-US" sz="2500" dirty="0"/>
+              <a:t>Share positive feedback every day</a:t>
+            </a:r>
+          </a:p>
+          <a:p>
+            <a:pPr lvl="1" indent="-342900"/>
+            <a:r>
+              <a:rPr lang="en-US" sz="2500" dirty="0"/>
+              <a:t>Practice giving constructive feedback</a:t>
+            </a:r>
+          </a:p>
+          <a:p>
+            <a:pPr lvl="1" indent="-342900"/>
+            <a:r>
+              <a:rPr lang="en-US" sz="2500" dirty="0"/>
+              <a:t>Give examples</a:t>
+            </a:r>
+          </a:p>
+          <a:p>
+            <a:pPr lvl="1" indent="-342900"/>
+            <a:r>
+              <a:rPr lang="en-US" sz="2500" dirty="0"/>
+              <a:t>Be unambiguous about constructive feedback – don’t sugar coat</a:t>
+            </a:r>
+          </a:p>
+          <a:p>
+            <a:pPr lvl="1" indent="-342900"/>
+            <a:r>
+              <a:rPr lang="en-US" sz="2500" dirty="0"/>
+              <a:t>Start small</a:t>
+            </a:r>
+          </a:p>
+          <a:p>
             <a:endParaRPr lang="en-US" dirty="0"/>
           </a:p>
         </p:txBody>
@@ -8438,23 +8536,15 @@
           <a:p>
             <a:r>
               <a:rPr lang="en-US" dirty="0"/>
-              <a:t>Be the change </a:t>
-            </a:r>
-            <a:br>
-              <a:rPr lang="en-US" dirty="0"/>
-            </a:br>
-            <a:r>
-              <a:rPr lang="en-US" sz="2800" dirty="0"/>
-              <a:t>(TODO: Pick less cheesy title)</a:t>
-            </a:r>
-            <a:endParaRPr lang="en-US" dirty="0"/>
+              <a:t>Mutual Coaching</a:t>
+            </a:r>
           </a:p>
         </p:txBody>
       </p:sp>
     </p:spTree>
     <p:extLst>
       <p:ext uri="{BB962C8B-B14F-4D97-AF65-F5344CB8AC3E}">
-        <p14:creationId xmlns:p14="http://schemas.microsoft.com/office/powerpoint/2010/main" val="1213391016"/>
+        <p14:creationId xmlns:p14="http://schemas.microsoft.com/office/powerpoint/2010/main" val="3258661815"/>
       </p:ext>
     </p:extLst>
   </p:cSld>
@@ -8496,30 +8586,58 @@
           <a:bodyPr/>
           <a:lstStyle/>
           <a:p>
-            <a:r>
-              <a:rPr lang="en-US" dirty="0"/>
-              <a:t>Highlight tools / techniques in memorable sound bites</a:t>
-            </a:r>
-          </a:p>
-          <a:p>
-            <a:endParaRPr lang="en-US" dirty="0"/>
-          </a:p>
-          <a:p>
-            <a:r>
-              <a:rPr lang="en-US" dirty="0"/>
-              <a:t>Identify spots for audience participation – What do you do to achieve this goal?</a:t>
-            </a:r>
-          </a:p>
-          <a:p>
-            <a:endParaRPr lang="en-US" dirty="0"/>
-          </a:p>
-          <a:p>
-            <a:r>
-              <a:rPr lang="en-US" dirty="0"/>
-              <a:t>Progress bar or some other indicator of where we are in the presentation</a:t>
-            </a:r>
-          </a:p>
-          <a:p>
+            <a:pPr marL="457200" indent="-457200">
+              <a:buFont typeface="+mj-lt"/>
+              <a:buAutoNum type="arabicPeriod"/>
+            </a:pPr>
+            <a:r>
+              <a:rPr lang="en-US" dirty="0"/>
+              <a:t>Pick a thing you want to be better</a:t>
+            </a:r>
+          </a:p>
+          <a:p>
+            <a:pPr marL="457200" indent="-457200">
+              <a:buFont typeface="+mj-lt"/>
+              <a:buAutoNum type="arabicPeriod"/>
+            </a:pPr>
+            <a:r>
+              <a:rPr lang="en-US" dirty="0"/>
+              <a:t>What would good look like?</a:t>
+            </a:r>
+          </a:p>
+          <a:p>
+            <a:pPr marL="457200" indent="-457200">
+              <a:buFont typeface="+mj-lt"/>
+              <a:buAutoNum type="arabicPeriod"/>
+            </a:pPr>
+            <a:r>
+              <a:rPr lang="en-US" dirty="0"/>
+              <a:t>What’s the next logical step toward achieving that good state?</a:t>
+            </a:r>
+          </a:p>
+          <a:p>
+            <a:pPr marL="457200" indent="-457200">
+              <a:buFont typeface="+mj-lt"/>
+              <a:buAutoNum type="arabicPeriod"/>
+            </a:pPr>
+            <a:r>
+              <a:rPr lang="en-US" dirty="0"/>
+              <a:t>What action can you take?  (Proposal?  </a:t>
+            </a:r>
+            <a:r>
+              <a:rPr lang="en-US" dirty="0" err="1"/>
+              <a:t>PoC+Demo</a:t>
+            </a:r>
+            <a:r>
+              <a:rPr lang="en-US" dirty="0"/>
+              <a:t>?  …)</a:t>
+            </a:r>
+          </a:p>
+          <a:p>
+            <a:pPr marL="457200" indent="-457200">
+              <a:buFont typeface="+mj-lt"/>
+              <a:buAutoNum type="arabicPeriod"/>
+            </a:pPr>
             <a:endParaRPr lang="en-US" dirty="0"/>
           </a:p>
         </p:txBody>
@@ -8541,15 +8659,23 @@
           <a:p>
             <a:r>
               <a:rPr lang="en-US" dirty="0"/>
-              <a:t>Jason – Presentation candy to add</a:t>
-            </a:r>
+              <a:t>Be the change </a:t>
+            </a:r>
+            <a:br>
+              <a:rPr lang="en-US" dirty="0"/>
+            </a:br>
+            <a:r>
+              <a:rPr lang="en-US" sz="2800" dirty="0"/>
+              <a:t>(TODO: Pick less cheesy title)</a:t>
+            </a:r>
+            <a:endParaRPr lang="en-US" dirty="0"/>
           </a:p>
         </p:txBody>
       </p:sp>
     </p:spTree>
     <p:extLst>
       <p:ext uri="{BB962C8B-B14F-4D97-AF65-F5344CB8AC3E}">
-        <p14:creationId xmlns:p14="http://schemas.microsoft.com/office/powerpoint/2010/main" val="3812715019"/>
+        <p14:creationId xmlns:p14="http://schemas.microsoft.com/office/powerpoint/2010/main" val="1213391016"/>
       </p:ext>
     </p:extLst>
   </p:cSld>
@@ -8591,6 +8717,101 @@
           <a:bodyPr/>
           <a:lstStyle/>
           <a:p>
+            <a:r>
+              <a:rPr lang="en-US" dirty="0"/>
+              <a:t>Highlight tools / techniques in memorable sound bites</a:t>
+            </a:r>
+          </a:p>
+          <a:p>
+            <a:endParaRPr lang="en-US" dirty="0"/>
+          </a:p>
+          <a:p>
+            <a:r>
+              <a:rPr lang="en-US" dirty="0"/>
+              <a:t>Identify spots for audience participation – What do you do to achieve this goal?</a:t>
+            </a:r>
+          </a:p>
+          <a:p>
+            <a:endParaRPr lang="en-US" dirty="0"/>
+          </a:p>
+          <a:p>
+            <a:r>
+              <a:rPr lang="en-US" dirty="0"/>
+              <a:t>Progress bar or some other indicator of where we are in the presentation</a:t>
+            </a:r>
+          </a:p>
+          <a:p>
+            <a:endParaRPr lang="en-US" dirty="0"/>
+          </a:p>
+        </p:txBody>
+      </p:sp>
+      <p:sp>
+        <p:nvSpPr>
+          <p:cNvPr id="3" name="Title 2"/>
+          <p:cNvSpPr>
+            <a:spLocks noGrp="1"/>
+          </p:cNvSpPr>
+          <p:nvPr>
+            <p:ph type="title"/>
+          </p:nvPr>
+        </p:nvSpPr>
+        <p:spPr/>
+        <p:txBody>
+          <a:bodyPr/>
+          <a:lstStyle/>
+          <a:p>
+            <a:r>
+              <a:rPr lang="en-US" dirty="0"/>
+              <a:t>Jason – Presentation candy to add</a:t>
+            </a:r>
+          </a:p>
+        </p:txBody>
+      </p:sp>
+    </p:spTree>
+    <p:extLst>
+      <p:ext uri="{BB962C8B-B14F-4D97-AF65-F5344CB8AC3E}">
+        <p14:creationId xmlns:p14="http://schemas.microsoft.com/office/powerpoint/2010/main" val="3812715019"/>
+      </p:ext>
+    </p:extLst>
+  </p:cSld>
+  <p:clrMapOvr>
+    <a:masterClrMapping/>
+  </p:clrMapOvr>
+</p:sld>
+</file>
+
+<file path=ppt/slides/slide35.xml><?xml version="1.0" encoding="utf-8"?>
+<p:sld xmlns:a="http://schemas.openxmlformats.org/drawingml/2006/main" xmlns:r="http://schemas.openxmlformats.org/officeDocument/2006/relationships" xmlns:p="http://schemas.openxmlformats.org/presentationml/2006/main">
+  <p:cSld>
+    <p:spTree>
+      <p:nvGrpSpPr>
+        <p:cNvPr id="1" name=""/>
+        <p:cNvGrpSpPr/>
+        <p:nvPr/>
+      </p:nvGrpSpPr>
+      <p:grpSpPr>
+        <a:xfrm>
+          <a:off x="0" y="0"/>
+          <a:ext cx="0" cy="0"/>
+          <a:chOff x="0" y="0"/>
+          <a:chExt cx="0" cy="0"/>
+        </a:xfrm>
+      </p:grpSpPr>
+      <p:sp>
+        <p:nvSpPr>
+          <p:cNvPr id="2" name="Text Placeholder 1"/>
+          <p:cNvSpPr>
+            <a:spLocks noGrp="1"/>
+          </p:cNvSpPr>
+          <p:nvPr>
+            <p:ph type="body" sz="quarter" idx="10"/>
+          </p:nvPr>
+        </p:nvSpPr>
+        <p:spPr/>
+        <p:txBody>
+          <a:bodyPr/>
+          <a:lstStyle/>
+          <a:p>
             <a:pPr marL="342900" indent="-342900">
               <a:buFontTx/>
               <a:buChar char="-"/>
@@ -8677,7 +8898,7 @@
 </p:sld>
 </file>
 
-<file path=ppt/slides/slide35.xml><?xml version="1.0" encoding="utf-8"?>
+<file path=ppt/slides/slide36.xml><?xml version="1.0" encoding="utf-8"?>
 <p:sld xmlns:a="http://schemas.openxmlformats.org/drawingml/2006/main" xmlns:r="http://schemas.openxmlformats.org/officeDocument/2006/relationships" xmlns:p="http://schemas.openxmlformats.org/presentationml/2006/main">
   <p:cSld>
     <p:spTree>
@@ -9494,7 +9715,7 @@
             </a:pPr>
             <a:r>
               <a:rPr lang="en-US" sz="3200" dirty="0"/>
-              <a:t>Shows how our work </a:t>
+              <a:t>Shows how your work </a:t>
             </a:r>
             <a:r>
               <a:rPr lang="en-US" sz="3200" u="sng" dirty="0"/>

--- a/InFusion2016 - Getting It Done - Jason Wood.pptx
+++ b/InFusion2016 - Getting It Done - Jason Wood.pptx
@@ -5,7 +5,7 @@
     <p:sldMasterId id="2147483810" r:id="rId1"/>
   </p:sldMasterIdLst>
   <p:notesMasterIdLst>
-    <p:notesMasterId r:id="rId35"/>
+    <p:notesMasterId r:id="rId33"/>
   </p:notesMasterIdLst>
   <p:sldIdLst>
     <p:sldId id="256" r:id="rId2"/>
@@ -19,28 +19,26 @@
     <p:sldId id="293" r:id="rId10"/>
     <p:sldId id="264" r:id="rId11"/>
     <p:sldId id="294" r:id="rId12"/>
-    <p:sldId id="287" r:id="rId13"/>
-    <p:sldId id="297" r:id="rId14"/>
+    <p:sldId id="297" r:id="rId13"/>
+    <p:sldId id="287" r:id="rId14"/>
     <p:sldId id="298" r:id="rId15"/>
     <p:sldId id="302" r:id="rId16"/>
     <p:sldId id="271" r:id="rId17"/>
     <p:sldId id="268" r:id="rId18"/>
     <p:sldId id="286" r:id="rId19"/>
     <p:sldId id="269" r:id="rId20"/>
-    <p:sldId id="291" r:id="rId21"/>
-    <p:sldId id="290" r:id="rId22"/>
-    <p:sldId id="270" r:id="rId23"/>
-    <p:sldId id="272" r:id="rId24"/>
-    <p:sldId id="274" r:id="rId25"/>
-    <p:sldId id="299" r:id="rId26"/>
-    <p:sldId id="300" r:id="rId27"/>
-    <p:sldId id="273" r:id="rId28"/>
-    <p:sldId id="278" r:id="rId29"/>
-    <p:sldId id="295" r:id="rId30"/>
-    <p:sldId id="279" r:id="rId31"/>
-    <p:sldId id="296" r:id="rId32"/>
-    <p:sldId id="275" r:id="rId33"/>
-    <p:sldId id="301" r:id="rId34"/>
+    <p:sldId id="290" r:id="rId21"/>
+    <p:sldId id="270" r:id="rId22"/>
+    <p:sldId id="272" r:id="rId23"/>
+    <p:sldId id="274" r:id="rId24"/>
+    <p:sldId id="299" r:id="rId25"/>
+    <p:sldId id="300" r:id="rId26"/>
+    <p:sldId id="278" r:id="rId27"/>
+    <p:sldId id="295" r:id="rId28"/>
+    <p:sldId id="279" r:id="rId29"/>
+    <p:sldId id="296" r:id="rId30"/>
+    <p:sldId id="275" r:id="rId31"/>
+    <p:sldId id="301" r:id="rId32"/>
   </p:sldIdLst>
   <p:sldSz cx="12192000" cy="6858000"/>
   <p:notesSz cx="6858000" cy="9144000"/>
@@ -155,22 +153,20 @@
             <p14:sldId id="293"/>
             <p14:sldId id="264"/>
             <p14:sldId id="294"/>
+            <p14:sldId id="297"/>
             <p14:sldId id="287"/>
-            <p14:sldId id="297"/>
             <p14:sldId id="298"/>
             <p14:sldId id="302"/>
             <p14:sldId id="271"/>
             <p14:sldId id="268"/>
             <p14:sldId id="286"/>
             <p14:sldId id="269"/>
-            <p14:sldId id="291"/>
             <p14:sldId id="290"/>
             <p14:sldId id="270"/>
             <p14:sldId id="272"/>
             <p14:sldId id="274"/>
             <p14:sldId id="299"/>
             <p14:sldId id="300"/>
-            <p14:sldId id="273"/>
             <p14:sldId id="278"/>
             <p14:sldId id="295"/>
             <p14:sldId id="279"/>
@@ -287,7 +283,7 @@
           <a:p>
             <a:fld id="{8C8CC7AE-852D-4FFE-8405-9F9F6B4441FD}" type="datetimeFigureOut">
               <a:rPr lang="en-US" smtClean="0"/>
-              <a:t>11/3/2016</a:t>
+              <a:t>11/7/2016</a:t>
             </a:fld>
             <a:endParaRPr lang="en-US"/>
           </a:p>
@@ -1005,32 +1001,13 @@
           <a:bodyPr/>
           <a:lstStyle/>
           <a:p>
-            <a:r>
-              <a:rPr lang="en-US" dirty="0"/>
-              <a:t>[Stealing</a:t>
-            </a:r>
-            <a:r>
-              <a:rPr lang="en-US" baseline="0" dirty="0"/>
-              <a:t> liberally from Andrew Annett here…]</a:t>
-            </a:r>
+            <a:endParaRPr lang="en-US" dirty="0"/>
           </a:p>
           <a:p>
             <a:endParaRPr lang="en-US" baseline="0" dirty="0"/>
           </a:p>
           <a:p>
-            <a:r>
-              <a:rPr lang="en-US" baseline="0" dirty="0"/>
-              <a:t>While we’re all enthusiastic about operating on principle, process is still important for the complicated, to ensure a higher accuracy and efficiency.</a:t>
-            </a:r>
-          </a:p>
-          <a:p>
-            <a:endParaRPr lang="en-US" baseline="0" dirty="0"/>
-          </a:p>
-          <a:p>
-            <a:r>
-              <a:rPr lang="en-US" baseline="0" dirty="0"/>
-              <a:t>Much of our work is complex (but not all)</a:t>
-            </a:r>
+            <a:endParaRPr lang="en-US" dirty="0"/>
           </a:p>
         </p:txBody>
       </p:sp>
@@ -1060,7 +1037,7 @@
     </p:spTree>
     <p:extLst>
       <p:ext uri="{BB962C8B-B14F-4D97-AF65-F5344CB8AC3E}">
-        <p14:creationId xmlns:p14="http://schemas.microsoft.com/office/powerpoint/2010/main" val="4011541025"/>
+        <p14:creationId xmlns:p14="http://schemas.microsoft.com/office/powerpoint/2010/main" val="2533463247"/>
       </p:ext>
     </p:extLst>
   </p:cSld>
@@ -1114,13 +1091,32 @@
           <a:bodyPr/>
           <a:lstStyle/>
           <a:p>
-            <a:endParaRPr lang="en-US" dirty="0"/>
+            <a:r>
+              <a:rPr lang="en-US" dirty="0"/>
+              <a:t>[Stealing</a:t>
+            </a:r>
+            <a:r>
+              <a:rPr lang="en-US" baseline="0" dirty="0"/>
+              <a:t> liberally from Andrew Annett here…]</a:t>
+            </a:r>
           </a:p>
           <a:p>
             <a:endParaRPr lang="en-US" baseline="0" dirty="0"/>
           </a:p>
           <a:p>
-            <a:endParaRPr lang="en-US" dirty="0"/>
+            <a:r>
+              <a:rPr lang="en-US" baseline="0" dirty="0"/>
+              <a:t>While we’re all enthusiastic about operating on principle, process is still important for the complicated, to ensure a higher accuracy and efficiency.</a:t>
+            </a:r>
+          </a:p>
+          <a:p>
+            <a:endParaRPr lang="en-US" baseline="0" dirty="0"/>
+          </a:p>
+          <a:p>
+            <a:r>
+              <a:rPr lang="en-US" baseline="0" dirty="0"/>
+              <a:t>Much of our work is complex (but not all)</a:t>
+            </a:r>
           </a:p>
         </p:txBody>
       </p:sp>
@@ -1150,7 +1146,7 @@
     </p:spTree>
     <p:extLst>
       <p:ext uri="{BB962C8B-B14F-4D97-AF65-F5344CB8AC3E}">
-        <p14:creationId xmlns:p14="http://schemas.microsoft.com/office/powerpoint/2010/main" val="2533463247"/>
+        <p14:creationId xmlns:p14="http://schemas.microsoft.com/office/powerpoint/2010/main" val="4011541025"/>
       </p:ext>
     </p:extLst>
   </p:cSld>
@@ -2048,7 +2044,7 @@
           <a:p>
             <a:fld id="{54165CF5-22A4-4BB9-BE26-FDB96183FE65}" type="slidenum">
               <a:rPr lang="en-US" smtClean="0"/>
-              <a:t>21</a:t>
+              <a:t>20</a:t>
             </a:fld>
             <a:endParaRPr lang="en-US"/>
           </a:p>
@@ -2219,7 +2215,7 @@
           <a:p>
             <a:fld id="{54165CF5-22A4-4BB9-BE26-FDB96183FE65}" type="slidenum">
               <a:rPr lang="en-US" smtClean="0"/>
-              <a:t>22</a:t>
+              <a:t>21</a:t>
             </a:fld>
             <a:endParaRPr lang="en-US"/>
           </a:p>
@@ -2359,7 +2355,7 @@
           <a:p>
             <a:fld id="{54165CF5-22A4-4BB9-BE26-FDB96183FE65}" type="slidenum">
               <a:rPr lang="en-US" smtClean="0"/>
-              <a:t>24</a:t>
+              <a:t>23</a:t>
             </a:fld>
             <a:endParaRPr lang="en-US"/>
           </a:p>
@@ -2424,116 +2420,42 @@
           <a:p>
             <a:r>
               <a:rPr lang="en-US" dirty="0"/>
-              <a:t>You are the person</a:t>
+              <a:t>I used to think that networking was about cronyism</a:t>
             </a:r>
             <a:r>
               <a:rPr lang="en-US" baseline="0" dirty="0"/>
-              <a:t> with the biggest stake in how you grow, and therefore managing that growth is up to you.</a:t>
-            </a:r>
-            <a:endParaRPr lang="en-US" dirty="0"/>
-          </a:p>
-          <a:p>
-            <a:endParaRPr lang="en-US" dirty="0"/>
-          </a:p>
-          <a:p>
+              <a:t>, currying </a:t>
+            </a:r>
+            <a:r>
+              <a:rPr lang="en-US" baseline="0" dirty="0" err="1"/>
+              <a:t>favour</a:t>
+            </a:r>
+            <a:r>
+              <a:rPr lang="en-US" baseline="0" dirty="0"/>
+              <a:t>, and low-depth relationships – I had a very negative view of it.  I felt like I could get by on my individual performance and that that was a higher-integrity way to operate.</a:t>
+            </a:r>
+          </a:p>
+          <a:p>
+            <a:endParaRPr lang="en-US" baseline="0" dirty="0"/>
+          </a:p>
+          <a:p>
+            <a:r>
+              <a:rPr lang="en-US" baseline="0" dirty="0"/>
+              <a:t>I needed a way to think of it in terms of collaboration, more meaningful relationships, and mutual support.  </a:t>
+            </a:r>
+          </a:p>
+          <a:p>
+            <a:endParaRPr lang="en-US" baseline="0" dirty="0"/>
+          </a:p>
+          <a:p>
+            <a:r>
+              <a:rPr lang="en-US" baseline="0" dirty="0"/>
+              <a:t>It helped me to think in terms of what I could give my network, rather than what I wanted from it, which I find more palatable.   So given that, i</a:t>
+            </a:r>
             <a:r>
               <a:rPr lang="en-US" dirty="0"/>
-              <a:t>There are different perspectives on “Velocity of Learning” as a worthy goal.  On one hand, some people assert it’s not sufficiently outcome-oriented.</a:t>
-            </a:r>
-            <a:r>
-              <a:rPr lang="en-US" baseline="0" dirty="0"/>
-              <a:t>  On the other hand, I don’t think we want to target specific outcomes just for the sake of it.</a:t>
-            </a:r>
-          </a:p>
-          <a:p>
-            <a:endParaRPr lang="en-US" baseline="0" dirty="0"/>
-          </a:p>
-          <a:p>
-            <a:endParaRPr lang="en-US" baseline="0" dirty="0"/>
-          </a:p>
-          <a:p>
-            <a:pPr marL="342900" indent="-342900">
-              <a:buFont typeface="Arial" panose="020B0604020202020204" pitchFamily="34" charset="0"/>
-              <a:buChar char="•"/>
-            </a:pPr>
-            <a:r>
-              <a:rPr lang="en-US" dirty="0"/>
-              <a:t>Why?</a:t>
-            </a:r>
-          </a:p>
-          <a:p>
-            <a:pPr marL="342900" indent="-342900">
-              <a:buFont typeface="Arial" panose="020B0604020202020204" pitchFamily="34" charset="0"/>
-              <a:buChar char="•"/>
-            </a:pPr>
-            <a:r>
-              <a:rPr lang="en-US" dirty="0"/>
-              <a:t>&gt;&gt; More capable</a:t>
-            </a:r>
-          </a:p>
-          <a:p>
-            <a:pPr marL="342900" indent="-342900">
-              <a:buFont typeface="Arial" panose="020B0604020202020204" pitchFamily="34" charset="0"/>
-              <a:buChar char="•"/>
-            </a:pPr>
-            <a:r>
-              <a:rPr lang="en-US" dirty="0"/>
-              <a:t>&gt;&gt; Less likely to make the same mistakes twice</a:t>
-            </a:r>
-          </a:p>
-          <a:p>
-            <a:pPr marL="342900" indent="-342900">
-              <a:buFont typeface="Arial" panose="020B0604020202020204" pitchFamily="34" charset="0"/>
-              <a:buChar char="•"/>
-            </a:pPr>
-            <a:r>
-              <a:rPr lang="en-US" dirty="0"/>
-              <a:t>&gt;&gt; Happier and more fulfilled</a:t>
-            </a:r>
-          </a:p>
-          <a:p>
-            <a:pPr marL="342900" indent="-342900">
-              <a:buFont typeface="Arial" panose="020B0604020202020204" pitchFamily="34" charset="0"/>
-              <a:buChar char="•"/>
-            </a:pPr>
-            <a:endParaRPr lang="en-US" dirty="0"/>
-          </a:p>
-          <a:p>
-            <a:pPr marL="342900" indent="-342900">
-              <a:buFont typeface="Arial" panose="020B0604020202020204" pitchFamily="34" charset="0"/>
-              <a:buChar char="•"/>
-            </a:pPr>
-            <a:endParaRPr lang="en-US" dirty="0"/>
-          </a:p>
-          <a:p>
-            <a:pPr marL="342900" indent="-342900">
-              <a:buFont typeface="Arial" panose="020B0604020202020204" pitchFamily="34" charset="0"/>
-              <a:buChar char="•"/>
-            </a:pPr>
-            <a:r>
-              <a:rPr lang="en-US" dirty="0"/>
-              <a:t>Abhor stagnation – crave healthy change.  You can be stagnating, even when you’re working hard.  </a:t>
-            </a:r>
-          </a:p>
-          <a:p>
-            <a:pPr marL="342900" indent="-342900">
-              <a:buFont typeface="Arial" panose="020B0604020202020204" pitchFamily="34" charset="0"/>
-              <a:buChar char="•"/>
-            </a:pPr>
-            <a:r>
-              <a:rPr lang="en-US" dirty="0"/>
-              <a:t>&gt;&gt;Change is an opportunity to learn and grow</a:t>
-            </a:r>
-          </a:p>
-          <a:p>
-            <a:pPr marL="342900" indent="-342900">
-              <a:buFont typeface="Arial" panose="020B0604020202020204" pitchFamily="34" charset="0"/>
-              <a:buChar char="•"/>
-            </a:pPr>
-            <a:endParaRPr lang="en-US" dirty="0"/>
-          </a:p>
-          <a:p>
-            <a:endParaRPr lang="en-US" dirty="0"/>
+              <a:t>magine if you tapped into that body of knowledge and experience?</a:t>
+            </a:r>
           </a:p>
         </p:txBody>
       </p:sp>
@@ -2554,7 +2476,7 @@
           <a:p>
             <a:fld id="{54165CF5-22A4-4BB9-BE26-FDB96183FE65}" type="slidenum">
               <a:rPr lang="en-US" smtClean="0"/>
-              <a:t>27</a:t>
+              <a:t>26</a:t>
             </a:fld>
             <a:endParaRPr lang="en-US"/>
           </a:p>
@@ -2563,7 +2485,7 @@
     </p:spTree>
     <p:extLst>
       <p:ext uri="{BB962C8B-B14F-4D97-AF65-F5344CB8AC3E}">
-        <p14:creationId xmlns:p14="http://schemas.microsoft.com/office/powerpoint/2010/main" val="381673875"/>
+        <p14:creationId xmlns:p14="http://schemas.microsoft.com/office/powerpoint/2010/main" val="3401885187"/>
       </p:ext>
     </p:extLst>
   </p:cSld>
@@ -2617,44 +2539,92 @@
           <a:bodyPr/>
           <a:lstStyle/>
           <a:p>
+            <a:pPr marL="0" marR="0" lvl="0" indent="0" algn="l" defTabSz="914400" rtl="0" eaLnBrk="1" fontAlgn="auto" latinLnBrk="0" hangingPunct="1">
+              <a:lnSpc>
+                <a:spcPct val="100000"/>
+              </a:lnSpc>
+              <a:spcBef>
+                <a:spcPts val="0"/>
+              </a:spcBef>
+              <a:spcAft>
+                <a:spcPts val="0"/>
+              </a:spcAft>
+              <a:buClrTx/>
+              <a:buSzTx/>
+              <a:buFontTx/>
+              <a:buNone/>
+              <a:tabLst/>
+              <a:defRPr/>
+            </a:pPr>
             <a:r>
               <a:rPr lang="en-US" dirty="0"/>
-              <a:t>I used to think that networking was about cronyism</a:t>
+              <a:t>We sometimes talk about having a mentor, but Craig helped me appreciate the value of a network of informal mentors – people you can talk over problems in particular areas in a less formal way</a:t>
+            </a:r>
+          </a:p>
+          <a:p>
+            <a:endParaRPr lang="en-US" dirty="0"/>
+          </a:p>
+          <a:p>
+            <a:pPr marL="342900" indent="-342900">
+              <a:buFontTx/>
+              <a:buChar char="-"/>
+            </a:pPr>
+            <a:r>
+              <a:rPr lang="en-US" dirty="0"/>
+              <a:t>&gt;&gt;3</a:t>
+            </a:r>
+            <a:r>
+              <a:rPr lang="en-US" baseline="30000" dirty="0"/>
+              <a:t>rd</a:t>
+            </a:r>
+            <a:r>
+              <a:rPr lang="en-US" dirty="0"/>
+              <a:t> level tribe – we’re awesome, but they’re not.</a:t>
+            </a:r>
+          </a:p>
+          <a:p>
+            <a:pPr marL="342900" indent="-342900">
+              <a:buFontTx/>
+              <a:buChar char="-"/>
+            </a:pPr>
+            <a:r>
+              <a:rPr lang="en-US" dirty="0"/>
+              <a:t>&gt;&gt;4</a:t>
+            </a:r>
+            <a:r>
+              <a:rPr lang="en-US" baseline="30000" dirty="0"/>
+              <a:t>th</a:t>
+            </a:r>
+            <a:r>
+              <a:rPr lang="en-US" dirty="0"/>
+              <a:t> level tribe – we’re all awesome</a:t>
+            </a:r>
+          </a:p>
+          <a:p>
+            <a:pPr marL="342900" indent="-342900">
+              <a:buFontTx/>
+              <a:buChar char="-"/>
+            </a:pPr>
+            <a:r>
+              <a:rPr lang="en-US" dirty="0"/>
+              <a:t>&gt;&gt;5</a:t>
+            </a:r>
+            <a:r>
+              <a:rPr lang="en-US" baseline="30000" dirty="0"/>
+              <a:t>th</a:t>
+            </a:r>
+            <a:r>
+              <a:rPr lang="en-US" dirty="0"/>
+              <a:t> level tribe – hey my two friends who don’t know each other, you’d probably be awesome together –</a:t>
             </a:r>
             <a:r>
               <a:rPr lang="en-US" baseline="0" dirty="0"/>
-              <a:t>, currying </a:t>
-            </a:r>
-            <a:r>
-              <a:rPr lang="en-US" baseline="0" dirty="0" err="1"/>
-              <a:t>favour</a:t>
-            </a:r>
-            <a:r>
-              <a:rPr lang="en-US" baseline="0" dirty="0"/>
-              <a:t>, and low-depth relationships – I had a very negative view of it.  I felt like I could get by on my individual performance and that that was a higher-integrity way to operate.</a:t>
-            </a:r>
-          </a:p>
-          <a:p>
-            <a:endParaRPr lang="en-US" baseline="0" dirty="0"/>
-          </a:p>
-          <a:p>
-            <a:r>
-              <a:rPr lang="en-US" baseline="0" dirty="0"/>
-              <a:t>I needed a way to think of it in terms of collaboration, more meaningful relationships, and mutual support.  </a:t>
-            </a:r>
-          </a:p>
-          <a:p>
-            <a:endParaRPr lang="en-US" baseline="0" dirty="0"/>
-          </a:p>
-          <a:p>
-            <a:r>
-              <a:rPr lang="en-US" baseline="0" dirty="0"/>
-              <a:t>It helped me to think in terms of what I could give my network, rather than what I wanted from it, which I find more palatable.   So given that, i</a:t>
-            </a:r>
-            <a:r>
-              <a:rPr lang="en-US" dirty="0"/>
-              <a:t>magine if you tapped into that body of knowledge and experience?</a:t>
-            </a:r>
+              <a:t> let me introduce you!</a:t>
+            </a:r>
+            <a:endParaRPr lang="en-US" dirty="0"/>
+          </a:p>
+          <a:p>
+            <a:endParaRPr lang="en-US" dirty="0"/>
           </a:p>
         </p:txBody>
       </p:sp>
@@ -2675,7 +2645,7 @@
           <a:p>
             <a:fld id="{54165CF5-22A4-4BB9-BE26-FDB96183FE65}" type="slidenum">
               <a:rPr lang="en-US" smtClean="0"/>
-              <a:t>28</a:t>
+              <a:t>27</a:t>
             </a:fld>
             <a:endParaRPr lang="en-US"/>
           </a:p>
@@ -2684,7 +2654,7 @@
     </p:spTree>
     <p:extLst>
       <p:ext uri="{BB962C8B-B14F-4D97-AF65-F5344CB8AC3E}">
-        <p14:creationId xmlns:p14="http://schemas.microsoft.com/office/powerpoint/2010/main" val="3401885187"/>
+        <p14:creationId xmlns:p14="http://schemas.microsoft.com/office/powerpoint/2010/main" val="55888354"/>
       </p:ext>
     </p:extLst>
   </p:cSld>
@@ -2738,92 +2708,19 @@
           <a:bodyPr/>
           <a:lstStyle/>
           <a:p>
-            <a:pPr marL="0" marR="0" lvl="0" indent="0" algn="l" defTabSz="914400" rtl="0" eaLnBrk="1" fontAlgn="auto" latinLnBrk="0" hangingPunct="1">
-              <a:lnSpc>
-                <a:spcPct val="100000"/>
-              </a:lnSpc>
-              <a:spcBef>
-                <a:spcPts val="0"/>
-              </a:spcBef>
-              <a:spcAft>
-                <a:spcPts val="0"/>
-              </a:spcAft>
-              <a:buClrTx/>
-              <a:buSzTx/>
-              <a:buFontTx/>
-              <a:buNone/>
-              <a:tabLst/>
-              <a:defRPr/>
-            </a:pPr>
             <a:r>
               <a:rPr lang="en-US" dirty="0"/>
-              <a:t>We sometimes talk about having a mentor, but Craig helped me appreciate the value of a network of informal mentors – people you can talk over problems in particular areas in a less formal way</a:t>
+              <a:t>Imagine if the people we spend the most time with every day shared their perspective and advice about how we each could improve?  And imagine if they did this in small, low stress, frequent chunks that helps us course-correct or get stronger continuously.  We could grow faster, and we could make more of a difference in the lives of people around us.</a:t>
             </a:r>
           </a:p>
           <a:p>
             <a:endParaRPr lang="en-US" dirty="0"/>
           </a:p>
           <a:p>
-            <a:pPr marL="342900" indent="-342900">
-              <a:buFontTx/>
-              <a:buChar char="-"/>
-            </a:pPr>
             <a:r>
               <a:rPr lang="en-US" dirty="0"/>
-              <a:t>&gt;&gt;3</a:t>
-            </a:r>
-            <a:r>
-              <a:rPr lang="en-US" baseline="30000" dirty="0"/>
-              <a:t>rd</a:t>
-            </a:r>
-            <a:r>
-              <a:rPr lang="en-US" dirty="0"/>
-              <a:t> level tribe – we’re awesome, but they’re not.</a:t>
-            </a:r>
-          </a:p>
-          <a:p>
-            <a:pPr marL="342900" indent="-342900">
-              <a:buFontTx/>
-              <a:buChar char="-"/>
-            </a:pPr>
-            <a:r>
-              <a:rPr lang="en-US" dirty="0"/>
-              <a:t>&gt;&gt;4</a:t>
-            </a:r>
-            <a:r>
-              <a:rPr lang="en-US" baseline="30000" dirty="0"/>
-              <a:t>th</a:t>
-            </a:r>
-            <a:r>
-              <a:rPr lang="en-US" dirty="0"/>
-              <a:t> level tribe – we’re all awesome</a:t>
-            </a:r>
-          </a:p>
-          <a:p>
-            <a:pPr marL="342900" indent="-342900">
-              <a:buFontTx/>
-              <a:buChar char="-"/>
-            </a:pPr>
-            <a:r>
-              <a:rPr lang="en-US" dirty="0"/>
-              <a:t>&gt;&gt;5</a:t>
-            </a:r>
-            <a:r>
-              <a:rPr lang="en-US" baseline="30000" dirty="0"/>
-              <a:t>th</a:t>
-            </a:r>
-            <a:r>
-              <a:rPr lang="en-US" dirty="0"/>
-              <a:t> level tribe – hey my two friends who don’t know each other, you’d probably be awesome together –</a:t>
-            </a:r>
-            <a:r>
-              <a:rPr lang="en-US" baseline="0" dirty="0"/>
-              <a:t> let me introduce you!</a:t>
-            </a:r>
-            <a:endParaRPr lang="en-US" dirty="0"/>
-          </a:p>
-          <a:p>
-            <a:endParaRPr lang="en-US" dirty="0"/>
+              <a:t>Scary right?</a:t>
+            </a:r>
           </a:p>
         </p:txBody>
       </p:sp>
@@ -2844,7 +2741,7 @@
           <a:p>
             <a:fld id="{54165CF5-22A4-4BB9-BE26-FDB96183FE65}" type="slidenum">
               <a:rPr lang="en-US" smtClean="0"/>
-              <a:t>29</a:t>
+              <a:t>28</a:t>
             </a:fld>
             <a:endParaRPr lang="en-US"/>
           </a:p>
@@ -2853,7 +2750,7 @@
     </p:spTree>
     <p:extLst>
       <p:ext uri="{BB962C8B-B14F-4D97-AF65-F5344CB8AC3E}">
-        <p14:creationId xmlns:p14="http://schemas.microsoft.com/office/powerpoint/2010/main" val="55888354"/>
+        <p14:creationId xmlns:p14="http://schemas.microsoft.com/office/powerpoint/2010/main" val="2351349877"/>
       </p:ext>
     </p:extLst>
   </p:cSld>
@@ -2907,19 +2804,250 @@
           <a:bodyPr/>
           <a:lstStyle/>
           <a:p>
+            <a:pPr marL="0" marR="0" lvl="0" indent="0" algn="l" defTabSz="914400" rtl="0" eaLnBrk="1" fontAlgn="auto" latinLnBrk="0" hangingPunct="1">
+              <a:lnSpc>
+                <a:spcPct val="100000"/>
+              </a:lnSpc>
+              <a:spcBef>
+                <a:spcPts val="0"/>
+              </a:spcBef>
+              <a:spcAft>
+                <a:spcPts val="0"/>
+              </a:spcAft>
+              <a:buClrTx/>
+              <a:buSzTx/>
+              <a:buFontTx/>
+              <a:buNone/>
+              <a:tabLst/>
+              <a:defRPr/>
+            </a:pPr>
+            <a:r>
+              <a:rPr lang="en-US" b="1" dirty="0"/>
+              <a:t>So how do we get to the point we can do that?</a:t>
+            </a:r>
+          </a:p>
+          <a:p>
+            <a:endParaRPr lang="en-US" dirty="0"/>
+          </a:p>
+          <a:p>
             <a:r>
               <a:rPr lang="en-US" dirty="0"/>
-              <a:t>Imagine if the people we spend the most time with every day shared their perspective and advice about how we each could improve?  And imagine if they did this in small, low stress, frequent chunks that helps us course-correct or get stronger continuously.  We could grow faster, and we could make more of a difference in the lives of people around us.</a:t>
+              <a:t>: “It was really cool that you spoke up back there – I think that helped get us on track…”</a:t>
             </a:r>
           </a:p>
           <a:p>
             <a:endParaRPr lang="en-US" dirty="0"/>
           </a:p>
           <a:p>
+            <a:pPr marL="0" marR="0" lvl="0" indent="0" algn="l" defTabSz="914400" rtl="0" eaLnBrk="1" fontAlgn="auto" latinLnBrk="0" hangingPunct="1">
+              <a:lnSpc>
+                <a:spcPct val="100000"/>
+              </a:lnSpc>
+              <a:spcBef>
+                <a:spcPts val="0"/>
+              </a:spcBef>
+              <a:spcAft>
+                <a:spcPts val="0"/>
+              </a:spcAft>
+              <a:buClrTx/>
+              <a:buSzTx/>
+              <a:buFontTx/>
+              <a:buNone/>
+              <a:tabLst/>
+              <a:defRPr/>
+            </a:pPr>
             <a:r>
               <a:rPr lang="en-US" dirty="0"/>
-              <a:t>Scary right?</a:t>
-            </a:r>
+              <a:t>Make it easy for people to share strengthening feedback with you – and try not to just fish for the good – make it easy for people to share ideas about how you can get stronger.</a:t>
+            </a:r>
+          </a:p>
+          <a:p>
+            <a:endParaRPr lang="en-US" dirty="0"/>
+          </a:p>
+          <a:p>
+            <a:pPr marL="171450" indent="-171450">
+              <a:buFontTx/>
+              <a:buChar char="-"/>
+            </a:pPr>
+            <a:r>
+              <a:rPr lang="en-US" dirty="0"/>
+              <a:t>(Between 3:1 and 9:1 ratio.) of positive to negative feedback needed to maintain trust</a:t>
+            </a:r>
+          </a:p>
+          <a:p>
+            <a:pPr marL="171450" indent="-171450">
+              <a:buFontTx/>
+              <a:buChar char="-"/>
+            </a:pPr>
+            <a:r>
+              <a:rPr lang="en-US" dirty="0"/>
+              <a:t>Especially</a:t>
+            </a:r>
+            <a:r>
+              <a:rPr lang="en-US" baseline="0" dirty="0"/>
+              <a:t> share positive feedback when someone does something new for them</a:t>
+            </a:r>
+            <a:endParaRPr lang="en-US" dirty="0"/>
+          </a:p>
+          <a:p>
+            <a:pPr marL="171450" indent="-171450">
+              <a:buFontTx/>
+              <a:buChar char="-"/>
+            </a:pPr>
+            <a:endParaRPr lang="en-US" dirty="0"/>
+          </a:p>
+          <a:p>
+            <a:pPr marL="171450" indent="-171450">
+              <a:buFontTx/>
+              <a:buChar char="-"/>
+            </a:pPr>
+            <a:endParaRPr lang="en-US" dirty="0"/>
+          </a:p>
+          <a:p>
+            <a:pPr marL="171450" marR="0" lvl="0" indent="-171450" algn="l" defTabSz="914400" rtl="0" eaLnBrk="1" fontAlgn="auto" latinLnBrk="0" hangingPunct="1">
+              <a:lnSpc>
+                <a:spcPct val="100000"/>
+              </a:lnSpc>
+              <a:spcBef>
+                <a:spcPts val="0"/>
+              </a:spcBef>
+              <a:spcAft>
+                <a:spcPts val="0"/>
+              </a:spcAft>
+              <a:buClrTx/>
+              <a:buSzTx/>
+              <a:buFontTx/>
+              <a:buChar char="-"/>
+              <a:tabLst/>
+              <a:defRPr/>
+            </a:pPr>
+            <a:r>
+              <a:rPr lang="en-US" dirty="0"/>
+              <a:t>Tell people you got good feedback and that it helped (if it was, and if it did.)  That reinforces the idea that this is valued behavior, and it’s a form of real-time public feedback for the person who took time to help you out.</a:t>
+            </a:r>
+          </a:p>
+          <a:p>
+            <a:pPr marL="171450" marR="0" lvl="0" indent="-171450" algn="l" defTabSz="914400" rtl="0" eaLnBrk="1" fontAlgn="auto" latinLnBrk="0" hangingPunct="1">
+              <a:lnSpc>
+                <a:spcPct val="100000"/>
+              </a:lnSpc>
+              <a:spcBef>
+                <a:spcPts val="0"/>
+              </a:spcBef>
+              <a:spcAft>
+                <a:spcPts val="0"/>
+              </a:spcAft>
+              <a:buClrTx/>
+              <a:buSzTx/>
+              <a:buFontTx/>
+              <a:buChar char="-"/>
+              <a:tabLst/>
+              <a:defRPr/>
+            </a:pPr>
+            <a:endParaRPr lang="en-US" dirty="0"/>
+          </a:p>
+          <a:p>
+            <a:pPr marL="171450" marR="0" lvl="0" indent="-171450" algn="l" defTabSz="914400" rtl="0" eaLnBrk="1" fontAlgn="auto" latinLnBrk="0" hangingPunct="1">
+              <a:lnSpc>
+                <a:spcPct val="100000"/>
+              </a:lnSpc>
+              <a:spcBef>
+                <a:spcPts val="0"/>
+              </a:spcBef>
+              <a:spcAft>
+                <a:spcPts val="0"/>
+              </a:spcAft>
+              <a:buClrTx/>
+              <a:buSzTx/>
+              <a:buFontTx/>
+              <a:buChar char="-"/>
+              <a:tabLst/>
+              <a:defRPr/>
+            </a:pPr>
+            <a:endParaRPr lang="en-US" dirty="0"/>
+          </a:p>
+          <a:p>
+            <a:pPr marL="342900" indent="-342900">
+              <a:buFont typeface="Arial" panose="020B0604020202020204" pitchFamily="34" charset="0"/>
+              <a:buChar char="•"/>
+            </a:pPr>
+            <a:r>
+              <a:rPr lang="en-US" sz="1200" dirty="0"/>
+              <a:t>Share positive feedback every day, in small but honest ways.  </a:t>
+            </a:r>
+          </a:p>
+          <a:p>
+            <a:pPr marL="342900" indent="-342900">
+              <a:buFont typeface="Arial" panose="020B0604020202020204" pitchFamily="34" charset="0"/>
+              <a:buChar char="•"/>
+            </a:pPr>
+            <a:r>
+              <a:rPr lang="en-US" sz="1200" dirty="0"/>
+              <a:t>Make it easy for people to share strengthening feedback with you</a:t>
+            </a:r>
+          </a:p>
+          <a:p>
+            <a:pPr marL="342900" indent="-342900">
+              <a:buFont typeface="Arial" panose="020B0604020202020204" pitchFamily="34" charset="0"/>
+              <a:buChar char="•"/>
+            </a:pPr>
+            <a:r>
+              <a:rPr lang="en-US" sz="1200" dirty="0"/>
+              <a:t>Getting feedback: Be interested.  Be engaged.  Don’t argue.  Ask for clarification or examples. Say thank you, and mean it.</a:t>
+            </a:r>
+          </a:p>
+          <a:p>
+            <a:pPr marL="342900" indent="-342900">
+              <a:buFont typeface="Arial" panose="020B0604020202020204" pitchFamily="34" charset="0"/>
+              <a:buChar char="•"/>
+            </a:pPr>
+            <a:r>
+              <a:rPr lang="en-US" sz="1200" dirty="0"/>
+              <a:t>Tell people that you got good feedback and that it helped </a:t>
+            </a:r>
+          </a:p>
+          <a:p>
+            <a:pPr marL="342900" indent="-342900">
+              <a:buFont typeface="Arial" panose="020B0604020202020204" pitchFamily="34" charset="0"/>
+              <a:buChar char="•"/>
+            </a:pPr>
+            <a:r>
+              <a:rPr lang="en-US" sz="1200" dirty="0"/>
+              <a:t>Find opportunities to practice giving constructive feedback to someone who trusts you</a:t>
+            </a:r>
+          </a:p>
+          <a:p>
+            <a:pPr marL="342900" indent="-342900">
+              <a:buFont typeface="Arial" panose="020B0604020202020204" pitchFamily="34" charset="0"/>
+              <a:buChar char="•"/>
+            </a:pPr>
+            <a:r>
+              <a:rPr lang="en-US" sz="1200" dirty="0"/>
+              <a:t>Start small</a:t>
+            </a:r>
+          </a:p>
+          <a:p>
+            <a:endParaRPr lang="en-US" dirty="0"/>
+          </a:p>
+          <a:p>
+            <a:pPr marL="0" marR="0" lvl="0" indent="0" algn="l" defTabSz="914400" rtl="0" eaLnBrk="1" fontAlgn="auto" latinLnBrk="0" hangingPunct="1">
+              <a:lnSpc>
+                <a:spcPct val="100000"/>
+              </a:lnSpc>
+              <a:spcBef>
+                <a:spcPts val="0"/>
+              </a:spcBef>
+              <a:spcAft>
+                <a:spcPts val="0"/>
+              </a:spcAft>
+              <a:buClrTx/>
+              <a:buSzTx/>
+              <a:buFontTx/>
+              <a:buNone/>
+              <a:tabLst/>
+              <a:defRPr/>
+            </a:pPr>
+            <a:endParaRPr lang="en-US" dirty="0"/>
           </a:p>
         </p:txBody>
       </p:sp>
@@ -2940,7 +3068,7 @@
           <a:p>
             <a:fld id="{54165CF5-22A4-4BB9-BE26-FDB96183FE65}" type="slidenum">
               <a:rPr lang="en-US" smtClean="0"/>
-              <a:t>30</a:t>
+              <a:t>29</a:t>
             </a:fld>
             <a:endParaRPr lang="en-US"/>
           </a:p>
@@ -2949,7 +3077,7 @@
     </p:spTree>
     <p:extLst>
       <p:ext uri="{BB962C8B-B14F-4D97-AF65-F5344CB8AC3E}">
-        <p14:creationId xmlns:p14="http://schemas.microsoft.com/office/powerpoint/2010/main" val="2351349877"/>
+        <p14:creationId xmlns:p14="http://schemas.microsoft.com/office/powerpoint/2010/main" val="2178038515"/>
       </p:ext>
     </p:extLst>
   </p:cSld>
@@ -3021,21 +3149,13 @@
               <a:defRPr/>
             </a:pPr>
             <a:r>
-              <a:rPr lang="en-US" b="1" dirty="0"/>
-              <a:t>So how do we get to the point we can do that?</a:t>
-            </a:r>
-          </a:p>
-          <a:p>
-            <a:endParaRPr lang="en-US" dirty="0"/>
-          </a:p>
-          <a:p>
-            <a:r>
               <a:rPr lang="en-US" dirty="0"/>
-              <a:t>: “It was really cool that you spoke up back there – I think that helped get us on track…”</a:t>
-            </a:r>
-          </a:p>
-          <a:p>
-            <a:endParaRPr lang="en-US" dirty="0"/>
+              <a:t>Sometimes, the most important thing you can be doing isn’t something someone asks of you, or something that’s on an obvious</a:t>
+            </a:r>
+            <a:r>
+              <a:rPr lang="en-US" baseline="0" dirty="0"/>
+              <a:t> menu.  It means identifying a problem, and solving it.</a:t>
+            </a:r>
           </a:p>
           <a:p>
             <a:pPr marL="0" marR="0" lvl="0" indent="0" algn="l" defTabSz="914400" rtl="0" eaLnBrk="1" fontAlgn="auto" latinLnBrk="0" hangingPunct="1">
@@ -3055,55 +3175,10 @@
               <a:tabLst/>
               <a:defRPr/>
             </a:pPr>
-            <a:r>
-              <a:rPr lang="en-US" dirty="0"/>
-              <a:t>Make it easy for people to share strengthening feedback with you – and try not to just fish for the good – make it easy for people to share ideas about how you can get stronger.</a:t>
-            </a:r>
-          </a:p>
-          <a:p>
-            <a:endParaRPr lang="en-US" dirty="0"/>
-          </a:p>
-          <a:p>
-            <a:pPr marL="171450" indent="-171450">
-              <a:buFontTx/>
-              <a:buChar char="-"/>
-            </a:pPr>
-            <a:r>
-              <a:rPr lang="en-US" dirty="0"/>
-              <a:t>(Between 3:1 and 9:1 ratio.) of positive to negative feedback needed to maintain trust</a:t>
-            </a:r>
-          </a:p>
-          <a:p>
-            <a:pPr marL="171450" indent="-171450">
-              <a:buFontTx/>
-              <a:buChar char="-"/>
-            </a:pPr>
-            <a:r>
-              <a:rPr lang="en-US" dirty="0"/>
-              <a:t>Especially</a:t>
-            </a:r>
-            <a:r>
-              <a:rPr lang="en-US" baseline="0" dirty="0"/>
-              <a:t> share positive feedback when someone does something new for them</a:t>
-            </a:r>
-            <a:endParaRPr lang="en-US" dirty="0"/>
-          </a:p>
-          <a:p>
-            <a:pPr marL="171450" indent="-171450">
-              <a:buFontTx/>
-              <a:buChar char="-"/>
-            </a:pPr>
-            <a:endParaRPr lang="en-US" dirty="0"/>
-          </a:p>
-          <a:p>
-            <a:pPr marL="171450" indent="-171450">
-              <a:buFontTx/>
-              <a:buChar char="-"/>
-            </a:pPr>
-            <a:endParaRPr lang="en-US" dirty="0"/>
-          </a:p>
-          <a:p>
-            <a:pPr marL="171450" marR="0" lvl="0" indent="-171450" algn="l" defTabSz="914400" rtl="0" eaLnBrk="1" fontAlgn="auto" latinLnBrk="0" hangingPunct="1">
+            <a:endParaRPr lang="en-US" baseline="0" dirty="0"/>
+          </a:p>
+          <a:p>
+            <a:pPr marL="0" marR="0" lvl="0" indent="0" algn="l" defTabSz="914400" rtl="0" eaLnBrk="1" fontAlgn="auto" latinLnBrk="0" hangingPunct="1">
               <a:lnSpc>
                 <a:spcPct val="100000"/>
               </a:lnSpc>
@@ -3116,116 +3191,14 @@
               <a:buClrTx/>
               <a:buSzTx/>
               <a:buFontTx/>
-              <a:buChar char="-"/>
+              <a:buNone/>
               <a:tabLst/>
               <a:defRPr/>
             </a:pPr>
             <a:r>
-              <a:rPr lang="en-US" dirty="0"/>
-              <a:t>Tell people you got good feedback and that it helped (if it was, and if it did.)  That reinforces the idea that this is valued behavior, and it’s a form of real-time public feedback for the person who took time to help you out.</a:t>
-            </a:r>
-          </a:p>
-          <a:p>
-            <a:pPr marL="171450" marR="0" lvl="0" indent="-171450" algn="l" defTabSz="914400" rtl="0" eaLnBrk="1" fontAlgn="auto" latinLnBrk="0" hangingPunct="1">
-              <a:lnSpc>
-                <a:spcPct val="100000"/>
-              </a:lnSpc>
-              <a:spcBef>
-                <a:spcPts val="0"/>
-              </a:spcBef>
-              <a:spcAft>
-                <a:spcPts val="0"/>
-              </a:spcAft>
-              <a:buClrTx/>
-              <a:buSzTx/>
-              <a:buFontTx/>
-              <a:buChar char="-"/>
-              <a:tabLst/>
-              <a:defRPr/>
-            </a:pPr>
-            <a:endParaRPr lang="en-US" dirty="0"/>
-          </a:p>
-          <a:p>
-            <a:pPr marL="171450" marR="0" lvl="0" indent="-171450" algn="l" defTabSz="914400" rtl="0" eaLnBrk="1" fontAlgn="auto" latinLnBrk="0" hangingPunct="1">
-              <a:lnSpc>
-                <a:spcPct val="100000"/>
-              </a:lnSpc>
-              <a:spcBef>
-                <a:spcPts val="0"/>
-              </a:spcBef>
-              <a:spcAft>
-                <a:spcPts val="0"/>
-              </a:spcAft>
-              <a:buClrTx/>
-              <a:buSzTx/>
-              <a:buFontTx/>
-              <a:buChar char="-"/>
-              <a:tabLst/>
-              <a:defRPr/>
-            </a:pPr>
-            <a:endParaRPr lang="en-US" dirty="0"/>
-          </a:p>
-          <a:p>
-            <a:pPr marL="342900" indent="-342900">
-              <a:buFont typeface="Arial" panose="020B0604020202020204" pitchFamily="34" charset="0"/>
-              <a:buChar char="•"/>
-            </a:pPr>
-            <a:r>
-              <a:rPr lang="en-US" sz="1200" dirty="0"/>
-              <a:t>Share positive feedback every day, in small but honest ways.  </a:t>
-            </a:r>
-          </a:p>
-          <a:p>
-            <a:pPr marL="342900" indent="-342900">
-              <a:buFont typeface="Arial" panose="020B0604020202020204" pitchFamily="34" charset="0"/>
-              <a:buChar char="•"/>
-            </a:pPr>
-            <a:r>
-              <a:rPr lang="en-US" sz="1200" dirty="0"/>
-              <a:t>Make it easy for people to share strengthening feedback with you</a:t>
-            </a:r>
-          </a:p>
-          <a:p>
-            <a:pPr marL="342900" indent="-342900">
-              <a:buFont typeface="Arial" panose="020B0604020202020204" pitchFamily="34" charset="0"/>
-              <a:buChar char="•"/>
-            </a:pPr>
-            <a:r>
-              <a:rPr lang="en-US" sz="1200" dirty="0"/>
-              <a:t>Getting feedback: Be interested.  Be engaged.  Don’t argue.  Ask for clarification or examples. Say thank you, and mean it.</a:t>
-            </a:r>
-          </a:p>
-          <a:p>
-            <a:pPr marL="342900" indent="-342900">
-              <a:buFont typeface="Arial" panose="020B0604020202020204" pitchFamily="34" charset="0"/>
-              <a:buChar char="•"/>
-            </a:pPr>
-            <a:r>
-              <a:rPr lang="en-US" sz="1200" dirty="0"/>
-              <a:t>Tell people that you got good feedback and that it helped </a:t>
-            </a:r>
-          </a:p>
-          <a:p>
-            <a:pPr marL="342900" indent="-342900">
-              <a:buFont typeface="Arial" panose="020B0604020202020204" pitchFamily="34" charset="0"/>
-              <a:buChar char="•"/>
-            </a:pPr>
-            <a:r>
-              <a:rPr lang="en-US" sz="1200" dirty="0"/>
-              <a:t>Find opportunities to practice giving constructive feedback to someone who trusts you</a:t>
-            </a:r>
-          </a:p>
-          <a:p>
-            <a:pPr marL="342900" indent="-342900">
-              <a:buFont typeface="Arial" panose="020B0604020202020204" pitchFamily="34" charset="0"/>
-              <a:buChar char="•"/>
-            </a:pPr>
-            <a:r>
-              <a:rPr lang="en-US" sz="1200" dirty="0"/>
-              <a:t>Start small</a:t>
-            </a:r>
-          </a:p>
-          <a:p>
+              <a:rPr lang="en-US" baseline="0" dirty="0"/>
+              <a:t>This can seem scary, but with a normal engineering approach, it doesn’t have to be.</a:t>
+            </a:r>
             <a:endParaRPr lang="en-US" dirty="0"/>
           </a:p>
           <a:p>
@@ -3248,87 +3221,6 @@
             </a:pPr>
             <a:endParaRPr lang="en-US" dirty="0"/>
           </a:p>
-        </p:txBody>
-      </p:sp>
-      <p:sp>
-        <p:nvSpPr>
-          <p:cNvPr id="4" name="Slide Number Placeholder 3"/>
-          <p:cNvSpPr>
-            <a:spLocks noGrp="1"/>
-          </p:cNvSpPr>
-          <p:nvPr>
-            <p:ph type="sldNum" sz="quarter" idx="10"/>
-          </p:nvPr>
-        </p:nvSpPr>
-        <p:spPr/>
-        <p:txBody>
-          <a:bodyPr/>
-          <a:lstStyle/>
-          <a:p>
-            <a:fld id="{54165CF5-22A4-4BB9-BE26-FDB96183FE65}" type="slidenum">
-              <a:rPr lang="en-US" smtClean="0"/>
-              <a:t>31</a:t>
-            </a:fld>
-            <a:endParaRPr lang="en-US"/>
-          </a:p>
-        </p:txBody>
-      </p:sp>
-    </p:spTree>
-    <p:extLst>
-      <p:ext uri="{BB962C8B-B14F-4D97-AF65-F5344CB8AC3E}">
-        <p14:creationId xmlns:p14="http://schemas.microsoft.com/office/powerpoint/2010/main" val="2178038515"/>
-      </p:ext>
-    </p:extLst>
-  </p:cSld>
-  <p:clrMapOvr>
-    <a:masterClrMapping/>
-  </p:clrMapOvr>
-</p:notes>
-</file>
-
-<file path=ppt/notesSlides/notesSlide27.xml><?xml version="1.0" encoding="utf-8"?>
-<p:notes xmlns:a="http://schemas.openxmlformats.org/drawingml/2006/main" xmlns:r="http://schemas.openxmlformats.org/officeDocument/2006/relationships" xmlns:p="http://schemas.openxmlformats.org/presentationml/2006/main">
-  <p:cSld>
-    <p:spTree>
-      <p:nvGrpSpPr>
-        <p:cNvPr id="1" name=""/>
-        <p:cNvGrpSpPr/>
-        <p:nvPr/>
-      </p:nvGrpSpPr>
-      <p:grpSpPr>
-        <a:xfrm>
-          <a:off x="0" y="0"/>
-          <a:ext cx="0" cy="0"/>
-          <a:chOff x="0" y="0"/>
-          <a:chExt cx="0" cy="0"/>
-        </a:xfrm>
-      </p:grpSpPr>
-      <p:sp>
-        <p:nvSpPr>
-          <p:cNvPr id="2" name="Slide Image Placeholder 1"/>
-          <p:cNvSpPr>
-            <a:spLocks noGrp="1" noRot="1" noChangeAspect="1"/>
-          </p:cNvSpPr>
-          <p:nvPr>
-            <p:ph type="sldImg"/>
-          </p:nvPr>
-        </p:nvSpPr>
-        <p:spPr/>
-      </p:sp>
-      <p:sp>
-        <p:nvSpPr>
-          <p:cNvPr id="3" name="Notes Placeholder 2"/>
-          <p:cNvSpPr>
-            <a:spLocks noGrp="1"/>
-          </p:cNvSpPr>
-          <p:nvPr>
-            <p:ph type="body" idx="1"/>
-          </p:nvPr>
-        </p:nvSpPr>
-        <p:spPr/>
-        <p:txBody>
-          <a:bodyPr/>
-          <a:lstStyle/>
           <a:p>
             <a:pPr marL="0" marR="0" lvl="0" indent="0" algn="l" defTabSz="914400" rtl="0" eaLnBrk="1" fontAlgn="auto" latinLnBrk="0" hangingPunct="1">
               <a:lnSpc>
@@ -3349,97 +3241,6 @@
             </a:pPr>
             <a:r>
               <a:rPr lang="en-US" dirty="0"/>
-              <a:t>Sometimes, the most important thing you can be doing isn’t something someone asks of you, or something that’s on an obvious</a:t>
-            </a:r>
-            <a:r>
-              <a:rPr lang="en-US" baseline="0" dirty="0"/>
-              <a:t> menu.  It means identifying a problem, and solving it.</a:t>
-            </a:r>
-          </a:p>
-          <a:p>
-            <a:pPr marL="0" marR="0" lvl="0" indent="0" algn="l" defTabSz="914400" rtl="0" eaLnBrk="1" fontAlgn="auto" latinLnBrk="0" hangingPunct="1">
-              <a:lnSpc>
-                <a:spcPct val="100000"/>
-              </a:lnSpc>
-              <a:spcBef>
-                <a:spcPts val="0"/>
-              </a:spcBef>
-              <a:spcAft>
-                <a:spcPts val="0"/>
-              </a:spcAft>
-              <a:buClrTx/>
-              <a:buSzTx/>
-              <a:buFontTx/>
-              <a:buNone/>
-              <a:tabLst/>
-              <a:defRPr/>
-            </a:pPr>
-            <a:endParaRPr lang="en-US" baseline="0" dirty="0"/>
-          </a:p>
-          <a:p>
-            <a:pPr marL="0" marR="0" lvl="0" indent="0" algn="l" defTabSz="914400" rtl="0" eaLnBrk="1" fontAlgn="auto" latinLnBrk="0" hangingPunct="1">
-              <a:lnSpc>
-                <a:spcPct val="100000"/>
-              </a:lnSpc>
-              <a:spcBef>
-                <a:spcPts val="0"/>
-              </a:spcBef>
-              <a:spcAft>
-                <a:spcPts val="0"/>
-              </a:spcAft>
-              <a:buClrTx/>
-              <a:buSzTx/>
-              <a:buFontTx/>
-              <a:buNone/>
-              <a:tabLst/>
-              <a:defRPr/>
-            </a:pPr>
-            <a:r>
-              <a:rPr lang="en-US" baseline="0" dirty="0"/>
-              <a:t>This can seem scary, but with a normal engineering approach, it doesn’t have to be.</a:t>
-            </a:r>
-            <a:endParaRPr lang="en-US" dirty="0"/>
-          </a:p>
-          <a:p>
-            <a:pPr marL="0" marR="0" lvl="0" indent="0" algn="l" defTabSz="914400" rtl="0" eaLnBrk="1" fontAlgn="auto" latinLnBrk="0" hangingPunct="1">
-              <a:lnSpc>
-                <a:spcPct val="100000"/>
-              </a:lnSpc>
-              <a:spcBef>
-                <a:spcPts val="0"/>
-              </a:spcBef>
-              <a:spcAft>
-                <a:spcPts val="0"/>
-              </a:spcAft>
-              <a:buClrTx/>
-              <a:buSzTx/>
-              <a:buFontTx/>
-              <a:buNone/>
-              <a:tabLst/>
-              <a:defRPr/>
-            </a:pPr>
-            <a:endParaRPr lang="en-US" dirty="0"/>
-          </a:p>
-          <a:p>
-            <a:pPr marL="0" marR="0" lvl="0" indent="0" algn="l" defTabSz="914400" rtl="0" eaLnBrk="1" fontAlgn="auto" latinLnBrk="0" hangingPunct="1">
-              <a:lnSpc>
-                <a:spcPct val="100000"/>
-              </a:lnSpc>
-              <a:spcBef>
-                <a:spcPts val="0"/>
-              </a:spcBef>
-              <a:spcAft>
-                <a:spcPts val="0"/>
-              </a:spcAft>
-              <a:buClrTx/>
-              <a:buSzTx/>
-              <a:buFontTx/>
-              <a:buNone/>
-              <a:tabLst/>
-              <a:defRPr/>
-            </a:pPr>
-            <a:r>
-              <a:rPr lang="en-US" dirty="0"/>
               <a:t>Pick a thing that should be better.  Helps if it’s something that bothers you – something you have a personal stake in.  Ask what would be necessary to tackle it.  Just say you’ll make a plan – if you find yourself interested, you’ll be more likely to make good progress</a:t>
             </a:r>
           </a:p>
@@ -3496,7 +3297,7 @@
           <a:p>
             <a:fld id="{54165CF5-22A4-4BB9-BE26-FDB96183FE65}" type="slidenum">
               <a:rPr lang="en-US" smtClean="0"/>
-              <a:t>32</a:t>
+              <a:t>30</a:t>
             </a:fld>
             <a:endParaRPr lang="en-US"/>
           </a:p>
@@ -5597,7 +5398,7 @@
           <a:p>
             <a:r>
               <a:rPr lang="en-US" sz="3200" dirty="0"/>
-              <a:t>Lets us “measure, change, measure, check if done”</a:t>
+              <a:t>Measure, change, measure, check if done</a:t>
             </a:r>
           </a:p>
         </p:txBody>
@@ -5861,7 +5662,7 @@
             </a:pPr>
             <a:r>
               <a:rPr lang="en-US" sz="3200" dirty="0"/>
-              <a:t>Identify metrics exactly aligned with the business goals</a:t>
+              <a:t>Must be exactly aligned with the business goals</a:t>
             </a:r>
           </a:p>
           <a:p>
@@ -6197,6 +5998,296 @@
             <p:ph type="body" sz="quarter" idx="10"/>
           </p:nvPr>
         </p:nvSpPr>
+        <p:spPr/>
+        <p:txBody>
+          <a:bodyPr/>
+          <a:lstStyle/>
+          <a:p>
+            <a:r>
+              <a:rPr lang="en-US" sz="3200" dirty="0"/>
+              <a:t>Principles are the fundamental rules that are important to us</a:t>
+            </a:r>
+          </a:p>
+          <a:p>
+            <a:pPr marL="628625" lvl="1" indent="-457200"/>
+            <a:r>
+              <a:rPr lang="en-US" sz="2800" dirty="0"/>
+              <a:t>Don’t tell us specifically what to do.  </a:t>
+            </a:r>
+          </a:p>
+          <a:p>
+            <a:pPr marL="628625" lvl="1" indent="-457200"/>
+            <a:r>
+              <a:rPr lang="en-US" sz="2800" dirty="0"/>
+              <a:t>Helps identify paths to look for</a:t>
+            </a:r>
+          </a:p>
+          <a:p>
+            <a:pPr marL="628625" lvl="1" indent="-457200"/>
+            <a:r>
+              <a:rPr lang="en-US" sz="2800" dirty="0"/>
+              <a:t>Helps evaluate the goodness of a path we’re considering </a:t>
+            </a:r>
+          </a:p>
+          <a:p>
+            <a:endParaRPr lang="en-US" dirty="0"/>
+          </a:p>
+          <a:p>
+            <a:pPr marL="0" indent="0">
+              <a:buNone/>
+            </a:pPr>
+            <a:endParaRPr lang="en-US" dirty="0"/>
+          </a:p>
+        </p:txBody>
+      </p:sp>
+      <p:sp>
+        <p:nvSpPr>
+          <p:cNvPr id="3" name="Title 2"/>
+          <p:cNvSpPr>
+            <a:spLocks noGrp="1"/>
+          </p:cNvSpPr>
+          <p:nvPr>
+            <p:ph type="title"/>
+          </p:nvPr>
+        </p:nvSpPr>
+        <p:spPr/>
+        <p:txBody>
+          <a:bodyPr/>
+          <a:lstStyle/>
+          <a:p>
+            <a:r>
+              <a:rPr lang="en-US" dirty="0"/>
+              <a:t>Principles</a:t>
+            </a:r>
+          </a:p>
+        </p:txBody>
+      </p:sp>
+      <p:sp>
+        <p:nvSpPr>
+          <p:cNvPr id="4" name="Rectangle 3"/>
+          <p:cNvSpPr/>
+          <p:nvPr/>
+        </p:nvSpPr>
+        <p:spPr>
+          <a:xfrm>
+            <a:off x="0" y="0"/>
+            <a:ext cx="4661647" cy="127000"/>
+          </a:xfrm>
+          <a:prstGeom prst="rect">
+            <a:avLst/>
+          </a:prstGeom>
+          <a:solidFill>
+            <a:srgbClr val="17375E"/>
+          </a:solidFill>
+          <a:ln w="12700" cap="flat" cmpd="sng" algn="ctr">
+            <a:noFill/>
+            <a:prstDash val="solid"/>
+            <a:miter lim="800000"/>
+          </a:ln>
+          <a:effectLst/>
+          <a:extLst>
+            <a:ext uri="{91240B29-F687-4F45-9708-019B960494DF}">
+              <a14:hiddenLine xmlns:a14="http://schemas.microsoft.com/office/drawing/2010/main" w="12700" cap="flat" cmpd="sng" algn="ctr">
+                <a:solidFill>
+                  <a:schemeClr val="accent1">
+                    <a:shade val="50000"/>
+                  </a:schemeClr>
+                </a:solidFill>
+                <a:prstDash val="solid"/>
+                <a:miter lim="800000"/>
+              </a14:hiddenLine>
+            </a:ext>
+          </a:extLst>
+        </p:spPr>
+        <p:style>
+          <a:lnRef idx="2">
+            <a:schemeClr val="accent1">
+              <a:shade val="50000"/>
+            </a:schemeClr>
+          </a:lnRef>
+          <a:fillRef idx="1">
+            <a:schemeClr val="accent1"/>
+          </a:fillRef>
+          <a:effectRef idx="0">
+            <a:schemeClr val="accent1"/>
+          </a:effectRef>
+          <a:fontRef idx="minor">
+            <a:schemeClr val="lt1"/>
+          </a:fontRef>
+        </p:style>
+        <p:txBody>
+          <a:bodyPr rtlCol="0" anchor="ctr"/>
+          <a:lstStyle/>
+          <a:p>
+            <a:pPr algn="ctr"/>
+            <a:endParaRPr lang="en-US"/>
+          </a:p>
+        </p:txBody>
+      </p:sp>
+      <p:sp>
+        <p:nvSpPr>
+          <p:cNvPr id="5" name="Rectangle 4"/>
+          <p:cNvSpPr/>
+          <p:nvPr/>
+        </p:nvSpPr>
+        <p:spPr>
+          <a:xfrm>
+            <a:off x="0" y="0"/>
+            <a:ext cx="4661647" cy="127000"/>
+          </a:xfrm>
+          <a:prstGeom prst="rect">
+            <a:avLst/>
+          </a:prstGeom>
+          <a:solidFill>
+            <a:srgbClr val="7227BC"/>
+          </a:solidFill>
+          <a:ln w="12700" cap="flat" cmpd="sng" algn="ctr">
+            <a:noFill/>
+            <a:prstDash val="solid"/>
+            <a:miter lim="800000"/>
+          </a:ln>
+          <a:effectLst/>
+          <a:extLst>
+            <a:ext uri="{91240B29-F687-4F45-9708-019B960494DF}">
+              <a14:hiddenLine xmlns:a14="http://schemas.microsoft.com/office/drawing/2010/main" w="12700" cap="flat" cmpd="sng" algn="ctr">
+                <a:solidFill>
+                  <a:schemeClr val="accent1">
+                    <a:shade val="50000"/>
+                  </a:schemeClr>
+                </a:solidFill>
+                <a:prstDash val="solid"/>
+                <a:miter lim="800000"/>
+              </a14:hiddenLine>
+            </a:ext>
+          </a:extLst>
+        </p:spPr>
+        <p:style>
+          <a:lnRef idx="2">
+            <a:schemeClr val="accent1">
+              <a:shade val="50000"/>
+            </a:schemeClr>
+          </a:lnRef>
+          <a:fillRef idx="1">
+            <a:schemeClr val="accent1"/>
+          </a:fillRef>
+          <a:effectRef idx="0">
+            <a:schemeClr val="accent1"/>
+          </a:effectRef>
+          <a:fontRef idx="minor">
+            <a:schemeClr val="lt1"/>
+          </a:fontRef>
+        </p:style>
+        <p:txBody>
+          <a:bodyPr rtlCol="0" anchor="ctr"/>
+          <a:lstStyle/>
+          <a:p>
+            <a:pPr algn="ctr"/>
+            <a:endParaRPr lang="en-US"/>
+          </a:p>
+        </p:txBody>
+      </p:sp>
+      <p:sp>
+        <p:nvSpPr>
+          <p:cNvPr id="6" name="Rectangle 5"/>
+          <p:cNvSpPr/>
+          <p:nvPr/>
+        </p:nvSpPr>
+        <p:spPr>
+          <a:xfrm>
+            <a:off x="0" y="0"/>
+            <a:ext cx="4802909" cy="127000"/>
+          </a:xfrm>
+          <a:prstGeom prst="rect">
+            <a:avLst/>
+          </a:prstGeom>
+          <a:solidFill>
+            <a:srgbClr val="7227BC"/>
+          </a:solidFill>
+          <a:ln w="12700" cap="flat" cmpd="sng" algn="ctr">
+            <a:noFill/>
+            <a:prstDash val="solid"/>
+            <a:miter lim="800000"/>
+          </a:ln>
+          <a:effectLst/>
+          <a:extLst>
+            <a:ext uri="{91240B29-F687-4F45-9708-019B960494DF}">
+              <a14:hiddenLine xmlns:a14="http://schemas.microsoft.com/office/drawing/2010/main" w="12700" cap="flat" cmpd="sng" algn="ctr">
+                <a:solidFill>
+                  <a:schemeClr val="accent1">
+                    <a:shade val="50000"/>
+                  </a:schemeClr>
+                </a:solidFill>
+                <a:prstDash val="solid"/>
+                <a:miter lim="800000"/>
+              </a14:hiddenLine>
+            </a:ext>
+          </a:extLst>
+        </p:spPr>
+        <p:style>
+          <a:lnRef idx="2">
+            <a:schemeClr val="accent1">
+              <a:shade val="50000"/>
+            </a:schemeClr>
+          </a:lnRef>
+          <a:fillRef idx="1">
+            <a:schemeClr val="accent1"/>
+          </a:fillRef>
+          <a:effectRef idx="0">
+            <a:schemeClr val="accent1"/>
+          </a:effectRef>
+          <a:fontRef idx="minor">
+            <a:schemeClr val="lt1"/>
+          </a:fontRef>
+        </p:style>
+        <p:txBody>
+          <a:bodyPr rtlCol="0" anchor="ctr"/>
+          <a:lstStyle/>
+          <a:p>
+            <a:pPr algn="ctr"/>
+            <a:endParaRPr lang="en-US"/>
+          </a:p>
+        </p:txBody>
+      </p:sp>
+    </p:spTree>
+    <p:extLst>
+      <p:ext uri="{BB962C8B-B14F-4D97-AF65-F5344CB8AC3E}">
+        <p14:creationId xmlns:p14="http://schemas.microsoft.com/office/powerpoint/2010/main" val="3809422193"/>
+      </p:ext>
+    </p:extLst>
+  </p:cSld>
+  <p:clrMapOvr>
+    <a:masterClrMapping/>
+  </p:clrMapOvr>
+</p:sld>
+</file>
+
+<file path=ppt/slides/slide13.xml><?xml version="1.0" encoding="utf-8"?>
+<p:sld xmlns:a="http://schemas.openxmlformats.org/drawingml/2006/main" xmlns:r="http://schemas.openxmlformats.org/officeDocument/2006/relationships" xmlns:p="http://schemas.openxmlformats.org/presentationml/2006/main">
+  <p:cSld>
+    <p:spTree>
+      <p:nvGrpSpPr>
+        <p:cNvPr id="1" name=""/>
+        <p:cNvGrpSpPr/>
+        <p:nvPr/>
+      </p:nvGrpSpPr>
+      <p:grpSpPr>
+        <a:xfrm>
+          <a:off x="0" y="0"/>
+          <a:ext cx="0" cy="0"/>
+          <a:chOff x="0" y="0"/>
+          <a:chExt cx="0" cy="0"/>
+        </a:xfrm>
+      </p:grpSpPr>
+      <p:sp>
+        <p:nvSpPr>
+          <p:cNvPr id="2" name="Text Placeholder 1"/>
+          <p:cNvSpPr>
+            <a:spLocks noGrp="1"/>
+          </p:cNvSpPr>
+          <p:nvPr>
+            <p:ph type="body" sz="quarter" idx="10"/>
+          </p:nvPr>
+        </p:nvSpPr>
         <p:spPr>
           <a:xfrm>
             <a:off x="366211" y="2017718"/>
@@ -6510,296 +6601,6 @@
 </p:sld>
 </file>
 
-<file path=ppt/slides/slide13.xml><?xml version="1.0" encoding="utf-8"?>
-<p:sld xmlns:a="http://schemas.openxmlformats.org/drawingml/2006/main" xmlns:r="http://schemas.openxmlformats.org/officeDocument/2006/relationships" xmlns:p="http://schemas.openxmlformats.org/presentationml/2006/main">
-  <p:cSld>
-    <p:spTree>
-      <p:nvGrpSpPr>
-        <p:cNvPr id="1" name=""/>
-        <p:cNvGrpSpPr/>
-        <p:nvPr/>
-      </p:nvGrpSpPr>
-      <p:grpSpPr>
-        <a:xfrm>
-          <a:off x="0" y="0"/>
-          <a:ext cx="0" cy="0"/>
-          <a:chOff x="0" y="0"/>
-          <a:chExt cx="0" cy="0"/>
-        </a:xfrm>
-      </p:grpSpPr>
-      <p:sp>
-        <p:nvSpPr>
-          <p:cNvPr id="2" name="Text Placeholder 1"/>
-          <p:cNvSpPr>
-            <a:spLocks noGrp="1"/>
-          </p:cNvSpPr>
-          <p:nvPr>
-            <p:ph type="body" sz="quarter" idx="10"/>
-          </p:nvPr>
-        </p:nvSpPr>
-        <p:spPr/>
-        <p:txBody>
-          <a:bodyPr/>
-          <a:lstStyle/>
-          <a:p>
-            <a:r>
-              <a:rPr lang="en-US" sz="3200" dirty="0"/>
-              <a:t>Principles are the fundamental rules that are important to us</a:t>
-            </a:r>
-          </a:p>
-          <a:p>
-            <a:pPr marL="628625" lvl="1" indent="-457200"/>
-            <a:r>
-              <a:rPr lang="en-US" sz="2800" dirty="0"/>
-              <a:t>Don’t tell us specifically what to do.  </a:t>
-            </a:r>
-          </a:p>
-          <a:p>
-            <a:pPr marL="628625" lvl="1" indent="-457200"/>
-            <a:r>
-              <a:rPr lang="en-US" sz="2800" dirty="0"/>
-              <a:t>Helps identify paths to look for</a:t>
-            </a:r>
-          </a:p>
-          <a:p>
-            <a:pPr marL="628625" lvl="1" indent="-457200"/>
-            <a:r>
-              <a:rPr lang="en-US" sz="2800" dirty="0"/>
-              <a:t>Helps evaluate the goodness of a path we’re considering </a:t>
-            </a:r>
-          </a:p>
-          <a:p>
-            <a:endParaRPr lang="en-US" dirty="0"/>
-          </a:p>
-          <a:p>
-            <a:pPr marL="0" indent="0">
-              <a:buNone/>
-            </a:pPr>
-            <a:endParaRPr lang="en-US" dirty="0"/>
-          </a:p>
-        </p:txBody>
-      </p:sp>
-      <p:sp>
-        <p:nvSpPr>
-          <p:cNvPr id="3" name="Title 2"/>
-          <p:cNvSpPr>
-            <a:spLocks noGrp="1"/>
-          </p:cNvSpPr>
-          <p:nvPr>
-            <p:ph type="title"/>
-          </p:nvPr>
-        </p:nvSpPr>
-        <p:spPr/>
-        <p:txBody>
-          <a:bodyPr/>
-          <a:lstStyle/>
-          <a:p>
-            <a:r>
-              <a:rPr lang="en-US" dirty="0"/>
-              <a:t>Principles</a:t>
-            </a:r>
-          </a:p>
-        </p:txBody>
-      </p:sp>
-      <p:sp>
-        <p:nvSpPr>
-          <p:cNvPr id="4" name="Rectangle 3"/>
-          <p:cNvSpPr/>
-          <p:nvPr/>
-        </p:nvSpPr>
-        <p:spPr>
-          <a:xfrm>
-            <a:off x="0" y="0"/>
-            <a:ext cx="4661647" cy="127000"/>
-          </a:xfrm>
-          <a:prstGeom prst="rect">
-            <a:avLst/>
-          </a:prstGeom>
-          <a:solidFill>
-            <a:srgbClr val="17375E"/>
-          </a:solidFill>
-          <a:ln w="12700" cap="flat" cmpd="sng" algn="ctr">
-            <a:noFill/>
-            <a:prstDash val="solid"/>
-            <a:miter lim="800000"/>
-          </a:ln>
-          <a:effectLst/>
-          <a:extLst>
-            <a:ext uri="{91240B29-F687-4F45-9708-019B960494DF}">
-              <a14:hiddenLine xmlns:a14="http://schemas.microsoft.com/office/drawing/2010/main" w="12700" cap="flat" cmpd="sng" algn="ctr">
-                <a:solidFill>
-                  <a:schemeClr val="accent1">
-                    <a:shade val="50000"/>
-                  </a:schemeClr>
-                </a:solidFill>
-                <a:prstDash val="solid"/>
-                <a:miter lim="800000"/>
-              </a14:hiddenLine>
-            </a:ext>
-          </a:extLst>
-        </p:spPr>
-        <p:style>
-          <a:lnRef idx="2">
-            <a:schemeClr val="accent1">
-              <a:shade val="50000"/>
-            </a:schemeClr>
-          </a:lnRef>
-          <a:fillRef idx="1">
-            <a:schemeClr val="accent1"/>
-          </a:fillRef>
-          <a:effectRef idx="0">
-            <a:schemeClr val="accent1"/>
-          </a:effectRef>
-          <a:fontRef idx="minor">
-            <a:schemeClr val="lt1"/>
-          </a:fontRef>
-        </p:style>
-        <p:txBody>
-          <a:bodyPr rtlCol="0" anchor="ctr"/>
-          <a:lstStyle/>
-          <a:p>
-            <a:pPr algn="ctr"/>
-            <a:endParaRPr lang="en-US"/>
-          </a:p>
-        </p:txBody>
-      </p:sp>
-      <p:sp>
-        <p:nvSpPr>
-          <p:cNvPr id="5" name="Rectangle 4"/>
-          <p:cNvSpPr/>
-          <p:nvPr/>
-        </p:nvSpPr>
-        <p:spPr>
-          <a:xfrm>
-            <a:off x="0" y="0"/>
-            <a:ext cx="4661647" cy="127000"/>
-          </a:xfrm>
-          <a:prstGeom prst="rect">
-            <a:avLst/>
-          </a:prstGeom>
-          <a:solidFill>
-            <a:srgbClr val="7227BC"/>
-          </a:solidFill>
-          <a:ln w="12700" cap="flat" cmpd="sng" algn="ctr">
-            <a:noFill/>
-            <a:prstDash val="solid"/>
-            <a:miter lim="800000"/>
-          </a:ln>
-          <a:effectLst/>
-          <a:extLst>
-            <a:ext uri="{91240B29-F687-4F45-9708-019B960494DF}">
-              <a14:hiddenLine xmlns:a14="http://schemas.microsoft.com/office/drawing/2010/main" w="12700" cap="flat" cmpd="sng" algn="ctr">
-                <a:solidFill>
-                  <a:schemeClr val="accent1">
-                    <a:shade val="50000"/>
-                  </a:schemeClr>
-                </a:solidFill>
-                <a:prstDash val="solid"/>
-                <a:miter lim="800000"/>
-              </a14:hiddenLine>
-            </a:ext>
-          </a:extLst>
-        </p:spPr>
-        <p:style>
-          <a:lnRef idx="2">
-            <a:schemeClr val="accent1">
-              <a:shade val="50000"/>
-            </a:schemeClr>
-          </a:lnRef>
-          <a:fillRef idx="1">
-            <a:schemeClr val="accent1"/>
-          </a:fillRef>
-          <a:effectRef idx="0">
-            <a:schemeClr val="accent1"/>
-          </a:effectRef>
-          <a:fontRef idx="minor">
-            <a:schemeClr val="lt1"/>
-          </a:fontRef>
-        </p:style>
-        <p:txBody>
-          <a:bodyPr rtlCol="0" anchor="ctr"/>
-          <a:lstStyle/>
-          <a:p>
-            <a:pPr algn="ctr"/>
-            <a:endParaRPr lang="en-US"/>
-          </a:p>
-        </p:txBody>
-      </p:sp>
-      <p:sp>
-        <p:nvSpPr>
-          <p:cNvPr id="6" name="Rectangle 5"/>
-          <p:cNvSpPr/>
-          <p:nvPr/>
-        </p:nvSpPr>
-        <p:spPr>
-          <a:xfrm>
-            <a:off x="0" y="0"/>
-            <a:ext cx="4802909" cy="127000"/>
-          </a:xfrm>
-          <a:prstGeom prst="rect">
-            <a:avLst/>
-          </a:prstGeom>
-          <a:solidFill>
-            <a:srgbClr val="7227BC"/>
-          </a:solidFill>
-          <a:ln w="12700" cap="flat" cmpd="sng" algn="ctr">
-            <a:noFill/>
-            <a:prstDash val="solid"/>
-            <a:miter lim="800000"/>
-          </a:ln>
-          <a:effectLst/>
-          <a:extLst>
-            <a:ext uri="{91240B29-F687-4F45-9708-019B960494DF}">
-              <a14:hiddenLine xmlns:a14="http://schemas.microsoft.com/office/drawing/2010/main" w="12700" cap="flat" cmpd="sng" algn="ctr">
-                <a:solidFill>
-                  <a:schemeClr val="accent1">
-                    <a:shade val="50000"/>
-                  </a:schemeClr>
-                </a:solidFill>
-                <a:prstDash val="solid"/>
-                <a:miter lim="800000"/>
-              </a14:hiddenLine>
-            </a:ext>
-          </a:extLst>
-        </p:spPr>
-        <p:style>
-          <a:lnRef idx="2">
-            <a:schemeClr val="accent1">
-              <a:shade val="50000"/>
-            </a:schemeClr>
-          </a:lnRef>
-          <a:fillRef idx="1">
-            <a:schemeClr val="accent1"/>
-          </a:fillRef>
-          <a:effectRef idx="0">
-            <a:schemeClr val="accent1"/>
-          </a:effectRef>
-          <a:fontRef idx="minor">
-            <a:schemeClr val="lt1"/>
-          </a:fontRef>
-        </p:style>
-        <p:txBody>
-          <a:bodyPr rtlCol="0" anchor="ctr"/>
-          <a:lstStyle/>
-          <a:p>
-            <a:pPr algn="ctr"/>
-            <a:endParaRPr lang="en-US"/>
-          </a:p>
-        </p:txBody>
-      </p:sp>
-    </p:spTree>
-    <p:extLst>
-      <p:ext uri="{BB962C8B-B14F-4D97-AF65-F5344CB8AC3E}">
-        <p14:creationId xmlns:p14="http://schemas.microsoft.com/office/powerpoint/2010/main" val="3809422193"/>
-      </p:ext>
-    </p:extLst>
-  </p:cSld>
-  <p:clrMapOvr>
-    <a:masterClrMapping/>
-  </p:clrMapOvr>
-</p:sld>
-</file>
-
 <file path=ppt/slides/slide14.xml><?xml version="1.0" encoding="utf-8"?>
 <p:sld xmlns:a="http://schemas.openxmlformats.org/drawingml/2006/main" xmlns:r="http://schemas.openxmlformats.org/officeDocument/2006/relationships" xmlns:p="http://schemas.openxmlformats.org/presentationml/2006/main">
   <p:cSld>
@@ -6852,13 +6653,13 @@
           <a:p>
             <a:r>
               <a:rPr lang="en-US" sz="2800" dirty="0"/>
-              <a:t>When it’s hard to choose A or B, go with option easiest to revert</a:t>
+              <a:t>If hard to choose A or B, go with option easiest to revert</a:t>
             </a:r>
           </a:p>
           <a:p>
             <a:r>
               <a:rPr lang="en-US" sz="2800" dirty="0"/>
-              <a:t>People and interactions over tools and process</a:t>
+              <a:t>People and interactions over tools and process </a:t>
             </a:r>
           </a:p>
           <a:p>
@@ -6874,10 +6675,10 @@
             </a:r>
           </a:p>
           <a:p>
-            <a:endParaRPr lang="en-US" sz="2400" dirty="0"/>
-          </a:p>
-          <a:p>
-            <a:endParaRPr lang="en-US" sz="2400" dirty="0"/>
+            <a:endParaRPr lang="en-US" sz="2000" dirty="0"/>
+          </a:p>
+          <a:p>
+            <a:endParaRPr lang="en-US" sz="2000" dirty="0"/>
           </a:p>
         </p:txBody>
       </p:sp>
@@ -6898,7 +6699,7 @@
           <a:p>
             <a:r>
               <a:rPr lang="en-US" dirty="0"/>
-              <a:t>Principles – my favourites</a:t>
+              <a:t>Principles – My favourites</a:t>
             </a:r>
           </a:p>
         </p:txBody>
@@ -7483,11 +7284,11 @@
             </a:r>
             <a:r>
               <a:rPr lang="en-US" strike="sngStrike" dirty="0"/>
-              <a:t>failure</a:t>
+              <a:t>Failure</a:t>
             </a:r>
             <a:r>
               <a:rPr lang="en-US" dirty="0"/>
-              <a:t> learning</a:t>
+              <a:t> Learning</a:t>
             </a:r>
           </a:p>
         </p:txBody>
@@ -7735,9 +7536,16 @@
           <a:p>
             <a:r>
               <a:rPr lang="en-US" sz="2800" dirty="0"/>
-              <a:t>Thin slicing costs more – we’re specifically buying the opportunity to adjust course more often, to learn earlier, and to mitigate risk</a:t>
-            </a:r>
-            <a:endParaRPr lang="en-US" sz="2000" dirty="0"/>
+              <a:t>Thin slicing costs more </a:t>
+            </a:r>
+          </a:p>
+          <a:p>
+            <a:pPr lvl="1"/>
+            <a:r>
+              <a:rPr lang="en-US" sz="2400" dirty="0"/>
+              <a:t>We’re buying the chance to adjust more often, to learn earlier, and to mitigate risk</a:t>
+            </a:r>
+            <a:endParaRPr lang="en-US" dirty="0"/>
           </a:p>
           <a:p>
             <a:pPr marL="342900" indent="-342900">
@@ -7762,23 +7570,24 @@
           <a:p>
             <a:pPr lvl="1" indent="-342900"/>
             <a:r>
-              <a:rPr lang="en-US" sz="2000" dirty="0"/>
+              <a:rPr lang="en-US" sz="2400" dirty="0"/>
               <a:t>Ask: How can we do less?</a:t>
             </a:r>
           </a:p>
           <a:p>
             <a:pPr lvl="1" indent="-342900"/>
             <a:r>
-              <a:rPr lang="en-US" sz="2000" dirty="0"/>
+              <a:rPr lang="en-US" sz="2400" dirty="0"/>
               <a:t>Plan for a much smaller sprint/release commitment, with groomed follow-on work.</a:t>
             </a:r>
           </a:p>
           <a:p>
             <a:pPr lvl="1" indent="-342900"/>
             <a:r>
-              <a:rPr lang="en-US" sz="2000" dirty="0"/>
+              <a:rPr lang="en-US" sz="2400" dirty="0"/>
               <a:t>De-risk early by tackling work in the order that prioritizes learning</a:t>
             </a:r>
+            <a:endParaRPr lang="en-US" sz="2000" dirty="0"/>
           </a:p>
           <a:p>
             <a:pPr marL="342900" indent="-342900">
@@ -7809,7 +7618,7 @@
           <a:p>
             <a:r>
               <a:rPr lang="en-US" dirty="0"/>
-              <a:t>Relentlessly thin slice</a:t>
+              <a:t>Relentlessly Thin slice</a:t>
             </a:r>
           </a:p>
         </p:txBody>
@@ -8052,13 +7861,13 @@
           <a:p>
             <a:r>
               <a:rPr lang="en-US" sz="2800" dirty="0"/>
-              <a:t>Systems operate at best throughput when at ~80% capacity</a:t>
+              <a:t>Best throughput at ~80% capacity</a:t>
             </a:r>
           </a:p>
           <a:p>
             <a:r>
               <a:rPr lang="en-US" sz="2800" dirty="0"/>
-              <a:t>In engineering, slack lets us:</a:t>
+              <a:t>Slack lets us:</a:t>
             </a:r>
           </a:p>
           <a:p>
@@ -8086,17 +7895,11 @@
             <a:pPr marL="628625" lvl="1" indent="-457200"/>
             <a:r>
               <a:rPr lang="en-US" sz="2800" dirty="0"/>
-              <a:t>Enables tool sharpening</a:t>
-            </a:r>
-          </a:p>
-          <a:p>
-            <a:pPr marL="628625" lvl="1" indent="-457200"/>
-            <a:r>
-              <a:rPr lang="en-US" sz="2800" dirty="0"/>
-              <a:t>Enables learning</a:t>
-            </a:r>
-          </a:p>
-          <a:p>
+              <a:t>Enables tool sharpening and learning</a:t>
+            </a:r>
+          </a:p>
+          <a:p>
+            <a:pPr marL="457200" indent="-457200"/>
             <a:r>
               <a:rPr lang="en-US" sz="2800" dirty="0"/>
               <a:t>Very short periods of sprint can be okay</a:t>
@@ -9000,300 +8803,6 @@
           <a:bodyPr/>
           <a:lstStyle/>
           <a:p>
-            <a:pPr marL="342900" indent="-342900">
-              <a:buFont typeface="Arial" panose="020B0604020202020204" pitchFamily="34" charset="0"/>
-              <a:buChar char="•"/>
-            </a:pPr>
-            <a:r>
-              <a:rPr lang="en-US" sz="3200" dirty="0"/>
-              <a:t>Can others use it?</a:t>
-            </a:r>
-          </a:p>
-          <a:p>
-            <a:pPr marL="342900" indent="-342900">
-              <a:buFont typeface="Arial" panose="020B0604020202020204" pitchFamily="34" charset="0"/>
-              <a:buChar char="•"/>
-            </a:pPr>
-            <a:r>
-              <a:rPr lang="en-US" sz="3200" dirty="0"/>
-              <a:t>Can others learn from your mistakes?</a:t>
-            </a:r>
-          </a:p>
-          <a:p>
-            <a:pPr marL="342900" indent="-342900">
-              <a:buFont typeface="Arial" panose="020B0604020202020204" pitchFamily="34" charset="0"/>
-              <a:buChar char="•"/>
-            </a:pPr>
-            <a:r>
-              <a:rPr lang="en-US" sz="3200" dirty="0"/>
-              <a:t>Are there adjacent problems it can solve?</a:t>
-            </a:r>
-          </a:p>
-          <a:p>
-            <a:pPr marL="342900" indent="-342900">
-              <a:buFont typeface="Arial" panose="020B0604020202020204" pitchFamily="34" charset="0"/>
-              <a:buChar char="•"/>
-            </a:pPr>
-            <a:r>
-              <a:rPr lang="en-US" sz="3200" dirty="0"/>
-              <a:t>Should other people be aware of it?</a:t>
-            </a:r>
-          </a:p>
-        </p:txBody>
-      </p:sp>
-      <p:sp>
-        <p:nvSpPr>
-          <p:cNvPr id="3" name="Title 2"/>
-          <p:cNvSpPr>
-            <a:spLocks noGrp="1"/>
-          </p:cNvSpPr>
-          <p:nvPr>
-            <p:ph type="title"/>
-          </p:nvPr>
-        </p:nvSpPr>
-        <p:spPr/>
-        <p:txBody>
-          <a:bodyPr/>
-          <a:lstStyle/>
-          <a:p>
-            <a:r>
-              <a:rPr lang="en-US" dirty="0"/>
-              <a:t>Find the value</a:t>
-            </a:r>
-          </a:p>
-        </p:txBody>
-      </p:sp>
-      <p:sp>
-        <p:nvSpPr>
-          <p:cNvPr id="4" name="Rectangle 3"/>
-          <p:cNvSpPr/>
-          <p:nvPr/>
-        </p:nvSpPr>
-        <p:spPr>
-          <a:xfrm>
-            <a:off x="0" y="0"/>
-            <a:ext cx="7530353" cy="127000"/>
-          </a:xfrm>
-          <a:prstGeom prst="rect">
-            <a:avLst/>
-          </a:prstGeom>
-          <a:solidFill>
-            <a:srgbClr val="17375E"/>
-          </a:solidFill>
-          <a:ln w="12700" cap="flat" cmpd="sng" algn="ctr">
-            <a:noFill/>
-            <a:prstDash val="solid"/>
-            <a:miter lim="800000"/>
-          </a:ln>
-          <a:effectLst/>
-          <a:extLst>
-            <a:ext uri="{91240B29-F687-4F45-9708-019B960494DF}">
-              <a14:hiddenLine xmlns:a14="http://schemas.microsoft.com/office/drawing/2010/main" w="12700" cap="flat" cmpd="sng" algn="ctr">
-                <a:solidFill>
-                  <a:schemeClr val="accent1">
-                    <a:shade val="50000"/>
-                  </a:schemeClr>
-                </a:solidFill>
-                <a:prstDash val="solid"/>
-                <a:miter lim="800000"/>
-              </a14:hiddenLine>
-            </a:ext>
-          </a:extLst>
-        </p:spPr>
-        <p:style>
-          <a:lnRef idx="2">
-            <a:schemeClr val="accent1">
-              <a:shade val="50000"/>
-            </a:schemeClr>
-          </a:lnRef>
-          <a:fillRef idx="1">
-            <a:schemeClr val="accent1"/>
-          </a:fillRef>
-          <a:effectRef idx="0">
-            <a:schemeClr val="accent1"/>
-          </a:effectRef>
-          <a:fontRef idx="minor">
-            <a:schemeClr val="lt1"/>
-          </a:fontRef>
-        </p:style>
-        <p:txBody>
-          <a:bodyPr rtlCol="0" anchor="ctr"/>
-          <a:lstStyle/>
-          <a:p>
-            <a:pPr algn="ctr"/>
-            <a:endParaRPr lang="en-US"/>
-          </a:p>
-        </p:txBody>
-      </p:sp>
-      <p:sp>
-        <p:nvSpPr>
-          <p:cNvPr id="5" name="Rectangle 4"/>
-          <p:cNvSpPr/>
-          <p:nvPr/>
-        </p:nvSpPr>
-        <p:spPr>
-          <a:xfrm>
-            <a:off x="0" y="0"/>
-            <a:ext cx="7530353" cy="127000"/>
-          </a:xfrm>
-          <a:prstGeom prst="rect">
-            <a:avLst/>
-          </a:prstGeom>
-          <a:solidFill>
-            <a:srgbClr val="7227BC"/>
-          </a:solidFill>
-          <a:ln w="12700" cap="flat" cmpd="sng" algn="ctr">
-            <a:noFill/>
-            <a:prstDash val="solid"/>
-            <a:miter lim="800000"/>
-          </a:ln>
-          <a:effectLst/>
-          <a:extLst>
-            <a:ext uri="{91240B29-F687-4F45-9708-019B960494DF}">
-              <a14:hiddenLine xmlns:a14="http://schemas.microsoft.com/office/drawing/2010/main" w="12700" cap="flat" cmpd="sng" algn="ctr">
-                <a:solidFill>
-                  <a:schemeClr val="accent1">
-                    <a:shade val="50000"/>
-                  </a:schemeClr>
-                </a:solidFill>
-                <a:prstDash val="solid"/>
-                <a:miter lim="800000"/>
-              </a14:hiddenLine>
-            </a:ext>
-          </a:extLst>
-        </p:spPr>
-        <p:style>
-          <a:lnRef idx="2">
-            <a:schemeClr val="accent1">
-              <a:shade val="50000"/>
-            </a:schemeClr>
-          </a:lnRef>
-          <a:fillRef idx="1">
-            <a:schemeClr val="accent1"/>
-          </a:fillRef>
-          <a:effectRef idx="0">
-            <a:schemeClr val="accent1"/>
-          </a:effectRef>
-          <a:fontRef idx="minor">
-            <a:schemeClr val="lt1"/>
-          </a:fontRef>
-        </p:style>
-        <p:txBody>
-          <a:bodyPr rtlCol="0" anchor="ctr"/>
-          <a:lstStyle/>
-          <a:p>
-            <a:pPr algn="ctr"/>
-            <a:endParaRPr lang="en-US"/>
-          </a:p>
-        </p:txBody>
-      </p:sp>
-      <p:sp>
-        <p:nvSpPr>
-          <p:cNvPr id="6" name="Rectangle 5"/>
-          <p:cNvSpPr/>
-          <p:nvPr/>
-        </p:nvSpPr>
-        <p:spPr>
-          <a:xfrm>
-            <a:off x="0" y="0"/>
-            <a:ext cx="7389091" cy="127000"/>
-          </a:xfrm>
-          <a:prstGeom prst="rect">
-            <a:avLst/>
-          </a:prstGeom>
-          <a:solidFill>
-            <a:srgbClr val="7227BC"/>
-          </a:solidFill>
-          <a:ln w="12700" cap="flat" cmpd="sng" algn="ctr">
-            <a:noFill/>
-            <a:prstDash val="solid"/>
-            <a:miter lim="800000"/>
-          </a:ln>
-          <a:effectLst/>
-          <a:extLst>
-            <a:ext uri="{91240B29-F687-4F45-9708-019B960494DF}">
-              <a14:hiddenLine xmlns:a14="http://schemas.microsoft.com/office/drawing/2010/main" w="12700" cap="flat" cmpd="sng" algn="ctr">
-                <a:solidFill>
-                  <a:schemeClr val="accent1">
-                    <a:shade val="50000"/>
-                  </a:schemeClr>
-                </a:solidFill>
-                <a:prstDash val="solid"/>
-                <a:miter lim="800000"/>
-              </a14:hiddenLine>
-            </a:ext>
-          </a:extLst>
-        </p:spPr>
-        <p:style>
-          <a:lnRef idx="2">
-            <a:schemeClr val="accent1">
-              <a:shade val="50000"/>
-            </a:schemeClr>
-          </a:lnRef>
-          <a:fillRef idx="1">
-            <a:schemeClr val="accent1"/>
-          </a:fillRef>
-          <a:effectRef idx="0">
-            <a:schemeClr val="accent1"/>
-          </a:effectRef>
-          <a:fontRef idx="minor">
-            <a:schemeClr val="lt1"/>
-          </a:fontRef>
-        </p:style>
-        <p:txBody>
-          <a:bodyPr rtlCol="0" anchor="ctr"/>
-          <a:lstStyle/>
-          <a:p>
-            <a:pPr algn="ctr"/>
-            <a:endParaRPr lang="en-US"/>
-          </a:p>
-        </p:txBody>
-      </p:sp>
-    </p:spTree>
-    <p:extLst>
-      <p:ext uri="{BB962C8B-B14F-4D97-AF65-F5344CB8AC3E}">
-        <p14:creationId xmlns:p14="http://schemas.microsoft.com/office/powerpoint/2010/main" val="3577699935"/>
-      </p:ext>
-    </p:extLst>
-  </p:cSld>
-  <p:clrMapOvr>
-    <a:masterClrMapping/>
-  </p:clrMapOvr>
-</p:sld>
-</file>
-
-<file path=ppt/slides/slide21.xml><?xml version="1.0" encoding="utf-8"?>
-<p:sld xmlns:a="http://schemas.openxmlformats.org/drawingml/2006/main" xmlns:r="http://schemas.openxmlformats.org/officeDocument/2006/relationships" xmlns:p="http://schemas.openxmlformats.org/presentationml/2006/main">
-  <p:cSld>
-    <p:spTree>
-      <p:nvGrpSpPr>
-        <p:cNvPr id="1" name=""/>
-        <p:cNvGrpSpPr/>
-        <p:nvPr/>
-      </p:nvGrpSpPr>
-      <p:grpSpPr>
-        <a:xfrm>
-          <a:off x="0" y="0"/>
-          <a:ext cx="0" cy="0"/>
-          <a:chOff x="0" y="0"/>
-          <a:chExt cx="0" cy="0"/>
-        </a:xfrm>
-      </p:grpSpPr>
-      <p:sp>
-        <p:nvSpPr>
-          <p:cNvPr id="2" name="Text Placeholder 1"/>
-          <p:cNvSpPr>
-            <a:spLocks noGrp="1"/>
-          </p:cNvSpPr>
-          <p:nvPr>
-            <p:ph type="body" sz="quarter" idx="10"/>
-          </p:nvPr>
-        </p:nvSpPr>
-        <p:spPr/>
-        <p:txBody>
-          <a:bodyPr/>
-          <a:lstStyle/>
-          <a:p>
             <a:r>
               <a:rPr lang="en-US" sz="3200" dirty="0"/>
               <a:t>Will the work impact our metrics?</a:t>
@@ -9566,7 +9075,7 @@
 </p:sld>
 </file>
 
-<file path=ppt/slides/slide22.xml><?xml version="1.0" encoding="utf-8"?>
+<file path=ppt/slides/slide21.xml><?xml version="1.0" encoding="utf-8"?>
 <p:sld xmlns:a="http://schemas.openxmlformats.org/drawingml/2006/main" xmlns:r="http://schemas.openxmlformats.org/officeDocument/2006/relationships" xmlns:p="http://schemas.openxmlformats.org/presentationml/2006/main">
   <p:cSld>
     <p:spTree>
@@ -9848,7 +9357,7 @@
 </p:sld>
 </file>
 
-<file path=ppt/slides/slide23.xml><?xml version="1.0" encoding="utf-8"?>
+<file path=ppt/slides/slide22.xml><?xml version="1.0" encoding="utf-8"?>
 <p:sld xmlns:a="http://schemas.openxmlformats.org/drawingml/2006/main" xmlns:r="http://schemas.openxmlformats.org/officeDocument/2006/relationships" xmlns:p="http://schemas.openxmlformats.org/presentationml/2006/main">
   <p:cSld>
     <p:spTree>
@@ -10095,7 +9604,7 @@
 </p:sld>
 </file>
 
-<file path=ppt/slides/slide24.xml><?xml version="1.0" encoding="utf-8"?>
+<file path=ppt/slides/slide23.xml><?xml version="1.0" encoding="utf-8"?>
 <p:sld xmlns:a="http://schemas.openxmlformats.org/drawingml/2006/main" xmlns:r="http://schemas.openxmlformats.org/officeDocument/2006/relationships" xmlns:p="http://schemas.openxmlformats.org/presentationml/2006/main">
   <p:cSld>
     <p:spTree>
@@ -10148,7 +9657,17 @@
             </a:pPr>
             <a:r>
               <a:rPr lang="en-US" sz="2800" dirty="0"/>
-              <a:t>Newest, Loudest, Quickest are often attributes of the wrong thing</a:t>
+              <a:t>Newest, Loudest, Quickest </a:t>
+            </a:r>
+            <a:r>
+              <a:rPr lang="en-US" sz="2800" dirty="0">
+                <a:sym typeface="Wingdings" panose="05000000000000000000" pitchFamily="2" charset="2"/>
+              </a:rPr>
+              <a:t> Often the wrong</a:t>
+            </a:r>
+            <a:r>
+              <a:rPr lang="en-US" sz="2800" dirty="0"/>
+              <a:t> thing</a:t>
             </a:r>
           </a:p>
           <a:p>
@@ -10158,8 +9677,15 @@
             </a:pPr>
             <a:r>
               <a:rPr lang="en-US" sz="2800" dirty="0"/>
-              <a:t>Hardest, Scariest, Most ambiguous can be attributes of the right thing</a:t>
-            </a:r>
+              <a:t>Hardest, Scariest, Most ambiguous </a:t>
+            </a:r>
+            <a:r>
+              <a:rPr lang="en-US" sz="2800" dirty="0">
+                <a:sym typeface="Wingdings" panose="05000000000000000000" pitchFamily="2" charset="2"/>
+              </a:rPr>
+              <a:t> Can be signs of the right thing</a:t>
+            </a:r>
+            <a:endParaRPr lang="en-US" sz="2800" dirty="0"/>
           </a:p>
           <a:p>
             <a:pPr marL="342900" indent="-342900">
@@ -10195,14 +9721,7 @@
             <a:pPr lvl="1" indent="-342900"/>
             <a:r>
               <a:rPr lang="en-US" sz="2400" dirty="0"/>
-              <a:t>Categorize tasks into reactive/tactical and proactive/strategic - ensure a particular % of time spent on each category</a:t>
-            </a:r>
-          </a:p>
-          <a:p>
-            <a:pPr lvl="1" indent="-342900"/>
-            <a:r>
-              <a:rPr lang="en-US" sz="2400" dirty="0"/>
-              <a:t>Colour code calendar to highlight how your time is spent</a:t>
+              <a:t>Categorize tasks into reactive/tactical and proactive/strategic</a:t>
             </a:r>
           </a:p>
         </p:txBody>
@@ -10428,7 +9947,7 @@
 </p:sld>
 </file>
 
-<file path=ppt/slides/slide25.xml><?xml version="1.0" encoding="utf-8"?>
+<file path=ppt/slides/slide24.xml><?xml version="1.0" encoding="utf-8"?>
 <p:sld xmlns:a="http://schemas.openxmlformats.org/drawingml/2006/main" xmlns:r="http://schemas.openxmlformats.org/officeDocument/2006/relationships" xmlns:p="http://schemas.openxmlformats.org/presentationml/2006/main">
   <p:cSld>
     <p:spTree>
@@ -10468,13 +9987,15 @@
           <a:p>
             <a:r>
               <a:rPr lang="en-US" sz="3200" dirty="0"/>
-              <a:t>Dedicated time </a:t>
-            </a:r>
-          </a:p>
-          <a:p>
+              <a:t>Dedicated time (maybe </a:t>
+            </a:r>
+            <a:r>
+              <a:rPr lang="en-US" sz="3200" dirty="0" err="1"/>
+              <a:t>sync’ed</a:t>
+            </a:r>
             <a:r>
               <a:rPr lang="en-US" sz="3200" dirty="0"/>
-              <a:t>Team-synchronized dedicated time</a:t>
+              <a:t> for the team)</a:t>
             </a:r>
           </a:p>
           <a:p>
@@ -10482,13 +10003,6 @@
               <a:rPr lang="en-US" sz="3200" dirty="0"/>
               <a:t>Reward yourself for taking the hard/meaningful route</a:t>
             </a:r>
-          </a:p>
-          <a:p>
-            <a:r>
-              <a:rPr lang="en-US" sz="3200" dirty="0"/>
-              <a:t>Penalize yourself for taking the easy/less meaningful route</a:t>
-            </a:r>
-            <a:endParaRPr lang="en-US" dirty="0"/>
           </a:p>
           <a:p>
             <a:r>
@@ -10719,7 +10233,7 @@
 </p:sld>
 </file>
 
-<file path=ppt/slides/slide26.xml><?xml version="1.0" encoding="utf-8"?>
+<file path=ppt/slides/slide25.xml><?xml version="1.0" encoding="utf-8"?>
 <p:sld xmlns:a="http://schemas.openxmlformats.org/drawingml/2006/main" xmlns:r="http://schemas.openxmlformats.org/officeDocument/2006/relationships" xmlns:p="http://schemas.openxmlformats.org/presentationml/2006/main">
   <p:cSld>
     <p:spTree>
@@ -11013,346 +10527,7 @@
 </p:sld>
 </file>
 
-<file path=ppt/slides/slide27.xml><?xml version="1.0" encoding="utf-8"?>
-<p:sld xmlns:a="http://schemas.openxmlformats.org/drawingml/2006/main" xmlns:r="http://schemas.openxmlformats.org/officeDocument/2006/relationships" xmlns:p="http://schemas.openxmlformats.org/presentationml/2006/main">
-  <p:cSld>
-    <p:spTree>
-      <p:nvGrpSpPr>
-        <p:cNvPr id="1" name=""/>
-        <p:cNvGrpSpPr/>
-        <p:nvPr/>
-      </p:nvGrpSpPr>
-      <p:grpSpPr>
-        <a:xfrm>
-          <a:off x="0" y="0"/>
-          <a:ext cx="0" cy="0"/>
-          <a:chOff x="0" y="0"/>
-          <a:chExt cx="0" cy="0"/>
-        </a:xfrm>
-      </p:grpSpPr>
-      <p:sp>
-        <p:nvSpPr>
-          <p:cNvPr id="5" name="Text Placeholder 4"/>
-          <p:cNvSpPr>
-            <a:spLocks noGrp="1"/>
-          </p:cNvSpPr>
-          <p:nvPr>
-            <p:ph type="body" sz="quarter" idx="10"/>
-          </p:nvPr>
-        </p:nvSpPr>
-        <p:spPr>
-          <a:xfrm>
-            <a:off x="366211" y="1794510"/>
-            <a:ext cx="11653191" cy="4487233"/>
-          </a:xfrm>
-        </p:spPr>
-        <p:txBody>
-          <a:bodyPr/>
-          <a:lstStyle/>
-          <a:p>
-            <a:r>
-              <a:rPr lang="en-US" sz="3200" dirty="0"/>
-              <a:t>Pursue specific outcomes (job, responsibility, promotion, etc.)</a:t>
-            </a:r>
-          </a:p>
-          <a:p>
-            <a:pPr lvl="1"/>
-            <a:r>
-              <a:rPr lang="en-US" sz="3200" dirty="0"/>
-              <a:t>Have goals</a:t>
-            </a:r>
-          </a:p>
-          <a:p>
-            <a:pPr lvl="1"/>
-            <a:r>
-              <a:rPr lang="en-US" sz="3200" dirty="0"/>
-              <a:t>Thin slice – start small but deliver frequently</a:t>
-            </a:r>
-          </a:p>
-          <a:p>
-            <a:pPr lvl="1"/>
-            <a:r>
-              <a:rPr lang="en-US" sz="3200" dirty="0"/>
-              <a:t>Discuss with formal and informal mentors</a:t>
-            </a:r>
-          </a:p>
-          <a:p>
-            <a:pPr lvl="1"/>
-            <a:r>
-              <a:rPr lang="en-US" sz="3200" dirty="0"/>
-              <a:t>Get honest feedback</a:t>
-            </a:r>
-          </a:p>
-          <a:p>
-            <a:pPr lvl="1"/>
-            <a:r>
-              <a:rPr lang="en-US" sz="3200" dirty="0"/>
-              <a:t>Goal journal</a:t>
-            </a:r>
-          </a:p>
-          <a:p>
-            <a:pPr lvl="1"/>
-            <a:r>
-              <a:rPr lang="en-US" sz="3200" dirty="0"/>
-              <a:t>Share goals openly with manager </a:t>
-            </a:r>
-          </a:p>
-          <a:p>
-            <a:pPr marL="342883" lvl="1" indent="0">
-              <a:buNone/>
-            </a:pPr>
-            <a:endParaRPr lang="en-US" sz="2400" dirty="0"/>
-          </a:p>
-          <a:p>
-            <a:pPr marL="342900" indent="-342900">
-              <a:buFont typeface="Arial" panose="020B0604020202020204" pitchFamily="34" charset="0"/>
-              <a:buChar char="•"/>
-            </a:pPr>
-            <a:endParaRPr lang="en-US" dirty="0"/>
-          </a:p>
-          <a:p>
-            <a:pPr marL="342900" indent="-342900">
-              <a:buFont typeface="Arial" panose="020B0604020202020204" pitchFamily="34" charset="0"/>
-              <a:buChar char="•"/>
-            </a:pPr>
-            <a:endParaRPr lang="en-US" dirty="0"/>
-          </a:p>
-          <a:p>
-            <a:pPr marL="342900" indent="-342900">
-              <a:buFont typeface="Arial" panose="020B0604020202020204" pitchFamily="34" charset="0"/>
-              <a:buChar char="•"/>
-            </a:pPr>
-            <a:endParaRPr lang="en-US" dirty="0"/>
-          </a:p>
-        </p:txBody>
-      </p:sp>
-      <p:sp>
-        <p:nvSpPr>
-          <p:cNvPr id="4" name="Title 3"/>
-          <p:cNvSpPr>
-            <a:spLocks noGrp="1"/>
-          </p:cNvSpPr>
-          <p:nvPr>
-            <p:ph type="title"/>
-          </p:nvPr>
-        </p:nvSpPr>
-        <p:spPr>
-          <a:xfrm>
-            <a:off x="351526" y="314814"/>
-            <a:ext cx="10467038" cy="1325147"/>
-          </a:xfrm>
-        </p:spPr>
-        <p:txBody>
-          <a:bodyPr/>
-          <a:lstStyle/>
-          <a:p>
-            <a:r>
-              <a:rPr lang="en-US" dirty="0"/>
-              <a:t>Take control of your career growth</a:t>
-            </a:r>
-          </a:p>
-        </p:txBody>
-      </p:sp>
-      <p:sp>
-        <p:nvSpPr>
-          <p:cNvPr id="2" name="Rectangle 1"/>
-          <p:cNvSpPr/>
-          <p:nvPr/>
-        </p:nvSpPr>
-        <p:spPr>
-          <a:xfrm>
-            <a:off x="0" y="0"/>
-            <a:ext cx="10040471" cy="127000"/>
-          </a:xfrm>
-          <a:prstGeom prst="rect">
-            <a:avLst/>
-          </a:prstGeom>
-          <a:solidFill>
-            <a:srgbClr val="17375E"/>
-          </a:solidFill>
-          <a:ln w="12700" cap="flat" cmpd="sng" algn="ctr">
-            <a:noFill/>
-            <a:prstDash val="solid"/>
-            <a:miter lim="800000"/>
-          </a:ln>
-          <a:effectLst/>
-          <a:extLst>
-            <a:ext uri="{91240B29-F687-4F45-9708-019B960494DF}">
-              <a14:hiddenLine xmlns:a14="http://schemas.microsoft.com/office/drawing/2010/main" w="12700" cap="flat" cmpd="sng" algn="ctr">
-                <a:solidFill>
-                  <a:schemeClr val="accent1">
-                    <a:shade val="50000"/>
-                  </a:schemeClr>
-                </a:solidFill>
-                <a:prstDash val="solid"/>
-                <a:miter lim="800000"/>
-              </a14:hiddenLine>
-            </a:ext>
-          </a:extLst>
-        </p:spPr>
-        <p:style>
-          <a:lnRef idx="2">
-            <a:schemeClr val="accent1">
-              <a:shade val="50000"/>
-            </a:schemeClr>
-          </a:lnRef>
-          <a:fillRef idx="1">
-            <a:schemeClr val="accent1"/>
-          </a:fillRef>
-          <a:effectRef idx="0">
-            <a:schemeClr val="accent1"/>
-          </a:effectRef>
-          <a:fontRef idx="minor">
-            <a:schemeClr val="lt1"/>
-          </a:fontRef>
-        </p:style>
-        <p:txBody>
-          <a:bodyPr rtlCol="0" anchor="ctr"/>
-          <a:lstStyle/>
-          <a:p>
-            <a:pPr algn="ctr"/>
-            <a:endParaRPr lang="en-US"/>
-          </a:p>
-        </p:txBody>
-      </p:sp>
-      <p:sp>
-        <p:nvSpPr>
-          <p:cNvPr id="3" name="Rectangle 2"/>
-          <p:cNvSpPr/>
-          <p:nvPr/>
-        </p:nvSpPr>
-        <p:spPr>
-          <a:xfrm>
-            <a:off x="0" y="0"/>
-            <a:ext cx="10040471" cy="127000"/>
-          </a:xfrm>
-          <a:prstGeom prst="rect">
-            <a:avLst/>
-          </a:prstGeom>
-          <a:solidFill>
-            <a:srgbClr val="7227BC"/>
-          </a:solidFill>
-          <a:ln w="12700" cap="flat" cmpd="sng" algn="ctr">
-            <a:noFill/>
-            <a:prstDash val="solid"/>
-            <a:miter lim="800000"/>
-          </a:ln>
-          <a:effectLst/>
-          <a:extLst>
-            <a:ext uri="{91240B29-F687-4F45-9708-019B960494DF}">
-              <a14:hiddenLine xmlns:a14="http://schemas.microsoft.com/office/drawing/2010/main" w="12700" cap="flat" cmpd="sng" algn="ctr">
-                <a:solidFill>
-                  <a:schemeClr val="accent1">
-                    <a:shade val="50000"/>
-                  </a:schemeClr>
-                </a:solidFill>
-                <a:prstDash val="solid"/>
-                <a:miter lim="800000"/>
-              </a14:hiddenLine>
-            </a:ext>
-          </a:extLst>
-        </p:spPr>
-        <p:style>
-          <a:lnRef idx="2">
-            <a:schemeClr val="accent1">
-              <a:shade val="50000"/>
-            </a:schemeClr>
-          </a:lnRef>
-          <a:fillRef idx="1">
-            <a:schemeClr val="accent1"/>
-          </a:fillRef>
-          <a:effectRef idx="0">
-            <a:schemeClr val="accent1"/>
-          </a:effectRef>
-          <a:fontRef idx="minor">
-            <a:schemeClr val="lt1"/>
-          </a:fontRef>
-        </p:style>
-        <p:txBody>
-          <a:bodyPr rtlCol="0" anchor="ctr"/>
-          <a:lstStyle/>
-          <a:p>
-            <a:pPr algn="ctr"/>
-            <a:endParaRPr lang="en-US"/>
-          </a:p>
-        </p:txBody>
-      </p:sp>
-      <p:sp>
-        <p:nvSpPr>
-          <p:cNvPr id="6" name="Rectangle 5"/>
-          <p:cNvSpPr/>
-          <p:nvPr/>
-        </p:nvSpPr>
-        <p:spPr>
-          <a:xfrm>
-            <a:off x="0" y="0"/>
-            <a:ext cx="9975273" cy="127000"/>
-          </a:xfrm>
-          <a:prstGeom prst="rect">
-            <a:avLst/>
-          </a:prstGeom>
-          <a:solidFill>
-            <a:srgbClr val="7227BC"/>
-          </a:solidFill>
-          <a:ln w="12700" cap="flat" cmpd="sng" algn="ctr">
-            <a:noFill/>
-            <a:prstDash val="solid"/>
-            <a:miter lim="800000"/>
-          </a:ln>
-          <a:effectLst/>
-          <a:extLst>
-            <a:ext uri="{91240B29-F687-4F45-9708-019B960494DF}">
-              <a14:hiddenLine xmlns:a14="http://schemas.microsoft.com/office/drawing/2010/main" w="12700" cap="flat" cmpd="sng" algn="ctr">
-                <a:solidFill>
-                  <a:schemeClr val="accent1">
-                    <a:shade val="50000"/>
-                  </a:schemeClr>
-                </a:solidFill>
-                <a:prstDash val="solid"/>
-                <a:miter lim="800000"/>
-              </a14:hiddenLine>
-            </a:ext>
-          </a:extLst>
-        </p:spPr>
-        <p:style>
-          <a:lnRef idx="2">
-            <a:schemeClr val="accent1">
-              <a:shade val="50000"/>
-            </a:schemeClr>
-          </a:lnRef>
-          <a:fillRef idx="1">
-            <a:schemeClr val="accent1"/>
-          </a:fillRef>
-          <a:effectRef idx="0">
-            <a:schemeClr val="accent1"/>
-          </a:effectRef>
-          <a:fontRef idx="minor">
-            <a:schemeClr val="lt1"/>
-          </a:fontRef>
-        </p:style>
-        <p:txBody>
-          <a:bodyPr rtlCol="0" anchor="ctr"/>
-          <a:lstStyle/>
-          <a:p>
-            <a:pPr algn="ctr"/>
-            <a:endParaRPr lang="en-US"/>
-          </a:p>
-        </p:txBody>
-      </p:sp>
-    </p:spTree>
-    <p:extLst>
-      <p:ext uri="{BB962C8B-B14F-4D97-AF65-F5344CB8AC3E}">
-        <p14:creationId xmlns:p14="http://schemas.microsoft.com/office/powerpoint/2010/main" val="3405633137"/>
-      </p:ext>
-    </p:extLst>
-  </p:cSld>
-  <p:clrMapOvr>
-    <a:masterClrMapping/>
-  </p:clrMapOvr>
-</p:sld>
-</file>
-
-<file path=ppt/slides/slide28.xml><?xml version="1.0" encoding="utf-8"?>
+<file path=ppt/slides/slide26.xml><?xml version="1.0" encoding="utf-8"?>
 <p:sld xmlns:a="http://schemas.openxmlformats.org/drawingml/2006/main" xmlns:r="http://schemas.openxmlformats.org/officeDocument/2006/relationships" xmlns:p="http://schemas.openxmlformats.org/presentationml/2006/main">
   <p:cSld>
     <p:spTree>
@@ -11663,7 +10838,7 @@
 </p:sld>
 </file>
 
-<file path=ppt/slides/slide29.xml><?xml version="1.0" encoding="utf-8"?>
+<file path=ppt/slides/slide27.xml><?xml version="1.0" encoding="utf-8"?>
 <p:sld xmlns:a="http://schemas.openxmlformats.org/drawingml/2006/main" xmlns:r="http://schemas.openxmlformats.org/officeDocument/2006/relationships" xmlns:p="http://schemas.openxmlformats.org/presentationml/2006/main">
   <p:cSld>
     <p:spTree>
@@ -11725,7 +10900,7 @@
           <a:p>
             <a:r>
               <a:rPr lang="en-US" dirty="0"/>
-              <a:t>Chat at the coffee machine</a:t>
+              <a:t>Meet new people at the coffee machine</a:t>
             </a:r>
           </a:p>
           <a:p>
@@ -11986,6 +11161,621 @@
 </p:sld>
 </file>
 
+<file path=ppt/slides/slide28.xml><?xml version="1.0" encoding="utf-8"?>
+<p:sld xmlns:a="http://schemas.openxmlformats.org/drawingml/2006/main" xmlns:r="http://schemas.openxmlformats.org/officeDocument/2006/relationships" xmlns:p="http://schemas.openxmlformats.org/presentationml/2006/main">
+  <p:cSld>
+    <p:spTree>
+      <p:nvGrpSpPr>
+        <p:cNvPr id="1" name=""/>
+        <p:cNvGrpSpPr/>
+        <p:nvPr/>
+      </p:nvGrpSpPr>
+      <p:grpSpPr>
+        <a:xfrm>
+          <a:off x="0" y="0"/>
+          <a:ext cx="0" cy="0"/>
+          <a:chOff x="0" y="0"/>
+          <a:chExt cx="0" cy="0"/>
+        </a:xfrm>
+      </p:grpSpPr>
+      <p:sp>
+        <p:nvSpPr>
+          <p:cNvPr id="2" name="Text Placeholder 1"/>
+          <p:cNvSpPr>
+            <a:spLocks noGrp="1"/>
+          </p:cNvSpPr>
+          <p:nvPr>
+            <p:ph type="body" sz="quarter" idx="10"/>
+          </p:nvPr>
+        </p:nvSpPr>
+        <p:spPr/>
+        <p:txBody>
+          <a:bodyPr/>
+          <a:lstStyle/>
+          <a:p>
+            <a:pPr marL="342900" indent="-342900">
+              <a:buFont typeface="Arial" panose="020B0604020202020204" pitchFamily="34" charset="0"/>
+              <a:buChar char="•"/>
+            </a:pPr>
+            <a:r>
+              <a:rPr lang="en-US" dirty="0"/>
+              <a:t>Imagine if the people we spend the most time with every day shared their perspective and advice about how we each could improve?  </a:t>
+            </a:r>
+          </a:p>
+          <a:p>
+            <a:pPr marL="342900" indent="-342900">
+              <a:buFont typeface="Arial" panose="020B0604020202020204" pitchFamily="34" charset="0"/>
+              <a:buChar char="•"/>
+            </a:pPr>
+            <a:endParaRPr lang="en-US" dirty="0"/>
+          </a:p>
+        </p:txBody>
+      </p:sp>
+      <p:sp>
+        <p:nvSpPr>
+          <p:cNvPr id="3" name="Title 2"/>
+          <p:cNvSpPr>
+            <a:spLocks noGrp="1"/>
+          </p:cNvSpPr>
+          <p:nvPr>
+            <p:ph type="title"/>
+          </p:nvPr>
+        </p:nvSpPr>
+        <p:spPr/>
+        <p:txBody>
+          <a:bodyPr/>
+          <a:lstStyle/>
+          <a:p>
+            <a:r>
+              <a:rPr lang="en-US" dirty="0"/>
+              <a:t>Mutual Coaching</a:t>
+            </a:r>
+          </a:p>
+        </p:txBody>
+      </p:sp>
+      <p:sp>
+        <p:nvSpPr>
+          <p:cNvPr id="4" name="Rectangle 3"/>
+          <p:cNvSpPr/>
+          <p:nvPr/>
+        </p:nvSpPr>
+        <p:spPr>
+          <a:xfrm>
+            <a:off x="0" y="0"/>
+            <a:ext cx="11116235" cy="127000"/>
+          </a:xfrm>
+          <a:prstGeom prst="rect">
+            <a:avLst/>
+          </a:prstGeom>
+          <a:solidFill>
+            <a:srgbClr val="17375E"/>
+          </a:solidFill>
+          <a:ln w="12700" cap="flat" cmpd="sng" algn="ctr">
+            <a:noFill/>
+            <a:prstDash val="solid"/>
+            <a:miter lim="800000"/>
+          </a:ln>
+          <a:effectLst/>
+          <a:extLst>
+            <a:ext uri="{91240B29-F687-4F45-9708-019B960494DF}">
+              <a14:hiddenLine xmlns:a14="http://schemas.microsoft.com/office/drawing/2010/main" w="12700" cap="flat" cmpd="sng" algn="ctr">
+                <a:solidFill>
+                  <a:schemeClr val="accent1">
+                    <a:shade val="50000"/>
+                  </a:schemeClr>
+                </a:solidFill>
+                <a:prstDash val="solid"/>
+                <a:miter lim="800000"/>
+              </a14:hiddenLine>
+            </a:ext>
+          </a:extLst>
+        </p:spPr>
+        <p:style>
+          <a:lnRef idx="2">
+            <a:schemeClr val="accent1">
+              <a:shade val="50000"/>
+            </a:schemeClr>
+          </a:lnRef>
+          <a:fillRef idx="1">
+            <a:schemeClr val="accent1"/>
+          </a:fillRef>
+          <a:effectRef idx="0">
+            <a:schemeClr val="accent1"/>
+          </a:effectRef>
+          <a:fontRef idx="minor">
+            <a:schemeClr val="lt1"/>
+          </a:fontRef>
+        </p:style>
+        <p:txBody>
+          <a:bodyPr rtlCol="0" anchor="ctr"/>
+          <a:lstStyle/>
+          <a:p>
+            <a:pPr algn="ctr"/>
+            <a:endParaRPr lang="en-US"/>
+          </a:p>
+        </p:txBody>
+      </p:sp>
+      <p:sp>
+        <p:nvSpPr>
+          <p:cNvPr id="5" name="Rectangle 4"/>
+          <p:cNvSpPr/>
+          <p:nvPr/>
+        </p:nvSpPr>
+        <p:spPr>
+          <a:xfrm>
+            <a:off x="0" y="0"/>
+            <a:ext cx="11116235" cy="127000"/>
+          </a:xfrm>
+          <a:prstGeom prst="rect">
+            <a:avLst/>
+          </a:prstGeom>
+          <a:solidFill>
+            <a:srgbClr val="7227BC"/>
+          </a:solidFill>
+          <a:ln w="12700" cap="flat" cmpd="sng" algn="ctr">
+            <a:noFill/>
+            <a:prstDash val="solid"/>
+            <a:miter lim="800000"/>
+          </a:ln>
+          <a:effectLst/>
+          <a:extLst>
+            <a:ext uri="{91240B29-F687-4F45-9708-019B960494DF}">
+              <a14:hiddenLine xmlns:a14="http://schemas.microsoft.com/office/drawing/2010/main" w="12700" cap="flat" cmpd="sng" algn="ctr">
+                <a:solidFill>
+                  <a:schemeClr val="accent1">
+                    <a:shade val="50000"/>
+                  </a:schemeClr>
+                </a:solidFill>
+                <a:prstDash val="solid"/>
+                <a:miter lim="800000"/>
+              </a14:hiddenLine>
+            </a:ext>
+          </a:extLst>
+        </p:spPr>
+        <p:style>
+          <a:lnRef idx="2">
+            <a:schemeClr val="accent1">
+              <a:shade val="50000"/>
+            </a:schemeClr>
+          </a:lnRef>
+          <a:fillRef idx="1">
+            <a:schemeClr val="accent1"/>
+          </a:fillRef>
+          <a:effectRef idx="0">
+            <a:schemeClr val="accent1"/>
+          </a:effectRef>
+          <a:fontRef idx="minor">
+            <a:schemeClr val="lt1"/>
+          </a:fontRef>
+        </p:style>
+        <p:txBody>
+          <a:bodyPr rtlCol="0" anchor="ctr"/>
+          <a:lstStyle/>
+          <a:p>
+            <a:pPr algn="ctr"/>
+            <a:endParaRPr lang="en-US"/>
+          </a:p>
+        </p:txBody>
+      </p:sp>
+      <p:sp>
+        <p:nvSpPr>
+          <p:cNvPr id="6" name="Rectangle 5"/>
+          <p:cNvSpPr/>
+          <p:nvPr/>
+        </p:nvSpPr>
+        <p:spPr>
+          <a:xfrm>
+            <a:off x="0" y="0"/>
+            <a:ext cx="11083637" cy="127000"/>
+          </a:xfrm>
+          <a:prstGeom prst="rect">
+            <a:avLst/>
+          </a:prstGeom>
+          <a:solidFill>
+            <a:srgbClr val="7227BC"/>
+          </a:solidFill>
+          <a:ln w="12700" cap="flat" cmpd="sng" algn="ctr">
+            <a:noFill/>
+            <a:prstDash val="solid"/>
+            <a:miter lim="800000"/>
+          </a:ln>
+          <a:effectLst/>
+          <a:extLst>
+            <a:ext uri="{91240B29-F687-4F45-9708-019B960494DF}">
+              <a14:hiddenLine xmlns:a14="http://schemas.microsoft.com/office/drawing/2010/main" w="12700" cap="flat" cmpd="sng" algn="ctr">
+                <a:solidFill>
+                  <a:schemeClr val="accent1">
+                    <a:shade val="50000"/>
+                  </a:schemeClr>
+                </a:solidFill>
+                <a:prstDash val="solid"/>
+                <a:miter lim="800000"/>
+              </a14:hiddenLine>
+            </a:ext>
+          </a:extLst>
+        </p:spPr>
+        <p:style>
+          <a:lnRef idx="2">
+            <a:schemeClr val="accent1">
+              <a:shade val="50000"/>
+            </a:schemeClr>
+          </a:lnRef>
+          <a:fillRef idx="1">
+            <a:schemeClr val="accent1"/>
+          </a:fillRef>
+          <a:effectRef idx="0">
+            <a:schemeClr val="accent1"/>
+          </a:effectRef>
+          <a:fontRef idx="minor">
+            <a:schemeClr val="lt1"/>
+          </a:fontRef>
+        </p:style>
+        <p:txBody>
+          <a:bodyPr rtlCol="0" anchor="ctr"/>
+          <a:lstStyle/>
+          <a:p>
+            <a:pPr algn="ctr"/>
+            <a:endParaRPr lang="en-US"/>
+          </a:p>
+        </p:txBody>
+      </p:sp>
+    </p:spTree>
+    <p:extLst>
+      <p:ext uri="{BB962C8B-B14F-4D97-AF65-F5344CB8AC3E}">
+        <p14:creationId xmlns:p14="http://schemas.microsoft.com/office/powerpoint/2010/main" val="2528233129"/>
+      </p:ext>
+    </p:extLst>
+  </p:cSld>
+  <p:clrMapOvr>
+    <a:masterClrMapping/>
+  </p:clrMapOvr>
+</p:sld>
+</file>
+
+<file path=ppt/slides/slide29.xml><?xml version="1.0" encoding="utf-8"?>
+<p:sld xmlns:a="http://schemas.openxmlformats.org/drawingml/2006/main" xmlns:r="http://schemas.openxmlformats.org/officeDocument/2006/relationships" xmlns:p="http://schemas.openxmlformats.org/presentationml/2006/main">
+  <p:cSld>
+    <p:spTree>
+      <p:nvGrpSpPr>
+        <p:cNvPr id="1" name=""/>
+        <p:cNvGrpSpPr/>
+        <p:nvPr/>
+      </p:nvGrpSpPr>
+      <p:grpSpPr>
+        <a:xfrm>
+          <a:off x="0" y="0"/>
+          <a:ext cx="0" cy="0"/>
+          <a:chOff x="0" y="0"/>
+          <a:chExt cx="0" cy="0"/>
+        </a:xfrm>
+      </p:grpSpPr>
+      <p:sp>
+        <p:nvSpPr>
+          <p:cNvPr id="2" name="Text Placeholder 1"/>
+          <p:cNvSpPr>
+            <a:spLocks noGrp="1"/>
+          </p:cNvSpPr>
+          <p:nvPr>
+            <p:ph type="body" sz="quarter" idx="10"/>
+          </p:nvPr>
+        </p:nvSpPr>
+        <p:spPr>
+          <a:xfrm>
+            <a:off x="366211" y="1288974"/>
+            <a:ext cx="11301371" cy="4992770"/>
+          </a:xfrm>
+        </p:spPr>
+        <p:txBody>
+          <a:bodyPr/>
+          <a:lstStyle/>
+          <a:p>
+            <a:pPr marL="342900" indent="-342900">
+              <a:buFont typeface="Arial" panose="020B0604020202020204" pitchFamily="34" charset="0"/>
+              <a:buChar char="•"/>
+            </a:pPr>
+            <a:r>
+              <a:rPr lang="en-US" sz="2800" dirty="0"/>
+              <a:t>Harvesting Feedback</a:t>
+            </a:r>
+          </a:p>
+          <a:p>
+            <a:pPr lvl="1" indent="-342900"/>
+            <a:r>
+              <a:rPr lang="en-US" sz="2500" dirty="0"/>
+              <a:t>Make it easy</a:t>
+            </a:r>
+          </a:p>
+          <a:p>
+            <a:pPr lvl="1" indent="-342900"/>
+            <a:r>
+              <a:rPr lang="en-US" sz="2500" dirty="0"/>
+              <a:t>Be interested.  Be engaged.  Don’t argue.  Ask for clarification or examples. </a:t>
+            </a:r>
+          </a:p>
+          <a:p>
+            <a:pPr lvl="1" indent="-342900"/>
+            <a:r>
+              <a:rPr lang="en-US" sz="2500" dirty="0"/>
+              <a:t>Say thank you, and mean it.</a:t>
+            </a:r>
+          </a:p>
+          <a:p>
+            <a:pPr lvl="1" indent="-342900"/>
+            <a:r>
+              <a:rPr lang="en-US" sz="2500" dirty="0"/>
+              <a:t>Give credit</a:t>
+            </a:r>
+          </a:p>
+          <a:p>
+            <a:endParaRPr lang="en-US" sz="2800" dirty="0"/>
+          </a:p>
+          <a:p>
+            <a:r>
+              <a:rPr lang="en-US" sz="2800" dirty="0"/>
+              <a:t>Planting Feedback</a:t>
+            </a:r>
+          </a:p>
+          <a:p>
+            <a:pPr lvl="1" indent="-342900"/>
+            <a:r>
+              <a:rPr lang="en-US" sz="2500" dirty="0"/>
+              <a:t>Share positive feedback every day (but be real)</a:t>
+            </a:r>
+          </a:p>
+          <a:p>
+            <a:pPr lvl="1" indent="-342900"/>
+            <a:r>
+              <a:rPr lang="en-US" sz="2500" dirty="0"/>
+              <a:t>Practice giving constructive feedback</a:t>
+            </a:r>
+          </a:p>
+          <a:p>
+            <a:pPr lvl="1" indent="-342900"/>
+            <a:r>
+              <a:rPr lang="en-US" sz="2500" dirty="0"/>
+              <a:t>Give examples</a:t>
+            </a:r>
+          </a:p>
+          <a:p>
+            <a:pPr lvl="1" indent="-342900"/>
+            <a:r>
+              <a:rPr lang="en-US" sz="2500" dirty="0"/>
+              <a:t>Be unambiguous about constructive feedback – don’t sugar coat</a:t>
+            </a:r>
+          </a:p>
+          <a:p>
+            <a:pPr lvl="1" indent="-342900"/>
+            <a:r>
+              <a:rPr lang="en-US" sz="2500" dirty="0"/>
+              <a:t>Start small</a:t>
+            </a:r>
+          </a:p>
+          <a:p>
+            <a:endParaRPr lang="en-US" dirty="0"/>
+          </a:p>
+        </p:txBody>
+      </p:sp>
+      <p:sp>
+        <p:nvSpPr>
+          <p:cNvPr id="3" name="Title 2"/>
+          <p:cNvSpPr>
+            <a:spLocks noGrp="1"/>
+          </p:cNvSpPr>
+          <p:nvPr>
+            <p:ph type="title"/>
+          </p:nvPr>
+        </p:nvSpPr>
+        <p:spPr/>
+        <p:txBody>
+          <a:bodyPr/>
+          <a:lstStyle/>
+          <a:p>
+            <a:r>
+              <a:rPr lang="en-US" dirty="0"/>
+              <a:t>Mutual Coaching</a:t>
+            </a:r>
+          </a:p>
+        </p:txBody>
+      </p:sp>
+      <p:sp>
+        <p:nvSpPr>
+          <p:cNvPr id="4" name="Rectangle 3"/>
+          <p:cNvSpPr/>
+          <p:nvPr/>
+        </p:nvSpPr>
+        <p:spPr>
+          <a:xfrm>
+            <a:off x="0" y="0"/>
+            <a:ext cx="11474824" cy="127000"/>
+          </a:xfrm>
+          <a:prstGeom prst="rect">
+            <a:avLst/>
+          </a:prstGeom>
+          <a:solidFill>
+            <a:srgbClr val="17375E"/>
+          </a:solidFill>
+          <a:ln w="12700" cap="flat" cmpd="sng" algn="ctr">
+            <a:noFill/>
+            <a:prstDash val="solid"/>
+            <a:miter lim="800000"/>
+          </a:ln>
+          <a:effectLst/>
+          <a:extLst>
+            <a:ext uri="{91240B29-F687-4F45-9708-019B960494DF}">
+              <a14:hiddenLine xmlns:a14="http://schemas.microsoft.com/office/drawing/2010/main" w="12700" cap="flat" cmpd="sng" algn="ctr">
+                <a:solidFill>
+                  <a:schemeClr val="accent1">
+                    <a:shade val="50000"/>
+                  </a:schemeClr>
+                </a:solidFill>
+                <a:prstDash val="solid"/>
+                <a:miter lim="800000"/>
+              </a14:hiddenLine>
+            </a:ext>
+          </a:extLst>
+        </p:spPr>
+        <p:style>
+          <a:lnRef idx="2">
+            <a:schemeClr val="accent1">
+              <a:shade val="50000"/>
+            </a:schemeClr>
+          </a:lnRef>
+          <a:fillRef idx="1">
+            <a:schemeClr val="accent1"/>
+          </a:fillRef>
+          <a:effectRef idx="0">
+            <a:schemeClr val="accent1"/>
+          </a:effectRef>
+          <a:fontRef idx="minor">
+            <a:schemeClr val="lt1"/>
+          </a:fontRef>
+        </p:style>
+        <p:txBody>
+          <a:bodyPr rtlCol="0" anchor="ctr"/>
+          <a:lstStyle/>
+          <a:p>
+            <a:pPr algn="ctr"/>
+            <a:endParaRPr lang="en-US"/>
+          </a:p>
+        </p:txBody>
+      </p:sp>
+      <p:sp>
+        <p:nvSpPr>
+          <p:cNvPr id="5" name="Rectangle 4"/>
+          <p:cNvSpPr/>
+          <p:nvPr/>
+        </p:nvSpPr>
+        <p:spPr>
+          <a:xfrm>
+            <a:off x="0" y="0"/>
+            <a:ext cx="11474824" cy="127000"/>
+          </a:xfrm>
+          <a:prstGeom prst="rect">
+            <a:avLst/>
+          </a:prstGeom>
+          <a:solidFill>
+            <a:srgbClr val="7227BC"/>
+          </a:solidFill>
+          <a:ln w="12700" cap="flat" cmpd="sng" algn="ctr">
+            <a:noFill/>
+            <a:prstDash val="solid"/>
+            <a:miter lim="800000"/>
+          </a:ln>
+          <a:effectLst/>
+          <a:extLst>
+            <a:ext uri="{91240B29-F687-4F45-9708-019B960494DF}">
+              <a14:hiddenLine xmlns:a14="http://schemas.microsoft.com/office/drawing/2010/main" w="12700" cap="flat" cmpd="sng" algn="ctr">
+                <a:solidFill>
+                  <a:schemeClr val="accent1">
+                    <a:shade val="50000"/>
+                  </a:schemeClr>
+                </a:solidFill>
+                <a:prstDash val="solid"/>
+                <a:miter lim="800000"/>
+              </a14:hiddenLine>
+            </a:ext>
+          </a:extLst>
+        </p:spPr>
+        <p:style>
+          <a:lnRef idx="2">
+            <a:schemeClr val="accent1">
+              <a:shade val="50000"/>
+            </a:schemeClr>
+          </a:lnRef>
+          <a:fillRef idx="1">
+            <a:schemeClr val="accent1"/>
+          </a:fillRef>
+          <a:effectRef idx="0">
+            <a:schemeClr val="accent1"/>
+          </a:effectRef>
+          <a:fontRef idx="minor">
+            <a:schemeClr val="lt1"/>
+          </a:fontRef>
+        </p:style>
+        <p:txBody>
+          <a:bodyPr rtlCol="0" anchor="ctr"/>
+          <a:lstStyle/>
+          <a:p>
+            <a:pPr algn="ctr"/>
+            <a:endParaRPr lang="en-US"/>
+          </a:p>
+        </p:txBody>
+      </p:sp>
+      <p:sp>
+        <p:nvSpPr>
+          <p:cNvPr id="6" name="Rectangle 5"/>
+          <p:cNvSpPr/>
+          <p:nvPr/>
+        </p:nvSpPr>
+        <p:spPr>
+          <a:xfrm>
+            <a:off x="0" y="0"/>
+            <a:ext cx="11453091" cy="127000"/>
+          </a:xfrm>
+          <a:prstGeom prst="rect">
+            <a:avLst/>
+          </a:prstGeom>
+          <a:solidFill>
+            <a:srgbClr val="7227BC"/>
+          </a:solidFill>
+          <a:ln w="12700" cap="flat" cmpd="sng" algn="ctr">
+            <a:noFill/>
+            <a:prstDash val="solid"/>
+            <a:miter lim="800000"/>
+          </a:ln>
+          <a:effectLst/>
+          <a:extLst>
+            <a:ext uri="{91240B29-F687-4F45-9708-019B960494DF}">
+              <a14:hiddenLine xmlns:a14="http://schemas.microsoft.com/office/drawing/2010/main" w="12700" cap="flat" cmpd="sng" algn="ctr">
+                <a:solidFill>
+                  <a:schemeClr val="accent1">
+                    <a:shade val="50000"/>
+                  </a:schemeClr>
+                </a:solidFill>
+                <a:prstDash val="solid"/>
+                <a:miter lim="800000"/>
+              </a14:hiddenLine>
+            </a:ext>
+          </a:extLst>
+        </p:spPr>
+        <p:style>
+          <a:lnRef idx="2">
+            <a:schemeClr val="accent1">
+              <a:shade val="50000"/>
+            </a:schemeClr>
+          </a:lnRef>
+          <a:fillRef idx="1">
+            <a:schemeClr val="accent1"/>
+          </a:fillRef>
+          <a:effectRef idx="0">
+            <a:schemeClr val="accent1"/>
+          </a:effectRef>
+          <a:fontRef idx="minor">
+            <a:schemeClr val="lt1"/>
+          </a:fontRef>
+        </p:style>
+        <p:txBody>
+          <a:bodyPr rtlCol="0" anchor="ctr"/>
+          <a:lstStyle/>
+          <a:p>
+            <a:pPr algn="ctr"/>
+            <a:endParaRPr lang="en-US"/>
+          </a:p>
+        </p:txBody>
+      </p:sp>
+    </p:spTree>
+    <p:extLst>
+      <p:ext uri="{BB962C8B-B14F-4D97-AF65-F5344CB8AC3E}">
+        <p14:creationId xmlns:p14="http://schemas.microsoft.com/office/powerpoint/2010/main" val="3258661815"/>
+      </p:ext>
+    </p:extLst>
+  </p:cSld>
+  <p:clrMapOvr>
+    <a:masterClrMapping/>
+  </p:clrMapOvr>
+</p:sld>
+</file>
+
 <file path=ppt/slides/slide3.xml><?xml version="1.0" encoding="utf-8"?>
 <p:sld xmlns:a="http://schemas.openxmlformats.org/drawingml/2006/main" xmlns:r="http://schemas.openxmlformats.org/officeDocument/2006/relationships" xmlns:p="http://schemas.openxmlformats.org/presentationml/2006/main">
   <p:cSld>
@@ -12040,13 +11830,7 @@
           <a:p>
             <a:r>
               <a:rPr lang="en-US" sz="3200" dirty="0"/>
-              <a:t>Let’s talk!</a:t>
-            </a:r>
-          </a:p>
-          <a:p>
-            <a:r>
-              <a:rPr lang="en-US" sz="3200" dirty="0"/>
-              <a:t>I’ve learned from lots of people, at D2L and elsewhere – I’ll try to cite sources, but apologies if I’ve missed any</a:t>
+              <a:t>Ideas from lots of people, at D2L and elsewhere</a:t>
             </a:r>
           </a:p>
           <a:p>
@@ -12310,627 +12094,12 @@
           <a:bodyPr/>
           <a:lstStyle/>
           <a:p>
-            <a:pPr marL="342900" indent="-342900">
-              <a:buFont typeface="Arial" panose="020B0604020202020204" pitchFamily="34" charset="0"/>
-              <a:buChar char="•"/>
-            </a:pPr>
-            <a:r>
-              <a:rPr lang="en-US" dirty="0"/>
-              <a:t>Imagine if the people we spend the most time with every day shared their perspective and advice about how we each could improve?  </a:t>
-            </a:r>
-          </a:p>
-          <a:p>
-            <a:pPr marL="342900" indent="-342900">
-              <a:buFont typeface="Arial" panose="020B0604020202020204" pitchFamily="34" charset="0"/>
-              <a:buChar char="•"/>
-            </a:pPr>
-            <a:endParaRPr lang="en-US" dirty="0"/>
-          </a:p>
-        </p:txBody>
-      </p:sp>
-      <p:sp>
-        <p:nvSpPr>
-          <p:cNvPr id="3" name="Title 2"/>
-          <p:cNvSpPr>
-            <a:spLocks noGrp="1"/>
-          </p:cNvSpPr>
-          <p:nvPr>
-            <p:ph type="title"/>
-          </p:nvPr>
-        </p:nvSpPr>
-        <p:spPr/>
-        <p:txBody>
-          <a:bodyPr/>
-          <a:lstStyle/>
-          <a:p>
-            <a:r>
-              <a:rPr lang="en-US" dirty="0"/>
-              <a:t>Mutual Coaching</a:t>
-            </a:r>
-          </a:p>
-        </p:txBody>
-      </p:sp>
-      <p:sp>
-        <p:nvSpPr>
-          <p:cNvPr id="4" name="Rectangle 3"/>
-          <p:cNvSpPr/>
-          <p:nvPr/>
-        </p:nvSpPr>
-        <p:spPr>
-          <a:xfrm>
-            <a:off x="0" y="0"/>
-            <a:ext cx="11116235" cy="127000"/>
-          </a:xfrm>
-          <a:prstGeom prst="rect">
-            <a:avLst/>
-          </a:prstGeom>
-          <a:solidFill>
-            <a:srgbClr val="17375E"/>
-          </a:solidFill>
-          <a:ln w="12700" cap="flat" cmpd="sng" algn="ctr">
-            <a:noFill/>
-            <a:prstDash val="solid"/>
-            <a:miter lim="800000"/>
-          </a:ln>
-          <a:effectLst/>
-          <a:extLst>
-            <a:ext uri="{91240B29-F687-4F45-9708-019B960494DF}">
-              <a14:hiddenLine xmlns:a14="http://schemas.microsoft.com/office/drawing/2010/main" w="12700" cap="flat" cmpd="sng" algn="ctr">
-                <a:solidFill>
-                  <a:schemeClr val="accent1">
-                    <a:shade val="50000"/>
-                  </a:schemeClr>
-                </a:solidFill>
-                <a:prstDash val="solid"/>
-                <a:miter lim="800000"/>
-              </a14:hiddenLine>
-            </a:ext>
-          </a:extLst>
-        </p:spPr>
-        <p:style>
-          <a:lnRef idx="2">
-            <a:schemeClr val="accent1">
-              <a:shade val="50000"/>
-            </a:schemeClr>
-          </a:lnRef>
-          <a:fillRef idx="1">
-            <a:schemeClr val="accent1"/>
-          </a:fillRef>
-          <a:effectRef idx="0">
-            <a:schemeClr val="accent1"/>
-          </a:effectRef>
-          <a:fontRef idx="minor">
-            <a:schemeClr val="lt1"/>
-          </a:fontRef>
-        </p:style>
-        <p:txBody>
-          <a:bodyPr rtlCol="0" anchor="ctr"/>
-          <a:lstStyle/>
-          <a:p>
-            <a:pPr algn="ctr"/>
-            <a:endParaRPr lang="en-US"/>
-          </a:p>
-        </p:txBody>
-      </p:sp>
-      <p:sp>
-        <p:nvSpPr>
-          <p:cNvPr id="5" name="Rectangle 4"/>
-          <p:cNvSpPr/>
-          <p:nvPr/>
-        </p:nvSpPr>
-        <p:spPr>
-          <a:xfrm>
-            <a:off x="0" y="0"/>
-            <a:ext cx="11116235" cy="127000"/>
-          </a:xfrm>
-          <a:prstGeom prst="rect">
-            <a:avLst/>
-          </a:prstGeom>
-          <a:solidFill>
-            <a:srgbClr val="7227BC"/>
-          </a:solidFill>
-          <a:ln w="12700" cap="flat" cmpd="sng" algn="ctr">
-            <a:noFill/>
-            <a:prstDash val="solid"/>
-            <a:miter lim="800000"/>
-          </a:ln>
-          <a:effectLst/>
-          <a:extLst>
-            <a:ext uri="{91240B29-F687-4F45-9708-019B960494DF}">
-              <a14:hiddenLine xmlns:a14="http://schemas.microsoft.com/office/drawing/2010/main" w="12700" cap="flat" cmpd="sng" algn="ctr">
-                <a:solidFill>
-                  <a:schemeClr val="accent1">
-                    <a:shade val="50000"/>
-                  </a:schemeClr>
-                </a:solidFill>
-                <a:prstDash val="solid"/>
-                <a:miter lim="800000"/>
-              </a14:hiddenLine>
-            </a:ext>
-          </a:extLst>
-        </p:spPr>
-        <p:style>
-          <a:lnRef idx="2">
-            <a:schemeClr val="accent1">
-              <a:shade val="50000"/>
-            </a:schemeClr>
-          </a:lnRef>
-          <a:fillRef idx="1">
-            <a:schemeClr val="accent1"/>
-          </a:fillRef>
-          <a:effectRef idx="0">
-            <a:schemeClr val="accent1"/>
-          </a:effectRef>
-          <a:fontRef idx="minor">
-            <a:schemeClr val="lt1"/>
-          </a:fontRef>
-        </p:style>
-        <p:txBody>
-          <a:bodyPr rtlCol="0" anchor="ctr"/>
-          <a:lstStyle/>
-          <a:p>
-            <a:pPr algn="ctr"/>
-            <a:endParaRPr lang="en-US"/>
-          </a:p>
-        </p:txBody>
-      </p:sp>
-      <p:sp>
-        <p:nvSpPr>
-          <p:cNvPr id="6" name="Rectangle 5"/>
-          <p:cNvSpPr/>
-          <p:nvPr/>
-        </p:nvSpPr>
-        <p:spPr>
-          <a:xfrm>
-            <a:off x="0" y="0"/>
-            <a:ext cx="11083637" cy="127000"/>
-          </a:xfrm>
-          <a:prstGeom prst="rect">
-            <a:avLst/>
-          </a:prstGeom>
-          <a:solidFill>
-            <a:srgbClr val="7227BC"/>
-          </a:solidFill>
-          <a:ln w="12700" cap="flat" cmpd="sng" algn="ctr">
-            <a:noFill/>
-            <a:prstDash val="solid"/>
-            <a:miter lim="800000"/>
-          </a:ln>
-          <a:effectLst/>
-          <a:extLst>
-            <a:ext uri="{91240B29-F687-4F45-9708-019B960494DF}">
-              <a14:hiddenLine xmlns:a14="http://schemas.microsoft.com/office/drawing/2010/main" w="12700" cap="flat" cmpd="sng" algn="ctr">
-                <a:solidFill>
-                  <a:schemeClr val="accent1">
-                    <a:shade val="50000"/>
-                  </a:schemeClr>
-                </a:solidFill>
-                <a:prstDash val="solid"/>
-                <a:miter lim="800000"/>
-              </a14:hiddenLine>
-            </a:ext>
-          </a:extLst>
-        </p:spPr>
-        <p:style>
-          <a:lnRef idx="2">
-            <a:schemeClr val="accent1">
-              <a:shade val="50000"/>
-            </a:schemeClr>
-          </a:lnRef>
-          <a:fillRef idx="1">
-            <a:schemeClr val="accent1"/>
-          </a:fillRef>
-          <a:effectRef idx="0">
-            <a:schemeClr val="accent1"/>
-          </a:effectRef>
-          <a:fontRef idx="minor">
-            <a:schemeClr val="lt1"/>
-          </a:fontRef>
-        </p:style>
-        <p:txBody>
-          <a:bodyPr rtlCol="0" anchor="ctr"/>
-          <a:lstStyle/>
-          <a:p>
-            <a:pPr algn="ctr"/>
-            <a:endParaRPr lang="en-US"/>
-          </a:p>
-        </p:txBody>
-      </p:sp>
-    </p:spTree>
-    <p:extLst>
-      <p:ext uri="{BB962C8B-B14F-4D97-AF65-F5344CB8AC3E}">
-        <p14:creationId xmlns:p14="http://schemas.microsoft.com/office/powerpoint/2010/main" val="2528233129"/>
-      </p:ext>
-    </p:extLst>
-  </p:cSld>
-  <p:clrMapOvr>
-    <a:masterClrMapping/>
-  </p:clrMapOvr>
-</p:sld>
-</file>
-
-<file path=ppt/slides/slide31.xml><?xml version="1.0" encoding="utf-8"?>
-<p:sld xmlns:a="http://schemas.openxmlformats.org/drawingml/2006/main" xmlns:r="http://schemas.openxmlformats.org/officeDocument/2006/relationships" xmlns:p="http://schemas.openxmlformats.org/presentationml/2006/main">
-  <p:cSld>
-    <p:spTree>
-      <p:nvGrpSpPr>
-        <p:cNvPr id="1" name=""/>
-        <p:cNvGrpSpPr/>
-        <p:nvPr/>
-      </p:nvGrpSpPr>
-      <p:grpSpPr>
-        <a:xfrm>
-          <a:off x="0" y="0"/>
-          <a:ext cx="0" cy="0"/>
-          <a:chOff x="0" y="0"/>
-          <a:chExt cx="0" cy="0"/>
-        </a:xfrm>
-      </p:grpSpPr>
-      <p:sp>
-        <p:nvSpPr>
-          <p:cNvPr id="2" name="Text Placeholder 1"/>
-          <p:cNvSpPr>
-            <a:spLocks noGrp="1"/>
-          </p:cNvSpPr>
-          <p:nvPr>
-            <p:ph type="body" sz="quarter" idx="10"/>
-          </p:nvPr>
-        </p:nvSpPr>
-        <p:spPr>
-          <a:xfrm>
-            <a:off x="366211" y="1288974"/>
-            <a:ext cx="11301371" cy="4992770"/>
-          </a:xfrm>
-        </p:spPr>
-        <p:txBody>
-          <a:bodyPr/>
-          <a:lstStyle/>
-          <a:p>
-            <a:pPr marL="342900" indent="-342900">
-              <a:buFont typeface="Arial" panose="020B0604020202020204" pitchFamily="34" charset="0"/>
-              <a:buChar char="•"/>
-            </a:pPr>
-            <a:r>
-              <a:rPr lang="en-US" sz="2800" dirty="0"/>
-              <a:t>Harvesting Feedback</a:t>
-            </a:r>
-          </a:p>
-          <a:p>
-            <a:pPr lvl="1" indent="-342900"/>
-            <a:r>
-              <a:rPr lang="en-US" sz="2500" dirty="0"/>
-              <a:t>Make it easy</a:t>
-            </a:r>
-          </a:p>
-          <a:p>
-            <a:pPr lvl="1" indent="-342900"/>
-            <a:r>
-              <a:rPr lang="en-US" sz="2500" dirty="0"/>
-              <a:t>Be interested.  Be engaged.  Don’t argue.  Ask for clarification or examples. </a:t>
-            </a:r>
-          </a:p>
-          <a:p>
-            <a:pPr lvl="1" indent="-342900"/>
-            <a:r>
-              <a:rPr lang="en-US" sz="2500" dirty="0"/>
-              <a:t>Say thank you, and mean it.</a:t>
-            </a:r>
-          </a:p>
-          <a:p>
-            <a:pPr lvl="1" indent="-342900"/>
-            <a:r>
-              <a:rPr lang="en-US" sz="2500" dirty="0"/>
-              <a:t>Give credit</a:t>
-            </a:r>
-          </a:p>
-          <a:p>
-            <a:endParaRPr lang="en-US" sz="2800" dirty="0"/>
-          </a:p>
-          <a:p>
-            <a:r>
-              <a:rPr lang="en-US" sz="2800" dirty="0"/>
-              <a:t>Planting Feedback</a:t>
-            </a:r>
-          </a:p>
-          <a:p>
-            <a:pPr lvl="1" indent="-342900"/>
-            <a:r>
-              <a:rPr lang="en-US" sz="2500" dirty="0"/>
-              <a:t>Share positive feedback every day (but be real)</a:t>
-            </a:r>
-          </a:p>
-          <a:p>
-            <a:pPr lvl="1" indent="-342900"/>
-            <a:r>
-              <a:rPr lang="en-US" sz="2500" dirty="0"/>
-              <a:t>Practice giving constructive feedback</a:t>
-            </a:r>
-          </a:p>
-          <a:p>
-            <a:pPr lvl="1" indent="-342900"/>
-            <a:r>
-              <a:rPr lang="en-US" sz="2500" dirty="0"/>
-              <a:t>Give examples</a:t>
-            </a:r>
-          </a:p>
-          <a:p>
-            <a:pPr lvl="1" indent="-342900"/>
-            <a:r>
-              <a:rPr lang="en-US" sz="2500" dirty="0"/>
-              <a:t>Be unambiguous about constructive feedback – don’t sugar coat</a:t>
-            </a:r>
-          </a:p>
-          <a:p>
-            <a:pPr lvl="1" indent="-342900"/>
-            <a:r>
-              <a:rPr lang="en-US" sz="2500" dirty="0"/>
-              <a:t>Start small</a:t>
-            </a:r>
-          </a:p>
-          <a:p>
-            <a:endParaRPr lang="en-US" dirty="0"/>
-          </a:p>
-        </p:txBody>
-      </p:sp>
-      <p:sp>
-        <p:nvSpPr>
-          <p:cNvPr id="3" name="Title 2"/>
-          <p:cNvSpPr>
-            <a:spLocks noGrp="1"/>
-          </p:cNvSpPr>
-          <p:nvPr>
-            <p:ph type="title"/>
-          </p:nvPr>
-        </p:nvSpPr>
-        <p:spPr/>
-        <p:txBody>
-          <a:bodyPr/>
-          <a:lstStyle/>
-          <a:p>
-            <a:r>
-              <a:rPr lang="en-US" dirty="0"/>
-              <a:t>Mutual Coaching</a:t>
-            </a:r>
-          </a:p>
-        </p:txBody>
-      </p:sp>
-      <p:sp>
-        <p:nvSpPr>
-          <p:cNvPr id="4" name="Rectangle 3"/>
-          <p:cNvSpPr/>
-          <p:nvPr/>
-        </p:nvSpPr>
-        <p:spPr>
-          <a:xfrm>
-            <a:off x="0" y="0"/>
-            <a:ext cx="11474824" cy="127000"/>
-          </a:xfrm>
-          <a:prstGeom prst="rect">
-            <a:avLst/>
-          </a:prstGeom>
-          <a:solidFill>
-            <a:srgbClr val="17375E"/>
-          </a:solidFill>
-          <a:ln w="12700" cap="flat" cmpd="sng" algn="ctr">
-            <a:noFill/>
-            <a:prstDash val="solid"/>
-            <a:miter lim="800000"/>
-          </a:ln>
-          <a:effectLst/>
-          <a:extLst>
-            <a:ext uri="{91240B29-F687-4F45-9708-019B960494DF}">
-              <a14:hiddenLine xmlns:a14="http://schemas.microsoft.com/office/drawing/2010/main" w="12700" cap="flat" cmpd="sng" algn="ctr">
-                <a:solidFill>
-                  <a:schemeClr val="accent1">
-                    <a:shade val="50000"/>
-                  </a:schemeClr>
-                </a:solidFill>
-                <a:prstDash val="solid"/>
-                <a:miter lim="800000"/>
-              </a14:hiddenLine>
-            </a:ext>
-          </a:extLst>
-        </p:spPr>
-        <p:style>
-          <a:lnRef idx="2">
-            <a:schemeClr val="accent1">
-              <a:shade val="50000"/>
-            </a:schemeClr>
-          </a:lnRef>
-          <a:fillRef idx="1">
-            <a:schemeClr val="accent1"/>
-          </a:fillRef>
-          <a:effectRef idx="0">
-            <a:schemeClr val="accent1"/>
-          </a:effectRef>
-          <a:fontRef idx="minor">
-            <a:schemeClr val="lt1"/>
-          </a:fontRef>
-        </p:style>
-        <p:txBody>
-          <a:bodyPr rtlCol="0" anchor="ctr"/>
-          <a:lstStyle/>
-          <a:p>
-            <a:pPr algn="ctr"/>
-            <a:endParaRPr lang="en-US"/>
-          </a:p>
-        </p:txBody>
-      </p:sp>
-      <p:sp>
-        <p:nvSpPr>
-          <p:cNvPr id="5" name="Rectangle 4"/>
-          <p:cNvSpPr/>
-          <p:nvPr/>
-        </p:nvSpPr>
-        <p:spPr>
-          <a:xfrm>
-            <a:off x="0" y="0"/>
-            <a:ext cx="11474824" cy="127000"/>
-          </a:xfrm>
-          <a:prstGeom prst="rect">
-            <a:avLst/>
-          </a:prstGeom>
-          <a:solidFill>
-            <a:srgbClr val="7227BC"/>
-          </a:solidFill>
-          <a:ln w="12700" cap="flat" cmpd="sng" algn="ctr">
-            <a:noFill/>
-            <a:prstDash val="solid"/>
-            <a:miter lim="800000"/>
-          </a:ln>
-          <a:effectLst/>
-          <a:extLst>
-            <a:ext uri="{91240B29-F687-4F45-9708-019B960494DF}">
-              <a14:hiddenLine xmlns:a14="http://schemas.microsoft.com/office/drawing/2010/main" w="12700" cap="flat" cmpd="sng" algn="ctr">
-                <a:solidFill>
-                  <a:schemeClr val="accent1">
-                    <a:shade val="50000"/>
-                  </a:schemeClr>
-                </a:solidFill>
-                <a:prstDash val="solid"/>
-                <a:miter lim="800000"/>
-              </a14:hiddenLine>
-            </a:ext>
-          </a:extLst>
-        </p:spPr>
-        <p:style>
-          <a:lnRef idx="2">
-            <a:schemeClr val="accent1">
-              <a:shade val="50000"/>
-            </a:schemeClr>
-          </a:lnRef>
-          <a:fillRef idx="1">
-            <a:schemeClr val="accent1"/>
-          </a:fillRef>
-          <a:effectRef idx="0">
-            <a:schemeClr val="accent1"/>
-          </a:effectRef>
-          <a:fontRef idx="minor">
-            <a:schemeClr val="lt1"/>
-          </a:fontRef>
-        </p:style>
-        <p:txBody>
-          <a:bodyPr rtlCol="0" anchor="ctr"/>
-          <a:lstStyle/>
-          <a:p>
-            <a:pPr algn="ctr"/>
-            <a:endParaRPr lang="en-US"/>
-          </a:p>
-        </p:txBody>
-      </p:sp>
-      <p:sp>
-        <p:nvSpPr>
-          <p:cNvPr id="6" name="Rectangle 5"/>
-          <p:cNvSpPr/>
-          <p:nvPr/>
-        </p:nvSpPr>
-        <p:spPr>
-          <a:xfrm>
-            <a:off x="0" y="0"/>
-            <a:ext cx="11453091" cy="127000"/>
-          </a:xfrm>
-          <a:prstGeom prst="rect">
-            <a:avLst/>
-          </a:prstGeom>
-          <a:solidFill>
-            <a:srgbClr val="7227BC"/>
-          </a:solidFill>
-          <a:ln w="12700" cap="flat" cmpd="sng" algn="ctr">
-            <a:noFill/>
-            <a:prstDash val="solid"/>
-            <a:miter lim="800000"/>
-          </a:ln>
-          <a:effectLst/>
-          <a:extLst>
-            <a:ext uri="{91240B29-F687-4F45-9708-019B960494DF}">
-              <a14:hiddenLine xmlns:a14="http://schemas.microsoft.com/office/drawing/2010/main" w="12700" cap="flat" cmpd="sng" algn="ctr">
-                <a:solidFill>
-                  <a:schemeClr val="accent1">
-                    <a:shade val="50000"/>
-                  </a:schemeClr>
-                </a:solidFill>
-                <a:prstDash val="solid"/>
-                <a:miter lim="800000"/>
-              </a14:hiddenLine>
-            </a:ext>
-          </a:extLst>
-        </p:spPr>
-        <p:style>
-          <a:lnRef idx="2">
-            <a:schemeClr val="accent1">
-              <a:shade val="50000"/>
-            </a:schemeClr>
-          </a:lnRef>
-          <a:fillRef idx="1">
-            <a:schemeClr val="accent1"/>
-          </a:fillRef>
-          <a:effectRef idx="0">
-            <a:schemeClr val="accent1"/>
-          </a:effectRef>
-          <a:fontRef idx="minor">
-            <a:schemeClr val="lt1"/>
-          </a:fontRef>
-        </p:style>
-        <p:txBody>
-          <a:bodyPr rtlCol="0" anchor="ctr"/>
-          <a:lstStyle/>
-          <a:p>
-            <a:pPr algn="ctr"/>
-            <a:endParaRPr lang="en-US"/>
-          </a:p>
-        </p:txBody>
-      </p:sp>
-    </p:spTree>
-    <p:extLst>
-      <p:ext uri="{BB962C8B-B14F-4D97-AF65-F5344CB8AC3E}">
-        <p14:creationId xmlns:p14="http://schemas.microsoft.com/office/powerpoint/2010/main" val="3258661815"/>
-      </p:ext>
-    </p:extLst>
-  </p:cSld>
-  <p:clrMapOvr>
-    <a:masterClrMapping/>
-  </p:clrMapOvr>
-</p:sld>
-</file>
-
-<file path=ppt/slides/slide32.xml><?xml version="1.0" encoding="utf-8"?>
-<p:sld xmlns:a="http://schemas.openxmlformats.org/drawingml/2006/main" xmlns:r="http://schemas.openxmlformats.org/officeDocument/2006/relationships" xmlns:p="http://schemas.openxmlformats.org/presentationml/2006/main">
-  <p:cSld>
-    <p:spTree>
-      <p:nvGrpSpPr>
-        <p:cNvPr id="1" name=""/>
-        <p:cNvGrpSpPr/>
-        <p:nvPr/>
-      </p:nvGrpSpPr>
-      <p:grpSpPr>
-        <a:xfrm>
-          <a:off x="0" y="0"/>
-          <a:ext cx="0" cy="0"/>
-          <a:chOff x="0" y="0"/>
-          <a:chExt cx="0" cy="0"/>
-        </a:xfrm>
-      </p:grpSpPr>
-      <p:sp>
-        <p:nvSpPr>
-          <p:cNvPr id="2" name="Text Placeholder 1"/>
-          <p:cNvSpPr>
-            <a:spLocks noGrp="1"/>
-          </p:cNvSpPr>
-          <p:nvPr>
-            <p:ph type="body" sz="quarter" idx="10"/>
-          </p:nvPr>
-        </p:nvSpPr>
-        <p:spPr/>
-        <p:txBody>
-          <a:bodyPr/>
-          <a:lstStyle/>
-          <a:p>
             <a:pPr marL="457200" indent="-457200">
               <a:buFont typeface="+mj-lt"/>
               <a:buAutoNum type="arabicPeriod"/>
             </a:pPr>
             <a:r>
-              <a:rPr lang="en-US" dirty="0"/>
+              <a:rPr lang="en-US" sz="2800" dirty="0"/>
               <a:t>Pick a thing you want to be better</a:t>
             </a:r>
           </a:p>
@@ -12940,7 +12109,7 @@
               <a:buAutoNum type="arabicPeriod"/>
             </a:pPr>
             <a:r>
-              <a:rPr lang="en-US" dirty="0"/>
+              <a:rPr lang="en-US" sz="2800" dirty="0"/>
               <a:t>What would good look like?</a:t>
             </a:r>
           </a:p>
@@ -12950,8 +12119,8 @@
               <a:buAutoNum type="arabicPeriod"/>
             </a:pPr>
             <a:r>
-              <a:rPr lang="en-US" dirty="0"/>
-              <a:t>What’s the next logical step toward achieving that good state?</a:t>
+              <a:rPr lang="en-US" sz="2800" dirty="0"/>
+              <a:t>What’s the next logical step to get there?</a:t>
             </a:r>
           </a:p>
           <a:p>
@@ -12960,15 +12129,15 @@
               <a:buAutoNum type="arabicPeriod"/>
             </a:pPr>
             <a:r>
-              <a:rPr lang="en-US" dirty="0"/>
-              <a:t>What action can you take?  (Proposal?  </a:t>
-            </a:r>
-            <a:r>
-              <a:rPr lang="en-US" dirty="0" err="1"/>
+              <a:rPr lang="en-US" sz="2800" dirty="0"/>
+              <a:t>What small action can you contribute to take that step?  (Proposal?  </a:t>
+            </a:r>
+            <a:r>
+              <a:rPr lang="en-US" sz="2800" dirty="0" err="1"/>
               <a:t>PoC+Demo</a:t>
             </a:r>
             <a:r>
-              <a:rPr lang="en-US" dirty="0"/>
+              <a:rPr lang="en-US" sz="2800" dirty="0"/>
               <a:t>?  …)</a:t>
             </a:r>
           </a:p>
@@ -13210,7 +12379,7 @@
 </p:sld>
 </file>
 
-<file path=ppt/slides/slide33.xml><?xml version="1.0" encoding="utf-8"?>
+<file path=ppt/slides/slide31.xml><?xml version="1.0" encoding="utf-8"?>
 <p:sld xmlns:a="http://schemas.openxmlformats.org/drawingml/2006/main" xmlns:r="http://schemas.openxmlformats.org/officeDocument/2006/relationships" xmlns:p="http://schemas.openxmlformats.org/presentationml/2006/main">
   <p:cSld>
     <p:spTree>
@@ -13998,11 +13167,11 @@
   <p:clrMapOvr>
     <a:masterClrMapping/>
   </p:clrMapOvr>
-  <mc:AlternateContent xmlns:mc="http://schemas.openxmlformats.org/markup-compatibility/2006">
-    <mc:Choice xmlns:p14="http://schemas.microsoft.com/office/powerpoint/2010/main" Requires="p14">
+  <mc:AlternateContent xmlns:mc="http://schemas.openxmlformats.org/markup-compatibility/2006" xmlns:p14="http://schemas.microsoft.com/office/powerpoint/2010/main">
+    <mc:Choice Requires="p14">
       <p:transition p14:dur="10"/>
     </mc:Choice>
-    <mc:Fallback>
+    <mc:Fallback xmlns="">
       <p:transition/>
     </mc:Fallback>
   </mc:AlternateContent>
@@ -14584,15 +13753,7 @@
             </a:pPr>
             <a:r>
               <a:rPr lang="en-US" sz="3200" dirty="0"/>
-              <a:t>Kobayashi </a:t>
-            </a:r>
-            <a:r>
-              <a:rPr lang="en-US" sz="3200" dirty="0" err="1"/>
-              <a:t>Maru</a:t>
-            </a:r>
-            <a:r>
-              <a:rPr lang="en-US" sz="3200" dirty="0"/>
-              <a:t> – change the rules / assumptions</a:t>
+              <a:t>Change the rules / assumptions</a:t>
             </a:r>
           </a:p>
           <a:p>
@@ -14603,18 +13764,6 @@
               <a:t>Watch for bias</a:t>
             </a:r>
             <a:endParaRPr lang="en-US" sz="3200" dirty="0"/>
-          </a:p>
-          <a:p>
-            <a:pPr marL="342900" indent="-342900">
-              <a:buFont typeface="Arial" panose="020B0604020202020204" pitchFamily="34" charset="0"/>
-              <a:buChar char="•"/>
-            </a:pPr>
-            <a:r>
-              <a:rPr lang="en-US" sz="3200" dirty="0">
-                <a:sym typeface="Wingdings" panose="05000000000000000000" pitchFamily="2" charset="2"/>
-              </a:rPr>
-              <a:t>Look for other benefits</a:t>
-            </a:r>
           </a:p>
         </p:txBody>
       </p:sp>
@@ -14959,7 +14108,7 @@
           <a:p>
             <a:r>
               <a:rPr lang="en-US" dirty="0"/>
-              <a:t>Write the press release</a:t>
+              <a:t>Write the Press Release</a:t>
             </a:r>
           </a:p>
         </p:txBody>
@@ -15240,7 +14389,7 @@
           <a:p>
             <a:r>
               <a:rPr lang="en-US" dirty="0"/>
-              <a:t>Do a pre-mortem</a:t>
+              <a:t>Do a Pre-mortem</a:t>
             </a:r>
           </a:p>
         </p:txBody>

--- a/InFusion2016 - Getting It Done - Jason Wood.pptx
+++ b/InFusion2016 - Getting It Done - Jason Wood.pptx
@@ -5,7 +5,7 @@
     <p:sldMasterId id="2147483810" r:id="rId1"/>
   </p:sldMasterIdLst>
   <p:notesMasterIdLst>
-    <p:notesMasterId r:id="rId33"/>
+    <p:notesMasterId r:id="rId30"/>
   </p:notesMasterIdLst>
   <p:sldIdLst>
     <p:sldId id="256" r:id="rId2"/>
@@ -27,18 +27,15 @@
     <p:sldId id="268" r:id="rId18"/>
     <p:sldId id="286" r:id="rId19"/>
     <p:sldId id="269" r:id="rId20"/>
-    <p:sldId id="290" r:id="rId21"/>
-    <p:sldId id="270" r:id="rId22"/>
-    <p:sldId id="272" r:id="rId23"/>
-    <p:sldId id="274" r:id="rId24"/>
-    <p:sldId id="299" r:id="rId25"/>
-    <p:sldId id="300" r:id="rId26"/>
-    <p:sldId id="278" r:id="rId27"/>
-    <p:sldId id="295" r:id="rId28"/>
-    <p:sldId id="279" r:id="rId29"/>
-    <p:sldId id="296" r:id="rId30"/>
-    <p:sldId id="275" r:id="rId31"/>
-    <p:sldId id="301" r:id="rId32"/>
+    <p:sldId id="270" r:id="rId21"/>
+    <p:sldId id="272" r:id="rId22"/>
+    <p:sldId id="274" r:id="rId23"/>
+    <p:sldId id="299" r:id="rId24"/>
+    <p:sldId id="300" r:id="rId25"/>
+    <p:sldId id="279" r:id="rId26"/>
+    <p:sldId id="296" r:id="rId27"/>
+    <p:sldId id="275" r:id="rId28"/>
+    <p:sldId id="301" r:id="rId29"/>
   </p:sldIdLst>
   <p:sldSz cx="12192000" cy="6858000"/>
   <p:notesSz cx="6858000" cy="9144000"/>
@@ -161,14 +158,11 @@
             <p14:sldId id="268"/>
             <p14:sldId id="286"/>
             <p14:sldId id="269"/>
-            <p14:sldId id="290"/>
             <p14:sldId id="270"/>
             <p14:sldId id="272"/>
             <p14:sldId id="274"/>
             <p14:sldId id="299"/>
             <p14:sldId id="300"/>
-            <p14:sldId id="278"/>
-            <p14:sldId id="295"/>
             <p14:sldId id="279"/>
             <p14:sldId id="296"/>
             <p14:sldId id="275"/>
@@ -1977,53 +1971,8 @@
           <a:p>
             <a:r>
               <a:rPr lang="en-US" dirty="0"/>
-              <a:t>It’s tempting to build forever.  We want to get to done, but can never finish the whole list.  How do we decide what to do and what not to?</a:t>
-            </a:r>
-          </a:p>
-          <a:p>
-            <a:endParaRPr lang="en-US" dirty="0"/>
-          </a:p>
-          <a:p>
-            <a:endParaRPr lang="en-US" dirty="0"/>
-          </a:p>
-          <a:p>
-            <a:r>
-              <a:rPr lang="en-US" sz="1200" dirty="0"/>
-              <a:t>Will we naturally find this work in the future with low pain?</a:t>
-            </a:r>
-          </a:p>
-          <a:p>
-            <a:r>
-              <a:rPr lang="en-US" sz="1200" dirty="0"/>
-              <a:t>Does this work align better with another project?</a:t>
-            </a:r>
-          </a:p>
-          <a:p>
-            <a:r>
-              <a:rPr lang="en-US" sz="1200" dirty="0"/>
-              <a:t>Will the work really make a difference to our metrics? </a:t>
-            </a:r>
-          </a:p>
-          <a:p>
-            <a:r>
-              <a:rPr lang="en-US" sz="1200" dirty="0"/>
-              <a:t>Will we be better positioned to tackle this work later?</a:t>
-            </a:r>
-          </a:p>
-          <a:p>
-            <a:r>
-              <a:rPr lang="en-US" sz="1200" dirty="0"/>
-              <a:t>Will it be expensive to re-learn knowledge we have today?</a:t>
-            </a:r>
-          </a:p>
-          <a:p>
-            <a:r>
-              <a:rPr lang="en-US" sz="1200" dirty="0"/>
-              <a:t>Is there a risk of permanently lost opportunity?</a:t>
-            </a:r>
-          </a:p>
-          <a:p>
-            <a:endParaRPr lang="en-US" dirty="0"/>
+              <a:t>Mantra from “Turn the Ship Around”</a:t>
+            </a:r>
           </a:p>
         </p:txBody>
       </p:sp>
@@ -2053,7 +2002,7 @@
     </p:spTree>
     <p:extLst>
       <p:ext uri="{BB962C8B-B14F-4D97-AF65-F5344CB8AC3E}">
-        <p14:creationId xmlns:p14="http://schemas.microsoft.com/office/powerpoint/2010/main" val="1954334986"/>
+        <p14:creationId xmlns:p14="http://schemas.microsoft.com/office/powerpoint/2010/main" val="2005465395"/>
       </p:ext>
     </p:extLst>
   </p:cSld>
@@ -2193,7 +2142,60 @@
           <a:p>
             <a:r>
               <a:rPr lang="en-US" dirty="0"/>
-              <a:t>Mantra from “Turn the Ship Around”</a:t>
+              <a:t>Answering</a:t>
+            </a:r>
+            <a:r>
+              <a:rPr lang="en-US" baseline="0" dirty="0"/>
+              <a:t> the latest email in your inbox is usually succumbing to </a:t>
+            </a:r>
+            <a:r>
+              <a:rPr lang="en-US" baseline="0" dirty="0" err="1"/>
+              <a:t>recency</a:t>
+            </a:r>
+            <a:r>
+              <a:rPr lang="en-US" baseline="0" dirty="0"/>
+              <a:t> bias</a:t>
+            </a:r>
+          </a:p>
+          <a:p>
+            <a:r>
+              <a:rPr lang="en-US" baseline="0" dirty="0"/>
+              <a:t>Dealing with the loudest thing is very reactive</a:t>
+            </a:r>
+          </a:p>
+          <a:p>
+            <a:r>
+              <a:rPr lang="en-US" baseline="0" dirty="0"/>
+              <a:t>The quickest thing to complete delivers a sense of satisfaction, but perhaps not justified.</a:t>
+            </a:r>
+          </a:p>
+          <a:p>
+            <a:endParaRPr lang="en-US" dirty="0"/>
+          </a:p>
+          <a:p>
+            <a:endParaRPr lang="en-US" dirty="0"/>
+          </a:p>
+          <a:p>
+            <a:r>
+              <a:rPr lang="en-US" dirty="0"/>
+              <a:t>Top 5 or</a:t>
+            </a:r>
+            <a:r>
+              <a:rPr lang="en-US" baseline="0" dirty="0"/>
+              <a:t> Top 1 requires strict discipline</a:t>
+            </a:r>
+            <a:endParaRPr lang="en-US" dirty="0"/>
+          </a:p>
+          <a:p>
+            <a:endParaRPr lang="en-US" dirty="0"/>
+          </a:p>
+          <a:p>
+            <a:endParaRPr lang="en-US" dirty="0"/>
+          </a:p>
+          <a:p>
+            <a:r>
+              <a:rPr lang="en-US" dirty="0"/>
+              <a:t>Can categorize to-do list by strategic and tactical</a:t>
             </a:r>
           </a:p>
         </p:txBody>
@@ -2215,7 +2217,7 @@
           <a:p>
             <a:fld id="{54165CF5-22A4-4BB9-BE26-FDB96183FE65}" type="slidenum">
               <a:rPr lang="en-US" smtClean="0"/>
-              <a:t>21</a:t>
+              <a:t>22</a:t>
             </a:fld>
             <a:endParaRPr lang="en-US"/>
           </a:p>
@@ -2224,7 +2226,7 @@
     </p:spTree>
     <p:extLst>
       <p:ext uri="{BB962C8B-B14F-4D97-AF65-F5344CB8AC3E}">
-        <p14:creationId xmlns:p14="http://schemas.microsoft.com/office/powerpoint/2010/main" val="2005465395"/>
+        <p14:creationId xmlns:p14="http://schemas.microsoft.com/office/powerpoint/2010/main" val="1482790445"/>
       </p:ext>
     </p:extLst>
   </p:cSld>
@@ -2280,60 +2282,16 @@
           <a:p>
             <a:r>
               <a:rPr lang="en-US" dirty="0"/>
-              <a:t>Answering</a:t>
-            </a:r>
-            <a:r>
-              <a:rPr lang="en-US" baseline="0" dirty="0"/>
-              <a:t> the latest email in your inbox is usually succumbing to </a:t>
-            </a:r>
-            <a:r>
-              <a:rPr lang="en-US" baseline="0" dirty="0" err="1"/>
-              <a:t>recency</a:t>
-            </a:r>
-            <a:r>
-              <a:rPr lang="en-US" baseline="0" dirty="0"/>
-              <a:t> bias</a:t>
-            </a:r>
-          </a:p>
-          <a:p>
-            <a:r>
-              <a:rPr lang="en-US" baseline="0" dirty="0"/>
-              <a:t>Dealing with the loudest thing is very reactive</a:t>
-            </a:r>
-          </a:p>
-          <a:p>
-            <a:r>
-              <a:rPr lang="en-US" baseline="0" dirty="0"/>
-              <a:t>The quickest thing to complete delivers a sense of satisfaction, but perhaps not justified.</a:t>
+              <a:t>Imagine if the people we spend the most time with every day shared their perspective and advice about how we each could improve?  And imagine if they did this in small, low stress, frequent chunks that helps us course-correct or get stronger continuously.  We could grow faster, and we could make more of a difference in the lives of people around us.</a:t>
             </a:r>
           </a:p>
           <a:p>
             <a:endParaRPr lang="en-US" dirty="0"/>
           </a:p>
           <a:p>
-            <a:endParaRPr lang="en-US" dirty="0"/>
-          </a:p>
-          <a:p>
             <a:r>
               <a:rPr lang="en-US" dirty="0"/>
-              <a:t>Top 5 or</a:t>
-            </a:r>
-            <a:r>
-              <a:rPr lang="en-US" baseline="0" dirty="0"/>
-              <a:t> Top 1 requires strict discipline</a:t>
-            </a:r>
-            <a:endParaRPr lang="en-US" dirty="0"/>
-          </a:p>
-          <a:p>
-            <a:endParaRPr lang="en-US" dirty="0"/>
-          </a:p>
-          <a:p>
-            <a:endParaRPr lang="en-US" dirty="0"/>
-          </a:p>
-          <a:p>
-            <a:r>
-              <a:rPr lang="en-US" dirty="0"/>
-              <a:t>Can categorize to-do list by strategic and tactical</a:t>
+              <a:t>Scary right?</a:t>
             </a:r>
           </a:p>
         </p:txBody>
@@ -2355,7 +2313,7 @@
           <a:p>
             <a:fld id="{54165CF5-22A4-4BB9-BE26-FDB96183FE65}" type="slidenum">
               <a:rPr lang="en-US" smtClean="0"/>
-              <a:t>23</a:t>
+              <a:t>25</a:t>
             </a:fld>
             <a:endParaRPr lang="en-US"/>
           </a:p>
@@ -2364,7 +2322,7 @@
     </p:spTree>
     <p:extLst>
       <p:ext uri="{BB962C8B-B14F-4D97-AF65-F5344CB8AC3E}">
-        <p14:creationId xmlns:p14="http://schemas.microsoft.com/office/powerpoint/2010/main" val="1482790445"/>
+        <p14:creationId xmlns:p14="http://schemas.microsoft.com/office/powerpoint/2010/main" val="2351349877"/>
       </p:ext>
     </p:extLst>
   </p:cSld>
@@ -2418,44 +2376,250 @@
           <a:bodyPr/>
           <a:lstStyle/>
           <a:p>
+            <a:pPr marL="0" marR="0" lvl="0" indent="0" algn="l" defTabSz="914400" rtl="0" eaLnBrk="1" fontAlgn="auto" latinLnBrk="0" hangingPunct="1">
+              <a:lnSpc>
+                <a:spcPct val="100000"/>
+              </a:lnSpc>
+              <a:spcBef>
+                <a:spcPts val="0"/>
+              </a:spcBef>
+              <a:spcAft>
+                <a:spcPts val="0"/>
+              </a:spcAft>
+              <a:buClrTx/>
+              <a:buSzTx/>
+              <a:buFontTx/>
+              <a:buNone/>
+              <a:tabLst/>
+              <a:defRPr/>
+            </a:pPr>
+            <a:r>
+              <a:rPr lang="en-US" b="1" dirty="0"/>
+              <a:t>So how do we get to the point we can do that?</a:t>
+            </a:r>
+          </a:p>
+          <a:p>
+            <a:endParaRPr lang="en-US" dirty="0"/>
+          </a:p>
+          <a:p>
             <a:r>
               <a:rPr lang="en-US" dirty="0"/>
-              <a:t>I used to think that networking was about cronyism</a:t>
+              <a:t>: “It was really cool that you spoke up back there – I think that helped get us on track…”</a:t>
+            </a:r>
+          </a:p>
+          <a:p>
+            <a:endParaRPr lang="en-US" dirty="0"/>
+          </a:p>
+          <a:p>
+            <a:pPr marL="0" marR="0" lvl="0" indent="0" algn="l" defTabSz="914400" rtl="0" eaLnBrk="1" fontAlgn="auto" latinLnBrk="0" hangingPunct="1">
+              <a:lnSpc>
+                <a:spcPct val="100000"/>
+              </a:lnSpc>
+              <a:spcBef>
+                <a:spcPts val="0"/>
+              </a:spcBef>
+              <a:spcAft>
+                <a:spcPts val="0"/>
+              </a:spcAft>
+              <a:buClrTx/>
+              <a:buSzTx/>
+              <a:buFontTx/>
+              <a:buNone/>
+              <a:tabLst/>
+              <a:defRPr/>
+            </a:pPr>
+            <a:r>
+              <a:rPr lang="en-US" dirty="0"/>
+              <a:t>Make it easy for people to share strengthening feedback with you – and try not to just fish for the good – make it easy for people to share ideas about how you can get stronger.</a:t>
+            </a:r>
+          </a:p>
+          <a:p>
+            <a:endParaRPr lang="en-US" dirty="0"/>
+          </a:p>
+          <a:p>
+            <a:pPr marL="171450" indent="-171450">
+              <a:buFontTx/>
+              <a:buChar char="-"/>
+            </a:pPr>
+            <a:r>
+              <a:rPr lang="en-US" dirty="0"/>
+              <a:t>(Between 3:1 and 9:1 ratio.) of positive to negative feedback needed to maintain trust</a:t>
+            </a:r>
+          </a:p>
+          <a:p>
+            <a:pPr marL="171450" indent="-171450">
+              <a:buFontTx/>
+              <a:buChar char="-"/>
+            </a:pPr>
+            <a:r>
+              <a:rPr lang="en-US" dirty="0"/>
+              <a:t>Especially</a:t>
             </a:r>
             <a:r>
               <a:rPr lang="en-US" baseline="0" dirty="0"/>
-              <a:t>, currying </a:t>
-            </a:r>
-            <a:r>
-              <a:rPr lang="en-US" baseline="0" dirty="0" err="1"/>
-              <a:t>favour</a:t>
-            </a:r>
-            <a:r>
-              <a:rPr lang="en-US" baseline="0" dirty="0"/>
-              <a:t>, and low-depth relationships – I had a very negative view of it.  I felt like I could get by on my individual performance and that that was a higher-integrity way to operate.</a:t>
-            </a:r>
-          </a:p>
-          <a:p>
-            <a:endParaRPr lang="en-US" baseline="0" dirty="0"/>
-          </a:p>
-          <a:p>
-            <a:r>
-              <a:rPr lang="en-US" baseline="0" dirty="0"/>
-              <a:t>I needed a way to think of it in terms of collaboration, more meaningful relationships, and mutual support.  </a:t>
-            </a:r>
-          </a:p>
-          <a:p>
-            <a:endParaRPr lang="en-US" baseline="0" dirty="0"/>
-          </a:p>
-          <a:p>
-            <a:r>
-              <a:rPr lang="en-US" baseline="0" dirty="0"/>
-              <a:t>It helped me to think in terms of what I could give my network, rather than what I wanted from it, which I find more palatable.   So given that, i</a:t>
-            </a:r>
+              <a:t> share positive feedback when someone does something new for them</a:t>
+            </a:r>
+            <a:endParaRPr lang="en-US" dirty="0"/>
+          </a:p>
+          <a:p>
+            <a:pPr marL="171450" indent="-171450">
+              <a:buFontTx/>
+              <a:buChar char="-"/>
+            </a:pPr>
+            <a:endParaRPr lang="en-US" dirty="0"/>
+          </a:p>
+          <a:p>
+            <a:pPr marL="171450" indent="-171450">
+              <a:buFontTx/>
+              <a:buChar char="-"/>
+            </a:pPr>
+            <a:endParaRPr lang="en-US" dirty="0"/>
+          </a:p>
+          <a:p>
+            <a:pPr marL="171450" marR="0" lvl="0" indent="-171450" algn="l" defTabSz="914400" rtl="0" eaLnBrk="1" fontAlgn="auto" latinLnBrk="0" hangingPunct="1">
+              <a:lnSpc>
+                <a:spcPct val="100000"/>
+              </a:lnSpc>
+              <a:spcBef>
+                <a:spcPts val="0"/>
+              </a:spcBef>
+              <a:spcAft>
+                <a:spcPts val="0"/>
+              </a:spcAft>
+              <a:buClrTx/>
+              <a:buSzTx/>
+              <a:buFontTx/>
+              <a:buChar char="-"/>
+              <a:tabLst/>
+              <a:defRPr/>
+            </a:pPr>
             <a:r>
               <a:rPr lang="en-US" dirty="0"/>
-              <a:t>magine if you tapped into that body of knowledge and experience?</a:t>
-            </a:r>
+              <a:t>Tell people you got good feedback and that it helped (if it was, and if it did.)  That reinforces the idea that this is valued behavior, and it’s a form of real-time public feedback for the person who took time to help you out.</a:t>
+            </a:r>
+          </a:p>
+          <a:p>
+            <a:pPr marL="171450" marR="0" lvl="0" indent="-171450" algn="l" defTabSz="914400" rtl="0" eaLnBrk="1" fontAlgn="auto" latinLnBrk="0" hangingPunct="1">
+              <a:lnSpc>
+                <a:spcPct val="100000"/>
+              </a:lnSpc>
+              <a:spcBef>
+                <a:spcPts val="0"/>
+              </a:spcBef>
+              <a:spcAft>
+                <a:spcPts val="0"/>
+              </a:spcAft>
+              <a:buClrTx/>
+              <a:buSzTx/>
+              <a:buFontTx/>
+              <a:buChar char="-"/>
+              <a:tabLst/>
+              <a:defRPr/>
+            </a:pPr>
+            <a:endParaRPr lang="en-US" dirty="0"/>
+          </a:p>
+          <a:p>
+            <a:pPr marL="171450" marR="0" lvl="0" indent="-171450" algn="l" defTabSz="914400" rtl="0" eaLnBrk="1" fontAlgn="auto" latinLnBrk="0" hangingPunct="1">
+              <a:lnSpc>
+                <a:spcPct val="100000"/>
+              </a:lnSpc>
+              <a:spcBef>
+                <a:spcPts val="0"/>
+              </a:spcBef>
+              <a:spcAft>
+                <a:spcPts val="0"/>
+              </a:spcAft>
+              <a:buClrTx/>
+              <a:buSzTx/>
+              <a:buFontTx/>
+              <a:buChar char="-"/>
+              <a:tabLst/>
+              <a:defRPr/>
+            </a:pPr>
+            <a:endParaRPr lang="en-US" dirty="0"/>
+          </a:p>
+          <a:p>
+            <a:pPr marL="342900" indent="-342900">
+              <a:buFont typeface="Arial" panose="020B0604020202020204" pitchFamily="34" charset="0"/>
+              <a:buChar char="•"/>
+            </a:pPr>
+            <a:r>
+              <a:rPr lang="en-US" sz="1200" dirty="0"/>
+              <a:t>Share positive feedback every day, in small but honest ways.  </a:t>
+            </a:r>
+          </a:p>
+          <a:p>
+            <a:pPr marL="342900" indent="-342900">
+              <a:buFont typeface="Arial" panose="020B0604020202020204" pitchFamily="34" charset="0"/>
+              <a:buChar char="•"/>
+            </a:pPr>
+            <a:r>
+              <a:rPr lang="en-US" sz="1200" dirty="0"/>
+              <a:t>Make it easy for people to share strengthening feedback with you</a:t>
+            </a:r>
+          </a:p>
+          <a:p>
+            <a:pPr marL="342900" indent="-342900">
+              <a:buFont typeface="Arial" panose="020B0604020202020204" pitchFamily="34" charset="0"/>
+              <a:buChar char="•"/>
+            </a:pPr>
+            <a:r>
+              <a:rPr lang="en-US" sz="1200" dirty="0"/>
+              <a:t>Getting feedback: Be interested.  Be engaged.  Don’t argue.  Ask for clarification or examples. Say thank you, and mean it.</a:t>
+            </a:r>
+          </a:p>
+          <a:p>
+            <a:pPr marL="342900" indent="-342900">
+              <a:buFont typeface="Arial" panose="020B0604020202020204" pitchFamily="34" charset="0"/>
+              <a:buChar char="•"/>
+            </a:pPr>
+            <a:r>
+              <a:rPr lang="en-US" sz="1200" dirty="0"/>
+              <a:t>Tell people that you got good feedback and that it helped </a:t>
+            </a:r>
+          </a:p>
+          <a:p>
+            <a:pPr marL="342900" indent="-342900">
+              <a:buFont typeface="Arial" panose="020B0604020202020204" pitchFamily="34" charset="0"/>
+              <a:buChar char="•"/>
+            </a:pPr>
+            <a:r>
+              <a:rPr lang="en-US" sz="1200" dirty="0"/>
+              <a:t>Find opportunities to practice giving constructive feedback to someone who trusts you</a:t>
+            </a:r>
+          </a:p>
+          <a:p>
+            <a:pPr marL="342900" indent="-342900">
+              <a:buFont typeface="Arial" panose="020B0604020202020204" pitchFamily="34" charset="0"/>
+              <a:buChar char="•"/>
+            </a:pPr>
+            <a:r>
+              <a:rPr lang="en-US" sz="1200" dirty="0"/>
+              <a:t>Start small</a:t>
+            </a:r>
+          </a:p>
+          <a:p>
+            <a:endParaRPr lang="en-US" dirty="0"/>
+          </a:p>
+          <a:p>
+            <a:pPr marL="0" marR="0" lvl="0" indent="0" algn="l" defTabSz="914400" rtl="0" eaLnBrk="1" fontAlgn="auto" latinLnBrk="0" hangingPunct="1">
+              <a:lnSpc>
+                <a:spcPct val="100000"/>
+              </a:lnSpc>
+              <a:spcBef>
+                <a:spcPts val="0"/>
+              </a:spcBef>
+              <a:spcAft>
+                <a:spcPts val="0"/>
+              </a:spcAft>
+              <a:buClrTx/>
+              <a:buSzTx/>
+              <a:buFontTx/>
+              <a:buNone/>
+              <a:tabLst/>
+              <a:defRPr/>
+            </a:pPr>
+            <a:endParaRPr lang="en-US" dirty="0"/>
           </a:p>
         </p:txBody>
       </p:sp>
@@ -2485,7 +2649,7 @@
     </p:spTree>
     <p:extLst>
       <p:ext uri="{BB962C8B-B14F-4D97-AF65-F5344CB8AC3E}">
-        <p14:creationId xmlns:p14="http://schemas.microsoft.com/office/powerpoint/2010/main" val="3401885187"/>
+        <p14:creationId xmlns:p14="http://schemas.microsoft.com/office/powerpoint/2010/main" val="2178038515"/>
       </p:ext>
     </p:extLst>
   </p:cSld>
@@ -2558,251 +2722,13 @@
             </a:pPr>
             <a:r>
               <a:rPr lang="en-US" dirty="0"/>
-              <a:t>We sometimes talk about having a mentor, but Craig helped me appreciate the value of a network of informal mentors – people you can talk over problems in particular areas in a less formal way</a:t>
-            </a:r>
-          </a:p>
-          <a:p>
-            <a:endParaRPr lang="en-US" dirty="0"/>
-          </a:p>
-          <a:p>
-            <a:pPr marL="342900" indent="-342900">
-              <a:buFontTx/>
-              <a:buChar char="-"/>
-            </a:pPr>
-            <a:r>
-              <a:rPr lang="en-US" dirty="0"/>
-              <a:t>&gt;&gt;3</a:t>
-            </a:r>
-            <a:r>
-              <a:rPr lang="en-US" baseline="30000" dirty="0"/>
-              <a:t>rd</a:t>
-            </a:r>
-            <a:r>
-              <a:rPr lang="en-US" dirty="0"/>
-              <a:t> level tribe – we’re awesome, but they’re not.</a:t>
-            </a:r>
-          </a:p>
-          <a:p>
-            <a:pPr marL="342900" indent="-342900">
-              <a:buFontTx/>
-              <a:buChar char="-"/>
-            </a:pPr>
-            <a:r>
-              <a:rPr lang="en-US" dirty="0"/>
-              <a:t>&gt;&gt;4</a:t>
-            </a:r>
-            <a:r>
-              <a:rPr lang="en-US" baseline="30000" dirty="0"/>
-              <a:t>th</a:t>
-            </a:r>
-            <a:r>
-              <a:rPr lang="en-US" dirty="0"/>
-              <a:t> level tribe – we’re all awesome</a:t>
-            </a:r>
-          </a:p>
-          <a:p>
-            <a:pPr marL="342900" indent="-342900">
-              <a:buFontTx/>
-              <a:buChar char="-"/>
-            </a:pPr>
-            <a:r>
-              <a:rPr lang="en-US" dirty="0"/>
-              <a:t>&gt;&gt;5</a:t>
-            </a:r>
-            <a:r>
-              <a:rPr lang="en-US" baseline="30000" dirty="0"/>
-              <a:t>th</a:t>
-            </a:r>
-            <a:r>
-              <a:rPr lang="en-US" dirty="0"/>
-              <a:t> level tribe – hey my two friends who don’t know each other, you’d probably be awesome together –</a:t>
+              <a:t>Sometimes, the most important thing you can be doing isn’t something someone asks of you, or something that’s on an obvious</a:t>
             </a:r>
             <a:r>
               <a:rPr lang="en-US" baseline="0" dirty="0"/>
-              <a:t> let me introduce you!</a:t>
-            </a:r>
-            <a:endParaRPr lang="en-US" dirty="0"/>
-          </a:p>
-          <a:p>
-            <a:endParaRPr lang="en-US" dirty="0"/>
-          </a:p>
-        </p:txBody>
-      </p:sp>
-      <p:sp>
-        <p:nvSpPr>
-          <p:cNvPr id="4" name="Slide Number Placeholder 3"/>
-          <p:cNvSpPr>
-            <a:spLocks noGrp="1"/>
-          </p:cNvSpPr>
-          <p:nvPr>
-            <p:ph type="sldNum" sz="quarter" idx="10"/>
-          </p:nvPr>
-        </p:nvSpPr>
-        <p:spPr/>
-        <p:txBody>
-          <a:bodyPr/>
-          <a:lstStyle/>
-          <a:p>
-            <a:fld id="{54165CF5-22A4-4BB9-BE26-FDB96183FE65}" type="slidenum">
-              <a:rPr lang="en-US" smtClean="0"/>
-              <a:t>27</a:t>
-            </a:fld>
-            <a:endParaRPr lang="en-US"/>
-          </a:p>
-        </p:txBody>
-      </p:sp>
-    </p:spTree>
-    <p:extLst>
-      <p:ext uri="{BB962C8B-B14F-4D97-AF65-F5344CB8AC3E}">
-        <p14:creationId xmlns:p14="http://schemas.microsoft.com/office/powerpoint/2010/main" val="55888354"/>
-      </p:ext>
-    </p:extLst>
-  </p:cSld>
-  <p:clrMapOvr>
-    <a:masterClrMapping/>
-  </p:clrMapOvr>
-</p:notes>
-</file>
-
-<file path=ppt/notesSlides/notesSlide24.xml><?xml version="1.0" encoding="utf-8"?>
-<p:notes xmlns:a="http://schemas.openxmlformats.org/drawingml/2006/main" xmlns:r="http://schemas.openxmlformats.org/officeDocument/2006/relationships" xmlns:p="http://schemas.openxmlformats.org/presentationml/2006/main">
-  <p:cSld>
-    <p:spTree>
-      <p:nvGrpSpPr>
-        <p:cNvPr id="1" name=""/>
-        <p:cNvGrpSpPr/>
-        <p:nvPr/>
-      </p:nvGrpSpPr>
-      <p:grpSpPr>
-        <a:xfrm>
-          <a:off x="0" y="0"/>
-          <a:ext cx="0" cy="0"/>
-          <a:chOff x="0" y="0"/>
-          <a:chExt cx="0" cy="0"/>
-        </a:xfrm>
-      </p:grpSpPr>
-      <p:sp>
-        <p:nvSpPr>
-          <p:cNvPr id="2" name="Slide Image Placeholder 1"/>
-          <p:cNvSpPr>
-            <a:spLocks noGrp="1" noRot="1" noChangeAspect="1"/>
-          </p:cNvSpPr>
-          <p:nvPr>
-            <p:ph type="sldImg"/>
-          </p:nvPr>
-        </p:nvSpPr>
-        <p:spPr/>
-      </p:sp>
-      <p:sp>
-        <p:nvSpPr>
-          <p:cNvPr id="3" name="Notes Placeholder 2"/>
-          <p:cNvSpPr>
-            <a:spLocks noGrp="1"/>
-          </p:cNvSpPr>
-          <p:nvPr>
-            <p:ph type="body" idx="1"/>
-          </p:nvPr>
-        </p:nvSpPr>
-        <p:spPr/>
-        <p:txBody>
-          <a:bodyPr/>
-          <a:lstStyle/>
-          <a:p>
-            <a:r>
-              <a:rPr lang="en-US" dirty="0"/>
-              <a:t>Imagine if the people we spend the most time with every day shared their perspective and advice about how we each could improve?  And imagine if they did this in small, low stress, frequent chunks that helps us course-correct or get stronger continuously.  We could grow faster, and we could make more of a difference in the lives of people around us.</a:t>
-            </a:r>
-          </a:p>
-          <a:p>
-            <a:endParaRPr lang="en-US" dirty="0"/>
-          </a:p>
-          <a:p>
-            <a:r>
-              <a:rPr lang="en-US" dirty="0"/>
-              <a:t>Scary right?</a:t>
-            </a:r>
-          </a:p>
-        </p:txBody>
-      </p:sp>
-      <p:sp>
-        <p:nvSpPr>
-          <p:cNvPr id="4" name="Slide Number Placeholder 3"/>
-          <p:cNvSpPr>
-            <a:spLocks noGrp="1"/>
-          </p:cNvSpPr>
-          <p:nvPr>
-            <p:ph type="sldNum" sz="quarter" idx="10"/>
-          </p:nvPr>
-        </p:nvSpPr>
-        <p:spPr/>
-        <p:txBody>
-          <a:bodyPr/>
-          <a:lstStyle/>
-          <a:p>
-            <a:fld id="{54165CF5-22A4-4BB9-BE26-FDB96183FE65}" type="slidenum">
-              <a:rPr lang="en-US" smtClean="0"/>
-              <a:t>28</a:t>
-            </a:fld>
-            <a:endParaRPr lang="en-US"/>
-          </a:p>
-        </p:txBody>
-      </p:sp>
-    </p:spTree>
-    <p:extLst>
-      <p:ext uri="{BB962C8B-B14F-4D97-AF65-F5344CB8AC3E}">
-        <p14:creationId xmlns:p14="http://schemas.microsoft.com/office/powerpoint/2010/main" val="2351349877"/>
-      </p:ext>
-    </p:extLst>
-  </p:cSld>
-  <p:clrMapOvr>
-    <a:masterClrMapping/>
-  </p:clrMapOvr>
-</p:notes>
-</file>
-
-<file path=ppt/notesSlides/notesSlide25.xml><?xml version="1.0" encoding="utf-8"?>
-<p:notes xmlns:a="http://schemas.openxmlformats.org/drawingml/2006/main" xmlns:r="http://schemas.openxmlformats.org/officeDocument/2006/relationships" xmlns:p="http://schemas.openxmlformats.org/presentationml/2006/main">
-  <p:cSld>
-    <p:spTree>
-      <p:nvGrpSpPr>
-        <p:cNvPr id="1" name=""/>
-        <p:cNvGrpSpPr/>
-        <p:nvPr/>
-      </p:nvGrpSpPr>
-      <p:grpSpPr>
-        <a:xfrm>
-          <a:off x="0" y="0"/>
-          <a:ext cx="0" cy="0"/>
-          <a:chOff x="0" y="0"/>
-          <a:chExt cx="0" cy="0"/>
-        </a:xfrm>
-      </p:grpSpPr>
-      <p:sp>
-        <p:nvSpPr>
-          <p:cNvPr id="2" name="Slide Image Placeholder 1"/>
-          <p:cNvSpPr>
-            <a:spLocks noGrp="1" noRot="1" noChangeAspect="1"/>
-          </p:cNvSpPr>
-          <p:nvPr>
-            <p:ph type="sldImg"/>
-          </p:nvPr>
-        </p:nvSpPr>
-        <p:spPr/>
-      </p:sp>
-      <p:sp>
-        <p:nvSpPr>
-          <p:cNvPr id="3" name="Notes Placeholder 2"/>
-          <p:cNvSpPr>
-            <a:spLocks noGrp="1"/>
-          </p:cNvSpPr>
-          <p:nvPr>
-            <p:ph type="body" idx="1"/>
-          </p:nvPr>
-        </p:nvSpPr>
-        <p:spPr/>
-        <p:txBody>
-          <a:bodyPr/>
-          <a:lstStyle/>
+              <a:t> menu.  It means identifying a problem, and solving it.</a:t>
+            </a:r>
+          </a:p>
           <a:p>
             <a:pPr marL="0" marR="0" lvl="0" indent="0" algn="l" defTabSz="914400" rtl="0" eaLnBrk="1" fontAlgn="auto" latinLnBrk="0" hangingPunct="1">
               <a:lnSpc>
@@ -2821,22 +2747,7 @@
               <a:tabLst/>
               <a:defRPr/>
             </a:pPr>
-            <a:r>
-              <a:rPr lang="en-US" b="1" dirty="0"/>
-              <a:t>So how do we get to the point we can do that?</a:t>
-            </a:r>
-          </a:p>
-          <a:p>
-            <a:endParaRPr lang="en-US" dirty="0"/>
-          </a:p>
-          <a:p>
-            <a:r>
-              <a:rPr lang="en-US" dirty="0"/>
-              <a:t>: “It was really cool that you spoke up back there – I think that helped get us on track…”</a:t>
-            </a:r>
-          </a:p>
-          <a:p>
-            <a:endParaRPr lang="en-US" dirty="0"/>
+            <a:endParaRPr lang="en-US" baseline="0" dirty="0"/>
           </a:p>
           <a:p>
             <a:pPr marL="0" marR="0" lvl="0" indent="0" algn="l" defTabSz="914400" rtl="0" eaLnBrk="1" fontAlgn="auto" latinLnBrk="0" hangingPunct="1">
@@ -2857,176 +2768,9 @@
               <a:defRPr/>
             </a:pPr>
             <a:r>
-              <a:rPr lang="en-US" dirty="0"/>
-              <a:t>Make it easy for people to share strengthening feedback with you – and try not to just fish for the good – make it easy for people to share ideas about how you can get stronger.</a:t>
-            </a:r>
-          </a:p>
-          <a:p>
-            <a:endParaRPr lang="en-US" dirty="0"/>
-          </a:p>
-          <a:p>
-            <a:pPr marL="171450" indent="-171450">
-              <a:buFontTx/>
-              <a:buChar char="-"/>
-            </a:pPr>
-            <a:r>
-              <a:rPr lang="en-US" dirty="0"/>
-              <a:t>(Between 3:1 and 9:1 ratio.) of positive to negative feedback needed to maintain trust</a:t>
-            </a:r>
-          </a:p>
-          <a:p>
-            <a:pPr marL="171450" indent="-171450">
-              <a:buFontTx/>
-              <a:buChar char="-"/>
-            </a:pPr>
-            <a:r>
-              <a:rPr lang="en-US" dirty="0"/>
-              <a:t>Especially</a:t>
-            </a:r>
-            <a:r>
               <a:rPr lang="en-US" baseline="0" dirty="0"/>
-              <a:t> share positive feedback when someone does something new for them</a:t>
-            </a:r>
-            <a:endParaRPr lang="en-US" dirty="0"/>
-          </a:p>
-          <a:p>
-            <a:pPr marL="171450" indent="-171450">
-              <a:buFontTx/>
-              <a:buChar char="-"/>
-            </a:pPr>
-            <a:endParaRPr lang="en-US" dirty="0"/>
-          </a:p>
-          <a:p>
-            <a:pPr marL="171450" indent="-171450">
-              <a:buFontTx/>
-              <a:buChar char="-"/>
-            </a:pPr>
-            <a:endParaRPr lang="en-US" dirty="0"/>
-          </a:p>
-          <a:p>
-            <a:pPr marL="171450" marR="0" lvl="0" indent="-171450" algn="l" defTabSz="914400" rtl="0" eaLnBrk="1" fontAlgn="auto" latinLnBrk="0" hangingPunct="1">
-              <a:lnSpc>
-                <a:spcPct val="100000"/>
-              </a:lnSpc>
-              <a:spcBef>
-                <a:spcPts val="0"/>
-              </a:spcBef>
-              <a:spcAft>
-                <a:spcPts val="0"/>
-              </a:spcAft>
-              <a:buClrTx/>
-              <a:buSzTx/>
-              <a:buFontTx/>
-              <a:buChar char="-"/>
-              <a:tabLst/>
-              <a:defRPr/>
-            </a:pPr>
-            <a:r>
-              <a:rPr lang="en-US" dirty="0"/>
-              <a:t>Tell people you got good feedback and that it helped (if it was, and if it did.)  That reinforces the idea that this is valued behavior, and it’s a form of real-time public feedback for the person who took time to help you out.</a:t>
-            </a:r>
-          </a:p>
-          <a:p>
-            <a:pPr marL="171450" marR="0" lvl="0" indent="-171450" algn="l" defTabSz="914400" rtl="0" eaLnBrk="1" fontAlgn="auto" latinLnBrk="0" hangingPunct="1">
-              <a:lnSpc>
-                <a:spcPct val="100000"/>
-              </a:lnSpc>
-              <a:spcBef>
-                <a:spcPts val="0"/>
-              </a:spcBef>
-              <a:spcAft>
-                <a:spcPts val="0"/>
-              </a:spcAft>
-              <a:buClrTx/>
-              <a:buSzTx/>
-              <a:buFontTx/>
-              <a:buChar char="-"/>
-              <a:tabLst/>
-              <a:defRPr/>
-            </a:pPr>
-            <a:endParaRPr lang="en-US" dirty="0"/>
-          </a:p>
-          <a:p>
-            <a:pPr marL="171450" marR="0" lvl="0" indent="-171450" algn="l" defTabSz="914400" rtl="0" eaLnBrk="1" fontAlgn="auto" latinLnBrk="0" hangingPunct="1">
-              <a:lnSpc>
-                <a:spcPct val="100000"/>
-              </a:lnSpc>
-              <a:spcBef>
-                <a:spcPts val="0"/>
-              </a:spcBef>
-              <a:spcAft>
-                <a:spcPts val="0"/>
-              </a:spcAft>
-              <a:buClrTx/>
-              <a:buSzTx/>
-              <a:buFontTx/>
-              <a:buChar char="-"/>
-              <a:tabLst/>
-              <a:defRPr/>
-            </a:pPr>
-            <a:endParaRPr lang="en-US" dirty="0"/>
-          </a:p>
-          <a:p>
-            <a:pPr marL="342900" indent="-342900">
-              <a:buFont typeface="Arial" panose="020B0604020202020204" pitchFamily="34" charset="0"/>
-              <a:buChar char="•"/>
-            </a:pPr>
-            <a:r>
-              <a:rPr lang="en-US" sz="1200" dirty="0"/>
-              <a:t>Share positive feedback every day, in small but honest ways.  </a:t>
-            </a:r>
-          </a:p>
-          <a:p>
-            <a:pPr marL="342900" indent="-342900">
-              <a:buFont typeface="Arial" panose="020B0604020202020204" pitchFamily="34" charset="0"/>
-              <a:buChar char="•"/>
-            </a:pPr>
-            <a:r>
-              <a:rPr lang="en-US" sz="1200" dirty="0"/>
-              <a:t>Make it easy for people to share strengthening feedback with you</a:t>
-            </a:r>
-          </a:p>
-          <a:p>
-            <a:pPr marL="342900" indent="-342900">
-              <a:buFont typeface="Arial" panose="020B0604020202020204" pitchFamily="34" charset="0"/>
-              <a:buChar char="•"/>
-            </a:pPr>
-            <a:r>
-              <a:rPr lang="en-US" sz="1200" dirty="0"/>
-              <a:t>Getting feedback: Be interested.  Be engaged.  Don’t argue.  Ask for clarification or examples. Say thank you, and mean it.</a:t>
-            </a:r>
-          </a:p>
-          <a:p>
-            <a:pPr marL="342900" indent="-342900">
-              <a:buFont typeface="Arial" panose="020B0604020202020204" pitchFamily="34" charset="0"/>
-              <a:buChar char="•"/>
-            </a:pPr>
-            <a:r>
-              <a:rPr lang="en-US" sz="1200" dirty="0"/>
-              <a:t>Tell people that you got good feedback and that it helped </a:t>
-            </a:r>
-          </a:p>
-          <a:p>
-            <a:pPr marL="342900" indent="-342900">
-              <a:buFont typeface="Arial" panose="020B0604020202020204" pitchFamily="34" charset="0"/>
-              <a:buChar char="•"/>
-            </a:pPr>
-            <a:r>
-              <a:rPr lang="en-US" sz="1200" dirty="0"/>
-              <a:t>Find opportunities to practice giving constructive feedback to someone who trusts you</a:t>
-            </a:r>
-          </a:p>
-          <a:p>
-            <a:pPr marL="342900" indent="-342900">
-              <a:buFont typeface="Arial" panose="020B0604020202020204" pitchFamily="34" charset="0"/>
-              <a:buChar char="•"/>
-            </a:pPr>
-            <a:r>
-              <a:rPr lang="en-US" sz="1200" dirty="0"/>
-              <a:t>Start small</a:t>
-            </a:r>
-          </a:p>
-          <a:p>
+              <a:t>This can seem scary, but with a normal engineering approach, it doesn’t have to be.</a:t>
+            </a:r>
             <a:endParaRPr lang="en-US" dirty="0"/>
           </a:p>
           <a:p>
@@ -3049,87 +2793,6 @@
             </a:pPr>
             <a:endParaRPr lang="en-US" dirty="0"/>
           </a:p>
-        </p:txBody>
-      </p:sp>
-      <p:sp>
-        <p:nvSpPr>
-          <p:cNvPr id="4" name="Slide Number Placeholder 3"/>
-          <p:cNvSpPr>
-            <a:spLocks noGrp="1"/>
-          </p:cNvSpPr>
-          <p:nvPr>
-            <p:ph type="sldNum" sz="quarter" idx="10"/>
-          </p:nvPr>
-        </p:nvSpPr>
-        <p:spPr/>
-        <p:txBody>
-          <a:bodyPr/>
-          <a:lstStyle/>
-          <a:p>
-            <a:fld id="{54165CF5-22A4-4BB9-BE26-FDB96183FE65}" type="slidenum">
-              <a:rPr lang="en-US" smtClean="0"/>
-              <a:t>29</a:t>
-            </a:fld>
-            <a:endParaRPr lang="en-US"/>
-          </a:p>
-        </p:txBody>
-      </p:sp>
-    </p:spTree>
-    <p:extLst>
-      <p:ext uri="{BB962C8B-B14F-4D97-AF65-F5344CB8AC3E}">
-        <p14:creationId xmlns:p14="http://schemas.microsoft.com/office/powerpoint/2010/main" val="2178038515"/>
-      </p:ext>
-    </p:extLst>
-  </p:cSld>
-  <p:clrMapOvr>
-    <a:masterClrMapping/>
-  </p:clrMapOvr>
-</p:notes>
-</file>
-
-<file path=ppt/notesSlides/notesSlide26.xml><?xml version="1.0" encoding="utf-8"?>
-<p:notes xmlns:a="http://schemas.openxmlformats.org/drawingml/2006/main" xmlns:r="http://schemas.openxmlformats.org/officeDocument/2006/relationships" xmlns:p="http://schemas.openxmlformats.org/presentationml/2006/main">
-  <p:cSld>
-    <p:spTree>
-      <p:nvGrpSpPr>
-        <p:cNvPr id="1" name=""/>
-        <p:cNvGrpSpPr/>
-        <p:nvPr/>
-      </p:nvGrpSpPr>
-      <p:grpSpPr>
-        <a:xfrm>
-          <a:off x="0" y="0"/>
-          <a:ext cx="0" cy="0"/>
-          <a:chOff x="0" y="0"/>
-          <a:chExt cx="0" cy="0"/>
-        </a:xfrm>
-      </p:grpSpPr>
-      <p:sp>
-        <p:nvSpPr>
-          <p:cNvPr id="2" name="Slide Image Placeholder 1"/>
-          <p:cNvSpPr>
-            <a:spLocks noGrp="1" noRot="1" noChangeAspect="1"/>
-          </p:cNvSpPr>
-          <p:nvPr>
-            <p:ph type="sldImg"/>
-          </p:nvPr>
-        </p:nvSpPr>
-        <p:spPr/>
-      </p:sp>
-      <p:sp>
-        <p:nvSpPr>
-          <p:cNvPr id="3" name="Notes Placeholder 2"/>
-          <p:cNvSpPr>
-            <a:spLocks noGrp="1"/>
-          </p:cNvSpPr>
-          <p:nvPr>
-            <p:ph type="body" idx="1"/>
-          </p:nvPr>
-        </p:nvSpPr>
-        <p:spPr/>
-        <p:txBody>
-          <a:bodyPr/>
-          <a:lstStyle/>
           <a:p>
             <a:pPr marL="0" marR="0" lvl="0" indent="0" algn="l" defTabSz="914400" rtl="0" eaLnBrk="1" fontAlgn="auto" latinLnBrk="0" hangingPunct="1">
               <a:lnSpc>
@@ -3150,97 +2813,6 @@
             </a:pPr>
             <a:r>
               <a:rPr lang="en-US" dirty="0"/>
-              <a:t>Sometimes, the most important thing you can be doing isn’t something someone asks of you, or something that’s on an obvious</a:t>
-            </a:r>
-            <a:r>
-              <a:rPr lang="en-US" baseline="0" dirty="0"/>
-              <a:t> menu.  It means identifying a problem, and solving it.</a:t>
-            </a:r>
-          </a:p>
-          <a:p>
-            <a:pPr marL="0" marR="0" lvl="0" indent="0" algn="l" defTabSz="914400" rtl="0" eaLnBrk="1" fontAlgn="auto" latinLnBrk="0" hangingPunct="1">
-              <a:lnSpc>
-                <a:spcPct val="100000"/>
-              </a:lnSpc>
-              <a:spcBef>
-                <a:spcPts val="0"/>
-              </a:spcBef>
-              <a:spcAft>
-                <a:spcPts val="0"/>
-              </a:spcAft>
-              <a:buClrTx/>
-              <a:buSzTx/>
-              <a:buFontTx/>
-              <a:buNone/>
-              <a:tabLst/>
-              <a:defRPr/>
-            </a:pPr>
-            <a:endParaRPr lang="en-US" baseline="0" dirty="0"/>
-          </a:p>
-          <a:p>
-            <a:pPr marL="0" marR="0" lvl="0" indent="0" algn="l" defTabSz="914400" rtl="0" eaLnBrk="1" fontAlgn="auto" latinLnBrk="0" hangingPunct="1">
-              <a:lnSpc>
-                <a:spcPct val="100000"/>
-              </a:lnSpc>
-              <a:spcBef>
-                <a:spcPts val="0"/>
-              </a:spcBef>
-              <a:spcAft>
-                <a:spcPts val="0"/>
-              </a:spcAft>
-              <a:buClrTx/>
-              <a:buSzTx/>
-              <a:buFontTx/>
-              <a:buNone/>
-              <a:tabLst/>
-              <a:defRPr/>
-            </a:pPr>
-            <a:r>
-              <a:rPr lang="en-US" baseline="0" dirty="0"/>
-              <a:t>This can seem scary, but with a normal engineering approach, it doesn’t have to be.</a:t>
-            </a:r>
-            <a:endParaRPr lang="en-US" dirty="0"/>
-          </a:p>
-          <a:p>
-            <a:pPr marL="0" marR="0" lvl="0" indent="0" algn="l" defTabSz="914400" rtl="0" eaLnBrk="1" fontAlgn="auto" latinLnBrk="0" hangingPunct="1">
-              <a:lnSpc>
-                <a:spcPct val="100000"/>
-              </a:lnSpc>
-              <a:spcBef>
-                <a:spcPts val="0"/>
-              </a:spcBef>
-              <a:spcAft>
-                <a:spcPts val="0"/>
-              </a:spcAft>
-              <a:buClrTx/>
-              <a:buSzTx/>
-              <a:buFontTx/>
-              <a:buNone/>
-              <a:tabLst/>
-              <a:defRPr/>
-            </a:pPr>
-            <a:endParaRPr lang="en-US" dirty="0"/>
-          </a:p>
-          <a:p>
-            <a:pPr marL="0" marR="0" lvl="0" indent="0" algn="l" defTabSz="914400" rtl="0" eaLnBrk="1" fontAlgn="auto" latinLnBrk="0" hangingPunct="1">
-              <a:lnSpc>
-                <a:spcPct val="100000"/>
-              </a:lnSpc>
-              <a:spcBef>
-                <a:spcPts val="0"/>
-              </a:spcBef>
-              <a:spcAft>
-                <a:spcPts val="0"/>
-              </a:spcAft>
-              <a:buClrTx/>
-              <a:buSzTx/>
-              <a:buFontTx/>
-              <a:buNone/>
-              <a:tabLst/>
-              <a:defRPr/>
-            </a:pPr>
-            <a:r>
-              <a:rPr lang="en-US" dirty="0"/>
               <a:t>Pick a thing that should be better.  Helps if it’s something that bothers you – something you have a personal stake in.  Ask what would be necessary to tackle it.  Just say you’ll make a plan – if you find yourself interested, you’ll be more likely to make good progress</a:t>
             </a:r>
           </a:p>
@@ -3297,7 +2869,7 @@
           <a:p>
             <a:fld id="{54165CF5-22A4-4BB9-BE26-FDB96183FE65}" type="slidenum">
               <a:rPr lang="en-US" smtClean="0"/>
-              <a:t>30</a:t>
+              <a:t>27</a:t>
             </a:fld>
             <a:endParaRPr lang="en-US"/>
           </a:p>
@@ -5342,6 +4914,14 @@
   <p:clrMapOvr>
     <a:masterClrMapping/>
   </p:clrMapOvr>
+  <mc:AlternateContent xmlns:mc="http://schemas.openxmlformats.org/markup-compatibility/2006">
+    <mc:Choice xmlns:p14="http://schemas.microsoft.com/office/powerpoint/2010/main" Requires="p14">
+      <p:transition spd="slow" p14:dur="2000" advTm="2991"/>
+    </mc:Choice>
+    <mc:Fallback>
+      <p:transition spd="slow" advTm="2991"/>
+    </mc:Fallback>
+  </mc:AlternateContent>
 </p:sld>
 </file>
 
@@ -5621,6 +5201,14 @@
   <p:clrMapOvr>
     <a:masterClrMapping/>
   </p:clrMapOvr>
+  <mc:AlternateContent xmlns:mc="http://schemas.openxmlformats.org/markup-compatibility/2006">
+    <mc:Choice xmlns:p14="http://schemas.microsoft.com/office/powerpoint/2010/main" Requires="p14">
+      <p:transition spd="slow" p14:dur="2000" advTm="68188"/>
+    </mc:Choice>
+    <mc:Fallback>
+      <p:transition spd="slow" advTm="68188"/>
+    </mc:Fallback>
+  </mc:AlternateContent>
 </p:sld>
 </file>
 
@@ -5968,6 +5556,14 @@
   <p:clrMapOvr>
     <a:masterClrMapping/>
   </p:clrMapOvr>
+  <mc:AlternateContent xmlns:mc="http://schemas.openxmlformats.org/markup-compatibility/2006">
+    <mc:Choice xmlns:p14="http://schemas.microsoft.com/office/powerpoint/2010/main" Requires="p14">
+      <p:transition spd="slow" p14:dur="2000" advTm="287589"/>
+    </mc:Choice>
+    <mc:Fallback>
+      <p:transition spd="slow" advTm="287589"/>
+    </mc:Fallback>
+  </mc:AlternateContent>
 </p:sld>
 </file>
 
@@ -6258,6 +5854,14 @@
   <p:clrMapOvr>
     <a:masterClrMapping/>
   </p:clrMapOvr>
+  <mc:AlternateContent xmlns:mc="http://schemas.openxmlformats.org/markup-compatibility/2006">
+    <mc:Choice xmlns:p14="http://schemas.microsoft.com/office/powerpoint/2010/main" Requires="p14">
+      <p:transition spd="slow" p14:dur="2000" advTm="27105"/>
+    </mc:Choice>
+    <mc:Fallback>
+      <p:transition spd="slow" advTm="27105"/>
+    </mc:Fallback>
+  </mc:AlternateContent>
 </p:sld>
 </file>
 
@@ -6598,6 +6202,14 @@
   <p:clrMapOvr>
     <a:masterClrMapping/>
   </p:clrMapOvr>
+  <mc:AlternateContent xmlns:mc="http://schemas.openxmlformats.org/markup-compatibility/2006">
+    <mc:Choice xmlns:p14="http://schemas.microsoft.com/office/powerpoint/2010/main" Requires="p14">
+      <p:transition spd="slow" p14:dur="2000" advTm="109074"/>
+    </mc:Choice>
+    <mc:Fallback>
+      <p:transition spd="slow" advTm="109074"/>
+    </mc:Fallback>
+  </mc:AlternateContent>
 </p:sld>
 </file>
 
@@ -6900,6 +6512,14 @@
   <p:clrMapOvr>
     <a:masterClrMapping/>
   </p:clrMapOvr>
+  <mc:AlternateContent xmlns:mc="http://schemas.openxmlformats.org/markup-compatibility/2006">
+    <mc:Choice xmlns:p14="http://schemas.microsoft.com/office/powerpoint/2010/main" Requires="p14">
+      <p:transition spd="slow" p14:dur="2000" advTm="265784"/>
+    </mc:Choice>
+    <mc:Fallback>
+      <p:transition spd="slow" advTm="265784"/>
+    </mc:Fallback>
+  </mc:AlternateContent>
 </p:sld>
 </file>
 
@@ -7160,6 +6780,14 @@
   <p:clrMapOvr>
     <a:masterClrMapping/>
   </p:clrMapOvr>
+  <mc:AlternateContent xmlns:mc="http://schemas.openxmlformats.org/markup-compatibility/2006">
+    <mc:Choice xmlns:p14="http://schemas.microsoft.com/office/powerpoint/2010/main" Requires="p14">
+      <p:transition spd="slow" p14:dur="2000" advTm="44124"/>
+    </mc:Choice>
+    <mc:Fallback>
+      <p:transition spd="slow" advTm="44124"/>
+    </mc:Fallback>
+  </mc:AlternateContent>
 </p:sld>
 </file>
 
@@ -7489,6 +7117,14 @@
   <p:clrMapOvr>
     <a:masterClrMapping/>
   </p:clrMapOvr>
+  <mc:AlternateContent xmlns:mc="http://schemas.openxmlformats.org/markup-compatibility/2006">
+    <mc:Choice xmlns:p14="http://schemas.microsoft.com/office/powerpoint/2010/main" Requires="p14">
+      <p:transition spd="slow" p14:dur="2000" advTm="264295"/>
+    </mc:Choice>
+    <mc:Fallback>
+      <p:transition spd="slow" advTm="264295"/>
+    </mc:Fallback>
+  </mc:AlternateContent>
 </p:sld>
 </file>
 
@@ -7819,6 +7455,14 @@
   <p:clrMapOvr>
     <a:masterClrMapping/>
   </p:clrMapOvr>
+  <mc:AlternateContent xmlns:mc="http://schemas.openxmlformats.org/markup-compatibility/2006">
+    <mc:Choice xmlns:p14="http://schemas.microsoft.com/office/powerpoint/2010/main" Requires="p14">
+      <p:transition spd="slow" p14:dur="2000" advTm="260694"/>
+    </mc:Choice>
+    <mc:Fallback>
+      <p:transition spd="slow" advTm="260694"/>
+    </mc:Fallback>
+  </mc:AlternateContent>
 </p:sld>
 </file>
 
@@ -8131,6 +7775,14 @@
   <p:clrMapOvr>
     <a:masterClrMapping/>
   </p:clrMapOvr>
+  <mc:AlternateContent xmlns:mc="http://schemas.openxmlformats.org/markup-compatibility/2006">
+    <mc:Choice xmlns:p14="http://schemas.microsoft.com/office/powerpoint/2010/main" Requires="p14">
+      <p:transition spd="slow" p14:dur="2000" advTm="97249"/>
+    </mc:Choice>
+    <mc:Fallback>
+      <p:transition spd="slow" advTm="97249"/>
+    </mc:Fallback>
+  </mc:AlternateContent>
 </p:sld>
 </file>
 
@@ -8505,6 +8157,14 @@
   <p:clrMapOvr>
     <a:masterClrMapping/>
   </p:clrMapOvr>
+  <mc:AlternateContent xmlns:mc="http://schemas.openxmlformats.org/markup-compatibility/2006">
+    <mc:Choice xmlns:p14="http://schemas.microsoft.com/office/powerpoint/2010/main" Requires="p14">
+      <p:transition spd="slow" p14:dur="2000" advTm="246069"/>
+    </mc:Choice>
+    <mc:Fallback>
+      <p:transition spd="slow" advTm="246069"/>
+    </mc:Fallback>
+  </mc:AlternateContent>
 </p:sld>
 </file>
 
@@ -8768,314 +8428,18 @@
   <p:clrMapOvr>
     <a:masterClrMapping/>
   </p:clrMapOvr>
+  <mc:AlternateContent xmlns:mc="http://schemas.openxmlformats.org/markup-compatibility/2006">
+    <mc:Choice xmlns:p14="http://schemas.microsoft.com/office/powerpoint/2010/main" Requires="p14">
+      <p:transition spd="slow" p14:dur="2000" advTm="38016"/>
+    </mc:Choice>
+    <mc:Fallback>
+      <p:transition spd="slow" advTm="38016"/>
+    </mc:Fallback>
+  </mc:AlternateContent>
 </p:sld>
 </file>
 
 <file path=ppt/slides/slide20.xml><?xml version="1.0" encoding="utf-8"?>
-<p:sld xmlns:a="http://schemas.openxmlformats.org/drawingml/2006/main" xmlns:r="http://schemas.openxmlformats.org/officeDocument/2006/relationships" xmlns:p="http://schemas.openxmlformats.org/presentationml/2006/main">
-  <p:cSld>
-    <p:spTree>
-      <p:nvGrpSpPr>
-        <p:cNvPr id="1" name=""/>
-        <p:cNvGrpSpPr/>
-        <p:nvPr/>
-      </p:nvGrpSpPr>
-      <p:grpSpPr>
-        <a:xfrm>
-          <a:off x="0" y="0"/>
-          <a:ext cx="0" cy="0"/>
-          <a:chOff x="0" y="0"/>
-          <a:chExt cx="0" cy="0"/>
-        </a:xfrm>
-      </p:grpSpPr>
-      <p:sp>
-        <p:nvSpPr>
-          <p:cNvPr id="2" name="Text Placeholder 1"/>
-          <p:cNvSpPr>
-            <a:spLocks noGrp="1"/>
-          </p:cNvSpPr>
-          <p:nvPr>
-            <p:ph type="body" sz="quarter" idx="10"/>
-          </p:nvPr>
-        </p:nvSpPr>
-        <p:spPr/>
-        <p:txBody>
-          <a:bodyPr/>
-          <a:lstStyle/>
-          <a:p>
-            <a:r>
-              <a:rPr lang="en-US" sz="3200" dirty="0"/>
-              <a:t>Will the work impact our metrics?</a:t>
-            </a:r>
-          </a:p>
-          <a:p>
-            <a:r>
-              <a:rPr lang="en-US" sz="3200" dirty="0"/>
-              <a:t>Expensive to re-learn knowledge we have today?</a:t>
-            </a:r>
-          </a:p>
-          <a:p>
-            <a:r>
-              <a:rPr lang="en-US" sz="3200" dirty="0"/>
-              <a:t>Permanently lost opportunity?</a:t>
-            </a:r>
-          </a:p>
-          <a:p>
-            <a:pPr marL="0" indent="0">
-              <a:buNone/>
-            </a:pPr>
-            <a:r>
-              <a:rPr lang="en-US" sz="3200" dirty="0"/>
-              <a:t> </a:t>
-            </a:r>
-          </a:p>
-          <a:p>
-            <a:r>
-              <a:rPr lang="en-US" sz="3200" dirty="0"/>
-              <a:t>Will it come up naturally?</a:t>
-            </a:r>
-          </a:p>
-          <a:p>
-            <a:r>
-              <a:rPr lang="en-US" sz="3200" dirty="0"/>
-              <a:t>Does it fit better with another project?</a:t>
-            </a:r>
-          </a:p>
-          <a:p>
-            <a:r>
-              <a:rPr lang="en-US" sz="3200" dirty="0"/>
-              <a:t>Better to do this work later?</a:t>
-            </a:r>
-          </a:p>
-        </p:txBody>
-      </p:sp>
-      <p:sp>
-        <p:nvSpPr>
-          <p:cNvPr id="3" name="Title 2"/>
-          <p:cNvSpPr>
-            <a:spLocks noGrp="1"/>
-          </p:cNvSpPr>
-          <p:nvPr>
-            <p:ph type="title"/>
-          </p:nvPr>
-        </p:nvSpPr>
-        <p:spPr>
-          <a:xfrm>
-            <a:off x="351526" y="314814"/>
-            <a:ext cx="11436522" cy="1325147"/>
-          </a:xfrm>
-        </p:spPr>
-        <p:txBody>
-          <a:bodyPr/>
-          <a:lstStyle/>
-          <a:p>
-            <a:r>
-              <a:rPr lang="en-US" dirty="0"/>
-              <a:t>Find the exit – what work not to do</a:t>
-            </a:r>
-          </a:p>
-        </p:txBody>
-      </p:sp>
-      <p:sp>
-        <p:nvSpPr>
-          <p:cNvPr id="4" name="Rectangle 3"/>
-          <p:cNvSpPr/>
-          <p:nvPr/>
-        </p:nvSpPr>
-        <p:spPr>
-          <a:xfrm>
-            <a:off x="0" y="0"/>
-            <a:ext cx="7888941" cy="127000"/>
-          </a:xfrm>
-          <a:prstGeom prst="rect">
-            <a:avLst/>
-          </a:prstGeom>
-          <a:solidFill>
-            <a:srgbClr val="17375E"/>
-          </a:solidFill>
-          <a:ln w="12700" cap="flat" cmpd="sng" algn="ctr">
-            <a:noFill/>
-            <a:prstDash val="solid"/>
-            <a:miter lim="800000"/>
-          </a:ln>
-          <a:effectLst/>
-          <a:extLst>
-            <a:ext uri="{91240B29-F687-4F45-9708-019B960494DF}">
-              <a14:hiddenLine xmlns:a14="http://schemas.microsoft.com/office/drawing/2010/main" w="12700" cap="flat" cmpd="sng" algn="ctr">
-                <a:solidFill>
-                  <a:schemeClr val="accent1">
-                    <a:shade val="50000"/>
-                  </a:schemeClr>
-                </a:solidFill>
-                <a:prstDash val="solid"/>
-                <a:miter lim="800000"/>
-              </a14:hiddenLine>
-            </a:ext>
-          </a:extLst>
-        </p:spPr>
-        <p:style>
-          <a:lnRef idx="2">
-            <a:schemeClr val="accent1">
-              <a:shade val="50000"/>
-            </a:schemeClr>
-          </a:lnRef>
-          <a:fillRef idx="1">
-            <a:schemeClr val="accent1"/>
-          </a:fillRef>
-          <a:effectRef idx="0">
-            <a:schemeClr val="accent1"/>
-          </a:effectRef>
-          <a:fontRef idx="minor">
-            <a:schemeClr val="lt1"/>
-          </a:fontRef>
-        </p:style>
-        <p:txBody>
-          <a:bodyPr rtlCol="0" anchor="ctr"/>
-          <a:lstStyle/>
-          <a:p>
-            <a:pPr algn="ctr"/>
-            <a:endParaRPr lang="en-US"/>
-          </a:p>
-        </p:txBody>
-      </p:sp>
-      <p:sp>
-        <p:nvSpPr>
-          <p:cNvPr id="5" name="Rectangle 4"/>
-          <p:cNvSpPr/>
-          <p:nvPr/>
-        </p:nvSpPr>
-        <p:spPr>
-          <a:xfrm>
-            <a:off x="0" y="0"/>
-            <a:ext cx="7888941" cy="127000"/>
-          </a:xfrm>
-          <a:prstGeom prst="rect">
-            <a:avLst/>
-          </a:prstGeom>
-          <a:solidFill>
-            <a:srgbClr val="7227BC"/>
-          </a:solidFill>
-          <a:ln w="12700" cap="flat" cmpd="sng" algn="ctr">
-            <a:noFill/>
-            <a:prstDash val="solid"/>
-            <a:miter lim="800000"/>
-          </a:ln>
-          <a:effectLst/>
-          <a:extLst>
-            <a:ext uri="{91240B29-F687-4F45-9708-019B960494DF}">
-              <a14:hiddenLine xmlns:a14="http://schemas.microsoft.com/office/drawing/2010/main" w="12700" cap="flat" cmpd="sng" algn="ctr">
-                <a:solidFill>
-                  <a:schemeClr val="accent1">
-                    <a:shade val="50000"/>
-                  </a:schemeClr>
-                </a:solidFill>
-                <a:prstDash val="solid"/>
-                <a:miter lim="800000"/>
-              </a14:hiddenLine>
-            </a:ext>
-          </a:extLst>
-        </p:spPr>
-        <p:style>
-          <a:lnRef idx="2">
-            <a:schemeClr val="accent1">
-              <a:shade val="50000"/>
-            </a:schemeClr>
-          </a:lnRef>
-          <a:fillRef idx="1">
-            <a:schemeClr val="accent1"/>
-          </a:fillRef>
-          <a:effectRef idx="0">
-            <a:schemeClr val="accent1"/>
-          </a:effectRef>
-          <a:fontRef idx="minor">
-            <a:schemeClr val="lt1"/>
-          </a:fontRef>
-        </p:style>
-        <p:txBody>
-          <a:bodyPr rtlCol="0" anchor="ctr"/>
-          <a:lstStyle/>
-          <a:p>
-            <a:pPr algn="ctr"/>
-            <a:endParaRPr lang="en-US"/>
-          </a:p>
-        </p:txBody>
-      </p:sp>
-      <p:sp>
-        <p:nvSpPr>
-          <p:cNvPr id="6" name="Rectangle 5"/>
-          <p:cNvSpPr/>
-          <p:nvPr/>
-        </p:nvSpPr>
-        <p:spPr>
-          <a:xfrm>
-            <a:off x="0" y="0"/>
-            <a:ext cx="7758546" cy="127000"/>
-          </a:xfrm>
-          <a:prstGeom prst="rect">
-            <a:avLst/>
-          </a:prstGeom>
-          <a:solidFill>
-            <a:srgbClr val="7227BC"/>
-          </a:solidFill>
-          <a:ln w="12700" cap="flat" cmpd="sng" algn="ctr">
-            <a:noFill/>
-            <a:prstDash val="solid"/>
-            <a:miter lim="800000"/>
-          </a:ln>
-          <a:effectLst/>
-          <a:extLst>
-            <a:ext uri="{91240B29-F687-4F45-9708-019B960494DF}">
-              <a14:hiddenLine xmlns:a14="http://schemas.microsoft.com/office/drawing/2010/main" w="12700" cap="flat" cmpd="sng" algn="ctr">
-                <a:solidFill>
-                  <a:schemeClr val="accent1">
-                    <a:shade val="50000"/>
-                  </a:schemeClr>
-                </a:solidFill>
-                <a:prstDash val="solid"/>
-                <a:miter lim="800000"/>
-              </a14:hiddenLine>
-            </a:ext>
-          </a:extLst>
-        </p:spPr>
-        <p:style>
-          <a:lnRef idx="2">
-            <a:schemeClr val="accent1">
-              <a:shade val="50000"/>
-            </a:schemeClr>
-          </a:lnRef>
-          <a:fillRef idx="1">
-            <a:schemeClr val="accent1"/>
-          </a:fillRef>
-          <a:effectRef idx="0">
-            <a:schemeClr val="accent1"/>
-          </a:effectRef>
-          <a:fontRef idx="minor">
-            <a:schemeClr val="lt1"/>
-          </a:fontRef>
-        </p:style>
-        <p:txBody>
-          <a:bodyPr rtlCol="0" anchor="ctr"/>
-          <a:lstStyle/>
-          <a:p>
-            <a:pPr algn="ctr"/>
-            <a:endParaRPr lang="en-US"/>
-          </a:p>
-        </p:txBody>
-      </p:sp>
-    </p:spTree>
-    <p:extLst>
-      <p:ext uri="{BB962C8B-B14F-4D97-AF65-F5344CB8AC3E}">
-        <p14:creationId xmlns:p14="http://schemas.microsoft.com/office/powerpoint/2010/main" val="2816568057"/>
-      </p:ext>
-    </p:extLst>
-  </p:cSld>
-  <p:clrMapOvr>
-    <a:masterClrMapping/>
-  </p:clrMapOvr>
-</p:sld>
-</file>
-
-<file path=ppt/slides/slide21.xml><?xml version="1.0" encoding="utf-8"?>
 <p:sld xmlns:a="http://schemas.openxmlformats.org/drawingml/2006/main" xmlns:r="http://schemas.openxmlformats.org/officeDocument/2006/relationships" xmlns:p="http://schemas.openxmlformats.org/presentationml/2006/main">
   <p:cSld>
     <p:spTree>
@@ -9354,10 +8718,18 @@
   <p:clrMapOvr>
     <a:masterClrMapping/>
   </p:clrMapOvr>
+  <mc:AlternateContent xmlns:mc="http://schemas.openxmlformats.org/markup-compatibility/2006">
+    <mc:Choice xmlns:p14="http://schemas.microsoft.com/office/powerpoint/2010/main" Requires="p14">
+      <p:transition spd="slow" p14:dur="2000" advTm="104728"/>
+    </mc:Choice>
+    <mc:Fallback>
+      <p:transition spd="slow" advTm="104728"/>
+    </mc:Fallback>
+  </mc:AlternateContent>
 </p:sld>
 </file>
 
-<file path=ppt/slides/slide22.xml><?xml version="1.0" encoding="utf-8"?>
+<file path=ppt/slides/slide21.xml><?xml version="1.0" encoding="utf-8"?>
 <p:sld xmlns:a="http://schemas.openxmlformats.org/drawingml/2006/main" xmlns:r="http://schemas.openxmlformats.org/officeDocument/2006/relationships" xmlns:p="http://schemas.openxmlformats.org/presentationml/2006/main">
   <p:cSld>
     <p:spTree>
@@ -9601,10 +8973,18 @@
   <p:clrMapOvr>
     <a:masterClrMapping/>
   </p:clrMapOvr>
+  <mc:AlternateContent xmlns:mc="http://schemas.openxmlformats.org/markup-compatibility/2006">
+    <mc:Choice xmlns:p14="http://schemas.microsoft.com/office/powerpoint/2010/main" Requires="p14">
+      <p:transition spd="slow" p14:dur="2000" advTm="4159"/>
+    </mc:Choice>
+    <mc:Fallback>
+      <p:transition spd="slow" advTm="4159"/>
+    </mc:Fallback>
+  </mc:AlternateContent>
 </p:sld>
 </file>
 
-<file path=ppt/slides/slide23.xml><?xml version="1.0" encoding="utf-8"?>
+<file path=ppt/slides/slide22.xml><?xml version="1.0" encoding="utf-8"?>
 <p:sld xmlns:a="http://schemas.openxmlformats.org/drawingml/2006/main" xmlns:r="http://schemas.openxmlformats.org/officeDocument/2006/relationships" xmlns:p="http://schemas.openxmlformats.org/presentationml/2006/main">
   <p:cSld>
     <p:spTree>
@@ -9944,10 +9324,18 @@
   <p:clrMapOvr>
     <a:masterClrMapping/>
   </p:clrMapOvr>
+  <mc:AlternateContent xmlns:mc="http://schemas.openxmlformats.org/markup-compatibility/2006">
+    <mc:Choice xmlns:p14="http://schemas.microsoft.com/office/powerpoint/2010/main" Requires="p14">
+      <p:transition spd="slow" p14:dur="2000" advTm="102676"/>
+    </mc:Choice>
+    <mc:Fallback>
+      <p:transition spd="slow" advTm="102676"/>
+    </mc:Fallback>
+  </mc:AlternateContent>
 </p:sld>
 </file>
 
-<file path=ppt/slides/slide24.xml><?xml version="1.0" encoding="utf-8"?>
+<file path=ppt/slides/slide23.xml><?xml version="1.0" encoding="utf-8"?>
 <p:sld xmlns:a="http://schemas.openxmlformats.org/drawingml/2006/main" xmlns:r="http://schemas.openxmlformats.org/officeDocument/2006/relationships" xmlns:p="http://schemas.openxmlformats.org/presentationml/2006/main">
   <p:cSld>
     <p:spTree>
@@ -9981,34 +9369,26 @@
           <a:p>
             <a:r>
               <a:rPr lang="en-US" sz="3200" dirty="0"/>
+              <a:t>Slippery slope</a:t>
+            </a:r>
+          </a:p>
+          <a:p>
+            <a:r>
+              <a:rPr lang="en-US" sz="3200" dirty="0"/>
               <a:t>Pomodoro</a:t>
             </a:r>
           </a:p>
           <a:p>
             <a:r>
               <a:rPr lang="en-US" sz="3200" dirty="0"/>
-              <a:t>Dedicated time (maybe </a:t>
-            </a:r>
-            <a:r>
-              <a:rPr lang="en-US" sz="3200" dirty="0" err="1"/>
-              <a:t>sync’ed</a:t>
-            </a:r>
-            <a:r>
-              <a:rPr lang="en-US" sz="3200" dirty="0"/>
-              <a:t> for the team)</a:t>
-            </a:r>
-          </a:p>
-          <a:p>
-            <a:r>
-              <a:rPr lang="en-US" sz="3200" dirty="0"/>
-              <a:t>Reward yourself for taking the hard/meaningful route</a:t>
-            </a:r>
-          </a:p>
-          <a:p>
-            <a:r>
-              <a:rPr lang="en-US" sz="3200" dirty="0"/>
-              <a:t>Slippery slope to greatness</a:t>
-            </a:r>
+              <a:t>Dedicated time </a:t>
+            </a:r>
+          </a:p>
+          <a:p>
+            <a:pPr marL="0" indent="0">
+              <a:buNone/>
+            </a:pPr>
+            <a:endParaRPr lang="en-US" sz="3200" dirty="0"/>
           </a:p>
         </p:txBody>
       </p:sp>
@@ -10230,10 +9610,18 @@
   <p:clrMapOvr>
     <a:masterClrMapping/>
   </p:clrMapOvr>
+  <mc:AlternateContent xmlns:mc="http://schemas.openxmlformats.org/markup-compatibility/2006">
+    <mc:Choice xmlns:p14="http://schemas.microsoft.com/office/powerpoint/2010/main" Requires="p14">
+      <p:transition spd="slow" p14:dur="2000" advTm="151260"/>
+    </mc:Choice>
+    <mc:Fallback>
+      <p:transition spd="slow" advTm="151260"/>
+    </mc:Fallback>
+  </mc:AlternateContent>
 </p:sld>
 </file>
 
-<file path=ppt/slides/slide25.xml><?xml version="1.0" encoding="utf-8"?>
+<file path=ppt/slides/slide24.xml><?xml version="1.0" encoding="utf-8"?>
 <p:sld xmlns:a="http://schemas.openxmlformats.org/drawingml/2006/main" xmlns:r="http://schemas.openxmlformats.org/officeDocument/2006/relationships" xmlns:p="http://schemas.openxmlformats.org/presentationml/2006/main">
   <p:cSld>
     <p:spTree>
@@ -10524,644 +9912,18 @@
   <p:clrMapOvr>
     <a:masterClrMapping/>
   </p:clrMapOvr>
+  <mc:AlternateContent xmlns:mc="http://schemas.openxmlformats.org/markup-compatibility/2006">
+    <mc:Choice xmlns:p14="http://schemas.microsoft.com/office/powerpoint/2010/main" Requires="p14">
+      <p:transition spd="slow" p14:dur="2000" advTm="103040"/>
+    </mc:Choice>
+    <mc:Fallback>
+      <p:transition spd="slow" advTm="103040"/>
+    </mc:Fallback>
+  </mc:AlternateContent>
 </p:sld>
 </file>
 
-<file path=ppt/slides/slide26.xml><?xml version="1.0" encoding="utf-8"?>
-<p:sld xmlns:a="http://schemas.openxmlformats.org/drawingml/2006/main" xmlns:r="http://schemas.openxmlformats.org/officeDocument/2006/relationships" xmlns:p="http://schemas.openxmlformats.org/presentationml/2006/main">
-  <p:cSld>
-    <p:spTree>
-      <p:nvGrpSpPr>
-        <p:cNvPr id="1" name=""/>
-        <p:cNvGrpSpPr/>
-        <p:nvPr/>
-      </p:nvGrpSpPr>
-      <p:grpSpPr>
-        <a:xfrm>
-          <a:off x="0" y="0"/>
-          <a:ext cx="0" cy="0"/>
-          <a:chOff x="0" y="0"/>
-          <a:chExt cx="0" cy="0"/>
-        </a:xfrm>
-      </p:grpSpPr>
-      <p:sp>
-        <p:nvSpPr>
-          <p:cNvPr id="2" name="Text Placeholder 1"/>
-          <p:cNvSpPr>
-            <a:spLocks noGrp="1"/>
-          </p:cNvSpPr>
-          <p:nvPr>
-            <p:ph type="body" sz="quarter" idx="10"/>
-          </p:nvPr>
-        </p:nvSpPr>
-        <p:spPr/>
-        <p:txBody>
-          <a:bodyPr/>
-          <a:lstStyle/>
-          <a:p>
-            <a:pPr marL="342900" indent="-342900">
-              <a:buFont typeface="Arial" panose="020B0604020202020204" pitchFamily="34" charset="0"/>
-              <a:buChar char="•"/>
-            </a:pPr>
-            <a:r>
-              <a:rPr lang="en-US" dirty="0"/>
-              <a:t>A network is the ecosystem of people, of which you’re a part, that helps make every individual stronger</a:t>
-            </a:r>
-          </a:p>
-          <a:p>
-            <a:r>
-              <a:rPr lang="en-US" dirty="0"/>
-              <a:t>Everyone in the network has something to offer, including you</a:t>
-            </a:r>
-          </a:p>
-          <a:p>
-            <a:r>
-              <a:rPr lang="en-US" dirty="0"/>
-              <a:t>You’d offer help if someone asked, right?</a:t>
-            </a:r>
-          </a:p>
-          <a:p>
-            <a:pPr marL="342900" indent="-342900">
-              <a:buFont typeface="Arial" panose="020B0604020202020204" pitchFamily="34" charset="0"/>
-              <a:buChar char="•"/>
-            </a:pPr>
-            <a:r>
-              <a:rPr lang="en-US" dirty="0"/>
-              <a:t>D2L is dependent on tribal knowledge, so your D2L-professional-network is important</a:t>
-            </a:r>
-          </a:p>
-          <a:p>
-            <a:endParaRPr lang="en-US" dirty="0"/>
-          </a:p>
-          <a:p>
-            <a:pPr marL="342900" indent="-342900">
-              <a:buFontTx/>
-              <a:buChar char="-"/>
-            </a:pPr>
-            <a:endParaRPr lang="en-US" dirty="0"/>
-          </a:p>
-          <a:p>
-            <a:pPr marL="342900" indent="-342900">
-              <a:buFontTx/>
-              <a:buChar char="-"/>
-            </a:pPr>
-            <a:endParaRPr lang="en-US" dirty="0"/>
-          </a:p>
-        </p:txBody>
-      </p:sp>
-      <p:sp>
-        <p:nvSpPr>
-          <p:cNvPr id="3" name="Title 2"/>
-          <p:cNvSpPr>
-            <a:spLocks noGrp="1"/>
-          </p:cNvSpPr>
-          <p:nvPr>
-            <p:ph type="title"/>
-          </p:nvPr>
-        </p:nvSpPr>
-        <p:spPr/>
-        <p:txBody>
-          <a:bodyPr/>
-          <a:lstStyle/>
-          <a:p>
-            <a:r>
-              <a:rPr lang="en-US" dirty="0"/>
-              <a:t>Building a professional network</a:t>
-            </a:r>
-            <a:br>
-              <a:rPr lang="en-US" dirty="0"/>
-            </a:br>
-            <a:r>
-              <a:rPr lang="en-US" sz="3200" dirty="0"/>
-              <a:t>An introvert’s perspective</a:t>
-            </a:r>
-            <a:endParaRPr lang="en-US" dirty="0"/>
-          </a:p>
-        </p:txBody>
-      </p:sp>
-      <p:sp>
-        <p:nvSpPr>
-          <p:cNvPr id="4" name="Rectangle 3"/>
-          <p:cNvSpPr/>
-          <p:nvPr/>
-        </p:nvSpPr>
-        <p:spPr>
-          <a:xfrm>
-            <a:off x="0" y="0"/>
-            <a:ext cx="10399059" cy="127000"/>
-          </a:xfrm>
-          <a:prstGeom prst="rect">
-            <a:avLst/>
-          </a:prstGeom>
-          <a:solidFill>
-            <a:srgbClr val="17375E"/>
-          </a:solidFill>
-          <a:ln w="12700" cap="flat" cmpd="sng" algn="ctr">
-            <a:noFill/>
-            <a:prstDash val="solid"/>
-            <a:miter lim="800000"/>
-          </a:ln>
-          <a:effectLst/>
-          <a:extLst>
-            <a:ext uri="{91240B29-F687-4F45-9708-019B960494DF}">
-              <a14:hiddenLine xmlns:a14="http://schemas.microsoft.com/office/drawing/2010/main" w="12700" cap="flat" cmpd="sng" algn="ctr">
-                <a:solidFill>
-                  <a:schemeClr val="accent1">
-                    <a:shade val="50000"/>
-                  </a:schemeClr>
-                </a:solidFill>
-                <a:prstDash val="solid"/>
-                <a:miter lim="800000"/>
-              </a14:hiddenLine>
-            </a:ext>
-          </a:extLst>
-        </p:spPr>
-        <p:style>
-          <a:lnRef idx="2">
-            <a:schemeClr val="accent1">
-              <a:shade val="50000"/>
-            </a:schemeClr>
-          </a:lnRef>
-          <a:fillRef idx="1">
-            <a:schemeClr val="accent1"/>
-          </a:fillRef>
-          <a:effectRef idx="0">
-            <a:schemeClr val="accent1"/>
-          </a:effectRef>
-          <a:fontRef idx="minor">
-            <a:schemeClr val="lt1"/>
-          </a:fontRef>
-        </p:style>
-        <p:txBody>
-          <a:bodyPr rtlCol="0" anchor="ctr"/>
-          <a:lstStyle/>
-          <a:p>
-            <a:pPr algn="ctr"/>
-            <a:endParaRPr lang="en-US"/>
-          </a:p>
-        </p:txBody>
-      </p:sp>
-      <p:sp>
-        <p:nvSpPr>
-          <p:cNvPr id="5" name="Rectangle 4"/>
-          <p:cNvSpPr/>
-          <p:nvPr/>
-        </p:nvSpPr>
-        <p:spPr>
-          <a:xfrm>
-            <a:off x="0" y="0"/>
-            <a:ext cx="10399059" cy="127000"/>
-          </a:xfrm>
-          <a:prstGeom prst="rect">
-            <a:avLst/>
-          </a:prstGeom>
-          <a:solidFill>
-            <a:srgbClr val="7227BC"/>
-          </a:solidFill>
-          <a:ln w="12700" cap="flat" cmpd="sng" algn="ctr">
-            <a:noFill/>
-            <a:prstDash val="solid"/>
-            <a:miter lim="800000"/>
-          </a:ln>
-          <a:effectLst/>
-          <a:extLst>
-            <a:ext uri="{91240B29-F687-4F45-9708-019B960494DF}">
-              <a14:hiddenLine xmlns:a14="http://schemas.microsoft.com/office/drawing/2010/main" w="12700" cap="flat" cmpd="sng" algn="ctr">
-                <a:solidFill>
-                  <a:schemeClr val="accent1">
-                    <a:shade val="50000"/>
-                  </a:schemeClr>
-                </a:solidFill>
-                <a:prstDash val="solid"/>
-                <a:miter lim="800000"/>
-              </a14:hiddenLine>
-            </a:ext>
-          </a:extLst>
-        </p:spPr>
-        <p:style>
-          <a:lnRef idx="2">
-            <a:schemeClr val="accent1">
-              <a:shade val="50000"/>
-            </a:schemeClr>
-          </a:lnRef>
-          <a:fillRef idx="1">
-            <a:schemeClr val="accent1"/>
-          </a:fillRef>
-          <a:effectRef idx="0">
-            <a:schemeClr val="accent1"/>
-          </a:effectRef>
-          <a:fontRef idx="minor">
-            <a:schemeClr val="lt1"/>
-          </a:fontRef>
-        </p:style>
-        <p:txBody>
-          <a:bodyPr rtlCol="0" anchor="ctr"/>
-          <a:lstStyle/>
-          <a:p>
-            <a:pPr algn="ctr"/>
-            <a:endParaRPr lang="en-US"/>
-          </a:p>
-        </p:txBody>
-      </p:sp>
-      <p:sp>
-        <p:nvSpPr>
-          <p:cNvPr id="6" name="Rectangle 5"/>
-          <p:cNvSpPr/>
-          <p:nvPr/>
-        </p:nvSpPr>
-        <p:spPr>
-          <a:xfrm>
-            <a:off x="0" y="0"/>
-            <a:ext cx="10344727" cy="127000"/>
-          </a:xfrm>
-          <a:prstGeom prst="rect">
-            <a:avLst/>
-          </a:prstGeom>
-          <a:solidFill>
-            <a:srgbClr val="7227BC"/>
-          </a:solidFill>
-          <a:ln w="12700" cap="flat" cmpd="sng" algn="ctr">
-            <a:noFill/>
-            <a:prstDash val="solid"/>
-            <a:miter lim="800000"/>
-          </a:ln>
-          <a:effectLst/>
-          <a:extLst>
-            <a:ext uri="{91240B29-F687-4F45-9708-019B960494DF}">
-              <a14:hiddenLine xmlns:a14="http://schemas.microsoft.com/office/drawing/2010/main" w="12700" cap="flat" cmpd="sng" algn="ctr">
-                <a:solidFill>
-                  <a:schemeClr val="accent1">
-                    <a:shade val="50000"/>
-                  </a:schemeClr>
-                </a:solidFill>
-                <a:prstDash val="solid"/>
-                <a:miter lim="800000"/>
-              </a14:hiddenLine>
-            </a:ext>
-          </a:extLst>
-        </p:spPr>
-        <p:style>
-          <a:lnRef idx="2">
-            <a:schemeClr val="accent1">
-              <a:shade val="50000"/>
-            </a:schemeClr>
-          </a:lnRef>
-          <a:fillRef idx="1">
-            <a:schemeClr val="accent1"/>
-          </a:fillRef>
-          <a:effectRef idx="0">
-            <a:schemeClr val="accent1"/>
-          </a:effectRef>
-          <a:fontRef idx="minor">
-            <a:schemeClr val="lt1"/>
-          </a:fontRef>
-        </p:style>
-        <p:txBody>
-          <a:bodyPr rtlCol="0" anchor="ctr"/>
-          <a:lstStyle/>
-          <a:p>
-            <a:pPr algn="ctr"/>
-            <a:endParaRPr lang="en-US"/>
-          </a:p>
-        </p:txBody>
-      </p:sp>
-    </p:spTree>
-    <p:extLst>
-      <p:ext uri="{BB962C8B-B14F-4D97-AF65-F5344CB8AC3E}">
-        <p14:creationId xmlns:p14="http://schemas.microsoft.com/office/powerpoint/2010/main" val="1677484805"/>
-      </p:ext>
-    </p:extLst>
-  </p:cSld>
-  <p:clrMapOvr>
-    <a:masterClrMapping/>
-  </p:clrMapOvr>
-</p:sld>
-</file>
-
-<file path=ppt/slides/slide27.xml><?xml version="1.0" encoding="utf-8"?>
-<p:sld xmlns:a="http://schemas.openxmlformats.org/drawingml/2006/main" xmlns:r="http://schemas.openxmlformats.org/officeDocument/2006/relationships" xmlns:p="http://schemas.openxmlformats.org/presentationml/2006/main">
-  <p:cSld>
-    <p:spTree>
-      <p:nvGrpSpPr>
-        <p:cNvPr id="1" name=""/>
-        <p:cNvGrpSpPr/>
-        <p:nvPr/>
-      </p:nvGrpSpPr>
-      <p:grpSpPr>
-        <a:xfrm>
-          <a:off x="0" y="0"/>
-          <a:ext cx="0" cy="0"/>
-          <a:chOff x="0" y="0"/>
-          <a:chExt cx="0" cy="0"/>
-        </a:xfrm>
-      </p:grpSpPr>
-      <p:sp>
-        <p:nvSpPr>
-          <p:cNvPr id="2" name="Text Placeholder 1"/>
-          <p:cNvSpPr>
-            <a:spLocks noGrp="1"/>
-          </p:cNvSpPr>
-          <p:nvPr>
-            <p:ph type="body" sz="quarter" idx="10"/>
-          </p:nvPr>
-        </p:nvSpPr>
-        <p:spPr/>
-        <p:txBody>
-          <a:bodyPr/>
-          <a:lstStyle/>
-          <a:p>
-            <a:pPr marL="342900" indent="-342900">
-              <a:buFont typeface="Arial" panose="020B0604020202020204" pitchFamily="34" charset="0"/>
-              <a:buChar char="•"/>
-            </a:pPr>
-            <a:r>
-              <a:rPr lang="en-US" dirty="0"/>
-              <a:t>Ask questions</a:t>
-            </a:r>
-          </a:p>
-          <a:p>
-            <a:r>
-              <a:rPr lang="en-US" dirty="0"/>
-              <a:t>Give yourself an achievable target</a:t>
-            </a:r>
-          </a:p>
-          <a:p>
-            <a:r>
-              <a:rPr lang="en-US" dirty="0"/>
-              <a:t>Walkabout</a:t>
-            </a:r>
-          </a:p>
-          <a:p>
-            <a:r>
-              <a:rPr lang="en-US" dirty="0"/>
-              <a:t>Sit in a public spot</a:t>
-            </a:r>
-          </a:p>
-          <a:p>
-            <a:r>
-              <a:rPr lang="en-US" dirty="0"/>
-              <a:t>Meet new people at the coffee machine</a:t>
-            </a:r>
-          </a:p>
-          <a:p>
-            <a:r>
-              <a:rPr lang="en-US" dirty="0"/>
-              <a:t>Ask people for their advice</a:t>
-            </a:r>
-          </a:p>
-          <a:p>
-            <a:r>
-              <a:rPr lang="en-US" dirty="0"/>
-              <a:t>Meet up with people to compare what you’ve learned</a:t>
-            </a:r>
-          </a:p>
-          <a:p>
-            <a:r>
-              <a:rPr lang="en-US" dirty="0"/>
-              <a:t>Be generous, particularly when it comes to sharing knowledge</a:t>
-            </a:r>
-          </a:p>
-          <a:p>
-            <a:r>
-              <a:rPr lang="en-US" dirty="0"/>
-              <a:t>Be a 5</a:t>
-            </a:r>
-            <a:r>
-              <a:rPr lang="en-US" baseline="30000" dirty="0"/>
-              <a:t>th</a:t>
-            </a:r>
-            <a:r>
-              <a:rPr lang="en-US" dirty="0"/>
-              <a:t> level tribe member (David Logan - Tribal Leadership) – a connector</a:t>
-            </a:r>
-          </a:p>
-          <a:p>
-            <a:endParaRPr lang="en-US" dirty="0"/>
-          </a:p>
-        </p:txBody>
-      </p:sp>
-      <p:sp>
-        <p:nvSpPr>
-          <p:cNvPr id="3" name="Title 2"/>
-          <p:cNvSpPr>
-            <a:spLocks noGrp="1"/>
-          </p:cNvSpPr>
-          <p:nvPr>
-            <p:ph type="title"/>
-          </p:nvPr>
-        </p:nvSpPr>
-        <p:spPr/>
-        <p:txBody>
-          <a:bodyPr/>
-          <a:lstStyle/>
-          <a:p>
-            <a:r>
-              <a:rPr lang="en-US" dirty="0"/>
-              <a:t>Building a professional network</a:t>
-            </a:r>
-          </a:p>
-        </p:txBody>
-      </p:sp>
-      <p:sp>
-        <p:nvSpPr>
-          <p:cNvPr id="4" name="Rectangle 3"/>
-          <p:cNvSpPr/>
-          <p:nvPr/>
-        </p:nvSpPr>
-        <p:spPr>
-          <a:xfrm>
-            <a:off x="0" y="0"/>
-            <a:ext cx="10757647" cy="127000"/>
-          </a:xfrm>
-          <a:prstGeom prst="rect">
-            <a:avLst/>
-          </a:prstGeom>
-          <a:solidFill>
-            <a:srgbClr val="17375E"/>
-          </a:solidFill>
-          <a:ln w="12700" cap="flat" cmpd="sng" algn="ctr">
-            <a:noFill/>
-            <a:prstDash val="solid"/>
-            <a:miter lim="800000"/>
-          </a:ln>
-          <a:effectLst/>
-          <a:extLst>
-            <a:ext uri="{91240B29-F687-4F45-9708-019B960494DF}">
-              <a14:hiddenLine xmlns:a14="http://schemas.microsoft.com/office/drawing/2010/main" w="12700" cap="flat" cmpd="sng" algn="ctr">
-                <a:solidFill>
-                  <a:schemeClr val="accent1">
-                    <a:shade val="50000"/>
-                  </a:schemeClr>
-                </a:solidFill>
-                <a:prstDash val="solid"/>
-                <a:miter lim="800000"/>
-              </a14:hiddenLine>
-            </a:ext>
-          </a:extLst>
-        </p:spPr>
-        <p:style>
-          <a:lnRef idx="2">
-            <a:schemeClr val="accent1">
-              <a:shade val="50000"/>
-            </a:schemeClr>
-          </a:lnRef>
-          <a:fillRef idx="1">
-            <a:schemeClr val="accent1"/>
-          </a:fillRef>
-          <a:effectRef idx="0">
-            <a:schemeClr val="accent1"/>
-          </a:effectRef>
-          <a:fontRef idx="minor">
-            <a:schemeClr val="lt1"/>
-          </a:fontRef>
-        </p:style>
-        <p:txBody>
-          <a:bodyPr rtlCol="0" anchor="ctr"/>
-          <a:lstStyle/>
-          <a:p>
-            <a:pPr algn="ctr"/>
-            <a:endParaRPr lang="en-US"/>
-          </a:p>
-        </p:txBody>
-      </p:sp>
-      <p:sp>
-        <p:nvSpPr>
-          <p:cNvPr id="5" name="Rectangle 4"/>
-          <p:cNvSpPr/>
-          <p:nvPr/>
-        </p:nvSpPr>
-        <p:spPr>
-          <a:xfrm>
-            <a:off x="0" y="0"/>
-            <a:ext cx="10757647" cy="127000"/>
-          </a:xfrm>
-          <a:prstGeom prst="rect">
-            <a:avLst/>
-          </a:prstGeom>
-          <a:solidFill>
-            <a:srgbClr val="7227BC"/>
-          </a:solidFill>
-          <a:ln w="12700" cap="flat" cmpd="sng" algn="ctr">
-            <a:noFill/>
-            <a:prstDash val="solid"/>
-            <a:miter lim="800000"/>
-          </a:ln>
-          <a:effectLst/>
-          <a:extLst>
-            <a:ext uri="{91240B29-F687-4F45-9708-019B960494DF}">
-              <a14:hiddenLine xmlns:a14="http://schemas.microsoft.com/office/drawing/2010/main" w="12700" cap="flat" cmpd="sng" algn="ctr">
-                <a:solidFill>
-                  <a:schemeClr val="accent1">
-                    <a:shade val="50000"/>
-                  </a:schemeClr>
-                </a:solidFill>
-                <a:prstDash val="solid"/>
-                <a:miter lim="800000"/>
-              </a14:hiddenLine>
-            </a:ext>
-          </a:extLst>
-        </p:spPr>
-        <p:style>
-          <a:lnRef idx="2">
-            <a:schemeClr val="accent1">
-              <a:shade val="50000"/>
-            </a:schemeClr>
-          </a:lnRef>
-          <a:fillRef idx="1">
-            <a:schemeClr val="accent1"/>
-          </a:fillRef>
-          <a:effectRef idx="0">
-            <a:schemeClr val="accent1"/>
-          </a:effectRef>
-          <a:fontRef idx="minor">
-            <a:schemeClr val="lt1"/>
-          </a:fontRef>
-        </p:style>
-        <p:txBody>
-          <a:bodyPr rtlCol="0" anchor="ctr"/>
-          <a:lstStyle/>
-          <a:p>
-            <a:pPr algn="ctr"/>
-            <a:endParaRPr lang="en-US"/>
-          </a:p>
-        </p:txBody>
-      </p:sp>
-      <p:sp>
-        <p:nvSpPr>
-          <p:cNvPr id="6" name="Rectangle 5"/>
-          <p:cNvSpPr/>
-          <p:nvPr/>
-        </p:nvSpPr>
-        <p:spPr>
-          <a:xfrm>
-            <a:off x="0" y="0"/>
-            <a:ext cx="10714182" cy="127000"/>
-          </a:xfrm>
-          <a:prstGeom prst="rect">
-            <a:avLst/>
-          </a:prstGeom>
-          <a:solidFill>
-            <a:srgbClr val="7227BC"/>
-          </a:solidFill>
-          <a:ln w="12700" cap="flat" cmpd="sng" algn="ctr">
-            <a:noFill/>
-            <a:prstDash val="solid"/>
-            <a:miter lim="800000"/>
-          </a:ln>
-          <a:effectLst/>
-          <a:extLst>
-            <a:ext uri="{91240B29-F687-4F45-9708-019B960494DF}">
-              <a14:hiddenLine xmlns:a14="http://schemas.microsoft.com/office/drawing/2010/main" w="12700" cap="flat" cmpd="sng" algn="ctr">
-                <a:solidFill>
-                  <a:schemeClr val="accent1">
-                    <a:shade val="50000"/>
-                  </a:schemeClr>
-                </a:solidFill>
-                <a:prstDash val="solid"/>
-                <a:miter lim="800000"/>
-              </a14:hiddenLine>
-            </a:ext>
-          </a:extLst>
-        </p:spPr>
-        <p:style>
-          <a:lnRef idx="2">
-            <a:schemeClr val="accent1">
-              <a:shade val="50000"/>
-            </a:schemeClr>
-          </a:lnRef>
-          <a:fillRef idx="1">
-            <a:schemeClr val="accent1"/>
-          </a:fillRef>
-          <a:effectRef idx="0">
-            <a:schemeClr val="accent1"/>
-          </a:effectRef>
-          <a:fontRef idx="minor">
-            <a:schemeClr val="lt1"/>
-          </a:fontRef>
-        </p:style>
-        <p:txBody>
-          <a:bodyPr rtlCol="0" anchor="ctr"/>
-          <a:lstStyle/>
-          <a:p>
-            <a:pPr algn="ctr"/>
-            <a:endParaRPr lang="en-US"/>
-          </a:p>
-        </p:txBody>
-      </p:sp>
-    </p:spTree>
-    <p:extLst>
-      <p:ext uri="{BB962C8B-B14F-4D97-AF65-F5344CB8AC3E}">
-        <p14:creationId xmlns:p14="http://schemas.microsoft.com/office/powerpoint/2010/main" val="557025887"/>
-      </p:ext>
-    </p:extLst>
-  </p:cSld>
-  <p:clrMapOvr>
-    <a:masterClrMapping/>
-  </p:clrMapOvr>
-</p:sld>
-</file>
-
-<file path=ppt/slides/slide28.xml><?xml version="1.0" encoding="utf-8"?>
+<file path=ppt/slides/slide25.xml><?xml version="1.0" encoding="utf-8"?>
 <p:sld xmlns:a="http://schemas.openxmlformats.org/drawingml/2006/main" xmlns:r="http://schemas.openxmlformats.org/officeDocument/2006/relationships" xmlns:p="http://schemas.openxmlformats.org/presentationml/2006/main">
   <p:cSld>
     <p:spTree>
@@ -11429,10 +10191,18 @@
   <p:clrMapOvr>
     <a:masterClrMapping/>
   </p:clrMapOvr>
+  <mc:AlternateContent xmlns:mc="http://schemas.openxmlformats.org/markup-compatibility/2006">
+    <mc:Choice xmlns:p14="http://schemas.microsoft.com/office/powerpoint/2010/main" Requires="p14">
+      <p:transition spd="slow" p14:dur="2000" advTm="54781"/>
+    </mc:Choice>
+    <mc:Fallback>
+      <p:transition spd="slow" advTm="54781"/>
+    </mc:Fallback>
+  </mc:AlternateContent>
 </p:sld>
 </file>
 
-<file path=ppt/slides/slide29.xml><?xml version="1.0" encoding="utf-8"?>
+<file path=ppt/slides/slide26.xml><?xml version="1.0" encoding="utf-8"?>
 <p:sld xmlns:a="http://schemas.openxmlformats.org/drawingml/2006/main" xmlns:r="http://schemas.openxmlformats.org/officeDocument/2006/relationships" xmlns:p="http://schemas.openxmlformats.org/presentationml/2006/main">
   <p:cSld>
     <p:spTree>
@@ -11773,6 +10543,613 @@
   <p:clrMapOvr>
     <a:masterClrMapping/>
   </p:clrMapOvr>
+  <mc:AlternateContent xmlns:mc="http://schemas.openxmlformats.org/markup-compatibility/2006">
+    <mc:Choice xmlns:p14="http://schemas.microsoft.com/office/powerpoint/2010/main" Requires="p14">
+      <p:transition spd="slow" p14:dur="2000" advTm="142264"/>
+    </mc:Choice>
+    <mc:Fallback>
+      <p:transition spd="slow" advTm="142264"/>
+    </mc:Fallback>
+  </mc:AlternateContent>
+</p:sld>
+</file>
+
+<file path=ppt/slides/slide27.xml><?xml version="1.0" encoding="utf-8"?>
+<p:sld xmlns:a="http://schemas.openxmlformats.org/drawingml/2006/main" xmlns:r="http://schemas.openxmlformats.org/officeDocument/2006/relationships" xmlns:p="http://schemas.openxmlformats.org/presentationml/2006/main">
+  <p:cSld>
+    <p:spTree>
+      <p:nvGrpSpPr>
+        <p:cNvPr id="1" name=""/>
+        <p:cNvGrpSpPr/>
+        <p:nvPr/>
+      </p:nvGrpSpPr>
+      <p:grpSpPr>
+        <a:xfrm>
+          <a:off x="0" y="0"/>
+          <a:ext cx="0" cy="0"/>
+          <a:chOff x="0" y="0"/>
+          <a:chExt cx="0" cy="0"/>
+        </a:xfrm>
+      </p:grpSpPr>
+      <p:sp>
+        <p:nvSpPr>
+          <p:cNvPr id="2" name="Text Placeholder 1"/>
+          <p:cNvSpPr>
+            <a:spLocks noGrp="1"/>
+          </p:cNvSpPr>
+          <p:nvPr>
+            <p:ph type="body" sz="quarter" idx="10"/>
+          </p:nvPr>
+        </p:nvSpPr>
+        <p:spPr/>
+        <p:txBody>
+          <a:bodyPr/>
+          <a:lstStyle/>
+          <a:p>
+            <a:pPr marL="457200" indent="-457200">
+              <a:buFont typeface="+mj-lt"/>
+              <a:buAutoNum type="arabicPeriod"/>
+            </a:pPr>
+            <a:r>
+              <a:rPr lang="en-US" sz="2800" dirty="0"/>
+              <a:t>Pick a thing you want to be better</a:t>
+            </a:r>
+          </a:p>
+          <a:p>
+            <a:pPr marL="457200" indent="-457200">
+              <a:buFont typeface="+mj-lt"/>
+              <a:buAutoNum type="arabicPeriod"/>
+            </a:pPr>
+            <a:r>
+              <a:rPr lang="en-US" sz="2800" dirty="0"/>
+              <a:t>What would good look like?</a:t>
+            </a:r>
+          </a:p>
+          <a:p>
+            <a:pPr marL="457200" indent="-457200">
+              <a:buFont typeface="+mj-lt"/>
+              <a:buAutoNum type="arabicPeriod"/>
+            </a:pPr>
+            <a:r>
+              <a:rPr lang="en-US" sz="2800" dirty="0"/>
+              <a:t>What’s the next logical step to get there?</a:t>
+            </a:r>
+          </a:p>
+          <a:p>
+            <a:pPr marL="457200" indent="-457200">
+              <a:buFont typeface="+mj-lt"/>
+              <a:buAutoNum type="arabicPeriod"/>
+            </a:pPr>
+            <a:r>
+              <a:rPr lang="en-US" sz="2800" dirty="0"/>
+              <a:t>What small action can you contribute to take that step?  (Proposal?  </a:t>
+            </a:r>
+            <a:r>
+              <a:rPr lang="en-US" sz="2800" dirty="0" err="1"/>
+              <a:t>PoC+Demo</a:t>
+            </a:r>
+            <a:r>
+              <a:rPr lang="en-US" sz="2800" dirty="0"/>
+              <a:t>?  …)</a:t>
+            </a:r>
+          </a:p>
+          <a:p>
+            <a:pPr marL="457200" indent="-457200">
+              <a:buFont typeface="+mj-lt"/>
+              <a:buAutoNum type="arabicPeriod"/>
+            </a:pPr>
+            <a:endParaRPr lang="en-US" dirty="0"/>
+          </a:p>
+        </p:txBody>
+      </p:sp>
+      <p:sp>
+        <p:nvSpPr>
+          <p:cNvPr id="3" name="Title 2"/>
+          <p:cNvSpPr>
+            <a:spLocks noGrp="1"/>
+          </p:cNvSpPr>
+          <p:nvPr>
+            <p:ph type="title"/>
+          </p:nvPr>
+        </p:nvSpPr>
+        <p:spPr/>
+        <p:txBody>
+          <a:bodyPr/>
+          <a:lstStyle/>
+          <a:p>
+            <a:r>
+              <a:rPr lang="en-US" dirty="0"/>
+              <a:t>Be the change </a:t>
+            </a:r>
+            <a:br>
+              <a:rPr lang="en-US" dirty="0"/>
+            </a:br>
+            <a:r>
+              <a:rPr lang="en-US" sz="2800" dirty="0"/>
+              <a:t>(TODO: Pick less cheesy title)</a:t>
+            </a:r>
+            <a:endParaRPr lang="en-US" dirty="0"/>
+          </a:p>
+        </p:txBody>
+      </p:sp>
+      <p:sp>
+        <p:nvSpPr>
+          <p:cNvPr id="4" name="Rectangle 3"/>
+          <p:cNvSpPr/>
+          <p:nvPr/>
+        </p:nvSpPr>
+        <p:spPr>
+          <a:xfrm>
+            <a:off x="0" y="0"/>
+            <a:ext cx="11833412" cy="127000"/>
+          </a:xfrm>
+          <a:prstGeom prst="rect">
+            <a:avLst/>
+          </a:prstGeom>
+          <a:solidFill>
+            <a:srgbClr val="17375E"/>
+          </a:solidFill>
+          <a:ln w="12700" cap="flat" cmpd="sng" algn="ctr">
+            <a:noFill/>
+            <a:prstDash val="solid"/>
+            <a:miter lim="800000"/>
+          </a:ln>
+          <a:effectLst/>
+          <a:extLst>
+            <a:ext uri="{91240B29-F687-4F45-9708-019B960494DF}">
+              <a14:hiddenLine xmlns:a14="http://schemas.microsoft.com/office/drawing/2010/main" w="12700" cap="flat" cmpd="sng" algn="ctr">
+                <a:solidFill>
+                  <a:schemeClr val="accent1">
+                    <a:shade val="50000"/>
+                  </a:schemeClr>
+                </a:solidFill>
+                <a:prstDash val="solid"/>
+                <a:miter lim="800000"/>
+              </a14:hiddenLine>
+            </a:ext>
+          </a:extLst>
+        </p:spPr>
+        <p:style>
+          <a:lnRef idx="2">
+            <a:schemeClr val="accent1">
+              <a:shade val="50000"/>
+            </a:schemeClr>
+          </a:lnRef>
+          <a:fillRef idx="1">
+            <a:schemeClr val="accent1"/>
+          </a:fillRef>
+          <a:effectRef idx="0">
+            <a:schemeClr val="accent1"/>
+          </a:effectRef>
+          <a:fontRef idx="minor">
+            <a:schemeClr val="lt1"/>
+          </a:fontRef>
+        </p:style>
+        <p:txBody>
+          <a:bodyPr rtlCol="0" anchor="ctr"/>
+          <a:lstStyle/>
+          <a:p>
+            <a:pPr algn="ctr"/>
+            <a:endParaRPr lang="en-US"/>
+          </a:p>
+        </p:txBody>
+      </p:sp>
+      <p:sp>
+        <p:nvSpPr>
+          <p:cNvPr id="5" name="Rectangle 4"/>
+          <p:cNvSpPr/>
+          <p:nvPr/>
+        </p:nvSpPr>
+        <p:spPr>
+          <a:xfrm>
+            <a:off x="0" y="0"/>
+            <a:ext cx="11833412" cy="127000"/>
+          </a:xfrm>
+          <a:prstGeom prst="rect">
+            <a:avLst/>
+          </a:prstGeom>
+          <a:solidFill>
+            <a:srgbClr val="7227BC"/>
+          </a:solidFill>
+          <a:ln w="12700" cap="flat" cmpd="sng" algn="ctr">
+            <a:noFill/>
+            <a:prstDash val="solid"/>
+            <a:miter lim="800000"/>
+          </a:ln>
+          <a:effectLst/>
+          <a:extLst>
+            <a:ext uri="{91240B29-F687-4F45-9708-019B960494DF}">
+              <a14:hiddenLine xmlns:a14="http://schemas.microsoft.com/office/drawing/2010/main" w="12700" cap="flat" cmpd="sng" algn="ctr">
+                <a:solidFill>
+                  <a:schemeClr val="accent1">
+                    <a:shade val="50000"/>
+                  </a:schemeClr>
+                </a:solidFill>
+                <a:prstDash val="solid"/>
+                <a:miter lim="800000"/>
+              </a14:hiddenLine>
+            </a:ext>
+          </a:extLst>
+        </p:spPr>
+        <p:style>
+          <a:lnRef idx="2">
+            <a:schemeClr val="accent1">
+              <a:shade val="50000"/>
+            </a:schemeClr>
+          </a:lnRef>
+          <a:fillRef idx="1">
+            <a:schemeClr val="accent1"/>
+          </a:fillRef>
+          <a:effectRef idx="0">
+            <a:schemeClr val="accent1"/>
+          </a:effectRef>
+          <a:fontRef idx="minor">
+            <a:schemeClr val="lt1"/>
+          </a:fontRef>
+        </p:style>
+        <p:txBody>
+          <a:bodyPr rtlCol="0" anchor="ctr"/>
+          <a:lstStyle/>
+          <a:p>
+            <a:pPr algn="ctr"/>
+            <a:endParaRPr lang="en-US"/>
+          </a:p>
+        </p:txBody>
+      </p:sp>
+      <p:sp>
+        <p:nvSpPr>
+          <p:cNvPr id="6" name="Rectangle 5"/>
+          <p:cNvSpPr/>
+          <p:nvPr/>
+        </p:nvSpPr>
+        <p:spPr>
+          <a:xfrm>
+            <a:off x="0" y="0"/>
+            <a:ext cx="11822546" cy="127000"/>
+          </a:xfrm>
+          <a:prstGeom prst="rect">
+            <a:avLst/>
+          </a:prstGeom>
+          <a:solidFill>
+            <a:srgbClr val="7227BC"/>
+          </a:solidFill>
+          <a:ln w="12700" cap="flat" cmpd="sng" algn="ctr">
+            <a:noFill/>
+            <a:prstDash val="solid"/>
+            <a:miter lim="800000"/>
+          </a:ln>
+          <a:effectLst/>
+          <a:extLst>
+            <a:ext uri="{91240B29-F687-4F45-9708-019B960494DF}">
+              <a14:hiddenLine xmlns:a14="http://schemas.microsoft.com/office/drawing/2010/main" w="12700" cap="flat" cmpd="sng" algn="ctr">
+                <a:solidFill>
+                  <a:schemeClr val="accent1">
+                    <a:shade val="50000"/>
+                  </a:schemeClr>
+                </a:solidFill>
+                <a:prstDash val="solid"/>
+                <a:miter lim="800000"/>
+              </a14:hiddenLine>
+            </a:ext>
+          </a:extLst>
+        </p:spPr>
+        <p:style>
+          <a:lnRef idx="2">
+            <a:schemeClr val="accent1">
+              <a:shade val="50000"/>
+            </a:schemeClr>
+          </a:lnRef>
+          <a:fillRef idx="1">
+            <a:schemeClr val="accent1"/>
+          </a:fillRef>
+          <a:effectRef idx="0">
+            <a:schemeClr val="accent1"/>
+          </a:effectRef>
+          <a:fontRef idx="minor">
+            <a:schemeClr val="lt1"/>
+          </a:fontRef>
+        </p:style>
+        <p:txBody>
+          <a:bodyPr rtlCol="0" anchor="ctr"/>
+          <a:lstStyle/>
+          <a:p>
+            <a:pPr algn="ctr"/>
+            <a:endParaRPr lang="en-US"/>
+          </a:p>
+        </p:txBody>
+      </p:sp>
+    </p:spTree>
+    <p:extLst>
+      <p:ext uri="{BB962C8B-B14F-4D97-AF65-F5344CB8AC3E}">
+        <p14:creationId xmlns:p14="http://schemas.microsoft.com/office/powerpoint/2010/main" val="1213391016"/>
+      </p:ext>
+    </p:extLst>
+  </p:cSld>
+  <p:clrMapOvr>
+    <a:masterClrMapping/>
+  </p:clrMapOvr>
+  <mc:AlternateContent xmlns:mc="http://schemas.openxmlformats.org/markup-compatibility/2006">
+    <mc:Choice xmlns:p14="http://schemas.microsoft.com/office/powerpoint/2010/main" Requires="p14">
+      <p:transition spd="slow" p14:dur="2000" advTm="83886"/>
+    </mc:Choice>
+    <mc:Fallback>
+      <p:transition spd="slow" advTm="83886"/>
+    </mc:Fallback>
+  </mc:AlternateContent>
+</p:sld>
+</file>
+
+<file path=ppt/slides/slide28.xml><?xml version="1.0" encoding="utf-8"?>
+<p:sld xmlns:a="http://schemas.openxmlformats.org/drawingml/2006/main" xmlns:r="http://schemas.openxmlformats.org/officeDocument/2006/relationships" xmlns:p="http://schemas.openxmlformats.org/presentationml/2006/main">
+  <p:cSld>
+    <p:spTree>
+      <p:nvGrpSpPr>
+        <p:cNvPr id="1" name=""/>
+        <p:cNvGrpSpPr/>
+        <p:nvPr/>
+      </p:nvGrpSpPr>
+      <p:grpSpPr>
+        <a:xfrm>
+          <a:off x="0" y="0"/>
+          <a:ext cx="0" cy="0"/>
+          <a:chOff x="0" y="0"/>
+          <a:chExt cx="0" cy="0"/>
+        </a:xfrm>
+      </p:grpSpPr>
+      <p:sp>
+        <p:nvSpPr>
+          <p:cNvPr id="2" name="Text Placeholder 1"/>
+          <p:cNvSpPr>
+            <a:spLocks noGrp="1"/>
+          </p:cNvSpPr>
+          <p:nvPr>
+            <p:ph type="body" sz="quarter" idx="10"/>
+          </p:nvPr>
+        </p:nvSpPr>
+        <p:spPr/>
+        <p:txBody>
+          <a:bodyPr/>
+          <a:lstStyle/>
+          <a:p>
+            <a:r>
+              <a:rPr lang="en-US" dirty="0"/>
+              <a:t>Questions or ideas?</a:t>
+            </a:r>
+          </a:p>
+          <a:p>
+            <a:r>
+              <a:rPr lang="en-US" dirty="0"/>
+              <a:t>I’d value your feedback</a:t>
+            </a:r>
+          </a:p>
+        </p:txBody>
+      </p:sp>
+      <p:sp>
+        <p:nvSpPr>
+          <p:cNvPr id="3" name="Title 2"/>
+          <p:cNvSpPr>
+            <a:spLocks noGrp="1"/>
+          </p:cNvSpPr>
+          <p:nvPr>
+            <p:ph type="title"/>
+          </p:nvPr>
+        </p:nvSpPr>
+        <p:spPr/>
+        <p:txBody>
+          <a:bodyPr/>
+          <a:lstStyle/>
+          <a:p>
+            <a:r>
+              <a:rPr lang="en-US" dirty="0"/>
+              <a:t>Thanks!</a:t>
+            </a:r>
+          </a:p>
+        </p:txBody>
+      </p:sp>
+      <p:sp>
+        <p:nvSpPr>
+          <p:cNvPr id="4" name="Rectangle 3"/>
+          <p:cNvSpPr/>
+          <p:nvPr/>
+        </p:nvSpPr>
+        <p:spPr>
+          <a:xfrm>
+            <a:off x="0" y="0"/>
+            <a:ext cx="12192000" cy="127000"/>
+          </a:xfrm>
+          <a:prstGeom prst="rect">
+            <a:avLst/>
+          </a:prstGeom>
+          <a:solidFill>
+            <a:srgbClr val="17375E"/>
+          </a:solidFill>
+          <a:ln w="12700" cap="flat" cmpd="sng" algn="ctr">
+            <a:noFill/>
+            <a:prstDash val="solid"/>
+            <a:miter lim="800000"/>
+          </a:ln>
+          <a:effectLst/>
+          <a:extLst>
+            <a:ext uri="{91240B29-F687-4F45-9708-019B960494DF}">
+              <a14:hiddenLine xmlns:a14="http://schemas.microsoft.com/office/drawing/2010/main" w="12700" cap="flat" cmpd="sng" algn="ctr">
+                <a:solidFill>
+                  <a:schemeClr val="accent1">
+                    <a:shade val="50000"/>
+                  </a:schemeClr>
+                </a:solidFill>
+                <a:prstDash val="solid"/>
+                <a:miter lim="800000"/>
+              </a14:hiddenLine>
+            </a:ext>
+          </a:extLst>
+        </p:spPr>
+        <p:style>
+          <a:lnRef idx="2">
+            <a:schemeClr val="accent1">
+              <a:shade val="50000"/>
+            </a:schemeClr>
+          </a:lnRef>
+          <a:fillRef idx="1">
+            <a:schemeClr val="accent1"/>
+          </a:fillRef>
+          <a:effectRef idx="0">
+            <a:schemeClr val="accent1"/>
+          </a:effectRef>
+          <a:fontRef idx="minor">
+            <a:schemeClr val="lt1"/>
+          </a:fontRef>
+        </p:style>
+        <p:txBody>
+          <a:bodyPr rtlCol="0" anchor="ctr"/>
+          <a:lstStyle/>
+          <a:p>
+            <a:pPr algn="ctr"/>
+            <a:endParaRPr lang="en-US"/>
+          </a:p>
+        </p:txBody>
+      </p:sp>
+      <p:sp>
+        <p:nvSpPr>
+          <p:cNvPr id="5" name="Rectangle 4"/>
+          <p:cNvSpPr/>
+          <p:nvPr/>
+        </p:nvSpPr>
+        <p:spPr>
+          <a:xfrm>
+            <a:off x="0" y="0"/>
+            <a:ext cx="12192000" cy="127000"/>
+          </a:xfrm>
+          <a:prstGeom prst="rect">
+            <a:avLst/>
+          </a:prstGeom>
+          <a:solidFill>
+            <a:srgbClr val="7227BC"/>
+          </a:solidFill>
+          <a:ln w="12700" cap="flat" cmpd="sng" algn="ctr">
+            <a:noFill/>
+            <a:prstDash val="solid"/>
+            <a:miter lim="800000"/>
+          </a:ln>
+          <a:effectLst/>
+          <a:extLst>
+            <a:ext uri="{91240B29-F687-4F45-9708-019B960494DF}">
+              <a14:hiddenLine xmlns:a14="http://schemas.microsoft.com/office/drawing/2010/main" w="12700" cap="flat" cmpd="sng" algn="ctr">
+                <a:solidFill>
+                  <a:schemeClr val="accent1">
+                    <a:shade val="50000"/>
+                  </a:schemeClr>
+                </a:solidFill>
+                <a:prstDash val="solid"/>
+                <a:miter lim="800000"/>
+              </a14:hiddenLine>
+            </a:ext>
+          </a:extLst>
+        </p:spPr>
+        <p:style>
+          <a:lnRef idx="2">
+            <a:schemeClr val="accent1">
+              <a:shade val="50000"/>
+            </a:schemeClr>
+          </a:lnRef>
+          <a:fillRef idx="1">
+            <a:schemeClr val="accent1"/>
+          </a:fillRef>
+          <a:effectRef idx="0">
+            <a:schemeClr val="accent1"/>
+          </a:effectRef>
+          <a:fontRef idx="minor">
+            <a:schemeClr val="lt1"/>
+          </a:fontRef>
+        </p:style>
+        <p:txBody>
+          <a:bodyPr rtlCol="0" anchor="ctr"/>
+          <a:lstStyle/>
+          <a:p>
+            <a:pPr algn="ctr"/>
+            <a:endParaRPr lang="en-US"/>
+          </a:p>
+        </p:txBody>
+      </p:sp>
+      <p:sp>
+        <p:nvSpPr>
+          <p:cNvPr id="6" name="Rectangle 5"/>
+          <p:cNvSpPr/>
+          <p:nvPr/>
+        </p:nvSpPr>
+        <p:spPr>
+          <a:xfrm>
+            <a:off x="0" y="0"/>
+            <a:ext cx="12192000" cy="127000"/>
+          </a:xfrm>
+          <a:prstGeom prst="rect">
+            <a:avLst/>
+          </a:prstGeom>
+          <a:solidFill>
+            <a:srgbClr val="7227BC"/>
+          </a:solidFill>
+          <a:ln w="12700" cap="flat" cmpd="sng" algn="ctr">
+            <a:noFill/>
+            <a:prstDash val="solid"/>
+            <a:miter lim="800000"/>
+          </a:ln>
+          <a:effectLst/>
+          <a:extLst>
+            <a:ext uri="{91240B29-F687-4F45-9708-019B960494DF}">
+              <a14:hiddenLine xmlns:a14="http://schemas.microsoft.com/office/drawing/2010/main" w="12700" cap="flat" cmpd="sng" algn="ctr">
+                <a:solidFill>
+                  <a:schemeClr val="accent1">
+                    <a:shade val="50000"/>
+                  </a:schemeClr>
+                </a:solidFill>
+                <a:prstDash val="solid"/>
+                <a:miter lim="800000"/>
+              </a14:hiddenLine>
+            </a:ext>
+          </a:extLst>
+        </p:spPr>
+        <p:style>
+          <a:lnRef idx="2">
+            <a:schemeClr val="accent1">
+              <a:shade val="50000"/>
+            </a:schemeClr>
+          </a:lnRef>
+          <a:fillRef idx="1">
+            <a:schemeClr val="accent1"/>
+          </a:fillRef>
+          <a:effectRef idx="0">
+            <a:schemeClr val="accent1"/>
+          </a:effectRef>
+          <a:fontRef idx="minor">
+            <a:schemeClr val="lt1"/>
+          </a:fontRef>
+        </p:style>
+        <p:txBody>
+          <a:bodyPr rtlCol="0" anchor="ctr"/>
+          <a:lstStyle/>
+          <a:p>
+            <a:pPr algn="ctr"/>
+            <a:endParaRPr lang="en-US"/>
+          </a:p>
+        </p:txBody>
+      </p:sp>
+    </p:spTree>
+    <p:extLst>
+      <p:ext uri="{BB962C8B-B14F-4D97-AF65-F5344CB8AC3E}">
+        <p14:creationId xmlns:p14="http://schemas.microsoft.com/office/powerpoint/2010/main" val="2315339923"/>
+      </p:ext>
+    </p:extLst>
+  </p:cSld>
+  <p:clrMapOvr>
+    <a:masterClrMapping/>
+  </p:clrMapOvr>
+  <mc:AlternateContent xmlns:mc="http://schemas.openxmlformats.org/markup-compatibility/2006">
+    <mc:Choice xmlns:p14="http://schemas.microsoft.com/office/powerpoint/2010/main" Requires="p14">
+      <p:transition spd="slow" p14:dur="2000" advTm="536"/>
+    </mc:Choice>
+    <mc:Fallback>
+      <p:transition spd="slow" advTm="536"/>
+    </mc:Fallback>
+  </mc:AlternateContent>
 </p:sld>
 </file>
 
@@ -12059,589 +11436,14 @@
   <p:clrMapOvr>
     <a:masterClrMapping/>
   </p:clrMapOvr>
-</p:sld>
-</file>
-
-<file path=ppt/slides/slide30.xml><?xml version="1.0" encoding="utf-8"?>
-<p:sld xmlns:a="http://schemas.openxmlformats.org/drawingml/2006/main" xmlns:r="http://schemas.openxmlformats.org/officeDocument/2006/relationships" xmlns:p="http://schemas.openxmlformats.org/presentationml/2006/main">
-  <p:cSld>
-    <p:spTree>
-      <p:nvGrpSpPr>
-        <p:cNvPr id="1" name=""/>
-        <p:cNvGrpSpPr/>
-        <p:nvPr/>
-      </p:nvGrpSpPr>
-      <p:grpSpPr>
-        <a:xfrm>
-          <a:off x="0" y="0"/>
-          <a:ext cx="0" cy="0"/>
-          <a:chOff x="0" y="0"/>
-          <a:chExt cx="0" cy="0"/>
-        </a:xfrm>
-      </p:grpSpPr>
-      <p:sp>
-        <p:nvSpPr>
-          <p:cNvPr id="2" name="Text Placeholder 1"/>
-          <p:cNvSpPr>
-            <a:spLocks noGrp="1"/>
-          </p:cNvSpPr>
-          <p:nvPr>
-            <p:ph type="body" sz="quarter" idx="10"/>
-          </p:nvPr>
-        </p:nvSpPr>
-        <p:spPr/>
-        <p:txBody>
-          <a:bodyPr/>
-          <a:lstStyle/>
-          <a:p>
-            <a:pPr marL="457200" indent="-457200">
-              <a:buFont typeface="+mj-lt"/>
-              <a:buAutoNum type="arabicPeriod"/>
-            </a:pPr>
-            <a:r>
-              <a:rPr lang="en-US" sz="2800" dirty="0"/>
-              <a:t>Pick a thing you want to be better</a:t>
-            </a:r>
-          </a:p>
-          <a:p>
-            <a:pPr marL="457200" indent="-457200">
-              <a:buFont typeface="+mj-lt"/>
-              <a:buAutoNum type="arabicPeriod"/>
-            </a:pPr>
-            <a:r>
-              <a:rPr lang="en-US" sz="2800" dirty="0"/>
-              <a:t>What would good look like?</a:t>
-            </a:r>
-          </a:p>
-          <a:p>
-            <a:pPr marL="457200" indent="-457200">
-              <a:buFont typeface="+mj-lt"/>
-              <a:buAutoNum type="arabicPeriod"/>
-            </a:pPr>
-            <a:r>
-              <a:rPr lang="en-US" sz="2800" dirty="0"/>
-              <a:t>What’s the next logical step to get there?</a:t>
-            </a:r>
-          </a:p>
-          <a:p>
-            <a:pPr marL="457200" indent="-457200">
-              <a:buFont typeface="+mj-lt"/>
-              <a:buAutoNum type="arabicPeriod"/>
-            </a:pPr>
-            <a:r>
-              <a:rPr lang="en-US" sz="2800" dirty="0"/>
-              <a:t>What small action can you contribute to take that step?  (Proposal?  </a:t>
-            </a:r>
-            <a:r>
-              <a:rPr lang="en-US" sz="2800" dirty="0" err="1"/>
-              <a:t>PoC+Demo</a:t>
-            </a:r>
-            <a:r>
-              <a:rPr lang="en-US" sz="2800" dirty="0"/>
-              <a:t>?  …)</a:t>
-            </a:r>
-          </a:p>
-          <a:p>
-            <a:pPr marL="457200" indent="-457200">
-              <a:buFont typeface="+mj-lt"/>
-              <a:buAutoNum type="arabicPeriod"/>
-            </a:pPr>
-            <a:endParaRPr lang="en-US" dirty="0"/>
-          </a:p>
-        </p:txBody>
-      </p:sp>
-      <p:sp>
-        <p:nvSpPr>
-          <p:cNvPr id="3" name="Title 2"/>
-          <p:cNvSpPr>
-            <a:spLocks noGrp="1"/>
-          </p:cNvSpPr>
-          <p:nvPr>
-            <p:ph type="title"/>
-          </p:nvPr>
-        </p:nvSpPr>
-        <p:spPr/>
-        <p:txBody>
-          <a:bodyPr/>
-          <a:lstStyle/>
-          <a:p>
-            <a:r>
-              <a:rPr lang="en-US" dirty="0"/>
-              <a:t>Be the change </a:t>
-            </a:r>
-            <a:br>
-              <a:rPr lang="en-US" dirty="0"/>
-            </a:br>
-            <a:r>
-              <a:rPr lang="en-US" sz="2800" dirty="0"/>
-              <a:t>(TODO: Pick less cheesy title)</a:t>
-            </a:r>
-            <a:endParaRPr lang="en-US" dirty="0"/>
-          </a:p>
-        </p:txBody>
-      </p:sp>
-      <p:sp>
-        <p:nvSpPr>
-          <p:cNvPr id="4" name="Rectangle 3"/>
-          <p:cNvSpPr/>
-          <p:nvPr/>
-        </p:nvSpPr>
-        <p:spPr>
-          <a:xfrm>
-            <a:off x="0" y="0"/>
-            <a:ext cx="11833412" cy="127000"/>
-          </a:xfrm>
-          <a:prstGeom prst="rect">
-            <a:avLst/>
-          </a:prstGeom>
-          <a:solidFill>
-            <a:srgbClr val="17375E"/>
-          </a:solidFill>
-          <a:ln w="12700" cap="flat" cmpd="sng" algn="ctr">
-            <a:noFill/>
-            <a:prstDash val="solid"/>
-            <a:miter lim="800000"/>
-          </a:ln>
-          <a:effectLst/>
-          <a:extLst>
-            <a:ext uri="{91240B29-F687-4F45-9708-019B960494DF}">
-              <a14:hiddenLine xmlns:a14="http://schemas.microsoft.com/office/drawing/2010/main" w="12700" cap="flat" cmpd="sng" algn="ctr">
-                <a:solidFill>
-                  <a:schemeClr val="accent1">
-                    <a:shade val="50000"/>
-                  </a:schemeClr>
-                </a:solidFill>
-                <a:prstDash val="solid"/>
-                <a:miter lim="800000"/>
-              </a14:hiddenLine>
-            </a:ext>
-          </a:extLst>
-        </p:spPr>
-        <p:style>
-          <a:lnRef idx="2">
-            <a:schemeClr val="accent1">
-              <a:shade val="50000"/>
-            </a:schemeClr>
-          </a:lnRef>
-          <a:fillRef idx="1">
-            <a:schemeClr val="accent1"/>
-          </a:fillRef>
-          <a:effectRef idx="0">
-            <a:schemeClr val="accent1"/>
-          </a:effectRef>
-          <a:fontRef idx="minor">
-            <a:schemeClr val="lt1"/>
-          </a:fontRef>
-        </p:style>
-        <p:txBody>
-          <a:bodyPr rtlCol="0" anchor="ctr"/>
-          <a:lstStyle/>
-          <a:p>
-            <a:pPr algn="ctr"/>
-            <a:endParaRPr lang="en-US"/>
-          </a:p>
-        </p:txBody>
-      </p:sp>
-      <p:sp>
-        <p:nvSpPr>
-          <p:cNvPr id="5" name="Rectangle 4"/>
-          <p:cNvSpPr/>
-          <p:nvPr/>
-        </p:nvSpPr>
-        <p:spPr>
-          <a:xfrm>
-            <a:off x="0" y="0"/>
-            <a:ext cx="11833412" cy="127000"/>
-          </a:xfrm>
-          <a:prstGeom prst="rect">
-            <a:avLst/>
-          </a:prstGeom>
-          <a:solidFill>
-            <a:srgbClr val="7227BC"/>
-          </a:solidFill>
-          <a:ln w="12700" cap="flat" cmpd="sng" algn="ctr">
-            <a:noFill/>
-            <a:prstDash val="solid"/>
-            <a:miter lim="800000"/>
-          </a:ln>
-          <a:effectLst/>
-          <a:extLst>
-            <a:ext uri="{91240B29-F687-4F45-9708-019B960494DF}">
-              <a14:hiddenLine xmlns:a14="http://schemas.microsoft.com/office/drawing/2010/main" w="12700" cap="flat" cmpd="sng" algn="ctr">
-                <a:solidFill>
-                  <a:schemeClr val="accent1">
-                    <a:shade val="50000"/>
-                  </a:schemeClr>
-                </a:solidFill>
-                <a:prstDash val="solid"/>
-                <a:miter lim="800000"/>
-              </a14:hiddenLine>
-            </a:ext>
-          </a:extLst>
-        </p:spPr>
-        <p:style>
-          <a:lnRef idx="2">
-            <a:schemeClr val="accent1">
-              <a:shade val="50000"/>
-            </a:schemeClr>
-          </a:lnRef>
-          <a:fillRef idx="1">
-            <a:schemeClr val="accent1"/>
-          </a:fillRef>
-          <a:effectRef idx="0">
-            <a:schemeClr val="accent1"/>
-          </a:effectRef>
-          <a:fontRef idx="minor">
-            <a:schemeClr val="lt1"/>
-          </a:fontRef>
-        </p:style>
-        <p:txBody>
-          <a:bodyPr rtlCol="0" anchor="ctr"/>
-          <a:lstStyle/>
-          <a:p>
-            <a:pPr algn="ctr"/>
-            <a:endParaRPr lang="en-US"/>
-          </a:p>
-        </p:txBody>
-      </p:sp>
-      <p:sp>
-        <p:nvSpPr>
-          <p:cNvPr id="6" name="Rectangle 5"/>
-          <p:cNvSpPr/>
-          <p:nvPr/>
-        </p:nvSpPr>
-        <p:spPr>
-          <a:xfrm>
-            <a:off x="0" y="0"/>
-            <a:ext cx="11822546" cy="127000"/>
-          </a:xfrm>
-          <a:prstGeom prst="rect">
-            <a:avLst/>
-          </a:prstGeom>
-          <a:solidFill>
-            <a:srgbClr val="7227BC"/>
-          </a:solidFill>
-          <a:ln w="12700" cap="flat" cmpd="sng" algn="ctr">
-            <a:noFill/>
-            <a:prstDash val="solid"/>
-            <a:miter lim="800000"/>
-          </a:ln>
-          <a:effectLst/>
-          <a:extLst>
-            <a:ext uri="{91240B29-F687-4F45-9708-019B960494DF}">
-              <a14:hiddenLine xmlns:a14="http://schemas.microsoft.com/office/drawing/2010/main" w="12700" cap="flat" cmpd="sng" algn="ctr">
-                <a:solidFill>
-                  <a:schemeClr val="accent1">
-                    <a:shade val="50000"/>
-                  </a:schemeClr>
-                </a:solidFill>
-                <a:prstDash val="solid"/>
-                <a:miter lim="800000"/>
-              </a14:hiddenLine>
-            </a:ext>
-          </a:extLst>
-        </p:spPr>
-        <p:style>
-          <a:lnRef idx="2">
-            <a:schemeClr val="accent1">
-              <a:shade val="50000"/>
-            </a:schemeClr>
-          </a:lnRef>
-          <a:fillRef idx="1">
-            <a:schemeClr val="accent1"/>
-          </a:fillRef>
-          <a:effectRef idx="0">
-            <a:schemeClr val="accent1"/>
-          </a:effectRef>
-          <a:fontRef idx="minor">
-            <a:schemeClr val="lt1"/>
-          </a:fontRef>
-        </p:style>
-        <p:txBody>
-          <a:bodyPr rtlCol="0" anchor="ctr"/>
-          <a:lstStyle/>
-          <a:p>
-            <a:pPr algn="ctr"/>
-            <a:endParaRPr lang="en-US"/>
-          </a:p>
-        </p:txBody>
-      </p:sp>
-    </p:spTree>
-    <p:extLst>
-      <p:ext uri="{BB962C8B-B14F-4D97-AF65-F5344CB8AC3E}">
-        <p14:creationId xmlns:p14="http://schemas.microsoft.com/office/powerpoint/2010/main" val="1213391016"/>
-      </p:ext>
-    </p:extLst>
-  </p:cSld>
-  <p:clrMapOvr>
-    <a:masterClrMapping/>
-  </p:clrMapOvr>
-</p:sld>
-</file>
-
-<file path=ppt/slides/slide31.xml><?xml version="1.0" encoding="utf-8"?>
-<p:sld xmlns:a="http://schemas.openxmlformats.org/drawingml/2006/main" xmlns:r="http://schemas.openxmlformats.org/officeDocument/2006/relationships" xmlns:p="http://schemas.openxmlformats.org/presentationml/2006/main">
-  <p:cSld>
-    <p:spTree>
-      <p:nvGrpSpPr>
-        <p:cNvPr id="1" name=""/>
-        <p:cNvGrpSpPr/>
-        <p:nvPr/>
-      </p:nvGrpSpPr>
-      <p:grpSpPr>
-        <a:xfrm>
-          <a:off x="0" y="0"/>
-          <a:ext cx="0" cy="0"/>
-          <a:chOff x="0" y="0"/>
-          <a:chExt cx="0" cy="0"/>
-        </a:xfrm>
-      </p:grpSpPr>
-      <p:sp>
-        <p:nvSpPr>
-          <p:cNvPr id="2" name="Text Placeholder 1"/>
-          <p:cNvSpPr>
-            <a:spLocks noGrp="1"/>
-          </p:cNvSpPr>
-          <p:nvPr>
-            <p:ph type="body" sz="quarter" idx="10"/>
-          </p:nvPr>
-        </p:nvSpPr>
-        <p:spPr/>
-        <p:txBody>
-          <a:bodyPr/>
-          <a:lstStyle/>
-          <a:p>
-            <a:r>
-              <a:rPr lang="en-US" dirty="0"/>
-              <a:t>Questions or ideas?</a:t>
-            </a:r>
-          </a:p>
-          <a:p>
-            <a:r>
-              <a:rPr lang="en-US" dirty="0"/>
-              <a:t>I’d value your feedback</a:t>
-            </a:r>
-          </a:p>
-        </p:txBody>
-      </p:sp>
-      <p:sp>
-        <p:nvSpPr>
-          <p:cNvPr id="3" name="Title 2"/>
-          <p:cNvSpPr>
-            <a:spLocks noGrp="1"/>
-          </p:cNvSpPr>
-          <p:nvPr>
-            <p:ph type="title"/>
-          </p:nvPr>
-        </p:nvSpPr>
-        <p:spPr/>
-        <p:txBody>
-          <a:bodyPr/>
-          <a:lstStyle/>
-          <a:p>
-            <a:r>
-              <a:rPr lang="en-US" dirty="0"/>
-              <a:t>Thanks!</a:t>
-            </a:r>
-          </a:p>
-        </p:txBody>
-      </p:sp>
-      <p:sp>
-        <p:nvSpPr>
-          <p:cNvPr id="4" name="Rectangle 3"/>
-          <p:cNvSpPr/>
-          <p:nvPr/>
-        </p:nvSpPr>
-        <p:spPr>
-          <a:xfrm>
-            <a:off x="0" y="0"/>
-            <a:ext cx="12192000" cy="127000"/>
-          </a:xfrm>
-          <a:prstGeom prst="rect">
-            <a:avLst/>
-          </a:prstGeom>
-          <a:solidFill>
-            <a:srgbClr val="17375E"/>
-          </a:solidFill>
-          <a:ln w="12700" cap="flat" cmpd="sng" algn="ctr">
-            <a:noFill/>
-            <a:prstDash val="solid"/>
-            <a:miter lim="800000"/>
-          </a:ln>
-          <a:effectLst/>
-          <a:extLst>
-            <a:ext uri="{91240B29-F687-4F45-9708-019B960494DF}">
-              <a14:hiddenLine xmlns:a14="http://schemas.microsoft.com/office/drawing/2010/main" w="12700" cap="flat" cmpd="sng" algn="ctr">
-                <a:solidFill>
-                  <a:schemeClr val="accent1">
-                    <a:shade val="50000"/>
-                  </a:schemeClr>
-                </a:solidFill>
-                <a:prstDash val="solid"/>
-                <a:miter lim="800000"/>
-              </a14:hiddenLine>
-            </a:ext>
-          </a:extLst>
-        </p:spPr>
-        <p:style>
-          <a:lnRef idx="2">
-            <a:schemeClr val="accent1">
-              <a:shade val="50000"/>
-            </a:schemeClr>
-          </a:lnRef>
-          <a:fillRef idx="1">
-            <a:schemeClr val="accent1"/>
-          </a:fillRef>
-          <a:effectRef idx="0">
-            <a:schemeClr val="accent1"/>
-          </a:effectRef>
-          <a:fontRef idx="minor">
-            <a:schemeClr val="lt1"/>
-          </a:fontRef>
-        </p:style>
-        <p:txBody>
-          <a:bodyPr rtlCol="0" anchor="ctr"/>
-          <a:lstStyle/>
-          <a:p>
-            <a:pPr algn="ctr"/>
-            <a:endParaRPr lang="en-US"/>
-          </a:p>
-        </p:txBody>
-      </p:sp>
-      <p:sp>
-        <p:nvSpPr>
-          <p:cNvPr id="5" name="Rectangle 4"/>
-          <p:cNvSpPr/>
-          <p:nvPr/>
-        </p:nvSpPr>
-        <p:spPr>
-          <a:xfrm>
-            <a:off x="0" y="0"/>
-            <a:ext cx="12192000" cy="127000"/>
-          </a:xfrm>
-          <a:prstGeom prst="rect">
-            <a:avLst/>
-          </a:prstGeom>
-          <a:solidFill>
-            <a:srgbClr val="7227BC"/>
-          </a:solidFill>
-          <a:ln w="12700" cap="flat" cmpd="sng" algn="ctr">
-            <a:noFill/>
-            <a:prstDash val="solid"/>
-            <a:miter lim="800000"/>
-          </a:ln>
-          <a:effectLst/>
-          <a:extLst>
-            <a:ext uri="{91240B29-F687-4F45-9708-019B960494DF}">
-              <a14:hiddenLine xmlns:a14="http://schemas.microsoft.com/office/drawing/2010/main" w="12700" cap="flat" cmpd="sng" algn="ctr">
-                <a:solidFill>
-                  <a:schemeClr val="accent1">
-                    <a:shade val="50000"/>
-                  </a:schemeClr>
-                </a:solidFill>
-                <a:prstDash val="solid"/>
-                <a:miter lim="800000"/>
-              </a14:hiddenLine>
-            </a:ext>
-          </a:extLst>
-        </p:spPr>
-        <p:style>
-          <a:lnRef idx="2">
-            <a:schemeClr val="accent1">
-              <a:shade val="50000"/>
-            </a:schemeClr>
-          </a:lnRef>
-          <a:fillRef idx="1">
-            <a:schemeClr val="accent1"/>
-          </a:fillRef>
-          <a:effectRef idx="0">
-            <a:schemeClr val="accent1"/>
-          </a:effectRef>
-          <a:fontRef idx="minor">
-            <a:schemeClr val="lt1"/>
-          </a:fontRef>
-        </p:style>
-        <p:txBody>
-          <a:bodyPr rtlCol="0" anchor="ctr"/>
-          <a:lstStyle/>
-          <a:p>
-            <a:pPr algn="ctr"/>
-            <a:endParaRPr lang="en-US"/>
-          </a:p>
-        </p:txBody>
-      </p:sp>
-      <p:sp>
-        <p:nvSpPr>
-          <p:cNvPr id="6" name="Rectangle 5"/>
-          <p:cNvSpPr/>
-          <p:nvPr/>
-        </p:nvSpPr>
-        <p:spPr>
-          <a:xfrm>
-            <a:off x="0" y="0"/>
-            <a:ext cx="12192000" cy="127000"/>
-          </a:xfrm>
-          <a:prstGeom prst="rect">
-            <a:avLst/>
-          </a:prstGeom>
-          <a:solidFill>
-            <a:srgbClr val="7227BC"/>
-          </a:solidFill>
-          <a:ln w="12700" cap="flat" cmpd="sng" algn="ctr">
-            <a:noFill/>
-            <a:prstDash val="solid"/>
-            <a:miter lim="800000"/>
-          </a:ln>
-          <a:effectLst/>
-          <a:extLst>
-            <a:ext uri="{91240B29-F687-4F45-9708-019B960494DF}">
-              <a14:hiddenLine xmlns:a14="http://schemas.microsoft.com/office/drawing/2010/main" w="12700" cap="flat" cmpd="sng" algn="ctr">
-                <a:solidFill>
-                  <a:schemeClr val="accent1">
-                    <a:shade val="50000"/>
-                  </a:schemeClr>
-                </a:solidFill>
-                <a:prstDash val="solid"/>
-                <a:miter lim="800000"/>
-              </a14:hiddenLine>
-            </a:ext>
-          </a:extLst>
-        </p:spPr>
-        <p:style>
-          <a:lnRef idx="2">
-            <a:schemeClr val="accent1">
-              <a:shade val="50000"/>
-            </a:schemeClr>
-          </a:lnRef>
-          <a:fillRef idx="1">
-            <a:schemeClr val="accent1"/>
-          </a:fillRef>
-          <a:effectRef idx="0">
-            <a:schemeClr val="accent1"/>
-          </a:effectRef>
-          <a:fontRef idx="minor">
-            <a:schemeClr val="lt1"/>
-          </a:fontRef>
-        </p:style>
-        <p:txBody>
-          <a:bodyPr rtlCol="0" anchor="ctr"/>
-          <a:lstStyle/>
-          <a:p>
-            <a:pPr algn="ctr"/>
-            <a:endParaRPr lang="en-US"/>
-          </a:p>
-        </p:txBody>
-      </p:sp>
-    </p:spTree>
-    <p:extLst>
-      <p:ext uri="{BB962C8B-B14F-4D97-AF65-F5344CB8AC3E}">
-        <p14:creationId xmlns:p14="http://schemas.microsoft.com/office/powerpoint/2010/main" val="2315339923"/>
-      </p:ext>
-    </p:extLst>
-  </p:cSld>
-  <p:clrMapOvr>
-    <a:masterClrMapping/>
-  </p:clrMapOvr>
+  <mc:AlternateContent xmlns:mc="http://schemas.openxmlformats.org/markup-compatibility/2006">
+    <mc:Choice xmlns:p14="http://schemas.microsoft.com/office/powerpoint/2010/main" Requires="p14">
+      <p:transition spd="slow" p14:dur="2000" advTm="42551"/>
+    </mc:Choice>
+    <mc:Fallback>
+      <p:transition spd="slow" advTm="42551"/>
+    </mc:Fallback>
+  </mc:AlternateContent>
 </p:sld>
 </file>
 
@@ -12920,6 +11722,14 @@
   <p:clrMapOvr>
     <a:masterClrMapping/>
   </p:clrMapOvr>
+  <mc:AlternateContent xmlns:mc="http://schemas.openxmlformats.org/markup-compatibility/2006">
+    <mc:Choice xmlns:p14="http://schemas.microsoft.com/office/powerpoint/2010/main" Requires="p14">
+      <p:transition spd="slow" p14:dur="2000" advTm="59114"/>
+    </mc:Choice>
+    <mc:Fallback>
+      <p:transition spd="slow" advTm="59114"/>
+    </mc:Fallback>
+  </mc:AlternateContent>
 </p:sld>
 </file>
 
@@ -13167,12 +11977,12 @@
   <p:clrMapOvr>
     <a:masterClrMapping/>
   </p:clrMapOvr>
-  <mc:AlternateContent xmlns:mc="http://schemas.openxmlformats.org/markup-compatibility/2006" xmlns:p14="http://schemas.microsoft.com/office/powerpoint/2010/main">
-    <mc:Choice Requires="p14">
-      <p:transition p14:dur="10"/>
+  <mc:AlternateContent xmlns:mc="http://schemas.openxmlformats.org/markup-compatibility/2006">
+    <mc:Choice xmlns:p14="http://schemas.microsoft.com/office/powerpoint/2010/main" Requires="p14">
+      <p:transition p14:dur="10" advTm="15604"/>
     </mc:Choice>
-    <mc:Fallback xmlns="">
-      <p:transition/>
+    <mc:Fallback>
+      <p:transition advTm="15604"/>
     </mc:Fallback>
   </mc:AlternateContent>
 </p:sld>
@@ -13454,6 +12264,9 @@
         </p:txBody>
       </p:sp>
     </p:spTree>
+    <p:custDataLst>
+      <p:tags r:id="rId1"/>
+    </p:custDataLst>
     <p:extLst>
       <p:ext uri="{BB962C8B-B14F-4D97-AF65-F5344CB8AC3E}">
         <p14:creationId xmlns:p14="http://schemas.microsoft.com/office/powerpoint/2010/main" val="3794098430"/>
@@ -13463,6 +12276,14 @@
   <p:clrMapOvr>
     <a:masterClrMapping/>
   </p:clrMapOvr>
+  <mc:AlternateContent xmlns:mc="http://schemas.openxmlformats.org/markup-compatibility/2006">
+    <mc:Choice xmlns:p14="http://schemas.microsoft.com/office/powerpoint/2010/main" Requires="p14">
+      <p:transition spd="slow" p14:dur="2000" advTm="196630"/>
+    </mc:Choice>
+    <mc:Fallback>
+      <p:transition spd="slow" advTm="196630"/>
+    </mc:Fallback>
+  </mc:AlternateContent>
   <p:timing>
     <p:tnLst>
       <p:par>
@@ -13985,6 +12806,14 @@
   <p:clrMapOvr>
     <a:masterClrMapping/>
   </p:clrMapOvr>
+  <mc:AlternateContent xmlns:mc="http://schemas.openxmlformats.org/markup-compatibility/2006">
+    <mc:Choice xmlns:p14="http://schemas.microsoft.com/office/powerpoint/2010/main" Requires="p14">
+      <p:transition spd="slow" p14:dur="2000" advTm="198752"/>
+    </mc:Choice>
+    <mc:Fallback>
+      <p:transition spd="slow" advTm="198752"/>
+    </mc:Fallback>
+  </mc:AlternateContent>
 </p:sld>
 </file>
 
@@ -14309,6 +13138,14 @@
   <p:clrMapOvr>
     <a:masterClrMapping/>
   </p:clrMapOvr>
+  <mc:AlternateContent xmlns:mc="http://schemas.openxmlformats.org/markup-compatibility/2006">
+    <mc:Choice xmlns:p14="http://schemas.microsoft.com/office/powerpoint/2010/main" Requires="p14">
+      <p:transition spd="slow" p14:dur="2000" advTm="75958"/>
+    </mc:Choice>
+    <mc:Fallback>
+      <p:transition spd="slow" advTm="75958"/>
+    </mc:Fallback>
+  </mc:AlternateContent>
 </p:sld>
 </file>
 
@@ -14590,7 +13427,21 @@
   <p:clrMapOvr>
     <a:masterClrMapping/>
   </p:clrMapOvr>
+  <mc:AlternateContent xmlns:mc="http://schemas.openxmlformats.org/markup-compatibility/2006">
+    <mc:Choice xmlns:p14="http://schemas.microsoft.com/office/powerpoint/2010/main" Requires="p14">
+      <p:transition spd="slow" p14:dur="2000" advTm="149858"/>
+    </mc:Choice>
+    <mc:Fallback>
+      <p:transition spd="slow" advTm="149858"/>
+    </mc:Fallback>
+  </mc:AlternateContent>
 </p:sld>
+</file>
+
+<file path=ppt/tags/tag1.xml><?xml version="1.0" encoding="utf-8"?>
+<p:tagLst xmlns:a="http://schemas.openxmlformats.org/drawingml/2006/main" xmlns:r="http://schemas.openxmlformats.org/officeDocument/2006/relationships" xmlns:p="http://schemas.openxmlformats.org/presentationml/2006/main">
+  <p:tag name="TIMING" val="|28.2|93.9"/>
+</p:tagLst>
 </file>
 
 <file path=ppt/theme/theme1.xml><?xml version="1.0" encoding="utf-8"?>
